--- a/Progetto Ingegneria SW.pptx
+++ b/Progetto Ingegneria SW.pptx
@@ -5,25 +5,26 @@
     <p:sldMasterId id="2147483648" r:id="rId1"/>
   </p:sldMasterIdLst>
   <p:notesMasterIdLst>
-    <p:notesMasterId r:id="rId15"/>
+    <p:notesMasterId r:id="rId16"/>
   </p:notesMasterIdLst>
   <p:handoutMasterIdLst>
-    <p:handoutMasterId r:id="rId16"/>
+    <p:handoutMasterId r:id="rId17"/>
   </p:handoutMasterIdLst>
   <p:sldIdLst>
     <p:sldId id="256" r:id="rId2"/>
-    <p:sldId id="259" r:id="rId3"/>
-    <p:sldId id="269" r:id="rId4"/>
-    <p:sldId id="272" r:id="rId5"/>
-    <p:sldId id="273" r:id="rId6"/>
+    <p:sldId id="275" r:id="rId3"/>
+    <p:sldId id="259" r:id="rId4"/>
+    <p:sldId id="269" r:id="rId5"/>
+    <p:sldId id="272" r:id="rId6"/>
     <p:sldId id="274" r:id="rId7"/>
-    <p:sldId id="260" r:id="rId8"/>
-    <p:sldId id="271" r:id="rId9"/>
-    <p:sldId id="262" r:id="rId10"/>
-    <p:sldId id="263" r:id="rId11"/>
-    <p:sldId id="265" r:id="rId12"/>
-    <p:sldId id="264" r:id="rId13"/>
-    <p:sldId id="270" r:id="rId14"/>
+    <p:sldId id="276" r:id="rId8"/>
+    <p:sldId id="260" r:id="rId9"/>
+    <p:sldId id="271" r:id="rId10"/>
+    <p:sldId id="262" r:id="rId11"/>
+    <p:sldId id="263" r:id="rId12"/>
+    <p:sldId id="265" r:id="rId13"/>
+    <p:sldId id="264" r:id="rId14"/>
+    <p:sldId id="270" r:id="rId15"/>
   </p:sldIdLst>
   <p:sldSz cx="12192000" cy="6858000"/>
   <p:notesSz cx="6858000" cy="9144000"/>
@@ -1373,7 +1374,7 @@
             <a:pPr rtl="0"/>
             <a:fld id="{BEFBFAFD-B367-4FDC-8BD6-0ED3AC1E8171}" type="datetime1">
               <a:rPr lang="it-IT" smtClean="0"/>
-              <a:t>22/05/2019</a:t>
+              <a:t>23/05/2019</a:t>
             </a:fld>
             <a:endParaRPr lang="it-IT" dirty="0"/>
           </a:p>
@@ -1555,7 +1556,7 @@
             <a:fld id="{358ABC55-7EA4-4B04-948D-8B6AA303BF20}" type="datetime1">
               <a:rPr lang="it-IT" noProof="0" smtClean="0"/>
               <a:pPr/>
-              <a:t>22/05/2019</a:t>
+              <a:t>23/05/2019</a:t>
             </a:fld>
             <a:endParaRPr lang="it-IT" noProof="0" dirty="0"/>
           </a:p>
@@ -1988,7 +1989,7 @@
     </p:spTree>
     <p:extLst>
       <p:ext uri="{BB962C8B-B14F-4D97-AF65-F5344CB8AC3E}">
-        <p14:creationId xmlns:p14="http://schemas.microsoft.com/office/powerpoint/2010/main" val="1565268936"/>
+        <p14:creationId xmlns:p14="http://schemas.microsoft.com/office/powerpoint/2010/main" val="291509927"/>
       </p:ext>
     </p:extLst>
   </p:cSld>
@@ -2074,7 +2075,7 @@
     </p:spTree>
     <p:extLst>
       <p:ext uri="{BB962C8B-B14F-4D97-AF65-F5344CB8AC3E}">
-        <p14:creationId xmlns:p14="http://schemas.microsoft.com/office/powerpoint/2010/main" val="2405347823"/>
+        <p14:creationId xmlns:p14="http://schemas.microsoft.com/office/powerpoint/2010/main" val="1565268936"/>
       </p:ext>
     </p:extLst>
   </p:cSld>
@@ -2160,7 +2161,7 @@
     </p:spTree>
     <p:extLst>
       <p:ext uri="{BB962C8B-B14F-4D97-AF65-F5344CB8AC3E}">
-        <p14:creationId xmlns:p14="http://schemas.microsoft.com/office/powerpoint/2010/main" val="969888881"/>
+        <p14:creationId xmlns:p14="http://schemas.microsoft.com/office/powerpoint/2010/main" val="2405347823"/>
       </p:ext>
     </p:extLst>
   </p:cSld>
@@ -2238,6 +2239,92 @@
             <a:fld id="{79230CFA-805A-4FD3-B3A0-DAAA5993DA17}" type="slidenum">
               <a:rPr lang="it-IT" smtClean="0"/>
               <a:t>13</a:t>
+            </a:fld>
+            <a:endParaRPr lang="it-IT" dirty="0"/>
+          </a:p>
+        </p:txBody>
+      </p:sp>
+    </p:spTree>
+    <p:extLst>
+      <p:ext uri="{BB962C8B-B14F-4D97-AF65-F5344CB8AC3E}">
+        <p14:creationId xmlns:p14="http://schemas.microsoft.com/office/powerpoint/2010/main" val="969888881"/>
+      </p:ext>
+    </p:extLst>
+  </p:cSld>
+  <p:clrMapOvr>
+    <a:masterClrMapping/>
+  </p:clrMapOvr>
+</p:notes>
+</file>
+
+<file path=ppt/notesSlides/notesSlide14.xml><?xml version="1.0" encoding="utf-8"?>
+<p:notes xmlns:a="http://schemas.openxmlformats.org/drawingml/2006/main" xmlns:r="http://schemas.openxmlformats.org/officeDocument/2006/relationships" xmlns:p="http://schemas.openxmlformats.org/presentationml/2006/main">
+  <p:cSld>
+    <p:spTree>
+      <p:nvGrpSpPr>
+        <p:cNvPr id="1" name=""/>
+        <p:cNvGrpSpPr/>
+        <p:nvPr/>
+      </p:nvGrpSpPr>
+      <p:grpSpPr>
+        <a:xfrm>
+          <a:off x="0" y="0"/>
+          <a:ext cx="0" cy="0"/>
+          <a:chOff x="0" y="0"/>
+          <a:chExt cx="0" cy="0"/>
+        </a:xfrm>
+      </p:grpSpPr>
+      <p:sp>
+        <p:nvSpPr>
+          <p:cNvPr id="2" name="Segnaposto immagine diapositiva 1"/>
+          <p:cNvSpPr>
+            <a:spLocks noGrp="1" noRot="1" noChangeAspect="1"/>
+          </p:cNvSpPr>
+          <p:nvPr>
+            <p:ph type="sldImg"/>
+          </p:nvPr>
+        </p:nvSpPr>
+        <p:spPr/>
+      </p:sp>
+      <p:sp>
+        <p:nvSpPr>
+          <p:cNvPr id="3" name="Segnaposto note 2"/>
+          <p:cNvSpPr>
+            <a:spLocks noGrp="1"/>
+          </p:cNvSpPr>
+          <p:nvPr>
+            <p:ph type="body" idx="1"/>
+          </p:nvPr>
+        </p:nvSpPr>
+        <p:spPr/>
+        <p:txBody>
+          <a:bodyPr rtlCol="0"/>
+          <a:lstStyle/>
+          <a:p>
+            <a:pPr rtl="0"/>
+            <a:endParaRPr lang="it-IT" dirty="0"/>
+          </a:p>
+        </p:txBody>
+      </p:sp>
+      <p:sp>
+        <p:nvSpPr>
+          <p:cNvPr id="4" name="Segnaposto numero diapositiva 3"/>
+          <p:cNvSpPr>
+            <a:spLocks noGrp="1"/>
+          </p:cNvSpPr>
+          <p:nvPr>
+            <p:ph type="sldNum" sz="quarter" idx="5"/>
+          </p:nvPr>
+        </p:nvSpPr>
+        <p:spPr/>
+        <p:txBody>
+          <a:bodyPr rtlCol="0"/>
+          <a:lstStyle/>
+          <a:p>
+            <a:pPr rtl="0"/>
+            <a:fld id="{79230CFA-805A-4FD3-B3A0-DAAA5993DA17}" type="slidenum">
+              <a:rPr lang="it-IT" smtClean="0"/>
+              <a:t>14</a:t>
             </a:fld>
             <a:endParaRPr lang="it-IT" dirty="0"/>
           </a:p>
@@ -2332,7 +2419,7 @@
     </p:spTree>
     <p:extLst>
       <p:ext uri="{BB962C8B-B14F-4D97-AF65-F5344CB8AC3E}">
-        <p14:creationId xmlns:p14="http://schemas.microsoft.com/office/powerpoint/2010/main" val="1022454405"/>
+        <p14:creationId xmlns:p14="http://schemas.microsoft.com/office/powerpoint/2010/main" val="4156677576"/>
       </p:ext>
     </p:extLst>
   </p:cSld>
@@ -2418,7 +2505,7 @@
     </p:spTree>
     <p:extLst>
       <p:ext uri="{BB962C8B-B14F-4D97-AF65-F5344CB8AC3E}">
-        <p14:creationId xmlns:p14="http://schemas.microsoft.com/office/powerpoint/2010/main" val="2724845092"/>
+        <p14:creationId xmlns:p14="http://schemas.microsoft.com/office/powerpoint/2010/main" val="1022454405"/>
       </p:ext>
     </p:extLst>
   </p:cSld>
@@ -2504,7 +2591,7 @@
     </p:spTree>
     <p:extLst>
       <p:ext uri="{BB962C8B-B14F-4D97-AF65-F5344CB8AC3E}">
-        <p14:creationId xmlns:p14="http://schemas.microsoft.com/office/powerpoint/2010/main" val="2623000148"/>
+        <p14:creationId xmlns:p14="http://schemas.microsoft.com/office/powerpoint/2010/main" val="2724845092"/>
       </p:ext>
     </p:extLst>
   </p:cSld>
@@ -2590,7 +2677,7 @@
     </p:spTree>
     <p:extLst>
       <p:ext uri="{BB962C8B-B14F-4D97-AF65-F5344CB8AC3E}">
-        <p14:creationId xmlns:p14="http://schemas.microsoft.com/office/powerpoint/2010/main" val="1981098230"/>
+        <p14:creationId xmlns:p14="http://schemas.microsoft.com/office/powerpoint/2010/main" val="2623000148"/>
       </p:ext>
     </p:extLst>
   </p:cSld>
@@ -2762,7 +2849,7 @@
     </p:spTree>
     <p:extLst>
       <p:ext uri="{BB962C8B-B14F-4D97-AF65-F5344CB8AC3E}">
-        <p14:creationId xmlns:p14="http://schemas.microsoft.com/office/powerpoint/2010/main" val="4185141827"/>
+        <p14:creationId xmlns:p14="http://schemas.microsoft.com/office/powerpoint/2010/main" val="2801677631"/>
       </p:ext>
     </p:extLst>
   </p:cSld>
@@ -2848,7 +2935,7 @@
     </p:spTree>
     <p:extLst>
       <p:ext uri="{BB962C8B-B14F-4D97-AF65-F5344CB8AC3E}">
-        <p14:creationId xmlns:p14="http://schemas.microsoft.com/office/powerpoint/2010/main" val="1535568911"/>
+        <p14:creationId xmlns:p14="http://schemas.microsoft.com/office/powerpoint/2010/main" val="4185141827"/>
       </p:ext>
     </p:extLst>
   </p:cSld>
@@ -2934,7 +3021,7 @@
     </p:spTree>
     <p:extLst>
       <p:ext uri="{BB962C8B-B14F-4D97-AF65-F5344CB8AC3E}">
-        <p14:creationId xmlns:p14="http://schemas.microsoft.com/office/powerpoint/2010/main" val="291509927"/>
+        <p14:creationId xmlns:p14="http://schemas.microsoft.com/office/powerpoint/2010/main" val="1535568911"/>
       </p:ext>
     </p:extLst>
   </p:cSld>
@@ -16090,7 +16177,7 @@
             </a:r>
             <a:r>
               <a:rPr lang="it-IT" dirty="0"/>
-              <a:t> Matteo 71827</a:t>
+              <a:t> Matteo 715827</a:t>
             </a:r>
           </a:p>
         </p:txBody>
@@ -16139,6 +16226,483 @@
 </file>
 
 <file path=ppt/slides/slide10.xml><?xml version="1.0" encoding="utf-8"?>
+<p:sld xmlns:a="http://schemas.openxmlformats.org/drawingml/2006/main" xmlns:r="http://schemas.openxmlformats.org/officeDocument/2006/relationships" xmlns:p="http://schemas.openxmlformats.org/presentationml/2006/main">
+  <p:cSld>
+    <p:spTree>
+      <p:nvGrpSpPr>
+        <p:cNvPr id="1" name=""/>
+        <p:cNvGrpSpPr/>
+        <p:nvPr/>
+      </p:nvGrpSpPr>
+      <p:grpSpPr>
+        <a:xfrm>
+          <a:off x="0" y="0"/>
+          <a:ext cx="0" cy="0"/>
+          <a:chOff x="0" y="0"/>
+          <a:chExt cx="0" cy="0"/>
+        </a:xfrm>
+      </p:grpSpPr>
+      <p:sp>
+        <p:nvSpPr>
+          <p:cNvPr id="18" name="Titolo 13">
+            <a:extLst>
+              <a:ext uri="{FF2B5EF4-FFF2-40B4-BE49-F238E27FC236}">
+                <a16:creationId xmlns:a16="http://schemas.microsoft.com/office/drawing/2014/main" id="{92896B42-4638-40D0-8887-7AB8D1D86B3D}"/>
+              </a:ext>
+            </a:extLst>
+          </p:cNvPr>
+          <p:cNvSpPr>
+            <a:spLocks noGrp="1"/>
+          </p:cNvSpPr>
+          <p:nvPr>
+            <p:ph type="title"/>
+          </p:nvPr>
+        </p:nvSpPr>
+        <p:spPr/>
+        <p:txBody>
+          <a:bodyPr rtlCol="0"/>
+          <a:lstStyle/>
+          <a:p>
+            <a:pPr rtl="0"/>
+            <a:r>
+              <a:rPr lang="it-IT" b="0" dirty="0"/>
+              <a:t>Opzione</a:t>
+            </a:r>
+            <a:r>
+              <a:rPr lang="it-IT" dirty="0"/>
+              <a:t> grafico</a:t>
+            </a:r>
+          </a:p>
+        </p:txBody>
+      </p:sp>
+      <p:sp>
+        <p:nvSpPr>
+          <p:cNvPr id="17" name="Segnaposto testo 18">
+            <a:extLst>
+              <a:ext uri="{FF2B5EF4-FFF2-40B4-BE49-F238E27FC236}">
+                <a16:creationId xmlns:a16="http://schemas.microsoft.com/office/drawing/2014/main" id="{D7CE36F2-C321-46C5-AFD9-00917224D390}"/>
+              </a:ext>
+            </a:extLst>
+          </p:cNvPr>
+          <p:cNvSpPr>
+            <a:spLocks noGrp="1"/>
+          </p:cNvSpPr>
+          <p:nvPr>
+            <p:ph type="body" sz="quarter" idx="16"/>
+          </p:nvPr>
+        </p:nvSpPr>
+        <p:spPr/>
+        <p:txBody>
+          <a:bodyPr rtlCol="0"/>
+          <a:lstStyle/>
+          <a:p>
+            <a:pPr rtl="0"/>
+            <a:r>
+              <a:rPr lang="it-IT" dirty="0"/>
+              <a:t>LOREM IPSUM DOLOR SIT AMET</a:t>
+            </a:r>
+          </a:p>
+        </p:txBody>
+      </p:sp>
+      <p:sp>
+        <p:nvSpPr>
+          <p:cNvPr id="33" name="Segnaposto testo 32">
+            <a:extLst>
+              <a:ext uri="{FF2B5EF4-FFF2-40B4-BE49-F238E27FC236}">
+                <a16:creationId xmlns:a16="http://schemas.microsoft.com/office/drawing/2014/main" id="{7CFD0302-279C-8A48-9E27-AD5B08D6501E}"/>
+              </a:ext>
+            </a:extLst>
+          </p:cNvPr>
+          <p:cNvSpPr>
+            <a:spLocks noGrp="1"/>
+          </p:cNvSpPr>
+          <p:nvPr>
+            <p:ph type="body" sz="quarter" idx="19"/>
+          </p:nvPr>
+        </p:nvSpPr>
+        <p:spPr/>
+        <p:txBody>
+          <a:bodyPr rtlCol="0"/>
+          <a:lstStyle/>
+          <a:p>
+            <a:pPr rtl="0">
+              <a:buClr>
+                <a:schemeClr val="accent2"/>
+              </a:buClr>
+            </a:pPr>
+            <a:r>
+              <a:rPr lang="it-IT" dirty="0" err="1"/>
+              <a:t>Lorem</a:t>
+            </a:r>
+            <a:r>
+              <a:rPr lang="it-IT" dirty="0"/>
+              <a:t> </a:t>
+            </a:r>
+            <a:r>
+              <a:rPr lang="it-IT" dirty="0" err="1"/>
+              <a:t>ipsum</a:t>
+            </a:r>
+            <a:r>
+              <a:rPr lang="it-IT" dirty="0"/>
+              <a:t> </a:t>
+            </a:r>
+            <a:r>
+              <a:rPr lang="it-IT" dirty="0" err="1"/>
+              <a:t>dolor</a:t>
+            </a:r>
+            <a:r>
+              <a:rPr lang="it-IT" dirty="0"/>
+              <a:t> </a:t>
+            </a:r>
+            <a:r>
+              <a:rPr lang="it-IT" dirty="0" err="1"/>
+              <a:t>sit</a:t>
+            </a:r>
+            <a:r>
+              <a:rPr lang="it-IT" dirty="0"/>
+              <a:t> </a:t>
+            </a:r>
+            <a:r>
+              <a:rPr lang="it-IT" dirty="0" err="1"/>
+              <a:t>amet</a:t>
+            </a:r>
+            <a:r>
+              <a:rPr lang="it-IT" dirty="0"/>
+              <a:t>, </a:t>
+            </a:r>
+            <a:r>
+              <a:rPr lang="it-IT" dirty="0" err="1"/>
+              <a:t>consectetur</a:t>
+            </a:r>
+            <a:r>
+              <a:rPr lang="it-IT" dirty="0"/>
+              <a:t> </a:t>
+            </a:r>
+            <a:r>
+              <a:rPr lang="it-IT" dirty="0" err="1"/>
+              <a:t>adipiscing</a:t>
+            </a:r>
+            <a:r>
+              <a:rPr lang="it-IT" dirty="0"/>
+              <a:t> </a:t>
+            </a:r>
+            <a:r>
+              <a:rPr lang="it-IT" dirty="0" err="1"/>
+              <a:t>elit</a:t>
+            </a:r>
+            <a:r>
+              <a:rPr lang="it-IT" dirty="0"/>
+              <a:t>. </a:t>
+            </a:r>
+          </a:p>
+          <a:p>
+            <a:pPr rtl="0">
+              <a:buClr>
+                <a:schemeClr val="accent2"/>
+              </a:buClr>
+            </a:pPr>
+            <a:r>
+              <a:rPr lang="it-IT" dirty="0"/>
+              <a:t>Ut </a:t>
+            </a:r>
+            <a:r>
+              <a:rPr lang="it-IT" dirty="0" err="1"/>
+              <a:t>fermentum</a:t>
+            </a:r>
+            <a:r>
+              <a:rPr lang="it-IT" dirty="0"/>
+              <a:t> a magna ut </a:t>
+            </a:r>
+            <a:r>
+              <a:rPr lang="it-IT" dirty="0" err="1"/>
+              <a:t>eleifend</a:t>
+            </a:r>
+            <a:r>
+              <a:rPr lang="it-IT" dirty="0"/>
+              <a:t>. </a:t>
+            </a:r>
+            <a:r>
+              <a:rPr lang="it-IT" dirty="0" err="1"/>
+              <a:t>Integer</a:t>
+            </a:r>
+            <a:r>
+              <a:rPr lang="it-IT" dirty="0"/>
+              <a:t> </a:t>
+            </a:r>
+            <a:r>
+              <a:rPr lang="it-IT" dirty="0" err="1"/>
+              <a:t>convallis</a:t>
+            </a:r>
+            <a:r>
+              <a:rPr lang="it-IT" dirty="0"/>
+              <a:t> </a:t>
+            </a:r>
+            <a:r>
+              <a:rPr lang="it-IT" dirty="0" err="1"/>
+              <a:t>suscipit</a:t>
+            </a:r>
+            <a:r>
+              <a:rPr lang="it-IT" dirty="0"/>
+              <a:t> ante </a:t>
+            </a:r>
+            <a:r>
+              <a:rPr lang="it-IT" dirty="0" err="1"/>
+              <a:t>eu</a:t>
+            </a:r>
+            <a:r>
+              <a:rPr lang="it-IT" dirty="0"/>
+              <a:t> </a:t>
+            </a:r>
+            <a:r>
+              <a:rPr lang="it-IT" dirty="0" err="1"/>
+              <a:t>varius</a:t>
+            </a:r>
+            <a:r>
+              <a:rPr lang="it-IT" dirty="0"/>
+              <a:t>. </a:t>
+            </a:r>
+          </a:p>
+          <a:p>
+            <a:pPr rtl="0">
+              <a:buClr>
+                <a:schemeClr val="accent2"/>
+              </a:buClr>
+            </a:pPr>
+            <a:r>
+              <a:rPr lang="it-IT" dirty="0"/>
+              <a:t>Morbi a </a:t>
+            </a:r>
+            <a:r>
+              <a:rPr lang="it-IT" dirty="0" err="1"/>
+              <a:t>purus</a:t>
+            </a:r>
+            <a:r>
+              <a:rPr lang="it-IT" dirty="0"/>
+              <a:t> </a:t>
+            </a:r>
+            <a:r>
+              <a:rPr lang="it-IT" dirty="0" err="1"/>
+              <a:t>dolor</a:t>
+            </a:r>
+            <a:r>
+              <a:rPr lang="it-IT" dirty="0"/>
+              <a:t>. </a:t>
+            </a:r>
+            <a:r>
+              <a:rPr lang="it-IT" dirty="0" err="1"/>
+              <a:t>Suspendisse</a:t>
+            </a:r>
+            <a:r>
+              <a:rPr lang="it-IT" dirty="0"/>
+              <a:t> </a:t>
+            </a:r>
+            <a:r>
+              <a:rPr lang="it-IT" dirty="0" err="1"/>
+              <a:t>sit</a:t>
+            </a:r>
+            <a:r>
+              <a:rPr lang="it-IT" dirty="0"/>
+              <a:t> </a:t>
+            </a:r>
+            <a:r>
+              <a:rPr lang="it-IT" dirty="0" err="1"/>
+              <a:t>amet</a:t>
+            </a:r>
+            <a:r>
+              <a:rPr lang="it-IT" dirty="0"/>
+              <a:t> </a:t>
+            </a:r>
+            <a:r>
+              <a:rPr lang="it-IT" dirty="0" err="1"/>
+              <a:t>ipsum</a:t>
+            </a:r>
+            <a:r>
+              <a:rPr lang="it-IT" dirty="0"/>
+              <a:t> </a:t>
+            </a:r>
+            <a:r>
+              <a:rPr lang="it-IT" dirty="0" err="1"/>
+              <a:t>finibus</a:t>
+            </a:r>
+            <a:r>
+              <a:rPr lang="it-IT" dirty="0"/>
+              <a:t> </a:t>
+            </a:r>
+            <a:r>
+              <a:rPr lang="it-IT" dirty="0" err="1"/>
+              <a:t>justo</a:t>
+            </a:r>
+            <a:r>
+              <a:rPr lang="it-IT" dirty="0"/>
+              <a:t> viverra </a:t>
+            </a:r>
+            <a:r>
+              <a:rPr lang="it-IT" dirty="0" err="1"/>
+              <a:t>blandit</a:t>
+            </a:r>
+            <a:r>
+              <a:rPr lang="it-IT" dirty="0"/>
+              <a:t>. </a:t>
+            </a:r>
+          </a:p>
+          <a:p>
+            <a:pPr rtl="0">
+              <a:buClr>
+                <a:schemeClr val="accent2"/>
+              </a:buClr>
+            </a:pPr>
+            <a:r>
+              <a:rPr lang="it-IT" dirty="0"/>
+              <a:t>Ut </a:t>
+            </a:r>
+            <a:r>
+              <a:rPr lang="it-IT" dirty="0" err="1"/>
+              <a:t>congue</a:t>
+            </a:r>
+            <a:r>
+              <a:rPr lang="it-IT" dirty="0"/>
+              <a:t> </a:t>
+            </a:r>
+            <a:r>
+              <a:rPr lang="it-IT" dirty="0" err="1"/>
+              <a:t>quis</a:t>
+            </a:r>
+            <a:r>
+              <a:rPr lang="it-IT" dirty="0"/>
+              <a:t> </a:t>
+            </a:r>
+            <a:r>
+              <a:rPr lang="it-IT" dirty="0" err="1"/>
+              <a:t>tortor</a:t>
+            </a:r>
+            <a:r>
+              <a:rPr lang="it-IT" dirty="0"/>
+              <a:t> </a:t>
+            </a:r>
+            <a:r>
+              <a:rPr lang="it-IT" dirty="0" err="1"/>
+              <a:t>eget</a:t>
+            </a:r>
+            <a:r>
+              <a:rPr lang="it-IT" dirty="0"/>
+              <a:t> </a:t>
+            </a:r>
+            <a:r>
+              <a:rPr lang="it-IT" dirty="0" err="1"/>
+              <a:t>sodales</a:t>
+            </a:r>
+            <a:r>
+              <a:rPr lang="it-IT" dirty="0"/>
+              <a:t>. </a:t>
+            </a:r>
+          </a:p>
+        </p:txBody>
+      </p:sp>
+      <p:graphicFrame>
+        <p:nvGraphicFramePr>
+          <p:cNvPr id="34" name="Segnaposto grafico 24" descr="Grafico a cilindro">
+            <a:extLst>
+              <a:ext uri="{FF2B5EF4-FFF2-40B4-BE49-F238E27FC236}">
+                <a16:creationId xmlns:a16="http://schemas.microsoft.com/office/drawing/2014/main" id="{71FC94C7-3179-A442-AB05-74D7AFF60709}"/>
+              </a:ext>
+            </a:extLst>
+          </p:cNvPr>
+          <p:cNvGraphicFramePr>
+            <a:graphicFrameLocks noGrp="1"/>
+          </p:cNvGraphicFramePr>
+          <p:nvPr>
+            <p:ph type="chart" sz="quarter" idx="10"/>
+            <p:extLst>
+              <p:ext uri="{D42A27DB-BD31-4B8C-83A1-F6EECF244321}">
+                <p14:modId xmlns:p14="http://schemas.microsoft.com/office/powerpoint/2010/main" val="3429668528"/>
+              </p:ext>
+            </p:extLst>
+          </p:nvPr>
+        </p:nvGraphicFramePr>
+        <p:xfrm>
+          <a:off x="5049147" y="1340797"/>
+          <a:ext cx="7106973" cy="4657090"/>
+        </p:xfrm>
+        <a:graphic>
+          <a:graphicData uri="http://schemas.openxmlformats.org/drawingml/2006/chart">
+            <c:chart xmlns:c="http://schemas.openxmlformats.org/drawingml/2006/chart" xmlns:r="http://schemas.openxmlformats.org/officeDocument/2006/relationships" r:id="rId3"/>
+          </a:graphicData>
+        </a:graphic>
+      </p:graphicFrame>
+      <p:sp>
+        <p:nvSpPr>
+          <p:cNvPr id="3" name="Segnaposto piè di pagina 2">
+            <a:extLst>
+              <a:ext uri="{FF2B5EF4-FFF2-40B4-BE49-F238E27FC236}">
+                <a16:creationId xmlns:a16="http://schemas.microsoft.com/office/drawing/2014/main" id="{B04C11C9-3DF6-471E-87C0-4DCED41031D4}"/>
+              </a:ext>
+            </a:extLst>
+          </p:cNvPr>
+          <p:cNvSpPr>
+            <a:spLocks noGrp="1"/>
+          </p:cNvSpPr>
+          <p:nvPr>
+            <p:ph type="ftr" sz="quarter" idx="17"/>
+          </p:nvPr>
+        </p:nvSpPr>
+        <p:spPr/>
+        <p:txBody>
+          <a:bodyPr rtlCol="0"/>
+          <a:lstStyle/>
+          <a:p>
+            <a:pPr rtl="0"/>
+            <a:r>
+              <a:rPr lang="it-IT" dirty="0"/>
+              <a:t>Aggiungere un piè di pagina</a:t>
+            </a:r>
+          </a:p>
+        </p:txBody>
+      </p:sp>
+      <p:sp>
+        <p:nvSpPr>
+          <p:cNvPr id="4" name="Segnaposto numero diapositiva 3">
+            <a:extLst>
+              <a:ext uri="{FF2B5EF4-FFF2-40B4-BE49-F238E27FC236}">
+                <a16:creationId xmlns:a16="http://schemas.microsoft.com/office/drawing/2014/main" id="{B2228214-87DB-4B3A-BD81-9A709A69BAAC}"/>
+              </a:ext>
+            </a:extLst>
+          </p:cNvPr>
+          <p:cNvSpPr>
+            <a:spLocks noGrp="1"/>
+          </p:cNvSpPr>
+          <p:nvPr>
+            <p:ph type="sldNum" sz="quarter" idx="18"/>
+          </p:nvPr>
+        </p:nvSpPr>
+        <p:spPr/>
+        <p:txBody>
+          <a:bodyPr rtlCol="0"/>
+          <a:lstStyle/>
+          <a:p>
+            <a:pPr rtl="0"/>
+            <a:fld id="{8699F50C-BE38-4BD0-BA84-9B090E1F2B9B}" type="slidenum">
+              <a:rPr lang="it-IT" smtClean="0"/>
+              <a:pPr rtl="0"/>
+              <a:t>10</a:t>
+            </a:fld>
+            <a:endParaRPr lang="it-IT" dirty="0"/>
+          </a:p>
+        </p:txBody>
+      </p:sp>
+    </p:spTree>
+    <p:extLst>
+      <p:ext uri="{BB962C8B-B14F-4D97-AF65-F5344CB8AC3E}">
+        <p14:creationId xmlns:p14="http://schemas.microsoft.com/office/powerpoint/2010/main" val="310042212"/>
+      </p:ext>
+    </p:extLst>
+  </p:cSld>
+  <p:clrMapOvr>
+    <a:masterClrMapping/>
+  </p:clrMapOvr>
+</p:sld>
+</file>
+
+<file path=ppt/slides/slide11.xml><?xml version="1.0" encoding="utf-8"?>
 <p:sld xmlns:a="http://schemas.openxmlformats.org/drawingml/2006/main" xmlns:r="http://schemas.openxmlformats.org/officeDocument/2006/relationships" xmlns:p="http://schemas.openxmlformats.org/presentationml/2006/main">
   <p:cSld>
     <p:spTree>
@@ -17261,7 +17825,7 @@
             <a:fld id="{8699F50C-BE38-4BD0-BA84-9B090E1F2B9B}" type="slidenum">
               <a:rPr lang="it-IT" smtClean="0"/>
               <a:pPr rtl="0"/>
-              <a:t>10</a:t>
+              <a:t>11</a:t>
             </a:fld>
             <a:endParaRPr lang="it-IT" dirty="0"/>
           </a:p>
@@ -17280,7 +17844,7 @@
 </p:sld>
 </file>
 
-<file path=ppt/slides/slide11.xml><?xml version="1.0" encoding="utf-8"?>
+<file path=ppt/slides/slide12.xml><?xml version="1.0" encoding="utf-8"?>
 <p:sld xmlns:a="http://schemas.openxmlformats.org/drawingml/2006/main" xmlns:r="http://schemas.openxmlformats.org/officeDocument/2006/relationships" xmlns:p="http://schemas.openxmlformats.org/presentationml/2006/main">
   <p:cSld>
     <p:spTree>
@@ -17378,7 +17942,7 @@
 </p:sld>
 </file>
 
-<file path=ppt/slides/slide12.xml><?xml version="1.0" encoding="utf-8"?>
+<file path=ppt/slides/slide13.xml><?xml version="1.0" encoding="utf-8"?>
 <p:sld xmlns:a="http://schemas.openxmlformats.org/drawingml/2006/main" xmlns:r="http://schemas.openxmlformats.org/officeDocument/2006/relationships" xmlns:p="http://schemas.openxmlformats.org/presentationml/2006/main">
   <p:cSld>
     <p:spTree>
@@ -17734,7 +18298,7 @@
 </p:sld>
 </file>
 
-<file path=ppt/slides/slide13.xml><?xml version="1.0" encoding="utf-8"?>
+<file path=ppt/slides/slide14.xml><?xml version="1.0" encoding="utf-8"?>
 <p:sld xmlns:a="http://schemas.openxmlformats.org/drawingml/2006/main" xmlns:r="http://schemas.openxmlformats.org/officeDocument/2006/relationships" xmlns:p="http://schemas.openxmlformats.org/presentationml/2006/main">
   <p:cSld>
     <p:spTree>
@@ -17845,7 +18409,7 @@
             <a:pPr rtl="0"/>
             <a:fld id="{8699F50C-BE38-4BD0-BA84-9B090E1F2B9B}" type="slidenum">
               <a:rPr lang="it-IT" smtClean="0"/>
-              <a:t>13</a:t>
+              <a:t>14</a:t>
             </a:fld>
             <a:endParaRPr lang="it-IT" dirty="0"/>
           </a:p>
@@ -17905,7 +18469,7 @@
             <a:pPr rtl="0"/>
             <a:r>
               <a:rPr lang="it-IT" dirty="0"/>
-              <a:t>Pattern GRASP</a:t>
+              <a:t>POLIMORFISMO</a:t>
             </a:r>
             <a:endParaRPr lang="it-IT" b="0" dirty="0"/>
           </a:p>
@@ -17935,7 +18499,7 @@
             <a:pPr rtl="0"/>
             <a:r>
               <a:rPr lang="it-IT" dirty="0"/>
-              <a:t>POLIMORFISMO</a:t>
+              <a:t>Pattern GRASP</a:t>
             </a:r>
           </a:p>
         </p:txBody>
@@ -17966,7 +18530,7 @@
             <a:pPr lvl="0" rtl="0"/>
             <a:r>
               <a:rPr lang="it-IT" dirty="0"/>
-              <a:t>**INSERIRE DIAGRAMMA UML**</a:t>
+              <a:t>Descrizione del problema e perché lo abbiamo usato</a:t>
             </a:r>
           </a:p>
         </p:txBody>
@@ -18034,7 +18598,7 @@
     </p:spTree>
     <p:extLst>
       <p:ext uri="{BB962C8B-B14F-4D97-AF65-F5344CB8AC3E}">
-        <p14:creationId xmlns:p14="http://schemas.microsoft.com/office/powerpoint/2010/main" val="972005540"/>
+        <p14:creationId xmlns:p14="http://schemas.microsoft.com/office/powerpoint/2010/main" val="2920423571"/>
       </p:ext>
     </p:extLst>
   </p:cSld>
@@ -18063,10 +18627,10 @@
       </p:grpSpPr>
       <p:sp>
         <p:nvSpPr>
-          <p:cNvPr id="14" name="Titolo 13">
-            <a:extLst>
-              <a:ext uri="{FF2B5EF4-FFF2-40B4-BE49-F238E27FC236}">
-                <a16:creationId xmlns:a16="http://schemas.microsoft.com/office/drawing/2014/main" id="{E3E5EE03-FBF6-46F5-8085-716AC6CE1C8C}"/>
+          <p:cNvPr id="4" name="Titolo 3">
+            <a:extLst>
+              <a:ext uri="{FF2B5EF4-FFF2-40B4-BE49-F238E27FC236}">
+                <a16:creationId xmlns:a16="http://schemas.microsoft.com/office/drawing/2014/main" id="{1ABE11BF-33A5-4653-A144-CCCBACF58C30}"/>
               </a:ext>
             </a:extLst>
           </p:cNvPr>
@@ -18084,12 +18648,8 @@
           <a:p>
             <a:pPr rtl="0"/>
             <a:r>
-              <a:rPr lang="it-IT" b="0" dirty="0"/>
-              <a:t>Pattern </a:t>
-            </a:r>
-            <a:r>
-              <a:rPr lang="it-IT" b="0" dirty="0" err="1"/>
-              <a:t>Grasp</a:t>
+              <a:rPr lang="it-IT" dirty="0"/>
+              <a:t>POLIMORFISMO</a:t>
             </a:r>
             <a:endParaRPr lang="it-IT" b="0" dirty="0"/>
           </a:p>
@@ -18097,10 +18657,10 @@
       </p:sp>
       <p:sp>
         <p:nvSpPr>
-          <p:cNvPr id="19" name="Segnaposto testo 18">
-            <a:extLst>
-              <a:ext uri="{FF2B5EF4-FFF2-40B4-BE49-F238E27FC236}">
-                <a16:creationId xmlns:a16="http://schemas.microsoft.com/office/drawing/2014/main" id="{DFE11F38-F66B-4F95-8224-6CCA69D57617}"/>
+          <p:cNvPr id="9" name="Segnaposto testo 8">
+            <a:extLst>
+              <a:ext uri="{FF2B5EF4-FFF2-40B4-BE49-F238E27FC236}">
+                <a16:creationId xmlns:a16="http://schemas.microsoft.com/office/drawing/2014/main" id="{53469036-D1FB-4164-96AE-B6D8CECCFC96}"/>
               </a:ext>
             </a:extLst>
           </p:cNvPr>
@@ -18108,7 +18668,7 @@
             <a:spLocks noGrp="1"/>
           </p:cNvSpPr>
           <p:nvPr>
-            <p:ph type="body" sz="quarter" idx="16"/>
+            <p:ph type="body" sz="quarter" idx="13"/>
           </p:nvPr>
         </p:nvSpPr>
         <p:spPr/>
@@ -18119,17 +18679,17 @@
             <a:pPr rtl="0"/>
             <a:r>
               <a:rPr lang="it-IT" dirty="0"/>
-              <a:t>POLIMORFISMO</a:t>
-            </a:r>
-          </a:p>
-        </p:txBody>
-      </p:sp>
-      <p:sp>
-        <p:nvSpPr>
-          <p:cNvPr id="15" name="Segnaposto testo 14">
-            <a:extLst>
-              <a:ext uri="{FF2B5EF4-FFF2-40B4-BE49-F238E27FC236}">
-                <a16:creationId xmlns:a16="http://schemas.microsoft.com/office/drawing/2014/main" id="{24E18385-8BEA-4522-ABAA-5AB38F0D4FC2}"/>
+              <a:t>Pattern GRASP</a:t>
+            </a:r>
+          </a:p>
+        </p:txBody>
+      </p:sp>
+      <p:sp>
+        <p:nvSpPr>
+          <p:cNvPr id="7" name="Segnaposto contenuto 6">
+            <a:extLst>
+              <a:ext uri="{FF2B5EF4-FFF2-40B4-BE49-F238E27FC236}">
+                <a16:creationId xmlns:a16="http://schemas.microsoft.com/office/drawing/2014/main" id="{2482DBEC-EE72-4155-ACC5-87E80C5606A9}"/>
               </a:ext>
             </a:extLst>
           </p:cNvPr>
@@ -18137,28 +18697,30 @@
             <a:spLocks noGrp="1"/>
           </p:cNvSpPr>
           <p:nvPr>
-            <p:ph type="body" idx="1"/>
+            <p:ph idx="1"/>
           </p:nvPr>
         </p:nvSpPr>
         <p:spPr/>
         <p:txBody>
-          <a:bodyPr rtlCol="0"/>
+          <a:bodyPr rtlCol="0">
+            <a:normAutofit/>
+          </a:bodyPr>
           <a:lstStyle/>
           <a:p>
-            <a:pPr rtl="0"/>
+            <a:pPr lvl="0" rtl="0"/>
             <a:r>
               <a:rPr lang="it-IT" dirty="0"/>
-              <a:t>Vantaggi</a:t>
-            </a:r>
-          </a:p>
-        </p:txBody>
-      </p:sp>
-      <p:sp>
-        <p:nvSpPr>
-          <p:cNvPr id="16" name="Segnaposto contenuto 15">
-            <a:extLst>
-              <a:ext uri="{FF2B5EF4-FFF2-40B4-BE49-F238E27FC236}">
-                <a16:creationId xmlns:a16="http://schemas.microsoft.com/office/drawing/2014/main" id="{1DCFA8A2-3FB8-48CA-933D-0800A9D2A2A2}"/>
+              <a:t>**INSERIRE DIAGRAMMA UML**</a:t>
+            </a:r>
+          </a:p>
+        </p:txBody>
+      </p:sp>
+      <p:sp>
+        <p:nvSpPr>
+          <p:cNvPr id="11" name="Segnaposto piè di pagina 10">
+            <a:extLst>
+              <a:ext uri="{FF2B5EF4-FFF2-40B4-BE49-F238E27FC236}">
+                <a16:creationId xmlns:a16="http://schemas.microsoft.com/office/drawing/2014/main" id="{47F4D2C2-B71A-4089-A3FE-603C32706CA6}"/>
               </a:ext>
             </a:extLst>
           </p:cNvPr>
@@ -18166,7 +18728,7 @@
             <a:spLocks noGrp="1"/>
           </p:cNvSpPr>
           <p:nvPr>
-            <p:ph sz="half" idx="13"/>
+            <p:ph type="ftr" sz="quarter" idx="14"/>
           </p:nvPr>
         </p:nvSpPr>
         <p:spPr/>
@@ -18174,46 +18736,20 @@
           <a:bodyPr rtlCol="0"/>
           <a:lstStyle/>
           <a:p>
-            <a:pPr rtl="0">
-              <a:buClr>
-                <a:schemeClr val="accent2"/>
-              </a:buClr>
-            </a:pPr>
+            <a:pPr rtl="0"/>
             <a:r>
               <a:rPr lang="it-IT" dirty="0"/>
-              <a:t>Le nuove categorie sono facili da aggiungere:</a:t>
-            </a:r>
-          </a:p>
-          <a:p>
-            <a:pPr lvl="1" rtl="0">
-              <a:buClr>
-                <a:schemeClr val="accent2"/>
-              </a:buClr>
-            </a:pPr>
-            <a:r>
-              <a:rPr lang="it-IT" dirty="0"/>
-              <a:t>Basta implementare il metodo astratto per l’aggiunta dei campi specifici di ogni categoria.</a:t>
-            </a:r>
-          </a:p>
-          <a:p>
-            <a:pPr lvl="1">
-              <a:buClr>
-                <a:schemeClr val="accent2"/>
-              </a:buClr>
-            </a:pPr>
-            <a:r>
-              <a:rPr lang="it-IT" dirty="0"/>
-              <a:t>Le nuove categorie non influenzano le classi utilizzatrici.</a:t>
-            </a:r>
-          </a:p>
-        </p:txBody>
-      </p:sp>
-      <p:sp>
-        <p:nvSpPr>
-          <p:cNvPr id="17" name="Segnaposto testo 16">
-            <a:extLst>
-              <a:ext uri="{FF2B5EF4-FFF2-40B4-BE49-F238E27FC236}">
-                <a16:creationId xmlns:a16="http://schemas.microsoft.com/office/drawing/2014/main" id="{640A3223-3DA3-4CF2-82B6-1447667547BD}"/>
+              <a:t>Aggiungere un piè di pagina</a:t>
+            </a:r>
+          </a:p>
+        </p:txBody>
+      </p:sp>
+      <p:sp>
+        <p:nvSpPr>
+          <p:cNvPr id="12" name="Segnaposto numero diapositiva 11">
+            <a:extLst>
+              <a:ext uri="{FF2B5EF4-FFF2-40B4-BE49-F238E27FC236}">
+                <a16:creationId xmlns:a16="http://schemas.microsoft.com/office/drawing/2014/main" id="{FBA1BB58-7555-4382-B178-7ED04E137E77}"/>
               </a:ext>
             </a:extLst>
           </p:cNvPr>
@@ -18221,145 +18757,13 @@
             <a:spLocks noGrp="1"/>
           </p:cNvSpPr>
           <p:nvPr>
-            <p:ph type="body" sz="quarter" idx="14"/>
+            <p:ph type="sldNum" sz="quarter" idx="15"/>
           </p:nvPr>
         </p:nvSpPr>
         <p:spPr/>
         <p:txBody>
           <a:bodyPr rtlCol="0"/>
           <a:lstStyle/>
-          <a:p>
-            <a:pPr rtl="0"/>
-            <a:r>
-              <a:rPr lang="it-IT" dirty="0"/>
-              <a:t>Servizio concorrente</a:t>
-            </a:r>
-          </a:p>
-        </p:txBody>
-      </p:sp>
-      <p:sp>
-        <p:nvSpPr>
-          <p:cNvPr id="18" name="Segnaposto contenuto 17">
-            <a:extLst>
-              <a:ext uri="{FF2B5EF4-FFF2-40B4-BE49-F238E27FC236}">
-                <a16:creationId xmlns:a16="http://schemas.microsoft.com/office/drawing/2014/main" id="{C955AFB3-173C-4848-B3E9-1375591B297E}"/>
-              </a:ext>
-            </a:extLst>
-          </p:cNvPr>
-          <p:cNvSpPr>
-            <a:spLocks noGrp="1"/>
-          </p:cNvSpPr>
-          <p:nvPr>
-            <p:ph sz="quarter" idx="15"/>
-          </p:nvPr>
-        </p:nvSpPr>
-        <p:spPr/>
-        <p:txBody>
-          <a:bodyPr rtlCol="0"/>
-          <a:lstStyle/>
-          <a:p>
-            <a:pPr rtl="0">
-              <a:buClr>
-                <a:schemeClr val="accent2"/>
-              </a:buClr>
-            </a:pPr>
-            <a:r>
-              <a:rPr lang="it-IT" dirty="0"/>
-              <a:t>Il pattern rappresenta una soluzione migliore all’utilizzo di uno Switch e di un case per ogni categoria:</a:t>
-            </a:r>
-          </a:p>
-          <a:p>
-            <a:pPr lvl="1">
-              <a:buClr>
-                <a:schemeClr val="accent2"/>
-              </a:buClr>
-            </a:pPr>
-            <a:r>
-              <a:rPr lang="it-IT" dirty="0"/>
-              <a:t>Il pattern </a:t>
-            </a:r>
-            <a:r>
-              <a:rPr lang="it-IT" dirty="0" err="1"/>
-              <a:t>Polymorphism</a:t>
-            </a:r>
-            <a:r>
-              <a:rPr lang="it-IT" dirty="0"/>
-              <a:t> permette di assegnare le responsabilità del comportamento ai tipi per i quali il comportamento varia.</a:t>
-            </a:r>
-          </a:p>
-        </p:txBody>
-      </p:sp>
-      <p:sp>
-        <p:nvSpPr>
-          <p:cNvPr id="20" name="Segnaposto piè di pagina 4">
-            <a:extLst>
-              <a:ext uri="{FF2B5EF4-FFF2-40B4-BE49-F238E27FC236}">
-                <a16:creationId xmlns:a16="http://schemas.microsoft.com/office/drawing/2014/main" id="{391D3201-20F9-4DD7-B4EB-F41AF17CA428}"/>
-              </a:ext>
-            </a:extLst>
-          </p:cNvPr>
-          <p:cNvSpPr>
-            <a:spLocks noGrp="1"/>
-          </p:cNvSpPr>
-          <p:nvPr>
-            <p:ph type="ftr" sz="quarter" idx="17"/>
-          </p:nvPr>
-        </p:nvSpPr>
-        <p:spPr/>
-        <p:txBody>
-          <a:bodyPr rtlCol="0"/>
-          <a:lstStyle>
-            <a:lvl1pPr algn="r">
-              <a:defRPr sz="1200">
-                <a:solidFill>
-                  <a:schemeClr val="tx1">
-                    <a:lumMod val="50000"/>
-                    <a:lumOff val="50000"/>
-                  </a:schemeClr>
-                </a:solidFill>
-              </a:defRPr>
-            </a:lvl1pPr>
-          </a:lstStyle>
-          <a:p>
-            <a:pPr algn="l" rtl="0"/>
-            <a:r>
-              <a:rPr lang="it-IT" dirty="0"/>
-              <a:t>Aggiungere un piè di pagina</a:t>
-            </a:r>
-          </a:p>
-        </p:txBody>
-      </p:sp>
-      <p:sp>
-        <p:nvSpPr>
-          <p:cNvPr id="21" name="Segnaposto numero diapositiva 5">
-            <a:extLst>
-              <a:ext uri="{FF2B5EF4-FFF2-40B4-BE49-F238E27FC236}">
-                <a16:creationId xmlns:a16="http://schemas.microsoft.com/office/drawing/2014/main" id="{C7C65DDB-24F2-44CF-AE02-F3A6C8B1858B}"/>
-              </a:ext>
-            </a:extLst>
-          </p:cNvPr>
-          <p:cNvSpPr>
-            <a:spLocks noGrp="1"/>
-          </p:cNvSpPr>
-          <p:nvPr>
-            <p:ph type="sldNum" sz="quarter" idx="18"/>
-          </p:nvPr>
-        </p:nvSpPr>
-        <p:spPr/>
-        <p:txBody>
-          <a:bodyPr rtlCol="0"/>
-          <a:lstStyle>
-            <a:lvl1pPr algn="r">
-              <a:defRPr sz="1200">
-                <a:solidFill>
-                  <a:schemeClr val="tx1">
-                    <a:lumMod val="50000"/>
-                    <a:lumOff val="50000"/>
-                  </a:schemeClr>
-                </a:solidFill>
-              </a:defRPr>
-            </a:lvl1pPr>
-          </a:lstStyle>
           <a:p>
             <a:pPr rtl="0"/>
             <a:fld id="{8699F50C-BE38-4BD0-BA84-9B090E1F2B9B}" type="slidenum">
@@ -18374,7 +18778,7 @@
     </p:spTree>
     <p:extLst>
       <p:ext uri="{BB962C8B-B14F-4D97-AF65-F5344CB8AC3E}">
-        <p14:creationId xmlns:p14="http://schemas.microsoft.com/office/powerpoint/2010/main" val="3891516162"/>
+        <p14:creationId xmlns:p14="http://schemas.microsoft.com/office/powerpoint/2010/main" val="972005540"/>
       </p:ext>
     </p:extLst>
   </p:cSld>
@@ -18403,10 +18807,10 @@
       </p:grpSpPr>
       <p:sp>
         <p:nvSpPr>
-          <p:cNvPr id="4" name="Titolo 3">
-            <a:extLst>
-              <a:ext uri="{FF2B5EF4-FFF2-40B4-BE49-F238E27FC236}">
-                <a16:creationId xmlns:a16="http://schemas.microsoft.com/office/drawing/2014/main" id="{1ABE11BF-33A5-4653-A144-CCCBACF58C30}"/>
+          <p:cNvPr id="14" name="Titolo 13">
+            <a:extLst>
+              <a:ext uri="{FF2B5EF4-FFF2-40B4-BE49-F238E27FC236}">
+                <a16:creationId xmlns:a16="http://schemas.microsoft.com/office/drawing/2014/main" id="{E3E5EE03-FBF6-46F5-8085-716AC6CE1C8C}"/>
               </a:ext>
             </a:extLst>
           </p:cNvPr>
@@ -18424,19 +18828,18 @@
           <a:p>
             <a:pPr rtl="0"/>
             <a:r>
-              <a:rPr lang="it-IT" dirty="0"/>
-              <a:t>Pattern GRASP</a:t>
-            </a:r>
-            <a:endParaRPr lang="it-IT" b="0" dirty="0"/>
-          </a:p>
-        </p:txBody>
-      </p:sp>
-      <p:sp>
-        <p:nvSpPr>
-          <p:cNvPr id="9" name="Segnaposto testo 8">
-            <a:extLst>
-              <a:ext uri="{FF2B5EF4-FFF2-40B4-BE49-F238E27FC236}">
-                <a16:creationId xmlns:a16="http://schemas.microsoft.com/office/drawing/2014/main" id="{53469036-D1FB-4164-96AE-B6D8CECCFC96}"/>
+              <a:rPr lang="it-IT" b="0" dirty="0"/>
+              <a:t>POLIMORFISMO</a:t>
+            </a:r>
+          </a:p>
+        </p:txBody>
+      </p:sp>
+      <p:sp>
+        <p:nvSpPr>
+          <p:cNvPr id="19" name="Segnaposto testo 18">
+            <a:extLst>
+              <a:ext uri="{FF2B5EF4-FFF2-40B4-BE49-F238E27FC236}">
+                <a16:creationId xmlns:a16="http://schemas.microsoft.com/office/drawing/2014/main" id="{DFE11F38-F66B-4F95-8224-6CCA69D57617}"/>
               </a:ext>
             </a:extLst>
           </p:cNvPr>
@@ -18444,7 +18847,7 @@
             <a:spLocks noGrp="1"/>
           </p:cNvSpPr>
           <p:nvPr>
-            <p:ph type="body" sz="quarter" idx="13"/>
+            <p:ph type="body" sz="quarter" idx="16"/>
           </p:nvPr>
         </p:nvSpPr>
         <p:spPr/>
@@ -18455,17 +18858,17 @@
             <a:pPr rtl="0"/>
             <a:r>
               <a:rPr lang="it-IT" dirty="0"/>
-              <a:t>LEGGE DI DEMETRA</a:t>
-            </a:r>
-          </a:p>
-        </p:txBody>
-      </p:sp>
-      <p:sp>
-        <p:nvSpPr>
-          <p:cNvPr id="7" name="Segnaposto contenuto 6">
-            <a:extLst>
-              <a:ext uri="{FF2B5EF4-FFF2-40B4-BE49-F238E27FC236}">
-                <a16:creationId xmlns:a16="http://schemas.microsoft.com/office/drawing/2014/main" id="{2482DBEC-EE72-4155-ACC5-87E80C5606A9}"/>
+              <a:t>Pattern GRASP</a:t>
+            </a:r>
+          </a:p>
+        </p:txBody>
+      </p:sp>
+      <p:sp>
+        <p:nvSpPr>
+          <p:cNvPr id="15" name="Segnaposto testo 14">
+            <a:extLst>
+              <a:ext uri="{FF2B5EF4-FFF2-40B4-BE49-F238E27FC236}">
+                <a16:creationId xmlns:a16="http://schemas.microsoft.com/office/drawing/2014/main" id="{24E18385-8BEA-4522-ABAA-5AB38F0D4FC2}"/>
               </a:ext>
             </a:extLst>
           </p:cNvPr>
@@ -18473,48 +18876,28 @@
             <a:spLocks noGrp="1"/>
           </p:cNvSpPr>
           <p:nvPr>
-            <p:ph idx="1"/>
+            <p:ph type="body" idx="1"/>
           </p:nvPr>
         </p:nvSpPr>
-        <p:spPr>
-          <a:xfrm>
-            <a:off x="531378" y="3129540"/>
-            <a:ext cx="6856558" cy="2958275"/>
-          </a:xfrm>
-        </p:spPr>
-        <p:txBody>
-          <a:bodyPr rtlCol="0">
-            <a:normAutofit/>
-          </a:bodyPr>
+        <p:spPr/>
+        <p:txBody>
+          <a:bodyPr rtlCol="0"/>
           <a:lstStyle/>
           <a:p>
-            <a:pPr lvl="0" rtl="0"/>
+            <a:pPr rtl="0"/>
             <a:r>
               <a:rPr lang="it-IT" dirty="0"/>
-              <a:t>Specializzazione del Pattern </a:t>
-            </a:r>
-            <a:r>
-              <a:rPr lang="it-IT" dirty="0" err="1"/>
-              <a:t>Protected</a:t>
-            </a:r>
-            <a:r>
-              <a:rPr lang="it-IT" dirty="0"/>
-              <a:t> </a:t>
-            </a:r>
-            <a:r>
-              <a:rPr lang="it-IT" dirty="0" err="1"/>
-              <a:t>Variation</a:t>
-            </a:r>
-            <a:endParaRPr lang="it-IT" dirty="0"/>
-          </a:p>
-        </p:txBody>
-      </p:sp>
-      <p:sp>
-        <p:nvSpPr>
-          <p:cNvPr id="11" name="Segnaposto piè di pagina 10">
-            <a:extLst>
-              <a:ext uri="{FF2B5EF4-FFF2-40B4-BE49-F238E27FC236}">
-                <a16:creationId xmlns:a16="http://schemas.microsoft.com/office/drawing/2014/main" id="{47F4D2C2-B71A-4089-A3FE-603C32706CA6}"/>
+              <a:t>Vantaggi</a:t>
+            </a:r>
+          </a:p>
+        </p:txBody>
+      </p:sp>
+      <p:sp>
+        <p:nvSpPr>
+          <p:cNvPr id="16" name="Segnaposto contenuto 15">
+            <a:extLst>
+              <a:ext uri="{FF2B5EF4-FFF2-40B4-BE49-F238E27FC236}">
+                <a16:creationId xmlns:a16="http://schemas.microsoft.com/office/drawing/2014/main" id="{1DCFA8A2-3FB8-48CA-933D-0800A9D2A2A2}"/>
               </a:ext>
             </a:extLst>
           </p:cNvPr>
@@ -18522,7 +18905,7 @@
             <a:spLocks noGrp="1"/>
           </p:cNvSpPr>
           <p:nvPr>
-            <p:ph type="ftr" sz="quarter" idx="14"/>
+            <p:ph sz="half" idx="13"/>
           </p:nvPr>
         </p:nvSpPr>
         <p:spPr/>
@@ -18530,20 +18913,46 @@
           <a:bodyPr rtlCol="0"/>
           <a:lstStyle/>
           <a:p>
-            <a:pPr rtl="0"/>
+            <a:pPr rtl="0">
+              <a:buClr>
+                <a:schemeClr val="accent2"/>
+              </a:buClr>
+            </a:pPr>
             <a:r>
               <a:rPr lang="it-IT" dirty="0"/>
-              <a:t>Aggiungere un piè di pagina</a:t>
-            </a:r>
-          </a:p>
-        </p:txBody>
-      </p:sp>
-      <p:sp>
-        <p:nvSpPr>
-          <p:cNvPr id="12" name="Segnaposto numero diapositiva 11">
-            <a:extLst>
-              <a:ext uri="{FF2B5EF4-FFF2-40B4-BE49-F238E27FC236}">
-                <a16:creationId xmlns:a16="http://schemas.microsoft.com/office/drawing/2014/main" id="{FBA1BB58-7555-4382-B178-7ED04E137E77}"/>
+              <a:t>Le nuove categorie sono facili da aggiungere:</a:t>
+            </a:r>
+          </a:p>
+          <a:p>
+            <a:pPr lvl="1" rtl="0">
+              <a:buClr>
+                <a:schemeClr val="accent2"/>
+              </a:buClr>
+            </a:pPr>
+            <a:r>
+              <a:rPr lang="it-IT" dirty="0"/>
+              <a:t>Basta implementare il metodo astratto per l’aggiunta dei campi specifici di ogni categoria.</a:t>
+            </a:r>
+          </a:p>
+          <a:p>
+            <a:pPr lvl="1">
+              <a:buClr>
+                <a:schemeClr val="accent2"/>
+              </a:buClr>
+            </a:pPr>
+            <a:r>
+              <a:rPr lang="it-IT" dirty="0"/>
+              <a:t>Le nuove categorie non influenzano le classi utilizzatrici.</a:t>
+            </a:r>
+          </a:p>
+        </p:txBody>
+      </p:sp>
+      <p:sp>
+        <p:nvSpPr>
+          <p:cNvPr id="17" name="Segnaposto testo 16">
+            <a:extLst>
+              <a:ext uri="{FF2B5EF4-FFF2-40B4-BE49-F238E27FC236}">
+                <a16:creationId xmlns:a16="http://schemas.microsoft.com/office/drawing/2014/main" id="{640A3223-3DA3-4CF2-82B6-1447667547BD}"/>
               </a:ext>
             </a:extLst>
           </p:cNvPr>
@@ -18551,13 +18960,145 @@
             <a:spLocks noGrp="1"/>
           </p:cNvSpPr>
           <p:nvPr>
-            <p:ph type="sldNum" sz="quarter" idx="15"/>
+            <p:ph type="body" sz="quarter" idx="14"/>
           </p:nvPr>
         </p:nvSpPr>
         <p:spPr/>
         <p:txBody>
           <a:bodyPr rtlCol="0"/>
           <a:lstStyle/>
+          <a:p>
+            <a:pPr rtl="0"/>
+            <a:r>
+              <a:rPr lang="it-IT" dirty="0"/>
+              <a:t>Servizio concorrente</a:t>
+            </a:r>
+          </a:p>
+        </p:txBody>
+      </p:sp>
+      <p:sp>
+        <p:nvSpPr>
+          <p:cNvPr id="18" name="Segnaposto contenuto 17">
+            <a:extLst>
+              <a:ext uri="{FF2B5EF4-FFF2-40B4-BE49-F238E27FC236}">
+                <a16:creationId xmlns:a16="http://schemas.microsoft.com/office/drawing/2014/main" id="{C955AFB3-173C-4848-B3E9-1375591B297E}"/>
+              </a:ext>
+            </a:extLst>
+          </p:cNvPr>
+          <p:cNvSpPr>
+            <a:spLocks noGrp="1"/>
+          </p:cNvSpPr>
+          <p:nvPr>
+            <p:ph sz="quarter" idx="15"/>
+          </p:nvPr>
+        </p:nvSpPr>
+        <p:spPr/>
+        <p:txBody>
+          <a:bodyPr rtlCol="0"/>
+          <a:lstStyle/>
+          <a:p>
+            <a:pPr rtl="0">
+              <a:buClr>
+                <a:schemeClr val="accent2"/>
+              </a:buClr>
+            </a:pPr>
+            <a:r>
+              <a:rPr lang="it-IT" dirty="0"/>
+              <a:t>Il pattern rappresenta una soluzione migliore all’utilizzo di uno Switch e di un case per ogni categoria:</a:t>
+            </a:r>
+          </a:p>
+          <a:p>
+            <a:pPr lvl="1">
+              <a:buClr>
+                <a:schemeClr val="accent2"/>
+              </a:buClr>
+            </a:pPr>
+            <a:r>
+              <a:rPr lang="it-IT" dirty="0"/>
+              <a:t>Il pattern </a:t>
+            </a:r>
+            <a:r>
+              <a:rPr lang="it-IT" dirty="0" err="1"/>
+              <a:t>Polymorphism</a:t>
+            </a:r>
+            <a:r>
+              <a:rPr lang="it-IT" dirty="0"/>
+              <a:t> permette di assegnare le responsabilità del comportamento ai tipi per i quali il comportamento varia.</a:t>
+            </a:r>
+          </a:p>
+        </p:txBody>
+      </p:sp>
+      <p:sp>
+        <p:nvSpPr>
+          <p:cNvPr id="20" name="Segnaposto piè di pagina 4">
+            <a:extLst>
+              <a:ext uri="{FF2B5EF4-FFF2-40B4-BE49-F238E27FC236}">
+                <a16:creationId xmlns:a16="http://schemas.microsoft.com/office/drawing/2014/main" id="{391D3201-20F9-4DD7-B4EB-F41AF17CA428}"/>
+              </a:ext>
+            </a:extLst>
+          </p:cNvPr>
+          <p:cNvSpPr>
+            <a:spLocks noGrp="1"/>
+          </p:cNvSpPr>
+          <p:nvPr>
+            <p:ph type="ftr" sz="quarter" idx="17"/>
+          </p:nvPr>
+        </p:nvSpPr>
+        <p:spPr/>
+        <p:txBody>
+          <a:bodyPr rtlCol="0"/>
+          <a:lstStyle>
+            <a:lvl1pPr algn="r">
+              <a:defRPr sz="1200">
+                <a:solidFill>
+                  <a:schemeClr val="tx1">
+                    <a:lumMod val="50000"/>
+                    <a:lumOff val="50000"/>
+                  </a:schemeClr>
+                </a:solidFill>
+              </a:defRPr>
+            </a:lvl1pPr>
+          </a:lstStyle>
+          <a:p>
+            <a:pPr algn="l" rtl="0"/>
+            <a:r>
+              <a:rPr lang="it-IT" dirty="0"/>
+              <a:t>Aggiungere un piè di pagina</a:t>
+            </a:r>
+          </a:p>
+        </p:txBody>
+      </p:sp>
+      <p:sp>
+        <p:nvSpPr>
+          <p:cNvPr id="21" name="Segnaposto numero diapositiva 5">
+            <a:extLst>
+              <a:ext uri="{FF2B5EF4-FFF2-40B4-BE49-F238E27FC236}">
+                <a16:creationId xmlns:a16="http://schemas.microsoft.com/office/drawing/2014/main" id="{C7C65DDB-24F2-44CF-AE02-F3A6C8B1858B}"/>
+              </a:ext>
+            </a:extLst>
+          </p:cNvPr>
+          <p:cNvSpPr>
+            <a:spLocks noGrp="1"/>
+          </p:cNvSpPr>
+          <p:nvPr>
+            <p:ph type="sldNum" sz="quarter" idx="18"/>
+          </p:nvPr>
+        </p:nvSpPr>
+        <p:spPr/>
+        <p:txBody>
+          <a:bodyPr rtlCol="0"/>
+          <a:lstStyle>
+            <a:lvl1pPr algn="r">
+              <a:defRPr sz="1200">
+                <a:solidFill>
+                  <a:schemeClr val="tx1">
+                    <a:lumMod val="50000"/>
+                    <a:lumOff val="50000"/>
+                  </a:schemeClr>
+                </a:solidFill>
+              </a:defRPr>
+            </a:lvl1pPr>
+          </a:lstStyle>
           <a:p>
             <a:pPr rtl="0"/>
             <a:fld id="{8699F50C-BE38-4BD0-BA84-9B090E1F2B9B}" type="slidenum">
@@ -18572,7 +19113,7 @@
     </p:spTree>
     <p:extLst>
       <p:ext uri="{BB962C8B-B14F-4D97-AF65-F5344CB8AC3E}">
-        <p14:creationId xmlns:p14="http://schemas.microsoft.com/office/powerpoint/2010/main" val="3516539168"/>
+        <p14:creationId xmlns:p14="http://schemas.microsoft.com/office/powerpoint/2010/main" val="3891516162"/>
       </p:ext>
     </p:extLst>
   </p:cSld>
@@ -18623,7 +19164,7 @@
             <a:pPr rtl="0"/>
             <a:r>
               <a:rPr lang="it-IT" dirty="0"/>
-              <a:t>Pattern GRASP</a:t>
+              <a:t>LEGGE DI DEMETRA</a:t>
             </a:r>
             <a:endParaRPr lang="it-IT" b="0" dirty="0"/>
           </a:p>
@@ -18653,7 +19194,7 @@
             <a:pPr rtl="0"/>
             <a:r>
               <a:rPr lang="it-IT" dirty="0"/>
-              <a:t>LEGGE DI DEMETRA</a:t>
+              <a:t>Pattern GRASP</a:t>
             </a:r>
           </a:p>
         </p:txBody>
@@ -18676,8 +19217,8 @@
         </p:nvSpPr>
         <p:spPr>
           <a:xfrm>
-            <a:off x="191820" y="3589508"/>
-            <a:ext cx="7682180" cy="2958275"/>
+            <a:off x="531378" y="3129540"/>
+            <a:ext cx="6856558" cy="2958275"/>
           </a:xfrm>
         </p:spPr>
         <p:txBody>
@@ -18686,114 +19227,31 @@
           </a:bodyPr>
           <a:lstStyle/>
           <a:p>
+            <a:pPr lvl="0" rtl="0"/>
             <a:r>
               <a:rPr lang="it-IT" dirty="0"/>
-              <a:t>Un esempio del nostro codice senza l’applicazione della Legge di Demetra:</a:t>
-            </a:r>
-          </a:p>
-          <a:p>
-            <a:pPr marL="457200" lvl="1" indent="0">
-              <a:buNone/>
-            </a:pPr>
-            <a:r>
-              <a:rPr lang="it-IT" i="1" dirty="0" err="1"/>
-              <a:t>FieldSet</a:t>
-            </a:r>
-            <a:r>
-              <a:rPr lang="it-IT" i="1" dirty="0"/>
+              <a:t>Specializzazione del Pattern </a:t>
+            </a:r>
+            <a:r>
+              <a:rPr lang="it-IT" dirty="0" err="1"/>
+              <a:t>Protected</a:t>
+            </a:r>
+            <a:r>
+              <a:rPr lang="it-IT" dirty="0"/>
               <a:t> </a:t>
             </a:r>
             <a:r>
-              <a:rPr lang="it-IT" i="1" dirty="0" err="1"/>
-              <a:t>fieldSet</a:t>
-            </a:r>
-            <a:r>
-              <a:rPr lang="it-IT" i="1" dirty="0"/>
-              <a:t> = new </a:t>
-            </a:r>
-            <a:r>
-              <a:rPr lang="it-IT" i="1" dirty="0" err="1"/>
-              <a:t>FieldSet</a:t>
-            </a:r>
-            <a:r>
-              <a:rPr lang="it-IT" i="1" dirty="0"/>
-              <a:t>(…);</a:t>
-            </a:r>
-          </a:p>
-          <a:p>
-            <a:pPr marL="457200" lvl="1" indent="0">
-              <a:buNone/>
-            </a:pPr>
-            <a:r>
-              <a:rPr lang="it-IT" i="1" dirty="0" err="1">
-                <a:solidFill>
-                  <a:srgbClr val="FF0000"/>
-                </a:solidFill>
-              </a:rPr>
-              <a:t>fieldSet.getField</a:t>
-            </a:r>
-            <a:r>
-              <a:rPr lang="it-IT" i="1" dirty="0">
-                <a:solidFill>
-                  <a:srgbClr val="FF0000"/>
-                </a:solidFill>
-              </a:rPr>
-              <a:t>(name).</a:t>
-            </a:r>
-            <a:r>
-              <a:rPr lang="it-IT" i="1" dirty="0" err="1">
-                <a:solidFill>
-                  <a:srgbClr val="FF0000"/>
-                </a:solidFill>
-              </a:rPr>
-              <a:t>getFieldHeading</a:t>
-            </a:r>
-            <a:r>
-              <a:rPr lang="it-IT" i="1" dirty="0">
-                <a:solidFill>
-                  <a:srgbClr val="FF0000"/>
-                </a:solidFill>
-              </a:rPr>
-              <a:t>().</a:t>
-            </a:r>
-            <a:r>
-              <a:rPr lang="it-IT" i="1" dirty="0" err="1">
-                <a:solidFill>
-                  <a:srgbClr val="FF0000"/>
-                </a:solidFill>
-              </a:rPr>
-              <a:t>getClassType</a:t>
-            </a:r>
-            <a:r>
-              <a:rPr lang="it-IT" i="1" dirty="0">
-                <a:solidFill>
-                  <a:srgbClr val="FF0000"/>
-                </a:solidFill>
-              </a:rPr>
-              <a:t>().</a:t>
-            </a:r>
-            <a:r>
-              <a:rPr lang="it-IT" i="1" dirty="0" err="1">
-                <a:solidFill>
-                  <a:srgbClr val="FF0000"/>
-                </a:solidFill>
-              </a:rPr>
-              <a:t>getType</a:t>
-            </a:r>
-            <a:r>
-              <a:rPr lang="it-IT" i="1" dirty="0">
-                <a:solidFill>
-                  <a:srgbClr val="FF0000"/>
-                </a:solidFill>
-              </a:rPr>
-              <a:t>();</a:t>
-            </a:r>
-          </a:p>
-          <a:p>
-            <a:pPr marL="457200" lvl="1" indent="0">
-              <a:buNone/>
-            </a:pPr>
-            <a:endParaRPr lang="it-IT" i="1" dirty="0"/>
+              <a:rPr lang="it-IT" dirty="0" err="1"/>
+              <a:t>Variation</a:t>
+            </a:r>
+            <a:endParaRPr lang="it-IT" dirty="0"/>
+          </a:p>
+          <a:p>
+            <a:pPr lvl="0" rtl="0"/>
+            <a:r>
+              <a:rPr lang="it-IT" dirty="0"/>
+              <a:t>Descrizione del problema e perché lo abbiamo usato</a:t>
+            </a:r>
           </a:p>
         </p:txBody>
       </p:sp>
@@ -18860,7 +19318,7 @@
     </p:spTree>
     <p:extLst>
       <p:ext uri="{BB962C8B-B14F-4D97-AF65-F5344CB8AC3E}">
-        <p14:creationId xmlns:p14="http://schemas.microsoft.com/office/powerpoint/2010/main" val="2246960989"/>
+        <p14:creationId xmlns:p14="http://schemas.microsoft.com/office/powerpoint/2010/main" val="3516539168"/>
       </p:ext>
     </p:extLst>
   </p:cSld>
@@ -18911,13 +19369,8 @@
             <a:pPr rtl="0"/>
             <a:r>
               <a:rPr lang="it-IT" b="0" dirty="0"/>
-              <a:t>Pattern </a:t>
-            </a:r>
-            <a:r>
-              <a:rPr lang="it-IT" b="0" dirty="0" err="1"/>
-              <a:t>Grasp</a:t>
-            </a:r>
-            <a:endParaRPr lang="it-IT" b="0" dirty="0"/>
+              <a:t>LEGGE DI DEMETRA</a:t>
+            </a:r>
           </a:p>
         </p:txBody>
       </p:sp>
@@ -18945,7 +19398,7 @@
             <a:pPr rtl="0"/>
             <a:r>
               <a:rPr lang="it-IT" dirty="0"/>
-              <a:t>POLIMORFISMO</a:t>
+              <a:t>Pattern GRASP</a:t>
             </a:r>
           </a:p>
         </p:txBody>
@@ -19000,38 +19453,39 @@
           <a:bodyPr rtlCol="0"/>
           <a:lstStyle/>
           <a:p>
-            <a:pPr rtl="0">
+            <a:pPr marL="0" indent="0" rtl="0">
               <a:buClr>
                 <a:schemeClr val="accent2"/>
               </a:buClr>
+              <a:buNone/>
             </a:pPr>
             <a:r>
-              <a:rPr lang="it-IT" dirty="0" err="1"/>
+              <a:rPr lang="it-IT" i="1" dirty="0" err="1"/>
               <a:t>FieldSet</a:t>
             </a:r>
             <a:r>
-              <a:rPr lang="it-IT" dirty="0"/>
+              <a:rPr lang="it-IT" i="1" dirty="0"/>
               <a:t> </a:t>
             </a:r>
             <a:r>
-              <a:rPr lang="it-IT" dirty="0" err="1"/>
+              <a:rPr lang="it-IT" i="1" dirty="0" err="1"/>
               <a:t>fieldset</a:t>
             </a:r>
             <a:r>
-              <a:rPr lang="it-IT" dirty="0"/>
+              <a:rPr lang="it-IT" i="1" dirty="0"/>
               <a:t> = new </a:t>
             </a:r>
             <a:r>
-              <a:rPr lang="it-IT" dirty="0" err="1"/>
+              <a:rPr lang="it-IT" i="1" dirty="0" err="1"/>
               <a:t>FieldSet</a:t>
             </a:r>
             <a:r>
-              <a:rPr lang="it-IT" dirty="0"/>
+              <a:rPr lang="it-IT" i="1" dirty="0"/>
               <a:t>(…);</a:t>
             </a:r>
           </a:p>
           <a:p>
-            <a:pPr marL="457200" lvl="1" indent="0">
+            <a:pPr marL="0" indent="0" rtl="0">
               <a:buClr>
                 <a:schemeClr val="accent2"/>
               </a:buClr>
@@ -19086,7 +19540,7 @@
             <a:pPr rtl="0"/>
             <a:r>
               <a:rPr lang="it-IT" dirty="0"/>
-              <a:t>Vantaggi</a:t>
+              <a:t>Senza Legge di Demetra</a:t>
             </a:r>
           </a:p>
         </p:txBody>
@@ -19112,26 +19566,36 @@
           <a:bodyPr rtlCol="0"/>
           <a:lstStyle/>
           <a:p>
-            <a:r>
-              <a:rPr lang="it-IT" dirty="0"/>
-              <a:t>Ogni classe parla solo con le classi con cui ha diretta dipendenza </a:t>
-            </a:r>
-          </a:p>
-          <a:p>
-            <a:r>
-              <a:rPr lang="it-IT"/>
-              <a:t>Evita </a:t>
-            </a:r>
-            <a:r>
-              <a:rPr lang="it-IT" dirty="0"/>
-              <a:t>di inviare messaggi a oggetti indiretti </a:t>
-            </a:r>
-          </a:p>
-          <a:p>
-            <a:r>
-              <a:rPr lang="it-IT" dirty="0"/>
-              <a:t>Elimina la fragilità rispetto ai cambiamenti nella struttura degli oggetti (punto di instabilità comune) </a:t>
-            </a:r>
+            <a:pPr marL="0" indent="0">
+              <a:buNone/>
+            </a:pPr>
+            <a:r>
+              <a:rPr lang="it-IT" i="1" dirty="0" err="1"/>
+              <a:t>FieldSet</a:t>
+            </a:r>
+            <a:r>
+              <a:rPr lang="it-IT" i="1" dirty="0"/>
+              <a:t> </a:t>
+            </a:r>
+            <a:r>
+              <a:rPr lang="it-IT" i="1" dirty="0" err="1"/>
+              <a:t>fieldset</a:t>
+            </a:r>
+            <a:r>
+              <a:rPr lang="it-IT" i="1" dirty="0"/>
+              <a:t> = new </a:t>
+            </a:r>
+            <a:r>
+              <a:rPr lang="it-IT" i="1" dirty="0" err="1"/>
+              <a:t>FieldSet</a:t>
+            </a:r>
+            <a:r>
+              <a:rPr lang="it-IT" i="1" dirty="0"/>
+              <a:t>(…);</a:t>
+            </a:r>
+          </a:p>
+          <a:p>
+            <a:endParaRPr lang="it-IT" dirty="0"/>
           </a:p>
         </p:txBody>
       </p:sp>
@@ -19249,10 +19713,10 @@
       </p:grpSpPr>
       <p:sp>
         <p:nvSpPr>
-          <p:cNvPr id="41" name="Titolo 3">
-            <a:extLst>
-              <a:ext uri="{FF2B5EF4-FFF2-40B4-BE49-F238E27FC236}">
-                <a16:creationId xmlns:a16="http://schemas.microsoft.com/office/drawing/2014/main" id="{1ABD613F-111C-41D6-9F8E-8B2C42A5E047}"/>
+          <p:cNvPr id="4" name="Titolo 3">
+            <a:extLst>
+              <a:ext uri="{FF2B5EF4-FFF2-40B4-BE49-F238E27FC236}">
+                <a16:creationId xmlns:a16="http://schemas.microsoft.com/office/drawing/2014/main" id="{1ABE11BF-33A5-4653-A144-CCCBACF58C30}"/>
               </a:ext>
             </a:extLst>
           </p:cNvPr>
@@ -19271,21 +19735,18 @@
             <a:pPr rtl="0"/>
             <a:r>
               <a:rPr lang="it-IT" dirty="0"/>
-              <a:t>Chi </a:t>
-            </a:r>
-            <a:r>
-              <a:rPr lang="it-IT" b="0" dirty="0"/>
-              <a:t>siamo</a:t>
-            </a:r>
-          </a:p>
-        </p:txBody>
-      </p:sp>
-      <p:sp>
-        <p:nvSpPr>
-          <p:cNvPr id="43" name="Segnaposto testo 8">
-            <a:extLst>
-              <a:ext uri="{FF2B5EF4-FFF2-40B4-BE49-F238E27FC236}">
-                <a16:creationId xmlns:a16="http://schemas.microsoft.com/office/drawing/2014/main" id="{EA7C22CB-613A-4C0B-90B3-4A405F793D3C}"/>
+              <a:t>LEGGE DI DEMETRA</a:t>
+            </a:r>
+            <a:endParaRPr lang="it-IT" b="0" dirty="0"/>
+          </a:p>
+        </p:txBody>
+      </p:sp>
+      <p:sp>
+        <p:nvSpPr>
+          <p:cNvPr id="9" name="Segnaposto testo 8">
+            <a:extLst>
+              <a:ext uri="{FF2B5EF4-FFF2-40B4-BE49-F238E27FC236}">
+                <a16:creationId xmlns:a16="http://schemas.microsoft.com/office/drawing/2014/main" id="{53469036-D1FB-4164-96AE-B6D8CECCFC96}"/>
               </a:ext>
             </a:extLst>
           </p:cNvPr>
@@ -19304,17 +19765,17 @@
             <a:pPr rtl="0"/>
             <a:r>
               <a:rPr lang="it-IT" dirty="0"/>
-              <a:t>LOREM IPSUM DOLOR SIT AMET</a:t>
-            </a:r>
-          </a:p>
-        </p:txBody>
-      </p:sp>
-      <p:sp>
-        <p:nvSpPr>
-          <p:cNvPr id="42" name="Segnaposto contenuto 6">
-            <a:extLst>
-              <a:ext uri="{FF2B5EF4-FFF2-40B4-BE49-F238E27FC236}">
-                <a16:creationId xmlns:a16="http://schemas.microsoft.com/office/drawing/2014/main" id="{55EACD59-7C51-4810-94C6-BCB4D12346DC}"/>
+              <a:t>Pattern GRASP</a:t>
+            </a:r>
+          </a:p>
+        </p:txBody>
+      </p:sp>
+      <p:sp>
+        <p:nvSpPr>
+          <p:cNvPr id="7" name="Segnaposto contenuto 6">
+            <a:extLst>
+              <a:ext uri="{FF2B5EF4-FFF2-40B4-BE49-F238E27FC236}">
+                <a16:creationId xmlns:a16="http://schemas.microsoft.com/office/drawing/2014/main" id="{2482DBEC-EE72-4155-ACC5-87E80C5606A9}"/>
               </a:ext>
             </a:extLst>
           </p:cNvPr>
@@ -19325,301 +19786,49 @@
             <p:ph idx="1"/>
           </p:nvPr>
         </p:nvSpPr>
-        <p:spPr/>
+        <p:spPr>
+          <a:xfrm>
+            <a:off x="531378" y="3129540"/>
+            <a:ext cx="6856558" cy="2958275"/>
+          </a:xfrm>
+        </p:spPr>
         <p:txBody>
           <a:bodyPr rtlCol="0">
-            <a:normAutofit fontScale="92500"/>
+            <a:normAutofit/>
           </a:bodyPr>
           <a:lstStyle/>
           <a:p>
-            <a:pPr lvl="0" rtl="0"/>
-            <a:r>
-              <a:rPr lang="it-IT" dirty="0" err="1"/>
-              <a:t>Lorem</a:t>
-            </a:r>
             <a:r>
               <a:rPr lang="it-IT" dirty="0"/>
-              <a:t> </a:t>
-            </a:r>
-            <a:r>
-              <a:rPr lang="it-IT" dirty="0" err="1"/>
-              <a:t>ipsum</a:t>
-            </a:r>
+              <a:t>VANTAGGI:</a:t>
+            </a:r>
+          </a:p>
+          <a:p>
             <a:r>
               <a:rPr lang="it-IT" dirty="0"/>
-              <a:t> </a:t>
-            </a:r>
-            <a:r>
-              <a:rPr lang="it-IT" dirty="0" err="1"/>
-              <a:t>dolor</a:t>
-            </a:r>
+              <a:t>Ogni classe parla solo con le classi con cui ha diretta dipendenza </a:t>
+            </a:r>
+          </a:p>
+          <a:p>
             <a:r>
               <a:rPr lang="it-IT" dirty="0"/>
-              <a:t> </a:t>
-            </a:r>
-            <a:r>
-              <a:rPr lang="it-IT" dirty="0" err="1"/>
-              <a:t>sit</a:t>
-            </a:r>
+              <a:t>Evita di inviare messaggi a oggetti indiretti </a:t>
+            </a:r>
+          </a:p>
+          <a:p>
             <a:r>
               <a:rPr lang="it-IT" dirty="0"/>
-              <a:t> </a:t>
-            </a:r>
-            <a:r>
-              <a:rPr lang="it-IT" dirty="0" err="1"/>
-              <a:t>amet</a:t>
-            </a:r>
-            <a:r>
-              <a:rPr lang="it-IT" dirty="0"/>
-              <a:t>, </a:t>
-            </a:r>
-            <a:r>
-              <a:rPr lang="it-IT" dirty="0" err="1"/>
-              <a:t>consectetur</a:t>
-            </a:r>
-            <a:r>
-              <a:rPr lang="it-IT" dirty="0"/>
-              <a:t> </a:t>
-            </a:r>
-            <a:r>
-              <a:rPr lang="it-IT" dirty="0" err="1"/>
-              <a:t>adipiscing</a:t>
-            </a:r>
-            <a:r>
-              <a:rPr lang="it-IT" dirty="0"/>
-              <a:t> </a:t>
-            </a:r>
-            <a:r>
-              <a:rPr lang="it-IT" dirty="0" err="1"/>
-              <a:t>elit</a:t>
-            </a:r>
-            <a:r>
-              <a:rPr lang="it-IT" dirty="0"/>
-              <a:t>. </a:t>
-            </a:r>
-          </a:p>
-          <a:p>
-            <a:pPr lvl="0" rtl="0"/>
-            <a:r>
-              <a:rPr lang="it-IT" dirty="0"/>
-              <a:t>Ut </a:t>
-            </a:r>
-            <a:r>
-              <a:rPr lang="it-IT" dirty="0" err="1"/>
-              <a:t>fermentum</a:t>
-            </a:r>
-            <a:r>
-              <a:rPr lang="it-IT" dirty="0"/>
-              <a:t> a magna ut </a:t>
-            </a:r>
-            <a:r>
-              <a:rPr lang="it-IT" dirty="0" err="1"/>
-              <a:t>eleifend</a:t>
-            </a:r>
-            <a:r>
-              <a:rPr lang="it-IT" dirty="0"/>
-              <a:t>. </a:t>
-            </a:r>
-            <a:r>
-              <a:rPr lang="it-IT" dirty="0" err="1"/>
-              <a:t>Integer</a:t>
-            </a:r>
-            <a:r>
-              <a:rPr lang="it-IT" dirty="0"/>
-              <a:t> </a:t>
-            </a:r>
-            <a:r>
-              <a:rPr lang="it-IT" dirty="0" err="1"/>
-              <a:t>convallis</a:t>
-            </a:r>
-            <a:r>
-              <a:rPr lang="it-IT" dirty="0"/>
-              <a:t> </a:t>
-            </a:r>
-            <a:r>
-              <a:rPr lang="it-IT" dirty="0" err="1"/>
-              <a:t>suscipit</a:t>
-            </a:r>
-            <a:r>
-              <a:rPr lang="it-IT" dirty="0"/>
-              <a:t> ante </a:t>
-            </a:r>
-            <a:r>
-              <a:rPr lang="it-IT" dirty="0" err="1"/>
-              <a:t>eu</a:t>
-            </a:r>
-            <a:r>
-              <a:rPr lang="it-IT" dirty="0"/>
-              <a:t> </a:t>
-            </a:r>
-            <a:r>
-              <a:rPr lang="it-IT" dirty="0" err="1"/>
-              <a:t>varius</a:t>
-            </a:r>
-            <a:r>
-              <a:rPr lang="it-IT" dirty="0"/>
-              <a:t>. </a:t>
-            </a:r>
-          </a:p>
-          <a:p>
-            <a:pPr lvl="0" rtl="0"/>
-            <a:r>
-              <a:rPr lang="it-IT" dirty="0"/>
-              <a:t>Morbi a </a:t>
-            </a:r>
-            <a:r>
-              <a:rPr lang="it-IT" dirty="0" err="1"/>
-              <a:t>purus</a:t>
-            </a:r>
-            <a:r>
-              <a:rPr lang="it-IT" dirty="0"/>
-              <a:t> </a:t>
-            </a:r>
-            <a:r>
-              <a:rPr lang="it-IT" dirty="0" err="1"/>
-              <a:t>dolor</a:t>
-            </a:r>
-            <a:r>
-              <a:rPr lang="it-IT" dirty="0"/>
-              <a:t>. </a:t>
-            </a:r>
-            <a:r>
-              <a:rPr lang="it-IT" dirty="0" err="1"/>
-              <a:t>Suspendisse</a:t>
-            </a:r>
-            <a:r>
-              <a:rPr lang="it-IT" dirty="0"/>
-              <a:t> </a:t>
-            </a:r>
-            <a:r>
-              <a:rPr lang="it-IT" dirty="0" err="1"/>
-              <a:t>sit</a:t>
-            </a:r>
-            <a:r>
-              <a:rPr lang="it-IT" dirty="0"/>
-              <a:t> </a:t>
-            </a:r>
-            <a:r>
-              <a:rPr lang="it-IT" dirty="0" err="1"/>
-              <a:t>amet</a:t>
-            </a:r>
-            <a:r>
-              <a:rPr lang="it-IT" dirty="0"/>
-              <a:t> </a:t>
-            </a:r>
-            <a:r>
-              <a:rPr lang="it-IT" dirty="0" err="1"/>
-              <a:t>ipsum</a:t>
-            </a:r>
-            <a:r>
-              <a:rPr lang="it-IT" dirty="0"/>
-              <a:t> </a:t>
-            </a:r>
-            <a:r>
-              <a:rPr lang="it-IT" dirty="0" err="1"/>
-              <a:t>finibus</a:t>
-            </a:r>
-            <a:r>
-              <a:rPr lang="it-IT" dirty="0"/>
-              <a:t> </a:t>
-            </a:r>
-            <a:r>
-              <a:rPr lang="it-IT" dirty="0" err="1"/>
-              <a:t>justo</a:t>
-            </a:r>
-            <a:r>
-              <a:rPr lang="it-IT" dirty="0"/>
-              <a:t> viverra </a:t>
-            </a:r>
-            <a:r>
-              <a:rPr lang="it-IT" dirty="0" err="1"/>
-              <a:t>blandit</a:t>
-            </a:r>
-            <a:r>
-              <a:rPr lang="it-IT" dirty="0"/>
-              <a:t>. </a:t>
-            </a:r>
-          </a:p>
-          <a:p>
-            <a:pPr lvl="0" rtl="0"/>
-            <a:r>
-              <a:rPr lang="it-IT" dirty="0"/>
-              <a:t>Ut </a:t>
-            </a:r>
-            <a:r>
-              <a:rPr lang="it-IT" dirty="0" err="1"/>
-              <a:t>congue</a:t>
-            </a:r>
-            <a:r>
-              <a:rPr lang="it-IT" dirty="0"/>
-              <a:t> </a:t>
-            </a:r>
-            <a:r>
-              <a:rPr lang="it-IT" dirty="0" err="1"/>
-              <a:t>quis</a:t>
-            </a:r>
-            <a:r>
-              <a:rPr lang="it-IT" dirty="0"/>
-              <a:t> </a:t>
-            </a:r>
-            <a:r>
-              <a:rPr lang="it-IT" dirty="0" err="1"/>
-              <a:t>tortor</a:t>
-            </a:r>
-            <a:r>
-              <a:rPr lang="it-IT" dirty="0"/>
-              <a:t> </a:t>
-            </a:r>
-            <a:r>
-              <a:rPr lang="it-IT" dirty="0" err="1"/>
-              <a:t>eget</a:t>
-            </a:r>
-            <a:r>
-              <a:rPr lang="it-IT" dirty="0"/>
-              <a:t> </a:t>
-            </a:r>
-            <a:r>
-              <a:rPr lang="it-IT" dirty="0" err="1"/>
-              <a:t>sodales</a:t>
-            </a:r>
-            <a:r>
-              <a:rPr lang="it-IT" dirty="0"/>
-              <a:t>. </a:t>
-            </a:r>
-          </a:p>
-        </p:txBody>
-      </p:sp>
-      <p:pic>
-        <p:nvPicPr>
-          <p:cNvPr id="59" name="Segnaposto immagine 58" title="Edifici">
-            <a:extLst>
-              <a:ext uri="{FF2B5EF4-FFF2-40B4-BE49-F238E27FC236}">
-                <a16:creationId xmlns:a16="http://schemas.microsoft.com/office/drawing/2014/main" id="{3FCCC668-2247-4814-9CC5-9C5D4B447AA3}"/>
-              </a:ext>
-            </a:extLst>
-          </p:cNvPr>
-          <p:cNvPicPr>
-            <a:picLocks noGrp="1" noChangeAspect="1"/>
-          </p:cNvPicPr>
-          <p:nvPr>
-            <p:ph type="pic" sz="quarter" idx="14"/>
-          </p:nvPr>
-        </p:nvPicPr>
-        <p:blipFill>
-          <a:blip r:embed="rId3"/>
-          <a:srcRect l="13492" r="13492"/>
-          <a:stretch>
-            <a:fillRect/>
-          </a:stretch>
-        </p:blipFill>
-        <p:spPr/>
-      </p:pic>
-      <p:sp>
-        <p:nvSpPr>
-          <p:cNvPr id="35" name="Segnaposto piè di pagina 34">
-            <a:extLst>
-              <a:ext uri="{FF2B5EF4-FFF2-40B4-BE49-F238E27FC236}">
-                <a16:creationId xmlns:a16="http://schemas.microsoft.com/office/drawing/2014/main" id="{6390A22B-EC07-E942-A46F-F36FDD7FDB9D}"/>
+              <a:t>Elimina la fragilità rispetto ai cambiamenti nella struttura degli oggetti (punto di instabilità comune) </a:t>
+            </a:r>
+          </a:p>
+        </p:txBody>
+      </p:sp>
+      <p:sp>
+        <p:nvSpPr>
+          <p:cNvPr id="11" name="Segnaposto piè di pagina 10">
+            <a:extLst>
+              <a:ext uri="{FF2B5EF4-FFF2-40B4-BE49-F238E27FC236}">
+                <a16:creationId xmlns:a16="http://schemas.microsoft.com/office/drawing/2014/main" id="{47F4D2C2-B71A-4089-A3FE-603C32706CA6}"/>
               </a:ext>
             </a:extLst>
           </p:cNvPr>
@@ -19627,7 +19836,7 @@
             <a:spLocks noGrp="1"/>
           </p:cNvSpPr>
           <p:nvPr>
-            <p:ph type="ftr" sz="quarter" idx="15"/>
+            <p:ph type="ftr" sz="quarter" idx="14"/>
           </p:nvPr>
         </p:nvSpPr>
         <p:spPr/>
@@ -19645,10 +19854,10 @@
       </p:sp>
       <p:sp>
         <p:nvSpPr>
-          <p:cNvPr id="10" name="Segnaposto numero diapositiva 9">
-            <a:extLst>
-              <a:ext uri="{FF2B5EF4-FFF2-40B4-BE49-F238E27FC236}">
-                <a16:creationId xmlns:a16="http://schemas.microsoft.com/office/drawing/2014/main" id="{A267D224-5586-43DC-82CA-8605E158298B}"/>
+          <p:cNvPr id="12" name="Segnaposto numero diapositiva 11">
+            <a:extLst>
+              <a:ext uri="{FF2B5EF4-FFF2-40B4-BE49-F238E27FC236}">
+                <a16:creationId xmlns:a16="http://schemas.microsoft.com/office/drawing/2014/main" id="{FBA1BB58-7555-4382-B178-7ED04E137E77}"/>
               </a:ext>
             </a:extLst>
           </p:cNvPr>
@@ -19656,7 +19865,7 @@
             <a:spLocks noGrp="1"/>
           </p:cNvSpPr>
           <p:nvPr>
-            <p:ph type="sldNum" sz="quarter" idx="16"/>
+            <p:ph type="sldNum" sz="quarter" idx="15"/>
           </p:nvPr>
         </p:nvSpPr>
         <p:spPr/>
@@ -19677,7 +19886,7 @@
     </p:spTree>
     <p:extLst>
       <p:ext uri="{BB962C8B-B14F-4D97-AF65-F5344CB8AC3E}">
-        <p14:creationId xmlns:p14="http://schemas.microsoft.com/office/powerpoint/2010/main" val="3205466602"/>
+        <p14:creationId xmlns:p14="http://schemas.microsoft.com/office/powerpoint/2010/main" val="2156645213"/>
       </p:ext>
     </p:extLst>
   </p:cSld>
@@ -19706,10 +19915,10 @@
       </p:grpSpPr>
       <p:sp>
         <p:nvSpPr>
-          <p:cNvPr id="14" name="Titolo 13">
-            <a:extLst>
-              <a:ext uri="{FF2B5EF4-FFF2-40B4-BE49-F238E27FC236}">
-                <a16:creationId xmlns:a16="http://schemas.microsoft.com/office/drawing/2014/main" id="{E3E5EE03-FBF6-46F5-8085-716AC6CE1C8C}"/>
+          <p:cNvPr id="41" name="Titolo 3">
+            <a:extLst>
+              <a:ext uri="{FF2B5EF4-FFF2-40B4-BE49-F238E27FC236}">
+                <a16:creationId xmlns:a16="http://schemas.microsoft.com/office/drawing/2014/main" id="{1ABD613F-111C-41D6-9F8E-8B2C42A5E047}"/>
               </a:ext>
             </a:extLst>
           </p:cNvPr>
@@ -19728,21 +19937,21 @@
             <a:pPr rtl="0"/>
             <a:r>
               <a:rPr lang="it-IT" dirty="0"/>
-              <a:t>La nostra </a:t>
+              <a:t>Chi </a:t>
             </a:r>
             <a:r>
               <a:rPr lang="it-IT" b="0" dirty="0"/>
-              <a:t>missione</a:t>
-            </a:r>
-          </a:p>
-        </p:txBody>
-      </p:sp>
-      <p:sp>
-        <p:nvSpPr>
-          <p:cNvPr id="19" name="Segnaposto testo 18">
-            <a:extLst>
-              <a:ext uri="{FF2B5EF4-FFF2-40B4-BE49-F238E27FC236}">
-                <a16:creationId xmlns:a16="http://schemas.microsoft.com/office/drawing/2014/main" id="{DFE11F38-F66B-4F95-8224-6CCA69D57617}"/>
+              <a:t>siamo</a:t>
+            </a:r>
+          </a:p>
+        </p:txBody>
+      </p:sp>
+      <p:sp>
+        <p:nvSpPr>
+          <p:cNvPr id="43" name="Segnaposto testo 8">
+            <a:extLst>
+              <a:ext uri="{FF2B5EF4-FFF2-40B4-BE49-F238E27FC236}">
+                <a16:creationId xmlns:a16="http://schemas.microsoft.com/office/drawing/2014/main" id="{EA7C22CB-613A-4C0B-90B3-4A405F793D3C}"/>
               </a:ext>
             </a:extLst>
           </p:cNvPr>
@@ -19750,7 +19959,7 @@
             <a:spLocks noGrp="1"/>
           </p:cNvSpPr>
           <p:nvPr>
-            <p:ph type="body" sz="quarter" idx="16"/>
+            <p:ph type="body" sz="quarter" idx="13"/>
           </p:nvPr>
         </p:nvSpPr>
         <p:spPr/>
@@ -19768,10 +19977,10 @@
       </p:sp>
       <p:sp>
         <p:nvSpPr>
-          <p:cNvPr id="15" name="Segnaposto testo 14">
-            <a:extLst>
-              <a:ext uri="{FF2B5EF4-FFF2-40B4-BE49-F238E27FC236}">
-                <a16:creationId xmlns:a16="http://schemas.microsoft.com/office/drawing/2014/main" id="{24E18385-8BEA-4522-ABAA-5AB38F0D4FC2}"/>
+          <p:cNvPr id="42" name="Segnaposto contenuto 6">
+            <a:extLst>
+              <a:ext uri="{FF2B5EF4-FFF2-40B4-BE49-F238E27FC236}">
+                <a16:creationId xmlns:a16="http://schemas.microsoft.com/office/drawing/2014/main" id="{55EACD59-7C51-4810-94C6-BCB4D12346DC}"/>
               </a:ext>
             </a:extLst>
           </p:cNvPr>
@@ -19779,28 +19988,304 @@
             <a:spLocks noGrp="1"/>
           </p:cNvSpPr>
           <p:nvPr>
-            <p:ph type="body" idx="1"/>
+            <p:ph idx="1"/>
           </p:nvPr>
         </p:nvSpPr>
         <p:spPr/>
         <p:txBody>
-          <a:bodyPr rtlCol="0"/>
+          <a:bodyPr rtlCol="0">
+            <a:normAutofit fontScale="92500"/>
+          </a:bodyPr>
           <a:lstStyle/>
           <a:p>
-            <a:pPr rtl="0"/>
+            <a:pPr lvl="0" rtl="0"/>
+            <a:r>
+              <a:rPr lang="it-IT" dirty="0" err="1"/>
+              <a:t>Lorem</a:t>
+            </a:r>
             <a:r>
               <a:rPr lang="it-IT" dirty="0"/>
-              <a:t>Nome società</a:t>
-            </a:r>
-          </a:p>
-        </p:txBody>
-      </p:sp>
-      <p:sp>
-        <p:nvSpPr>
-          <p:cNvPr id="16" name="Segnaposto contenuto 15">
-            <a:extLst>
-              <a:ext uri="{FF2B5EF4-FFF2-40B4-BE49-F238E27FC236}">
-                <a16:creationId xmlns:a16="http://schemas.microsoft.com/office/drawing/2014/main" id="{1DCFA8A2-3FB8-48CA-933D-0800A9D2A2A2}"/>
+              <a:t> </a:t>
+            </a:r>
+            <a:r>
+              <a:rPr lang="it-IT" dirty="0" err="1"/>
+              <a:t>ipsum</a:t>
+            </a:r>
+            <a:r>
+              <a:rPr lang="it-IT" dirty="0"/>
+              <a:t> </a:t>
+            </a:r>
+            <a:r>
+              <a:rPr lang="it-IT" dirty="0" err="1"/>
+              <a:t>dolor</a:t>
+            </a:r>
+            <a:r>
+              <a:rPr lang="it-IT" dirty="0"/>
+              <a:t> </a:t>
+            </a:r>
+            <a:r>
+              <a:rPr lang="it-IT" dirty="0" err="1"/>
+              <a:t>sit</a:t>
+            </a:r>
+            <a:r>
+              <a:rPr lang="it-IT" dirty="0"/>
+              <a:t> </a:t>
+            </a:r>
+            <a:r>
+              <a:rPr lang="it-IT" dirty="0" err="1"/>
+              <a:t>amet</a:t>
+            </a:r>
+            <a:r>
+              <a:rPr lang="it-IT" dirty="0"/>
+              <a:t>, </a:t>
+            </a:r>
+            <a:r>
+              <a:rPr lang="it-IT" dirty="0" err="1"/>
+              <a:t>consectetur</a:t>
+            </a:r>
+            <a:r>
+              <a:rPr lang="it-IT" dirty="0"/>
+              <a:t> </a:t>
+            </a:r>
+            <a:r>
+              <a:rPr lang="it-IT" dirty="0" err="1"/>
+              <a:t>adipiscing</a:t>
+            </a:r>
+            <a:r>
+              <a:rPr lang="it-IT" dirty="0"/>
+              <a:t> </a:t>
+            </a:r>
+            <a:r>
+              <a:rPr lang="it-IT" dirty="0" err="1"/>
+              <a:t>elit</a:t>
+            </a:r>
+            <a:r>
+              <a:rPr lang="it-IT" dirty="0"/>
+              <a:t>. </a:t>
+            </a:r>
+          </a:p>
+          <a:p>
+            <a:pPr lvl="0" rtl="0"/>
+            <a:r>
+              <a:rPr lang="it-IT" dirty="0"/>
+              <a:t>Ut </a:t>
+            </a:r>
+            <a:r>
+              <a:rPr lang="it-IT" dirty="0" err="1"/>
+              <a:t>fermentum</a:t>
+            </a:r>
+            <a:r>
+              <a:rPr lang="it-IT" dirty="0"/>
+              <a:t> a magna ut </a:t>
+            </a:r>
+            <a:r>
+              <a:rPr lang="it-IT" dirty="0" err="1"/>
+              <a:t>eleifend</a:t>
+            </a:r>
+            <a:r>
+              <a:rPr lang="it-IT" dirty="0"/>
+              <a:t>. </a:t>
+            </a:r>
+            <a:r>
+              <a:rPr lang="it-IT" dirty="0" err="1"/>
+              <a:t>Integer</a:t>
+            </a:r>
+            <a:r>
+              <a:rPr lang="it-IT" dirty="0"/>
+              <a:t> </a:t>
+            </a:r>
+            <a:r>
+              <a:rPr lang="it-IT" dirty="0" err="1"/>
+              <a:t>convallis</a:t>
+            </a:r>
+            <a:r>
+              <a:rPr lang="it-IT" dirty="0"/>
+              <a:t> </a:t>
+            </a:r>
+            <a:r>
+              <a:rPr lang="it-IT" dirty="0" err="1"/>
+              <a:t>suscipit</a:t>
+            </a:r>
+            <a:r>
+              <a:rPr lang="it-IT" dirty="0"/>
+              <a:t> ante </a:t>
+            </a:r>
+            <a:r>
+              <a:rPr lang="it-IT" dirty="0" err="1"/>
+              <a:t>eu</a:t>
+            </a:r>
+            <a:r>
+              <a:rPr lang="it-IT" dirty="0"/>
+              <a:t> </a:t>
+            </a:r>
+            <a:r>
+              <a:rPr lang="it-IT" dirty="0" err="1"/>
+              <a:t>varius</a:t>
+            </a:r>
+            <a:r>
+              <a:rPr lang="it-IT" dirty="0"/>
+              <a:t>. </a:t>
+            </a:r>
+          </a:p>
+          <a:p>
+            <a:pPr lvl="0" rtl="0"/>
+            <a:r>
+              <a:rPr lang="it-IT" dirty="0"/>
+              <a:t>Morbi a </a:t>
+            </a:r>
+            <a:r>
+              <a:rPr lang="it-IT" dirty="0" err="1"/>
+              <a:t>purus</a:t>
+            </a:r>
+            <a:r>
+              <a:rPr lang="it-IT" dirty="0"/>
+              <a:t> </a:t>
+            </a:r>
+            <a:r>
+              <a:rPr lang="it-IT" dirty="0" err="1"/>
+              <a:t>dolor</a:t>
+            </a:r>
+            <a:r>
+              <a:rPr lang="it-IT" dirty="0"/>
+              <a:t>. </a:t>
+            </a:r>
+            <a:r>
+              <a:rPr lang="it-IT" dirty="0" err="1"/>
+              <a:t>Suspendisse</a:t>
+            </a:r>
+            <a:r>
+              <a:rPr lang="it-IT" dirty="0"/>
+              <a:t> </a:t>
+            </a:r>
+            <a:r>
+              <a:rPr lang="it-IT" dirty="0" err="1"/>
+              <a:t>sit</a:t>
+            </a:r>
+            <a:r>
+              <a:rPr lang="it-IT" dirty="0"/>
+              <a:t> </a:t>
+            </a:r>
+            <a:r>
+              <a:rPr lang="it-IT" dirty="0" err="1"/>
+              <a:t>amet</a:t>
+            </a:r>
+            <a:r>
+              <a:rPr lang="it-IT" dirty="0"/>
+              <a:t> </a:t>
+            </a:r>
+            <a:r>
+              <a:rPr lang="it-IT" dirty="0" err="1"/>
+              <a:t>ipsum</a:t>
+            </a:r>
+            <a:r>
+              <a:rPr lang="it-IT" dirty="0"/>
+              <a:t> </a:t>
+            </a:r>
+            <a:r>
+              <a:rPr lang="it-IT" dirty="0" err="1"/>
+              <a:t>finibus</a:t>
+            </a:r>
+            <a:r>
+              <a:rPr lang="it-IT" dirty="0"/>
+              <a:t> </a:t>
+            </a:r>
+            <a:r>
+              <a:rPr lang="it-IT" dirty="0" err="1"/>
+              <a:t>justo</a:t>
+            </a:r>
+            <a:r>
+              <a:rPr lang="it-IT" dirty="0"/>
+              <a:t> viverra </a:t>
+            </a:r>
+            <a:r>
+              <a:rPr lang="it-IT" dirty="0" err="1"/>
+              <a:t>blandit</a:t>
+            </a:r>
+            <a:r>
+              <a:rPr lang="it-IT" dirty="0"/>
+              <a:t>. </a:t>
+            </a:r>
+          </a:p>
+          <a:p>
+            <a:pPr lvl="0" rtl="0"/>
+            <a:r>
+              <a:rPr lang="it-IT" dirty="0"/>
+              <a:t>Ut </a:t>
+            </a:r>
+            <a:r>
+              <a:rPr lang="it-IT" dirty="0" err="1"/>
+              <a:t>congue</a:t>
+            </a:r>
+            <a:r>
+              <a:rPr lang="it-IT" dirty="0"/>
+              <a:t> </a:t>
+            </a:r>
+            <a:r>
+              <a:rPr lang="it-IT" dirty="0" err="1"/>
+              <a:t>quis</a:t>
+            </a:r>
+            <a:r>
+              <a:rPr lang="it-IT" dirty="0"/>
+              <a:t> </a:t>
+            </a:r>
+            <a:r>
+              <a:rPr lang="it-IT" dirty="0" err="1"/>
+              <a:t>tortor</a:t>
+            </a:r>
+            <a:r>
+              <a:rPr lang="it-IT" dirty="0"/>
+              <a:t> </a:t>
+            </a:r>
+            <a:r>
+              <a:rPr lang="it-IT" dirty="0" err="1"/>
+              <a:t>eget</a:t>
+            </a:r>
+            <a:r>
+              <a:rPr lang="it-IT" dirty="0"/>
+              <a:t> </a:t>
+            </a:r>
+            <a:r>
+              <a:rPr lang="it-IT" dirty="0" err="1"/>
+              <a:t>sodales</a:t>
+            </a:r>
+            <a:r>
+              <a:rPr lang="it-IT" dirty="0"/>
+              <a:t>. </a:t>
+            </a:r>
+          </a:p>
+        </p:txBody>
+      </p:sp>
+      <p:pic>
+        <p:nvPicPr>
+          <p:cNvPr id="59" name="Segnaposto immagine 58" title="Edifici">
+            <a:extLst>
+              <a:ext uri="{FF2B5EF4-FFF2-40B4-BE49-F238E27FC236}">
+                <a16:creationId xmlns:a16="http://schemas.microsoft.com/office/drawing/2014/main" id="{3FCCC668-2247-4814-9CC5-9C5D4B447AA3}"/>
+              </a:ext>
+            </a:extLst>
+          </p:cNvPr>
+          <p:cNvPicPr>
+            <a:picLocks noGrp="1" noChangeAspect="1"/>
+          </p:cNvPicPr>
+          <p:nvPr>
+            <p:ph type="pic" sz="quarter" idx="14"/>
+          </p:nvPr>
+        </p:nvPicPr>
+        <p:blipFill>
+          <a:blip r:embed="rId3"/>
+          <a:srcRect l="13492" r="13492"/>
+          <a:stretch>
+            <a:fillRect/>
+          </a:stretch>
+        </p:blipFill>
+        <p:spPr/>
+      </p:pic>
+      <p:sp>
+        <p:nvSpPr>
+          <p:cNvPr id="35" name="Segnaposto piè di pagina 34">
+            <a:extLst>
+              <a:ext uri="{FF2B5EF4-FFF2-40B4-BE49-F238E27FC236}">
+                <a16:creationId xmlns:a16="http://schemas.microsoft.com/office/drawing/2014/main" id="{6390A22B-EC07-E942-A46F-F36FDD7FDB9D}"/>
               </a:ext>
             </a:extLst>
           </p:cNvPr>
@@ -19808,7 +20293,7 @@
             <a:spLocks noGrp="1"/>
           </p:cNvSpPr>
           <p:nvPr>
-            <p:ph sz="half" idx="13"/>
+            <p:ph type="ftr" sz="quarter" idx="15"/>
           </p:nvPr>
         </p:nvSpPr>
         <p:spPr/>
@@ -19816,278 +20301,20 @@
           <a:bodyPr rtlCol="0"/>
           <a:lstStyle/>
           <a:p>
-            <a:pPr rtl="0">
-              <a:buClr>
-                <a:schemeClr val="accent2"/>
-              </a:buClr>
-            </a:pPr>
+            <a:pPr rtl="0"/>
             <a:r>
               <a:rPr lang="it-IT" dirty="0"/>
-              <a:t>Nulla a </a:t>
-            </a:r>
-            <a:r>
-              <a:rPr lang="it-IT" dirty="0" err="1"/>
-              <a:t>erat</a:t>
-            </a:r>
-            <a:r>
-              <a:rPr lang="it-IT" dirty="0"/>
-              <a:t> </a:t>
-            </a:r>
-            <a:r>
-              <a:rPr lang="it-IT" dirty="0" err="1"/>
-              <a:t>eget</a:t>
-            </a:r>
-            <a:r>
-              <a:rPr lang="it-IT" dirty="0"/>
-              <a:t> </a:t>
-            </a:r>
-            <a:r>
-              <a:rPr lang="it-IT" dirty="0" err="1"/>
-              <a:t>nunc</a:t>
-            </a:r>
-            <a:r>
-              <a:rPr lang="it-IT" dirty="0"/>
-              <a:t> </a:t>
-            </a:r>
-            <a:r>
-              <a:rPr lang="it-IT" dirty="0" err="1"/>
-              <a:t>hendrerit</a:t>
-            </a:r>
-            <a:r>
-              <a:rPr lang="it-IT" dirty="0"/>
-              <a:t> </a:t>
-            </a:r>
-            <a:r>
-              <a:rPr lang="it-IT" dirty="0" err="1"/>
-              <a:t>ultrices</a:t>
-            </a:r>
-            <a:r>
-              <a:rPr lang="it-IT" dirty="0"/>
-              <a:t> </a:t>
-            </a:r>
-            <a:r>
-              <a:rPr lang="it-IT" dirty="0" err="1"/>
-              <a:t>eu</a:t>
-            </a:r>
-            <a:r>
-              <a:rPr lang="it-IT" dirty="0"/>
-              <a:t> </a:t>
-            </a:r>
-            <a:r>
-              <a:rPr lang="it-IT" dirty="0" err="1"/>
-              <a:t>nec</a:t>
-            </a:r>
-            <a:r>
-              <a:rPr lang="it-IT" dirty="0"/>
-              <a:t> nulla. </a:t>
-            </a:r>
-            <a:r>
-              <a:rPr lang="it-IT" dirty="0" err="1"/>
-              <a:t>Donec</a:t>
-            </a:r>
-            <a:r>
-              <a:rPr lang="it-IT" dirty="0"/>
-              <a:t> viverra </a:t>
-            </a:r>
-            <a:r>
-              <a:rPr lang="it-IT" dirty="0" err="1"/>
-              <a:t>leo</a:t>
-            </a:r>
-            <a:r>
-              <a:rPr lang="it-IT" dirty="0"/>
-              <a:t> </a:t>
-            </a:r>
-            <a:r>
-              <a:rPr lang="it-IT" dirty="0" err="1"/>
-              <a:t>aliquet</a:t>
-            </a:r>
-            <a:r>
-              <a:rPr lang="it-IT" dirty="0"/>
-              <a:t>, </a:t>
-            </a:r>
-            <a:r>
-              <a:rPr lang="it-IT" dirty="0" err="1"/>
-              <a:t>auctor</a:t>
-            </a:r>
-            <a:r>
-              <a:rPr lang="it-IT" dirty="0"/>
-              <a:t> </a:t>
-            </a:r>
-            <a:r>
-              <a:rPr lang="it-IT" dirty="0" err="1"/>
-              <a:t>quam</a:t>
-            </a:r>
-            <a:r>
-              <a:rPr lang="it-IT" dirty="0"/>
-              <a:t> id, </a:t>
-            </a:r>
-            <a:r>
-              <a:rPr lang="it-IT" dirty="0" err="1"/>
-              <a:t>convallis</a:t>
-            </a:r>
-            <a:r>
-              <a:rPr lang="it-IT" dirty="0"/>
-              <a:t> orci. </a:t>
-            </a:r>
-          </a:p>
-          <a:p>
-            <a:pPr lvl="1" rtl="0">
-              <a:buClr>
-                <a:schemeClr val="accent2"/>
-              </a:buClr>
-            </a:pPr>
-            <a:r>
-              <a:rPr lang="it-IT" dirty="0" err="1"/>
-              <a:t>Sed</a:t>
-            </a:r>
-            <a:r>
-              <a:rPr lang="it-IT" dirty="0"/>
-              <a:t> in molestie est. Cras ornare </a:t>
-            </a:r>
-            <a:r>
-              <a:rPr lang="it-IT" dirty="0" err="1"/>
-              <a:t>turpis</a:t>
-            </a:r>
-            <a:r>
-              <a:rPr lang="it-IT" dirty="0"/>
-              <a:t> </a:t>
-            </a:r>
-            <a:r>
-              <a:rPr lang="it-IT" dirty="0" err="1"/>
-              <a:t>at</a:t>
-            </a:r>
-            <a:r>
-              <a:rPr lang="it-IT" dirty="0"/>
-              <a:t> ligula </a:t>
-            </a:r>
-            <a:r>
-              <a:rPr lang="it-IT" dirty="0" err="1"/>
-              <a:t>posuere</a:t>
-            </a:r>
-            <a:r>
-              <a:rPr lang="it-IT" dirty="0"/>
-              <a:t>, </a:t>
-            </a:r>
-            <a:r>
-              <a:rPr lang="it-IT" dirty="0" err="1"/>
-              <a:t>sit</a:t>
-            </a:r>
-            <a:r>
-              <a:rPr lang="it-IT" dirty="0"/>
-              <a:t> </a:t>
-            </a:r>
-            <a:r>
-              <a:rPr lang="it-IT" dirty="0" err="1"/>
-              <a:t>amet</a:t>
-            </a:r>
-            <a:r>
-              <a:rPr lang="it-IT" dirty="0"/>
-              <a:t> </a:t>
-            </a:r>
-            <a:r>
-              <a:rPr lang="it-IT" dirty="0" err="1"/>
-              <a:t>accumsan</a:t>
-            </a:r>
-            <a:r>
-              <a:rPr lang="it-IT" dirty="0"/>
-              <a:t> </a:t>
-            </a:r>
-            <a:r>
-              <a:rPr lang="it-IT" dirty="0" err="1"/>
-              <a:t>neque</a:t>
-            </a:r>
-            <a:r>
-              <a:rPr lang="it-IT" dirty="0"/>
-              <a:t> </a:t>
-            </a:r>
-            <a:r>
-              <a:rPr lang="it-IT" dirty="0" err="1"/>
-              <a:t>lobortis</a:t>
-            </a:r>
-            <a:r>
-              <a:rPr lang="it-IT" dirty="0"/>
-              <a:t>.</a:t>
-            </a:r>
-          </a:p>
-          <a:p>
-            <a:pPr lvl="1" rtl="0">
-              <a:buClr>
-                <a:schemeClr val="accent2"/>
-              </a:buClr>
-            </a:pPr>
-            <a:r>
-              <a:rPr lang="it-IT" dirty="0" err="1"/>
-              <a:t>Maecenas</a:t>
-            </a:r>
-            <a:r>
-              <a:rPr lang="it-IT" dirty="0"/>
-              <a:t> </a:t>
-            </a:r>
-            <a:r>
-              <a:rPr lang="it-IT" dirty="0" err="1"/>
-              <a:t>mattis</a:t>
-            </a:r>
-            <a:r>
-              <a:rPr lang="it-IT" dirty="0"/>
-              <a:t> </a:t>
-            </a:r>
-            <a:r>
-              <a:rPr lang="it-IT" dirty="0" err="1"/>
-              <a:t>risus</a:t>
-            </a:r>
-            <a:r>
-              <a:rPr lang="it-IT" dirty="0"/>
-              <a:t> ligula, </a:t>
-            </a:r>
-            <a:r>
-              <a:rPr lang="it-IT" dirty="0" err="1"/>
-              <a:t>sed</a:t>
-            </a:r>
-            <a:r>
-              <a:rPr lang="it-IT" dirty="0"/>
-              <a:t> </a:t>
-            </a:r>
-            <a:r>
-              <a:rPr lang="it-IT" dirty="0" err="1"/>
-              <a:t>ullamcorper</a:t>
-            </a:r>
-            <a:r>
-              <a:rPr lang="it-IT" dirty="0"/>
-              <a:t> </a:t>
-            </a:r>
-            <a:r>
-              <a:rPr lang="it-IT" dirty="0" err="1"/>
-              <a:t>nunc</a:t>
-            </a:r>
-            <a:r>
-              <a:rPr lang="it-IT" dirty="0"/>
-              <a:t> </a:t>
-            </a:r>
-            <a:r>
-              <a:rPr lang="it-IT" dirty="0" err="1"/>
-              <a:t>efficitur</a:t>
-            </a:r>
-            <a:r>
-              <a:rPr lang="it-IT" dirty="0"/>
-              <a:t> </a:t>
-            </a:r>
-            <a:r>
-              <a:rPr lang="it-IT" dirty="0" err="1"/>
-              <a:t>sed</a:t>
-            </a:r>
-            <a:r>
-              <a:rPr lang="it-IT" dirty="0"/>
-              <a:t>. </a:t>
-            </a:r>
-          </a:p>
-        </p:txBody>
-      </p:sp>
-      <p:sp>
-        <p:nvSpPr>
-          <p:cNvPr id="17" name="Segnaposto testo 16">
-            <a:extLst>
-              <a:ext uri="{FF2B5EF4-FFF2-40B4-BE49-F238E27FC236}">
-                <a16:creationId xmlns:a16="http://schemas.microsoft.com/office/drawing/2014/main" id="{640A3223-3DA3-4CF2-82B6-1447667547BD}"/>
+              <a:t>Aggiungere un piè di pagina</a:t>
+            </a:r>
+          </a:p>
+        </p:txBody>
+      </p:sp>
+      <p:sp>
+        <p:nvSpPr>
+          <p:cNvPr id="10" name="Segnaposto numero diapositiva 9">
+            <a:extLst>
+              <a:ext uri="{FF2B5EF4-FFF2-40B4-BE49-F238E27FC236}">
+                <a16:creationId xmlns:a16="http://schemas.microsoft.com/office/drawing/2014/main" id="{A267D224-5586-43DC-82CA-8605E158298B}"/>
               </a:ext>
             </a:extLst>
           </p:cNvPr>
@@ -20095,380 +20322,13 @@
             <a:spLocks noGrp="1"/>
           </p:cNvSpPr>
           <p:nvPr>
-            <p:ph type="body" sz="quarter" idx="14"/>
+            <p:ph type="sldNum" sz="quarter" idx="16"/>
           </p:nvPr>
         </p:nvSpPr>
         <p:spPr/>
         <p:txBody>
           <a:bodyPr rtlCol="0"/>
           <a:lstStyle/>
-          <a:p>
-            <a:pPr rtl="0"/>
-            <a:r>
-              <a:rPr lang="it-IT" dirty="0"/>
-              <a:t>Servizio concorrente</a:t>
-            </a:r>
-          </a:p>
-        </p:txBody>
-      </p:sp>
-      <p:sp>
-        <p:nvSpPr>
-          <p:cNvPr id="18" name="Segnaposto contenuto 17">
-            <a:extLst>
-              <a:ext uri="{FF2B5EF4-FFF2-40B4-BE49-F238E27FC236}">
-                <a16:creationId xmlns:a16="http://schemas.microsoft.com/office/drawing/2014/main" id="{C955AFB3-173C-4848-B3E9-1375591B297E}"/>
-              </a:ext>
-            </a:extLst>
-          </p:cNvPr>
-          <p:cNvSpPr>
-            <a:spLocks noGrp="1"/>
-          </p:cNvSpPr>
-          <p:nvPr>
-            <p:ph sz="quarter" idx="15"/>
-          </p:nvPr>
-        </p:nvSpPr>
-        <p:spPr/>
-        <p:txBody>
-          <a:bodyPr rtlCol="0"/>
-          <a:lstStyle/>
-          <a:p>
-            <a:pPr rtl="0">
-              <a:buClr>
-                <a:schemeClr val="accent2"/>
-              </a:buClr>
-            </a:pPr>
-            <a:r>
-              <a:rPr lang="it-IT" dirty="0"/>
-              <a:t>Nulla a </a:t>
-            </a:r>
-            <a:r>
-              <a:rPr lang="it-IT" dirty="0" err="1"/>
-              <a:t>erat</a:t>
-            </a:r>
-            <a:r>
-              <a:rPr lang="it-IT" dirty="0"/>
-              <a:t> </a:t>
-            </a:r>
-            <a:r>
-              <a:rPr lang="it-IT" dirty="0" err="1"/>
-              <a:t>eget</a:t>
-            </a:r>
-            <a:r>
-              <a:rPr lang="it-IT" dirty="0"/>
-              <a:t> </a:t>
-            </a:r>
-            <a:r>
-              <a:rPr lang="it-IT" dirty="0" err="1"/>
-              <a:t>nunc</a:t>
-            </a:r>
-            <a:r>
-              <a:rPr lang="it-IT" dirty="0"/>
-              <a:t> </a:t>
-            </a:r>
-            <a:r>
-              <a:rPr lang="it-IT" dirty="0" err="1"/>
-              <a:t>hendrerit</a:t>
-            </a:r>
-            <a:r>
-              <a:rPr lang="it-IT" dirty="0"/>
-              <a:t> </a:t>
-            </a:r>
-            <a:r>
-              <a:rPr lang="it-IT" dirty="0" err="1"/>
-              <a:t>ultrices</a:t>
-            </a:r>
-            <a:r>
-              <a:rPr lang="it-IT" dirty="0"/>
-              <a:t> </a:t>
-            </a:r>
-            <a:r>
-              <a:rPr lang="it-IT" dirty="0" err="1"/>
-              <a:t>eu</a:t>
-            </a:r>
-            <a:r>
-              <a:rPr lang="it-IT" dirty="0"/>
-              <a:t> </a:t>
-            </a:r>
-            <a:r>
-              <a:rPr lang="it-IT" dirty="0" err="1"/>
-              <a:t>nec</a:t>
-            </a:r>
-            <a:r>
-              <a:rPr lang="it-IT" dirty="0"/>
-              <a:t> nulla. </a:t>
-            </a:r>
-            <a:r>
-              <a:rPr lang="it-IT" dirty="0" err="1"/>
-              <a:t>Donec</a:t>
-            </a:r>
-            <a:r>
-              <a:rPr lang="it-IT" dirty="0"/>
-              <a:t> viverra </a:t>
-            </a:r>
-            <a:r>
-              <a:rPr lang="it-IT" dirty="0" err="1"/>
-              <a:t>leo</a:t>
-            </a:r>
-            <a:r>
-              <a:rPr lang="it-IT" dirty="0"/>
-              <a:t> </a:t>
-            </a:r>
-            <a:r>
-              <a:rPr lang="it-IT" dirty="0" err="1"/>
-              <a:t>aliquet</a:t>
-            </a:r>
-            <a:r>
-              <a:rPr lang="it-IT" dirty="0"/>
-              <a:t>, </a:t>
-            </a:r>
-            <a:r>
-              <a:rPr lang="it-IT" dirty="0" err="1"/>
-              <a:t>auctor</a:t>
-            </a:r>
-            <a:r>
-              <a:rPr lang="it-IT" dirty="0"/>
-              <a:t> </a:t>
-            </a:r>
-            <a:r>
-              <a:rPr lang="it-IT" dirty="0" err="1"/>
-              <a:t>quam</a:t>
-            </a:r>
-            <a:r>
-              <a:rPr lang="it-IT" dirty="0"/>
-              <a:t> id, </a:t>
-            </a:r>
-            <a:r>
-              <a:rPr lang="it-IT" dirty="0" err="1"/>
-              <a:t>convallis</a:t>
-            </a:r>
-            <a:r>
-              <a:rPr lang="it-IT" dirty="0"/>
-              <a:t> orci. </a:t>
-            </a:r>
-          </a:p>
-          <a:p>
-            <a:pPr lvl="1" rtl="0">
-              <a:buClr>
-                <a:schemeClr val="accent2"/>
-              </a:buClr>
-            </a:pPr>
-            <a:r>
-              <a:rPr lang="it-IT" dirty="0" err="1"/>
-              <a:t>Sed</a:t>
-            </a:r>
-            <a:r>
-              <a:rPr lang="it-IT" dirty="0"/>
-              <a:t> in molestie est. Cras ornare </a:t>
-            </a:r>
-            <a:r>
-              <a:rPr lang="it-IT" dirty="0" err="1"/>
-              <a:t>turpis</a:t>
-            </a:r>
-            <a:r>
-              <a:rPr lang="it-IT" dirty="0"/>
-              <a:t> </a:t>
-            </a:r>
-            <a:r>
-              <a:rPr lang="it-IT" dirty="0" err="1"/>
-              <a:t>at</a:t>
-            </a:r>
-            <a:r>
-              <a:rPr lang="it-IT" dirty="0"/>
-              <a:t> ligula </a:t>
-            </a:r>
-            <a:r>
-              <a:rPr lang="it-IT" dirty="0" err="1"/>
-              <a:t>posuere</a:t>
-            </a:r>
-            <a:r>
-              <a:rPr lang="it-IT" dirty="0"/>
-              <a:t>, </a:t>
-            </a:r>
-            <a:r>
-              <a:rPr lang="it-IT" dirty="0" err="1"/>
-              <a:t>sit</a:t>
-            </a:r>
-            <a:r>
-              <a:rPr lang="it-IT" dirty="0"/>
-              <a:t> </a:t>
-            </a:r>
-            <a:r>
-              <a:rPr lang="it-IT" dirty="0" err="1"/>
-              <a:t>amet</a:t>
-            </a:r>
-            <a:r>
-              <a:rPr lang="it-IT" dirty="0"/>
-              <a:t> </a:t>
-            </a:r>
-            <a:r>
-              <a:rPr lang="it-IT" dirty="0" err="1"/>
-              <a:t>accumsan</a:t>
-            </a:r>
-            <a:r>
-              <a:rPr lang="it-IT" dirty="0"/>
-              <a:t> </a:t>
-            </a:r>
-            <a:r>
-              <a:rPr lang="it-IT" dirty="0" err="1"/>
-              <a:t>neque</a:t>
-            </a:r>
-            <a:r>
-              <a:rPr lang="it-IT" dirty="0"/>
-              <a:t> </a:t>
-            </a:r>
-            <a:r>
-              <a:rPr lang="it-IT" dirty="0" err="1"/>
-              <a:t>lobortis</a:t>
-            </a:r>
-            <a:r>
-              <a:rPr lang="it-IT" dirty="0"/>
-              <a:t>.</a:t>
-            </a:r>
-          </a:p>
-          <a:p>
-            <a:pPr lvl="1" rtl="0">
-              <a:buClr>
-                <a:schemeClr val="accent2"/>
-              </a:buClr>
-            </a:pPr>
-            <a:r>
-              <a:rPr lang="it-IT" dirty="0" err="1"/>
-              <a:t>Maecenas</a:t>
-            </a:r>
-            <a:r>
-              <a:rPr lang="it-IT" dirty="0"/>
-              <a:t> </a:t>
-            </a:r>
-            <a:r>
-              <a:rPr lang="it-IT" dirty="0" err="1"/>
-              <a:t>mattis</a:t>
-            </a:r>
-            <a:r>
-              <a:rPr lang="it-IT" dirty="0"/>
-              <a:t> </a:t>
-            </a:r>
-            <a:r>
-              <a:rPr lang="it-IT" dirty="0" err="1"/>
-              <a:t>risus</a:t>
-            </a:r>
-            <a:r>
-              <a:rPr lang="it-IT" dirty="0"/>
-              <a:t> ligula, </a:t>
-            </a:r>
-            <a:r>
-              <a:rPr lang="it-IT" dirty="0" err="1"/>
-              <a:t>sed</a:t>
-            </a:r>
-            <a:r>
-              <a:rPr lang="it-IT" dirty="0"/>
-              <a:t> </a:t>
-            </a:r>
-            <a:r>
-              <a:rPr lang="it-IT" dirty="0" err="1"/>
-              <a:t>ullamcorper</a:t>
-            </a:r>
-            <a:r>
-              <a:rPr lang="it-IT" dirty="0"/>
-              <a:t> </a:t>
-            </a:r>
-            <a:r>
-              <a:rPr lang="it-IT" dirty="0" err="1"/>
-              <a:t>nunc</a:t>
-            </a:r>
-            <a:r>
-              <a:rPr lang="it-IT" dirty="0"/>
-              <a:t> </a:t>
-            </a:r>
-            <a:r>
-              <a:rPr lang="it-IT" dirty="0" err="1"/>
-              <a:t>efficitur</a:t>
-            </a:r>
-            <a:r>
-              <a:rPr lang="it-IT" dirty="0"/>
-              <a:t> </a:t>
-            </a:r>
-            <a:r>
-              <a:rPr lang="it-IT" dirty="0" err="1"/>
-              <a:t>sed</a:t>
-            </a:r>
-            <a:r>
-              <a:rPr lang="it-IT" dirty="0"/>
-              <a:t>. </a:t>
-            </a:r>
-          </a:p>
-        </p:txBody>
-      </p:sp>
-      <p:sp>
-        <p:nvSpPr>
-          <p:cNvPr id="20" name="Segnaposto piè di pagina 4">
-            <a:extLst>
-              <a:ext uri="{FF2B5EF4-FFF2-40B4-BE49-F238E27FC236}">
-                <a16:creationId xmlns:a16="http://schemas.microsoft.com/office/drawing/2014/main" id="{391D3201-20F9-4DD7-B4EB-F41AF17CA428}"/>
-              </a:ext>
-            </a:extLst>
-          </p:cNvPr>
-          <p:cNvSpPr>
-            <a:spLocks noGrp="1"/>
-          </p:cNvSpPr>
-          <p:nvPr>
-            <p:ph type="ftr" sz="quarter" idx="17"/>
-          </p:nvPr>
-        </p:nvSpPr>
-        <p:spPr/>
-        <p:txBody>
-          <a:bodyPr rtlCol="0"/>
-          <a:lstStyle>
-            <a:lvl1pPr algn="r">
-              <a:defRPr sz="1200">
-                <a:solidFill>
-                  <a:schemeClr val="tx1">
-                    <a:lumMod val="50000"/>
-                    <a:lumOff val="50000"/>
-                  </a:schemeClr>
-                </a:solidFill>
-              </a:defRPr>
-            </a:lvl1pPr>
-          </a:lstStyle>
-          <a:p>
-            <a:pPr algn="l" rtl="0"/>
-            <a:r>
-              <a:rPr lang="it-IT" dirty="0"/>
-              <a:t>Aggiungere un piè di pagina</a:t>
-            </a:r>
-          </a:p>
-        </p:txBody>
-      </p:sp>
-      <p:sp>
-        <p:nvSpPr>
-          <p:cNvPr id="21" name="Segnaposto numero diapositiva 5">
-            <a:extLst>
-              <a:ext uri="{FF2B5EF4-FFF2-40B4-BE49-F238E27FC236}">
-                <a16:creationId xmlns:a16="http://schemas.microsoft.com/office/drawing/2014/main" id="{C7C65DDB-24F2-44CF-AE02-F3A6C8B1858B}"/>
-              </a:ext>
-            </a:extLst>
-          </p:cNvPr>
-          <p:cNvSpPr>
-            <a:spLocks noGrp="1"/>
-          </p:cNvSpPr>
-          <p:nvPr>
-            <p:ph type="sldNum" sz="quarter" idx="18"/>
-          </p:nvPr>
-        </p:nvSpPr>
-        <p:spPr/>
-        <p:txBody>
-          <a:bodyPr rtlCol="0"/>
-          <a:lstStyle>
-            <a:lvl1pPr algn="r">
-              <a:defRPr sz="1200">
-                <a:solidFill>
-                  <a:schemeClr val="tx1">
-                    <a:lumMod val="50000"/>
-                    <a:lumOff val="50000"/>
-                  </a:schemeClr>
-                </a:solidFill>
-              </a:defRPr>
-            </a:lvl1pPr>
-          </a:lstStyle>
           <a:p>
             <a:pPr rtl="0"/>
             <a:fld id="{8699F50C-BE38-4BD0-BA84-9B090E1F2B9B}" type="slidenum">
@@ -20483,7 +20343,7 @@
     </p:spTree>
     <p:extLst>
       <p:ext uri="{BB962C8B-B14F-4D97-AF65-F5344CB8AC3E}">
-        <p14:creationId xmlns:p14="http://schemas.microsoft.com/office/powerpoint/2010/main" val="1645896325"/>
+        <p14:creationId xmlns:p14="http://schemas.microsoft.com/office/powerpoint/2010/main" val="3205466602"/>
       </p:ext>
     </p:extLst>
   </p:cSld>
@@ -20512,10 +20372,10 @@
       </p:grpSpPr>
       <p:sp>
         <p:nvSpPr>
-          <p:cNvPr id="18" name="Titolo 13">
-            <a:extLst>
-              <a:ext uri="{FF2B5EF4-FFF2-40B4-BE49-F238E27FC236}">
-                <a16:creationId xmlns:a16="http://schemas.microsoft.com/office/drawing/2014/main" id="{92896B42-4638-40D0-8887-7AB8D1D86B3D}"/>
+          <p:cNvPr id="14" name="Titolo 13">
+            <a:extLst>
+              <a:ext uri="{FF2B5EF4-FFF2-40B4-BE49-F238E27FC236}">
+                <a16:creationId xmlns:a16="http://schemas.microsoft.com/office/drawing/2014/main" id="{E3E5EE03-FBF6-46F5-8085-716AC6CE1C8C}"/>
               </a:ext>
             </a:extLst>
           </p:cNvPr>
@@ -20533,22 +20393,22 @@
           <a:p>
             <a:pPr rtl="0"/>
             <a:r>
+              <a:rPr lang="it-IT" dirty="0"/>
+              <a:t>La nostra </a:t>
+            </a:r>
+            <a:r>
               <a:rPr lang="it-IT" b="0" dirty="0"/>
-              <a:t>Opzione</a:t>
-            </a:r>
-            <a:r>
-              <a:rPr lang="it-IT" dirty="0"/>
-              <a:t> grafico</a:t>
-            </a:r>
-          </a:p>
-        </p:txBody>
-      </p:sp>
-      <p:sp>
-        <p:nvSpPr>
-          <p:cNvPr id="17" name="Segnaposto testo 18">
-            <a:extLst>
-              <a:ext uri="{FF2B5EF4-FFF2-40B4-BE49-F238E27FC236}">
-                <a16:creationId xmlns:a16="http://schemas.microsoft.com/office/drawing/2014/main" id="{D7CE36F2-C321-46C5-AFD9-00917224D390}"/>
+              <a:t>missione</a:t>
+            </a:r>
+          </a:p>
+        </p:txBody>
+      </p:sp>
+      <p:sp>
+        <p:nvSpPr>
+          <p:cNvPr id="19" name="Segnaposto testo 18">
+            <a:extLst>
+              <a:ext uri="{FF2B5EF4-FFF2-40B4-BE49-F238E27FC236}">
+                <a16:creationId xmlns:a16="http://schemas.microsoft.com/office/drawing/2014/main" id="{DFE11F38-F66B-4F95-8224-6CCA69D57617}"/>
               </a:ext>
             </a:extLst>
           </p:cNvPr>
@@ -20574,10 +20434,10 @@
       </p:sp>
       <p:sp>
         <p:nvSpPr>
-          <p:cNvPr id="33" name="Segnaposto testo 32">
-            <a:extLst>
-              <a:ext uri="{FF2B5EF4-FFF2-40B4-BE49-F238E27FC236}">
-                <a16:creationId xmlns:a16="http://schemas.microsoft.com/office/drawing/2014/main" id="{7CFD0302-279C-8A48-9E27-AD5B08D6501E}"/>
+          <p:cNvPr id="15" name="Segnaposto testo 14">
+            <a:extLst>
+              <a:ext uri="{FF2B5EF4-FFF2-40B4-BE49-F238E27FC236}">
+                <a16:creationId xmlns:a16="http://schemas.microsoft.com/office/drawing/2014/main" id="{24E18385-8BEA-4522-ABAA-5AB38F0D4FC2}"/>
               </a:ext>
             </a:extLst>
           </p:cNvPr>
@@ -20585,7 +20445,36 @@
             <a:spLocks noGrp="1"/>
           </p:cNvSpPr>
           <p:nvPr>
-            <p:ph type="body" sz="quarter" idx="19"/>
+            <p:ph type="body" idx="1"/>
+          </p:nvPr>
+        </p:nvSpPr>
+        <p:spPr/>
+        <p:txBody>
+          <a:bodyPr rtlCol="0"/>
+          <a:lstStyle/>
+          <a:p>
+            <a:pPr rtl="0"/>
+            <a:r>
+              <a:rPr lang="it-IT" dirty="0"/>
+              <a:t>Nome società</a:t>
+            </a:r>
+          </a:p>
+        </p:txBody>
+      </p:sp>
+      <p:sp>
+        <p:nvSpPr>
+          <p:cNvPr id="16" name="Segnaposto contenuto 15">
+            <a:extLst>
+              <a:ext uri="{FF2B5EF4-FFF2-40B4-BE49-F238E27FC236}">
+                <a16:creationId xmlns:a16="http://schemas.microsoft.com/office/drawing/2014/main" id="{1DCFA8A2-3FB8-48CA-933D-0800A9D2A2A2}"/>
+              </a:ext>
+            </a:extLst>
+          </p:cNvPr>
+          <p:cNvSpPr>
+            <a:spLocks noGrp="1"/>
+          </p:cNvSpPr>
+          <p:nvPr>
+            <p:ph sz="half" idx="13"/>
           </p:nvPr>
         </p:nvSpPr>
         <p:spPr/>
@@ -20599,8 +20488,12 @@
               </a:buClr>
             </a:pPr>
             <a:r>
+              <a:rPr lang="it-IT" dirty="0"/>
+              <a:t>Nulla a </a:t>
+            </a:r>
+            <a:r>
               <a:rPr lang="it-IT" dirty="0" err="1"/>
-              <a:t>Lorem</a:t>
+              <a:t>erat</a:t>
             </a:r>
             <a:r>
               <a:rPr lang="it-IT" dirty="0"/>
@@ -20608,7 +20501,7 @@
             </a:r>
             <a:r>
               <a:rPr lang="it-IT" dirty="0" err="1"/>
-              <a:t>ipsum</a:t>
+              <a:t>eget</a:t>
             </a:r>
             <a:r>
               <a:rPr lang="it-IT" dirty="0"/>
@@ -20616,7 +20509,7 @@
             </a:r>
             <a:r>
               <a:rPr lang="it-IT" dirty="0" err="1"/>
-              <a:t>dolor</a:t>
+              <a:t>nunc</a:t>
             </a:r>
             <a:r>
               <a:rPr lang="it-IT" dirty="0"/>
@@ -20624,7 +20517,7 @@
             </a:r>
             <a:r>
               <a:rPr lang="it-IT" dirty="0" err="1"/>
-              <a:t>sit</a:t>
+              <a:t>hendrerit</a:t>
             </a:r>
             <a:r>
               <a:rPr lang="it-IT" dirty="0"/>
@@ -20632,7 +20525,47 @@
             </a:r>
             <a:r>
               <a:rPr lang="it-IT" dirty="0" err="1"/>
-              <a:t>amet</a:t>
+              <a:t>ultrices</a:t>
+            </a:r>
+            <a:r>
+              <a:rPr lang="it-IT" dirty="0"/>
+              <a:t> </a:t>
+            </a:r>
+            <a:r>
+              <a:rPr lang="it-IT" dirty="0" err="1"/>
+              <a:t>eu</a:t>
+            </a:r>
+            <a:r>
+              <a:rPr lang="it-IT" dirty="0"/>
+              <a:t> </a:t>
+            </a:r>
+            <a:r>
+              <a:rPr lang="it-IT" dirty="0" err="1"/>
+              <a:t>nec</a:t>
+            </a:r>
+            <a:r>
+              <a:rPr lang="it-IT" dirty="0"/>
+              <a:t> nulla. </a:t>
+            </a:r>
+            <a:r>
+              <a:rPr lang="it-IT" dirty="0" err="1"/>
+              <a:t>Donec</a:t>
+            </a:r>
+            <a:r>
+              <a:rPr lang="it-IT" dirty="0"/>
+              <a:t> viverra </a:t>
+            </a:r>
+            <a:r>
+              <a:rPr lang="it-IT" dirty="0" err="1"/>
+              <a:t>leo</a:t>
+            </a:r>
+            <a:r>
+              <a:rPr lang="it-IT" dirty="0"/>
+              <a:t> </a:t>
+            </a:r>
+            <a:r>
+              <a:rPr lang="it-IT" dirty="0" err="1"/>
+              <a:t>aliquet</a:t>
             </a:r>
             <a:r>
               <a:rPr lang="it-IT" dirty="0"/>
@@ -20640,7 +20573,7 @@
             </a:r>
             <a:r>
               <a:rPr lang="it-IT" dirty="0" err="1"/>
-              <a:t>consectetur</a:t>
+              <a:t>auctor</a:t>
             </a:r>
             <a:r>
               <a:rPr lang="it-IT" dirty="0"/>
@@ -20648,7 +20581,38 @@
             </a:r>
             <a:r>
               <a:rPr lang="it-IT" dirty="0" err="1"/>
-              <a:t>adipiscing</a:t>
+              <a:t>quam</a:t>
+            </a:r>
+            <a:r>
+              <a:rPr lang="it-IT" dirty="0"/>
+              <a:t> id, </a:t>
+            </a:r>
+            <a:r>
+              <a:rPr lang="it-IT" dirty="0" err="1"/>
+              <a:t>convallis</a:t>
+            </a:r>
+            <a:r>
+              <a:rPr lang="it-IT" dirty="0"/>
+              <a:t> orci. </a:t>
+            </a:r>
+          </a:p>
+          <a:p>
+            <a:pPr lvl="1" rtl="0">
+              <a:buClr>
+                <a:schemeClr val="accent2"/>
+              </a:buClr>
+            </a:pPr>
+            <a:r>
+              <a:rPr lang="it-IT" dirty="0" err="1"/>
+              <a:t>Sed</a:t>
+            </a:r>
+            <a:r>
+              <a:rPr lang="it-IT" dirty="0"/>
+              <a:t> in molestie est. Cras ornare </a:t>
+            </a:r>
+            <a:r>
+              <a:rPr lang="it-IT" dirty="0" err="1"/>
+              <a:t>turpis</a:t>
             </a:r>
             <a:r>
               <a:rPr lang="it-IT" dirty="0"/>
@@ -20656,13 +20620,183 @@
             </a:r>
             <a:r>
               <a:rPr lang="it-IT" dirty="0" err="1"/>
-              <a:t>elit</a:t>
+              <a:t>at</a:t>
+            </a:r>
+            <a:r>
+              <a:rPr lang="it-IT" dirty="0"/>
+              <a:t> ligula </a:t>
+            </a:r>
+            <a:r>
+              <a:rPr lang="it-IT" dirty="0" err="1"/>
+              <a:t>posuere</a:t>
+            </a:r>
+            <a:r>
+              <a:rPr lang="it-IT" dirty="0"/>
+              <a:t>, </a:t>
+            </a:r>
+            <a:r>
+              <a:rPr lang="it-IT" dirty="0" err="1"/>
+              <a:t>sit</a:t>
+            </a:r>
+            <a:r>
+              <a:rPr lang="it-IT" dirty="0"/>
+              <a:t> </a:t>
+            </a:r>
+            <a:r>
+              <a:rPr lang="it-IT" dirty="0" err="1"/>
+              <a:t>amet</a:t>
+            </a:r>
+            <a:r>
+              <a:rPr lang="it-IT" dirty="0"/>
+              <a:t> </a:t>
+            </a:r>
+            <a:r>
+              <a:rPr lang="it-IT" dirty="0" err="1"/>
+              <a:t>accumsan</a:t>
+            </a:r>
+            <a:r>
+              <a:rPr lang="it-IT" dirty="0"/>
+              <a:t> </a:t>
+            </a:r>
+            <a:r>
+              <a:rPr lang="it-IT" dirty="0" err="1"/>
+              <a:t>neque</a:t>
+            </a:r>
+            <a:r>
+              <a:rPr lang="it-IT" dirty="0"/>
+              <a:t> </a:t>
+            </a:r>
+            <a:r>
+              <a:rPr lang="it-IT" dirty="0" err="1"/>
+              <a:t>lobortis</a:t>
+            </a:r>
+            <a:r>
+              <a:rPr lang="it-IT" dirty="0"/>
+              <a:t>.</a:t>
+            </a:r>
+          </a:p>
+          <a:p>
+            <a:pPr lvl="1" rtl="0">
+              <a:buClr>
+                <a:schemeClr val="accent2"/>
+              </a:buClr>
+            </a:pPr>
+            <a:r>
+              <a:rPr lang="it-IT" dirty="0" err="1"/>
+              <a:t>Maecenas</a:t>
+            </a:r>
+            <a:r>
+              <a:rPr lang="it-IT" dirty="0"/>
+              <a:t> </a:t>
+            </a:r>
+            <a:r>
+              <a:rPr lang="it-IT" dirty="0" err="1"/>
+              <a:t>mattis</a:t>
+            </a:r>
+            <a:r>
+              <a:rPr lang="it-IT" dirty="0"/>
+              <a:t> </a:t>
+            </a:r>
+            <a:r>
+              <a:rPr lang="it-IT" dirty="0" err="1"/>
+              <a:t>risus</a:t>
+            </a:r>
+            <a:r>
+              <a:rPr lang="it-IT" dirty="0"/>
+              <a:t> ligula, </a:t>
+            </a:r>
+            <a:r>
+              <a:rPr lang="it-IT" dirty="0" err="1"/>
+              <a:t>sed</a:t>
+            </a:r>
+            <a:r>
+              <a:rPr lang="it-IT" dirty="0"/>
+              <a:t> </a:t>
+            </a:r>
+            <a:r>
+              <a:rPr lang="it-IT" dirty="0" err="1"/>
+              <a:t>ullamcorper</a:t>
+            </a:r>
+            <a:r>
+              <a:rPr lang="it-IT" dirty="0"/>
+              <a:t> </a:t>
+            </a:r>
+            <a:r>
+              <a:rPr lang="it-IT" dirty="0" err="1"/>
+              <a:t>nunc</a:t>
+            </a:r>
+            <a:r>
+              <a:rPr lang="it-IT" dirty="0"/>
+              <a:t> </a:t>
+            </a:r>
+            <a:r>
+              <a:rPr lang="it-IT" dirty="0" err="1"/>
+              <a:t>efficitur</a:t>
+            </a:r>
+            <a:r>
+              <a:rPr lang="it-IT" dirty="0"/>
+              <a:t> </a:t>
+            </a:r>
+            <a:r>
+              <a:rPr lang="it-IT" dirty="0" err="1"/>
+              <a:t>sed</a:t>
             </a:r>
             <a:r>
               <a:rPr lang="it-IT" dirty="0"/>
               <a:t>. </a:t>
             </a:r>
           </a:p>
+        </p:txBody>
+      </p:sp>
+      <p:sp>
+        <p:nvSpPr>
+          <p:cNvPr id="17" name="Segnaposto testo 16">
+            <a:extLst>
+              <a:ext uri="{FF2B5EF4-FFF2-40B4-BE49-F238E27FC236}">
+                <a16:creationId xmlns:a16="http://schemas.microsoft.com/office/drawing/2014/main" id="{640A3223-3DA3-4CF2-82B6-1447667547BD}"/>
+              </a:ext>
+            </a:extLst>
+          </p:cNvPr>
+          <p:cNvSpPr>
+            <a:spLocks noGrp="1"/>
+          </p:cNvSpPr>
+          <p:nvPr>
+            <p:ph type="body" sz="quarter" idx="14"/>
+          </p:nvPr>
+        </p:nvSpPr>
+        <p:spPr/>
+        <p:txBody>
+          <a:bodyPr rtlCol="0"/>
+          <a:lstStyle/>
+          <a:p>
+            <a:pPr rtl="0"/>
+            <a:r>
+              <a:rPr lang="it-IT" dirty="0"/>
+              <a:t>Servizio concorrente</a:t>
+            </a:r>
+          </a:p>
+        </p:txBody>
+      </p:sp>
+      <p:sp>
+        <p:nvSpPr>
+          <p:cNvPr id="18" name="Segnaposto contenuto 17">
+            <a:extLst>
+              <a:ext uri="{FF2B5EF4-FFF2-40B4-BE49-F238E27FC236}">
+                <a16:creationId xmlns:a16="http://schemas.microsoft.com/office/drawing/2014/main" id="{C955AFB3-173C-4848-B3E9-1375591B297E}"/>
+              </a:ext>
+            </a:extLst>
+          </p:cNvPr>
+          <p:cNvSpPr>
+            <a:spLocks noGrp="1"/>
+          </p:cNvSpPr>
+          <p:nvPr>
+            <p:ph sz="quarter" idx="15"/>
+          </p:nvPr>
+        </p:nvSpPr>
+        <p:spPr/>
+        <p:txBody>
+          <a:bodyPr rtlCol="0"/>
+          <a:lstStyle/>
           <a:p>
             <a:pPr rtl="0">
               <a:buClr>
@@ -20671,27 +20805,11 @@
             </a:pPr>
             <a:r>
               <a:rPr lang="it-IT" dirty="0"/>
-              <a:t>Ut </a:t>
+              <a:t>Nulla a </a:t>
             </a:r>
             <a:r>
               <a:rPr lang="it-IT" dirty="0" err="1"/>
-              <a:t>fermentum</a:t>
-            </a:r>
-            <a:r>
-              <a:rPr lang="it-IT" dirty="0"/>
-              <a:t> a magna ut </a:t>
-            </a:r>
-            <a:r>
-              <a:rPr lang="it-IT" dirty="0" err="1"/>
-              <a:t>eleifend</a:t>
-            </a:r>
-            <a:r>
-              <a:rPr lang="it-IT" dirty="0"/>
-              <a:t>. </a:t>
-            </a:r>
-            <a:r>
-              <a:rPr lang="it-IT" dirty="0" err="1"/>
-              <a:t>Integer</a:t>
+              <a:t>erat</a:t>
             </a:r>
             <a:r>
               <a:rPr lang="it-IT" dirty="0"/>
@@ -20699,7 +20817,7 @@
             </a:r>
             <a:r>
               <a:rPr lang="it-IT" dirty="0" err="1"/>
-              <a:t>convallis</a:t>
+              <a:t>eget</a:t>
             </a:r>
             <a:r>
               <a:rPr lang="it-IT" dirty="0"/>
@@ -20707,11 +20825,27 @@
             </a:r>
             <a:r>
               <a:rPr lang="it-IT" dirty="0" err="1"/>
-              <a:t>suscipit</a:t>
+              <a:t>nunc</a:t>
             </a:r>
             <a:r>
               <a:rPr lang="it-IT" dirty="0"/>
-              <a:t> ante </a:t>
+              <a:t> </a:t>
+            </a:r>
+            <a:r>
+              <a:rPr lang="it-IT" dirty="0" err="1"/>
+              <a:t>hendrerit</a:t>
+            </a:r>
+            <a:r>
+              <a:rPr lang="it-IT" dirty="0"/>
+              <a:t> </a:t>
+            </a:r>
+            <a:r>
+              <a:rPr lang="it-IT" dirty="0" err="1"/>
+              <a:t>ultrices</a:t>
+            </a:r>
+            <a:r>
+              <a:rPr lang="it-IT" dirty="0"/>
+              <a:t> </a:t>
             </a:r>
             <a:r>
               <a:rPr lang="it-IT" dirty="0" err="1"/>
@@ -20723,26 +20857,78 @@
             </a:r>
             <a:r>
               <a:rPr lang="it-IT" dirty="0" err="1"/>
-              <a:t>varius</a:t>
+              <a:t>nec</a:t>
             </a:r>
             <a:r>
               <a:rPr lang="it-IT" dirty="0"/>
-              <a:t>. </a:t>
-            </a:r>
-          </a:p>
-          <a:p>
-            <a:pPr rtl="0">
+              <a:t> nulla. </a:t>
+            </a:r>
+            <a:r>
+              <a:rPr lang="it-IT" dirty="0" err="1"/>
+              <a:t>Donec</a:t>
+            </a:r>
+            <a:r>
+              <a:rPr lang="it-IT" dirty="0"/>
+              <a:t> viverra </a:t>
+            </a:r>
+            <a:r>
+              <a:rPr lang="it-IT" dirty="0" err="1"/>
+              <a:t>leo</a:t>
+            </a:r>
+            <a:r>
+              <a:rPr lang="it-IT" dirty="0"/>
+              <a:t> </a:t>
+            </a:r>
+            <a:r>
+              <a:rPr lang="it-IT" dirty="0" err="1"/>
+              <a:t>aliquet</a:t>
+            </a:r>
+            <a:r>
+              <a:rPr lang="it-IT" dirty="0"/>
+              <a:t>, </a:t>
+            </a:r>
+            <a:r>
+              <a:rPr lang="it-IT" dirty="0" err="1"/>
+              <a:t>auctor</a:t>
+            </a:r>
+            <a:r>
+              <a:rPr lang="it-IT" dirty="0"/>
+              <a:t> </a:t>
+            </a:r>
+            <a:r>
+              <a:rPr lang="it-IT" dirty="0" err="1"/>
+              <a:t>quam</a:t>
+            </a:r>
+            <a:r>
+              <a:rPr lang="it-IT" dirty="0"/>
+              <a:t> id, </a:t>
+            </a:r>
+            <a:r>
+              <a:rPr lang="it-IT" dirty="0" err="1"/>
+              <a:t>convallis</a:t>
+            </a:r>
+            <a:r>
+              <a:rPr lang="it-IT" dirty="0"/>
+              <a:t> orci. </a:t>
+            </a:r>
+          </a:p>
+          <a:p>
+            <a:pPr lvl="1" rtl="0">
               <a:buClr>
                 <a:schemeClr val="accent2"/>
               </a:buClr>
             </a:pPr>
             <a:r>
+              <a:rPr lang="it-IT" dirty="0" err="1"/>
+              <a:t>Sed</a:t>
+            </a:r>
+            <a:r>
               <a:rPr lang="it-IT" dirty="0"/>
-              <a:t>Morbi a </a:t>
+              <a:t> in molestie est. Cras ornare </a:t>
             </a:r>
             <a:r>
               <a:rPr lang="it-IT" dirty="0" err="1"/>
-              <a:t>purus</a:t>
+              <a:t>turpis</a:t>
             </a:r>
             <a:r>
               <a:rPr lang="it-IT" dirty="0"/>
@@ -20750,15 +20936,23 @@
             </a:r>
             <a:r>
               <a:rPr lang="it-IT" dirty="0" err="1"/>
-              <a:t>dolor</a:t>
+              <a:t>at</a:t>
             </a:r>
             <a:r>
               <a:rPr lang="it-IT" dirty="0"/>
-              <a:t>. </a:t>
+              <a:t> ligula </a:t>
             </a:r>
             <a:r>
               <a:rPr lang="it-IT" dirty="0" err="1"/>
-              <a:t>Suspendisse</a:t>
+              <a:t>posuere</a:t>
+            </a:r>
+            <a:r>
+              <a:rPr lang="it-IT" dirty="0"/>
+              <a:t>, </a:t>
+            </a:r>
+            <a:r>
+              <a:rPr lang="it-IT" dirty="0" err="1"/>
+              <a:t>sit</a:t>
             </a:r>
             <a:r>
               <a:rPr lang="it-IT" dirty="0"/>
@@ -20766,7 +20960,7 @@
             </a:r>
             <a:r>
               <a:rPr lang="it-IT" dirty="0" err="1"/>
-              <a:t>sit</a:t>
+              <a:t>amet</a:t>
             </a:r>
             <a:r>
               <a:rPr lang="it-IT" dirty="0"/>
@@ -20774,7 +20968,7 @@
             </a:r>
             <a:r>
               <a:rPr lang="it-IT" dirty="0" err="1"/>
-              <a:t>amet</a:t>
+              <a:t>accumsan</a:t>
             </a:r>
             <a:r>
               <a:rPr lang="it-IT" dirty="0"/>
@@ -20782,7 +20976,7 @@
             </a:r>
             <a:r>
               <a:rPr lang="it-IT" dirty="0" err="1"/>
-              <a:t>ipsum</a:t>
+              <a:t>neque</a:t>
             </a:r>
             <a:r>
               <a:rPr lang="it-IT" dirty="0"/>
@@ -20790,42 +20984,22 @@
             </a:r>
             <a:r>
               <a:rPr lang="it-IT" dirty="0" err="1"/>
-              <a:t>finibus</a:t>
+              <a:t>lobortis</a:t>
             </a:r>
             <a:r>
               <a:rPr lang="it-IT" dirty="0"/>
-              <a:t> </a:t>
-            </a:r>
-            <a:r>
-              <a:rPr lang="it-IT" dirty="0" err="1"/>
-              <a:t>justo</a:t>
-            </a:r>
-            <a:r>
-              <a:rPr lang="it-IT" dirty="0"/>
-              <a:t> viverra </a:t>
-            </a:r>
-            <a:r>
-              <a:rPr lang="it-IT" dirty="0" err="1"/>
-              <a:t>blandit</a:t>
-            </a:r>
-            <a:r>
-              <a:rPr lang="it-IT" dirty="0"/>
-              <a:t>. </a:t>
-            </a:r>
-          </a:p>
-          <a:p>
-            <a:pPr rtl="0">
+              <a:t>.</a:t>
+            </a:r>
+          </a:p>
+          <a:p>
+            <a:pPr lvl="1" rtl="0">
               <a:buClr>
                 <a:schemeClr val="accent2"/>
               </a:buClr>
             </a:pPr>
             <a:r>
-              <a:rPr lang="it-IT" dirty="0"/>
-              <a:t>Ut </a:t>
-            </a:r>
-            <a:r>
               <a:rPr lang="it-IT" dirty="0" err="1"/>
-              <a:t>congue</a:t>
+              <a:t>Maecenas</a:t>
             </a:r>
             <a:r>
               <a:rPr lang="it-IT" dirty="0"/>
@@ -20833,7 +21007,7 @@
             </a:r>
             <a:r>
               <a:rPr lang="it-IT" dirty="0" err="1"/>
-              <a:t>quis</a:t>
+              <a:t>mattis</a:t>
             </a:r>
             <a:r>
               <a:rPr lang="it-IT" dirty="0"/>
@@ -20841,7 +21015,15 @@
             </a:r>
             <a:r>
               <a:rPr lang="it-IT" dirty="0" err="1"/>
-              <a:t>tortor</a:t>
+              <a:t>risus</a:t>
+            </a:r>
+            <a:r>
+              <a:rPr lang="it-IT" dirty="0"/>
+              <a:t> ligula, </a:t>
+            </a:r>
+            <a:r>
+              <a:rPr lang="it-IT" dirty="0" err="1"/>
+              <a:t>sed</a:t>
             </a:r>
             <a:r>
               <a:rPr lang="it-IT" dirty="0"/>
@@ -20849,7 +21031,7 @@
             </a:r>
             <a:r>
               <a:rPr lang="it-IT" dirty="0" err="1"/>
-              <a:t>eget</a:t>
+              <a:t>ullamcorper</a:t>
             </a:r>
             <a:r>
               <a:rPr lang="it-IT" dirty="0"/>
@@ -20857,7 +21039,23 @@
             </a:r>
             <a:r>
               <a:rPr lang="it-IT" dirty="0" err="1"/>
-              <a:t>sodales</a:t>
+              <a:t>nunc</a:t>
+            </a:r>
+            <a:r>
+              <a:rPr lang="it-IT" dirty="0"/>
+              <a:t> </a:t>
+            </a:r>
+            <a:r>
+              <a:rPr lang="it-IT" dirty="0" err="1"/>
+              <a:t>efficitur</a:t>
+            </a:r>
+            <a:r>
+              <a:rPr lang="it-IT" dirty="0"/>
+              <a:t> </a:t>
+            </a:r>
+            <a:r>
+              <a:rPr lang="it-IT" dirty="0" err="1"/>
+              <a:t>sed</a:t>
             </a:r>
             <a:r>
               <a:rPr lang="it-IT" dirty="0"/>
@@ -20866,43 +21064,12 @@
           </a:p>
         </p:txBody>
       </p:sp>
-      <p:graphicFrame>
-        <p:nvGraphicFramePr>
-          <p:cNvPr id="34" name="Segnaposto grafico 24" descr="Grafico a cilindro">
-            <a:extLst>
-              <a:ext uri="{FF2B5EF4-FFF2-40B4-BE49-F238E27FC236}">
-                <a16:creationId xmlns:a16="http://schemas.microsoft.com/office/drawing/2014/main" id="{71FC94C7-3179-A442-AB05-74D7AFF60709}"/>
-              </a:ext>
-            </a:extLst>
-          </p:cNvPr>
-          <p:cNvGraphicFramePr>
-            <a:graphicFrameLocks noGrp="1"/>
-          </p:cNvGraphicFramePr>
-          <p:nvPr>
-            <p:ph type="chart" sz="quarter" idx="10"/>
-            <p:extLst>
-              <p:ext uri="{D42A27DB-BD31-4B8C-83A1-F6EECF244321}">
-                <p14:modId xmlns:p14="http://schemas.microsoft.com/office/powerpoint/2010/main" val="3429668528"/>
-              </p:ext>
-            </p:extLst>
-          </p:nvPr>
-        </p:nvGraphicFramePr>
-        <p:xfrm>
-          <a:off x="5049147" y="1340797"/>
-          <a:ext cx="7106973" cy="4657090"/>
-        </p:xfrm>
-        <a:graphic>
-          <a:graphicData uri="http://schemas.openxmlformats.org/drawingml/2006/chart">
-            <c:chart xmlns:c="http://schemas.openxmlformats.org/drawingml/2006/chart" xmlns:r="http://schemas.openxmlformats.org/officeDocument/2006/relationships" r:id="rId3"/>
-          </a:graphicData>
-        </a:graphic>
-      </p:graphicFrame>
-      <p:sp>
-        <p:nvSpPr>
-          <p:cNvPr id="3" name="Segnaposto piè di pagina 2">
-            <a:extLst>
-              <a:ext uri="{FF2B5EF4-FFF2-40B4-BE49-F238E27FC236}">
-                <a16:creationId xmlns:a16="http://schemas.microsoft.com/office/drawing/2014/main" id="{B04C11C9-3DF6-471E-87C0-4DCED41031D4}"/>
+      <p:sp>
+        <p:nvSpPr>
+          <p:cNvPr id="20" name="Segnaposto piè di pagina 4">
+            <a:extLst>
+              <a:ext uri="{FF2B5EF4-FFF2-40B4-BE49-F238E27FC236}">
+                <a16:creationId xmlns:a16="http://schemas.microsoft.com/office/drawing/2014/main" id="{391D3201-20F9-4DD7-B4EB-F41AF17CA428}"/>
               </a:ext>
             </a:extLst>
           </p:cNvPr>
@@ -20916,9 +21083,20 @@
         <p:spPr/>
         <p:txBody>
           <a:bodyPr rtlCol="0"/>
-          <a:lstStyle/>
-          <a:p>
-            <a:pPr rtl="0"/>
+          <a:lstStyle>
+            <a:lvl1pPr algn="r">
+              <a:defRPr sz="1200">
+                <a:solidFill>
+                  <a:schemeClr val="tx1">
+                    <a:lumMod val="50000"/>
+                    <a:lumOff val="50000"/>
+                  </a:schemeClr>
+                </a:solidFill>
+              </a:defRPr>
+            </a:lvl1pPr>
+          </a:lstStyle>
+          <a:p>
+            <a:pPr algn="l" rtl="0"/>
             <a:r>
               <a:rPr lang="it-IT" dirty="0"/>
               <a:t>Aggiungere un piè di pagina</a:t>
@@ -20928,10 +21106,10 @@
       </p:sp>
       <p:sp>
         <p:nvSpPr>
-          <p:cNvPr id="4" name="Segnaposto numero diapositiva 3">
-            <a:extLst>
-              <a:ext uri="{FF2B5EF4-FFF2-40B4-BE49-F238E27FC236}">
-                <a16:creationId xmlns:a16="http://schemas.microsoft.com/office/drawing/2014/main" id="{B2228214-87DB-4B3A-BD81-9A709A69BAAC}"/>
+          <p:cNvPr id="21" name="Segnaposto numero diapositiva 5">
+            <a:extLst>
+              <a:ext uri="{FF2B5EF4-FFF2-40B4-BE49-F238E27FC236}">
+                <a16:creationId xmlns:a16="http://schemas.microsoft.com/office/drawing/2014/main" id="{C7C65DDB-24F2-44CF-AE02-F3A6C8B1858B}"/>
               </a:ext>
             </a:extLst>
           </p:cNvPr>
@@ -20945,7 +21123,18 @@
         <p:spPr/>
         <p:txBody>
           <a:bodyPr rtlCol="0"/>
-          <a:lstStyle/>
+          <a:lstStyle>
+            <a:lvl1pPr algn="r">
+              <a:defRPr sz="1200">
+                <a:solidFill>
+                  <a:schemeClr val="tx1">
+                    <a:lumMod val="50000"/>
+                    <a:lumOff val="50000"/>
+                  </a:schemeClr>
+                </a:solidFill>
+              </a:defRPr>
+            </a:lvl1pPr>
+          </a:lstStyle>
           <a:p>
             <a:pPr rtl="0"/>
             <a:fld id="{8699F50C-BE38-4BD0-BA84-9B090E1F2B9B}" type="slidenum">
@@ -20960,7 +21149,7 @@
     </p:spTree>
     <p:extLst>
       <p:ext uri="{BB962C8B-B14F-4D97-AF65-F5344CB8AC3E}">
-        <p14:creationId xmlns:p14="http://schemas.microsoft.com/office/powerpoint/2010/main" val="310042212"/>
+        <p14:creationId xmlns:p14="http://schemas.microsoft.com/office/powerpoint/2010/main" val="1645896325"/>
       </p:ext>
     </p:extLst>
   </p:cSld>

--- a/Progetto Ingegneria SW.pptx
+++ b/Progetto Ingegneria SW.pptx
@@ -1374,7 +1374,7 @@
             <a:pPr rtl="0"/>
             <a:fld id="{BEFBFAFD-B367-4FDC-8BD6-0ED3AC1E8171}" type="datetime1">
               <a:rPr lang="it-IT" smtClean="0"/>
-              <a:t>23/05/2019</a:t>
+              <a:t>28/05/2019</a:t>
             </a:fld>
             <a:endParaRPr lang="it-IT" dirty="0"/>
           </a:p>
@@ -1556,7 +1556,7 @@
             <a:fld id="{358ABC55-7EA4-4B04-948D-8B6AA303BF20}" type="datetime1">
               <a:rPr lang="it-IT" noProof="0" smtClean="0"/>
               <a:pPr/>
-              <a:t>23/05/2019</a:t>
+              <a:t>28/05/2019</a:t>
             </a:fld>
             <a:endParaRPr lang="it-IT" noProof="0" dirty="0"/>
           </a:p>
@@ -18520,18 +18520,44 @@
             <p:ph idx="1"/>
           </p:nvPr>
         </p:nvSpPr>
-        <p:spPr/>
+        <p:spPr>
+          <a:xfrm>
+            <a:off x="531378" y="3129540"/>
+            <a:ext cx="7194639" cy="2958275"/>
+          </a:xfrm>
+        </p:spPr>
         <p:txBody>
           <a:bodyPr rtlCol="0">
             <a:normAutofit/>
           </a:bodyPr>
           <a:lstStyle/>
           <a:p>
-            <a:pPr lvl="0" rtl="0"/>
+            <a:pPr lvl="0"/>
             <a:r>
               <a:rPr lang="it-IT" dirty="0"/>
-              <a:t>Descrizione del problema e perché lo abbiamo usato</a:t>
-            </a:r>
+              <a:t>Avevamo delle sottocategorie, ereditanti da una superclasse generica, ognuna con i propri campi specifici.</a:t>
+            </a:r>
+          </a:p>
+          <a:p>
+            <a:pPr lvl="0"/>
+            <a:r>
+              <a:rPr lang="it-IT" dirty="0"/>
+              <a:t>L’implementazione del polimorfismo è particolarmente utile quando la versione del metodo da eseguire viene scelta sulla base del tipo di oggetto effettivamente contenuto in una variabile a </a:t>
+            </a:r>
+            <a:r>
+              <a:rPr lang="it-IT" dirty="0" err="1"/>
+              <a:t>runtime</a:t>
+            </a:r>
+            <a:r>
+              <a:rPr lang="it-IT" dirty="0"/>
+              <a:t>.</a:t>
+            </a:r>
+          </a:p>
+          <a:p>
+            <a:pPr marL="0" lvl="0" indent="0" rtl="0">
+              <a:buNone/>
+            </a:pPr>
+            <a:endParaRPr lang="it-IT" dirty="0"/>
           </a:p>
         </p:txBody>
       </p:sp>
@@ -18686,37 +18712,6 @@
       </p:sp>
       <p:sp>
         <p:nvSpPr>
-          <p:cNvPr id="7" name="Segnaposto contenuto 6">
-            <a:extLst>
-              <a:ext uri="{FF2B5EF4-FFF2-40B4-BE49-F238E27FC236}">
-                <a16:creationId xmlns:a16="http://schemas.microsoft.com/office/drawing/2014/main" id="{2482DBEC-EE72-4155-ACC5-87E80C5606A9}"/>
-              </a:ext>
-            </a:extLst>
-          </p:cNvPr>
-          <p:cNvSpPr>
-            <a:spLocks noGrp="1"/>
-          </p:cNvSpPr>
-          <p:nvPr>
-            <p:ph idx="1"/>
-          </p:nvPr>
-        </p:nvSpPr>
-        <p:spPr/>
-        <p:txBody>
-          <a:bodyPr rtlCol="0">
-            <a:normAutofit/>
-          </a:bodyPr>
-          <a:lstStyle/>
-          <a:p>
-            <a:pPr lvl="0" rtl="0"/>
-            <a:r>
-              <a:rPr lang="it-IT" dirty="0"/>
-              <a:t>**INSERIRE DIAGRAMMA UML**</a:t>
-            </a:r>
-          </a:p>
-        </p:txBody>
-      </p:sp>
-      <p:sp>
-        <p:nvSpPr>
           <p:cNvPr id="11" name="Segnaposto piè di pagina 10">
             <a:extLst>
               <a:ext uri="{FF2B5EF4-FFF2-40B4-BE49-F238E27FC236}">
@@ -18775,6 +18770,35 @@
           </a:p>
         </p:txBody>
       </p:sp>
+      <p:pic>
+        <p:nvPicPr>
+          <p:cNvPr id="6" name="Segnaposto contenuto 5" descr="Immagine che contiene testo, mappa&#10;&#10;Descrizione generata automaticamente">
+            <a:extLst>
+              <a:ext uri="{FF2B5EF4-FFF2-40B4-BE49-F238E27FC236}">
+                <a16:creationId xmlns:a16="http://schemas.microsoft.com/office/drawing/2014/main" id="{9F864FC5-0AF8-48D5-9652-BD30A4FC5C63}"/>
+              </a:ext>
+            </a:extLst>
+          </p:cNvPr>
+          <p:cNvPicPr>
+            <a:picLocks noGrp="1" noChangeAspect="1"/>
+          </p:cNvPicPr>
+          <p:nvPr>
+            <p:ph idx="1"/>
+          </p:nvPr>
+        </p:nvPicPr>
+        <p:blipFill>
+          <a:blip r:embed="rId3"/>
+          <a:stretch>
+            <a:fillRect/>
+          </a:stretch>
+        </p:blipFill>
+        <p:spPr>
+          <a:xfrm>
+            <a:off x="2519639" y="3325125"/>
+            <a:ext cx="5798030" cy="2338221"/>
+          </a:xfrm>
+        </p:spPr>
+      </p:pic>
     </p:spTree>
     <p:extLst>
       <p:ext uri="{BB962C8B-B14F-4D97-AF65-F5344CB8AC3E}">
@@ -18971,7 +18995,7 @@
             <a:pPr rtl="0"/>
             <a:r>
               <a:rPr lang="it-IT" dirty="0"/>
-              <a:t>Servizio concorrente</a:t>
+              <a:t>Alternativa al polimorfismo</a:t>
             </a:r>
           </a:p>
         </p:txBody>
@@ -19250,7 +19274,7 @@
             <a:pPr lvl="0" rtl="0"/>
             <a:r>
               <a:rPr lang="it-IT" dirty="0"/>
-              <a:t>Descrizione del problema e perché lo abbiamo usato</a:t>
+              <a:t>Seguendo la Legge di Demetra abbiamo fatto in modo di far parlare ciascuna classe solo con classi con cui si ha diretta dipendenza, evitando di parlare con «stranieri», cioè oggetti indiretti.</a:t>
             </a:r>
           </a:p>
         </p:txBody>
@@ -19448,7 +19472,12 @@
             <p:ph sz="half" idx="13"/>
           </p:nvPr>
         </p:nvSpPr>
-        <p:spPr/>
+        <p:spPr>
+          <a:xfrm>
+            <a:off x="520698" y="2886076"/>
+            <a:ext cx="5475290" cy="3232149"/>
+          </a:xfrm>
+        </p:spPr>
         <p:txBody>
           <a:bodyPr rtlCol="0"/>
           <a:lstStyle/>
@@ -19461,7 +19490,7 @@
             </a:pPr>
             <a:r>
               <a:rPr lang="it-IT" i="1" dirty="0" err="1"/>
-              <a:t>FieldSet</a:t>
+              <a:t>Proposal</a:t>
             </a:r>
             <a:r>
               <a:rPr lang="it-IT" i="1" dirty="0"/>
@@ -19469,7 +19498,7 @@
             </a:r>
             <a:r>
               <a:rPr lang="it-IT" i="1" dirty="0" err="1"/>
-              <a:t>fieldset</a:t>
+              <a:t>proposal</a:t>
             </a:r>
             <a:r>
               <a:rPr lang="it-IT" i="1" dirty="0"/>
@@ -19477,11 +19506,11 @@
             </a:r>
             <a:r>
               <a:rPr lang="it-IT" i="1" dirty="0" err="1"/>
-              <a:t>FieldSet</a:t>
+              <a:t>Proposal</a:t>
             </a:r>
             <a:r>
               <a:rPr lang="it-IT" i="1" dirty="0"/>
-              <a:t>(…);</a:t>
+              <a:t>(event);</a:t>
             </a:r>
           </a:p>
           <a:p>
@@ -19500,7 +19529,7 @@
                   </a:schemeClr>
                 </a:solidFill>
               </a:rPr>
-              <a:t>fieldSet.getType</a:t>
+              <a:t>proposal.setValue</a:t>
             </a:r>
             <a:r>
               <a:rPr lang="it-IT" i="1" dirty="0">
@@ -19511,7 +19540,29 @@
                   </a:schemeClr>
                 </a:solidFill>
               </a:rPr>
-              <a:t>(name);</a:t>
+              <a:t>(name, </a:t>
+            </a:r>
+            <a:r>
+              <a:rPr lang="it-IT" i="1" dirty="0" err="1">
+                <a:solidFill>
+                  <a:schemeClr val="accent5">
+                    <a:lumMod val="40000"/>
+                    <a:lumOff val="60000"/>
+                  </a:schemeClr>
+                </a:solidFill>
+              </a:rPr>
+              <a:t>value</a:t>
+            </a:r>
+            <a:r>
+              <a:rPr lang="it-IT" i="1" dirty="0">
+                <a:solidFill>
+                  <a:schemeClr val="accent5">
+                    <a:lumMod val="40000"/>
+                    <a:lumOff val="60000"/>
+                  </a:schemeClr>
+                </a:solidFill>
+              </a:rPr>
+              <a:t>);</a:t>
             </a:r>
           </a:p>
         </p:txBody>
@@ -19567,11 +19618,14 @@
           <a:lstStyle/>
           <a:p>
             <a:pPr marL="0" indent="0">
+              <a:buClr>
+                <a:schemeClr val="accent2"/>
+              </a:buClr>
               <a:buNone/>
             </a:pPr>
             <a:r>
               <a:rPr lang="it-IT" i="1" dirty="0" err="1"/>
-              <a:t>FieldSet</a:t>
+              <a:t>Proposal</a:t>
             </a:r>
             <a:r>
               <a:rPr lang="it-IT" i="1" dirty="0"/>
@@ -19579,7 +19633,7 @@
             </a:r>
             <a:r>
               <a:rPr lang="it-IT" i="1" dirty="0" err="1"/>
-              <a:t>fieldset</a:t>
+              <a:t>proposal</a:t>
             </a:r>
             <a:r>
               <a:rPr lang="it-IT" i="1" dirty="0"/>
@@ -19587,15 +19641,89 @@
             </a:r>
             <a:r>
               <a:rPr lang="it-IT" i="1" dirty="0" err="1"/>
-              <a:t>FieldSet</a:t>
+              <a:t>Proposal</a:t>
             </a:r>
             <a:r>
               <a:rPr lang="it-IT" i="1" dirty="0"/>
-              <a:t>(…);</a:t>
-            </a:r>
-          </a:p>
-          <a:p>
-            <a:endParaRPr lang="it-IT" dirty="0"/>
+              <a:t>(event);</a:t>
+            </a:r>
+          </a:p>
+          <a:p>
+            <a:pPr marL="0" indent="0">
+              <a:buClr>
+                <a:schemeClr val="accent2"/>
+              </a:buClr>
+              <a:buNone/>
+            </a:pPr>
+            <a:r>
+              <a:rPr lang="en-US" i="1" dirty="0" err="1">
+                <a:solidFill>
+                  <a:srgbClr val="FF5050"/>
+                </a:solidFill>
+              </a:rPr>
+              <a:t>proposal.getEvent</a:t>
+            </a:r>
+            <a:r>
+              <a:rPr lang="en-US" i="1" dirty="0">
+                <a:solidFill>
+                  <a:srgbClr val="FF5050"/>
+                </a:solidFill>
+              </a:rPr>
+              <a:t>().</a:t>
+            </a:r>
+            <a:r>
+              <a:rPr lang="en-US" i="1" dirty="0" err="1">
+                <a:solidFill>
+                  <a:srgbClr val="FF5050"/>
+                </a:solidFill>
+              </a:rPr>
+              <a:t>getFieldSet</a:t>
+            </a:r>
+            <a:r>
+              <a:rPr lang="en-US" i="1" dirty="0">
+                <a:solidFill>
+                  <a:srgbClr val="FF5050"/>
+                </a:solidFill>
+              </a:rPr>
+              <a:t>().</a:t>
+            </a:r>
+            <a:r>
+              <a:rPr lang="en-US" i="1" dirty="0" err="1">
+                <a:solidFill>
+                  <a:srgbClr val="FF5050"/>
+                </a:solidFill>
+              </a:rPr>
+              <a:t>getField</a:t>
+            </a:r>
+            <a:r>
+              <a:rPr lang="en-US" i="1" dirty="0">
+                <a:solidFill>
+                  <a:srgbClr val="FF5050"/>
+                </a:solidFill>
+              </a:rPr>
+              <a:t>(name).</a:t>
+            </a:r>
+            <a:r>
+              <a:rPr lang="en-US" i="1" dirty="0" err="1">
+                <a:solidFill>
+                  <a:srgbClr val="FF5050"/>
+                </a:solidFill>
+              </a:rPr>
+              <a:t>setValue</a:t>
+            </a:r>
+            <a:r>
+              <a:rPr lang="en-US" i="1" dirty="0">
+                <a:solidFill>
+                  <a:srgbClr val="FF5050"/>
+                </a:solidFill>
+              </a:rPr>
+              <a:t>(value);</a:t>
+            </a:r>
+            <a:endParaRPr lang="it-IT" dirty="0">
+              <a:solidFill>
+                <a:srgbClr val="FF5050"/>
+              </a:solidFill>
+            </a:endParaRPr>
           </a:p>
         </p:txBody>
       </p:sp>
@@ -19798,6 +19926,9 @@
           </a:bodyPr>
           <a:lstStyle/>
           <a:p>
+            <a:pPr marL="0" indent="0">
+              <a:buNone/>
+            </a:pPr>
             <a:r>
               <a:rPr lang="it-IT" dirty="0"/>
               <a:t>VANTAGGI:</a:t>
@@ -19806,13 +19937,13 @@
           <a:p>
             <a:r>
               <a:rPr lang="it-IT" dirty="0"/>
-              <a:t>Ogni classe parla solo con le classi con cui ha diretta dipendenza </a:t>
+              <a:t>Codice tende ad essere più mantenibile ed adattabile.</a:t>
             </a:r>
           </a:p>
           <a:p>
             <a:r>
               <a:rPr lang="it-IT" dirty="0"/>
-              <a:t>Evita di inviare messaggi a oggetti indiretti </a:t>
+              <a:t>Gli oggetti sono meno dipendenti dalla struttura interna degli altri oggetti.</a:t>
             </a:r>
           </a:p>
           <a:p>

--- a/Progetto Ingegneria SW.pptx
+++ b/Progetto Ingegneria SW.pptx
@@ -5,26 +5,33 @@
     <p:sldMasterId id="2147483648" r:id="rId1"/>
   </p:sldMasterIdLst>
   <p:notesMasterIdLst>
-    <p:notesMasterId r:id="rId16"/>
+    <p:notesMasterId r:id="rId23"/>
   </p:notesMasterIdLst>
   <p:handoutMasterIdLst>
-    <p:handoutMasterId r:id="rId17"/>
+    <p:handoutMasterId r:id="rId24"/>
   </p:handoutMasterIdLst>
   <p:sldIdLst>
     <p:sldId id="256" r:id="rId2"/>
-    <p:sldId id="275" r:id="rId3"/>
-    <p:sldId id="259" r:id="rId4"/>
-    <p:sldId id="269" r:id="rId5"/>
-    <p:sldId id="272" r:id="rId6"/>
-    <p:sldId id="274" r:id="rId7"/>
-    <p:sldId id="276" r:id="rId8"/>
-    <p:sldId id="260" r:id="rId9"/>
-    <p:sldId id="271" r:id="rId10"/>
-    <p:sldId id="262" r:id="rId11"/>
-    <p:sldId id="263" r:id="rId12"/>
-    <p:sldId id="265" r:id="rId13"/>
-    <p:sldId id="264" r:id="rId14"/>
-    <p:sldId id="270" r:id="rId15"/>
+    <p:sldId id="265" r:id="rId3"/>
+    <p:sldId id="275" r:id="rId4"/>
+    <p:sldId id="259" r:id="rId5"/>
+    <p:sldId id="269" r:id="rId6"/>
+    <p:sldId id="272" r:id="rId7"/>
+    <p:sldId id="274" r:id="rId8"/>
+    <p:sldId id="278" r:id="rId9"/>
+    <p:sldId id="277" r:id="rId10"/>
+    <p:sldId id="276" r:id="rId11"/>
+    <p:sldId id="280" r:id="rId12"/>
+    <p:sldId id="279" r:id="rId13"/>
+    <p:sldId id="281" r:id="rId14"/>
+    <p:sldId id="282" r:id="rId15"/>
+    <p:sldId id="283" r:id="rId16"/>
+    <p:sldId id="260" r:id="rId17"/>
+    <p:sldId id="271" r:id="rId18"/>
+    <p:sldId id="262" r:id="rId19"/>
+    <p:sldId id="263" r:id="rId20"/>
+    <p:sldId id="264" r:id="rId21"/>
+    <p:sldId id="270" r:id="rId22"/>
   </p:sldIdLst>
   <p:sldSz cx="12192000" cy="6858000"/>
   <p:notesSz cx="6858000" cy="9144000"/>
@@ -1374,7 +1381,7 @@
             <a:pPr rtl="0"/>
             <a:fld id="{BEFBFAFD-B367-4FDC-8BD6-0ED3AC1E8171}" type="datetime1">
               <a:rPr lang="it-IT" smtClean="0"/>
-              <a:t>28/05/2019</a:t>
+              <a:t>30/05/2019</a:t>
             </a:fld>
             <a:endParaRPr lang="it-IT" dirty="0"/>
           </a:p>
@@ -1556,7 +1563,7 @@
             <a:fld id="{358ABC55-7EA4-4B04-948D-8B6AA303BF20}" type="datetime1">
               <a:rPr lang="it-IT" noProof="0" smtClean="0"/>
               <a:pPr/>
-              <a:t>28/05/2019</a:t>
+              <a:t>30/05/2019</a:t>
             </a:fld>
             <a:endParaRPr lang="it-IT" noProof="0" dirty="0"/>
           </a:p>
@@ -1989,7 +1996,7 @@
     </p:spTree>
     <p:extLst>
       <p:ext uri="{BB962C8B-B14F-4D97-AF65-F5344CB8AC3E}">
-        <p14:creationId xmlns:p14="http://schemas.microsoft.com/office/powerpoint/2010/main" val="291509927"/>
+        <p14:creationId xmlns:p14="http://schemas.microsoft.com/office/powerpoint/2010/main" val="2801677631"/>
       </p:ext>
     </p:extLst>
   </p:cSld>
@@ -2075,7 +2082,7 @@
     </p:spTree>
     <p:extLst>
       <p:ext uri="{BB962C8B-B14F-4D97-AF65-F5344CB8AC3E}">
-        <p14:creationId xmlns:p14="http://schemas.microsoft.com/office/powerpoint/2010/main" val="1565268936"/>
+        <p14:creationId xmlns:p14="http://schemas.microsoft.com/office/powerpoint/2010/main" val="1008759082"/>
       </p:ext>
     </p:extLst>
   </p:cSld>
@@ -2161,7 +2168,7 @@
     </p:spTree>
     <p:extLst>
       <p:ext uri="{BB962C8B-B14F-4D97-AF65-F5344CB8AC3E}">
-        <p14:creationId xmlns:p14="http://schemas.microsoft.com/office/powerpoint/2010/main" val="2405347823"/>
+        <p14:creationId xmlns:p14="http://schemas.microsoft.com/office/powerpoint/2010/main" val="240511173"/>
       </p:ext>
     </p:extLst>
   </p:cSld>
@@ -2247,7 +2254,7 @@
     </p:spTree>
     <p:extLst>
       <p:ext uri="{BB962C8B-B14F-4D97-AF65-F5344CB8AC3E}">
-        <p14:creationId xmlns:p14="http://schemas.microsoft.com/office/powerpoint/2010/main" val="969888881"/>
+        <p14:creationId xmlns:p14="http://schemas.microsoft.com/office/powerpoint/2010/main" val="1690028693"/>
       </p:ext>
     </p:extLst>
   </p:cSld>
@@ -2333,7 +2340,437 @@
     </p:spTree>
     <p:extLst>
       <p:ext uri="{BB962C8B-B14F-4D97-AF65-F5344CB8AC3E}">
-        <p14:creationId xmlns:p14="http://schemas.microsoft.com/office/powerpoint/2010/main" val="12221460"/>
+        <p14:creationId xmlns:p14="http://schemas.microsoft.com/office/powerpoint/2010/main" val="1570792499"/>
+      </p:ext>
+    </p:extLst>
+  </p:cSld>
+  <p:clrMapOvr>
+    <a:masterClrMapping/>
+  </p:clrMapOvr>
+</p:notes>
+</file>
+
+<file path=ppt/notesSlides/notesSlide15.xml><?xml version="1.0" encoding="utf-8"?>
+<p:notes xmlns:a="http://schemas.openxmlformats.org/drawingml/2006/main" xmlns:r="http://schemas.openxmlformats.org/officeDocument/2006/relationships" xmlns:p="http://schemas.openxmlformats.org/presentationml/2006/main">
+  <p:cSld>
+    <p:spTree>
+      <p:nvGrpSpPr>
+        <p:cNvPr id="1" name=""/>
+        <p:cNvGrpSpPr/>
+        <p:nvPr/>
+      </p:nvGrpSpPr>
+      <p:grpSpPr>
+        <a:xfrm>
+          <a:off x="0" y="0"/>
+          <a:ext cx="0" cy="0"/>
+          <a:chOff x="0" y="0"/>
+          <a:chExt cx="0" cy="0"/>
+        </a:xfrm>
+      </p:grpSpPr>
+      <p:sp>
+        <p:nvSpPr>
+          <p:cNvPr id="2" name="Segnaposto immagine diapositiva 1"/>
+          <p:cNvSpPr>
+            <a:spLocks noGrp="1" noRot="1" noChangeAspect="1"/>
+          </p:cNvSpPr>
+          <p:nvPr>
+            <p:ph type="sldImg"/>
+          </p:nvPr>
+        </p:nvSpPr>
+        <p:spPr/>
+      </p:sp>
+      <p:sp>
+        <p:nvSpPr>
+          <p:cNvPr id="3" name="Segnaposto note 2"/>
+          <p:cNvSpPr>
+            <a:spLocks noGrp="1"/>
+          </p:cNvSpPr>
+          <p:nvPr>
+            <p:ph type="body" idx="1"/>
+          </p:nvPr>
+        </p:nvSpPr>
+        <p:spPr/>
+        <p:txBody>
+          <a:bodyPr rtlCol="0"/>
+          <a:lstStyle/>
+          <a:p>
+            <a:pPr rtl="0"/>
+            <a:endParaRPr lang="it-IT" dirty="0"/>
+          </a:p>
+        </p:txBody>
+      </p:sp>
+      <p:sp>
+        <p:nvSpPr>
+          <p:cNvPr id="4" name="Segnaposto numero diapositiva 3"/>
+          <p:cNvSpPr>
+            <a:spLocks noGrp="1"/>
+          </p:cNvSpPr>
+          <p:nvPr>
+            <p:ph type="sldNum" sz="quarter" idx="5"/>
+          </p:nvPr>
+        </p:nvSpPr>
+        <p:spPr/>
+        <p:txBody>
+          <a:bodyPr rtlCol="0"/>
+          <a:lstStyle/>
+          <a:p>
+            <a:pPr rtl="0"/>
+            <a:fld id="{79230CFA-805A-4FD3-B3A0-DAAA5993DA17}" type="slidenum">
+              <a:rPr lang="it-IT" smtClean="0"/>
+              <a:t>15</a:t>
+            </a:fld>
+            <a:endParaRPr lang="it-IT" dirty="0"/>
+          </a:p>
+        </p:txBody>
+      </p:sp>
+    </p:spTree>
+    <p:extLst>
+      <p:ext uri="{BB962C8B-B14F-4D97-AF65-F5344CB8AC3E}">
+        <p14:creationId xmlns:p14="http://schemas.microsoft.com/office/powerpoint/2010/main" val="4247859503"/>
+      </p:ext>
+    </p:extLst>
+  </p:cSld>
+  <p:clrMapOvr>
+    <a:masterClrMapping/>
+  </p:clrMapOvr>
+</p:notes>
+</file>
+
+<file path=ppt/notesSlides/notesSlide16.xml><?xml version="1.0" encoding="utf-8"?>
+<p:notes xmlns:a="http://schemas.openxmlformats.org/drawingml/2006/main" xmlns:r="http://schemas.openxmlformats.org/officeDocument/2006/relationships" xmlns:p="http://schemas.openxmlformats.org/presentationml/2006/main">
+  <p:cSld>
+    <p:spTree>
+      <p:nvGrpSpPr>
+        <p:cNvPr id="1" name=""/>
+        <p:cNvGrpSpPr/>
+        <p:nvPr/>
+      </p:nvGrpSpPr>
+      <p:grpSpPr>
+        <a:xfrm>
+          <a:off x="0" y="0"/>
+          <a:ext cx="0" cy="0"/>
+          <a:chOff x="0" y="0"/>
+          <a:chExt cx="0" cy="0"/>
+        </a:xfrm>
+      </p:grpSpPr>
+      <p:sp>
+        <p:nvSpPr>
+          <p:cNvPr id="2" name="Segnaposto immagine diapositiva 1"/>
+          <p:cNvSpPr>
+            <a:spLocks noGrp="1" noRot="1" noChangeAspect="1"/>
+          </p:cNvSpPr>
+          <p:nvPr>
+            <p:ph type="sldImg"/>
+          </p:nvPr>
+        </p:nvSpPr>
+        <p:spPr/>
+      </p:sp>
+      <p:sp>
+        <p:nvSpPr>
+          <p:cNvPr id="3" name="Segnaposto note 2"/>
+          <p:cNvSpPr>
+            <a:spLocks noGrp="1"/>
+          </p:cNvSpPr>
+          <p:nvPr>
+            <p:ph type="body" idx="1"/>
+          </p:nvPr>
+        </p:nvSpPr>
+        <p:spPr/>
+        <p:txBody>
+          <a:bodyPr rtlCol="0"/>
+          <a:lstStyle/>
+          <a:p>
+            <a:pPr rtl="0"/>
+            <a:endParaRPr lang="it-IT" dirty="0"/>
+          </a:p>
+        </p:txBody>
+      </p:sp>
+      <p:sp>
+        <p:nvSpPr>
+          <p:cNvPr id="4" name="Segnaposto numero diapositiva 3"/>
+          <p:cNvSpPr>
+            <a:spLocks noGrp="1"/>
+          </p:cNvSpPr>
+          <p:nvPr>
+            <p:ph type="sldNum" sz="quarter" idx="5"/>
+          </p:nvPr>
+        </p:nvSpPr>
+        <p:spPr/>
+        <p:txBody>
+          <a:bodyPr rtlCol="0"/>
+          <a:lstStyle/>
+          <a:p>
+            <a:pPr rtl="0"/>
+            <a:fld id="{79230CFA-805A-4FD3-B3A0-DAAA5993DA17}" type="slidenum">
+              <a:rPr lang="it-IT" smtClean="0"/>
+              <a:t>16</a:t>
+            </a:fld>
+            <a:endParaRPr lang="it-IT" dirty="0"/>
+          </a:p>
+        </p:txBody>
+      </p:sp>
+    </p:spTree>
+    <p:extLst>
+      <p:ext uri="{BB962C8B-B14F-4D97-AF65-F5344CB8AC3E}">
+        <p14:creationId xmlns:p14="http://schemas.microsoft.com/office/powerpoint/2010/main" val="4185141827"/>
+      </p:ext>
+    </p:extLst>
+  </p:cSld>
+  <p:clrMapOvr>
+    <a:masterClrMapping/>
+  </p:clrMapOvr>
+</p:notes>
+</file>
+
+<file path=ppt/notesSlides/notesSlide17.xml><?xml version="1.0" encoding="utf-8"?>
+<p:notes xmlns:a="http://schemas.openxmlformats.org/drawingml/2006/main" xmlns:r="http://schemas.openxmlformats.org/officeDocument/2006/relationships" xmlns:p="http://schemas.openxmlformats.org/presentationml/2006/main">
+  <p:cSld>
+    <p:spTree>
+      <p:nvGrpSpPr>
+        <p:cNvPr id="1" name=""/>
+        <p:cNvGrpSpPr/>
+        <p:nvPr/>
+      </p:nvGrpSpPr>
+      <p:grpSpPr>
+        <a:xfrm>
+          <a:off x="0" y="0"/>
+          <a:ext cx="0" cy="0"/>
+          <a:chOff x="0" y="0"/>
+          <a:chExt cx="0" cy="0"/>
+        </a:xfrm>
+      </p:grpSpPr>
+      <p:sp>
+        <p:nvSpPr>
+          <p:cNvPr id="2" name="Segnaposto immagine diapositiva 1"/>
+          <p:cNvSpPr>
+            <a:spLocks noGrp="1" noRot="1" noChangeAspect="1"/>
+          </p:cNvSpPr>
+          <p:nvPr>
+            <p:ph type="sldImg"/>
+          </p:nvPr>
+        </p:nvSpPr>
+        <p:spPr/>
+      </p:sp>
+      <p:sp>
+        <p:nvSpPr>
+          <p:cNvPr id="3" name="Segnaposto note 2"/>
+          <p:cNvSpPr>
+            <a:spLocks noGrp="1"/>
+          </p:cNvSpPr>
+          <p:nvPr>
+            <p:ph type="body" idx="1"/>
+          </p:nvPr>
+        </p:nvSpPr>
+        <p:spPr/>
+        <p:txBody>
+          <a:bodyPr rtlCol="0"/>
+          <a:lstStyle/>
+          <a:p>
+            <a:pPr rtl="0"/>
+            <a:endParaRPr lang="it-IT" dirty="0"/>
+          </a:p>
+        </p:txBody>
+      </p:sp>
+      <p:sp>
+        <p:nvSpPr>
+          <p:cNvPr id="4" name="Segnaposto numero diapositiva 3"/>
+          <p:cNvSpPr>
+            <a:spLocks noGrp="1"/>
+          </p:cNvSpPr>
+          <p:nvPr>
+            <p:ph type="sldNum" sz="quarter" idx="5"/>
+          </p:nvPr>
+        </p:nvSpPr>
+        <p:spPr/>
+        <p:txBody>
+          <a:bodyPr rtlCol="0"/>
+          <a:lstStyle/>
+          <a:p>
+            <a:pPr rtl="0"/>
+            <a:fld id="{79230CFA-805A-4FD3-B3A0-DAAA5993DA17}" type="slidenum">
+              <a:rPr lang="it-IT" smtClean="0"/>
+              <a:t>17</a:t>
+            </a:fld>
+            <a:endParaRPr lang="it-IT" dirty="0"/>
+          </a:p>
+        </p:txBody>
+      </p:sp>
+    </p:spTree>
+    <p:extLst>
+      <p:ext uri="{BB962C8B-B14F-4D97-AF65-F5344CB8AC3E}">
+        <p14:creationId xmlns:p14="http://schemas.microsoft.com/office/powerpoint/2010/main" val="1535568911"/>
+      </p:ext>
+    </p:extLst>
+  </p:cSld>
+  <p:clrMapOvr>
+    <a:masterClrMapping/>
+  </p:clrMapOvr>
+</p:notes>
+</file>
+
+<file path=ppt/notesSlides/notesSlide18.xml><?xml version="1.0" encoding="utf-8"?>
+<p:notes xmlns:a="http://schemas.openxmlformats.org/drawingml/2006/main" xmlns:r="http://schemas.openxmlformats.org/officeDocument/2006/relationships" xmlns:p="http://schemas.openxmlformats.org/presentationml/2006/main">
+  <p:cSld>
+    <p:spTree>
+      <p:nvGrpSpPr>
+        <p:cNvPr id="1" name=""/>
+        <p:cNvGrpSpPr/>
+        <p:nvPr/>
+      </p:nvGrpSpPr>
+      <p:grpSpPr>
+        <a:xfrm>
+          <a:off x="0" y="0"/>
+          <a:ext cx="0" cy="0"/>
+          <a:chOff x="0" y="0"/>
+          <a:chExt cx="0" cy="0"/>
+        </a:xfrm>
+      </p:grpSpPr>
+      <p:sp>
+        <p:nvSpPr>
+          <p:cNvPr id="2" name="Segnaposto immagine diapositiva 1"/>
+          <p:cNvSpPr>
+            <a:spLocks noGrp="1" noRot="1" noChangeAspect="1"/>
+          </p:cNvSpPr>
+          <p:nvPr>
+            <p:ph type="sldImg"/>
+          </p:nvPr>
+        </p:nvSpPr>
+        <p:spPr/>
+      </p:sp>
+      <p:sp>
+        <p:nvSpPr>
+          <p:cNvPr id="3" name="Segnaposto note 2"/>
+          <p:cNvSpPr>
+            <a:spLocks noGrp="1"/>
+          </p:cNvSpPr>
+          <p:nvPr>
+            <p:ph type="body" idx="1"/>
+          </p:nvPr>
+        </p:nvSpPr>
+        <p:spPr/>
+        <p:txBody>
+          <a:bodyPr rtlCol="0"/>
+          <a:lstStyle/>
+          <a:p>
+            <a:pPr rtl="0"/>
+            <a:endParaRPr lang="it-IT" dirty="0"/>
+          </a:p>
+        </p:txBody>
+      </p:sp>
+      <p:sp>
+        <p:nvSpPr>
+          <p:cNvPr id="4" name="Segnaposto numero diapositiva 3"/>
+          <p:cNvSpPr>
+            <a:spLocks noGrp="1"/>
+          </p:cNvSpPr>
+          <p:nvPr>
+            <p:ph type="sldNum" sz="quarter" idx="5"/>
+          </p:nvPr>
+        </p:nvSpPr>
+        <p:spPr/>
+        <p:txBody>
+          <a:bodyPr rtlCol="0"/>
+          <a:lstStyle/>
+          <a:p>
+            <a:pPr rtl="0"/>
+            <a:fld id="{79230CFA-805A-4FD3-B3A0-DAAA5993DA17}" type="slidenum">
+              <a:rPr lang="it-IT" smtClean="0"/>
+              <a:t>18</a:t>
+            </a:fld>
+            <a:endParaRPr lang="it-IT" dirty="0"/>
+          </a:p>
+        </p:txBody>
+      </p:sp>
+    </p:spTree>
+    <p:extLst>
+      <p:ext uri="{BB962C8B-B14F-4D97-AF65-F5344CB8AC3E}">
+        <p14:creationId xmlns:p14="http://schemas.microsoft.com/office/powerpoint/2010/main" val="291509927"/>
+      </p:ext>
+    </p:extLst>
+  </p:cSld>
+  <p:clrMapOvr>
+    <a:masterClrMapping/>
+  </p:clrMapOvr>
+</p:notes>
+</file>
+
+<file path=ppt/notesSlides/notesSlide19.xml><?xml version="1.0" encoding="utf-8"?>
+<p:notes xmlns:a="http://schemas.openxmlformats.org/drawingml/2006/main" xmlns:r="http://schemas.openxmlformats.org/officeDocument/2006/relationships" xmlns:p="http://schemas.openxmlformats.org/presentationml/2006/main">
+  <p:cSld>
+    <p:spTree>
+      <p:nvGrpSpPr>
+        <p:cNvPr id="1" name=""/>
+        <p:cNvGrpSpPr/>
+        <p:nvPr/>
+      </p:nvGrpSpPr>
+      <p:grpSpPr>
+        <a:xfrm>
+          <a:off x="0" y="0"/>
+          <a:ext cx="0" cy="0"/>
+          <a:chOff x="0" y="0"/>
+          <a:chExt cx="0" cy="0"/>
+        </a:xfrm>
+      </p:grpSpPr>
+      <p:sp>
+        <p:nvSpPr>
+          <p:cNvPr id="2" name="Segnaposto immagine diapositiva 1"/>
+          <p:cNvSpPr>
+            <a:spLocks noGrp="1" noRot="1" noChangeAspect="1"/>
+          </p:cNvSpPr>
+          <p:nvPr>
+            <p:ph type="sldImg"/>
+          </p:nvPr>
+        </p:nvSpPr>
+        <p:spPr/>
+      </p:sp>
+      <p:sp>
+        <p:nvSpPr>
+          <p:cNvPr id="3" name="Segnaposto note 2"/>
+          <p:cNvSpPr>
+            <a:spLocks noGrp="1"/>
+          </p:cNvSpPr>
+          <p:nvPr>
+            <p:ph type="body" idx="1"/>
+          </p:nvPr>
+        </p:nvSpPr>
+        <p:spPr/>
+        <p:txBody>
+          <a:bodyPr rtlCol="0"/>
+          <a:lstStyle/>
+          <a:p>
+            <a:pPr rtl="0"/>
+            <a:endParaRPr lang="it-IT" dirty="0"/>
+          </a:p>
+        </p:txBody>
+      </p:sp>
+      <p:sp>
+        <p:nvSpPr>
+          <p:cNvPr id="4" name="Segnaposto numero diapositiva 3"/>
+          <p:cNvSpPr>
+            <a:spLocks noGrp="1"/>
+          </p:cNvSpPr>
+          <p:nvPr>
+            <p:ph type="sldNum" sz="quarter" idx="5"/>
+          </p:nvPr>
+        </p:nvSpPr>
+        <p:spPr/>
+        <p:txBody>
+          <a:bodyPr rtlCol="0"/>
+          <a:lstStyle/>
+          <a:p>
+            <a:pPr rtl="0"/>
+            <a:fld id="{79230CFA-805A-4FD3-B3A0-DAAA5993DA17}" type="slidenum">
+              <a:rPr lang="it-IT" smtClean="0"/>
+              <a:t>19</a:t>
+            </a:fld>
+            <a:endParaRPr lang="it-IT" dirty="0"/>
+          </a:p>
+        </p:txBody>
+      </p:sp>
+    </p:spTree>
+    <p:extLst>
+      <p:ext uri="{BB962C8B-B14F-4D97-AF65-F5344CB8AC3E}">
+        <p14:creationId xmlns:p14="http://schemas.microsoft.com/office/powerpoint/2010/main" val="1565268936"/>
       </p:ext>
     </p:extLst>
   </p:cSld>
@@ -2419,7 +2856,179 @@
     </p:spTree>
     <p:extLst>
       <p:ext uri="{BB962C8B-B14F-4D97-AF65-F5344CB8AC3E}">
-        <p14:creationId xmlns:p14="http://schemas.microsoft.com/office/powerpoint/2010/main" val="4156677576"/>
+        <p14:creationId xmlns:p14="http://schemas.microsoft.com/office/powerpoint/2010/main" val="2405347823"/>
+      </p:ext>
+    </p:extLst>
+  </p:cSld>
+  <p:clrMapOvr>
+    <a:masterClrMapping/>
+  </p:clrMapOvr>
+</p:notes>
+</file>
+
+<file path=ppt/notesSlides/notesSlide20.xml><?xml version="1.0" encoding="utf-8"?>
+<p:notes xmlns:a="http://schemas.openxmlformats.org/drawingml/2006/main" xmlns:r="http://schemas.openxmlformats.org/officeDocument/2006/relationships" xmlns:p="http://schemas.openxmlformats.org/presentationml/2006/main">
+  <p:cSld>
+    <p:spTree>
+      <p:nvGrpSpPr>
+        <p:cNvPr id="1" name=""/>
+        <p:cNvGrpSpPr/>
+        <p:nvPr/>
+      </p:nvGrpSpPr>
+      <p:grpSpPr>
+        <a:xfrm>
+          <a:off x="0" y="0"/>
+          <a:ext cx="0" cy="0"/>
+          <a:chOff x="0" y="0"/>
+          <a:chExt cx="0" cy="0"/>
+        </a:xfrm>
+      </p:grpSpPr>
+      <p:sp>
+        <p:nvSpPr>
+          <p:cNvPr id="2" name="Segnaposto immagine diapositiva 1"/>
+          <p:cNvSpPr>
+            <a:spLocks noGrp="1" noRot="1" noChangeAspect="1"/>
+          </p:cNvSpPr>
+          <p:nvPr>
+            <p:ph type="sldImg"/>
+          </p:nvPr>
+        </p:nvSpPr>
+        <p:spPr/>
+      </p:sp>
+      <p:sp>
+        <p:nvSpPr>
+          <p:cNvPr id="3" name="Segnaposto note 2"/>
+          <p:cNvSpPr>
+            <a:spLocks noGrp="1"/>
+          </p:cNvSpPr>
+          <p:nvPr>
+            <p:ph type="body" idx="1"/>
+          </p:nvPr>
+        </p:nvSpPr>
+        <p:spPr/>
+        <p:txBody>
+          <a:bodyPr rtlCol="0"/>
+          <a:lstStyle/>
+          <a:p>
+            <a:pPr rtl="0"/>
+            <a:endParaRPr lang="it-IT" dirty="0"/>
+          </a:p>
+        </p:txBody>
+      </p:sp>
+      <p:sp>
+        <p:nvSpPr>
+          <p:cNvPr id="4" name="Segnaposto numero diapositiva 3"/>
+          <p:cNvSpPr>
+            <a:spLocks noGrp="1"/>
+          </p:cNvSpPr>
+          <p:nvPr>
+            <p:ph type="sldNum" sz="quarter" idx="5"/>
+          </p:nvPr>
+        </p:nvSpPr>
+        <p:spPr/>
+        <p:txBody>
+          <a:bodyPr rtlCol="0"/>
+          <a:lstStyle/>
+          <a:p>
+            <a:pPr rtl="0"/>
+            <a:fld id="{79230CFA-805A-4FD3-B3A0-DAAA5993DA17}" type="slidenum">
+              <a:rPr lang="it-IT" smtClean="0"/>
+              <a:t>20</a:t>
+            </a:fld>
+            <a:endParaRPr lang="it-IT" dirty="0"/>
+          </a:p>
+        </p:txBody>
+      </p:sp>
+    </p:spTree>
+    <p:extLst>
+      <p:ext uri="{BB962C8B-B14F-4D97-AF65-F5344CB8AC3E}">
+        <p14:creationId xmlns:p14="http://schemas.microsoft.com/office/powerpoint/2010/main" val="969888881"/>
+      </p:ext>
+    </p:extLst>
+  </p:cSld>
+  <p:clrMapOvr>
+    <a:masterClrMapping/>
+  </p:clrMapOvr>
+</p:notes>
+</file>
+
+<file path=ppt/notesSlides/notesSlide21.xml><?xml version="1.0" encoding="utf-8"?>
+<p:notes xmlns:a="http://schemas.openxmlformats.org/drawingml/2006/main" xmlns:r="http://schemas.openxmlformats.org/officeDocument/2006/relationships" xmlns:p="http://schemas.openxmlformats.org/presentationml/2006/main">
+  <p:cSld>
+    <p:spTree>
+      <p:nvGrpSpPr>
+        <p:cNvPr id="1" name=""/>
+        <p:cNvGrpSpPr/>
+        <p:nvPr/>
+      </p:nvGrpSpPr>
+      <p:grpSpPr>
+        <a:xfrm>
+          <a:off x="0" y="0"/>
+          <a:ext cx="0" cy="0"/>
+          <a:chOff x="0" y="0"/>
+          <a:chExt cx="0" cy="0"/>
+        </a:xfrm>
+      </p:grpSpPr>
+      <p:sp>
+        <p:nvSpPr>
+          <p:cNvPr id="2" name="Segnaposto immagine diapositiva 1"/>
+          <p:cNvSpPr>
+            <a:spLocks noGrp="1" noRot="1" noChangeAspect="1"/>
+          </p:cNvSpPr>
+          <p:nvPr>
+            <p:ph type="sldImg"/>
+          </p:nvPr>
+        </p:nvSpPr>
+        <p:spPr/>
+      </p:sp>
+      <p:sp>
+        <p:nvSpPr>
+          <p:cNvPr id="3" name="Segnaposto note 2"/>
+          <p:cNvSpPr>
+            <a:spLocks noGrp="1"/>
+          </p:cNvSpPr>
+          <p:nvPr>
+            <p:ph type="body" idx="1"/>
+          </p:nvPr>
+        </p:nvSpPr>
+        <p:spPr/>
+        <p:txBody>
+          <a:bodyPr rtlCol="0"/>
+          <a:lstStyle/>
+          <a:p>
+            <a:pPr rtl="0"/>
+            <a:endParaRPr lang="it-IT" dirty="0"/>
+          </a:p>
+        </p:txBody>
+      </p:sp>
+      <p:sp>
+        <p:nvSpPr>
+          <p:cNvPr id="4" name="Segnaposto numero diapositiva 3"/>
+          <p:cNvSpPr>
+            <a:spLocks noGrp="1"/>
+          </p:cNvSpPr>
+          <p:nvPr>
+            <p:ph type="sldNum" sz="quarter" idx="5"/>
+          </p:nvPr>
+        </p:nvSpPr>
+        <p:spPr/>
+        <p:txBody>
+          <a:bodyPr rtlCol="0"/>
+          <a:lstStyle/>
+          <a:p>
+            <a:pPr rtl="0"/>
+            <a:fld id="{79230CFA-805A-4FD3-B3A0-DAAA5993DA17}" type="slidenum">
+              <a:rPr lang="it-IT" smtClean="0"/>
+              <a:t>21</a:t>
+            </a:fld>
+            <a:endParaRPr lang="it-IT" dirty="0"/>
+          </a:p>
+        </p:txBody>
+      </p:sp>
+    </p:spTree>
+    <p:extLst>
+      <p:ext uri="{BB962C8B-B14F-4D97-AF65-F5344CB8AC3E}">
+        <p14:creationId xmlns:p14="http://schemas.microsoft.com/office/powerpoint/2010/main" val="12221460"/>
       </p:ext>
     </p:extLst>
   </p:cSld>
@@ -2505,7 +3114,7 @@
     </p:spTree>
     <p:extLst>
       <p:ext uri="{BB962C8B-B14F-4D97-AF65-F5344CB8AC3E}">
-        <p14:creationId xmlns:p14="http://schemas.microsoft.com/office/powerpoint/2010/main" val="1022454405"/>
+        <p14:creationId xmlns:p14="http://schemas.microsoft.com/office/powerpoint/2010/main" val="4156677576"/>
       </p:ext>
     </p:extLst>
   </p:cSld>
@@ -2591,7 +3200,7 @@
     </p:spTree>
     <p:extLst>
       <p:ext uri="{BB962C8B-B14F-4D97-AF65-F5344CB8AC3E}">
-        <p14:creationId xmlns:p14="http://schemas.microsoft.com/office/powerpoint/2010/main" val="2724845092"/>
+        <p14:creationId xmlns:p14="http://schemas.microsoft.com/office/powerpoint/2010/main" val="1022454405"/>
       </p:ext>
     </p:extLst>
   </p:cSld>
@@ -2677,7 +3286,7 @@
     </p:spTree>
     <p:extLst>
       <p:ext uri="{BB962C8B-B14F-4D97-AF65-F5344CB8AC3E}">
-        <p14:creationId xmlns:p14="http://schemas.microsoft.com/office/powerpoint/2010/main" val="2623000148"/>
+        <p14:creationId xmlns:p14="http://schemas.microsoft.com/office/powerpoint/2010/main" val="2724845092"/>
       </p:ext>
     </p:extLst>
   </p:cSld>
@@ -2763,7 +3372,7 @@
     </p:spTree>
     <p:extLst>
       <p:ext uri="{BB962C8B-B14F-4D97-AF65-F5344CB8AC3E}">
-        <p14:creationId xmlns:p14="http://schemas.microsoft.com/office/powerpoint/2010/main" val="2247990376"/>
+        <p14:creationId xmlns:p14="http://schemas.microsoft.com/office/powerpoint/2010/main" val="2623000148"/>
       </p:ext>
     </p:extLst>
   </p:cSld>
@@ -2849,7 +3458,7 @@
     </p:spTree>
     <p:extLst>
       <p:ext uri="{BB962C8B-B14F-4D97-AF65-F5344CB8AC3E}">
-        <p14:creationId xmlns:p14="http://schemas.microsoft.com/office/powerpoint/2010/main" val="2801677631"/>
+        <p14:creationId xmlns:p14="http://schemas.microsoft.com/office/powerpoint/2010/main" val="2247990376"/>
       </p:ext>
     </p:extLst>
   </p:cSld>
@@ -2935,7 +3544,7 @@
     </p:spTree>
     <p:extLst>
       <p:ext uri="{BB962C8B-B14F-4D97-AF65-F5344CB8AC3E}">
-        <p14:creationId xmlns:p14="http://schemas.microsoft.com/office/powerpoint/2010/main" val="4185141827"/>
+        <p14:creationId xmlns:p14="http://schemas.microsoft.com/office/powerpoint/2010/main" val="1375831320"/>
       </p:ext>
     </p:extLst>
   </p:cSld>
@@ -3021,7 +3630,7 @@
     </p:spTree>
     <p:extLst>
       <p:ext uri="{BB962C8B-B14F-4D97-AF65-F5344CB8AC3E}">
-        <p14:creationId xmlns:p14="http://schemas.microsoft.com/office/powerpoint/2010/main" val="1535568911"/>
+        <p14:creationId xmlns:p14="http://schemas.microsoft.com/office/powerpoint/2010/main" val="4278075597"/>
       </p:ext>
     </p:extLst>
   </p:cSld>
@@ -16244,6 +16853,3270 @@
       </p:grpSpPr>
       <p:sp>
         <p:nvSpPr>
+          <p:cNvPr id="4" name="Titolo 3">
+            <a:extLst>
+              <a:ext uri="{FF2B5EF4-FFF2-40B4-BE49-F238E27FC236}">
+                <a16:creationId xmlns:a16="http://schemas.microsoft.com/office/drawing/2014/main" id="{1ABE11BF-33A5-4653-A144-CCCBACF58C30}"/>
+              </a:ext>
+            </a:extLst>
+          </p:cNvPr>
+          <p:cNvSpPr>
+            <a:spLocks noGrp="1"/>
+          </p:cNvSpPr>
+          <p:nvPr>
+            <p:ph type="title"/>
+          </p:nvPr>
+        </p:nvSpPr>
+        <p:spPr/>
+        <p:txBody>
+          <a:bodyPr rtlCol="0">
+            <a:normAutofit fontScale="90000"/>
+          </a:bodyPr>
+          <a:lstStyle/>
+          <a:p>
+            <a:r>
+              <a:rPr lang="it-IT" b="0" dirty="0"/>
+              <a:t>Principio di sostituzione di</a:t>
+            </a:r>
+            <a:br>
+              <a:rPr lang="it-IT" b="0" dirty="0"/>
+            </a:br>
+            <a:r>
+              <a:rPr lang="it-IT" b="0" dirty="0"/>
+              <a:t>LISKOV</a:t>
+            </a:r>
+          </a:p>
+        </p:txBody>
+      </p:sp>
+      <p:sp>
+        <p:nvSpPr>
+          <p:cNvPr id="9" name="Segnaposto testo 8">
+            <a:extLst>
+              <a:ext uri="{FF2B5EF4-FFF2-40B4-BE49-F238E27FC236}">
+                <a16:creationId xmlns:a16="http://schemas.microsoft.com/office/drawing/2014/main" id="{53469036-D1FB-4164-96AE-B6D8CECCFC96}"/>
+              </a:ext>
+            </a:extLst>
+          </p:cNvPr>
+          <p:cNvSpPr>
+            <a:spLocks noGrp="1"/>
+          </p:cNvSpPr>
+          <p:nvPr>
+            <p:ph type="body" sz="quarter" idx="13"/>
+          </p:nvPr>
+        </p:nvSpPr>
+        <p:spPr/>
+        <p:txBody>
+          <a:bodyPr rtlCol="0"/>
+          <a:lstStyle/>
+          <a:p>
+            <a:pPr rtl="0"/>
+            <a:r>
+              <a:rPr lang="it-IT" dirty="0"/>
+              <a:t>Pattern SOLID</a:t>
+            </a:r>
+          </a:p>
+        </p:txBody>
+      </p:sp>
+      <p:sp>
+        <p:nvSpPr>
+          <p:cNvPr id="7" name="Segnaposto contenuto 6">
+            <a:extLst>
+              <a:ext uri="{FF2B5EF4-FFF2-40B4-BE49-F238E27FC236}">
+                <a16:creationId xmlns:a16="http://schemas.microsoft.com/office/drawing/2014/main" id="{2482DBEC-EE72-4155-ACC5-87E80C5606A9}"/>
+              </a:ext>
+            </a:extLst>
+          </p:cNvPr>
+          <p:cNvSpPr>
+            <a:spLocks noGrp="1"/>
+          </p:cNvSpPr>
+          <p:nvPr>
+            <p:ph idx="1"/>
+          </p:nvPr>
+        </p:nvSpPr>
+        <p:spPr>
+          <a:xfrm>
+            <a:off x="531378" y="3129540"/>
+            <a:ext cx="6856558" cy="2958275"/>
+          </a:xfrm>
+        </p:spPr>
+        <p:txBody>
+          <a:bodyPr rtlCol="0">
+            <a:normAutofit/>
+          </a:bodyPr>
+          <a:lstStyle/>
+          <a:p>
+            <a:r>
+              <a:rPr lang="it-IT" dirty="0" err="1"/>
+              <a:t>FieldSet</a:t>
+            </a:r>
+            <a:r>
+              <a:rPr lang="it-IT" dirty="0"/>
+              <a:t> ereditando da </a:t>
+            </a:r>
+            <a:r>
+              <a:rPr lang="it-IT" dirty="0" err="1"/>
+              <a:t>ArrayList</a:t>
+            </a:r>
+            <a:r>
+              <a:rPr lang="it-IT" dirty="0"/>
+              <a:t> di Field ereditava metodi non necessari (tra i quali </a:t>
+            </a:r>
+            <a:r>
+              <a:rPr lang="it-IT" i="1" dirty="0" err="1"/>
+              <a:t>clear</a:t>
+            </a:r>
+            <a:r>
+              <a:rPr lang="it-IT" i="1" dirty="0"/>
+              <a:t>(), </a:t>
+            </a:r>
+            <a:r>
+              <a:rPr lang="it-IT" i="1" dirty="0" err="1"/>
+              <a:t>addAll</a:t>
+            </a:r>
+            <a:r>
+              <a:rPr lang="it-IT" i="1" dirty="0"/>
+              <a:t>(), </a:t>
+            </a:r>
+            <a:r>
+              <a:rPr lang="it-IT" i="1" dirty="0" err="1"/>
+              <a:t>replaceAll</a:t>
+            </a:r>
+            <a:r>
+              <a:rPr lang="it-IT" i="1" dirty="0"/>
+              <a:t>()).</a:t>
+            </a:r>
+          </a:p>
+          <a:p>
+            <a:r>
+              <a:rPr lang="it-IT" dirty="0"/>
+              <a:t>Applicando </a:t>
+            </a:r>
+            <a:r>
+              <a:rPr lang="it-IT" dirty="0" err="1"/>
+              <a:t>Liskov</a:t>
+            </a:r>
+            <a:r>
+              <a:rPr lang="it-IT" dirty="0"/>
+              <a:t>, </a:t>
+            </a:r>
+            <a:r>
+              <a:rPr lang="it-IT" dirty="0" err="1"/>
+              <a:t>FieldSet</a:t>
+            </a:r>
+            <a:r>
+              <a:rPr lang="it-IT" dirty="0"/>
+              <a:t> non eredità più da </a:t>
+            </a:r>
+            <a:r>
+              <a:rPr lang="it-IT" dirty="0" err="1"/>
+              <a:t>ArrayList</a:t>
+            </a:r>
+            <a:r>
+              <a:rPr lang="it-IT" dirty="0"/>
+              <a:t> ma ne implementa un oggetto come attributo.</a:t>
+            </a:r>
+          </a:p>
+          <a:p>
+            <a:endParaRPr lang="it-IT" i="1" dirty="0"/>
+          </a:p>
+        </p:txBody>
+      </p:sp>
+      <p:sp>
+        <p:nvSpPr>
+          <p:cNvPr id="11" name="Segnaposto piè di pagina 10">
+            <a:extLst>
+              <a:ext uri="{FF2B5EF4-FFF2-40B4-BE49-F238E27FC236}">
+                <a16:creationId xmlns:a16="http://schemas.microsoft.com/office/drawing/2014/main" id="{47F4D2C2-B71A-4089-A3FE-603C32706CA6}"/>
+              </a:ext>
+            </a:extLst>
+          </p:cNvPr>
+          <p:cNvSpPr>
+            <a:spLocks noGrp="1"/>
+          </p:cNvSpPr>
+          <p:nvPr>
+            <p:ph type="ftr" sz="quarter" idx="14"/>
+          </p:nvPr>
+        </p:nvSpPr>
+        <p:spPr/>
+        <p:txBody>
+          <a:bodyPr rtlCol="0"/>
+          <a:lstStyle/>
+          <a:p>
+            <a:pPr rtl="0"/>
+            <a:r>
+              <a:rPr lang="it-IT" dirty="0"/>
+              <a:t>Aggiungere un piè di pagina</a:t>
+            </a:r>
+          </a:p>
+        </p:txBody>
+      </p:sp>
+      <p:sp>
+        <p:nvSpPr>
+          <p:cNvPr id="12" name="Segnaposto numero diapositiva 11">
+            <a:extLst>
+              <a:ext uri="{FF2B5EF4-FFF2-40B4-BE49-F238E27FC236}">
+                <a16:creationId xmlns:a16="http://schemas.microsoft.com/office/drawing/2014/main" id="{FBA1BB58-7555-4382-B178-7ED04E137E77}"/>
+              </a:ext>
+            </a:extLst>
+          </p:cNvPr>
+          <p:cNvSpPr>
+            <a:spLocks noGrp="1"/>
+          </p:cNvSpPr>
+          <p:nvPr>
+            <p:ph type="sldNum" sz="quarter" idx="15"/>
+          </p:nvPr>
+        </p:nvSpPr>
+        <p:spPr/>
+        <p:txBody>
+          <a:bodyPr rtlCol="0"/>
+          <a:lstStyle/>
+          <a:p>
+            <a:pPr rtl="0"/>
+            <a:fld id="{8699F50C-BE38-4BD0-BA84-9B090E1F2B9B}" type="slidenum">
+              <a:rPr lang="it-IT" smtClean="0"/>
+              <a:pPr rtl="0"/>
+              <a:t>10</a:t>
+            </a:fld>
+            <a:endParaRPr lang="it-IT" dirty="0"/>
+          </a:p>
+        </p:txBody>
+      </p:sp>
+      <p:sp>
+        <p:nvSpPr>
+          <p:cNvPr id="2" name="CasellaDiTesto 1">
+            <a:extLst>
+              <a:ext uri="{FF2B5EF4-FFF2-40B4-BE49-F238E27FC236}">
+                <a16:creationId xmlns:a16="http://schemas.microsoft.com/office/drawing/2014/main" id="{C8D00F96-83B6-4EE9-A524-32E9F77A9CA1}"/>
+              </a:ext>
+            </a:extLst>
+          </p:cNvPr>
+          <p:cNvSpPr txBox="1"/>
+          <p:nvPr/>
+        </p:nvSpPr>
+        <p:spPr>
+          <a:xfrm>
+            <a:off x="7173686" y="478772"/>
+            <a:ext cx="4539343" cy="2308324"/>
+          </a:xfrm>
+          <a:prstGeom prst="rect">
+            <a:avLst/>
+          </a:prstGeom>
+          <a:solidFill>
+            <a:schemeClr val="accent6">
+              <a:lumMod val="40000"/>
+              <a:lumOff val="60000"/>
+            </a:schemeClr>
+          </a:solidFill>
+        </p:spPr>
+        <p:txBody>
+          <a:bodyPr wrap="square" rtlCol="0">
+            <a:spAutoFit/>
+          </a:bodyPr>
+          <a:lstStyle/>
+          <a:p>
+            <a:r>
+              <a:rPr lang="it-IT" b="1" dirty="0">
+                <a:solidFill>
+                  <a:srgbClr val="FF0000"/>
+                </a:solidFill>
+              </a:rPr>
+              <a:t>public Class </a:t>
+            </a:r>
+            <a:r>
+              <a:rPr lang="it-IT" b="1" dirty="0" err="1">
+                <a:solidFill>
+                  <a:srgbClr val="FF0000"/>
+                </a:solidFill>
+              </a:rPr>
+              <a:t>FIeldSet</a:t>
+            </a:r>
+            <a:r>
+              <a:rPr lang="it-IT" b="1" dirty="0">
+                <a:solidFill>
+                  <a:srgbClr val="FF0000"/>
+                </a:solidFill>
+              </a:rPr>
+              <a:t> </a:t>
+            </a:r>
+            <a:r>
+              <a:rPr lang="it-IT" b="1" dirty="0" err="1">
+                <a:solidFill>
+                  <a:srgbClr val="FF0000"/>
+                </a:solidFill>
+              </a:rPr>
+              <a:t>extends</a:t>
+            </a:r>
+            <a:r>
+              <a:rPr lang="it-IT" b="1" dirty="0">
+                <a:solidFill>
+                  <a:srgbClr val="FF0000"/>
+                </a:solidFill>
+              </a:rPr>
+              <a:t> </a:t>
+            </a:r>
+            <a:r>
+              <a:rPr lang="it-IT" b="1" dirty="0" err="1">
+                <a:solidFill>
+                  <a:srgbClr val="FF0000"/>
+                </a:solidFill>
+              </a:rPr>
+              <a:t>ArrayList</a:t>
+            </a:r>
+            <a:r>
+              <a:rPr lang="it-IT" b="1" dirty="0">
+                <a:solidFill>
+                  <a:srgbClr val="FF0000"/>
+                </a:solidFill>
+              </a:rPr>
+              <a:t>&lt;Field&gt;{</a:t>
+            </a:r>
+          </a:p>
+          <a:p>
+            <a:r>
+              <a:rPr lang="it-IT" b="1" dirty="0">
+                <a:solidFill>
+                  <a:srgbClr val="FF0000"/>
+                </a:solidFill>
+              </a:rPr>
+              <a:t>     …</a:t>
+            </a:r>
+          </a:p>
+          <a:p>
+            <a:r>
+              <a:rPr lang="it-IT" b="1" dirty="0">
+                <a:solidFill>
+                  <a:srgbClr val="FF0000"/>
+                </a:solidFill>
+              </a:rPr>
+              <a:t>}</a:t>
+            </a:r>
+          </a:p>
+          <a:p>
+            <a:endParaRPr lang="it-IT" b="1" dirty="0">
+              <a:solidFill>
+                <a:srgbClr val="FF0000"/>
+              </a:solidFill>
+            </a:endParaRPr>
+          </a:p>
+          <a:p>
+            <a:r>
+              <a:rPr lang="it-IT" b="1" dirty="0">
+                <a:solidFill>
+                  <a:srgbClr val="00B050"/>
+                </a:solidFill>
+              </a:rPr>
+              <a:t>public class </a:t>
+            </a:r>
+            <a:r>
+              <a:rPr lang="it-IT" b="1" dirty="0" err="1">
+                <a:solidFill>
+                  <a:srgbClr val="00B050"/>
+                </a:solidFill>
+              </a:rPr>
+              <a:t>FieldSet</a:t>
+            </a:r>
+            <a:r>
+              <a:rPr lang="it-IT" b="1" dirty="0">
+                <a:solidFill>
+                  <a:srgbClr val="00B050"/>
+                </a:solidFill>
+              </a:rPr>
+              <a:t>{</a:t>
+            </a:r>
+          </a:p>
+          <a:p>
+            <a:r>
+              <a:rPr lang="it-IT" b="1" dirty="0">
+                <a:solidFill>
+                  <a:srgbClr val="00B050"/>
+                </a:solidFill>
+              </a:rPr>
+              <a:t>     private </a:t>
+            </a:r>
+            <a:r>
+              <a:rPr lang="it-IT" b="1" dirty="0" err="1">
+                <a:solidFill>
+                  <a:srgbClr val="00B050"/>
+                </a:solidFill>
+              </a:rPr>
+              <a:t>ArrayList</a:t>
+            </a:r>
+            <a:r>
+              <a:rPr lang="it-IT" b="1" dirty="0">
+                <a:solidFill>
+                  <a:srgbClr val="00B050"/>
+                </a:solidFill>
+              </a:rPr>
+              <a:t>&lt;Field&gt; </a:t>
+            </a:r>
+            <a:r>
+              <a:rPr lang="it-IT" b="1" dirty="0" err="1">
+                <a:solidFill>
+                  <a:srgbClr val="00B050"/>
+                </a:solidFill>
+              </a:rPr>
+              <a:t>fs</a:t>
+            </a:r>
+            <a:r>
+              <a:rPr lang="it-IT" b="1" dirty="0">
+                <a:solidFill>
+                  <a:srgbClr val="00B050"/>
+                </a:solidFill>
+              </a:rPr>
+              <a:t>;</a:t>
+            </a:r>
+          </a:p>
+          <a:p>
+            <a:r>
+              <a:rPr lang="it-IT" b="1" dirty="0">
+                <a:solidFill>
+                  <a:srgbClr val="00B050"/>
+                </a:solidFill>
+              </a:rPr>
+              <a:t>     …</a:t>
+            </a:r>
+          </a:p>
+          <a:p>
+            <a:r>
+              <a:rPr lang="it-IT" b="1" dirty="0">
+                <a:solidFill>
+                  <a:srgbClr val="00B050"/>
+                </a:solidFill>
+              </a:rPr>
+              <a:t>}</a:t>
+            </a:r>
+          </a:p>
+        </p:txBody>
+      </p:sp>
+      <p:cxnSp>
+        <p:nvCxnSpPr>
+          <p:cNvPr id="5" name="Connettore curvo 4">
+            <a:extLst>
+              <a:ext uri="{FF2B5EF4-FFF2-40B4-BE49-F238E27FC236}">
+                <a16:creationId xmlns:a16="http://schemas.microsoft.com/office/drawing/2014/main" id="{DD41D86A-94A5-4E39-83DC-D6365F4A9DB8}"/>
+              </a:ext>
+            </a:extLst>
+          </p:cNvPr>
+          <p:cNvCxnSpPr>
+            <a:cxnSpLocks/>
+          </p:cNvCxnSpPr>
+          <p:nvPr/>
+        </p:nvCxnSpPr>
+        <p:spPr>
+          <a:xfrm flipV="1">
+            <a:off x="6705599" y="3104997"/>
+            <a:ext cx="3037115" cy="1394823"/>
+          </a:xfrm>
+          <a:prstGeom prst="curvedConnector3">
+            <a:avLst>
+              <a:gd name="adj1" fmla="val 123835"/>
+            </a:avLst>
+          </a:prstGeom>
+          <a:ln>
+            <a:solidFill>
+              <a:srgbClr val="92D050"/>
+            </a:solidFill>
+            <a:tailEnd type="triangle"/>
+          </a:ln>
+        </p:spPr>
+        <p:style>
+          <a:lnRef idx="1">
+            <a:schemeClr val="accent1"/>
+          </a:lnRef>
+          <a:fillRef idx="0">
+            <a:schemeClr val="accent1"/>
+          </a:fillRef>
+          <a:effectRef idx="0">
+            <a:schemeClr val="accent1"/>
+          </a:effectRef>
+          <a:fontRef idx="minor">
+            <a:schemeClr val="tx1"/>
+          </a:fontRef>
+        </p:style>
+      </p:cxnSp>
+    </p:spTree>
+    <p:extLst>
+      <p:ext uri="{BB962C8B-B14F-4D97-AF65-F5344CB8AC3E}">
+        <p14:creationId xmlns:p14="http://schemas.microsoft.com/office/powerpoint/2010/main" val="2156645213"/>
+      </p:ext>
+    </p:extLst>
+  </p:cSld>
+  <p:clrMapOvr>
+    <a:masterClrMapping/>
+  </p:clrMapOvr>
+</p:sld>
+</file>
+
+<file path=ppt/slides/slide11.xml><?xml version="1.0" encoding="utf-8"?>
+<p:sld xmlns:a="http://schemas.openxmlformats.org/drawingml/2006/main" xmlns:r="http://schemas.openxmlformats.org/officeDocument/2006/relationships" xmlns:p="http://schemas.openxmlformats.org/presentationml/2006/main">
+  <p:cSld>
+    <p:spTree>
+      <p:nvGrpSpPr>
+        <p:cNvPr id="1" name=""/>
+        <p:cNvGrpSpPr/>
+        <p:nvPr/>
+      </p:nvGrpSpPr>
+      <p:grpSpPr>
+        <a:xfrm>
+          <a:off x="0" y="0"/>
+          <a:ext cx="0" cy="0"/>
+          <a:chOff x="0" y="0"/>
+          <a:chExt cx="0" cy="0"/>
+        </a:xfrm>
+      </p:grpSpPr>
+      <p:sp>
+        <p:nvSpPr>
+          <p:cNvPr id="4" name="Titolo 3">
+            <a:extLst>
+              <a:ext uri="{FF2B5EF4-FFF2-40B4-BE49-F238E27FC236}">
+                <a16:creationId xmlns:a16="http://schemas.microsoft.com/office/drawing/2014/main" id="{1ABE11BF-33A5-4653-A144-CCCBACF58C30}"/>
+              </a:ext>
+            </a:extLst>
+          </p:cNvPr>
+          <p:cNvSpPr>
+            <a:spLocks noGrp="1"/>
+          </p:cNvSpPr>
+          <p:nvPr>
+            <p:ph type="title"/>
+          </p:nvPr>
+        </p:nvSpPr>
+        <p:spPr/>
+        <p:txBody>
+          <a:bodyPr rtlCol="0">
+            <a:normAutofit fontScale="90000"/>
+          </a:bodyPr>
+          <a:lstStyle/>
+          <a:p>
+            <a:r>
+              <a:rPr lang="it-IT" b="0" dirty="0"/>
+              <a:t>Principio di sostituzione di</a:t>
+            </a:r>
+            <a:br>
+              <a:rPr lang="it-IT" b="0" dirty="0"/>
+            </a:br>
+            <a:r>
+              <a:rPr lang="it-IT" b="0" dirty="0"/>
+              <a:t>LISKOV</a:t>
+            </a:r>
+          </a:p>
+        </p:txBody>
+      </p:sp>
+      <p:sp>
+        <p:nvSpPr>
+          <p:cNvPr id="9" name="Segnaposto testo 8">
+            <a:extLst>
+              <a:ext uri="{FF2B5EF4-FFF2-40B4-BE49-F238E27FC236}">
+                <a16:creationId xmlns:a16="http://schemas.microsoft.com/office/drawing/2014/main" id="{53469036-D1FB-4164-96AE-B6D8CECCFC96}"/>
+              </a:ext>
+            </a:extLst>
+          </p:cNvPr>
+          <p:cNvSpPr>
+            <a:spLocks noGrp="1"/>
+          </p:cNvSpPr>
+          <p:nvPr>
+            <p:ph type="body" sz="quarter" idx="13"/>
+          </p:nvPr>
+        </p:nvSpPr>
+        <p:spPr/>
+        <p:txBody>
+          <a:bodyPr rtlCol="0"/>
+          <a:lstStyle/>
+          <a:p>
+            <a:pPr rtl="0"/>
+            <a:r>
+              <a:rPr lang="it-IT" dirty="0"/>
+              <a:t>Pattern SOLID</a:t>
+            </a:r>
+          </a:p>
+        </p:txBody>
+      </p:sp>
+      <p:sp>
+        <p:nvSpPr>
+          <p:cNvPr id="7" name="Segnaposto contenuto 6">
+            <a:extLst>
+              <a:ext uri="{FF2B5EF4-FFF2-40B4-BE49-F238E27FC236}">
+                <a16:creationId xmlns:a16="http://schemas.microsoft.com/office/drawing/2014/main" id="{2482DBEC-EE72-4155-ACC5-87E80C5606A9}"/>
+              </a:ext>
+            </a:extLst>
+          </p:cNvPr>
+          <p:cNvSpPr>
+            <a:spLocks noGrp="1"/>
+          </p:cNvSpPr>
+          <p:nvPr>
+            <p:ph idx="1"/>
+          </p:nvPr>
+        </p:nvSpPr>
+        <p:spPr>
+          <a:xfrm>
+            <a:off x="531378" y="3129540"/>
+            <a:ext cx="6856558" cy="2958275"/>
+          </a:xfrm>
+        </p:spPr>
+        <p:txBody>
+          <a:bodyPr rtlCol="0">
+            <a:normAutofit/>
+          </a:bodyPr>
+          <a:lstStyle/>
+          <a:p>
+            <a:r>
+              <a:rPr lang="it-IT" dirty="0"/>
+              <a:t>Altro esempio di violazione:</a:t>
+            </a:r>
+          </a:p>
+          <a:p>
+            <a:r>
+              <a:rPr lang="it-IT" dirty="0"/>
+              <a:t>Nella classe </a:t>
+            </a:r>
+            <a:r>
+              <a:rPr lang="it-IT" dirty="0" err="1"/>
+              <a:t>ProposalSet</a:t>
+            </a:r>
+            <a:r>
+              <a:rPr lang="it-IT" dirty="0"/>
+              <a:t>, estendiamo l’</a:t>
+            </a:r>
+            <a:r>
+              <a:rPr lang="it-IT" dirty="0" err="1"/>
+              <a:t>ArrayList</a:t>
+            </a:r>
+            <a:r>
+              <a:rPr lang="it-IT" dirty="0"/>
+              <a:t> di Proposte anche se abbiamo metodi che non stiamo usando (tra i quali </a:t>
+            </a:r>
+            <a:r>
+              <a:rPr lang="it-IT" i="1" dirty="0" err="1"/>
+              <a:t>clear</a:t>
+            </a:r>
+            <a:r>
+              <a:rPr lang="it-IT" i="1" dirty="0"/>
+              <a:t>(), </a:t>
+            </a:r>
+            <a:r>
+              <a:rPr lang="it-IT" i="1" dirty="0" err="1"/>
+              <a:t>addAll</a:t>
+            </a:r>
+            <a:r>
+              <a:rPr lang="it-IT" i="1" dirty="0"/>
+              <a:t>(), </a:t>
+            </a:r>
+            <a:r>
+              <a:rPr lang="it-IT" i="1" dirty="0" err="1"/>
+              <a:t>replaceAll</a:t>
+            </a:r>
+            <a:r>
+              <a:rPr lang="it-IT" i="1" dirty="0"/>
+              <a:t>()).</a:t>
+            </a:r>
+          </a:p>
+          <a:p>
+            <a:pPr marL="0" indent="0">
+              <a:buNone/>
+            </a:pPr>
+            <a:endParaRPr lang="it-IT" i="1" dirty="0"/>
+          </a:p>
+        </p:txBody>
+      </p:sp>
+      <p:sp>
+        <p:nvSpPr>
+          <p:cNvPr id="11" name="Segnaposto piè di pagina 10">
+            <a:extLst>
+              <a:ext uri="{FF2B5EF4-FFF2-40B4-BE49-F238E27FC236}">
+                <a16:creationId xmlns:a16="http://schemas.microsoft.com/office/drawing/2014/main" id="{47F4D2C2-B71A-4089-A3FE-603C32706CA6}"/>
+              </a:ext>
+            </a:extLst>
+          </p:cNvPr>
+          <p:cNvSpPr>
+            <a:spLocks noGrp="1"/>
+          </p:cNvSpPr>
+          <p:nvPr>
+            <p:ph type="ftr" sz="quarter" idx="14"/>
+          </p:nvPr>
+        </p:nvSpPr>
+        <p:spPr/>
+        <p:txBody>
+          <a:bodyPr rtlCol="0"/>
+          <a:lstStyle/>
+          <a:p>
+            <a:pPr rtl="0"/>
+            <a:r>
+              <a:rPr lang="it-IT" dirty="0"/>
+              <a:t>Aggiungere un piè di pagina</a:t>
+            </a:r>
+          </a:p>
+        </p:txBody>
+      </p:sp>
+      <p:sp>
+        <p:nvSpPr>
+          <p:cNvPr id="12" name="Segnaposto numero diapositiva 11">
+            <a:extLst>
+              <a:ext uri="{FF2B5EF4-FFF2-40B4-BE49-F238E27FC236}">
+                <a16:creationId xmlns:a16="http://schemas.microsoft.com/office/drawing/2014/main" id="{FBA1BB58-7555-4382-B178-7ED04E137E77}"/>
+              </a:ext>
+            </a:extLst>
+          </p:cNvPr>
+          <p:cNvSpPr>
+            <a:spLocks noGrp="1"/>
+          </p:cNvSpPr>
+          <p:nvPr>
+            <p:ph type="sldNum" sz="quarter" idx="15"/>
+          </p:nvPr>
+        </p:nvSpPr>
+        <p:spPr/>
+        <p:txBody>
+          <a:bodyPr rtlCol="0"/>
+          <a:lstStyle/>
+          <a:p>
+            <a:pPr rtl="0"/>
+            <a:fld id="{8699F50C-BE38-4BD0-BA84-9B090E1F2B9B}" type="slidenum">
+              <a:rPr lang="it-IT" smtClean="0"/>
+              <a:pPr rtl="0"/>
+              <a:t>11</a:t>
+            </a:fld>
+            <a:endParaRPr lang="it-IT" dirty="0"/>
+          </a:p>
+        </p:txBody>
+      </p:sp>
+      <p:sp>
+        <p:nvSpPr>
+          <p:cNvPr id="2" name="CasellaDiTesto 1">
+            <a:extLst>
+              <a:ext uri="{FF2B5EF4-FFF2-40B4-BE49-F238E27FC236}">
+                <a16:creationId xmlns:a16="http://schemas.microsoft.com/office/drawing/2014/main" id="{C8D00F96-83B6-4EE9-A524-32E9F77A9CA1}"/>
+              </a:ext>
+            </a:extLst>
+          </p:cNvPr>
+          <p:cNvSpPr txBox="1"/>
+          <p:nvPr/>
+        </p:nvSpPr>
+        <p:spPr>
+          <a:xfrm>
+            <a:off x="6270172" y="478772"/>
+            <a:ext cx="5442858" cy="2308324"/>
+          </a:xfrm>
+          <a:prstGeom prst="rect">
+            <a:avLst/>
+          </a:prstGeom>
+          <a:solidFill>
+            <a:schemeClr val="accent6">
+              <a:lumMod val="40000"/>
+              <a:lumOff val="60000"/>
+            </a:schemeClr>
+          </a:solidFill>
+        </p:spPr>
+        <p:txBody>
+          <a:bodyPr wrap="square" rtlCol="0">
+            <a:spAutoFit/>
+          </a:bodyPr>
+          <a:lstStyle/>
+          <a:p>
+            <a:r>
+              <a:rPr lang="it-IT" b="1" dirty="0">
+                <a:solidFill>
+                  <a:srgbClr val="FF0000"/>
+                </a:solidFill>
+              </a:rPr>
+              <a:t>public Class </a:t>
+            </a:r>
+            <a:r>
+              <a:rPr lang="it-IT" b="1" dirty="0" err="1">
+                <a:solidFill>
+                  <a:srgbClr val="FF0000"/>
+                </a:solidFill>
+              </a:rPr>
+              <a:t>ProposalSet</a:t>
+            </a:r>
+            <a:r>
+              <a:rPr lang="it-IT" b="1" dirty="0">
+                <a:solidFill>
+                  <a:srgbClr val="FF0000"/>
+                </a:solidFill>
+              </a:rPr>
+              <a:t> </a:t>
+            </a:r>
+            <a:r>
+              <a:rPr lang="it-IT" b="1" dirty="0" err="1">
+                <a:solidFill>
+                  <a:srgbClr val="FF0000"/>
+                </a:solidFill>
+              </a:rPr>
+              <a:t>extends</a:t>
+            </a:r>
+            <a:r>
+              <a:rPr lang="it-IT" b="1" dirty="0">
+                <a:solidFill>
+                  <a:srgbClr val="FF0000"/>
+                </a:solidFill>
+              </a:rPr>
+              <a:t> </a:t>
+            </a:r>
+            <a:r>
+              <a:rPr lang="it-IT" b="1" dirty="0" err="1">
+                <a:solidFill>
+                  <a:srgbClr val="FF0000"/>
+                </a:solidFill>
+              </a:rPr>
+              <a:t>ArrayList</a:t>
+            </a:r>
+            <a:r>
+              <a:rPr lang="it-IT" b="1" dirty="0">
+                <a:solidFill>
+                  <a:srgbClr val="FF0000"/>
+                </a:solidFill>
+              </a:rPr>
+              <a:t>&lt;</a:t>
+            </a:r>
+            <a:r>
+              <a:rPr lang="it-IT" b="1" dirty="0" err="1">
+                <a:solidFill>
+                  <a:srgbClr val="FF0000"/>
+                </a:solidFill>
+              </a:rPr>
+              <a:t>Proposal</a:t>
+            </a:r>
+            <a:r>
+              <a:rPr lang="it-IT" b="1" dirty="0">
+                <a:solidFill>
+                  <a:srgbClr val="FF0000"/>
+                </a:solidFill>
+              </a:rPr>
+              <a:t>&gt;{</a:t>
+            </a:r>
+          </a:p>
+          <a:p>
+            <a:r>
+              <a:rPr lang="it-IT" b="1" dirty="0">
+                <a:solidFill>
+                  <a:srgbClr val="FF0000"/>
+                </a:solidFill>
+              </a:rPr>
+              <a:t>     …</a:t>
+            </a:r>
+          </a:p>
+          <a:p>
+            <a:r>
+              <a:rPr lang="it-IT" b="1" dirty="0">
+                <a:solidFill>
+                  <a:srgbClr val="FF0000"/>
+                </a:solidFill>
+              </a:rPr>
+              <a:t>}</a:t>
+            </a:r>
+          </a:p>
+          <a:p>
+            <a:endParaRPr lang="it-IT" b="1" dirty="0">
+              <a:solidFill>
+                <a:srgbClr val="FF0000"/>
+              </a:solidFill>
+            </a:endParaRPr>
+          </a:p>
+          <a:p>
+            <a:r>
+              <a:rPr lang="it-IT" b="1" dirty="0">
+                <a:solidFill>
+                  <a:srgbClr val="00B050"/>
+                </a:solidFill>
+              </a:rPr>
+              <a:t>public class </a:t>
+            </a:r>
+            <a:r>
+              <a:rPr lang="it-IT" b="1" dirty="0" err="1">
+                <a:solidFill>
+                  <a:srgbClr val="00B050"/>
+                </a:solidFill>
+              </a:rPr>
+              <a:t>ProposalSet</a:t>
+            </a:r>
+            <a:r>
+              <a:rPr lang="it-IT" b="1" dirty="0">
+                <a:solidFill>
+                  <a:srgbClr val="00B050"/>
+                </a:solidFill>
+              </a:rPr>
+              <a:t>{</a:t>
+            </a:r>
+          </a:p>
+          <a:p>
+            <a:r>
+              <a:rPr lang="it-IT" b="1" dirty="0">
+                <a:solidFill>
+                  <a:srgbClr val="00B050"/>
+                </a:solidFill>
+              </a:rPr>
+              <a:t>     private </a:t>
+            </a:r>
+            <a:r>
+              <a:rPr lang="it-IT" b="1" dirty="0" err="1">
+                <a:solidFill>
+                  <a:srgbClr val="00B050"/>
+                </a:solidFill>
+              </a:rPr>
+              <a:t>ArrayList</a:t>
+            </a:r>
+            <a:r>
+              <a:rPr lang="it-IT" b="1" dirty="0">
+                <a:solidFill>
+                  <a:srgbClr val="00B050"/>
+                </a:solidFill>
+              </a:rPr>
+              <a:t>&lt;</a:t>
+            </a:r>
+            <a:r>
+              <a:rPr lang="it-IT" b="1" dirty="0" err="1">
+                <a:solidFill>
+                  <a:srgbClr val="00B050"/>
+                </a:solidFill>
+              </a:rPr>
+              <a:t>Proposal</a:t>
+            </a:r>
+            <a:r>
+              <a:rPr lang="it-IT" b="1" dirty="0">
+                <a:solidFill>
+                  <a:srgbClr val="00B050"/>
+                </a:solidFill>
+              </a:rPr>
+              <a:t>&gt; </a:t>
+            </a:r>
+            <a:r>
+              <a:rPr lang="it-IT" b="1" dirty="0" err="1">
+                <a:solidFill>
+                  <a:srgbClr val="00B050"/>
+                </a:solidFill>
+              </a:rPr>
+              <a:t>fs</a:t>
+            </a:r>
+            <a:r>
+              <a:rPr lang="it-IT" b="1" dirty="0">
+                <a:solidFill>
+                  <a:srgbClr val="00B050"/>
+                </a:solidFill>
+              </a:rPr>
+              <a:t>;</a:t>
+            </a:r>
+          </a:p>
+          <a:p>
+            <a:r>
+              <a:rPr lang="it-IT" b="1" dirty="0">
+                <a:solidFill>
+                  <a:srgbClr val="00B050"/>
+                </a:solidFill>
+              </a:rPr>
+              <a:t>     …</a:t>
+            </a:r>
+          </a:p>
+          <a:p>
+            <a:r>
+              <a:rPr lang="it-IT" b="1" dirty="0">
+                <a:solidFill>
+                  <a:srgbClr val="00B050"/>
+                </a:solidFill>
+              </a:rPr>
+              <a:t>}</a:t>
+            </a:r>
+          </a:p>
+        </p:txBody>
+      </p:sp>
+      <p:cxnSp>
+        <p:nvCxnSpPr>
+          <p:cNvPr id="5" name="Connettore curvo 4">
+            <a:extLst>
+              <a:ext uri="{FF2B5EF4-FFF2-40B4-BE49-F238E27FC236}">
+                <a16:creationId xmlns:a16="http://schemas.microsoft.com/office/drawing/2014/main" id="{DD41D86A-94A5-4E39-83DC-D6365F4A9DB8}"/>
+              </a:ext>
+            </a:extLst>
+          </p:cNvPr>
+          <p:cNvCxnSpPr>
+            <a:cxnSpLocks/>
+          </p:cNvCxnSpPr>
+          <p:nvPr/>
+        </p:nvCxnSpPr>
+        <p:spPr>
+          <a:xfrm flipV="1">
+            <a:off x="6887034" y="3066132"/>
+            <a:ext cx="2906485" cy="1423459"/>
+          </a:xfrm>
+          <a:prstGeom prst="curvedConnector3">
+            <a:avLst>
+              <a:gd name="adj1" fmla="val 102434"/>
+            </a:avLst>
+          </a:prstGeom>
+          <a:ln>
+            <a:solidFill>
+              <a:srgbClr val="92D050"/>
+            </a:solidFill>
+            <a:tailEnd type="triangle"/>
+          </a:ln>
+        </p:spPr>
+        <p:style>
+          <a:lnRef idx="1">
+            <a:schemeClr val="accent1"/>
+          </a:lnRef>
+          <a:fillRef idx="0">
+            <a:schemeClr val="accent1"/>
+          </a:fillRef>
+          <a:effectRef idx="0">
+            <a:schemeClr val="accent1"/>
+          </a:effectRef>
+          <a:fontRef idx="minor">
+            <a:schemeClr val="tx1"/>
+          </a:fontRef>
+        </p:style>
+      </p:cxnSp>
+    </p:spTree>
+    <p:extLst>
+      <p:ext uri="{BB962C8B-B14F-4D97-AF65-F5344CB8AC3E}">
+        <p14:creationId xmlns:p14="http://schemas.microsoft.com/office/powerpoint/2010/main" val="3586817091"/>
+      </p:ext>
+    </p:extLst>
+  </p:cSld>
+  <p:clrMapOvr>
+    <a:masterClrMapping/>
+  </p:clrMapOvr>
+</p:sld>
+</file>
+
+<file path=ppt/slides/slide12.xml><?xml version="1.0" encoding="utf-8"?>
+<p:sld xmlns:a="http://schemas.openxmlformats.org/drawingml/2006/main" xmlns:r="http://schemas.openxmlformats.org/officeDocument/2006/relationships" xmlns:p="http://schemas.openxmlformats.org/presentationml/2006/main">
+  <p:cSld>
+    <p:spTree>
+      <p:nvGrpSpPr>
+        <p:cNvPr id="1" name=""/>
+        <p:cNvGrpSpPr/>
+        <p:nvPr/>
+      </p:nvGrpSpPr>
+      <p:grpSpPr>
+        <a:xfrm>
+          <a:off x="0" y="0"/>
+          <a:ext cx="0" cy="0"/>
+          <a:chOff x="0" y="0"/>
+          <a:chExt cx="0" cy="0"/>
+        </a:xfrm>
+      </p:grpSpPr>
+      <p:sp>
+        <p:nvSpPr>
+          <p:cNvPr id="4" name="Titolo 3">
+            <a:extLst>
+              <a:ext uri="{FF2B5EF4-FFF2-40B4-BE49-F238E27FC236}">
+                <a16:creationId xmlns:a16="http://schemas.microsoft.com/office/drawing/2014/main" id="{1ABE11BF-33A5-4653-A144-CCCBACF58C30}"/>
+              </a:ext>
+            </a:extLst>
+          </p:cNvPr>
+          <p:cNvSpPr>
+            <a:spLocks noGrp="1"/>
+          </p:cNvSpPr>
+          <p:nvPr>
+            <p:ph type="title"/>
+          </p:nvPr>
+        </p:nvSpPr>
+        <p:spPr/>
+        <p:txBody>
+          <a:bodyPr rtlCol="0">
+            <a:normAutofit fontScale="90000"/>
+          </a:bodyPr>
+          <a:lstStyle/>
+          <a:p>
+            <a:r>
+              <a:rPr lang="it-IT" b="0" dirty="0"/>
+              <a:t>Principio di sostituzione di</a:t>
+            </a:r>
+            <a:br>
+              <a:rPr lang="it-IT" b="0" dirty="0"/>
+            </a:br>
+            <a:r>
+              <a:rPr lang="it-IT" b="0" dirty="0"/>
+              <a:t>LISKOV</a:t>
+            </a:r>
+          </a:p>
+        </p:txBody>
+      </p:sp>
+      <p:sp>
+        <p:nvSpPr>
+          <p:cNvPr id="9" name="Segnaposto testo 8">
+            <a:extLst>
+              <a:ext uri="{FF2B5EF4-FFF2-40B4-BE49-F238E27FC236}">
+                <a16:creationId xmlns:a16="http://schemas.microsoft.com/office/drawing/2014/main" id="{53469036-D1FB-4164-96AE-B6D8CECCFC96}"/>
+              </a:ext>
+            </a:extLst>
+          </p:cNvPr>
+          <p:cNvSpPr>
+            <a:spLocks noGrp="1"/>
+          </p:cNvSpPr>
+          <p:nvPr>
+            <p:ph type="body" sz="quarter" idx="13"/>
+          </p:nvPr>
+        </p:nvSpPr>
+        <p:spPr/>
+        <p:txBody>
+          <a:bodyPr rtlCol="0"/>
+          <a:lstStyle/>
+          <a:p>
+            <a:pPr rtl="0"/>
+            <a:r>
+              <a:rPr lang="it-IT" dirty="0"/>
+              <a:t>Pattern SOLID</a:t>
+            </a:r>
+          </a:p>
+        </p:txBody>
+      </p:sp>
+      <p:sp>
+        <p:nvSpPr>
+          <p:cNvPr id="7" name="Segnaposto contenuto 6">
+            <a:extLst>
+              <a:ext uri="{FF2B5EF4-FFF2-40B4-BE49-F238E27FC236}">
+                <a16:creationId xmlns:a16="http://schemas.microsoft.com/office/drawing/2014/main" id="{2482DBEC-EE72-4155-ACC5-87E80C5606A9}"/>
+              </a:ext>
+            </a:extLst>
+          </p:cNvPr>
+          <p:cNvSpPr>
+            <a:spLocks noGrp="1"/>
+          </p:cNvSpPr>
+          <p:nvPr>
+            <p:ph idx="1"/>
+          </p:nvPr>
+        </p:nvSpPr>
+        <p:spPr>
+          <a:xfrm>
+            <a:off x="531378" y="3129540"/>
+            <a:ext cx="6856558" cy="2958275"/>
+          </a:xfrm>
+        </p:spPr>
+        <p:txBody>
+          <a:bodyPr rtlCol="0">
+            <a:normAutofit/>
+          </a:bodyPr>
+          <a:lstStyle/>
+          <a:p>
+            <a:pPr marL="0" indent="0">
+              <a:buNone/>
+            </a:pPr>
+            <a:r>
+              <a:rPr lang="it-IT" dirty="0"/>
+              <a:t>VANTAGGI:</a:t>
+            </a:r>
+          </a:p>
+          <a:p>
+            <a:r>
+              <a:rPr lang="it-IT" dirty="0"/>
+              <a:t>Un software che non rispetta questo principio rischia di sviluppare un alto grado di viscosità e rigidità in breve tempo.</a:t>
+            </a:r>
+          </a:p>
+        </p:txBody>
+      </p:sp>
+      <p:sp>
+        <p:nvSpPr>
+          <p:cNvPr id="11" name="Segnaposto piè di pagina 10">
+            <a:extLst>
+              <a:ext uri="{FF2B5EF4-FFF2-40B4-BE49-F238E27FC236}">
+                <a16:creationId xmlns:a16="http://schemas.microsoft.com/office/drawing/2014/main" id="{47F4D2C2-B71A-4089-A3FE-603C32706CA6}"/>
+              </a:ext>
+            </a:extLst>
+          </p:cNvPr>
+          <p:cNvSpPr>
+            <a:spLocks noGrp="1"/>
+          </p:cNvSpPr>
+          <p:nvPr>
+            <p:ph type="ftr" sz="quarter" idx="14"/>
+          </p:nvPr>
+        </p:nvSpPr>
+        <p:spPr/>
+        <p:txBody>
+          <a:bodyPr rtlCol="0"/>
+          <a:lstStyle/>
+          <a:p>
+            <a:pPr rtl="0"/>
+            <a:r>
+              <a:rPr lang="it-IT" dirty="0"/>
+              <a:t>Aggiungere un piè di pagina</a:t>
+            </a:r>
+          </a:p>
+        </p:txBody>
+      </p:sp>
+      <p:sp>
+        <p:nvSpPr>
+          <p:cNvPr id="12" name="Segnaposto numero diapositiva 11">
+            <a:extLst>
+              <a:ext uri="{FF2B5EF4-FFF2-40B4-BE49-F238E27FC236}">
+                <a16:creationId xmlns:a16="http://schemas.microsoft.com/office/drawing/2014/main" id="{FBA1BB58-7555-4382-B178-7ED04E137E77}"/>
+              </a:ext>
+            </a:extLst>
+          </p:cNvPr>
+          <p:cNvSpPr>
+            <a:spLocks noGrp="1"/>
+          </p:cNvSpPr>
+          <p:nvPr>
+            <p:ph type="sldNum" sz="quarter" idx="15"/>
+          </p:nvPr>
+        </p:nvSpPr>
+        <p:spPr/>
+        <p:txBody>
+          <a:bodyPr rtlCol="0"/>
+          <a:lstStyle/>
+          <a:p>
+            <a:pPr rtl="0"/>
+            <a:fld id="{8699F50C-BE38-4BD0-BA84-9B090E1F2B9B}" type="slidenum">
+              <a:rPr lang="it-IT" smtClean="0"/>
+              <a:pPr rtl="0"/>
+              <a:t>12</a:t>
+            </a:fld>
+            <a:endParaRPr lang="it-IT" dirty="0"/>
+          </a:p>
+        </p:txBody>
+      </p:sp>
+    </p:spTree>
+    <p:extLst>
+      <p:ext uri="{BB962C8B-B14F-4D97-AF65-F5344CB8AC3E}">
+        <p14:creationId xmlns:p14="http://schemas.microsoft.com/office/powerpoint/2010/main" val="2907162865"/>
+      </p:ext>
+    </p:extLst>
+  </p:cSld>
+  <p:clrMapOvr>
+    <a:masterClrMapping/>
+  </p:clrMapOvr>
+</p:sld>
+</file>
+
+<file path=ppt/slides/slide13.xml><?xml version="1.0" encoding="utf-8"?>
+<p:sld xmlns:a="http://schemas.openxmlformats.org/drawingml/2006/main" xmlns:r="http://schemas.openxmlformats.org/officeDocument/2006/relationships" xmlns:p="http://schemas.openxmlformats.org/presentationml/2006/main">
+  <p:cSld>
+    <p:spTree>
+      <p:nvGrpSpPr>
+        <p:cNvPr id="1" name=""/>
+        <p:cNvGrpSpPr/>
+        <p:nvPr/>
+      </p:nvGrpSpPr>
+      <p:grpSpPr>
+        <a:xfrm>
+          <a:off x="0" y="0"/>
+          <a:ext cx="0" cy="0"/>
+          <a:chOff x="0" y="0"/>
+          <a:chExt cx="0" cy="0"/>
+        </a:xfrm>
+      </p:grpSpPr>
+      <p:sp>
+        <p:nvSpPr>
+          <p:cNvPr id="4" name="Titolo 3">
+            <a:extLst>
+              <a:ext uri="{FF2B5EF4-FFF2-40B4-BE49-F238E27FC236}">
+                <a16:creationId xmlns:a16="http://schemas.microsoft.com/office/drawing/2014/main" id="{1ABE11BF-33A5-4653-A144-CCCBACF58C30}"/>
+              </a:ext>
+            </a:extLst>
+          </p:cNvPr>
+          <p:cNvSpPr>
+            <a:spLocks noGrp="1"/>
+          </p:cNvSpPr>
+          <p:nvPr>
+            <p:ph type="title"/>
+          </p:nvPr>
+        </p:nvSpPr>
+        <p:spPr/>
+        <p:txBody>
+          <a:bodyPr rtlCol="0">
+            <a:normAutofit/>
+          </a:bodyPr>
+          <a:lstStyle/>
+          <a:p>
+            <a:r>
+              <a:rPr lang="it-IT" sz="4000" b="0" dirty="0"/>
+              <a:t>DIP (</a:t>
+            </a:r>
+            <a:r>
+              <a:rPr lang="it-IT" sz="4000" b="0" dirty="0" err="1"/>
+              <a:t>Dependency</a:t>
+            </a:r>
+            <a:r>
+              <a:rPr lang="it-IT" sz="4000" b="0" dirty="0"/>
+              <a:t> </a:t>
+            </a:r>
+            <a:r>
+              <a:rPr lang="it-IT" sz="4000" b="0" dirty="0" err="1"/>
+              <a:t>Inversion</a:t>
+            </a:r>
+            <a:r>
+              <a:rPr lang="it-IT" sz="4000" b="0" dirty="0"/>
+              <a:t> </a:t>
+            </a:r>
+            <a:r>
+              <a:rPr lang="it-IT" sz="4000" b="0" dirty="0" err="1"/>
+              <a:t>Principle</a:t>
+            </a:r>
+            <a:r>
+              <a:rPr lang="it-IT" sz="4000" b="0" dirty="0"/>
+              <a:t>)</a:t>
+            </a:r>
+          </a:p>
+        </p:txBody>
+      </p:sp>
+      <p:sp>
+        <p:nvSpPr>
+          <p:cNvPr id="9" name="Segnaposto testo 8">
+            <a:extLst>
+              <a:ext uri="{FF2B5EF4-FFF2-40B4-BE49-F238E27FC236}">
+                <a16:creationId xmlns:a16="http://schemas.microsoft.com/office/drawing/2014/main" id="{53469036-D1FB-4164-96AE-B6D8CECCFC96}"/>
+              </a:ext>
+            </a:extLst>
+          </p:cNvPr>
+          <p:cNvSpPr>
+            <a:spLocks noGrp="1"/>
+          </p:cNvSpPr>
+          <p:nvPr>
+            <p:ph type="body" sz="quarter" idx="13"/>
+          </p:nvPr>
+        </p:nvSpPr>
+        <p:spPr/>
+        <p:txBody>
+          <a:bodyPr rtlCol="0"/>
+          <a:lstStyle/>
+          <a:p>
+            <a:pPr rtl="0"/>
+            <a:r>
+              <a:rPr lang="it-IT" dirty="0"/>
+              <a:t>Pattern SOLID</a:t>
+            </a:r>
+          </a:p>
+        </p:txBody>
+      </p:sp>
+      <p:sp>
+        <p:nvSpPr>
+          <p:cNvPr id="11" name="Segnaposto piè di pagina 10">
+            <a:extLst>
+              <a:ext uri="{FF2B5EF4-FFF2-40B4-BE49-F238E27FC236}">
+                <a16:creationId xmlns:a16="http://schemas.microsoft.com/office/drawing/2014/main" id="{47F4D2C2-B71A-4089-A3FE-603C32706CA6}"/>
+              </a:ext>
+            </a:extLst>
+          </p:cNvPr>
+          <p:cNvSpPr>
+            <a:spLocks noGrp="1"/>
+          </p:cNvSpPr>
+          <p:nvPr>
+            <p:ph type="ftr" sz="quarter" idx="14"/>
+          </p:nvPr>
+        </p:nvSpPr>
+        <p:spPr/>
+        <p:txBody>
+          <a:bodyPr rtlCol="0"/>
+          <a:lstStyle/>
+          <a:p>
+            <a:pPr rtl="0"/>
+            <a:r>
+              <a:rPr lang="it-IT" dirty="0"/>
+              <a:t>Aggiungere un piè di pagina</a:t>
+            </a:r>
+          </a:p>
+        </p:txBody>
+      </p:sp>
+      <p:sp>
+        <p:nvSpPr>
+          <p:cNvPr id="12" name="Segnaposto numero diapositiva 11">
+            <a:extLst>
+              <a:ext uri="{FF2B5EF4-FFF2-40B4-BE49-F238E27FC236}">
+                <a16:creationId xmlns:a16="http://schemas.microsoft.com/office/drawing/2014/main" id="{FBA1BB58-7555-4382-B178-7ED04E137E77}"/>
+              </a:ext>
+            </a:extLst>
+          </p:cNvPr>
+          <p:cNvSpPr>
+            <a:spLocks noGrp="1"/>
+          </p:cNvSpPr>
+          <p:nvPr>
+            <p:ph type="sldNum" sz="quarter" idx="15"/>
+          </p:nvPr>
+        </p:nvSpPr>
+        <p:spPr/>
+        <p:txBody>
+          <a:bodyPr rtlCol="0"/>
+          <a:lstStyle/>
+          <a:p>
+            <a:pPr rtl="0"/>
+            <a:fld id="{8699F50C-BE38-4BD0-BA84-9B090E1F2B9B}" type="slidenum">
+              <a:rPr lang="it-IT" smtClean="0"/>
+              <a:pPr rtl="0"/>
+              <a:t>13</a:t>
+            </a:fld>
+            <a:endParaRPr lang="it-IT" dirty="0"/>
+          </a:p>
+        </p:txBody>
+      </p:sp>
+      <p:sp>
+        <p:nvSpPr>
+          <p:cNvPr id="36" name="Segnaposto contenuto 35">
+            <a:extLst>
+              <a:ext uri="{FF2B5EF4-FFF2-40B4-BE49-F238E27FC236}">
+                <a16:creationId xmlns:a16="http://schemas.microsoft.com/office/drawing/2014/main" id="{62CE44F0-C8FD-48B9-9CA6-8BD57169A19F}"/>
+              </a:ext>
+            </a:extLst>
+          </p:cNvPr>
+          <p:cNvSpPr>
+            <a:spLocks noGrp="1"/>
+          </p:cNvSpPr>
+          <p:nvPr>
+            <p:ph idx="1"/>
+          </p:nvPr>
+        </p:nvSpPr>
+        <p:spPr>
+          <a:xfrm>
+            <a:off x="531378" y="3129540"/>
+            <a:ext cx="7342622" cy="2958275"/>
+          </a:xfrm>
+        </p:spPr>
+        <p:txBody>
+          <a:bodyPr/>
+          <a:lstStyle/>
+          <a:p>
+            <a:r>
+              <a:rPr lang="it-IT" dirty="0"/>
+              <a:t>I moduli di alto livello non devono dipendere da moduli di basso livello. Entrambi dovrebbero dipendere da astrazioni.</a:t>
+            </a:r>
+          </a:p>
+          <a:p>
+            <a:r>
+              <a:rPr lang="it-IT" dirty="0"/>
+              <a:t>Abbiamo applicato il principio per evitare la dipendenza tra i moduli specificati in tabella</a:t>
+            </a:r>
+          </a:p>
+        </p:txBody>
+      </p:sp>
+    </p:spTree>
+    <p:extLst>
+      <p:ext uri="{BB962C8B-B14F-4D97-AF65-F5344CB8AC3E}">
+        <p14:creationId xmlns:p14="http://schemas.microsoft.com/office/powerpoint/2010/main" val="3059004474"/>
+      </p:ext>
+    </p:extLst>
+  </p:cSld>
+  <p:clrMapOvr>
+    <a:masterClrMapping/>
+  </p:clrMapOvr>
+</p:sld>
+</file>
+
+<file path=ppt/slides/slide14.xml><?xml version="1.0" encoding="utf-8"?>
+<p:sld xmlns:a="http://schemas.openxmlformats.org/drawingml/2006/main" xmlns:r="http://schemas.openxmlformats.org/officeDocument/2006/relationships" xmlns:p="http://schemas.openxmlformats.org/presentationml/2006/main">
+  <p:cSld>
+    <p:spTree>
+      <p:nvGrpSpPr>
+        <p:cNvPr id="1" name=""/>
+        <p:cNvGrpSpPr/>
+        <p:nvPr/>
+      </p:nvGrpSpPr>
+      <p:grpSpPr>
+        <a:xfrm>
+          <a:off x="0" y="0"/>
+          <a:ext cx="0" cy="0"/>
+          <a:chOff x="0" y="0"/>
+          <a:chExt cx="0" cy="0"/>
+        </a:xfrm>
+      </p:grpSpPr>
+      <p:sp>
+        <p:nvSpPr>
+          <p:cNvPr id="4" name="Titolo 3">
+            <a:extLst>
+              <a:ext uri="{FF2B5EF4-FFF2-40B4-BE49-F238E27FC236}">
+                <a16:creationId xmlns:a16="http://schemas.microsoft.com/office/drawing/2014/main" id="{1ABE11BF-33A5-4653-A144-CCCBACF58C30}"/>
+              </a:ext>
+            </a:extLst>
+          </p:cNvPr>
+          <p:cNvSpPr>
+            <a:spLocks noGrp="1"/>
+          </p:cNvSpPr>
+          <p:nvPr>
+            <p:ph type="title"/>
+          </p:nvPr>
+        </p:nvSpPr>
+        <p:spPr/>
+        <p:txBody>
+          <a:bodyPr rtlCol="0">
+            <a:normAutofit/>
+          </a:bodyPr>
+          <a:lstStyle/>
+          <a:p>
+            <a:r>
+              <a:rPr lang="it-IT" sz="4000" b="0" dirty="0"/>
+              <a:t>DIP (</a:t>
+            </a:r>
+            <a:r>
+              <a:rPr lang="it-IT" sz="4000" b="0" dirty="0" err="1"/>
+              <a:t>Dependency</a:t>
+            </a:r>
+            <a:r>
+              <a:rPr lang="it-IT" sz="4000" b="0" dirty="0"/>
+              <a:t> </a:t>
+            </a:r>
+            <a:r>
+              <a:rPr lang="it-IT" sz="4000" b="0" dirty="0" err="1"/>
+              <a:t>Inversion</a:t>
+            </a:r>
+            <a:r>
+              <a:rPr lang="it-IT" sz="4000" b="0" dirty="0"/>
+              <a:t> </a:t>
+            </a:r>
+            <a:r>
+              <a:rPr lang="it-IT" sz="4000" b="0" dirty="0" err="1"/>
+              <a:t>Principle</a:t>
+            </a:r>
+            <a:r>
+              <a:rPr lang="it-IT" sz="4000" b="0" dirty="0"/>
+              <a:t>)</a:t>
+            </a:r>
+          </a:p>
+        </p:txBody>
+      </p:sp>
+      <p:sp>
+        <p:nvSpPr>
+          <p:cNvPr id="9" name="Segnaposto testo 8">
+            <a:extLst>
+              <a:ext uri="{FF2B5EF4-FFF2-40B4-BE49-F238E27FC236}">
+                <a16:creationId xmlns:a16="http://schemas.microsoft.com/office/drawing/2014/main" id="{53469036-D1FB-4164-96AE-B6D8CECCFC96}"/>
+              </a:ext>
+            </a:extLst>
+          </p:cNvPr>
+          <p:cNvSpPr>
+            <a:spLocks noGrp="1"/>
+          </p:cNvSpPr>
+          <p:nvPr>
+            <p:ph type="body" sz="quarter" idx="13"/>
+          </p:nvPr>
+        </p:nvSpPr>
+        <p:spPr/>
+        <p:txBody>
+          <a:bodyPr rtlCol="0"/>
+          <a:lstStyle/>
+          <a:p>
+            <a:pPr rtl="0"/>
+            <a:r>
+              <a:rPr lang="it-IT" dirty="0"/>
+              <a:t>Pattern SOLID</a:t>
+            </a:r>
+          </a:p>
+        </p:txBody>
+      </p:sp>
+      <p:sp>
+        <p:nvSpPr>
+          <p:cNvPr id="11" name="Segnaposto piè di pagina 10">
+            <a:extLst>
+              <a:ext uri="{FF2B5EF4-FFF2-40B4-BE49-F238E27FC236}">
+                <a16:creationId xmlns:a16="http://schemas.microsoft.com/office/drawing/2014/main" id="{47F4D2C2-B71A-4089-A3FE-603C32706CA6}"/>
+              </a:ext>
+            </a:extLst>
+          </p:cNvPr>
+          <p:cNvSpPr>
+            <a:spLocks noGrp="1"/>
+          </p:cNvSpPr>
+          <p:nvPr>
+            <p:ph type="ftr" sz="quarter" idx="14"/>
+          </p:nvPr>
+        </p:nvSpPr>
+        <p:spPr/>
+        <p:txBody>
+          <a:bodyPr rtlCol="0"/>
+          <a:lstStyle/>
+          <a:p>
+            <a:pPr rtl="0"/>
+            <a:r>
+              <a:rPr lang="it-IT" dirty="0"/>
+              <a:t>Aggiungere un piè di pagina</a:t>
+            </a:r>
+          </a:p>
+        </p:txBody>
+      </p:sp>
+      <p:sp>
+        <p:nvSpPr>
+          <p:cNvPr id="12" name="Segnaposto numero diapositiva 11">
+            <a:extLst>
+              <a:ext uri="{FF2B5EF4-FFF2-40B4-BE49-F238E27FC236}">
+                <a16:creationId xmlns:a16="http://schemas.microsoft.com/office/drawing/2014/main" id="{FBA1BB58-7555-4382-B178-7ED04E137E77}"/>
+              </a:ext>
+            </a:extLst>
+          </p:cNvPr>
+          <p:cNvSpPr>
+            <a:spLocks noGrp="1"/>
+          </p:cNvSpPr>
+          <p:nvPr>
+            <p:ph type="sldNum" sz="quarter" idx="15"/>
+          </p:nvPr>
+        </p:nvSpPr>
+        <p:spPr/>
+        <p:txBody>
+          <a:bodyPr rtlCol="0"/>
+          <a:lstStyle/>
+          <a:p>
+            <a:pPr rtl="0"/>
+            <a:fld id="{8699F50C-BE38-4BD0-BA84-9B090E1F2B9B}" type="slidenum">
+              <a:rPr lang="it-IT" smtClean="0"/>
+              <a:pPr rtl="0"/>
+              <a:t>14</a:t>
+            </a:fld>
+            <a:endParaRPr lang="it-IT" dirty="0"/>
+          </a:p>
+        </p:txBody>
+      </p:sp>
+      <p:sp>
+        <p:nvSpPr>
+          <p:cNvPr id="36" name="Segnaposto contenuto 35">
+            <a:extLst>
+              <a:ext uri="{FF2B5EF4-FFF2-40B4-BE49-F238E27FC236}">
+                <a16:creationId xmlns:a16="http://schemas.microsoft.com/office/drawing/2014/main" id="{62CE44F0-C8FD-48B9-9CA6-8BD57169A19F}"/>
+              </a:ext>
+            </a:extLst>
+          </p:cNvPr>
+          <p:cNvSpPr>
+            <a:spLocks noGrp="1"/>
+          </p:cNvSpPr>
+          <p:nvPr>
+            <p:ph idx="1"/>
+          </p:nvPr>
+        </p:nvSpPr>
+        <p:spPr>
+          <a:xfrm>
+            <a:off x="531378" y="3129540"/>
+            <a:ext cx="7342622" cy="2958275"/>
+          </a:xfrm>
+        </p:spPr>
+        <p:txBody>
+          <a:bodyPr/>
+          <a:lstStyle/>
+          <a:p>
+            <a:pPr marL="0" indent="0">
+              <a:buNone/>
+            </a:pPr>
+            <a:endParaRPr lang="it-IT" dirty="0"/>
+          </a:p>
+        </p:txBody>
+      </p:sp>
+      <p:graphicFrame>
+        <p:nvGraphicFramePr>
+          <p:cNvPr id="8" name="Tabella 7">
+            <a:extLst>
+              <a:ext uri="{FF2B5EF4-FFF2-40B4-BE49-F238E27FC236}">
+                <a16:creationId xmlns:a16="http://schemas.microsoft.com/office/drawing/2014/main" id="{953EBF30-BE4C-4303-A40E-B6491A224F98}"/>
+              </a:ext>
+            </a:extLst>
+          </p:cNvPr>
+          <p:cNvGraphicFramePr>
+            <a:graphicFrameLocks noGrp="1"/>
+          </p:cNvGraphicFramePr>
+          <p:nvPr>
+            <p:extLst>
+              <p:ext uri="{D42A27DB-BD31-4B8C-83A1-F6EECF244321}">
+                <p14:modId xmlns:p14="http://schemas.microsoft.com/office/powerpoint/2010/main" val="1125601208"/>
+              </p:ext>
+            </p:extLst>
+          </p:nvPr>
+        </p:nvGraphicFramePr>
+        <p:xfrm>
+          <a:off x="531378" y="3496157"/>
+          <a:ext cx="8128000" cy="1112520"/>
+        </p:xfrm>
+        <a:graphic>
+          <a:graphicData uri="http://schemas.openxmlformats.org/drawingml/2006/table">
+            <a:tbl>
+              <a:tblPr firstRow="1" bandRow="1">
+                <a:tableStyleId>{5C22544A-7EE6-4342-B048-85BDC9FD1C3A}</a:tableStyleId>
+              </a:tblPr>
+              <a:tblGrid>
+                <a:gridCol w="4064000">
+                  <a:extLst>
+                    <a:ext uri="{9D8B030D-6E8A-4147-A177-3AD203B41FA5}">
+                      <a16:colId xmlns:a16="http://schemas.microsoft.com/office/drawing/2014/main" val="2881160842"/>
+                    </a:ext>
+                  </a:extLst>
+                </a:gridCol>
+                <a:gridCol w="4064000">
+                  <a:extLst>
+                    <a:ext uri="{9D8B030D-6E8A-4147-A177-3AD203B41FA5}">
+                      <a16:colId xmlns:a16="http://schemas.microsoft.com/office/drawing/2014/main" val="2116922778"/>
+                    </a:ext>
+                  </a:extLst>
+                </a:gridCol>
+              </a:tblGrid>
+              <a:tr h="370840">
+                <a:tc>
+                  <a:txBody>
+                    <a:bodyPr/>
+                    <a:lstStyle/>
+                    <a:p>
+                      <a:r>
+                        <a:rPr lang="it-IT" dirty="0"/>
+                        <a:t>Alto livello</a:t>
+                      </a:r>
+                    </a:p>
+                  </a:txBody>
+                  <a:tcPr/>
+                </a:tc>
+                <a:tc>
+                  <a:txBody>
+                    <a:bodyPr/>
+                    <a:lstStyle/>
+                    <a:p>
+                      <a:r>
+                        <a:rPr lang="it-IT" dirty="0"/>
+                        <a:t>Basso livello</a:t>
+                      </a:r>
+                    </a:p>
+                  </a:txBody>
+                  <a:tcPr/>
+                </a:tc>
+                <a:extLst>
+                  <a:ext uri="{0D108BD9-81ED-4DB2-BD59-A6C34878D82A}">
+                    <a16:rowId xmlns:a16="http://schemas.microsoft.com/office/drawing/2014/main" val="1314403861"/>
+                  </a:ext>
+                </a:extLst>
+              </a:tr>
+              <a:tr h="370840">
+                <a:tc>
+                  <a:txBody>
+                    <a:bodyPr/>
+                    <a:lstStyle/>
+                    <a:p>
+                      <a:r>
+                        <a:rPr lang="it-IT" dirty="0" err="1"/>
+                        <a:t>ProposalHandler</a:t>
+                      </a:r>
+                      <a:endParaRPr lang="it-IT" dirty="0"/>
+                    </a:p>
+                  </a:txBody>
+                  <a:tcPr/>
+                </a:tc>
+                <a:tc>
+                  <a:txBody>
+                    <a:bodyPr/>
+                    <a:lstStyle/>
+                    <a:p>
+                      <a:r>
+                        <a:rPr lang="it-IT" dirty="0" err="1"/>
+                        <a:t>Proposal</a:t>
+                      </a:r>
+                      <a:endParaRPr lang="it-IT" dirty="0"/>
+                    </a:p>
+                  </a:txBody>
+                  <a:tcPr/>
+                </a:tc>
+                <a:extLst>
+                  <a:ext uri="{0D108BD9-81ED-4DB2-BD59-A6C34878D82A}">
+                    <a16:rowId xmlns:a16="http://schemas.microsoft.com/office/drawing/2014/main" val="3325247193"/>
+                  </a:ext>
+                </a:extLst>
+              </a:tr>
+              <a:tr h="370840">
+                <a:tc>
+                  <a:txBody>
+                    <a:bodyPr/>
+                    <a:lstStyle/>
+                    <a:p>
+                      <a:r>
+                        <a:rPr lang="it-IT" dirty="0" err="1"/>
+                        <a:t>Proposal</a:t>
+                      </a:r>
+                      <a:endParaRPr lang="it-IT" dirty="0"/>
+                    </a:p>
+                  </a:txBody>
+                  <a:tcPr/>
+                </a:tc>
+                <a:tc>
+                  <a:txBody>
+                    <a:bodyPr/>
+                    <a:lstStyle/>
+                    <a:p>
+                      <a:r>
+                        <a:rPr lang="it-IT" dirty="0" err="1"/>
+                        <a:t>Category</a:t>
+                      </a:r>
+                      <a:endParaRPr lang="it-IT" dirty="0"/>
+                    </a:p>
+                  </a:txBody>
+                  <a:tcPr/>
+                </a:tc>
+                <a:extLst>
+                  <a:ext uri="{0D108BD9-81ED-4DB2-BD59-A6C34878D82A}">
+                    <a16:rowId xmlns:a16="http://schemas.microsoft.com/office/drawing/2014/main" val="1463158918"/>
+                  </a:ext>
+                </a:extLst>
+              </a:tr>
+            </a:tbl>
+          </a:graphicData>
+        </a:graphic>
+      </p:graphicFrame>
+    </p:spTree>
+    <p:extLst>
+      <p:ext uri="{BB962C8B-B14F-4D97-AF65-F5344CB8AC3E}">
+        <p14:creationId xmlns:p14="http://schemas.microsoft.com/office/powerpoint/2010/main" val="1130704488"/>
+      </p:ext>
+    </p:extLst>
+  </p:cSld>
+  <p:clrMapOvr>
+    <a:masterClrMapping/>
+  </p:clrMapOvr>
+</p:sld>
+</file>
+
+<file path=ppt/slides/slide15.xml><?xml version="1.0" encoding="utf-8"?>
+<p:sld xmlns:a="http://schemas.openxmlformats.org/drawingml/2006/main" xmlns:r="http://schemas.openxmlformats.org/officeDocument/2006/relationships" xmlns:p="http://schemas.openxmlformats.org/presentationml/2006/main">
+  <p:cSld>
+    <p:spTree>
+      <p:nvGrpSpPr>
+        <p:cNvPr id="1" name=""/>
+        <p:cNvGrpSpPr/>
+        <p:nvPr/>
+      </p:nvGrpSpPr>
+      <p:grpSpPr>
+        <a:xfrm>
+          <a:off x="0" y="0"/>
+          <a:ext cx="0" cy="0"/>
+          <a:chOff x="0" y="0"/>
+          <a:chExt cx="0" cy="0"/>
+        </a:xfrm>
+      </p:grpSpPr>
+      <p:sp>
+        <p:nvSpPr>
+          <p:cNvPr id="4" name="Titolo 3">
+            <a:extLst>
+              <a:ext uri="{FF2B5EF4-FFF2-40B4-BE49-F238E27FC236}">
+                <a16:creationId xmlns:a16="http://schemas.microsoft.com/office/drawing/2014/main" id="{1ABE11BF-33A5-4653-A144-CCCBACF58C30}"/>
+              </a:ext>
+            </a:extLst>
+          </p:cNvPr>
+          <p:cNvSpPr>
+            <a:spLocks noGrp="1"/>
+          </p:cNvSpPr>
+          <p:nvPr>
+            <p:ph type="title"/>
+          </p:nvPr>
+        </p:nvSpPr>
+        <p:spPr/>
+        <p:txBody>
+          <a:bodyPr rtlCol="0">
+            <a:normAutofit/>
+          </a:bodyPr>
+          <a:lstStyle/>
+          <a:p>
+            <a:r>
+              <a:rPr lang="it-IT" b="0" dirty="0"/>
+              <a:t>State</a:t>
+            </a:r>
+          </a:p>
+        </p:txBody>
+      </p:sp>
+      <p:sp>
+        <p:nvSpPr>
+          <p:cNvPr id="9" name="Segnaposto testo 8">
+            <a:extLst>
+              <a:ext uri="{FF2B5EF4-FFF2-40B4-BE49-F238E27FC236}">
+                <a16:creationId xmlns:a16="http://schemas.microsoft.com/office/drawing/2014/main" id="{53469036-D1FB-4164-96AE-B6D8CECCFC96}"/>
+              </a:ext>
+            </a:extLst>
+          </p:cNvPr>
+          <p:cNvSpPr>
+            <a:spLocks noGrp="1"/>
+          </p:cNvSpPr>
+          <p:nvPr>
+            <p:ph type="body" sz="quarter" idx="13"/>
+          </p:nvPr>
+        </p:nvSpPr>
+        <p:spPr/>
+        <p:txBody>
+          <a:bodyPr rtlCol="0"/>
+          <a:lstStyle/>
+          <a:p>
+            <a:pPr rtl="0"/>
+            <a:r>
+              <a:rPr lang="it-IT" dirty="0"/>
+              <a:t>Pattern </a:t>
+            </a:r>
+            <a:r>
+              <a:rPr lang="it-IT" dirty="0" err="1"/>
+              <a:t>GoF</a:t>
+            </a:r>
+            <a:endParaRPr lang="it-IT" dirty="0"/>
+          </a:p>
+        </p:txBody>
+      </p:sp>
+      <p:sp>
+        <p:nvSpPr>
+          <p:cNvPr id="7" name="Segnaposto contenuto 6">
+            <a:extLst>
+              <a:ext uri="{FF2B5EF4-FFF2-40B4-BE49-F238E27FC236}">
+                <a16:creationId xmlns:a16="http://schemas.microsoft.com/office/drawing/2014/main" id="{2482DBEC-EE72-4155-ACC5-87E80C5606A9}"/>
+              </a:ext>
+            </a:extLst>
+          </p:cNvPr>
+          <p:cNvSpPr>
+            <a:spLocks noGrp="1"/>
+          </p:cNvSpPr>
+          <p:nvPr>
+            <p:ph idx="1"/>
+          </p:nvPr>
+        </p:nvSpPr>
+        <p:spPr>
+          <a:xfrm>
+            <a:off x="531378" y="3129540"/>
+            <a:ext cx="6856558" cy="2958275"/>
+          </a:xfrm>
+        </p:spPr>
+        <p:txBody>
+          <a:bodyPr rtlCol="0">
+            <a:normAutofit/>
+          </a:bodyPr>
+          <a:lstStyle/>
+          <a:p>
+            <a:pPr marL="0" indent="0">
+              <a:buNone/>
+            </a:pPr>
+            <a:endParaRPr lang="it-IT" i="1" dirty="0"/>
+          </a:p>
+        </p:txBody>
+      </p:sp>
+      <p:sp>
+        <p:nvSpPr>
+          <p:cNvPr id="11" name="Segnaposto piè di pagina 10">
+            <a:extLst>
+              <a:ext uri="{FF2B5EF4-FFF2-40B4-BE49-F238E27FC236}">
+                <a16:creationId xmlns:a16="http://schemas.microsoft.com/office/drawing/2014/main" id="{47F4D2C2-B71A-4089-A3FE-603C32706CA6}"/>
+              </a:ext>
+            </a:extLst>
+          </p:cNvPr>
+          <p:cNvSpPr>
+            <a:spLocks noGrp="1"/>
+          </p:cNvSpPr>
+          <p:nvPr>
+            <p:ph type="ftr" sz="quarter" idx="14"/>
+          </p:nvPr>
+        </p:nvSpPr>
+        <p:spPr/>
+        <p:txBody>
+          <a:bodyPr rtlCol="0"/>
+          <a:lstStyle/>
+          <a:p>
+            <a:pPr rtl="0"/>
+            <a:r>
+              <a:rPr lang="it-IT" dirty="0"/>
+              <a:t>Aggiungere un piè di pagina</a:t>
+            </a:r>
+          </a:p>
+        </p:txBody>
+      </p:sp>
+      <p:sp>
+        <p:nvSpPr>
+          <p:cNvPr id="12" name="Segnaposto numero diapositiva 11">
+            <a:extLst>
+              <a:ext uri="{FF2B5EF4-FFF2-40B4-BE49-F238E27FC236}">
+                <a16:creationId xmlns:a16="http://schemas.microsoft.com/office/drawing/2014/main" id="{FBA1BB58-7555-4382-B178-7ED04E137E77}"/>
+              </a:ext>
+            </a:extLst>
+          </p:cNvPr>
+          <p:cNvSpPr>
+            <a:spLocks noGrp="1"/>
+          </p:cNvSpPr>
+          <p:nvPr>
+            <p:ph type="sldNum" sz="quarter" idx="15"/>
+          </p:nvPr>
+        </p:nvSpPr>
+        <p:spPr/>
+        <p:txBody>
+          <a:bodyPr rtlCol="0"/>
+          <a:lstStyle/>
+          <a:p>
+            <a:pPr rtl="0"/>
+            <a:fld id="{8699F50C-BE38-4BD0-BA84-9B090E1F2B9B}" type="slidenum">
+              <a:rPr lang="it-IT" smtClean="0"/>
+              <a:pPr rtl="0"/>
+              <a:t>15</a:t>
+            </a:fld>
+            <a:endParaRPr lang="it-IT" dirty="0"/>
+          </a:p>
+        </p:txBody>
+      </p:sp>
+    </p:spTree>
+    <p:extLst>
+      <p:ext uri="{BB962C8B-B14F-4D97-AF65-F5344CB8AC3E}">
+        <p14:creationId xmlns:p14="http://schemas.microsoft.com/office/powerpoint/2010/main" val="91889829"/>
+      </p:ext>
+    </p:extLst>
+  </p:cSld>
+  <p:clrMapOvr>
+    <a:masterClrMapping/>
+  </p:clrMapOvr>
+</p:sld>
+</file>
+
+<file path=ppt/slides/slide16.xml><?xml version="1.0" encoding="utf-8"?>
+<p:sld xmlns:a="http://schemas.openxmlformats.org/drawingml/2006/main" xmlns:r="http://schemas.openxmlformats.org/officeDocument/2006/relationships" xmlns:p="http://schemas.openxmlformats.org/presentationml/2006/main">
+  <p:cSld>
+    <p:spTree>
+      <p:nvGrpSpPr>
+        <p:cNvPr id="1" name=""/>
+        <p:cNvGrpSpPr/>
+        <p:nvPr/>
+      </p:nvGrpSpPr>
+      <p:grpSpPr>
+        <a:xfrm>
+          <a:off x="0" y="0"/>
+          <a:ext cx="0" cy="0"/>
+          <a:chOff x="0" y="0"/>
+          <a:chExt cx="0" cy="0"/>
+        </a:xfrm>
+      </p:grpSpPr>
+      <p:sp>
+        <p:nvSpPr>
+          <p:cNvPr id="41" name="Titolo 3">
+            <a:extLst>
+              <a:ext uri="{FF2B5EF4-FFF2-40B4-BE49-F238E27FC236}">
+                <a16:creationId xmlns:a16="http://schemas.microsoft.com/office/drawing/2014/main" id="{1ABD613F-111C-41D6-9F8E-8B2C42A5E047}"/>
+              </a:ext>
+            </a:extLst>
+          </p:cNvPr>
+          <p:cNvSpPr>
+            <a:spLocks noGrp="1"/>
+          </p:cNvSpPr>
+          <p:nvPr>
+            <p:ph type="title"/>
+          </p:nvPr>
+        </p:nvSpPr>
+        <p:spPr/>
+        <p:txBody>
+          <a:bodyPr rtlCol="0"/>
+          <a:lstStyle/>
+          <a:p>
+            <a:pPr rtl="0"/>
+            <a:r>
+              <a:rPr lang="it-IT" dirty="0"/>
+              <a:t>Chi </a:t>
+            </a:r>
+            <a:r>
+              <a:rPr lang="it-IT" b="0" dirty="0"/>
+              <a:t>siamo</a:t>
+            </a:r>
+          </a:p>
+        </p:txBody>
+      </p:sp>
+      <p:sp>
+        <p:nvSpPr>
+          <p:cNvPr id="43" name="Segnaposto testo 8">
+            <a:extLst>
+              <a:ext uri="{FF2B5EF4-FFF2-40B4-BE49-F238E27FC236}">
+                <a16:creationId xmlns:a16="http://schemas.microsoft.com/office/drawing/2014/main" id="{EA7C22CB-613A-4C0B-90B3-4A405F793D3C}"/>
+              </a:ext>
+            </a:extLst>
+          </p:cNvPr>
+          <p:cNvSpPr>
+            <a:spLocks noGrp="1"/>
+          </p:cNvSpPr>
+          <p:nvPr>
+            <p:ph type="body" sz="quarter" idx="13"/>
+          </p:nvPr>
+        </p:nvSpPr>
+        <p:spPr/>
+        <p:txBody>
+          <a:bodyPr rtlCol="0"/>
+          <a:lstStyle/>
+          <a:p>
+            <a:pPr rtl="0"/>
+            <a:r>
+              <a:rPr lang="it-IT" dirty="0"/>
+              <a:t>LOREM IPSUM DOLOR SIT AMET</a:t>
+            </a:r>
+          </a:p>
+        </p:txBody>
+      </p:sp>
+      <p:sp>
+        <p:nvSpPr>
+          <p:cNvPr id="42" name="Segnaposto contenuto 6">
+            <a:extLst>
+              <a:ext uri="{FF2B5EF4-FFF2-40B4-BE49-F238E27FC236}">
+                <a16:creationId xmlns:a16="http://schemas.microsoft.com/office/drawing/2014/main" id="{55EACD59-7C51-4810-94C6-BCB4D12346DC}"/>
+              </a:ext>
+            </a:extLst>
+          </p:cNvPr>
+          <p:cNvSpPr>
+            <a:spLocks noGrp="1"/>
+          </p:cNvSpPr>
+          <p:nvPr>
+            <p:ph idx="1"/>
+          </p:nvPr>
+        </p:nvSpPr>
+        <p:spPr/>
+        <p:txBody>
+          <a:bodyPr rtlCol="0">
+            <a:normAutofit fontScale="92500"/>
+          </a:bodyPr>
+          <a:lstStyle/>
+          <a:p>
+            <a:pPr lvl="0" rtl="0"/>
+            <a:r>
+              <a:rPr lang="it-IT" dirty="0" err="1"/>
+              <a:t>Lorem</a:t>
+            </a:r>
+            <a:r>
+              <a:rPr lang="it-IT" dirty="0"/>
+              <a:t> </a:t>
+            </a:r>
+            <a:r>
+              <a:rPr lang="it-IT" dirty="0" err="1"/>
+              <a:t>ipsum</a:t>
+            </a:r>
+            <a:r>
+              <a:rPr lang="it-IT" dirty="0"/>
+              <a:t> </a:t>
+            </a:r>
+            <a:r>
+              <a:rPr lang="it-IT" dirty="0" err="1"/>
+              <a:t>dolor</a:t>
+            </a:r>
+            <a:r>
+              <a:rPr lang="it-IT" dirty="0"/>
+              <a:t> </a:t>
+            </a:r>
+            <a:r>
+              <a:rPr lang="it-IT" dirty="0" err="1"/>
+              <a:t>sit</a:t>
+            </a:r>
+            <a:r>
+              <a:rPr lang="it-IT" dirty="0"/>
+              <a:t> </a:t>
+            </a:r>
+            <a:r>
+              <a:rPr lang="it-IT" dirty="0" err="1"/>
+              <a:t>amet</a:t>
+            </a:r>
+            <a:r>
+              <a:rPr lang="it-IT" dirty="0"/>
+              <a:t>, </a:t>
+            </a:r>
+            <a:r>
+              <a:rPr lang="it-IT" dirty="0" err="1"/>
+              <a:t>consectetur</a:t>
+            </a:r>
+            <a:r>
+              <a:rPr lang="it-IT" dirty="0"/>
+              <a:t> </a:t>
+            </a:r>
+            <a:r>
+              <a:rPr lang="it-IT" dirty="0" err="1"/>
+              <a:t>adipiscing</a:t>
+            </a:r>
+            <a:r>
+              <a:rPr lang="it-IT" dirty="0"/>
+              <a:t> </a:t>
+            </a:r>
+            <a:r>
+              <a:rPr lang="it-IT" dirty="0" err="1"/>
+              <a:t>elit</a:t>
+            </a:r>
+            <a:r>
+              <a:rPr lang="it-IT" dirty="0"/>
+              <a:t>. </a:t>
+            </a:r>
+          </a:p>
+          <a:p>
+            <a:pPr lvl="0" rtl="0"/>
+            <a:r>
+              <a:rPr lang="it-IT" dirty="0"/>
+              <a:t>Ut </a:t>
+            </a:r>
+            <a:r>
+              <a:rPr lang="it-IT" dirty="0" err="1"/>
+              <a:t>fermentum</a:t>
+            </a:r>
+            <a:r>
+              <a:rPr lang="it-IT" dirty="0"/>
+              <a:t> a magna ut </a:t>
+            </a:r>
+            <a:r>
+              <a:rPr lang="it-IT" dirty="0" err="1"/>
+              <a:t>eleifend</a:t>
+            </a:r>
+            <a:r>
+              <a:rPr lang="it-IT" dirty="0"/>
+              <a:t>. </a:t>
+            </a:r>
+            <a:r>
+              <a:rPr lang="it-IT" dirty="0" err="1"/>
+              <a:t>Integer</a:t>
+            </a:r>
+            <a:r>
+              <a:rPr lang="it-IT" dirty="0"/>
+              <a:t> </a:t>
+            </a:r>
+            <a:r>
+              <a:rPr lang="it-IT" dirty="0" err="1"/>
+              <a:t>convallis</a:t>
+            </a:r>
+            <a:r>
+              <a:rPr lang="it-IT" dirty="0"/>
+              <a:t> </a:t>
+            </a:r>
+            <a:r>
+              <a:rPr lang="it-IT" dirty="0" err="1"/>
+              <a:t>suscipit</a:t>
+            </a:r>
+            <a:r>
+              <a:rPr lang="it-IT" dirty="0"/>
+              <a:t> ante </a:t>
+            </a:r>
+            <a:r>
+              <a:rPr lang="it-IT" dirty="0" err="1"/>
+              <a:t>eu</a:t>
+            </a:r>
+            <a:r>
+              <a:rPr lang="it-IT" dirty="0"/>
+              <a:t> </a:t>
+            </a:r>
+            <a:r>
+              <a:rPr lang="it-IT" dirty="0" err="1"/>
+              <a:t>varius</a:t>
+            </a:r>
+            <a:r>
+              <a:rPr lang="it-IT" dirty="0"/>
+              <a:t>. </a:t>
+            </a:r>
+          </a:p>
+          <a:p>
+            <a:pPr lvl="0" rtl="0"/>
+            <a:r>
+              <a:rPr lang="it-IT" dirty="0"/>
+              <a:t>Morbi a </a:t>
+            </a:r>
+            <a:r>
+              <a:rPr lang="it-IT" dirty="0" err="1"/>
+              <a:t>purus</a:t>
+            </a:r>
+            <a:r>
+              <a:rPr lang="it-IT" dirty="0"/>
+              <a:t> </a:t>
+            </a:r>
+            <a:r>
+              <a:rPr lang="it-IT" dirty="0" err="1"/>
+              <a:t>dolor</a:t>
+            </a:r>
+            <a:r>
+              <a:rPr lang="it-IT" dirty="0"/>
+              <a:t>. </a:t>
+            </a:r>
+            <a:r>
+              <a:rPr lang="it-IT" dirty="0" err="1"/>
+              <a:t>Suspendisse</a:t>
+            </a:r>
+            <a:r>
+              <a:rPr lang="it-IT" dirty="0"/>
+              <a:t> </a:t>
+            </a:r>
+            <a:r>
+              <a:rPr lang="it-IT" dirty="0" err="1"/>
+              <a:t>sit</a:t>
+            </a:r>
+            <a:r>
+              <a:rPr lang="it-IT" dirty="0"/>
+              <a:t> </a:t>
+            </a:r>
+            <a:r>
+              <a:rPr lang="it-IT" dirty="0" err="1"/>
+              <a:t>amet</a:t>
+            </a:r>
+            <a:r>
+              <a:rPr lang="it-IT" dirty="0"/>
+              <a:t> </a:t>
+            </a:r>
+            <a:r>
+              <a:rPr lang="it-IT" dirty="0" err="1"/>
+              <a:t>ipsum</a:t>
+            </a:r>
+            <a:r>
+              <a:rPr lang="it-IT" dirty="0"/>
+              <a:t> </a:t>
+            </a:r>
+            <a:r>
+              <a:rPr lang="it-IT" dirty="0" err="1"/>
+              <a:t>finibus</a:t>
+            </a:r>
+            <a:r>
+              <a:rPr lang="it-IT" dirty="0"/>
+              <a:t> </a:t>
+            </a:r>
+            <a:r>
+              <a:rPr lang="it-IT" dirty="0" err="1"/>
+              <a:t>justo</a:t>
+            </a:r>
+            <a:r>
+              <a:rPr lang="it-IT" dirty="0"/>
+              <a:t> viverra </a:t>
+            </a:r>
+            <a:r>
+              <a:rPr lang="it-IT" dirty="0" err="1"/>
+              <a:t>blandit</a:t>
+            </a:r>
+            <a:r>
+              <a:rPr lang="it-IT" dirty="0"/>
+              <a:t>. </a:t>
+            </a:r>
+          </a:p>
+          <a:p>
+            <a:pPr lvl="0" rtl="0"/>
+            <a:r>
+              <a:rPr lang="it-IT" dirty="0"/>
+              <a:t>Ut </a:t>
+            </a:r>
+            <a:r>
+              <a:rPr lang="it-IT" dirty="0" err="1"/>
+              <a:t>congue</a:t>
+            </a:r>
+            <a:r>
+              <a:rPr lang="it-IT" dirty="0"/>
+              <a:t> </a:t>
+            </a:r>
+            <a:r>
+              <a:rPr lang="it-IT" dirty="0" err="1"/>
+              <a:t>quis</a:t>
+            </a:r>
+            <a:r>
+              <a:rPr lang="it-IT" dirty="0"/>
+              <a:t> </a:t>
+            </a:r>
+            <a:r>
+              <a:rPr lang="it-IT" dirty="0" err="1"/>
+              <a:t>tortor</a:t>
+            </a:r>
+            <a:r>
+              <a:rPr lang="it-IT" dirty="0"/>
+              <a:t> </a:t>
+            </a:r>
+            <a:r>
+              <a:rPr lang="it-IT" dirty="0" err="1"/>
+              <a:t>eget</a:t>
+            </a:r>
+            <a:r>
+              <a:rPr lang="it-IT" dirty="0"/>
+              <a:t> </a:t>
+            </a:r>
+            <a:r>
+              <a:rPr lang="it-IT" dirty="0" err="1"/>
+              <a:t>sodales</a:t>
+            </a:r>
+            <a:r>
+              <a:rPr lang="it-IT" dirty="0"/>
+              <a:t>. </a:t>
+            </a:r>
+          </a:p>
+        </p:txBody>
+      </p:sp>
+      <p:pic>
+        <p:nvPicPr>
+          <p:cNvPr id="59" name="Segnaposto immagine 58" title="Edifici">
+            <a:extLst>
+              <a:ext uri="{FF2B5EF4-FFF2-40B4-BE49-F238E27FC236}">
+                <a16:creationId xmlns:a16="http://schemas.microsoft.com/office/drawing/2014/main" id="{3FCCC668-2247-4814-9CC5-9C5D4B447AA3}"/>
+              </a:ext>
+            </a:extLst>
+          </p:cNvPr>
+          <p:cNvPicPr>
+            <a:picLocks noGrp="1" noChangeAspect="1"/>
+          </p:cNvPicPr>
+          <p:nvPr>
+            <p:ph type="pic" sz="quarter" idx="14"/>
+          </p:nvPr>
+        </p:nvPicPr>
+        <p:blipFill>
+          <a:blip r:embed="rId3"/>
+          <a:srcRect l="13492" r="13492"/>
+          <a:stretch>
+            <a:fillRect/>
+          </a:stretch>
+        </p:blipFill>
+        <p:spPr/>
+      </p:pic>
+      <p:sp>
+        <p:nvSpPr>
+          <p:cNvPr id="35" name="Segnaposto piè di pagina 34">
+            <a:extLst>
+              <a:ext uri="{FF2B5EF4-FFF2-40B4-BE49-F238E27FC236}">
+                <a16:creationId xmlns:a16="http://schemas.microsoft.com/office/drawing/2014/main" id="{6390A22B-EC07-E942-A46F-F36FDD7FDB9D}"/>
+              </a:ext>
+            </a:extLst>
+          </p:cNvPr>
+          <p:cNvSpPr>
+            <a:spLocks noGrp="1"/>
+          </p:cNvSpPr>
+          <p:nvPr>
+            <p:ph type="ftr" sz="quarter" idx="15"/>
+          </p:nvPr>
+        </p:nvSpPr>
+        <p:spPr/>
+        <p:txBody>
+          <a:bodyPr rtlCol="0"/>
+          <a:lstStyle/>
+          <a:p>
+            <a:pPr rtl="0"/>
+            <a:r>
+              <a:rPr lang="it-IT" dirty="0"/>
+              <a:t>Aggiungere un piè di pagina</a:t>
+            </a:r>
+          </a:p>
+        </p:txBody>
+      </p:sp>
+      <p:sp>
+        <p:nvSpPr>
+          <p:cNvPr id="10" name="Segnaposto numero diapositiva 9">
+            <a:extLst>
+              <a:ext uri="{FF2B5EF4-FFF2-40B4-BE49-F238E27FC236}">
+                <a16:creationId xmlns:a16="http://schemas.microsoft.com/office/drawing/2014/main" id="{A267D224-5586-43DC-82CA-8605E158298B}"/>
+              </a:ext>
+            </a:extLst>
+          </p:cNvPr>
+          <p:cNvSpPr>
+            <a:spLocks noGrp="1"/>
+          </p:cNvSpPr>
+          <p:nvPr>
+            <p:ph type="sldNum" sz="quarter" idx="16"/>
+          </p:nvPr>
+        </p:nvSpPr>
+        <p:spPr/>
+        <p:txBody>
+          <a:bodyPr rtlCol="0"/>
+          <a:lstStyle/>
+          <a:p>
+            <a:pPr rtl="0"/>
+            <a:fld id="{8699F50C-BE38-4BD0-BA84-9B090E1F2B9B}" type="slidenum">
+              <a:rPr lang="it-IT" smtClean="0"/>
+              <a:pPr rtl="0"/>
+              <a:t>16</a:t>
+            </a:fld>
+            <a:endParaRPr lang="it-IT" dirty="0"/>
+          </a:p>
+        </p:txBody>
+      </p:sp>
+    </p:spTree>
+    <p:extLst>
+      <p:ext uri="{BB962C8B-B14F-4D97-AF65-F5344CB8AC3E}">
+        <p14:creationId xmlns:p14="http://schemas.microsoft.com/office/powerpoint/2010/main" val="3205466602"/>
+      </p:ext>
+    </p:extLst>
+  </p:cSld>
+  <p:clrMapOvr>
+    <a:masterClrMapping/>
+  </p:clrMapOvr>
+</p:sld>
+</file>
+
+<file path=ppt/slides/slide17.xml><?xml version="1.0" encoding="utf-8"?>
+<p:sld xmlns:a="http://schemas.openxmlformats.org/drawingml/2006/main" xmlns:r="http://schemas.openxmlformats.org/officeDocument/2006/relationships" xmlns:p="http://schemas.openxmlformats.org/presentationml/2006/main">
+  <p:cSld>
+    <p:spTree>
+      <p:nvGrpSpPr>
+        <p:cNvPr id="1" name=""/>
+        <p:cNvGrpSpPr/>
+        <p:nvPr/>
+      </p:nvGrpSpPr>
+      <p:grpSpPr>
+        <a:xfrm>
+          <a:off x="0" y="0"/>
+          <a:ext cx="0" cy="0"/>
+          <a:chOff x="0" y="0"/>
+          <a:chExt cx="0" cy="0"/>
+        </a:xfrm>
+      </p:grpSpPr>
+      <p:sp>
+        <p:nvSpPr>
+          <p:cNvPr id="14" name="Titolo 13">
+            <a:extLst>
+              <a:ext uri="{FF2B5EF4-FFF2-40B4-BE49-F238E27FC236}">
+                <a16:creationId xmlns:a16="http://schemas.microsoft.com/office/drawing/2014/main" id="{E3E5EE03-FBF6-46F5-8085-716AC6CE1C8C}"/>
+              </a:ext>
+            </a:extLst>
+          </p:cNvPr>
+          <p:cNvSpPr>
+            <a:spLocks noGrp="1"/>
+          </p:cNvSpPr>
+          <p:nvPr>
+            <p:ph type="title"/>
+          </p:nvPr>
+        </p:nvSpPr>
+        <p:spPr/>
+        <p:txBody>
+          <a:bodyPr rtlCol="0"/>
+          <a:lstStyle/>
+          <a:p>
+            <a:pPr rtl="0"/>
+            <a:r>
+              <a:rPr lang="it-IT" dirty="0"/>
+              <a:t>La nostra </a:t>
+            </a:r>
+            <a:r>
+              <a:rPr lang="it-IT" b="0" dirty="0"/>
+              <a:t>missione</a:t>
+            </a:r>
+          </a:p>
+        </p:txBody>
+      </p:sp>
+      <p:sp>
+        <p:nvSpPr>
+          <p:cNvPr id="19" name="Segnaposto testo 18">
+            <a:extLst>
+              <a:ext uri="{FF2B5EF4-FFF2-40B4-BE49-F238E27FC236}">
+                <a16:creationId xmlns:a16="http://schemas.microsoft.com/office/drawing/2014/main" id="{DFE11F38-F66B-4F95-8224-6CCA69D57617}"/>
+              </a:ext>
+            </a:extLst>
+          </p:cNvPr>
+          <p:cNvSpPr>
+            <a:spLocks noGrp="1"/>
+          </p:cNvSpPr>
+          <p:nvPr>
+            <p:ph type="body" sz="quarter" idx="16"/>
+          </p:nvPr>
+        </p:nvSpPr>
+        <p:spPr/>
+        <p:txBody>
+          <a:bodyPr rtlCol="0"/>
+          <a:lstStyle/>
+          <a:p>
+            <a:pPr rtl="0"/>
+            <a:r>
+              <a:rPr lang="it-IT" dirty="0"/>
+              <a:t>LOREM IPSUM DOLOR SIT AMET</a:t>
+            </a:r>
+          </a:p>
+        </p:txBody>
+      </p:sp>
+      <p:sp>
+        <p:nvSpPr>
+          <p:cNvPr id="15" name="Segnaposto testo 14">
+            <a:extLst>
+              <a:ext uri="{FF2B5EF4-FFF2-40B4-BE49-F238E27FC236}">
+                <a16:creationId xmlns:a16="http://schemas.microsoft.com/office/drawing/2014/main" id="{24E18385-8BEA-4522-ABAA-5AB38F0D4FC2}"/>
+              </a:ext>
+            </a:extLst>
+          </p:cNvPr>
+          <p:cNvSpPr>
+            <a:spLocks noGrp="1"/>
+          </p:cNvSpPr>
+          <p:nvPr>
+            <p:ph type="body" idx="1"/>
+          </p:nvPr>
+        </p:nvSpPr>
+        <p:spPr/>
+        <p:txBody>
+          <a:bodyPr rtlCol="0"/>
+          <a:lstStyle/>
+          <a:p>
+            <a:pPr rtl="0"/>
+            <a:r>
+              <a:rPr lang="it-IT" dirty="0"/>
+              <a:t>Nome società</a:t>
+            </a:r>
+          </a:p>
+        </p:txBody>
+      </p:sp>
+      <p:sp>
+        <p:nvSpPr>
+          <p:cNvPr id="16" name="Segnaposto contenuto 15">
+            <a:extLst>
+              <a:ext uri="{FF2B5EF4-FFF2-40B4-BE49-F238E27FC236}">
+                <a16:creationId xmlns:a16="http://schemas.microsoft.com/office/drawing/2014/main" id="{1DCFA8A2-3FB8-48CA-933D-0800A9D2A2A2}"/>
+              </a:ext>
+            </a:extLst>
+          </p:cNvPr>
+          <p:cNvSpPr>
+            <a:spLocks noGrp="1"/>
+          </p:cNvSpPr>
+          <p:nvPr>
+            <p:ph sz="half" idx="13"/>
+          </p:nvPr>
+        </p:nvSpPr>
+        <p:spPr/>
+        <p:txBody>
+          <a:bodyPr rtlCol="0"/>
+          <a:lstStyle/>
+          <a:p>
+            <a:pPr rtl="0">
+              <a:buClr>
+                <a:schemeClr val="accent2"/>
+              </a:buClr>
+            </a:pPr>
+            <a:r>
+              <a:rPr lang="it-IT" dirty="0"/>
+              <a:t>Nulla a </a:t>
+            </a:r>
+            <a:r>
+              <a:rPr lang="it-IT" dirty="0" err="1"/>
+              <a:t>erat</a:t>
+            </a:r>
+            <a:r>
+              <a:rPr lang="it-IT" dirty="0"/>
+              <a:t> </a:t>
+            </a:r>
+            <a:r>
+              <a:rPr lang="it-IT" dirty="0" err="1"/>
+              <a:t>eget</a:t>
+            </a:r>
+            <a:r>
+              <a:rPr lang="it-IT" dirty="0"/>
+              <a:t> </a:t>
+            </a:r>
+            <a:r>
+              <a:rPr lang="it-IT" dirty="0" err="1"/>
+              <a:t>nunc</a:t>
+            </a:r>
+            <a:r>
+              <a:rPr lang="it-IT" dirty="0"/>
+              <a:t> </a:t>
+            </a:r>
+            <a:r>
+              <a:rPr lang="it-IT" dirty="0" err="1"/>
+              <a:t>hendrerit</a:t>
+            </a:r>
+            <a:r>
+              <a:rPr lang="it-IT" dirty="0"/>
+              <a:t> </a:t>
+            </a:r>
+            <a:r>
+              <a:rPr lang="it-IT" dirty="0" err="1"/>
+              <a:t>ultrices</a:t>
+            </a:r>
+            <a:r>
+              <a:rPr lang="it-IT" dirty="0"/>
+              <a:t> </a:t>
+            </a:r>
+            <a:r>
+              <a:rPr lang="it-IT" dirty="0" err="1"/>
+              <a:t>eu</a:t>
+            </a:r>
+            <a:r>
+              <a:rPr lang="it-IT" dirty="0"/>
+              <a:t> </a:t>
+            </a:r>
+            <a:r>
+              <a:rPr lang="it-IT" dirty="0" err="1"/>
+              <a:t>nec</a:t>
+            </a:r>
+            <a:r>
+              <a:rPr lang="it-IT" dirty="0"/>
+              <a:t> nulla. </a:t>
+            </a:r>
+            <a:r>
+              <a:rPr lang="it-IT" dirty="0" err="1"/>
+              <a:t>Donec</a:t>
+            </a:r>
+            <a:r>
+              <a:rPr lang="it-IT" dirty="0"/>
+              <a:t> viverra </a:t>
+            </a:r>
+            <a:r>
+              <a:rPr lang="it-IT" dirty="0" err="1"/>
+              <a:t>leo</a:t>
+            </a:r>
+            <a:r>
+              <a:rPr lang="it-IT" dirty="0"/>
+              <a:t> </a:t>
+            </a:r>
+            <a:r>
+              <a:rPr lang="it-IT" dirty="0" err="1"/>
+              <a:t>aliquet</a:t>
+            </a:r>
+            <a:r>
+              <a:rPr lang="it-IT" dirty="0"/>
+              <a:t>, </a:t>
+            </a:r>
+            <a:r>
+              <a:rPr lang="it-IT" dirty="0" err="1"/>
+              <a:t>auctor</a:t>
+            </a:r>
+            <a:r>
+              <a:rPr lang="it-IT" dirty="0"/>
+              <a:t> </a:t>
+            </a:r>
+            <a:r>
+              <a:rPr lang="it-IT" dirty="0" err="1"/>
+              <a:t>quam</a:t>
+            </a:r>
+            <a:r>
+              <a:rPr lang="it-IT" dirty="0"/>
+              <a:t> id, </a:t>
+            </a:r>
+            <a:r>
+              <a:rPr lang="it-IT" dirty="0" err="1"/>
+              <a:t>convallis</a:t>
+            </a:r>
+            <a:r>
+              <a:rPr lang="it-IT" dirty="0"/>
+              <a:t> orci. </a:t>
+            </a:r>
+          </a:p>
+          <a:p>
+            <a:pPr lvl="1" rtl="0">
+              <a:buClr>
+                <a:schemeClr val="accent2"/>
+              </a:buClr>
+            </a:pPr>
+            <a:r>
+              <a:rPr lang="it-IT" dirty="0" err="1"/>
+              <a:t>Sed</a:t>
+            </a:r>
+            <a:r>
+              <a:rPr lang="it-IT" dirty="0"/>
+              <a:t> in molestie est. Cras ornare </a:t>
+            </a:r>
+            <a:r>
+              <a:rPr lang="it-IT" dirty="0" err="1"/>
+              <a:t>turpis</a:t>
+            </a:r>
+            <a:r>
+              <a:rPr lang="it-IT" dirty="0"/>
+              <a:t> </a:t>
+            </a:r>
+            <a:r>
+              <a:rPr lang="it-IT" dirty="0" err="1"/>
+              <a:t>at</a:t>
+            </a:r>
+            <a:r>
+              <a:rPr lang="it-IT" dirty="0"/>
+              <a:t> ligula </a:t>
+            </a:r>
+            <a:r>
+              <a:rPr lang="it-IT" dirty="0" err="1"/>
+              <a:t>posuere</a:t>
+            </a:r>
+            <a:r>
+              <a:rPr lang="it-IT" dirty="0"/>
+              <a:t>, </a:t>
+            </a:r>
+            <a:r>
+              <a:rPr lang="it-IT" dirty="0" err="1"/>
+              <a:t>sit</a:t>
+            </a:r>
+            <a:r>
+              <a:rPr lang="it-IT" dirty="0"/>
+              <a:t> </a:t>
+            </a:r>
+            <a:r>
+              <a:rPr lang="it-IT" dirty="0" err="1"/>
+              <a:t>amet</a:t>
+            </a:r>
+            <a:r>
+              <a:rPr lang="it-IT" dirty="0"/>
+              <a:t> </a:t>
+            </a:r>
+            <a:r>
+              <a:rPr lang="it-IT" dirty="0" err="1"/>
+              <a:t>accumsan</a:t>
+            </a:r>
+            <a:r>
+              <a:rPr lang="it-IT" dirty="0"/>
+              <a:t> </a:t>
+            </a:r>
+            <a:r>
+              <a:rPr lang="it-IT" dirty="0" err="1"/>
+              <a:t>neque</a:t>
+            </a:r>
+            <a:r>
+              <a:rPr lang="it-IT" dirty="0"/>
+              <a:t> </a:t>
+            </a:r>
+            <a:r>
+              <a:rPr lang="it-IT" dirty="0" err="1"/>
+              <a:t>lobortis</a:t>
+            </a:r>
+            <a:r>
+              <a:rPr lang="it-IT" dirty="0"/>
+              <a:t>.</a:t>
+            </a:r>
+          </a:p>
+          <a:p>
+            <a:pPr lvl="1" rtl="0">
+              <a:buClr>
+                <a:schemeClr val="accent2"/>
+              </a:buClr>
+            </a:pPr>
+            <a:r>
+              <a:rPr lang="it-IT" dirty="0" err="1"/>
+              <a:t>Maecenas</a:t>
+            </a:r>
+            <a:r>
+              <a:rPr lang="it-IT" dirty="0"/>
+              <a:t> </a:t>
+            </a:r>
+            <a:r>
+              <a:rPr lang="it-IT" dirty="0" err="1"/>
+              <a:t>mattis</a:t>
+            </a:r>
+            <a:r>
+              <a:rPr lang="it-IT" dirty="0"/>
+              <a:t> </a:t>
+            </a:r>
+            <a:r>
+              <a:rPr lang="it-IT" dirty="0" err="1"/>
+              <a:t>risus</a:t>
+            </a:r>
+            <a:r>
+              <a:rPr lang="it-IT" dirty="0"/>
+              <a:t> ligula, </a:t>
+            </a:r>
+            <a:r>
+              <a:rPr lang="it-IT" dirty="0" err="1"/>
+              <a:t>sed</a:t>
+            </a:r>
+            <a:r>
+              <a:rPr lang="it-IT" dirty="0"/>
+              <a:t> </a:t>
+            </a:r>
+            <a:r>
+              <a:rPr lang="it-IT" dirty="0" err="1"/>
+              <a:t>ullamcorper</a:t>
+            </a:r>
+            <a:r>
+              <a:rPr lang="it-IT" dirty="0"/>
+              <a:t> </a:t>
+            </a:r>
+            <a:r>
+              <a:rPr lang="it-IT" dirty="0" err="1"/>
+              <a:t>nunc</a:t>
+            </a:r>
+            <a:r>
+              <a:rPr lang="it-IT" dirty="0"/>
+              <a:t> </a:t>
+            </a:r>
+            <a:r>
+              <a:rPr lang="it-IT" dirty="0" err="1"/>
+              <a:t>efficitur</a:t>
+            </a:r>
+            <a:r>
+              <a:rPr lang="it-IT" dirty="0"/>
+              <a:t> </a:t>
+            </a:r>
+            <a:r>
+              <a:rPr lang="it-IT" dirty="0" err="1"/>
+              <a:t>sed</a:t>
+            </a:r>
+            <a:r>
+              <a:rPr lang="it-IT" dirty="0"/>
+              <a:t>. </a:t>
+            </a:r>
+          </a:p>
+        </p:txBody>
+      </p:sp>
+      <p:sp>
+        <p:nvSpPr>
+          <p:cNvPr id="17" name="Segnaposto testo 16">
+            <a:extLst>
+              <a:ext uri="{FF2B5EF4-FFF2-40B4-BE49-F238E27FC236}">
+                <a16:creationId xmlns:a16="http://schemas.microsoft.com/office/drawing/2014/main" id="{640A3223-3DA3-4CF2-82B6-1447667547BD}"/>
+              </a:ext>
+            </a:extLst>
+          </p:cNvPr>
+          <p:cNvSpPr>
+            <a:spLocks noGrp="1"/>
+          </p:cNvSpPr>
+          <p:nvPr>
+            <p:ph type="body" sz="quarter" idx="14"/>
+          </p:nvPr>
+        </p:nvSpPr>
+        <p:spPr/>
+        <p:txBody>
+          <a:bodyPr rtlCol="0"/>
+          <a:lstStyle/>
+          <a:p>
+            <a:pPr rtl="0"/>
+            <a:r>
+              <a:rPr lang="it-IT" dirty="0"/>
+              <a:t>Servizio concorrente</a:t>
+            </a:r>
+          </a:p>
+        </p:txBody>
+      </p:sp>
+      <p:sp>
+        <p:nvSpPr>
+          <p:cNvPr id="18" name="Segnaposto contenuto 17">
+            <a:extLst>
+              <a:ext uri="{FF2B5EF4-FFF2-40B4-BE49-F238E27FC236}">
+                <a16:creationId xmlns:a16="http://schemas.microsoft.com/office/drawing/2014/main" id="{C955AFB3-173C-4848-B3E9-1375591B297E}"/>
+              </a:ext>
+            </a:extLst>
+          </p:cNvPr>
+          <p:cNvSpPr>
+            <a:spLocks noGrp="1"/>
+          </p:cNvSpPr>
+          <p:nvPr>
+            <p:ph sz="quarter" idx="15"/>
+          </p:nvPr>
+        </p:nvSpPr>
+        <p:spPr/>
+        <p:txBody>
+          <a:bodyPr rtlCol="0"/>
+          <a:lstStyle/>
+          <a:p>
+            <a:pPr rtl="0">
+              <a:buClr>
+                <a:schemeClr val="accent2"/>
+              </a:buClr>
+            </a:pPr>
+            <a:r>
+              <a:rPr lang="it-IT" dirty="0"/>
+              <a:t>Nulla a </a:t>
+            </a:r>
+            <a:r>
+              <a:rPr lang="it-IT" dirty="0" err="1"/>
+              <a:t>erat</a:t>
+            </a:r>
+            <a:r>
+              <a:rPr lang="it-IT" dirty="0"/>
+              <a:t> </a:t>
+            </a:r>
+            <a:r>
+              <a:rPr lang="it-IT" dirty="0" err="1"/>
+              <a:t>eget</a:t>
+            </a:r>
+            <a:r>
+              <a:rPr lang="it-IT" dirty="0"/>
+              <a:t> </a:t>
+            </a:r>
+            <a:r>
+              <a:rPr lang="it-IT" dirty="0" err="1"/>
+              <a:t>nunc</a:t>
+            </a:r>
+            <a:r>
+              <a:rPr lang="it-IT" dirty="0"/>
+              <a:t> </a:t>
+            </a:r>
+            <a:r>
+              <a:rPr lang="it-IT" dirty="0" err="1"/>
+              <a:t>hendrerit</a:t>
+            </a:r>
+            <a:r>
+              <a:rPr lang="it-IT" dirty="0"/>
+              <a:t> </a:t>
+            </a:r>
+            <a:r>
+              <a:rPr lang="it-IT" dirty="0" err="1"/>
+              <a:t>ultrices</a:t>
+            </a:r>
+            <a:r>
+              <a:rPr lang="it-IT" dirty="0"/>
+              <a:t> </a:t>
+            </a:r>
+            <a:r>
+              <a:rPr lang="it-IT" dirty="0" err="1"/>
+              <a:t>eu</a:t>
+            </a:r>
+            <a:r>
+              <a:rPr lang="it-IT" dirty="0"/>
+              <a:t> </a:t>
+            </a:r>
+            <a:r>
+              <a:rPr lang="it-IT" dirty="0" err="1"/>
+              <a:t>nec</a:t>
+            </a:r>
+            <a:r>
+              <a:rPr lang="it-IT" dirty="0"/>
+              <a:t> nulla. </a:t>
+            </a:r>
+            <a:r>
+              <a:rPr lang="it-IT" dirty="0" err="1"/>
+              <a:t>Donec</a:t>
+            </a:r>
+            <a:r>
+              <a:rPr lang="it-IT" dirty="0"/>
+              <a:t> viverra </a:t>
+            </a:r>
+            <a:r>
+              <a:rPr lang="it-IT" dirty="0" err="1"/>
+              <a:t>leo</a:t>
+            </a:r>
+            <a:r>
+              <a:rPr lang="it-IT" dirty="0"/>
+              <a:t> </a:t>
+            </a:r>
+            <a:r>
+              <a:rPr lang="it-IT" dirty="0" err="1"/>
+              <a:t>aliquet</a:t>
+            </a:r>
+            <a:r>
+              <a:rPr lang="it-IT" dirty="0"/>
+              <a:t>, </a:t>
+            </a:r>
+            <a:r>
+              <a:rPr lang="it-IT" dirty="0" err="1"/>
+              <a:t>auctor</a:t>
+            </a:r>
+            <a:r>
+              <a:rPr lang="it-IT" dirty="0"/>
+              <a:t> </a:t>
+            </a:r>
+            <a:r>
+              <a:rPr lang="it-IT" dirty="0" err="1"/>
+              <a:t>quam</a:t>
+            </a:r>
+            <a:r>
+              <a:rPr lang="it-IT" dirty="0"/>
+              <a:t> id, </a:t>
+            </a:r>
+            <a:r>
+              <a:rPr lang="it-IT" dirty="0" err="1"/>
+              <a:t>convallis</a:t>
+            </a:r>
+            <a:r>
+              <a:rPr lang="it-IT" dirty="0"/>
+              <a:t> orci. </a:t>
+            </a:r>
+          </a:p>
+          <a:p>
+            <a:pPr lvl="1" rtl="0">
+              <a:buClr>
+                <a:schemeClr val="accent2"/>
+              </a:buClr>
+            </a:pPr>
+            <a:r>
+              <a:rPr lang="it-IT" dirty="0" err="1"/>
+              <a:t>Sed</a:t>
+            </a:r>
+            <a:r>
+              <a:rPr lang="it-IT" dirty="0"/>
+              <a:t> in molestie est. Cras ornare </a:t>
+            </a:r>
+            <a:r>
+              <a:rPr lang="it-IT" dirty="0" err="1"/>
+              <a:t>turpis</a:t>
+            </a:r>
+            <a:r>
+              <a:rPr lang="it-IT" dirty="0"/>
+              <a:t> </a:t>
+            </a:r>
+            <a:r>
+              <a:rPr lang="it-IT" dirty="0" err="1"/>
+              <a:t>at</a:t>
+            </a:r>
+            <a:r>
+              <a:rPr lang="it-IT" dirty="0"/>
+              <a:t> ligula </a:t>
+            </a:r>
+            <a:r>
+              <a:rPr lang="it-IT" dirty="0" err="1"/>
+              <a:t>posuere</a:t>
+            </a:r>
+            <a:r>
+              <a:rPr lang="it-IT" dirty="0"/>
+              <a:t>, </a:t>
+            </a:r>
+            <a:r>
+              <a:rPr lang="it-IT" dirty="0" err="1"/>
+              <a:t>sit</a:t>
+            </a:r>
+            <a:r>
+              <a:rPr lang="it-IT" dirty="0"/>
+              <a:t> </a:t>
+            </a:r>
+            <a:r>
+              <a:rPr lang="it-IT" dirty="0" err="1"/>
+              <a:t>amet</a:t>
+            </a:r>
+            <a:r>
+              <a:rPr lang="it-IT" dirty="0"/>
+              <a:t> </a:t>
+            </a:r>
+            <a:r>
+              <a:rPr lang="it-IT" dirty="0" err="1"/>
+              <a:t>accumsan</a:t>
+            </a:r>
+            <a:r>
+              <a:rPr lang="it-IT" dirty="0"/>
+              <a:t> </a:t>
+            </a:r>
+            <a:r>
+              <a:rPr lang="it-IT" dirty="0" err="1"/>
+              <a:t>neque</a:t>
+            </a:r>
+            <a:r>
+              <a:rPr lang="it-IT" dirty="0"/>
+              <a:t> </a:t>
+            </a:r>
+            <a:r>
+              <a:rPr lang="it-IT" dirty="0" err="1"/>
+              <a:t>lobortis</a:t>
+            </a:r>
+            <a:r>
+              <a:rPr lang="it-IT" dirty="0"/>
+              <a:t>.</a:t>
+            </a:r>
+          </a:p>
+          <a:p>
+            <a:pPr lvl="1" rtl="0">
+              <a:buClr>
+                <a:schemeClr val="accent2"/>
+              </a:buClr>
+            </a:pPr>
+            <a:r>
+              <a:rPr lang="it-IT" dirty="0" err="1"/>
+              <a:t>Maecenas</a:t>
+            </a:r>
+            <a:r>
+              <a:rPr lang="it-IT" dirty="0"/>
+              <a:t> </a:t>
+            </a:r>
+            <a:r>
+              <a:rPr lang="it-IT" dirty="0" err="1"/>
+              <a:t>mattis</a:t>
+            </a:r>
+            <a:r>
+              <a:rPr lang="it-IT" dirty="0"/>
+              <a:t> </a:t>
+            </a:r>
+            <a:r>
+              <a:rPr lang="it-IT" dirty="0" err="1"/>
+              <a:t>risus</a:t>
+            </a:r>
+            <a:r>
+              <a:rPr lang="it-IT" dirty="0"/>
+              <a:t> ligula, </a:t>
+            </a:r>
+            <a:r>
+              <a:rPr lang="it-IT" dirty="0" err="1"/>
+              <a:t>sed</a:t>
+            </a:r>
+            <a:r>
+              <a:rPr lang="it-IT" dirty="0"/>
+              <a:t> </a:t>
+            </a:r>
+            <a:r>
+              <a:rPr lang="it-IT" dirty="0" err="1"/>
+              <a:t>ullamcorper</a:t>
+            </a:r>
+            <a:r>
+              <a:rPr lang="it-IT" dirty="0"/>
+              <a:t> </a:t>
+            </a:r>
+            <a:r>
+              <a:rPr lang="it-IT" dirty="0" err="1"/>
+              <a:t>nunc</a:t>
+            </a:r>
+            <a:r>
+              <a:rPr lang="it-IT" dirty="0"/>
+              <a:t> </a:t>
+            </a:r>
+            <a:r>
+              <a:rPr lang="it-IT" dirty="0" err="1"/>
+              <a:t>efficitur</a:t>
+            </a:r>
+            <a:r>
+              <a:rPr lang="it-IT" dirty="0"/>
+              <a:t> </a:t>
+            </a:r>
+            <a:r>
+              <a:rPr lang="it-IT" dirty="0" err="1"/>
+              <a:t>sed</a:t>
+            </a:r>
+            <a:r>
+              <a:rPr lang="it-IT" dirty="0"/>
+              <a:t>. </a:t>
+            </a:r>
+          </a:p>
+        </p:txBody>
+      </p:sp>
+      <p:sp>
+        <p:nvSpPr>
+          <p:cNvPr id="20" name="Segnaposto piè di pagina 4">
+            <a:extLst>
+              <a:ext uri="{FF2B5EF4-FFF2-40B4-BE49-F238E27FC236}">
+                <a16:creationId xmlns:a16="http://schemas.microsoft.com/office/drawing/2014/main" id="{391D3201-20F9-4DD7-B4EB-F41AF17CA428}"/>
+              </a:ext>
+            </a:extLst>
+          </p:cNvPr>
+          <p:cNvSpPr>
+            <a:spLocks noGrp="1"/>
+          </p:cNvSpPr>
+          <p:nvPr>
+            <p:ph type="ftr" sz="quarter" idx="17"/>
+          </p:nvPr>
+        </p:nvSpPr>
+        <p:spPr/>
+        <p:txBody>
+          <a:bodyPr rtlCol="0"/>
+          <a:lstStyle>
+            <a:lvl1pPr algn="r">
+              <a:defRPr sz="1200">
+                <a:solidFill>
+                  <a:schemeClr val="tx1">
+                    <a:lumMod val="50000"/>
+                    <a:lumOff val="50000"/>
+                  </a:schemeClr>
+                </a:solidFill>
+              </a:defRPr>
+            </a:lvl1pPr>
+          </a:lstStyle>
+          <a:p>
+            <a:pPr algn="l" rtl="0"/>
+            <a:r>
+              <a:rPr lang="it-IT" dirty="0"/>
+              <a:t>Aggiungere un piè di pagina</a:t>
+            </a:r>
+          </a:p>
+        </p:txBody>
+      </p:sp>
+      <p:sp>
+        <p:nvSpPr>
+          <p:cNvPr id="21" name="Segnaposto numero diapositiva 5">
+            <a:extLst>
+              <a:ext uri="{FF2B5EF4-FFF2-40B4-BE49-F238E27FC236}">
+                <a16:creationId xmlns:a16="http://schemas.microsoft.com/office/drawing/2014/main" id="{C7C65DDB-24F2-44CF-AE02-F3A6C8B1858B}"/>
+              </a:ext>
+            </a:extLst>
+          </p:cNvPr>
+          <p:cNvSpPr>
+            <a:spLocks noGrp="1"/>
+          </p:cNvSpPr>
+          <p:nvPr>
+            <p:ph type="sldNum" sz="quarter" idx="18"/>
+          </p:nvPr>
+        </p:nvSpPr>
+        <p:spPr/>
+        <p:txBody>
+          <a:bodyPr rtlCol="0"/>
+          <a:lstStyle>
+            <a:lvl1pPr algn="r">
+              <a:defRPr sz="1200">
+                <a:solidFill>
+                  <a:schemeClr val="tx1">
+                    <a:lumMod val="50000"/>
+                    <a:lumOff val="50000"/>
+                  </a:schemeClr>
+                </a:solidFill>
+              </a:defRPr>
+            </a:lvl1pPr>
+          </a:lstStyle>
+          <a:p>
+            <a:pPr rtl="0"/>
+            <a:fld id="{8699F50C-BE38-4BD0-BA84-9B090E1F2B9B}" type="slidenum">
+              <a:rPr lang="it-IT" smtClean="0"/>
+              <a:pPr rtl="0"/>
+              <a:t>17</a:t>
+            </a:fld>
+            <a:endParaRPr lang="it-IT" dirty="0"/>
+          </a:p>
+        </p:txBody>
+      </p:sp>
+    </p:spTree>
+    <p:extLst>
+      <p:ext uri="{BB962C8B-B14F-4D97-AF65-F5344CB8AC3E}">
+        <p14:creationId xmlns:p14="http://schemas.microsoft.com/office/powerpoint/2010/main" val="1645896325"/>
+      </p:ext>
+    </p:extLst>
+  </p:cSld>
+  <p:clrMapOvr>
+    <a:masterClrMapping/>
+  </p:clrMapOvr>
+</p:sld>
+</file>
+
+<file path=ppt/slides/slide18.xml><?xml version="1.0" encoding="utf-8"?>
+<p:sld xmlns:a="http://schemas.openxmlformats.org/drawingml/2006/main" xmlns:r="http://schemas.openxmlformats.org/officeDocument/2006/relationships" xmlns:p="http://schemas.openxmlformats.org/presentationml/2006/main">
+  <p:cSld>
+    <p:spTree>
+      <p:nvGrpSpPr>
+        <p:cNvPr id="1" name=""/>
+        <p:cNvGrpSpPr/>
+        <p:nvPr/>
+      </p:nvGrpSpPr>
+      <p:grpSpPr>
+        <a:xfrm>
+          <a:off x="0" y="0"/>
+          <a:ext cx="0" cy="0"/>
+          <a:chOff x="0" y="0"/>
+          <a:chExt cx="0" cy="0"/>
+        </a:xfrm>
+      </p:grpSpPr>
+      <p:sp>
+        <p:nvSpPr>
           <p:cNvPr id="18" name="Titolo 13">
             <a:extLst>
               <a:ext uri="{FF2B5EF4-FFF2-40B4-BE49-F238E27FC236}">
@@ -16683,7 +20556,7 @@
             <a:fld id="{8699F50C-BE38-4BD0-BA84-9B090E1F2B9B}" type="slidenum">
               <a:rPr lang="it-IT" smtClean="0"/>
               <a:pPr rtl="0"/>
-              <a:t>10</a:t>
+              <a:t>18</a:t>
             </a:fld>
             <a:endParaRPr lang="it-IT" dirty="0"/>
           </a:p>
@@ -16702,7 +20575,7 @@
 </p:sld>
 </file>
 
-<file path=ppt/slides/slide11.xml><?xml version="1.0" encoding="utf-8"?>
+<file path=ppt/slides/slide19.xml><?xml version="1.0" encoding="utf-8"?>
 <p:sld xmlns:a="http://schemas.openxmlformats.org/drawingml/2006/main" xmlns:r="http://schemas.openxmlformats.org/officeDocument/2006/relationships" xmlns:p="http://schemas.openxmlformats.org/presentationml/2006/main">
   <p:cSld>
     <p:spTree>
@@ -17825,7 +21698,7 @@
             <a:fld id="{8699F50C-BE38-4BD0-BA84-9B090E1F2B9B}" type="slidenum">
               <a:rPr lang="it-IT" smtClean="0"/>
               <a:pPr rtl="0"/>
-              <a:t>11</a:t>
+              <a:t>19</a:t>
             </a:fld>
             <a:endParaRPr lang="it-IT" dirty="0"/>
           </a:p>
@@ -17844,7 +21717,7 @@
 </p:sld>
 </file>
 
-<file path=ppt/slides/slide12.xml><?xml version="1.0" encoding="utf-8"?>
+<file path=ppt/slides/slide2.xml><?xml version="1.0" encoding="utf-8"?>
 <p:sld xmlns:a="http://schemas.openxmlformats.org/drawingml/2006/main" xmlns:r="http://schemas.openxmlformats.org/officeDocument/2006/relationships" xmlns:p="http://schemas.openxmlformats.org/presentationml/2006/main">
   <p:cSld>
     <p:spTree>
@@ -17914,18 +21787,15 @@
                   <a:schemeClr val="tx1"/>
                 </a:solidFill>
               </a:rPr>
-              <a:t>Il titolo </a:t>
-            </a:r>
-            <a:r>
-              <a:rPr lang="it-IT" b="0" dirty="0">
-                <a:solidFill>
-                  <a:schemeClr val="tx1"/>
-                </a:solidFill>
-                <a:latin typeface="Calibri Light" panose="020F0302020204030204" pitchFamily="34" charset="0"/>
-                <a:cs typeface="Calibri Light" panose="020F0302020204030204" pitchFamily="34" charset="0"/>
-              </a:rPr>
-              <a:t>va inserito qui</a:t>
-            </a:r>
+              <a:t>Indice</a:t>
+            </a:r>
+            <a:endParaRPr lang="it-IT" b="0" dirty="0">
+              <a:solidFill>
+                <a:schemeClr val="tx1"/>
+              </a:solidFill>
+              <a:latin typeface="Calibri Light" panose="020F0302020204030204" pitchFamily="34" charset="0"/>
+              <a:cs typeface="Calibri Light" panose="020F0302020204030204" pitchFamily="34" charset="0"/>
+            </a:endParaRPr>
           </a:p>
         </p:txBody>
       </p:sp>
@@ -17942,7 +21812,7 @@
 </p:sld>
 </file>
 
-<file path=ppt/slides/slide13.xml><?xml version="1.0" encoding="utf-8"?>
+<file path=ppt/slides/slide20.xml><?xml version="1.0" encoding="utf-8"?>
 <p:sld xmlns:a="http://schemas.openxmlformats.org/drawingml/2006/main" xmlns:r="http://schemas.openxmlformats.org/officeDocument/2006/relationships" xmlns:p="http://schemas.openxmlformats.org/presentationml/2006/main">
   <p:cSld>
     <p:spTree>
@@ -18298,7 +22168,7 @@
 </p:sld>
 </file>
 
-<file path=ppt/slides/slide14.xml><?xml version="1.0" encoding="utf-8"?>
+<file path=ppt/slides/slide21.xml><?xml version="1.0" encoding="utf-8"?>
 <p:sld xmlns:a="http://schemas.openxmlformats.org/drawingml/2006/main" xmlns:r="http://schemas.openxmlformats.org/officeDocument/2006/relationships" xmlns:p="http://schemas.openxmlformats.org/presentationml/2006/main">
   <p:cSld>
     <p:spTree>
@@ -18409,7 +22279,7 @@
             <a:pPr rtl="0"/>
             <a:fld id="{8699F50C-BE38-4BD0-BA84-9B090E1F2B9B}" type="slidenum">
               <a:rPr lang="it-IT" smtClean="0"/>
-              <a:t>14</a:t>
+              <a:t>21</a:t>
             </a:fld>
             <a:endParaRPr lang="it-IT" dirty="0"/>
           </a:p>
@@ -18419,212 +22289,6 @@
     <p:extLst>
       <p:ext uri="{BB962C8B-B14F-4D97-AF65-F5344CB8AC3E}">
         <p14:creationId xmlns:p14="http://schemas.microsoft.com/office/powerpoint/2010/main" val="59582380"/>
-      </p:ext>
-    </p:extLst>
-  </p:cSld>
-  <p:clrMapOvr>
-    <a:masterClrMapping/>
-  </p:clrMapOvr>
-</p:sld>
-</file>
-
-<file path=ppt/slides/slide2.xml><?xml version="1.0" encoding="utf-8"?>
-<p:sld xmlns:a="http://schemas.openxmlformats.org/drawingml/2006/main" xmlns:r="http://schemas.openxmlformats.org/officeDocument/2006/relationships" xmlns:p="http://schemas.openxmlformats.org/presentationml/2006/main">
-  <p:cSld>
-    <p:spTree>
-      <p:nvGrpSpPr>
-        <p:cNvPr id="1" name=""/>
-        <p:cNvGrpSpPr/>
-        <p:nvPr/>
-      </p:nvGrpSpPr>
-      <p:grpSpPr>
-        <a:xfrm>
-          <a:off x="0" y="0"/>
-          <a:ext cx="0" cy="0"/>
-          <a:chOff x="0" y="0"/>
-          <a:chExt cx="0" cy="0"/>
-        </a:xfrm>
-      </p:grpSpPr>
-      <p:sp>
-        <p:nvSpPr>
-          <p:cNvPr id="4" name="Titolo 3">
-            <a:extLst>
-              <a:ext uri="{FF2B5EF4-FFF2-40B4-BE49-F238E27FC236}">
-                <a16:creationId xmlns:a16="http://schemas.microsoft.com/office/drawing/2014/main" id="{1ABE11BF-33A5-4653-A144-CCCBACF58C30}"/>
-              </a:ext>
-            </a:extLst>
-          </p:cNvPr>
-          <p:cNvSpPr>
-            <a:spLocks noGrp="1"/>
-          </p:cNvSpPr>
-          <p:nvPr>
-            <p:ph type="title"/>
-          </p:nvPr>
-        </p:nvSpPr>
-        <p:spPr/>
-        <p:txBody>
-          <a:bodyPr rtlCol="0"/>
-          <a:lstStyle/>
-          <a:p>
-            <a:pPr rtl="0"/>
-            <a:r>
-              <a:rPr lang="it-IT" dirty="0"/>
-              <a:t>POLIMORFISMO</a:t>
-            </a:r>
-            <a:endParaRPr lang="it-IT" b="0" dirty="0"/>
-          </a:p>
-        </p:txBody>
-      </p:sp>
-      <p:sp>
-        <p:nvSpPr>
-          <p:cNvPr id="9" name="Segnaposto testo 8">
-            <a:extLst>
-              <a:ext uri="{FF2B5EF4-FFF2-40B4-BE49-F238E27FC236}">
-                <a16:creationId xmlns:a16="http://schemas.microsoft.com/office/drawing/2014/main" id="{53469036-D1FB-4164-96AE-B6D8CECCFC96}"/>
-              </a:ext>
-            </a:extLst>
-          </p:cNvPr>
-          <p:cNvSpPr>
-            <a:spLocks noGrp="1"/>
-          </p:cNvSpPr>
-          <p:nvPr>
-            <p:ph type="body" sz="quarter" idx="13"/>
-          </p:nvPr>
-        </p:nvSpPr>
-        <p:spPr/>
-        <p:txBody>
-          <a:bodyPr rtlCol="0"/>
-          <a:lstStyle/>
-          <a:p>
-            <a:pPr rtl="0"/>
-            <a:r>
-              <a:rPr lang="it-IT" dirty="0"/>
-              <a:t>Pattern GRASP</a:t>
-            </a:r>
-          </a:p>
-        </p:txBody>
-      </p:sp>
-      <p:sp>
-        <p:nvSpPr>
-          <p:cNvPr id="7" name="Segnaposto contenuto 6">
-            <a:extLst>
-              <a:ext uri="{FF2B5EF4-FFF2-40B4-BE49-F238E27FC236}">
-                <a16:creationId xmlns:a16="http://schemas.microsoft.com/office/drawing/2014/main" id="{2482DBEC-EE72-4155-ACC5-87E80C5606A9}"/>
-              </a:ext>
-            </a:extLst>
-          </p:cNvPr>
-          <p:cNvSpPr>
-            <a:spLocks noGrp="1"/>
-          </p:cNvSpPr>
-          <p:nvPr>
-            <p:ph idx="1"/>
-          </p:nvPr>
-        </p:nvSpPr>
-        <p:spPr>
-          <a:xfrm>
-            <a:off x="531378" y="3129540"/>
-            <a:ext cx="7194639" cy="2958275"/>
-          </a:xfrm>
-        </p:spPr>
-        <p:txBody>
-          <a:bodyPr rtlCol="0">
-            <a:normAutofit/>
-          </a:bodyPr>
-          <a:lstStyle/>
-          <a:p>
-            <a:pPr lvl="0"/>
-            <a:r>
-              <a:rPr lang="it-IT" dirty="0"/>
-              <a:t>Avevamo delle sottocategorie, ereditanti da una superclasse generica, ognuna con i propri campi specifici.</a:t>
-            </a:r>
-          </a:p>
-          <a:p>
-            <a:pPr lvl="0"/>
-            <a:r>
-              <a:rPr lang="it-IT" dirty="0"/>
-              <a:t>L’implementazione del polimorfismo è particolarmente utile quando la versione del metodo da eseguire viene scelta sulla base del tipo di oggetto effettivamente contenuto in una variabile a </a:t>
-            </a:r>
-            <a:r>
-              <a:rPr lang="it-IT" dirty="0" err="1"/>
-              <a:t>runtime</a:t>
-            </a:r>
-            <a:r>
-              <a:rPr lang="it-IT" dirty="0"/>
-              <a:t>.</a:t>
-            </a:r>
-          </a:p>
-          <a:p>
-            <a:pPr marL="0" lvl="0" indent="0" rtl="0">
-              <a:buNone/>
-            </a:pPr>
-            <a:endParaRPr lang="it-IT" dirty="0"/>
-          </a:p>
-        </p:txBody>
-      </p:sp>
-      <p:sp>
-        <p:nvSpPr>
-          <p:cNvPr id="11" name="Segnaposto piè di pagina 10">
-            <a:extLst>
-              <a:ext uri="{FF2B5EF4-FFF2-40B4-BE49-F238E27FC236}">
-                <a16:creationId xmlns:a16="http://schemas.microsoft.com/office/drawing/2014/main" id="{47F4D2C2-B71A-4089-A3FE-603C32706CA6}"/>
-              </a:ext>
-            </a:extLst>
-          </p:cNvPr>
-          <p:cNvSpPr>
-            <a:spLocks noGrp="1"/>
-          </p:cNvSpPr>
-          <p:nvPr>
-            <p:ph type="ftr" sz="quarter" idx="14"/>
-          </p:nvPr>
-        </p:nvSpPr>
-        <p:spPr/>
-        <p:txBody>
-          <a:bodyPr rtlCol="0"/>
-          <a:lstStyle/>
-          <a:p>
-            <a:pPr rtl="0"/>
-            <a:r>
-              <a:rPr lang="it-IT" dirty="0"/>
-              <a:t>Aggiungere un piè di pagina</a:t>
-            </a:r>
-          </a:p>
-        </p:txBody>
-      </p:sp>
-      <p:sp>
-        <p:nvSpPr>
-          <p:cNvPr id="12" name="Segnaposto numero diapositiva 11">
-            <a:extLst>
-              <a:ext uri="{FF2B5EF4-FFF2-40B4-BE49-F238E27FC236}">
-                <a16:creationId xmlns:a16="http://schemas.microsoft.com/office/drawing/2014/main" id="{FBA1BB58-7555-4382-B178-7ED04E137E77}"/>
-              </a:ext>
-            </a:extLst>
-          </p:cNvPr>
-          <p:cNvSpPr>
-            <a:spLocks noGrp="1"/>
-          </p:cNvSpPr>
-          <p:nvPr>
-            <p:ph type="sldNum" sz="quarter" idx="15"/>
-          </p:nvPr>
-        </p:nvSpPr>
-        <p:spPr/>
-        <p:txBody>
-          <a:bodyPr rtlCol="0"/>
-          <a:lstStyle/>
-          <a:p>
-            <a:pPr rtl="0"/>
-            <a:fld id="{8699F50C-BE38-4BD0-BA84-9B090E1F2B9B}" type="slidenum">
-              <a:rPr lang="it-IT" smtClean="0"/>
-              <a:pPr rtl="0"/>
-              <a:t>2</a:t>
-            </a:fld>
-            <a:endParaRPr lang="it-IT" dirty="0"/>
-          </a:p>
-        </p:txBody>
-      </p:sp>
-    </p:spTree>
-    <p:extLst>
-      <p:ext uri="{BB962C8B-B14F-4D97-AF65-F5344CB8AC3E}">
-        <p14:creationId xmlns:p14="http://schemas.microsoft.com/office/powerpoint/2010/main" val="2920423571"/>
       </p:ext>
     </p:extLst>
   </p:cSld>
@@ -18712,6 +22376,63 @@
       </p:sp>
       <p:sp>
         <p:nvSpPr>
+          <p:cNvPr id="7" name="Segnaposto contenuto 6">
+            <a:extLst>
+              <a:ext uri="{FF2B5EF4-FFF2-40B4-BE49-F238E27FC236}">
+                <a16:creationId xmlns:a16="http://schemas.microsoft.com/office/drawing/2014/main" id="{2482DBEC-EE72-4155-ACC5-87E80C5606A9}"/>
+              </a:ext>
+            </a:extLst>
+          </p:cNvPr>
+          <p:cNvSpPr>
+            <a:spLocks noGrp="1"/>
+          </p:cNvSpPr>
+          <p:nvPr>
+            <p:ph idx="1"/>
+          </p:nvPr>
+        </p:nvSpPr>
+        <p:spPr>
+          <a:xfrm>
+            <a:off x="531378" y="3129540"/>
+            <a:ext cx="7194639" cy="2958275"/>
+          </a:xfrm>
+        </p:spPr>
+        <p:txBody>
+          <a:bodyPr rtlCol="0">
+            <a:normAutofit/>
+          </a:bodyPr>
+          <a:lstStyle/>
+          <a:p>
+            <a:pPr lvl="0"/>
+            <a:r>
+              <a:rPr lang="it-IT" dirty="0"/>
+              <a:t>Avevamo delle sottocategorie, ereditanti da una superclasse generica, ognuna con i propri campi specifici.</a:t>
+            </a:r>
+          </a:p>
+          <a:p>
+            <a:pPr lvl="0"/>
+            <a:r>
+              <a:rPr lang="it-IT" dirty="0"/>
+              <a:t>L’implementazione del polimorfismo è particolarmente utile quando la versione del metodo da eseguire viene scelta sulla base del tipo di oggetto effettivamente contenuto in una variabile a </a:t>
+            </a:r>
+            <a:r>
+              <a:rPr lang="it-IT" dirty="0" err="1"/>
+              <a:t>runtime</a:t>
+            </a:r>
+            <a:r>
+              <a:rPr lang="it-IT" dirty="0"/>
+              <a:t>.</a:t>
+            </a:r>
+          </a:p>
+          <a:p>
+            <a:pPr marL="0" lvl="0" indent="0" rtl="0">
+              <a:buNone/>
+            </a:pPr>
+            <a:endParaRPr lang="it-IT" dirty="0"/>
+          </a:p>
+        </p:txBody>
+      </p:sp>
+      <p:sp>
+        <p:nvSpPr>
           <p:cNvPr id="11" name="Segnaposto piè di pagina 10">
             <a:extLst>
               <a:ext uri="{FF2B5EF4-FFF2-40B4-BE49-F238E27FC236}">
@@ -18770,39 +22491,10 @@
           </a:p>
         </p:txBody>
       </p:sp>
-      <p:pic>
-        <p:nvPicPr>
-          <p:cNvPr id="6" name="Segnaposto contenuto 5" descr="Immagine che contiene testo, mappa&#10;&#10;Descrizione generata automaticamente">
-            <a:extLst>
-              <a:ext uri="{FF2B5EF4-FFF2-40B4-BE49-F238E27FC236}">
-                <a16:creationId xmlns:a16="http://schemas.microsoft.com/office/drawing/2014/main" id="{9F864FC5-0AF8-48D5-9652-BD30A4FC5C63}"/>
-              </a:ext>
-            </a:extLst>
-          </p:cNvPr>
-          <p:cNvPicPr>
-            <a:picLocks noGrp="1" noChangeAspect="1"/>
-          </p:cNvPicPr>
-          <p:nvPr>
-            <p:ph idx="1"/>
-          </p:nvPr>
-        </p:nvPicPr>
-        <p:blipFill>
-          <a:blip r:embed="rId3"/>
-          <a:stretch>
-            <a:fillRect/>
-          </a:stretch>
-        </p:blipFill>
-        <p:spPr>
-          <a:xfrm>
-            <a:off x="2519639" y="3325125"/>
-            <a:ext cx="5798030" cy="2338221"/>
-          </a:xfrm>
-        </p:spPr>
-      </p:pic>
     </p:spTree>
     <p:extLst>
       <p:ext uri="{BB962C8B-B14F-4D97-AF65-F5344CB8AC3E}">
-        <p14:creationId xmlns:p14="http://schemas.microsoft.com/office/powerpoint/2010/main" val="972005540"/>
+        <p14:creationId xmlns:p14="http://schemas.microsoft.com/office/powerpoint/2010/main" val="2920423571"/>
       </p:ext>
     </p:extLst>
   </p:cSld>
@@ -18831,10 +22523,10 @@
       </p:grpSpPr>
       <p:sp>
         <p:nvSpPr>
-          <p:cNvPr id="14" name="Titolo 13">
-            <a:extLst>
-              <a:ext uri="{FF2B5EF4-FFF2-40B4-BE49-F238E27FC236}">
-                <a16:creationId xmlns:a16="http://schemas.microsoft.com/office/drawing/2014/main" id="{E3E5EE03-FBF6-46F5-8085-716AC6CE1C8C}"/>
+          <p:cNvPr id="4" name="Titolo 3">
+            <a:extLst>
+              <a:ext uri="{FF2B5EF4-FFF2-40B4-BE49-F238E27FC236}">
+                <a16:creationId xmlns:a16="http://schemas.microsoft.com/office/drawing/2014/main" id="{1ABE11BF-33A5-4653-A144-CCCBACF58C30}"/>
               </a:ext>
             </a:extLst>
           </p:cNvPr>
@@ -18852,18 +22544,19 @@
           <a:p>
             <a:pPr rtl="0"/>
             <a:r>
-              <a:rPr lang="it-IT" b="0" dirty="0"/>
+              <a:rPr lang="it-IT" dirty="0"/>
               <a:t>POLIMORFISMO</a:t>
             </a:r>
-          </a:p>
-        </p:txBody>
-      </p:sp>
-      <p:sp>
-        <p:nvSpPr>
-          <p:cNvPr id="19" name="Segnaposto testo 18">
-            <a:extLst>
-              <a:ext uri="{FF2B5EF4-FFF2-40B4-BE49-F238E27FC236}">
-                <a16:creationId xmlns:a16="http://schemas.microsoft.com/office/drawing/2014/main" id="{DFE11F38-F66B-4F95-8224-6CCA69D57617}"/>
+            <a:endParaRPr lang="it-IT" b="0" dirty="0"/>
+          </a:p>
+        </p:txBody>
+      </p:sp>
+      <p:sp>
+        <p:nvSpPr>
+          <p:cNvPr id="9" name="Segnaposto testo 8">
+            <a:extLst>
+              <a:ext uri="{FF2B5EF4-FFF2-40B4-BE49-F238E27FC236}">
+                <a16:creationId xmlns:a16="http://schemas.microsoft.com/office/drawing/2014/main" id="{53469036-D1FB-4164-96AE-B6D8CECCFC96}"/>
               </a:ext>
             </a:extLst>
           </p:cNvPr>
@@ -18871,7 +22564,7 @@
             <a:spLocks noGrp="1"/>
           </p:cNvSpPr>
           <p:nvPr>
-            <p:ph type="body" sz="quarter" idx="16"/>
+            <p:ph type="body" sz="quarter" idx="13"/>
           </p:nvPr>
         </p:nvSpPr>
         <p:spPr/>
@@ -18889,10 +22582,10 @@
       </p:sp>
       <p:sp>
         <p:nvSpPr>
-          <p:cNvPr id="15" name="Segnaposto testo 14">
-            <a:extLst>
-              <a:ext uri="{FF2B5EF4-FFF2-40B4-BE49-F238E27FC236}">
-                <a16:creationId xmlns:a16="http://schemas.microsoft.com/office/drawing/2014/main" id="{24E18385-8BEA-4522-ABAA-5AB38F0D4FC2}"/>
+          <p:cNvPr id="11" name="Segnaposto piè di pagina 10">
+            <a:extLst>
+              <a:ext uri="{FF2B5EF4-FFF2-40B4-BE49-F238E27FC236}">
+                <a16:creationId xmlns:a16="http://schemas.microsoft.com/office/drawing/2014/main" id="{47F4D2C2-B71A-4089-A3FE-603C32706CA6}"/>
               </a:ext>
             </a:extLst>
           </p:cNvPr>
@@ -18900,7 +22593,7 @@
             <a:spLocks noGrp="1"/>
           </p:cNvSpPr>
           <p:nvPr>
-            <p:ph type="body" idx="1"/>
+            <p:ph type="ftr" sz="quarter" idx="14"/>
           </p:nvPr>
         </p:nvSpPr>
         <p:spPr/>
@@ -18911,17 +22604,17 @@
             <a:pPr rtl="0"/>
             <a:r>
               <a:rPr lang="it-IT" dirty="0"/>
-              <a:t>Vantaggi</a:t>
-            </a:r>
-          </a:p>
-        </p:txBody>
-      </p:sp>
-      <p:sp>
-        <p:nvSpPr>
-          <p:cNvPr id="16" name="Segnaposto contenuto 15">
-            <a:extLst>
-              <a:ext uri="{FF2B5EF4-FFF2-40B4-BE49-F238E27FC236}">
-                <a16:creationId xmlns:a16="http://schemas.microsoft.com/office/drawing/2014/main" id="{1DCFA8A2-3FB8-48CA-933D-0800A9D2A2A2}"/>
+              <a:t>Aggiungere un piè di pagina</a:t>
+            </a:r>
+          </a:p>
+        </p:txBody>
+      </p:sp>
+      <p:sp>
+        <p:nvSpPr>
+          <p:cNvPr id="12" name="Segnaposto numero diapositiva 11">
+            <a:extLst>
+              <a:ext uri="{FF2B5EF4-FFF2-40B4-BE49-F238E27FC236}">
+                <a16:creationId xmlns:a16="http://schemas.microsoft.com/office/drawing/2014/main" id="{FBA1BB58-7555-4382-B178-7ED04E137E77}"/>
               </a:ext>
             </a:extLst>
           </p:cNvPr>
@@ -18929,200 +22622,13 @@
             <a:spLocks noGrp="1"/>
           </p:cNvSpPr>
           <p:nvPr>
-            <p:ph sz="half" idx="13"/>
+            <p:ph type="sldNum" sz="quarter" idx="15"/>
           </p:nvPr>
         </p:nvSpPr>
         <p:spPr/>
         <p:txBody>
           <a:bodyPr rtlCol="0"/>
           <a:lstStyle/>
-          <a:p>
-            <a:pPr rtl="0">
-              <a:buClr>
-                <a:schemeClr val="accent2"/>
-              </a:buClr>
-            </a:pPr>
-            <a:r>
-              <a:rPr lang="it-IT" dirty="0"/>
-              <a:t>Le nuove categorie sono facili da aggiungere:</a:t>
-            </a:r>
-          </a:p>
-          <a:p>
-            <a:pPr lvl="1" rtl="0">
-              <a:buClr>
-                <a:schemeClr val="accent2"/>
-              </a:buClr>
-            </a:pPr>
-            <a:r>
-              <a:rPr lang="it-IT" dirty="0"/>
-              <a:t>Basta implementare il metodo astratto per l’aggiunta dei campi specifici di ogni categoria.</a:t>
-            </a:r>
-          </a:p>
-          <a:p>
-            <a:pPr lvl="1">
-              <a:buClr>
-                <a:schemeClr val="accent2"/>
-              </a:buClr>
-            </a:pPr>
-            <a:r>
-              <a:rPr lang="it-IT" dirty="0"/>
-              <a:t>Le nuove categorie non influenzano le classi utilizzatrici.</a:t>
-            </a:r>
-          </a:p>
-        </p:txBody>
-      </p:sp>
-      <p:sp>
-        <p:nvSpPr>
-          <p:cNvPr id="17" name="Segnaposto testo 16">
-            <a:extLst>
-              <a:ext uri="{FF2B5EF4-FFF2-40B4-BE49-F238E27FC236}">
-                <a16:creationId xmlns:a16="http://schemas.microsoft.com/office/drawing/2014/main" id="{640A3223-3DA3-4CF2-82B6-1447667547BD}"/>
-              </a:ext>
-            </a:extLst>
-          </p:cNvPr>
-          <p:cNvSpPr>
-            <a:spLocks noGrp="1"/>
-          </p:cNvSpPr>
-          <p:nvPr>
-            <p:ph type="body" sz="quarter" idx="14"/>
-          </p:nvPr>
-        </p:nvSpPr>
-        <p:spPr/>
-        <p:txBody>
-          <a:bodyPr rtlCol="0"/>
-          <a:lstStyle/>
-          <a:p>
-            <a:pPr rtl="0"/>
-            <a:r>
-              <a:rPr lang="it-IT" dirty="0"/>
-              <a:t>Alternativa al polimorfismo</a:t>
-            </a:r>
-          </a:p>
-        </p:txBody>
-      </p:sp>
-      <p:sp>
-        <p:nvSpPr>
-          <p:cNvPr id="18" name="Segnaposto contenuto 17">
-            <a:extLst>
-              <a:ext uri="{FF2B5EF4-FFF2-40B4-BE49-F238E27FC236}">
-                <a16:creationId xmlns:a16="http://schemas.microsoft.com/office/drawing/2014/main" id="{C955AFB3-173C-4848-B3E9-1375591B297E}"/>
-              </a:ext>
-            </a:extLst>
-          </p:cNvPr>
-          <p:cNvSpPr>
-            <a:spLocks noGrp="1"/>
-          </p:cNvSpPr>
-          <p:nvPr>
-            <p:ph sz="quarter" idx="15"/>
-          </p:nvPr>
-        </p:nvSpPr>
-        <p:spPr/>
-        <p:txBody>
-          <a:bodyPr rtlCol="0"/>
-          <a:lstStyle/>
-          <a:p>
-            <a:pPr rtl="0">
-              <a:buClr>
-                <a:schemeClr val="accent2"/>
-              </a:buClr>
-            </a:pPr>
-            <a:r>
-              <a:rPr lang="it-IT" dirty="0"/>
-              <a:t>Il pattern rappresenta una soluzione migliore all’utilizzo di uno Switch e di un case per ogni categoria:</a:t>
-            </a:r>
-          </a:p>
-          <a:p>
-            <a:pPr lvl="1">
-              <a:buClr>
-                <a:schemeClr val="accent2"/>
-              </a:buClr>
-            </a:pPr>
-            <a:r>
-              <a:rPr lang="it-IT" dirty="0"/>
-              <a:t>Il pattern </a:t>
-            </a:r>
-            <a:r>
-              <a:rPr lang="it-IT" dirty="0" err="1"/>
-              <a:t>Polymorphism</a:t>
-            </a:r>
-            <a:r>
-              <a:rPr lang="it-IT" dirty="0"/>
-              <a:t> permette di assegnare le responsabilità del comportamento ai tipi per i quali il comportamento varia.</a:t>
-            </a:r>
-          </a:p>
-        </p:txBody>
-      </p:sp>
-      <p:sp>
-        <p:nvSpPr>
-          <p:cNvPr id="20" name="Segnaposto piè di pagina 4">
-            <a:extLst>
-              <a:ext uri="{FF2B5EF4-FFF2-40B4-BE49-F238E27FC236}">
-                <a16:creationId xmlns:a16="http://schemas.microsoft.com/office/drawing/2014/main" id="{391D3201-20F9-4DD7-B4EB-F41AF17CA428}"/>
-              </a:ext>
-            </a:extLst>
-          </p:cNvPr>
-          <p:cNvSpPr>
-            <a:spLocks noGrp="1"/>
-          </p:cNvSpPr>
-          <p:nvPr>
-            <p:ph type="ftr" sz="quarter" idx="17"/>
-          </p:nvPr>
-        </p:nvSpPr>
-        <p:spPr/>
-        <p:txBody>
-          <a:bodyPr rtlCol="0"/>
-          <a:lstStyle>
-            <a:lvl1pPr algn="r">
-              <a:defRPr sz="1200">
-                <a:solidFill>
-                  <a:schemeClr val="tx1">
-                    <a:lumMod val="50000"/>
-                    <a:lumOff val="50000"/>
-                  </a:schemeClr>
-                </a:solidFill>
-              </a:defRPr>
-            </a:lvl1pPr>
-          </a:lstStyle>
-          <a:p>
-            <a:pPr algn="l" rtl="0"/>
-            <a:r>
-              <a:rPr lang="it-IT" dirty="0"/>
-              <a:t>Aggiungere un piè di pagina</a:t>
-            </a:r>
-          </a:p>
-        </p:txBody>
-      </p:sp>
-      <p:sp>
-        <p:nvSpPr>
-          <p:cNvPr id="21" name="Segnaposto numero diapositiva 5">
-            <a:extLst>
-              <a:ext uri="{FF2B5EF4-FFF2-40B4-BE49-F238E27FC236}">
-                <a16:creationId xmlns:a16="http://schemas.microsoft.com/office/drawing/2014/main" id="{C7C65DDB-24F2-44CF-AE02-F3A6C8B1858B}"/>
-              </a:ext>
-            </a:extLst>
-          </p:cNvPr>
-          <p:cNvSpPr>
-            <a:spLocks noGrp="1"/>
-          </p:cNvSpPr>
-          <p:nvPr>
-            <p:ph type="sldNum" sz="quarter" idx="18"/>
-          </p:nvPr>
-        </p:nvSpPr>
-        <p:spPr/>
-        <p:txBody>
-          <a:bodyPr rtlCol="0"/>
-          <a:lstStyle>
-            <a:lvl1pPr algn="r">
-              <a:defRPr sz="1200">
-                <a:solidFill>
-                  <a:schemeClr val="tx1">
-                    <a:lumMod val="50000"/>
-                    <a:lumOff val="50000"/>
-                  </a:schemeClr>
-                </a:solidFill>
-              </a:defRPr>
-            </a:lvl1pPr>
-          </a:lstStyle>
           <a:p>
             <a:pPr rtl="0"/>
             <a:fld id="{8699F50C-BE38-4BD0-BA84-9B090E1F2B9B}" type="slidenum">
@@ -19134,10 +22640,39 @@
           </a:p>
         </p:txBody>
       </p:sp>
+      <p:pic>
+        <p:nvPicPr>
+          <p:cNvPr id="6" name="Segnaposto contenuto 5" descr="Immagine che contiene testo, mappa&#10;&#10;Descrizione generata automaticamente">
+            <a:extLst>
+              <a:ext uri="{FF2B5EF4-FFF2-40B4-BE49-F238E27FC236}">
+                <a16:creationId xmlns:a16="http://schemas.microsoft.com/office/drawing/2014/main" id="{9F864FC5-0AF8-48D5-9652-BD30A4FC5C63}"/>
+              </a:ext>
+            </a:extLst>
+          </p:cNvPr>
+          <p:cNvPicPr>
+            <a:picLocks noGrp="1" noChangeAspect="1"/>
+          </p:cNvPicPr>
+          <p:nvPr>
+            <p:ph idx="1"/>
+          </p:nvPr>
+        </p:nvPicPr>
+        <p:blipFill>
+          <a:blip r:embed="rId3"/>
+          <a:stretch>
+            <a:fillRect/>
+          </a:stretch>
+        </p:blipFill>
+        <p:spPr>
+          <a:xfrm>
+            <a:off x="2075970" y="3278670"/>
+            <a:ext cx="5798030" cy="2338221"/>
+          </a:xfrm>
+        </p:spPr>
+      </p:pic>
     </p:spTree>
     <p:extLst>
       <p:ext uri="{BB962C8B-B14F-4D97-AF65-F5344CB8AC3E}">
-        <p14:creationId xmlns:p14="http://schemas.microsoft.com/office/powerpoint/2010/main" val="3891516162"/>
+        <p14:creationId xmlns:p14="http://schemas.microsoft.com/office/powerpoint/2010/main" val="972005540"/>
       </p:ext>
     </p:extLst>
   </p:cSld>
@@ -19166,10 +22701,10 @@
       </p:grpSpPr>
       <p:sp>
         <p:nvSpPr>
-          <p:cNvPr id="4" name="Titolo 3">
-            <a:extLst>
-              <a:ext uri="{FF2B5EF4-FFF2-40B4-BE49-F238E27FC236}">
-                <a16:creationId xmlns:a16="http://schemas.microsoft.com/office/drawing/2014/main" id="{1ABE11BF-33A5-4653-A144-CCCBACF58C30}"/>
+          <p:cNvPr id="14" name="Titolo 13">
+            <a:extLst>
+              <a:ext uri="{FF2B5EF4-FFF2-40B4-BE49-F238E27FC236}">
+                <a16:creationId xmlns:a16="http://schemas.microsoft.com/office/drawing/2014/main" id="{E3E5EE03-FBF6-46F5-8085-716AC6CE1C8C}"/>
               </a:ext>
             </a:extLst>
           </p:cNvPr>
@@ -19187,19 +22722,18 @@
           <a:p>
             <a:pPr rtl="0"/>
             <a:r>
-              <a:rPr lang="it-IT" dirty="0"/>
-              <a:t>LEGGE DI DEMETRA</a:t>
-            </a:r>
-            <a:endParaRPr lang="it-IT" b="0" dirty="0"/>
-          </a:p>
-        </p:txBody>
-      </p:sp>
-      <p:sp>
-        <p:nvSpPr>
-          <p:cNvPr id="9" name="Segnaposto testo 8">
-            <a:extLst>
-              <a:ext uri="{FF2B5EF4-FFF2-40B4-BE49-F238E27FC236}">
-                <a16:creationId xmlns:a16="http://schemas.microsoft.com/office/drawing/2014/main" id="{53469036-D1FB-4164-96AE-B6D8CECCFC96}"/>
+              <a:rPr lang="it-IT" b="0" dirty="0"/>
+              <a:t>POLIMORFISMO</a:t>
+            </a:r>
+          </a:p>
+        </p:txBody>
+      </p:sp>
+      <p:sp>
+        <p:nvSpPr>
+          <p:cNvPr id="19" name="Segnaposto testo 18">
+            <a:extLst>
+              <a:ext uri="{FF2B5EF4-FFF2-40B4-BE49-F238E27FC236}">
+                <a16:creationId xmlns:a16="http://schemas.microsoft.com/office/drawing/2014/main" id="{DFE11F38-F66B-4F95-8224-6CCA69D57617}"/>
               </a:ext>
             </a:extLst>
           </p:cNvPr>
@@ -19207,7 +22741,7 @@
             <a:spLocks noGrp="1"/>
           </p:cNvSpPr>
           <p:nvPr>
-            <p:ph type="body" sz="quarter" idx="13"/>
+            <p:ph type="body" sz="quarter" idx="16"/>
           </p:nvPr>
         </p:nvSpPr>
         <p:spPr/>
@@ -19225,10 +22759,10 @@
       </p:sp>
       <p:sp>
         <p:nvSpPr>
-          <p:cNvPr id="7" name="Segnaposto contenuto 6">
-            <a:extLst>
-              <a:ext uri="{FF2B5EF4-FFF2-40B4-BE49-F238E27FC236}">
-                <a16:creationId xmlns:a16="http://schemas.microsoft.com/office/drawing/2014/main" id="{2482DBEC-EE72-4155-ACC5-87E80C5606A9}"/>
+          <p:cNvPr id="15" name="Segnaposto testo 14">
+            <a:extLst>
+              <a:ext uri="{FF2B5EF4-FFF2-40B4-BE49-F238E27FC236}">
+                <a16:creationId xmlns:a16="http://schemas.microsoft.com/office/drawing/2014/main" id="{24E18385-8BEA-4522-ABAA-5AB38F0D4FC2}"/>
               </a:ext>
             </a:extLst>
           </p:cNvPr>
@@ -19236,63 +22770,7 @@
             <a:spLocks noGrp="1"/>
           </p:cNvSpPr>
           <p:nvPr>
-            <p:ph idx="1"/>
-          </p:nvPr>
-        </p:nvSpPr>
-        <p:spPr>
-          <a:xfrm>
-            <a:off x="531378" y="3129540"/>
-            <a:ext cx="6856558" cy="2958275"/>
-          </a:xfrm>
-        </p:spPr>
-        <p:txBody>
-          <a:bodyPr rtlCol="0">
-            <a:normAutofit/>
-          </a:bodyPr>
-          <a:lstStyle/>
-          <a:p>
-            <a:pPr lvl="0" rtl="0"/>
-            <a:r>
-              <a:rPr lang="it-IT" dirty="0"/>
-              <a:t>Specializzazione del Pattern </a:t>
-            </a:r>
-            <a:r>
-              <a:rPr lang="it-IT" dirty="0" err="1"/>
-              <a:t>Protected</a:t>
-            </a:r>
-            <a:r>
-              <a:rPr lang="it-IT" dirty="0"/>
-              <a:t> </a:t>
-            </a:r>
-            <a:r>
-              <a:rPr lang="it-IT" dirty="0" err="1"/>
-              <a:t>Variation</a:t>
-            </a:r>
-            <a:endParaRPr lang="it-IT" dirty="0"/>
-          </a:p>
-          <a:p>
-            <a:pPr lvl="0" rtl="0"/>
-            <a:r>
-              <a:rPr lang="it-IT" dirty="0"/>
-              <a:t>Seguendo la Legge di Demetra abbiamo fatto in modo di far parlare ciascuna classe solo con classi con cui si ha diretta dipendenza, evitando di parlare con «stranieri», cioè oggetti indiretti.</a:t>
-            </a:r>
-          </a:p>
-        </p:txBody>
-      </p:sp>
-      <p:sp>
-        <p:nvSpPr>
-          <p:cNvPr id="11" name="Segnaposto piè di pagina 10">
-            <a:extLst>
-              <a:ext uri="{FF2B5EF4-FFF2-40B4-BE49-F238E27FC236}">
-                <a16:creationId xmlns:a16="http://schemas.microsoft.com/office/drawing/2014/main" id="{47F4D2C2-B71A-4089-A3FE-603C32706CA6}"/>
-              </a:ext>
-            </a:extLst>
-          </p:cNvPr>
-          <p:cNvSpPr>
-            <a:spLocks noGrp="1"/>
-          </p:cNvSpPr>
-          <p:nvPr>
-            <p:ph type="ftr" sz="quarter" idx="14"/>
+            <p:ph type="body" idx="1"/>
           </p:nvPr>
         </p:nvSpPr>
         <p:spPr/>
@@ -19303,17 +22781,17 @@
             <a:pPr rtl="0"/>
             <a:r>
               <a:rPr lang="it-IT" dirty="0"/>
-              <a:t>Aggiungere un piè di pagina</a:t>
-            </a:r>
-          </a:p>
-        </p:txBody>
-      </p:sp>
-      <p:sp>
-        <p:nvSpPr>
-          <p:cNvPr id="12" name="Segnaposto numero diapositiva 11">
-            <a:extLst>
-              <a:ext uri="{FF2B5EF4-FFF2-40B4-BE49-F238E27FC236}">
-                <a16:creationId xmlns:a16="http://schemas.microsoft.com/office/drawing/2014/main" id="{FBA1BB58-7555-4382-B178-7ED04E137E77}"/>
+              <a:t>Vantaggi</a:t>
+            </a:r>
+          </a:p>
+        </p:txBody>
+      </p:sp>
+      <p:sp>
+        <p:nvSpPr>
+          <p:cNvPr id="16" name="Segnaposto contenuto 15">
+            <a:extLst>
+              <a:ext uri="{FF2B5EF4-FFF2-40B4-BE49-F238E27FC236}">
+                <a16:creationId xmlns:a16="http://schemas.microsoft.com/office/drawing/2014/main" id="{1DCFA8A2-3FB8-48CA-933D-0800A9D2A2A2}"/>
               </a:ext>
             </a:extLst>
           </p:cNvPr>
@@ -19321,13 +22799,200 @@
             <a:spLocks noGrp="1"/>
           </p:cNvSpPr>
           <p:nvPr>
-            <p:ph type="sldNum" sz="quarter" idx="15"/>
+            <p:ph sz="half" idx="13"/>
           </p:nvPr>
         </p:nvSpPr>
         <p:spPr/>
         <p:txBody>
           <a:bodyPr rtlCol="0"/>
           <a:lstStyle/>
+          <a:p>
+            <a:pPr rtl="0">
+              <a:buClr>
+                <a:schemeClr val="accent2"/>
+              </a:buClr>
+            </a:pPr>
+            <a:r>
+              <a:rPr lang="it-IT" dirty="0"/>
+              <a:t>Le nuove categorie sono facili da aggiungere:</a:t>
+            </a:r>
+          </a:p>
+          <a:p>
+            <a:pPr lvl="1" rtl="0">
+              <a:buClr>
+                <a:schemeClr val="accent2"/>
+              </a:buClr>
+            </a:pPr>
+            <a:r>
+              <a:rPr lang="it-IT" dirty="0"/>
+              <a:t>Basta implementare il metodo astratto per l’aggiunta dei campi specifici di ogni categoria.</a:t>
+            </a:r>
+          </a:p>
+          <a:p>
+            <a:pPr lvl="1">
+              <a:buClr>
+                <a:schemeClr val="accent2"/>
+              </a:buClr>
+            </a:pPr>
+            <a:r>
+              <a:rPr lang="it-IT" dirty="0"/>
+              <a:t>Le nuove categorie non influenzano le classi utilizzatrici.</a:t>
+            </a:r>
+          </a:p>
+        </p:txBody>
+      </p:sp>
+      <p:sp>
+        <p:nvSpPr>
+          <p:cNvPr id="17" name="Segnaposto testo 16">
+            <a:extLst>
+              <a:ext uri="{FF2B5EF4-FFF2-40B4-BE49-F238E27FC236}">
+                <a16:creationId xmlns:a16="http://schemas.microsoft.com/office/drawing/2014/main" id="{640A3223-3DA3-4CF2-82B6-1447667547BD}"/>
+              </a:ext>
+            </a:extLst>
+          </p:cNvPr>
+          <p:cNvSpPr>
+            <a:spLocks noGrp="1"/>
+          </p:cNvSpPr>
+          <p:nvPr>
+            <p:ph type="body" sz="quarter" idx="14"/>
+          </p:nvPr>
+        </p:nvSpPr>
+        <p:spPr/>
+        <p:txBody>
+          <a:bodyPr rtlCol="0"/>
+          <a:lstStyle/>
+          <a:p>
+            <a:pPr rtl="0"/>
+            <a:r>
+              <a:rPr lang="it-IT" dirty="0"/>
+              <a:t>Alternativa al polimorfismo</a:t>
+            </a:r>
+          </a:p>
+        </p:txBody>
+      </p:sp>
+      <p:sp>
+        <p:nvSpPr>
+          <p:cNvPr id="18" name="Segnaposto contenuto 17">
+            <a:extLst>
+              <a:ext uri="{FF2B5EF4-FFF2-40B4-BE49-F238E27FC236}">
+                <a16:creationId xmlns:a16="http://schemas.microsoft.com/office/drawing/2014/main" id="{C955AFB3-173C-4848-B3E9-1375591B297E}"/>
+              </a:ext>
+            </a:extLst>
+          </p:cNvPr>
+          <p:cNvSpPr>
+            <a:spLocks noGrp="1"/>
+          </p:cNvSpPr>
+          <p:nvPr>
+            <p:ph sz="quarter" idx="15"/>
+          </p:nvPr>
+        </p:nvSpPr>
+        <p:spPr/>
+        <p:txBody>
+          <a:bodyPr rtlCol="0"/>
+          <a:lstStyle/>
+          <a:p>
+            <a:pPr rtl="0">
+              <a:buClr>
+                <a:schemeClr val="accent2"/>
+              </a:buClr>
+            </a:pPr>
+            <a:r>
+              <a:rPr lang="it-IT" dirty="0"/>
+              <a:t>Il pattern rappresenta una soluzione migliore all’utilizzo di uno Switch e di un case per ogni categoria:</a:t>
+            </a:r>
+          </a:p>
+          <a:p>
+            <a:pPr lvl="1">
+              <a:buClr>
+                <a:schemeClr val="accent2"/>
+              </a:buClr>
+            </a:pPr>
+            <a:r>
+              <a:rPr lang="it-IT" dirty="0"/>
+              <a:t>Il pattern </a:t>
+            </a:r>
+            <a:r>
+              <a:rPr lang="it-IT" dirty="0" err="1"/>
+              <a:t>Polymorphism</a:t>
+            </a:r>
+            <a:r>
+              <a:rPr lang="it-IT" dirty="0"/>
+              <a:t> permette di assegnare le responsabilità del comportamento ai tipi per i quali il comportamento varia.</a:t>
+            </a:r>
+          </a:p>
+        </p:txBody>
+      </p:sp>
+      <p:sp>
+        <p:nvSpPr>
+          <p:cNvPr id="20" name="Segnaposto piè di pagina 4">
+            <a:extLst>
+              <a:ext uri="{FF2B5EF4-FFF2-40B4-BE49-F238E27FC236}">
+                <a16:creationId xmlns:a16="http://schemas.microsoft.com/office/drawing/2014/main" id="{391D3201-20F9-4DD7-B4EB-F41AF17CA428}"/>
+              </a:ext>
+            </a:extLst>
+          </p:cNvPr>
+          <p:cNvSpPr>
+            <a:spLocks noGrp="1"/>
+          </p:cNvSpPr>
+          <p:nvPr>
+            <p:ph type="ftr" sz="quarter" idx="17"/>
+          </p:nvPr>
+        </p:nvSpPr>
+        <p:spPr/>
+        <p:txBody>
+          <a:bodyPr rtlCol="0"/>
+          <a:lstStyle>
+            <a:lvl1pPr algn="r">
+              <a:defRPr sz="1200">
+                <a:solidFill>
+                  <a:schemeClr val="tx1">
+                    <a:lumMod val="50000"/>
+                    <a:lumOff val="50000"/>
+                  </a:schemeClr>
+                </a:solidFill>
+              </a:defRPr>
+            </a:lvl1pPr>
+          </a:lstStyle>
+          <a:p>
+            <a:pPr algn="l" rtl="0"/>
+            <a:r>
+              <a:rPr lang="it-IT" dirty="0"/>
+              <a:t>Aggiungere un piè di pagina</a:t>
+            </a:r>
+          </a:p>
+        </p:txBody>
+      </p:sp>
+      <p:sp>
+        <p:nvSpPr>
+          <p:cNvPr id="21" name="Segnaposto numero diapositiva 5">
+            <a:extLst>
+              <a:ext uri="{FF2B5EF4-FFF2-40B4-BE49-F238E27FC236}">
+                <a16:creationId xmlns:a16="http://schemas.microsoft.com/office/drawing/2014/main" id="{C7C65DDB-24F2-44CF-AE02-F3A6C8B1858B}"/>
+              </a:ext>
+            </a:extLst>
+          </p:cNvPr>
+          <p:cNvSpPr>
+            <a:spLocks noGrp="1"/>
+          </p:cNvSpPr>
+          <p:nvPr>
+            <p:ph type="sldNum" sz="quarter" idx="18"/>
+          </p:nvPr>
+        </p:nvSpPr>
+        <p:spPr/>
+        <p:txBody>
+          <a:bodyPr rtlCol="0"/>
+          <a:lstStyle>
+            <a:lvl1pPr algn="r">
+              <a:defRPr sz="1200">
+                <a:solidFill>
+                  <a:schemeClr val="tx1">
+                    <a:lumMod val="50000"/>
+                    <a:lumOff val="50000"/>
+                  </a:schemeClr>
+                </a:solidFill>
+              </a:defRPr>
+            </a:lvl1pPr>
+          </a:lstStyle>
           <a:p>
             <a:pPr rtl="0"/>
             <a:fld id="{8699F50C-BE38-4BD0-BA84-9B090E1F2B9B}" type="slidenum">
@@ -19342,7 +23007,7 @@
     </p:spTree>
     <p:extLst>
       <p:ext uri="{BB962C8B-B14F-4D97-AF65-F5344CB8AC3E}">
-        <p14:creationId xmlns:p14="http://schemas.microsoft.com/office/powerpoint/2010/main" val="3516539168"/>
+        <p14:creationId xmlns:p14="http://schemas.microsoft.com/office/powerpoint/2010/main" val="3891516162"/>
       </p:ext>
     </p:extLst>
   </p:cSld>
@@ -19371,10 +23036,10 @@
       </p:grpSpPr>
       <p:sp>
         <p:nvSpPr>
-          <p:cNvPr id="14" name="Titolo 13">
-            <a:extLst>
-              <a:ext uri="{FF2B5EF4-FFF2-40B4-BE49-F238E27FC236}">
-                <a16:creationId xmlns:a16="http://schemas.microsoft.com/office/drawing/2014/main" id="{E3E5EE03-FBF6-46F5-8085-716AC6CE1C8C}"/>
+          <p:cNvPr id="4" name="Titolo 3">
+            <a:extLst>
+              <a:ext uri="{FF2B5EF4-FFF2-40B4-BE49-F238E27FC236}">
+                <a16:creationId xmlns:a16="http://schemas.microsoft.com/office/drawing/2014/main" id="{1ABE11BF-33A5-4653-A144-CCCBACF58C30}"/>
               </a:ext>
             </a:extLst>
           </p:cNvPr>
@@ -19392,18 +23057,19 @@
           <a:p>
             <a:pPr rtl="0"/>
             <a:r>
-              <a:rPr lang="it-IT" b="0" dirty="0"/>
+              <a:rPr lang="it-IT" dirty="0"/>
               <a:t>LEGGE DI DEMETRA</a:t>
             </a:r>
-          </a:p>
-        </p:txBody>
-      </p:sp>
-      <p:sp>
-        <p:nvSpPr>
-          <p:cNvPr id="19" name="Segnaposto testo 18">
-            <a:extLst>
-              <a:ext uri="{FF2B5EF4-FFF2-40B4-BE49-F238E27FC236}">
-                <a16:creationId xmlns:a16="http://schemas.microsoft.com/office/drawing/2014/main" id="{DFE11F38-F66B-4F95-8224-6CCA69D57617}"/>
+            <a:endParaRPr lang="it-IT" b="0" dirty="0"/>
+          </a:p>
+        </p:txBody>
+      </p:sp>
+      <p:sp>
+        <p:nvSpPr>
+          <p:cNvPr id="9" name="Segnaposto testo 8">
+            <a:extLst>
+              <a:ext uri="{FF2B5EF4-FFF2-40B4-BE49-F238E27FC236}">
+                <a16:creationId xmlns:a16="http://schemas.microsoft.com/office/drawing/2014/main" id="{53469036-D1FB-4164-96AE-B6D8CECCFC96}"/>
               </a:ext>
             </a:extLst>
           </p:cNvPr>
@@ -19411,7 +23077,7 @@
             <a:spLocks noGrp="1"/>
           </p:cNvSpPr>
           <p:nvPr>
-            <p:ph type="body" sz="quarter" idx="16"/>
+            <p:ph type="body" sz="quarter" idx="13"/>
           </p:nvPr>
         </p:nvSpPr>
         <p:spPr/>
@@ -19429,10 +23095,10 @@
       </p:sp>
       <p:sp>
         <p:nvSpPr>
-          <p:cNvPr id="15" name="Segnaposto testo 14">
-            <a:extLst>
-              <a:ext uri="{FF2B5EF4-FFF2-40B4-BE49-F238E27FC236}">
-                <a16:creationId xmlns:a16="http://schemas.microsoft.com/office/drawing/2014/main" id="{24E18385-8BEA-4522-ABAA-5AB38F0D4FC2}"/>
+          <p:cNvPr id="7" name="Segnaposto contenuto 6">
+            <a:extLst>
+              <a:ext uri="{FF2B5EF4-FFF2-40B4-BE49-F238E27FC236}">
+                <a16:creationId xmlns:a16="http://schemas.microsoft.com/office/drawing/2014/main" id="{2482DBEC-EE72-4155-ACC5-87E80C5606A9}"/>
               </a:ext>
             </a:extLst>
           </p:cNvPr>
@@ -19440,7 +23106,63 @@
             <a:spLocks noGrp="1"/>
           </p:cNvSpPr>
           <p:nvPr>
-            <p:ph type="body" idx="1"/>
+            <p:ph idx="1"/>
+          </p:nvPr>
+        </p:nvSpPr>
+        <p:spPr>
+          <a:xfrm>
+            <a:off x="531378" y="3129540"/>
+            <a:ext cx="6856558" cy="2958275"/>
+          </a:xfrm>
+        </p:spPr>
+        <p:txBody>
+          <a:bodyPr rtlCol="0">
+            <a:normAutofit/>
+          </a:bodyPr>
+          <a:lstStyle/>
+          <a:p>
+            <a:pPr lvl="0" rtl="0"/>
+            <a:r>
+              <a:rPr lang="it-IT" dirty="0"/>
+              <a:t>Specializzazione del Pattern </a:t>
+            </a:r>
+            <a:r>
+              <a:rPr lang="it-IT" dirty="0" err="1"/>
+              <a:t>Protected</a:t>
+            </a:r>
+            <a:r>
+              <a:rPr lang="it-IT" dirty="0"/>
+              <a:t> </a:t>
+            </a:r>
+            <a:r>
+              <a:rPr lang="it-IT" dirty="0" err="1"/>
+              <a:t>Variation</a:t>
+            </a:r>
+            <a:endParaRPr lang="it-IT" dirty="0"/>
+          </a:p>
+          <a:p>
+            <a:pPr lvl="0" rtl="0"/>
+            <a:r>
+              <a:rPr lang="it-IT" dirty="0"/>
+              <a:t>Seguendo la Legge di Demetra abbiamo fatto in modo di far parlare ciascuna classe solo con classi con cui si ha diretta dipendenza, evitando di parlare con «stranieri», cioè oggetti indiretti.</a:t>
+            </a:r>
+          </a:p>
+        </p:txBody>
+      </p:sp>
+      <p:sp>
+        <p:nvSpPr>
+          <p:cNvPr id="11" name="Segnaposto piè di pagina 10">
+            <a:extLst>
+              <a:ext uri="{FF2B5EF4-FFF2-40B4-BE49-F238E27FC236}">
+                <a16:creationId xmlns:a16="http://schemas.microsoft.com/office/drawing/2014/main" id="{47F4D2C2-B71A-4089-A3FE-603C32706CA6}"/>
+              </a:ext>
+            </a:extLst>
+          </p:cNvPr>
+          <p:cNvSpPr>
+            <a:spLocks noGrp="1"/>
+          </p:cNvSpPr>
+          <p:nvPr>
+            <p:ph type="ftr" sz="quarter" idx="14"/>
           </p:nvPr>
         </p:nvSpPr>
         <p:spPr/>
@@ -19451,17 +23173,17 @@
             <a:pPr rtl="0"/>
             <a:r>
               <a:rPr lang="it-IT" dirty="0"/>
-              <a:t>Con Legge di Demetra</a:t>
-            </a:r>
-          </a:p>
-        </p:txBody>
-      </p:sp>
-      <p:sp>
-        <p:nvSpPr>
-          <p:cNvPr id="16" name="Segnaposto contenuto 15">
-            <a:extLst>
-              <a:ext uri="{FF2B5EF4-FFF2-40B4-BE49-F238E27FC236}">
-                <a16:creationId xmlns:a16="http://schemas.microsoft.com/office/drawing/2014/main" id="{1DCFA8A2-3FB8-48CA-933D-0800A9D2A2A2}"/>
+              <a:t>Aggiungere un piè di pagina</a:t>
+            </a:r>
+          </a:p>
+        </p:txBody>
+      </p:sp>
+      <p:sp>
+        <p:nvSpPr>
+          <p:cNvPr id="12" name="Segnaposto numero diapositiva 11">
+            <a:extLst>
+              <a:ext uri="{FF2B5EF4-FFF2-40B4-BE49-F238E27FC236}">
+                <a16:creationId xmlns:a16="http://schemas.microsoft.com/office/drawing/2014/main" id="{FBA1BB58-7555-4382-B178-7ED04E137E77}"/>
               </a:ext>
             </a:extLst>
           </p:cNvPr>
@@ -19469,335 +23191,13 @@
             <a:spLocks noGrp="1"/>
           </p:cNvSpPr>
           <p:nvPr>
-            <p:ph sz="half" idx="13"/>
-          </p:nvPr>
-        </p:nvSpPr>
-        <p:spPr>
-          <a:xfrm>
-            <a:off x="520698" y="2886076"/>
-            <a:ext cx="5475290" cy="3232149"/>
-          </a:xfrm>
-        </p:spPr>
+            <p:ph type="sldNum" sz="quarter" idx="15"/>
+          </p:nvPr>
+        </p:nvSpPr>
+        <p:spPr/>
         <p:txBody>
           <a:bodyPr rtlCol="0"/>
           <a:lstStyle/>
-          <a:p>
-            <a:pPr marL="0" indent="0" rtl="0">
-              <a:buClr>
-                <a:schemeClr val="accent2"/>
-              </a:buClr>
-              <a:buNone/>
-            </a:pPr>
-            <a:r>
-              <a:rPr lang="it-IT" i="1" dirty="0" err="1"/>
-              <a:t>Proposal</a:t>
-            </a:r>
-            <a:r>
-              <a:rPr lang="it-IT" i="1" dirty="0"/>
-              <a:t> </a:t>
-            </a:r>
-            <a:r>
-              <a:rPr lang="it-IT" i="1" dirty="0" err="1"/>
-              <a:t>proposal</a:t>
-            </a:r>
-            <a:r>
-              <a:rPr lang="it-IT" i="1" dirty="0"/>
-              <a:t> = new </a:t>
-            </a:r>
-            <a:r>
-              <a:rPr lang="it-IT" i="1" dirty="0" err="1"/>
-              <a:t>Proposal</a:t>
-            </a:r>
-            <a:r>
-              <a:rPr lang="it-IT" i="1" dirty="0"/>
-              <a:t>(event);</a:t>
-            </a:r>
-          </a:p>
-          <a:p>
-            <a:pPr marL="0" indent="0" rtl="0">
-              <a:buClr>
-                <a:schemeClr val="accent2"/>
-              </a:buClr>
-              <a:buNone/>
-            </a:pPr>
-            <a:r>
-              <a:rPr lang="it-IT" i="1" dirty="0" err="1">
-                <a:solidFill>
-                  <a:schemeClr val="accent5">
-                    <a:lumMod val="40000"/>
-                    <a:lumOff val="60000"/>
-                  </a:schemeClr>
-                </a:solidFill>
-              </a:rPr>
-              <a:t>proposal.setValue</a:t>
-            </a:r>
-            <a:r>
-              <a:rPr lang="it-IT" i="1" dirty="0">
-                <a:solidFill>
-                  <a:schemeClr val="accent5">
-                    <a:lumMod val="40000"/>
-                    <a:lumOff val="60000"/>
-                  </a:schemeClr>
-                </a:solidFill>
-              </a:rPr>
-              <a:t>(name, </a:t>
-            </a:r>
-            <a:r>
-              <a:rPr lang="it-IT" i="1" dirty="0" err="1">
-                <a:solidFill>
-                  <a:schemeClr val="accent5">
-                    <a:lumMod val="40000"/>
-                    <a:lumOff val="60000"/>
-                  </a:schemeClr>
-                </a:solidFill>
-              </a:rPr>
-              <a:t>value</a:t>
-            </a:r>
-            <a:r>
-              <a:rPr lang="it-IT" i="1" dirty="0">
-                <a:solidFill>
-                  <a:schemeClr val="accent5">
-                    <a:lumMod val="40000"/>
-                    <a:lumOff val="60000"/>
-                  </a:schemeClr>
-                </a:solidFill>
-              </a:rPr>
-              <a:t>);</a:t>
-            </a:r>
-          </a:p>
-        </p:txBody>
-      </p:sp>
-      <p:sp>
-        <p:nvSpPr>
-          <p:cNvPr id="17" name="Segnaposto testo 16">
-            <a:extLst>
-              <a:ext uri="{FF2B5EF4-FFF2-40B4-BE49-F238E27FC236}">
-                <a16:creationId xmlns:a16="http://schemas.microsoft.com/office/drawing/2014/main" id="{640A3223-3DA3-4CF2-82B6-1447667547BD}"/>
-              </a:ext>
-            </a:extLst>
-          </p:cNvPr>
-          <p:cNvSpPr>
-            <a:spLocks noGrp="1"/>
-          </p:cNvSpPr>
-          <p:nvPr>
-            <p:ph type="body" sz="quarter" idx="14"/>
-          </p:nvPr>
-        </p:nvSpPr>
-        <p:spPr/>
-        <p:txBody>
-          <a:bodyPr rtlCol="0"/>
-          <a:lstStyle/>
-          <a:p>
-            <a:pPr rtl="0"/>
-            <a:r>
-              <a:rPr lang="it-IT" dirty="0"/>
-              <a:t>Senza Legge di Demetra</a:t>
-            </a:r>
-          </a:p>
-        </p:txBody>
-      </p:sp>
-      <p:sp>
-        <p:nvSpPr>
-          <p:cNvPr id="18" name="Segnaposto contenuto 17">
-            <a:extLst>
-              <a:ext uri="{FF2B5EF4-FFF2-40B4-BE49-F238E27FC236}">
-                <a16:creationId xmlns:a16="http://schemas.microsoft.com/office/drawing/2014/main" id="{C955AFB3-173C-4848-B3E9-1375591B297E}"/>
-              </a:ext>
-            </a:extLst>
-          </p:cNvPr>
-          <p:cNvSpPr>
-            <a:spLocks noGrp="1"/>
-          </p:cNvSpPr>
-          <p:nvPr>
-            <p:ph sz="quarter" idx="15"/>
-          </p:nvPr>
-        </p:nvSpPr>
-        <p:spPr/>
-        <p:txBody>
-          <a:bodyPr rtlCol="0"/>
-          <a:lstStyle/>
-          <a:p>
-            <a:pPr marL="0" indent="0">
-              <a:buClr>
-                <a:schemeClr val="accent2"/>
-              </a:buClr>
-              <a:buNone/>
-            </a:pPr>
-            <a:r>
-              <a:rPr lang="it-IT" i="1" dirty="0" err="1"/>
-              <a:t>Proposal</a:t>
-            </a:r>
-            <a:r>
-              <a:rPr lang="it-IT" i="1" dirty="0"/>
-              <a:t> </a:t>
-            </a:r>
-            <a:r>
-              <a:rPr lang="it-IT" i="1" dirty="0" err="1"/>
-              <a:t>proposal</a:t>
-            </a:r>
-            <a:r>
-              <a:rPr lang="it-IT" i="1" dirty="0"/>
-              <a:t> = new </a:t>
-            </a:r>
-            <a:r>
-              <a:rPr lang="it-IT" i="1" dirty="0" err="1"/>
-              <a:t>Proposal</a:t>
-            </a:r>
-            <a:r>
-              <a:rPr lang="it-IT" i="1" dirty="0"/>
-              <a:t>(event);</a:t>
-            </a:r>
-          </a:p>
-          <a:p>
-            <a:pPr marL="0" indent="0">
-              <a:buClr>
-                <a:schemeClr val="accent2"/>
-              </a:buClr>
-              <a:buNone/>
-            </a:pPr>
-            <a:r>
-              <a:rPr lang="en-US" i="1" dirty="0" err="1">
-                <a:solidFill>
-                  <a:srgbClr val="FF5050"/>
-                </a:solidFill>
-              </a:rPr>
-              <a:t>proposal.getEvent</a:t>
-            </a:r>
-            <a:r>
-              <a:rPr lang="en-US" i="1" dirty="0">
-                <a:solidFill>
-                  <a:srgbClr val="FF5050"/>
-                </a:solidFill>
-              </a:rPr>
-              <a:t>().</a:t>
-            </a:r>
-            <a:r>
-              <a:rPr lang="en-US" i="1" dirty="0" err="1">
-                <a:solidFill>
-                  <a:srgbClr val="FF5050"/>
-                </a:solidFill>
-              </a:rPr>
-              <a:t>getFieldSet</a:t>
-            </a:r>
-            <a:r>
-              <a:rPr lang="en-US" i="1" dirty="0">
-                <a:solidFill>
-                  <a:srgbClr val="FF5050"/>
-                </a:solidFill>
-              </a:rPr>
-              <a:t>().</a:t>
-            </a:r>
-            <a:r>
-              <a:rPr lang="en-US" i="1" dirty="0" err="1">
-                <a:solidFill>
-                  <a:srgbClr val="FF5050"/>
-                </a:solidFill>
-              </a:rPr>
-              <a:t>getField</a:t>
-            </a:r>
-            <a:r>
-              <a:rPr lang="en-US" i="1" dirty="0">
-                <a:solidFill>
-                  <a:srgbClr val="FF5050"/>
-                </a:solidFill>
-              </a:rPr>
-              <a:t>(name).</a:t>
-            </a:r>
-            <a:r>
-              <a:rPr lang="en-US" i="1" dirty="0" err="1">
-                <a:solidFill>
-                  <a:srgbClr val="FF5050"/>
-                </a:solidFill>
-              </a:rPr>
-              <a:t>setValue</a:t>
-            </a:r>
-            <a:r>
-              <a:rPr lang="en-US" i="1" dirty="0">
-                <a:solidFill>
-                  <a:srgbClr val="FF5050"/>
-                </a:solidFill>
-              </a:rPr>
-              <a:t>(value);</a:t>
-            </a:r>
-            <a:endParaRPr lang="it-IT" dirty="0">
-              <a:solidFill>
-                <a:srgbClr val="FF5050"/>
-              </a:solidFill>
-            </a:endParaRPr>
-          </a:p>
-        </p:txBody>
-      </p:sp>
-      <p:sp>
-        <p:nvSpPr>
-          <p:cNvPr id="20" name="Segnaposto piè di pagina 4">
-            <a:extLst>
-              <a:ext uri="{FF2B5EF4-FFF2-40B4-BE49-F238E27FC236}">
-                <a16:creationId xmlns:a16="http://schemas.microsoft.com/office/drawing/2014/main" id="{391D3201-20F9-4DD7-B4EB-F41AF17CA428}"/>
-              </a:ext>
-            </a:extLst>
-          </p:cNvPr>
-          <p:cNvSpPr>
-            <a:spLocks noGrp="1"/>
-          </p:cNvSpPr>
-          <p:nvPr>
-            <p:ph type="ftr" sz="quarter" idx="17"/>
-          </p:nvPr>
-        </p:nvSpPr>
-        <p:spPr/>
-        <p:txBody>
-          <a:bodyPr rtlCol="0"/>
-          <a:lstStyle>
-            <a:lvl1pPr algn="r">
-              <a:defRPr sz="1200">
-                <a:solidFill>
-                  <a:schemeClr val="tx1">
-                    <a:lumMod val="50000"/>
-                    <a:lumOff val="50000"/>
-                  </a:schemeClr>
-                </a:solidFill>
-              </a:defRPr>
-            </a:lvl1pPr>
-          </a:lstStyle>
-          <a:p>
-            <a:pPr algn="l" rtl="0"/>
-            <a:r>
-              <a:rPr lang="it-IT" dirty="0"/>
-              <a:t>Aggiungere un piè di pagina</a:t>
-            </a:r>
-          </a:p>
-        </p:txBody>
-      </p:sp>
-      <p:sp>
-        <p:nvSpPr>
-          <p:cNvPr id="21" name="Segnaposto numero diapositiva 5">
-            <a:extLst>
-              <a:ext uri="{FF2B5EF4-FFF2-40B4-BE49-F238E27FC236}">
-                <a16:creationId xmlns:a16="http://schemas.microsoft.com/office/drawing/2014/main" id="{C7C65DDB-24F2-44CF-AE02-F3A6C8B1858B}"/>
-              </a:ext>
-            </a:extLst>
-          </p:cNvPr>
-          <p:cNvSpPr>
-            <a:spLocks noGrp="1"/>
-          </p:cNvSpPr>
-          <p:nvPr>
-            <p:ph type="sldNum" sz="quarter" idx="18"/>
-          </p:nvPr>
-        </p:nvSpPr>
-        <p:spPr/>
-        <p:txBody>
-          <a:bodyPr rtlCol="0"/>
-          <a:lstStyle>
-            <a:lvl1pPr algn="r">
-              <a:defRPr sz="1200">
-                <a:solidFill>
-                  <a:schemeClr val="tx1">
-                    <a:lumMod val="50000"/>
-                    <a:lumOff val="50000"/>
-                  </a:schemeClr>
-                </a:solidFill>
-              </a:defRPr>
-            </a:lvl1pPr>
-          </a:lstStyle>
           <a:p>
             <a:pPr rtl="0"/>
             <a:fld id="{8699F50C-BE38-4BD0-BA84-9B090E1F2B9B}" type="slidenum">
@@ -19812,7 +23212,7 @@
     </p:spTree>
     <p:extLst>
       <p:ext uri="{BB962C8B-B14F-4D97-AF65-F5344CB8AC3E}">
-        <p14:creationId xmlns:p14="http://schemas.microsoft.com/office/powerpoint/2010/main" val="201870909"/>
+        <p14:creationId xmlns:p14="http://schemas.microsoft.com/office/powerpoint/2010/main" val="3516539168"/>
       </p:ext>
     </p:extLst>
   </p:cSld>
@@ -19841,10 +23241,10 @@
       </p:grpSpPr>
       <p:sp>
         <p:nvSpPr>
-          <p:cNvPr id="4" name="Titolo 3">
-            <a:extLst>
-              <a:ext uri="{FF2B5EF4-FFF2-40B4-BE49-F238E27FC236}">
-                <a16:creationId xmlns:a16="http://schemas.microsoft.com/office/drawing/2014/main" id="{1ABE11BF-33A5-4653-A144-CCCBACF58C30}"/>
+          <p:cNvPr id="14" name="Titolo 13">
+            <a:extLst>
+              <a:ext uri="{FF2B5EF4-FFF2-40B4-BE49-F238E27FC236}">
+                <a16:creationId xmlns:a16="http://schemas.microsoft.com/office/drawing/2014/main" id="{E3E5EE03-FBF6-46F5-8085-716AC6CE1C8C}"/>
               </a:ext>
             </a:extLst>
           </p:cNvPr>
@@ -19862,19 +23262,18 @@
           <a:p>
             <a:pPr rtl="0"/>
             <a:r>
-              <a:rPr lang="it-IT" dirty="0"/>
+              <a:rPr lang="it-IT" b="0" dirty="0"/>
               <a:t>LEGGE DI DEMETRA</a:t>
             </a:r>
-            <a:endParaRPr lang="it-IT" b="0" dirty="0"/>
-          </a:p>
-        </p:txBody>
-      </p:sp>
-      <p:sp>
-        <p:nvSpPr>
-          <p:cNvPr id="9" name="Segnaposto testo 8">
-            <a:extLst>
-              <a:ext uri="{FF2B5EF4-FFF2-40B4-BE49-F238E27FC236}">
-                <a16:creationId xmlns:a16="http://schemas.microsoft.com/office/drawing/2014/main" id="{53469036-D1FB-4164-96AE-B6D8CECCFC96}"/>
+          </a:p>
+        </p:txBody>
+      </p:sp>
+      <p:sp>
+        <p:nvSpPr>
+          <p:cNvPr id="19" name="Segnaposto testo 18">
+            <a:extLst>
+              <a:ext uri="{FF2B5EF4-FFF2-40B4-BE49-F238E27FC236}">
+                <a16:creationId xmlns:a16="http://schemas.microsoft.com/office/drawing/2014/main" id="{DFE11F38-F66B-4F95-8224-6CCA69D57617}"/>
               </a:ext>
             </a:extLst>
           </p:cNvPr>
@@ -19882,7 +23281,7 @@
             <a:spLocks noGrp="1"/>
           </p:cNvSpPr>
           <p:nvPr>
-            <p:ph type="body" sz="quarter" idx="13"/>
+            <p:ph type="body" sz="quarter" idx="16"/>
           </p:nvPr>
         </p:nvSpPr>
         <p:spPr/>
@@ -19900,10 +23299,10 @@
       </p:sp>
       <p:sp>
         <p:nvSpPr>
-          <p:cNvPr id="7" name="Segnaposto contenuto 6">
-            <a:extLst>
-              <a:ext uri="{FF2B5EF4-FFF2-40B4-BE49-F238E27FC236}">
-                <a16:creationId xmlns:a16="http://schemas.microsoft.com/office/drawing/2014/main" id="{2482DBEC-EE72-4155-ACC5-87E80C5606A9}"/>
+          <p:cNvPr id="15" name="Segnaposto testo 14">
+            <a:extLst>
+              <a:ext uri="{FF2B5EF4-FFF2-40B4-BE49-F238E27FC236}">
+                <a16:creationId xmlns:a16="http://schemas.microsoft.com/office/drawing/2014/main" id="{24E18385-8BEA-4522-ABAA-5AB38F0D4FC2}"/>
               </a:ext>
             </a:extLst>
           </p:cNvPr>
@@ -19911,55 +23310,139 @@
             <a:spLocks noGrp="1"/>
           </p:cNvSpPr>
           <p:nvPr>
-            <p:ph idx="1"/>
+            <p:ph type="body" idx="1"/>
+          </p:nvPr>
+        </p:nvSpPr>
+        <p:spPr/>
+        <p:txBody>
+          <a:bodyPr rtlCol="0"/>
+          <a:lstStyle/>
+          <a:p>
+            <a:pPr rtl="0"/>
+            <a:r>
+              <a:rPr lang="it-IT" dirty="0"/>
+              <a:t>Con Legge di Demetra</a:t>
+            </a:r>
+          </a:p>
+        </p:txBody>
+      </p:sp>
+      <p:sp>
+        <p:nvSpPr>
+          <p:cNvPr id="16" name="Segnaposto contenuto 15">
+            <a:extLst>
+              <a:ext uri="{FF2B5EF4-FFF2-40B4-BE49-F238E27FC236}">
+                <a16:creationId xmlns:a16="http://schemas.microsoft.com/office/drawing/2014/main" id="{1DCFA8A2-3FB8-48CA-933D-0800A9D2A2A2}"/>
+              </a:ext>
+            </a:extLst>
+          </p:cNvPr>
+          <p:cNvSpPr>
+            <a:spLocks noGrp="1"/>
+          </p:cNvSpPr>
+          <p:nvPr>
+            <p:ph sz="half" idx="13"/>
           </p:nvPr>
         </p:nvSpPr>
         <p:spPr>
           <a:xfrm>
-            <a:off x="531378" y="3129540"/>
-            <a:ext cx="6856558" cy="2958275"/>
+            <a:off x="520698" y="2886076"/>
+            <a:ext cx="5475290" cy="3232149"/>
           </a:xfrm>
         </p:spPr>
         <p:txBody>
-          <a:bodyPr rtlCol="0">
-            <a:normAutofit/>
-          </a:bodyPr>
+          <a:bodyPr rtlCol="0"/>
           <a:lstStyle/>
           <a:p>
-            <a:pPr marL="0" indent="0">
+            <a:pPr marL="0" indent="0" rtl="0">
+              <a:buClr>
+                <a:schemeClr val="accent2"/>
+              </a:buClr>
               <a:buNone/>
             </a:pPr>
             <a:r>
-              <a:rPr lang="it-IT" dirty="0"/>
-              <a:t>VANTAGGI:</a:t>
-            </a:r>
-          </a:p>
-          <a:p>
-            <a:r>
-              <a:rPr lang="it-IT" dirty="0"/>
-              <a:t>Codice tende ad essere più mantenibile ed adattabile.</a:t>
-            </a:r>
-          </a:p>
-          <a:p>
-            <a:r>
-              <a:rPr lang="it-IT" dirty="0"/>
-              <a:t>Gli oggetti sono meno dipendenti dalla struttura interna degli altri oggetti.</a:t>
-            </a:r>
-          </a:p>
-          <a:p>
-            <a:r>
-              <a:rPr lang="it-IT" dirty="0"/>
-              <a:t>Elimina la fragilità rispetto ai cambiamenti nella struttura degli oggetti (punto di instabilità comune) </a:t>
-            </a:r>
-          </a:p>
-        </p:txBody>
-      </p:sp>
-      <p:sp>
-        <p:nvSpPr>
-          <p:cNvPr id="11" name="Segnaposto piè di pagina 10">
-            <a:extLst>
-              <a:ext uri="{FF2B5EF4-FFF2-40B4-BE49-F238E27FC236}">
-                <a16:creationId xmlns:a16="http://schemas.microsoft.com/office/drawing/2014/main" id="{47F4D2C2-B71A-4089-A3FE-603C32706CA6}"/>
+              <a:rPr lang="it-IT" i="1" dirty="0" err="1"/>
+              <a:t>Proposal</a:t>
+            </a:r>
+            <a:r>
+              <a:rPr lang="it-IT" i="1" dirty="0"/>
+              <a:t> </a:t>
+            </a:r>
+            <a:r>
+              <a:rPr lang="it-IT" i="1" dirty="0" err="1"/>
+              <a:t>proposal</a:t>
+            </a:r>
+            <a:r>
+              <a:rPr lang="it-IT" i="1" dirty="0"/>
+              <a:t> = new </a:t>
+            </a:r>
+            <a:r>
+              <a:rPr lang="it-IT" i="1" dirty="0" err="1"/>
+              <a:t>Proposal</a:t>
+            </a:r>
+            <a:r>
+              <a:rPr lang="it-IT" i="1" dirty="0"/>
+              <a:t>(event);</a:t>
+            </a:r>
+          </a:p>
+          <a:p>
+            <a:pPr marL="0" indent="0" rtl="0">
+              <a:buClr>
+                <a:schemeClr val="accent2"/>
+              </a:buClr>
+              <a:buNone/>
+            </a:pPr>
+            <a:r>
+              <a:rPr lang="it-IT" i="1" dirty="0" err="1">
+                <a:solidFill>
+                  <a:schemeClr val="accent5">
+                    <a:lumMod val="40000"/>
+                    <a:lumOff val="60000"/>
+                  </a:schemeClr>
+                </a:solidFill>
+              </a:rPr>
+              <a:t>proposal.setValue</a:t>
+            </a:r>
+            <a:r>
+              <a:rPr lang="it-IT" i="1" dirty="0">
+                <a:solidFill>
+                  <a:schemeClr val="accent5">
+                    <a:lumMod val="40000"/>
+                    <a:lumOff val="60000"/>
+                  </a:schemeClr>
+                </a:solidFill>
+              </a:rPr>
+              <a:t>(name, </a:t>
+            </a:r>
+            <a:r>
+              <a:rPr lang="it-IT" i="1" dirty="0" err="1">
+                <a:solidFill>
+                  <a:schemeClr val="accent5">
+                    <a:lumMod val="40000"/>
+                    <a:lumOff val="60000"/>
+                  </a:schemeClr>
+                </a:solidFill>
+              </a:rPr>
+              <a:t>value</a:t>
+            </a:r>
+            <a:r>
+              <a:rPr lang="it-IT" i="1" dirty="0">
+                <a:solidFill>
+                  <a:schemeClr val="accent5">
+                    <a:lumMod val="40000"/>
+                    <a:lumOff val="60000"/>
+                  </a:schemeClr>
+                </a:solidFill>
+              </a:rPr>
+              <a:t>);</a:t>
+            </a:r>
+          </a:p>
+        </p:txBody>
+      </p:sp>
+      <p:sp>
+        <p:nvSpPr>
+          <p:cNvPr id="17" name="Segnaposto testo 16">
+            <a:extLst>
+              <a:ext uri="{FF2B5EF4-FFF2-40B4-BE49-F238E27FC236}">
+                <a16:creationId xmlns:a16="http://schemas.microsoft.com/office/drawing/2014/main" id="{640A3223-3DA3-4CF2-82B6-1447667547BD}"/>
               </a:ext>
             </a:extLst>
           </p:cNvPr>
@@ -19967,7 +23450,7 @@
             <a:spLocks noGrp="1"/>
           </p:cNvSpPr>
           <p:nvPr>
-            <p:ph type="ftr" sz="quarter" idx="14"/>
+            <p:ph type="body" sz="quarter" idx="14"/>
           </p:nvPr>
         </p:nvSpPr>
         <p:spPr/>
@@ -19978,17 +23461,17 @@
             <a:pPr rtl="0"/>
             <a:r>
               <a:rPr lang="it-IT" dirty="0"/>
-              <a:t>Aggiungere un piè di pagina</a:t>
-            </a:r>
-          </a:p>
-        </p:txBody>
-      </p:sp>
-      <p:sp>
-        <p:nvSpPr>
-          <p:cNvPr id="12" name="Segnaposto numero diapositiva 11">
-            <a:extLst>
-              <a:ext uri="{FF2B5EF4-FFF2-40B4-BE49-F238E27FC236}">
-                <a16:creationId xmlns:a16="http://schemas.microsoft.com/office/drawing/2014/main" id="{FBA1BB58-7555-4382-B178-7ED04E137E77}"/>
+              <a:t>Senza Legge di Demetra</a:t>
+            </a:r>
+          </a:p>
+        </p:txBody>
+      </p:sp>
+      <p:sp>
+        <p:nvSpPr>
+          <p:cNvPr id="18" name="Segnaposto contenuto 17">
+            <a:extLst>
+              <a:ext uri="{FF2B5EF4-FFF2-40B4-BE49-F238E27FC236}">
+                <a16:creationId xmlns:a16="http://schemas.microsoft.com/office/drawing/2014/main" id="{C955AFB3-173C-4848-B3E9-1375591B297E}"/>
               </a:ext>
             </a:extLst>
           </p:cNvPr>
@@ -19996,13 +23479,195 @@
             <a:spLocks noGrp="1"/>
           </p:cNvSpPr>
           <p:nvPr>
-            <p:ph type="sldNum" sz="quarter" idx="15"/>
+            <p:ph sz="quarter" idx="15"/>
           </p:nvPr>
         </p:nvSpPr>
         <p:spPr/>
         <p:txBody>
           <a:bodyPr rtlCol="0"/>
           <a:lstStyle/>
+          <a:p>
+            <a:pPr marL="0" indent="0">
+              <a:buClr>
+                <a:schemeClr val="accent2"/>
+              </a:buClr>
+              <a:buNone/>
+            </a:pPr>
+            <a:r>
+              <a:rPr lang="it-IT" i="1" dirty="0" err="1"/>
+              <a:t>Proposal</a:t>
+            </a:r>
+            <a:r>
+              <a:rPr lang="it-IT" i="1" dirty="0"/>
+              <a:t> </a:t>
+            </a:r>
+            <a:r>
+              <a:rPr lang="it-IT" i="1" dirty="0" err="1"/>
+              <a:t>proposal</a:t>
+            </a:r>
+            <a:r>
+              <a:rPr lang="it-IT" i="1" dirty="0"/>
+              <a:t> = new </a:t>
+            </a:r>
+            <a:r>
+              <a:rPr lang="it-IT" i="1" dirty="0" err="1"/>
+              <a:t>Proposal</a:t>
+            </a:r>
+            <a:r>
+              <a:rPr lang="it-IT" i="1" dirty="0"/>
+              <a:t>(event);</a:t>
+            </a:r>
+          </a:p>
+          <a:p>
+            <a:pPr marL="0" indent="0">
+              <a:buClr>
+                <a:schemeClr val="accent2"/>
+              </a:buClr>
+              <a:buNone/>
+            </a:pPr>
+            <a:r>
+              <a:rPr lang="en-US" i="1" dirty="0" err="1">
+                <a:solidFill>
+                  <a:srgbClr val="FF5050"/>
+                </a:solidFill>
+              </a:rPr>
+              <a:t>proposal.getEvent</a:t>
+            </a:r>
+            <a:r>
+              <a:rPr lang="en-US" i="1" dirty="0">
+                <a:solidFill>
+                  <a:srgbClr val="FF5050"/>
+                </a:solidFill>
+              </a:rPr>
+              <a:t>().</a:t>
+            </a:r>
+            <a:r>
+              <a:rPr lang="en-US" i="1" dirty="0" err="1">
+                <a:solidFill>
+                  <a:srgbClr val="FF5050"/>
+                </a:solidFill>
+              </a:rPr>
+              <a:t>getFieldSet</a:t>
+            </a:r>
+            <a:r>
+              <a:rPr lang="en-US" i="1" dirty="0">
+                <a:solidFill>
+                  <a:srgbClr val="FF5050"/>
+                </a:solidFill>
+              </a:rPr>
+              <a:t>().</a:t>
+            </a:r>
+            <a:r>
+              <a:rPr lang="en-US" i="1" dirty="0" err="1">
+                <a:solidFill>
+                  <a:srgbClr val="FF5050"/>
+                </a:solidFill>
+              </a:rPr>
+              <a:t>getField</a:t>
+            </a:r>
+            <a:r>
+              <a:rPr lang="en-US" i="1" dirty="0">
+                <a:solidFill>
+                  <a:srgbClr val="FF5050"/>
+                </a:solidFill>
+              </a:rPr>
+              <a:t>(name).</a:t>
+            </a:r>
+            <a:r>
+              <a:rPr lang="en-US" i="1" dirty="0" err="1">
+                <a:solidFill>
+                  <a:srgbClr val="FF5050"/>
+                </a:solidFill>
+              </a:rPr>
+              <a:t>setValue</a:t>
+            </a:r>
+            <a:r>
+              <a:rPr lang="en-US" i="1" dirty="0">
+                <a:solidFill>
+                  <a:srgbClr val="FF5050"/>
+                </a:solidFill>
+              </a:rPr>
+              <a:t>(value);</a:t>
+            </a:r>
+            <a:endParaRPr lang="it-IT" dirty="0">
+              <a:solidFill>
+                <a:srgbClr val="FF5050"/>
+              </a:solidFill>
+            </a:endParaRPr>
+          </a:p>
+        </p:txBody>
+      </p:sp>
+      <p:sp>
+        <p:nvSpPr>
+          <p:cNvPr id="20" name="Segnaposto piè di pagina 4">
+            <a:extLst>
+              <a:ext uri="{FF2B5EF4-FFF2-40B4-BE49-F238E27FC236}">
+                <a16:creationId xmlns:a16="http://schemas.microsoft.com/office/drawing/2014/main" id="{391D3201-20F9-4DD7-B4EB-F41AF17CA428}"/>
+              </a:ext>
+            </a:extLst>
+          </p:cNvPr>
+          <p:cNvSpPr>
+            <a:spLocks noGrp="1"/>
+          </p:cNvSpPr>
+          <p:nvPr>
+            <p:ph type="ftr" sz="quarter" idx="17"/>
+          </p:nvPr>
+        </p:nvSpPr>
+        <p:spPr/>
+        <p:txBody>
+          <a:bodyPr rtlCol="0"/>
+          <a:lstStyle>
+            <a:lvl1pPr algn="r">
+              <a:defRPr sz="1200">
+                <a:solidFill>
+                  <a:schemeClr val="tx1">
+                    <a:lumMod val="50000"/>
+                    <a:lumOff val="50000"/>
+                  </a:schemeClr>
+                </a:solidFill>
+              </a:defRPr>
+            </a:lvl1pPr>
+          </a:lstStyle>
+          <a:p>
+            <a:pPr algn="l" rtl="0"/>
+            <a:r>
+              <a:rPr lang="it-IT" dirty="0"/>
+              <a:t>Aggiungere un piè di pagina</a:t>
+            </a:r>
+          </a:p>
+        </p:txBody>
+      </p:sp>
+      <p:sp>
+        <p:nvSpPr>
+          <p:cNvPr id="21" name="Segnaposto numero diapositiva 5">
+            <a:extLst>
+              <a:ext uri="{FF2B5EF4-FFF2-40B4-BE49-F238E27FC236}">
+                <a16:creationId xmlns:a16="http://schemas.microsoft.com/office/drawing/2014/main" id="{C7C65DDB-24F2-44CF-AE02-F3A6C8B1858B}"/>
+              </a:ext>
+            </a:extLst>
+          </p:cNvPr>
+          <p:cNvSpPr>
+            <a:spLocks noGrp="1"/>
+          </p:cNvSpPr>
+          <p:nvPr>
+            <p:ph type="sldNum" sz="quarter" idx="18"/>
+          </p:nvPr>
+        </p:nvSpPr>
+        <p:spPr/>
+        <p:txBody>
+          <a:bodyPr rtlCol="0"/>
+          <a:lstStyle>
+            <a:lvl1pPr algn="r">
+              <a:defRPr sz="1200">
+                <a:solidFill>
+                  <a:schemeClr val="tx1">
+                    <a:lumMod val="50000"/>
+                    <a:lumOff val="50000"/>
+                  </a:schemeClr>
+                </a:solidFill>
+              </a:defRPr>
+            </a:lvl1pPr>
+          </a:lstStyle>
           <a:p>
             <a:pPr rtl="0"/>
             <a:fld id="{8699F50C-BE38-4BD0-BA84-9B090E1F2B9B}" type="slidenum">
@@ -20017,7 +23682,7 @@
     </p:spTree>
     <p:extLst>
       <p:ext uri="{BB962C8B-B14F-4D97-AF65-F5344CB8AC3E}">
-        <p14:creationId xmlns:p14="http://schemas.microsoft.com/office/powerpoint/2010/main" val="2156645213"/>
+        <p14:creationId xmlns:p14="http://schemas.microsoft.com/office/powerpoint/2010/main" val="201870909"/>
       </p:ext>
     </p:extLst>
   </p:cSld>
@@ -20046,10 +23711,10 @@
       </p:grpSpPr>
       <p:sp>
         <p:nvSpPr>
-          <p:cNvPr id="41" name="Titolo 3">
-            <a:extLst>
-              <a:ext uri="{FF2B5EF4-FFF2-40B4-BE49-F238E27FC236}">
-                <a16:creationId xmlns:a16="http://schemas.microsoft.com/office/drawing/2014/main" id="{1ABD613F-111C-41D6-9F8E-8B2C42A5E047}"/>
+          <p:cNvPr id="4" name="Titolo 3">
+            <a:extLst>
+              <a:ext uri="{FF2B5EF4-FFF2-40B4-BE49-F238E27FC236}">
+                <a16:creationId xmlns:a16="http://schemas.microsoft.com/office/drawing/2014/main" id="{1ABE11BF-33A5-4653-A144-CCCBACF58C30}"/>
               </a:ext>
             </a:extLst>
           </p:cNvPr>
@@ -20068,21 +23733,18 @@
             <a:pPr rtl="0"/>
             <a:r>
               <a:rPr lang="it-IT" dirty="0"/>
-              <a:t>Chi </a:t>
-            </a:r>
-            <a:r>
-              <a:rPr lang="it-IT" b="0" dirty="0"/>
-              <a:t>siamo</a:t>
-            </a:r>
-          </a:p>
-        </p:txBody>
-      </p:sp>
-      <p:sp>
-        <p:nvSpPr>
-          <p:cNvPr id="43" name="Segnaposto testo 8">
-            <a:extLst>
-              <a:ext uri="{FF2B5EF4-FFF2-40B4-BE49-F238E27FC236}">
-                <a16:creationId xmlns:a16="http://schemas.microsoft.com/office/drawing/2014/main" id="{EA7C22CB-613A-4C0B-90B3-4A405F793D3C}"/>
+              <a:t>LEGGE DI DEMETRA</a:t>
+            </a:r>
+            <a:endParaRPr lang="it-IT" b="0" dirty="0"/>
+          </a:p>
+        </p:txBody>
+      </p:sp>
+      <p:sp>
+        <p:nvSpPr>
+          <p:cNvPr id="9" name="Segnaposto testo 8">
+            <a:extLst>
+              <a:ext uri="{FF2B5EF4-FFF2-40B4-BE49-F238E27FC236}">
+                <a16:creationId xmlns:a16="http://schemas.microsoft.com/office/drawing/2014/main" id="{53469036-D1FB-4164-96AE-B6D8CECCFC96}"/>
               </a:ext>
             </a:extLst>
           </p:cNvPr>
@@ -20101,17 +23763,17 @@
             <a:pPr rtl="0"/>
             <a:r>
               <a:rPr lang="it-IT" dirty="0"/>
-              <a:t>LOREM IPSUM DOLOR SIT AMET</a:t>
-            </a:r>
-          </a:p>
-        </p:txBody>
-      </p:sp>
-      <p:sp>
-        <p:nvSpPr>
-          <p:cNvPr id="42" name="Segnaposto contenuto 6">
-            <a:extLst>
-              <a:ext uri="{FF2B5EF4-FFF2-40B4-BE49-F238E27FC236}">
-                <a16:creationId xmlns:a16="http://schemas.microsoft.com/office/drawing/2014/main" id="{55EACD59-7C51-4810-94C6-BCB4D12346DC}"/>
+              <a:t>Pattern GRASP</a:t>
+            </a:r>
+          </a:p>
+        </p:txBody>
+      </p:sp>
+      <p:sp>
+        <p:nvSpPr>
+          <p:cNvPr id="7" name="Segnaposto contenuto 6">
+            <a:extLst>
+              <a:ext uri="{FF2B5EF4-FFF2-40B4-BE49-F238E27FC236}">
+                <a16:creationId xmlns:a16="http://schemas.microsoft.com/office/drawing/2014/main" id="{2482DBEC-EE72-4155-ACC5-87E80C5606A9}"/>
               </a:ext>
             </a:extLst>
           </p:cNvPr>
@@ -20122,301 +23784,52 @@
             <p:ph idx="1"/>
           </p:nvPr>
         </p:nvSpPr>
-        <p:spPr/>
+        <p:spPr>
+          <a:xfrm>
+            <a:off x="531378" y="3129540"/>
+            <a:ext cx="6856558" cy="2958275"/>
+          </a:xfrm>
+        </p:spPr>
         <p:txBody>
           <a:bodyPr rtlCol="0">
-            <a:normAutofit fontScale="92500"/>
+            <a:normAutofit/>
           </a:bodyPr>
           <a:lstStyle/>
           <a:p>
-            <a:pPr lvl="0" rtl="0"/>
-            <a:r>
-              <a:rPr lang="it-IT" dirty="0" err="1"/>
-              <a:t>Lorem</a:t>
-            </a:r>
+            <a:pPr marL="0" indent="0">
+              <a:buNone/>
+            </a:pPr>
             <a:r>
               <a:rPr lang="it-IT" dirty="0"/>
-              <a:t> </a:t>
-            </a:r>
-            <a:r>
-              <a:rPr lang="it-IT" dirty="0" err="1"/>
-              <a:t>ipsum</a:t>
-            </a:r>
+              <a:t>VANTAGGI:</a:t>
+            </a:r>
+          </a:p>
+          <a:p>
             <a:r>
               <a:rPr lang="it-IT" dirty="0"/>
-              <a:t> </a:t>
-            </a:r>
-            <a:r>
-              <a:rPr lang="it-IT" dirty="0" err="1"/>
-              <a:t>dolor</a:t>
-            </a:r>
+              <a:t>Codice tende ad essere più mantenibile ed adattabile.</a:t>
+            </a:r>
+          </a:p>
+          <a:p>
             <a:r>
               <a:rPr lang="it-IT" dirty="0"/>
-              <a:t> </a:t>
-            </a:r>
-            <a:r>
-              <a:rPr lang="it-IT" dirty="0" err="1"/>
-              <a:t>sit</a:t>
-            </a:r>
+              <a:t>Gli oggetti sono meno dipendenti dalla struttura interna degli altri oggetti.</a:t>
+            </a:r>
+          </a:p>
+          <a:p>
             <a:r>
               <a:rPr lang="it-IT" dirty="0"/>
-              <a:t> </a:t>
-            </a:r>
-            <a:r>
-              <a:rPr lang="it-IT" dirty="0" err="1"/>
-              <a:t>amet</a:t>
-            </a:r>
-            <a:r>
-              <a:rPr lang="it-IT" dirty="0"/>
-              <a:t>, </a:t>
-            </a:r>
-            <a:r>
-              <a:rPr lang="it-IT" dirty="0" err="1"/>
-              <a:t>consectetur</a:t>
-            </a:r>
-            <a:r>
-              <a:rPr lang="it-IT" dirty="0"/>
-              <a:t> </a:t>
-            </a:r>
-            <a:r>
-              <a:rPr lang="it-IT" dirty="0" err="1"/>
-              <a:t>adipiscing</a:t>
-            </a:r>
-            <a:r>
-              <a:rPr lang="it-IT" dirty="0"/>
-              <a:t> </a:t>
-            </a:r>
-            <a:r>
-              <a:rPr lang="it-IT" dirty="0" err="1"/>
-              <a:t>elit</a:t>
-            </a:r>
-            <a:r>
-              <a:rPr lang="it-IT" dirty="0"/>
-              <a:t>. </a:t>
-            </a:r>
-          </a:p>
-          <a:p>
-            <a:pPr lvl="0" rtl="0"/>
-            <a:r>
-              <a:rPr lang="it-IT" dirty="0"/>
-              <a:t>Ut </a:t>
-            </a:r>
-            <a:r>
-              <a:rPr lang="it-IT" dirty="0" err="1"/>
-              <a:t>fermentum</a:t>
-            </a:r>
-            <a:r>
-              <a:rPr lang="it-IT" dirty="0"/>
-              <a:t> a magna ut </a:t>
-            </a:r>
-            <a:r>
-              <a:rPr lang="it-IT" dirty="0" err="1"/>
-              <a:t>eleifend</a:t>
-            </a:r>
-            <a:r>
-              <a:rPr lang="it-IT" dirty="0"/>
-              <a:t>. </a:t>
-            </a:r>
-            <a:r>
-              <a:rPr lang="it-IT" dirty="0" err="1"/>
-              <a:t>Integer</a:t>
-            </a:r>
-            <a:r>
-              <a:rPr lang="it-IT" dirty="0"/>
-              <a:t> </a:t>
-            </a:r>
-            <a:r>
-              <a:rPr lang="it-IT" dirty="0" err="1"/>
-              <a:t>convallis</a:t>
-            </a:r>
-            <a:r>
-              <a:rPr lang="it-IT" dirty="0"/>
-              <a:t> </a:t>
-            </a:r>
-            <a:r>
-              <a:rPr lang="it-IT" dirty="0" err="1"/>
-              <a:t>suscipit</a:t>
-            </a:r>
-            <a:r>
-              <a:rPr lang="it-IT" dirty="0"/>
-              <a:t> ante </a:t>
-            </a:r>
-            <a:r>
-              <a:rPr lang="it-IT" dirty="0" err="1"/>
-              <a:t>eu</a:t>
-            </a:r>
-            <a:r>
-              <a:rPr lang="it-IT" dirty="0"/>
-              <a:t> </a:t>
-            </a:r>
-            <a:r>
-              <a:rPr lang="it-IT" dirty="0" err="1"/>
-              <a:t>varius</a:t>
-            </a:r>
-            <a:r>
-              <a:rPr lang="it-IT" dirty="0"/>
-              <a:t>. </a:t>
-            </a:r>
-          </a:p>
-          <a:p>
-            <a:pPr lvl="0" rtl="0"/>
-            <a:r>
-              <a:rPr lang="it-IT" dirty="0"/>
-              <a:t>Morbi a </a:t>
-            </a:r>
-            <a:r>
-              <a:rPr lang="it-IT" dirty="0" err="1"/>
-              <a:t>purus</a:t>
-            </a:r>
-            <a:r>
-              <a:rPr lang="it-IT" dirty="0"/>
-              <a:t> </a:t>
-            </a:r>
-            <a:r>
-              <a:rPr lang="it-IT" dirty="0" err="1"/>
-              <a:t>dolor</a:t>
-            </a:r>
-            <a:r>
-              <a:rPr lang="it-IT" dirty="0"/>
-              <a:t>. </a:t>
-            </a:r>
-            <a:r>
-              <a:rPr lang="it-IT" dirty="0" err="1"/>
-              <a:t>Suspendisse</a:t>
-            </a:r>
-            <a:r>
-              <a:rPr lang="it-IT" dirty="0"/>
-              <a:t> </a:t>
-            </a:r>
-            <a:r>
-              <a:rPr lang="it-IT" dirty="0" err="1"/>
-              <a:t>sit</a:t>
-            </a:r>
-            <a:r>
-              <a:rPr lang="it-IT" dirty="0"/>
-              <a:t> </a:t>
-            </a:r>
-            <a:r>
-              <a:rPr lang="it-IT" dirty="0" err="1"/>
-              <a:t>amet</a:t>
-            </a:r>
-            <a:r>
-              <a:rPr lang="it-IT" dirty="0"/>
-              <a:t> </a:t>
-            </a:r>
-            <a:r>
-              <a:rPr lang="it-IT" dirty="0" err="1"/>
-              <a:t>ipsum</a:t>
-            </a:r>
-            <a:r>
-              <a:rPr lang="it-IT" dirty="0"/>
-              <a:t> </a:t>
-            </a:r>
-            <a:r>
-              <a:rPr lang="it-IT" dirty="0" err="1"/>
-              <a:t>finibus</a:t>
-            </a:r>
-            <a:r>
-              <a:rPr lang="it-IT" dirty="0"/>
-              <a:t> </a:t>
-            </a:r>
-            <a:r>
-              <a:rPr lang="it-IT" dirty="0" err="1"/>
-              <a:t>justo</a:t>
-            </a:r>
-            <a:r>
-              <a:rPr lang="it-IT" dirty="0"/>
-              <a:t> viverra </a:t>
-            </a:r>
-            <a:r>
-              <a:rPr lang="it-IT" dirty="0" err="1"/>
-              <a:t>blandit</a:t>
-            </a:r>
-            <a:r>
-              <a:rPr lang="it-IT" dirty="0"/>
-              <a:t>. </a:t>
-            </a:r>
-          </a:p>
-          <a:p>
-            <a:pPr lvl="0" rtl="0"/>
-            <a:r>
-              <a:rPr lang="it-IT" dirty="0"/>
-              <a:t>Ut </a:t>
-            </a:r>
-            <a:r>
-              <a:rPr lang="it-IT" dirty="0" err="1"/>
-              <a:t>congue</a:t>
-            </a:r>
-            <a:r>
-              <a:rPr lang="it-IT" dirty="0"/>
-              <a:t> </a:t>
-            </a:r>
-            <a:r>
-              <a:rPr lang="it-IT" dirty="0" err="1"/>
-              <a:t>quis</a:t>
-            </a:r>
-            <a:r>
-              <a:rPr lang="it-IT" dirty="0"/>
-              <a:t> </a:t>
-            </a:r>
-            <a:r>
-              <a:rPr lang="it-IT" dirty="0" err="1"/>
-              <a:t>tortor</a:t>
-            </a:r>
-            <a:r>
-              <a:rPr lang="it-IT" dirty="0"/>
-              <a:t> </a:t>
-            </a:r>
-            <a:r>
-              <a:rPr lang="it-IT" dirty="0" err="1"/>
-              <a:t>eget</a:t>
-            </a:r>
-            <a:r>
-              <a:rPr lang="it-IT" dirty="0"/>
-              <a:t> </a:t>
-            </a:r>
-            <a:r>
-              <a:rPr lang="it-IT" dirty="0" err="1"/>
-              <a:t>sodales</a:t>
-            </a:r>
-            <a:r>
-              <a:rPr lang="it-IT" dirty="0"/>
-              <a:t>. </a:t>
-            </a:r>
-          </a:p>
-        </p:txBody>
-      </p:sp>
-      <p:pic>
-        <p:nvPicPr>
-          <p:cNvPr id="59" name="Segnaposto immagine 58" title="Edifici">
-            <a:extLst>
-              <a:ext uri="{FF2B5EF4-FFF2-40B4-BE49-F238E27FC236}">
-                <a16:creationId xmlns:a16="http://schemas.microsoft.com/office/drawing/2014/main" id="{3FCCC668-2247-4814-9CC5-9C5D4B447AA3}"/>
-              </a:ext>
-            </a:extLst>
-          </p:cNvPr>
-          <p:cNvPicPr>
-            <a:picLocks noGrp="1" noChangeAspect="1"/>
-          </p:cNvPicPr>
-          <p:nvPr>
-            <p:ph type="pic" sz="quarter" idx="14"/>
-          </p:nvPr>
-        </p:nvPicPr>
-        <p:blipFill>
-          <a:blip r:embed="rId3"/>
-          <a:srcRect l="13492" r="13492"/>
-          <a:stretch>
-            <a:fillRect/>
-          </a:stretch>
-        </p:blipFill>
-        <p:spPr/>
-      </p:pic>
-      <p:sp>
-        <p:nvSpPr>
-          <p:cNvPr id="35" name="Segnaposto piè di pagina 34">
-            <a:extLst>
-              <a:ext uri="{FF2B5EF4-FFF2-40B4-BE49-F238E27FC236}">
-                <a16:creationId xmlns:a16="http://schemas.microsoft.com/office/drawing/2014/main" id="{6390A22B-EC07-E942-A46F-F36FDD7FDB9D}"/>
+              <a:t>Elimina la fragilità rispetto ai cambiamenti nella struttura degli oggetti (punto di instabilità comune) </a:t>
+            </a:r>
+          </a:p>
+        </p:txBody>
+      </p:sp>
+      <p:sp>
+        <p:nvSpPr>
+          <p:cNvPr id="11" name="Segnaposto piè di pagina 10">
+            <a:extLst>
+              <a:ext uri="{FF2B5EF4-FFF2-40B4-BE49-F238E27FC236}">
+                <a16:creationId xmlns:a16="http://schemas.microsoft.com/office/drawing/2014/main" id="{47F4D2C2-B71A-4089-A3FE-603C32706CA6}"/>
               </a:ext>
             </a:extLst>
           </p:cNvPr>
@@ -20424,7 +23837,7 @@
             <a:spLocks noGrp="1"/>
           </p:cNvSpPr>
           <p:nvPr>
-            <p:ph type="ftr" sz="quarter" idx="15"/>
+            <p:ph type="ftr" sz="quarter" idx="14"/>
           </p:nvPr>
         </p:nvSpPr>
         <p:spPr/>
@@ -20442,10 +23855,10 @@
       </p:sp>
       <p:sp>
         <p:nvSpPr>
-          <p:cNvPr id="10" name="Segnaposto numero diapositiva 9">
-            <a:extLst>
-              <a:ext uri="{FF2B5EF4-FFF2-40B4-BE49-F238E27FC236}">
-                <a16:creationId xmlns:a16="http://schemas.microsoft.com/office/drawing/2014/main" id="{A267D224-5586-43DC-82CA-8605E158298B}"/>
+          <p:cNvPr id="12" name="Segnaposto numero diapositiva 11">
+            <a:extLst>
+              <a:ext uri="{FF2B5EF4-FFF2-40B4-BE49-F238E27FC236}">
+                <a16:creationId xmlns:a16="http://schemas.microsoft.com/office/drawing/2014/main" id="{FBA1BB58-7555-4382-B178-7ED04E137E77}"/>
               </a:ext>
             </a:extLst>
           </p:cNvPr>
@@ -20453,7 +23866,7 @@
             <a:spLocks noGrp="1"/>
           </p:cNvSpPr>
           <p:nvPr>
-            <p:ph type="sldNum" sz="quarter" idx="16"/>
+            <p:ph type="sldNum" sz="quarter" idx="15"/>
           </p:nvPr>
         </p:nvSpPr>
         <p:spPr/>
@@ -20474,7 +23887,7 @@
     </p:spTree>
     <p:extLst>
       <p:ext uri="{BB962C8B-B14F-4D97-AF65-F5344CB8AC3E}">
-        <p14:creationId xmlns:p14="http://schemas.microsoft.com/office/powerpoint/2010/main" val="3205466602"/>
+        <p14:creationId xmlns:p14="http://schemas.microsoft.com/office/powerpoint/2010/main" val="3498802873"/>
       </p:ext>
     </p:extLst>
   </p:cSld>
@@ -20503,10 +23916,10 @@
       </p:grpSpPr>
       <p:sp>
         <p:nvSpPr>
-          <p:cNvPr id="14" name="Titolo 13">
-            <a:extLst>
-              <a:ext uri="{FF2B5EF4-FFF2-40B4-BE49-F238E27FC236}">
-                <a16:creationId xmlns:a16="http://schemas.microsoft.com/office/drawing/2014/main" id="{E3E5EE03-FBF6-46F5-8085-716AC6CE1C8C}"/>
+          <p:cNvPr id="4" name="Titolo 3">
+            <a:extLst>
+              <a:ext uri="{FF2B5EF4-FFF2-40B4-BE49-F238E27FC236}">
+                <a16:creationId xmlns:a16="http://schemas.microsoft.com/office/drawing/2014/main" id="{1ABE11BF-33A5-4653-A144-CCCBACF58C30}"/>
               </a:ext>
             </a:extLst>
           </p:cNvPr>
@@ -20515,6 +23928,44 @@
           </p:cNvSpPr>
           <p:nvPr>
             <p:ph type="title"/>
+          </p:nvPr>
+        </p:nvSpPr>
+        <p:spPr/>
+        <p:txBody>
+          <a:bodyPr rtlCol="0">
+            <a:normAutofit fontScale="90000"/>
+          </a:bodyPr>
+          <a:lstStyle/>
+          <a:p>
+            <a:pPr rtl="0"/>
+            <a:r>
+              <a:rPr lang="it-IT" b="0" dirty="0"/>
+              <a:t>Principio di sostituzione di</a:t>
+            </a:r>
+            <a:br>
+              <a:rPr lang="it-IT" b="0" dirty="0"/>
+            </a:br>
+            <a:r>
+              <a:rPr lang="it-IT" b="0" dirty="0"/>
+              <a:t>LISKOV</a:t>
+            </a:r>
+          </a:p>
+        </p:txBody>
+      </p:sp>
+      <p:sp>
+        <p:nvSpPr>
+          <p:cNvPr id="9" name="Segnaposto testo 8">
+            <a:extLst>
+              <a:ext uri="{FF2B5EF4-FFF2-40B4-BE49-F238E27FC236}">
+                <a16:creationId xmlns:a16="http://schemas.microsoft.com/office/drawing/2014/main" id="{53469036-D1FB-4164-96AE-B6D8CECCFC96}"/>
+              </a:ext>
+            </a:extLst>
+          </p:cNvPr>
+          <p:cNvSpPr>
+            <a:spLocks noGrp="1"/>
+          </p:cNvSpPr>
+          <p:nvPr>
+            <p:ph type="body" sz="quarter" idx="13"/>
           </p:nvPr>
         </p:nvSpPr>
         <p:spPr/>
@@ -20525,21 +23976,17 @@
             <a:pPr rtl="0"/>
             <a:r>
               <a:rPr lang="it-IT" dirty="0"/>
-              <a:t>La nostra </a:t>
-            </a:r>
-            <a:r>
-              <a:rPr lang="it-IT" b="0" dirty="0"/>
-              <a:t>missione</a:t>
-            </a:r>
-          </a:p>
-        </p:txBody>
-      </p:sp>
-      <p:sp>
-        <p:nvSpPr>
-          <p:cNvPr id="19" name="Segnaposto testo 18">
-            <a:extLst>
-              <a:ext uri="{FF2B5EF4-FFF2-40B4-BE49-F238E27FC236}">
-                <a16:creationId xmlns:a16="http://schemas.microsoft.com/office/drawing/2014/main" id="{DFE11F38-F66B-4F95-8224-6CCA69D57617}"/>
+              <a:t>Pattern SOLID</a:t>
+            </a:r>
+          </a:p>
+        </p:txBody>
+      </p:sp>
+      <p:sp>
+        <p:nvSpPr>
+          <p:cNvPr id="11" name="Segnaposto piè di pagina 10">
+            <a:extLst>
+              <a:ext uri="{FF2B5EF4-FFF2-40B4-BE49-F238E27FC236}">
+                <a16:creationId xmlns:a16="http://schemas.microsoft.com/office/drawing/2014/main" id="{47F4D2C2-B71A-4089-A3FE-603C32706CA6}"/>
               </a:ext>
             </a:extLst>
           </p:cNvPr>
@@ -20547,7 +23994,7 @@
             <a:spLocks noGrp="1"/>
           </p:cNvSpPr>
           <p:nvPr>
-            <p:ph type="body" sz="quarter" idx="16"/>
+            <p:ph type="ftr" sz="quarter" idx="14"/>
           </p:nvPr>
         </p:nvSpPr>
         <p:spPr/>
@@ -20558,17 +24005,17 @@
             <a:pPr rtl="0"/>
             <a:r>
               <a:rPr lang="it-IT" dirty="0"/>
-              <a:t>LOREM IPSUM DOLOR SIT AMET</a:t>
-            </a:r>
-          </a:p>
-        </p:txBody>
-      </p:sp>
-      <p:sp>
-        <p:nvSpPr>
-          <p:cNvPr id="15" name="Segnaposto testo 14">
-            <a:extLst>
-              <a:ext uri="{FF2B5EF4-FFF2-40B4-BE49-F238E27FC236}">
-                <a16:creationId xmlns:a16="http://schemas.microsoft.com/office/drawing/2014/main" id="{24E18385-8BEA-4522-ABAA-5AB38F0D4FC2}"/>
+              <a:t>Aggiungere un piè di pagina</a:t>
+            </a:r>
+          </a:p>
+        </p:txBody>
+      </p:sp>
+      <p:sp>
+        <p:nvSpPr>
+          <p:cNvPr id="12" name="Segnaposto numero diapositiva 11">
+            <a:extLst>
+              <a:ext uri="{FF2B5EF4-FFF2-40B4-BE49-F238E27FC236}">
+                <a16:creationId xmlns:a16="http://schemas.microsoft.com/office/drawing/2014/main" id="{FBA1BB58-7555-4382-B178-7ED04E137E77}"/>
               </a:ext>
             </a:extLst>
           </p:cNvPr>
@@ -20576,696 +24023,13 @@
             <a:spLocks noGrp="1"/>
           </p:cNvSpPr>
           <p:nvPr>
-            <p:ph type="body" idx="1"/>
+            <p:ph type="sldNum" sz="quarter" idx="15"/>
           </p:nvPr>
         </p:nvSpPr>
         <p:spPr/>
         <p:txBody>
           <a:bodyPr rtlCol="0"/>
           <a:lstStyle/>
-          <a:p>
-            <a:pPr rtl="0"/>
-            <a:r>
-              <a:rPr lang="it-IT" dirty="0"/>
-              <a:t>Nome società</a:t>
-            </a:r>
-          </a:p>
-        </p:txBody>
-      </p:sp>
-      <p:sp>
-        <p:nvSpPr>
-          <p:cNvPr id="16" name="Segnaposto contenuto 15">
-            <a:extLst>
-              <a:ext uri="{FF2B5EF4-FFF2-40B4-BE49-F238E27FC236}">
-                <a16:creationId xmlns:a16="http://schemas.microsoft.com/office/drawing/2014/main" id="{1DCFA8A2-3FB8-48CA-933D-0800A9D2A2A2}"/>
-              </a:ext>
-            </a:extLst>
-          </p:cNvPr>
-          <p:cNvSpPr>
-            <a:spLocks noGrp="1"/>
-          </p:cNvSpPr>
-          <p:nvPr>
-            <p:ph sz="half" idx="13"/>
-          </p:nvPr>
-        </p:nvSpPr>
-        <p:spPr/>
-        <p:txBody>
-          <a:bodyPr rtlCol="0"/>
-          <a:lstStyle/>
-          <a:p>
-            <a:pPr rtl="0">
-              <a:buClr>
-                <a:schemeClr val="accent2"/>
-              </a:buClr>
-            </a:pPr>
-            <a:r>
-              <a:rPr lang="it-IT" dirty="0"/>
-              <a:t>Nulla a </a:t>
-            </a:r>
-            <a:r>
-              <a:rPr lang="it-IT" dirty="0" err="1"/>
-              <a:t>erat</a:t>
-            </a:r>
-            <a:r>
-              <a:rPr lang="it-IT" dirty="0"/>
-              <a:t> </a:t>
-            </a:r>
-            <a:r>
-              <a:rPr lang="it-IT" dirty="0" err="1"/>
-              <a:t>eget</a:t>
-            </a:r>
-            <a:r>
-              <a:rPr lang="it-IT" dirty="0"/>
-              <a:t> </a:t>
-            </a:r>
-            <a:r>
-              <a:rPr lang="it-IT" dirty="0" err="1"/>
-              <a:t>nunc</a:t>
-            </a:r>
-            <a:r>
-              <a:rPr lang="it-IT" dirty="0"/>
-              <a:t> </a:t>
-            </a:r>
-            <a:r>
-              <a:rPr lang="it-IT" dirty="0" err="1"/>
-              <a:t>hendrerit</a:t>
-            </a:r>
-            <a:r>
-              <a:rPr lang="it-IT" dirty="0"/>
-              <a:t> </a:t>
-            </a:r>
-            <a:r>
-              <a:rPr lang="it-IT" dirty="0" err="1"/>
-              <a:t>ultrices</a:t>
-            </a:r>
-            <a:r>
-              <a:rPr lang="it-IT" dirty="0"/>
-              <a:t> </a:t>
-            </a:r>
-            <a:r>
-              <a:rPr lang="it-IT" dirty="0" err="1"/>
-              <a:t>eu</a:t>
-            </a:r>
-            <a:r>
-              <a:rPr lang="it-IT" dirty="0"/>
-              <a:t> </a:t>
-            </a:r>
-            <a:r>
-              <a:rPr lang="it-IT" dirty="0" err="1"/>
-              <a:t>nec</a:t>
-            </a:r>
-            <a:r>
-              <a:rPr lang="it-IT" dirty="0"/>
-              <a:t> nulla. </a:t>
-            </a:r>
-            <a:r>
-              <a:rPr lang="it-IT" dirty="0" err="1"/>
-              <a:t>Donec</a:t>
-            </a:r>
-            <a:r>
-              <a:rPr lang="it-IT" dirty="0"/>
-              <a:t> viverra </a:t>
-            </a:r>
-            <a:r>
-              <a:rPr lang="it-IT" dirty="0" err="1"/>
-              <a:t>leo</a:t>
-            </a:r>
-            <a:r>
-              <a:rPr lang="it-IT" dirty="0"/>
-              <a:t> </a:t>
-            </a:r>
-            <a:r>
-              <a:rPr lang="it-IT" dirty="0" err="1"/>
-              <a:t>aliquet</a:t>
-            </a:r>
-            <a:r>
-              <a:rPr lang="it-IT" dirty="0"/>
-              <a:t>, </a:t>
-            </a:r>
-            <a:r>
-              <a:rPr lang="it-IT" dirty="0" err="1"/>
-              <a:t>auctor</a:t>
-            </a:r>
-            <a:r>
-              <a:rPr lang="it-IT" dirty="0"/>
-              <a:t> </a:t>
-            </a:r>
-            <a:r>
-              <a:rPr lang="it-IT" dirty="0" err="1"/>
-              <a:t>quam</a:t>
-            </a:r>
-            <a:r>
-              <a:rPr lang="it-IT" dirty="0"/>
-              <a:t> id, </a:t>
-            </a:r>
-            <a:r>
-              <a:rPr lang="it-IT" dirty="0" err="1"/>
-              <a:t>convallis</a:t>
-            </a:r>
-            <a:r>
-              <a:rPr lang="it-IT" dirty="0"/>
-              <a:t> orci. </a:t>
-            </a:r>
-          </a:p>
-          <a:p>
-            <a:pPr lvl="1" rtl="0">
-              <a:buClr>
-                <a:schemeClr val="accent2"/>
-              </a:buClr>
-            </a:pPr>
-            <a:r>
-              <a:rPr lang="it-IT" dirty="0" err="1"/>
-              <a:t>Sed</a:t>
-            </a:r>
-            <a:r>
-              <a:rPr lang="it-IT" dirty="0"/>
-              <a:t> in molestie est. Cras ornare </a:t>
-            </a:r>
-            <a:r>
-              <a:rPr lang="it-IT" dirty="0" err="1"/>
-              <a:t>turpis</a:t>
-            </a:r>
-            <a:r>
-              <a:rPr lang="it-IT" dirty="0"/>
-              <a:t> </a:t>
-            </a:r>
-            <a:r>
-              <a:rPr lang="it-IT" dirty="0" err="1"/>
-              <a:t>at</a:t>
-            </a:r>
-            <a:r>
-              <a:rPr lang="it-IT" dirty="0"/>
-              <a:t> ligula </a:t>
-            </a:r>
-            <a:r>
-              <a:rPr lang="it-IT" dirty="0" err="1"/>
-              <a:t>posuere</a:t>
-            </a:r>
-            <a:r>
-              <a:rPr lang="it-IT" dirty="0"/>
-              <a:t>, </a:t>
-            </a:r>
-            <a:r>
-              <a:rPr lang="it-IT" dirty="0" err="1"/>
-              <a:t>sit</a:t>
-            </a:r>
-            <a:r>
-              <a:rPr lang="it-IT" dirty="0"/>
-              <a:t> </a:t>
-            </a:r>
-            <a:r>
-              <a:rPr lang="it-IT" dirty="0" err="1"/>
-              <a:t>amet</a:t>
-            </a:r>
-            <a:r>
-              <a:rPr lang="it-IT" dirty="0"/>
-              <a:t> </a:t>
-            </a:r>
-            <a:r>
-              <a:rPr lang="it-IT" dirty="0" err="1"/>
-              <a:t>accumsan</a:t>
-            </a:r>
-            <a:r>
-              <a:rPr lang="it-IT" dirty="0"/>
-              <a:t> </a:t>
-            </a:r>
-            <a:r>
-              <a:rPr lang="it-IT" dirty="0" err="1"/>
-              <a:t>neque</a:t>
-            </a:r>
-            <a:r>
-              <a:rPr lang="it-IT" dirty="0"/>
-              <a:t> </a:t>
-            </a:r>
-            <a:r>
-              <a:rPr lang="it-IT" dirty="0" err="1"/>
-              <a:t>lobortis</a:t>
-            </a:r>
-            <a:r>
-              <a:rPr lang="it-IT" dirty="0"/>
-              <a:t>.</a:t>
-            </a:r>
-          </a:p>
-          <a:p>
-            <a:pPr lvl="1" rtl="0">
-              <a:buClr>
-                <a:schemeClr val="accent2"/>
-              </a:buClr>
-            </a:pPr>
-            <a:r>
-              <a:rPr lang="it-IT" dirty="0" err="1"/>
-              <a:t>Maecenas</a:t>
-            </a:r>
-            <a:r>
-              <a:rPr lang="it-IT" dirty="0"/>
-              <a:t> </a:t>
-            </a:r>
-            <a:r>
-              <a:rPr lang="it-IT" dirty="0" err="1"/>
-              <a:t>mattis</a:t>
-            </a:r>
-            <a:r>
-              <a:rPr lang="it-IT" dirty="0"/>
-              <a:t> </a:t>
-            </a:r>
-            <a:r>
-              <a:rPr lang="it-IT" dirty="0" err="1"/>
-              <a:t>risus</a:t>
-            </a:r>
-            <a:r>
-              <a:rPr lang="it-IT" dirty="0"/>
-              <a:t> ligula, </a:t>
-            </a:r>
-            <a:r>
-              <a:rPr lang="it-IT" dirty="0" err="1"/>
-              <a:t>sed</a:t>
-            </a:r>
-            <a:r>
-              <a:rPr lang="it-IT" dirty="0"/>
-              <a:t> </a:t>
-            </a:r>
-            <a:r>
-              <a:rPr lang="it-IT" dirty="0" err="1"/>
-              <a:t>ullamcorper</a:t>
-            </a:r>
-            <a:r>
-              <a:rPr lang="it-IT" dirty="0"/>
-              <a:t> </a:t>
-            </a:r>
-            <a:r>
-              <a:rPr lang="it-IT" dirty="0" err="1"/>
-              <a:t>nunc</a:t>
-            </a:r>
-            <a:r>
-              <a:rPr lang="it-IT" dirty="0"/>
-              <a:t> </a:t>
-            </a:r>
-            <a:r>
-              <a:rPr lang="it-IT" dirty="0" err="1"/>
-              <a:t>efficitur</a:t>
-            </a:r>
-            <a:r>
-              <a:rPr lang="it-IT" dirty="0"/>
-              <a:t> </a:t>
-            </a:r>
-            <a:r>
-              <a:rPr lang="it-IT" dirty="0" err="1"/>
-              <a:t>sed</a:t>
-            </a:r>
-            <a:r>
-              <a:rPr lang="it-IT" dirty="0"/>
-              <a:t>. </a:t>
-            </a:r>
-          </a:p>
-        </p:txBody>
-      </p:sp>
-      <p:sp>
-        <p:nvSpPr>
-          <p:cNvPr id="17" name="Segnaposto testo 16">
-            <a:extLst>
-              <a:ext uri="{FF2B5EF4-FFF2-40B4-BE49-F238E27FC236}">
-                <a16:creationId xmlns:a16="http://schemas.microsoft.com/office/drawing/2014/main" id="{640A3223-3DA3-4CF2-82B6-1447667547BD}"/>
-              </a:ext>
-            </a:extLst>
-          </p:cNvPr>
-          <p:cNvSpPr>
-            <a:spLocks noGrp="1"/>
-          </p:cNvSpPr>
-          <p:nvPr>
-            <p:ph type="body" sz="quarter" idx="14"/>
-          </p:nvPr>
-        </p:nvSpPr>
-        <p:spPr/>
-        <p:txBody>
-          <a:bodyPr rtlCol="0"/>
-          <a:lstStyle/>
-          <a:p>
-            <a:pPr rtl="0"/>
-            <a:r>
-              <a:rPr lang="it-IT" dirty="0"/>
-              <a:t>Servizio concorrente</a:t>
-            </a:r>
-          </a:p>
-        </p:txBody>
-      </p:sp>
-      <p:sp>
-        <p:nvSpPr>
-          <p:cNvPr id="18" name="Segnaposto contenuto 17">
-            <a:extLst>
-              <a:ext uri="{FF2B5EF4-FFF2-40B4-BE49-F238E27FC236}">
-                <a16:creationId xmlns:a16="http://schemas.microsoft.com/office/drawing/2014/main" id="{C955AFB3-173C-4848-B3E9-1375591B297E}"/>
-              </a:ext>
-            </a:extLst>
-          </p:cNvPr>
-          <p:cNvSpPr>
-            <a:spLocks noGrp="1"/>
-          </p:cNvSpPr>
-          <p:nvPr>
-            <p:ph sz="quarter" idx="15"/>
-          </p:nvPr>
-        </p:nvSpPr>
-        <p:spPr/>
-        <p:txBody>
-          <a:bodyPr rtlCol="0"/>
-          <a:lstStyle/>
-          <a:p>
-            <a:pPr rtl="0">
-              <a:buClr>
-                <a:schemeClr val="accent2"/>
-              </a:buClr>
-            </a:pPr>
-            <a:r>
-              <a:rPr lang="it-IT" dirty="0"/>
-              <a:t>Nulla a </a:t>
-            </a:r>
-            <a:r>
-              <a:rPr lang="it-IT" dirty="0" err="1"/>
-              <a:t>erat</a:t>
-            </a:r>
-            <a:r>
-              <a:rPr lang="it-IT" dirty="0"/>
-              <a:t> </a:t>
-            </a:r>
-            <a:r>
-              <a:rPr lang="it-IT" dirty="0" err="1"/>
-              <a:t>eget</a:t>
-            </a:r>
-            <a:r>
-              <a:rPr lang="it-IT" dirty="0"/>
-              <a:t> </a:t>
-            </a:r>
-            <a:r>
-              <a:rPr lang="it-IT" dirty="0" err="1"/>
-              <a:t>nunc</a:t>
-            </a:r>
-            <a:r>
-              <a:rPr lang="it-IT" dirty="0"/>
-              <a:t> </a:t>
-            </a:r>
-            <a:r>
-              <a:rPr lang="it-IT" dirty="0" err="1"/>
-              <a:t>hendrerit</a:t>
-            </a:r>
-            <a:r>
-              <a:rPr lang="it-IT" dirty="0"/>
-              <a:t> </a:t>
-            </a:r>
-            <a:r>
-              <a:rPr lang="it-IT" dirty="0" err="1"/>
-              <a:t>ultrices</a:t>
-            </a:r>
-            <a:r>
-              <a:rPr lang="it-IT" dirty="0"/>
-              <a:t> </a:t>
-            </a:r>
-            <a:r>
-              <a:rPr lang="it-IT" dirty="0" err="1"/>
-              <a:t>eu</a:t>
-            </a:r>
-            <a:r>
-              <a:rPr lang="it-IT" dirty="0"/>
-              <a:t> </a:t>
-            </a:r>
-            <a:r>
-              <a:rPr lang="it-IT" dirty="0" err="1"/>
-              <a:t>nec</a:t>
-            </a:r>
-            <a:r>
-              <a:rPr lang="it-IT" dirty="0"/>
-              <a:t> nulla. </a:t>
-            </a:r>
-            <a:r>
-              <a:rPr lang="it-IT" dirty="0" err="1"/>
-              <a:t>Donec</a:t>
-            </a:r>
-            <a:r>
-              <a:rPr lang="it-IT" dirty="0"/>
-              <a:t> viverra </a:t>
-            </a:r>
-            <a:r>
-              <a:rPr lang="it-IT" dirty="0" err="1"/>
-              <a:t>leo</a:t>
-            </a:r>
-            <a:r>
-              <a:rPr lang="it-IT" dirty="0"/>
-              <a:t> </a:t>
-            </a:r>
-            <a:r>
-              <a:rPr lang="it-IT" dirty="0" err="1"/>
-              <a:t>aliquet</a:t>
-            </a:r>
-            <a:r>
-              <a:rPr lang="it-IT" dirty="0"/>
-              <a:t>, </a:t>
-            </a:r>
-            <a:r>
-              <a:rPr lang="it-IT" dirty="0" err="1"/>
-              <a:t>auctor</a:t>
-            </a:r>
-            <a:r>
-              <a:rPr lang="it-IT" dirty="0"/>
-              <a:t> </a:t>
-            </a:r>
-            <a:r>
-              <a:rPr lang="it-IT" dirty="0" err="1"/>
-              <a:t>quam</a:t>
-            </a:r>
-            <a:r>
-              <a:rPr lang="it-IT" dirty="0"/>
-              <a:t> id, </a:t>
-            </a:r>
-            <a:r>
-              <a:rPr lang="it-IT" dirty="0" err="1"/>
-              <a:t>convallis</a:t>
-            </a:r>
-            <a:r>
-              <a:rPr lang="it-IT" dirty="0"/>
-              <a:t> orci. </a:t>
-            </a:r>
-          </a:p>
-          <a:p>
-            <a:pPr lvl="1" rtl="0">
-              <a:buClr>
-                <a:schemeClr val="accent2"/>
-              </a:buClr>
-            </a:pPr>
-            <a:r>
-              <a:rPr lang="it-IT" dirty="0" err="1"/>
-              <a:t>Sed</a:t>
-            </a:r>
-            <a:r>
-              <a:rPr lang="it-IT" dirty="0"/>
-              <a:t> in molestie est. Cras ornare </a:t>
-            </a:r>
-            <a:r>
-              <a:rPr lang="it-IT" dirty="0" err="1"/>
-              <a:t>turpis</a:t>
-            </a:r>
-            <a:r>
-              <a:rPr lang="it-IT" dirty="0"/>
-              <a:t> </a:t>
-            </a:r>
-            <a:r>
-              <a:rPr lang="it-IT" dirty="0" err="1"/>
-              <a:t>at</a:t>
-            </a:r>
-            <a:r>
-              <a:rPr lang="it-IT" dirty="0"/>
-              <a:t> ligula </a:t>
-            </a:r>
-            <a:r>
-              <a:rPr lang="it-IT" dirty="0" err="1"/>
-              <a:t>posuere</a:t>
-            </a:r>
-            <a:r>
-              <a:rPr lang="it-IT" dirty="0"/>
-              <a:t>, </a:t>
-            </a:r>
-            <a:r>
-              <a:rPr lang="it-IT" dirty="0" err="1"/>
-              <a:t>sit</a:t>
-            </a:r>
-            <a:r>
-              <a:rPr lang="it-IT" dirty="0"/>
-              <a:t> </a:t>
-            </a:r>
-            <a:r>
-              <a:rPr lang="it-IT" dirty="0" err="1"/>
-              <a:t>amet</a:t>
-            </a:r>
-            <a:r>
-              <a:rPr lang="it-IT" dirty="0"/>
-              <a:t> </a:t>
-            </a:r>
-            <a:r>
-              <a:rPr lang="it-IT" dirty="0" err="1"/>
-              <a:t>accumsan</a:t>
-            </a:r>
-            <a:r>
-              <a:rPr lang="it-IT" dirty="0"/>
-              <a:t> </a:t>
-            </a:r>
-            <a:r>
-              <a:rPr lang="it-IT" dirty="0" err="1"/>
-              <a:t>neque</a:t>
-            </a:r>
-            <a:r>
-              <a:rPr lang="it-IT" dirty="0"/>
-              <a:t> </a:t>
-            </a:r>
-            <a:r>
-              <a:rPr lang="it-IT" dirty="0" err="1"/>
-              <a:t>lobortis</a:t>
-            </a:r>
-            <a:r>
-              <a:rPr lang="it-IT" dirty="0"/>
-              <a:t>.</a:t>
-            </a:r>
-          </a:p>
-          <a:p>
-            <a:pPr lvl="1" rtl="0">
-              <a:buClr>
-                <a:schemeClr val="accent2"/>
-              </a:buClr>
-            </a:pPr>
-            <a:r>
-              <a:rPr lang="it-IT" dirty="0" err="1"/>
-              <a:t>Maecenas</a:t>
-            </a:r>
-            <a:r>
-              <a:rPr lang="it-IT" dirty="0"/>
-              <a:t> </a:t>
-            </a:r>
-            <a:r>
-              <a:rPr lang="it-IT" dirty="0" err="1"/>
-              <a:t>mattis</a:t>
-            </a:r>
-            <a:r>
-              <a:rPr lang="it-IT" dirty="0"/>
-              <a:t> </a:t>
-            </a:r>
-            <a:r>
-              <a:rPr lang="it-IT" dirty="0" err="1"/>
-              <a:t>risus</a:t>
-            </a:r>
-            <a:r>
-              <a:rPr lang="it-IT" dirty="0"/>
-              <a:t> ligula, </a:t>
-            </a:r>
-            <a:r>
-              <a:rPr lang="it-IT" dirty="0" err="1"/>
-              <a:t>sed</a:t>
-            </a:r>
-            <a:r>
-              <a:rPr lang="it-IT" dirty="0"/>
-              <a:t> </a:t>
-            </a:r>
-            <a:r>
-              <a:rPr lang="it-IT" dirty="0" err="1"/>
-              <a:t>ullamcorper</a:t>
-            </a:r>
-            <a:r>
-              <a:rPr lang="it-IT" dirty="0"/>
-              <a:t> </a:t>
-            </a:r>
-            <a:r>
-              <a:rPr lang="it-IT" dirty="0" err="1"/>
-              <a:t>nunc</a:t>
-            </a:r>
-            <a:r>
-              <a:rPr lang="it-IT" dirty="0"/>
-              <a:t> </a:t>
-            </a:r>
-            <a:r>
-              <a:rPr lang="it-IT" dirty="0" err="1"/>
-              <a:t>efficitur</a:t>
-            </a:r>
-            <a:r>
-              <a:rPr lang="it-IT" dirty="0"/>
-              <a:t> </a:t>
-            </a:r>
-            <a:r>
-              <a:rPr lang="it-IT" dirty="0" err="1"/>
-              <a:t>sed</a:t>
-            </a:r>
-            <a:r>
-              <a:rPr lang="it-IT" dirty="0"/>
-              <a:t>. </a:t>
-            </a:r>
-          </a:p>
-        </p:txBody>
-      </p:sp>
-      <p:sp>
-        <p:nvSpPr>
-          <p:cNvPr id="20" name="Segnaposto piè di pagina 4">
-            <a:extLst>
-              <a:ext uri="{FF2B5EF4-FFF2-40B4-BE49-F238E27FC236}">
-                <a16:creationId xmlns:a16="http://schemas.microsoft.com/office/drawing/2014/main" id="{391D3201-20F9-4DD7-B4EB-F41AF17CA428}"/>
-              </a:ext>
-            </a:extLst>
-          </p:cNvPr>
-          <p:cNvSpPr>
-            <a:spLocks noGrp="1"/>
-          </p:cNvSpPr>
-          <p:nvPr>
-            <p:ph type="ftr" sz="quarter" idx="17"/>
-          </p:nvPr>
-        </p:nvSpPr>
-        <p:spPr/>
-        <p:txBody>
-          <a:bodyPr rtlCol="0"/>
-          <a:lstStyle>
-            <a:lvl1pPr algn="r">
-              <a:defRPr sz="1200">
-                <a:solidFill>
-                  <a:schemeClr val="tx1">
-                    <a:lumMod val="50000"/>
-                    <a:lumOff val="50000"/>
-                  </a:schemeClr>
-                </a:solidFill>
-              </a:defRPr>
-            </a:lvl1pPr>
-          </a:lstStyle>
-          <a:p>
-            <a:pPr algn="l" rtl="0"/>
-            <a:r>
-              <a:rPr lang="it-IT" dirty="0"/>
-              <a:t>Aggiungere un piè di pagina</a:t>
-            </a:r>
-          </a:p>
-        </p:txBody>
-      </p:sp>
-      <p:sp>
-        <p:nvSpPr>
-          <p:cNvPr id="21" name="Segnaposto numero diapositiva 5">
-            <a:extLst>
-              <a:ext uri="{FF2B5EF4-FFF2-40B4-BE49-F238E27FC236}">
-                <a16:creationId xmlns:a16="http://schemas.microsoft.com/office/drawing/2014/main" id="{C7C65DDB-24F2-44CF-AE02-F3A6C8B1858B}"/>
-              </a:ext>
-            </a:extLst>
-          </p:cNvPr>
-          <p:cNvSpPr>
-            <a:spLocks noGrp="1"/>
-          </p:cNvSpPr>
-          <p:nvPr>
-            <p:ph type="sldNum" sz="quarter" idx="18"/>
-          </p:nvPr>
-        </p:nvSpPr>
-        <p:spPr/>
-        <p:txBody>
-          <a:bodyPr rtlCol="0"/>
-          <a:lstStyle>
-            <a:lvl1pPr algn="r">
-              <a:defRPr sz="1200">
-                <a:solidFill>
-                  <a:schemeClr val="tx1">
-                    <a:lumMod val="50000"/>
-                    <a:lumOff val="50000"/>
-                  </a:schemeClr>
-                </a:solidFill>
-              </a:defRPr>
-            </a:lvl1pPr>
-          </a:lstStyle>
           <a:p>
             <a:pPr rtl="0"/>
             <a:fld id="{8699F50C-BE38-4BD0-BA84-9B090E1F2B9B}" type="slidenum">
@@ -21277,10 +24041,49 @@
           </a:p>
         </p:txBody>
       </p:sp>
+      <p:sp>
+        <p:nvSpPr>
+          <p:cNvPr id="36" name="Segnaposto contenuto 35">
+            <a:extLst>
+              <a:ext uri="{FF2B5EF4-FFF2-40B4-BE49-F238E27FC236}">
+                <a16:creationId xmlns:a16="http://schemas.microsoft.com/office/drawing/2014/main" id="{62CE44F0-C8FD-48B9-9CA6-8BD57169A19F}"/>
+              </a:ext>
+            </a:extLst>
+          </p:cNvPr>
+          <p:cNvSpPr>
+            <a:spLocks noGrp="1"/>
+          </p:cNvSpPr>
+          <p:nvPr>
+            <p:ph idx="1"/>
+          </p:nvPr>
+        </p:nvSpPr>
+        <p:spPr>
+          <a:xfrm>
+            <a:off x="531378" y="3129540"/>
+            <a:ext cx="7342622" cy="2958275"/>
+          </a:xfrm>
+        </p:spPr>
+        <p:txBody>
+          <a:bodyPr/>
+          <a:lstStyle/>
+          <a:p>
+            <a:r>
+              <a:rPr lang="it-IT" i="1" dirty="0"/>
+              <a:t>«Se q(x) è una proprietà che si può dimostrare essere valida per oggetti x di tipo T, allora q(y) deve essere valida per oggetti y di tipo S dove S è un sottotipo di T»</a:t>
+            </a:r>
+          </a:p>
+          <a:p>
+            <a:r>
+              <a:rPr lang="it-IT" dirty="0"/>
+              <a:t>Abbiamo usato questo principio per evitare che sottoclassi ereditino metodi delle superclassi non necessari.</a:t>
+            </a:r>
+          </a:p>
+        </p:txBody>
+      </p:sp>
     </p:spTree>
     <p:extLst>
       <p:ext uri="{BB962C8B-B14F-4D97-AF65-F5344CB8AC3E}">
-        <p14:creationId xmlns:p14="http://schemas.microsoft.com/office/powerpoint/2010/main" val="1645896325"/>
+        <p14:creationId xmlns:p14="http://schemas.microsoft.com/office/powerpoint/2010/main" val="1283498646"/>
       </p:ext>
     </p:extLst>
   </p:cSld>

--- a/Progetto Ingegneria SW.pptx
+++ b/Progetto Ingegneria SW.pptx
@@ -1381,7 +1381,7 @@
             <a:pPr rtl="0"/>
             <a:fld id="{BEFBFAFD-B367-4FDC-8BD6-0ED3AC1E8171}" type="datetime1">
               <a:rPr lang="it-IT" smtClean="0"/>
-              <a:t>30/05/2019</a:t>
+              <a:t>04/06/2019</a:t>
             </a:fld>
             <a:endParaRPr lang="it-IT" dirty="0"/>
           </a:p>
@@ -1563,7 +1563,7 @@
             <a:fld id="{358ABC55-7EA4-4B04-948D-8B6AA303BF20}" type="datetime1">
               <a:rPr lang="it-IT" noProof="0" smtClean="0"/>
               <a:pPr/>
-              <a:t>30/05/2019</a:t>
+              <a:t>04/06/2019</a:t>
             </a:fld>
             <a:endParaRPr lang="it-IT" noProof="0" dirty="0"/>
           </a:p>
@@ -4137,7 +4137,7 @@
   <p:clrMapOvr>
     <a:masterClrMapping/>
   </p:clrMapOvr>
-  <p:extLst mod="1">
+  <p:extLst>
     <p:ext uri="{DCECCB84-F9BA-43D5-87BE-67443E8EF086}">
       <p15:sldGuideLst xmlns:p15="http://schemas.microsoft.com/office/powerpoint/2012/main">
         <p15:guide id="1" orient="horz" pos="2160" userDrawn="1">
@@ -4570,7 +4570,7 @@
   <p:clrMapOvr>
     <a:masterClrMapping/>
   </p:clrMapOvr>
-  <p:extLst mod="1">
+  <p:extLst>
     <p:ext uri="{DCECCB84-F9BA-43D5-87BE-67443E8EF086}">
       <p15:sldGuideLst xmlns:p15="http://schemas.microsoft.com/office/powerpoint/2012/main">
         <p15:guide id="1" orient="horz" pos="2160">
@@ -5267,7 +5267,7 @@
   <p:clrMapOvr>
     <a:masterClrMapping/>
   </p:clrMapOvr>
-  <p:extLst mod="1">
+  <p:extLst>
     <p:ext uri="{DCECCB84-F9BA-43D5-87BE-67443E8EF086}">
       <p15:sldGuideLst xmlns:p15="http://schemas.microsoft.com/office/powerpoint/2012/main">
         <p15:guide id="1" orient="horz" pos="2183">
@@ -5918,7 +5918,7 @@
   <p:clrMapOvr>
     <a:masterClrMapping/>
   </p:clrMapOvr>
-  <p:extLst mod="1">
+  <p:extLst>
     <p:ext uri="{DCECCB84-F9BA-43D5-87BE-67443E8EF086}">
       <p15:sldGuideLst xmlns:p15="http://schemas.microsoft.com/office/powerpoint/2012/main">
         <p15:guide id="1" orient="horz" pos="2160">
@@ -6666,7 +6666,7 @@
   <p:clrMapOvr>
     <a:masterClrMapping/>
   </p:clrMapOvr>
-  <p:extLst mod="1">
+  <p:extLst>
     <p:ext uri="{DCECCB84-F9BA-43D5-87BE-67443E8EF086}">
       <p15:sldGuideLst xmlns:p15="http://schemas.microsoft.com/office/powerpoint/2012/main">
         <p15:guide id="1" orient="horz" pos="2160">
@@ -7538,7 +7538,7 @@
   <p:clrMapOvr>
     <a:masterClrMapping/>
   </p:clrMapOvr>
-  <p:extLst mod="1">
+  <p:extLst>
     <p:ext uri="{DCECCB84-F9BA-43D5-87BE-67443E8EF086}">
       <p15:sldGuideLst xmlns:p15="http://schemas.microsoft.com/office/powerpoint/2012/main">
         <p15:guide id="1" orient="horz" pos="2160">
@@ -8052,7 +8052,7 @@
   <p:clrMapOvr>
     <a:masterClrMapping/>
   </p:clrMapOvr>
-  <p:extLst mod="1">
+  <p:extLst>
     <p:ext uri="{DCECCB84-F9BA-43D5-87BE-67443E8EF086}">
       <p15:sldGuideLst xmlns:p15="http://schemas.microsoft.com/office/powerpoint/2012/main">
         <p15:guide id="1" orient="horz" pos="2160">
@@ -8557,7 +8557,7 @@
   <p:clrMapOvr>
     <a:masterClrMapping/>
   </p:clrMapOvr>
-  <p:extLst mod="1">
+  <p:extLst>
     <p:ext uri="{DCECCB84-F9BA-43D5-87BE-67443E8EF086}">
       <p15:sldGuideLst xmlns:p15="http://schemas.microsoft.com/office/powerpoint/2012/main">
         <p15:guide id="1" orient="horz" pos="2160">
@@ -9017,7 +9017,7 @@
   <p:clrMapOvr>
     <a:masterClrMapping/>
   </p:clrMapOvr>
-  <p:extLst mod="1">
+  <p:extLst>
     <p:ext uri="{DCECCB84-F9BA-43D5-87BE-67443E8EF086}">
       <p15:sldGuideLst xmlns:p15="http://schemas.microsoft.com/office/powerpoint/2012/main">
         <p15:guide id="1" orient="horz" pos="142">
@@ -9500,7 +9500,7 @@
   <p:clrMapOvr>
     <a:masterClrMapping/>
   </p:clrMapOvr>
-  <p:extLst mod="1">
+  <p:extLst>
     <p:ext uri="{DCECCB84-F9BA-43D5-87BE-67443E8EF086}">
       <p15:sldGuideLst xmlns:p15="http://schemas.microsoft.com/office/powerpoint/2012/main">
         <p15:guide id="1" orient="horz" pos="142">
@@ -10345,7 +10345,7 @@
   <p:clrMapOvr>
     <a:masterClrMapping/>
   </p:clrMapOvr>
-  <p:extLst mod="1">
+  <p:extLst>
     <p:ext uri="{DCECCB84-F9BA-43D5-87BE-67443E8EF086}">
       <p15:sldGuideLst xmlns:p15="http://schemas.microsoft.com/office/powerpoint/2012/main">
         <p15:guide id="1" orient="horz" pos="2183" userDrawn="1">
@@ -11045,7 +11045,7 @@
   <p:clrMapOvr>
     <a:masterClrMapping/>
   </p:clrMapOvr>
-  <p:extLst mod="1">
+  <p:extLst>
     <p:ext uri="{DCECCB84-F9BA-43D5-87BE-67443E8EF086}">
       <p15:sldGuideLst xmlns:p15="http://schemas.microsoft.com/office/powerpoint/2012/main">
         <p15:guide id="1" orient="horz" pos="142">
@@ -11666,7 +11666,7 @@
   <p:clrMapOvr>
     <a:masterClrMapping/>
   </p:clrMapOvr>
-  <p:extLst mod="1">
+  <p:extLst>
     <p:ext uri="{DCECCB84-F9BA-43D5-87BE-67443E8EF086}">
       <p15:sldGuideLst xmlns:p15="http://schemas.microsoft.com/office/powerpoint/2012/main">
         <p15:guide id="1" orient="horz" pos="142">
@@ -12627,7 +12627,7 @@
   <p:clrMapOvr>
     <a:masterClrMapping/>
   </p:clrMapOvr>
-  <p:extLst mod="1">
+  <p:extLst>
     <p:ext uri="{DCECCB84-F9BA-43D5-87BE-67443E8EF086}">
       <p15:sldGuideLst xmlns:p15="http://schemas.microsoft.com/office/powerpoint/2012/main">
         <p15:guide id="1" orient="horz" pos="2160">
@@ -13303,7 +13303,7 @@
   <p:clrMapOvr>
     <a:masterClrMapping/>
   </p:clrMapOvr>
-  <p:extLst mod="1">
+  <p:extLst>
     <p:ext uri="{DCECCB84-F9BA-43D5-87BE-67443E8EF086}">
       <p15:sldGuideLst xmlns:p15="http://schemas.microsoft.com/office/powerpoint/2012/main">
         <p15:guide id="1" orient="horz" pos="142">
@@ -13890,7 +13890,7 @@
   <p:clrMapOvr>
     <a:masterClrMapping/>
   </p:clrMapOvr>
-  <p:extLst mod="1">
+  <p:extLst>
     <p:ext uri="{DCECCB84-F9BA-43D5-87BE-67443E8EF086}">
       <p15:sldGuideLst xmlns:p15="http://schemas.microsoft.com/office/powerpoint/2012/main">
         <p15:guide id="1" orient="horz" pos="142">
@@ -14192,7 +14192,7 @@
   <p:clrMapOvr>
     <a:masterClrMapping/>
   </p:clrMapOvr>
-  <p:extLst mod="1">
+  <p:extLst>
     <p:ext uri="{DCECCB84-F9BA-43D5-87BE-67443E8EF086}">
       <p15:sldGuideLst xmlns:p15="http://schemas.microsoft.com/office/powerpoint/2012/main">
         <p15:guide id="1" orient="horz" pos="2160" userDrawn="1">
@@ -16138,7 +16138,7 @@
   <p:clrMapOvr>
     <a:masterClrMapping/>
   </p:clrMapOvr>
-  <p:extLst mod="1">
+  <p:extLst>
     <p:ext uri="{DCECCB84-F9BA-43D5-87BE-67443E8EF086}">
       <p15:sldGuideLst xmlns:p15="http://schemas.microsoft.com/office/powerpoint/2012/main">
         <p15:guide id="1" orient="horz" pos="2160">
@@ -22642,7 +22642,7 @@
       </p:sp>
       <p:pic>
         <p:nvPicPr>
-          <p:cNvPr id="6" name="Segnaposto contenuto 5" descr="Immagine che contiene testo, mappa&#10;&#10;Descrizione generata automaticamente">
+          <p:cNvPr id="6" name="Segnaposto contenuto 5">
             <a:extLst>
               <a:ext uri="{FF2B5EF4-FFF2-40B4-BE49-F238E27FC236}">
                 <a16:creationId xmlns:a16="http://schemas.microsoft.com/office/drawing/2014/main" id="{9F864FC5-0AF8-48D5-9652-BD30A4FC5C63}"/>
@@ -22658,14 +22658,13 @@
         </p:nvPicPr>
         <p:blipFill>
           <a:blip r:embed="rId3"/>
-          <a:stretch>
-            <a:fillRect/>
-          </a:stretch>
+          <a:srcRect/>
+          <a:stretch/>
         </p:blipFill>
         <p:spPr>
           <a:xfrm>
-            <a:off x="2075970" y="3278670"/>
-            <a:ext cx="5798030" cy="2338221"/>
+            <a:off x="1228683" y="2859499"/>
+            <a:ext cx="8477379" cy="3418747"/>
           </a:xfrm>
         </p:spPr>
       </p:pic>

--- a/Progetto Ingegneria SW.pptx
+++ b/Progetto Ingegneria SW.pptx
@@ -5,10 +5,10 @@
     <p:sldMasterId id="2147483756" r:id="rId1"/>
   </p:sldMasterIdLst>
   <p:notesMasterIdLst>
-    <p:notesMasterId r:id="rId20"/>
+    <p:notesMasterId r:id="rId22"/>
   </p:notesMasterIdLst>
   <p:handoutMasterIdLst>
-    <p:handoutMasterId r:id="rId21"/>
+    <p:handoutMasterId r:id="rId23"/>
   </p:handoutMasterIdLst>
   <p:sldIdLst>
     <p:sldId id="256" r:id="rId2"/>
@@ -29,6 +29,8 @@
     <p:sldId id="281" r:id="rId17"/>
     <p:sldId id="282" r:id="rId18"/>
     <p:sldId id="283" r:id="rId19"/>
+    <p:sldId id="289" r:id="rId20"/>
+    <p:sldId id="288" r:id="rId21"/>
   </p:sldIdLst>
   <p:sldSz cx="12192000" cy="6858000"/>
   <p:notesSz cx="6858000" cy="9144000"/>
@@ -250,7 +252,7 @@
             <a:pPr rtl="0"/>
             <a:fld id="{BEFBFAFD-B367-4FDC-8BD6-0ED3AC1E8171}" type="datetime1">
               <a:rPr lang="it-IT" smtClean="0"/>
-              <a:t>15/06/2019</a:t>
+              <a:t>19/06/2019</a:t>
             </a:fld>
             <a:endParaRPr lang="it-IT" dirty="0"/>
           </a:p>
@@ -432,7 +434,7 @@
             <a:fld id="{358ABC55-7EA4-4B04-948D-8B6AA303BF20}" type="datetime1">
               <a:rPr lang="it-IT" noProof="0" smtClean="0"/>
               <a:pPr/>
-              <a:t>15/06/2019</a:t>
+              <a:t>19/06/2019</a:t>
             </a:fld>
             <a:endParaRPr lang="it-IT" noProof="0" dirty="0"/>
           </a:p>
@@ -1563,6 +1565,92 @@
 </p:notes>
 </file>
 
+<file path=ppt/notesSlides/notesSlide19.xml><?xml version="1.0" encoding="utf-8"?>
+<p:notes xmlns:a="http://schemas.openxmlformats.org/drawingml/2006/main" xmlns:r="http://schemas.openxmlformats.org/officeDocument/2006/relationships" xmlns:p="http://schemas.openxmlformats.org/presentationml/2006/main">
+  <p:cSld>
+    <p:spTree>
+      <p:nvGrpSpPr>
+        <p:cNvPr id="1" name=""/>
+        <p:cNvGrpSpPr/>
+        <p:nvPr/>
+      </p:nvGrpSpPr>
+      <p:grpSpPr>
+        <a:xfrm>
+          <a:off x="0" y="0"/>
+          <a:ext cx="0" cy="0"/>
+          <a:chOff x="0" y="0"/>
+          <a:chExt cx="0" cy="0"/>
+        </a:xfrm>
+      </p:grpSpPr>
+      <p:sp>
+        <p:nvSpPr>
+          <p:cNvPr id="2" name="Segnaposto immagine diapositiva 1"/>
+          <p:cNvSpPr>
+            <a:spLocks noGrp="1" noRot="1" noChangeAspect="1"/>
+          </p:cNvSpPr>
+          <p:nvPr>
+            <p:ph type="sldImg"/>
+          </p:nvPr>
+        </p:nvSpPr>
+        <p:spPr/>
+      </p:sp>
+      <p:sp>
+        <p:nvSpPr>
+          <p:cNvPr id="3" name="Segnaposto note 2"/>
+          <p:cNvSpPr>
+            <a:spLocks noGrp="1"/>
+          </p:cNvSpPr>
+          <p:nvPr>
+            <p:ph type="body" idx="1"/>
+          </p:nvPr>
+        </p:nvSpPr>
+        <p:spPr/>
+        <p:txBody>
+          <a:bodyPr rtlCol="0"/>
+          <a:lstStyle/>
+          <a:p>
+            <a:pPr rtl="0"/>
+            <a:endParaRPr lang="it-IT" dirty="0"/>
+          </a:p>
+        </p:txBody>
+      </p:sp>
+      <p:sp>
+        <p:nvSpPr>
+          <p:cNvPr id="4" name="Segnaposto numero diapositiva 3"/>
+          <p:cNvSpPr>
+            <a:spLocks noGrp="1"/>
+          </p:cNvSpPr>
+          <p:nvPr>
+            <p:ph type="sldNum" sz="quarter" idx="5"/>
+          </p:nvPr>
+        </p:nvSpPr>
+        <p:spPr/>
+        <p:txBody>
+          <a:bodyPr rtlCol="0"/>
+          <a:lstStyle/>
+          <a:p>
+            <a:pPr rtl="0"/>
+            <a:fld id="{79230CFA-805A-4FD3-B3A0-DAAA5993DA17}" type="slidenum">
+              <a:rPr lang="it-IT" smtClean="0"/>
+              <a:t>19</a:t>
+            </a:fld>
+            <a:endParaRPr lang="it-IT" dirty="0"/>
+          </a:p>
+        </p:txBody>
+      </p:sp>
+    </p:spTree>
+    <p:extLst>
+      <p:ext uri="{BB962C8B-B14F-4D97-AF65-F5344CB8AC3E}">
+        <p14:creationId xmlns:p14="http://schemas.microsoft.com/office/powerpoint/2010/main" val="4097729415"/>
+      </p:ext>
+    </p:extLst>
+  </p:cSld>
+  <p:clrMapOvr>
+    <a:masterClrMapping/>
+  </p:clrMapOvr>
+</p:notes>
+</file>
+
 <file path=ppt/notesSlides/notesSlide2.xml><?xml version="1.0" encoding="utf-8"?>
 <p:notes xmlns:a="http://schemas.openxmlformats.org/drawingml/2006/main" xmlns:r="http://schemas.openxmlformats.org/officeDocument/2006/relationships" xmlns:p="http://schemas.openxmlformats.org/presentationml/2006/main">
   <p:cSld>
@@ -1640,6 +1728,92 @@
     <p:extLst>
       <p:ext uri="{BB962C8B-B14F-4D97-AF65-F5344CB8AC3E}">
         <p14:creationId xmlns:p14="http://schemas.microsoft.com/office/powerpoint/2010/main" val="2405347823"/>
+      </p:ext>
+    </p:extLst>
+  </p:cSld>
+  <p:clrMapOvr>
+    <a:masterClrMapping/>
+  </p:clrMapOvr>
+</p:notes>
+</file>
+
+<file path=ppt/notesSlides/notesSlide20.xml><?xml version="1.0" encoding="utf-8"?>
+<p:notes xmlns:a="http://schemas.openxmlformats.org/drawingml/2006/main" xmlns:r="http://schemas.openxmlformats.org/officeDocument/2006/relationships" xmlns:p="http://schemas.openxmlformats.org/presentationml/2006/main">
+  <p:cSld>
+    <p:spTree>
+      <p:nvGrpSpPr>
+        <p:cNvPr id="1" name=""/>
+        <p:cNvGrpSpPr/>
+        <p:nvPr/>
+      </p:nvGrpSpPr>
+      <p:grpSpPr>
+        <a:xfrm>
+          <a:off x="0" y="0"/>
+          <a:ext cx="0" cy="0"/>
+          <a:chOff x="0" y="0"/>
+          <a:chExt cx="0" cy="0"/>
+        </a:xfrm>
+      </p:grpSpPr>
+      <p:sp>
+        <p:nvSpPr>
+          <p:cNvPr id="2" name="Segnaposto immagine diapositiva 1"/>
+          <p:cNvSpPr>
+            <a:spLocks noGrp="1" noRot="1" noChangeAspect="1"/>
+          </p:cNvSpPr>
+          <p:nvPr>
+            <p:ph type="sldImg"/>
+          </p:nvPr>
+        </p:nvSpPr>
+        <p:spPr/>
+      </p:sp>
+      <p:sp>
+        <p:nvSpPr>
+          <p:cNvPr id="3" name="Segnaposto note 2"/>
+          <p:cNvSpPr>
+            <a:spLocks noGrp="1"/>
+          </p:cNvSpPr>
+          <p:nvPr>
+            <p:ph type="body" idx="1"/>
+          </p:nvPr>
+        </p:nvSpPr>
+        <p:spPr/>
+        <p:txBody>
+          <a:bodyPr rtlCol="0"/>
+          <a:lstStyle/>
+          <a:p>
+            <a:pPr rtl="0"/>
+            <a:endParaRPr lang="it-IT" dirty="0"/>
+          </a:p>
+        </p:txBody>
+      </p:sp>
+      <p:sp>
+        <p:nvSpPr>
+          <p:cNvPr id="4" name="Segnaposto numero diapositiva 3"/>
+          <p:cNvSpPr>
+            <a:spLocks noGrp="1"/>
+          </p:cNvSpPr>
+          <p:nvPr>
+            <p:ph type="sldNum" sz="quarter" idx="5"/>
+          </p:nvPr>
+        </p:nvSpPr>
+        <p:spPr/>
+        <p:txBody>
+          <a:bodyPr rtlCol="0"/>
+          <a:lstStyle/>
+          <a:p>
+            <a:pPr rtl="0"/>
+            <a:fld id="{79230CFA-805A-4FD3-B3A0-DAAA5993DA17}" type="slidenum">
+              <a:rPr lang="it-IT" smtClean="0"/>
+              <a:t>20</a:t>
+            </a:fld>
+            <a:endParaRPr lang="it-IT" dirty="0"/>
+          </a:p>
+        </p:txBody>
+      </p:sp>
+    </p:spTree>
+    <p:extLst>
+      <p:ext uri="{BB962C8B-B14F-4D97-AF65-F5344CB8AC3E}">
+        <p14:creationId xmlns:p14="http://schemas.microsoft.com/office/powerpoint/2010/main" val="1649954655"/>
       </p:ext>
     </p:extLst>
   </p:cSld>
@@ -2398,7 +2572,7 @@
           <a:p>
             <a:fld id="{D2C95273-7EA1-449B-9AF4-4A92A4F80372}" type="datetimeFigureOut">
               <a:rPr lang="it-IT" smtClean="0"/>
-              <a:t>15/06/2019</a:t>
+              <a:t>19/06/2019</a:t>
             </a:fld>
             <a:endParaRPr lang="it-IT"/>
           </a:p>
@@ -2836,7 +3010,7 @@
           <a:p>
             <a:fld id="{D2C95273-7EA1-449B-9AF4-4A92A4F80372}" type="datetimeFigureOut">
               <a:rPr lang="it-IT" smtClean="0"/>
-              <a:t>15/06/2019</a:t>
+              <a:t>19/06/2019</a:t>
             </a:fld>
             <a:endParaRPr lang="it-IT"/>
           </a:p>
@@ -3052,7 +3226,7 @@
           <a:p>
             <a:fld id="{D2C95273-7EA1-449B-9AF4-4A92A4F80372}" type="datetimeFigureOut">
               <a:rPr lang="it-IT" smtClean="0"/>
-              <a:t>15/06/2019</a:t>
+              <a:t>19/06/2019</a:t>
             </a:fld>
             <a:endParaRPr lang="it-IT"/>
           </a:p>
@@ -6388,7 +6562,7 @@
   <p:clrMapOvr>
     <a:masterClrMapping/>
   </p:clrMapOvr>
-  <p:extLst mod="1">
+  <p:extLst>
     <p:ext uri="{DCECCB84-F9BA-43D5-87BE-67443E8EF086}">
       <p15:sldGuideLst xmlns:p15="http://schemas.microsoft.com/office/powerpoint/2012/main">
         <p15:guide id="1" orient="horz" pos="2183" userDrawn="1">
@@ -6816,7 +6990,7 @@
   <p:clrMapOvr>
     <a:masterClrMapping/>
   </p:clrMapOvr>
-  <p:extLst mod="1">
+  <p:extLst>
     <p:ext uri="{DCECCB84-F9BA-43D5-87BE-67443E8EF086}">
       <p15:sldGuideLst xmlns:p15="http://schemas.microsoft.com/office/powerpoint/2012/main">
         <p15:guide id="1" orient="horz" pos="2160">
@@ -7513,7 +7687,7 @@
   <p:clrMapOvr>
     <a:masterClrMapping/>
   </p:clrMapOvr>
-  <p:extLst mod="1">
+  <p:extLst>
     <p:ext uri="{DCECCB84-F9BA-43D5-87BE-67443E8EF086}">
       <p15:sldGuideLst xmlns:p15="http://schemas.microsoft.com/office/powerpoint/2012/main">
         <p15:guide id="1" orient="horz" pos="2183">
@@ -8164,7 +8338,7 @@
   <p:clrMapOvr>
     <a:masterClrMapping/>
   </p:clrMapOvr>
-  <p:extLst mod="1">
+  <p:extLst>
     <p:ext uri="{DCECCB84-F9BA-43D5-87BE-67443E8EF086}">
       <p15:sldGuideLst xmlns:p15="http://schemas.microsoft.com/office/powerpoint/2012/main">
         <p15:guide id="1" orient="horz" pos="2160">
@@ -8323,7 +8497,7 @@
           <a:p>
             <a:fld id="{D2C95273-7EA1-449B-9AF4-4A92A4F80372}" type="datetimeFigureOut">
               <a:rPr lang="it-IT" smtClean="0"/>
-              <a:t>15/06/2019</a:t>
+              <a:t>19/06/2019</a:t>
             </a:fld>
             <a:endParaRPr lang="it-IT"/>
           </a:p>
@@ -9494,7 +9668,7 @@
   <p:clrMapOvr>
     <a:masterClrMapping/>
   </p:clrMapOvr>
-  <p:extLst mod="1">
+  <p:extLst>
     <p:ext uri="{DCECCB84-F9BA-43D5-87BE-67443E8EF086}">
       <p15:sldGuideLst xmlns:p15="http://schemas.microsoft.com/office/powerpoint/2012/main">
         <p15:guide id="1" orient="horz" pos="2160">
@@ -10366,7 +10540,7 @@
   <p:clrMapOvr>
     <a:masterClrMapping/>
   </p:clrMapOvr>
-  <p:extLst mod="1">
+  <p:extLst>
     <p:ext uri="{DCECCB84-F9BA-43D5-87BE-67443E8EF086}">
       <p15:sldGuideLst xmlns:p15="http://schemas.microsoft.com/office/powerpoint/2012/main">
         <p15:guide id="1" orient="horz" pos="2160">
@@ -10880,7 +11054,7 @@
   <p:clrMapOvr>
     <a:masterClrMapping/>
   </p:clrMapOvr>
-  <p:extLst mod="1">
+  <p:extLst>
     <p:ext uri="{DCECCB84-F9BA-43D5-87BE-67443E8EF086}">
       <p15:sldGuideLst xmlns:p15="http://schemas.microsoft.com/office/powerpoint/2012/main">
         <p15:guide id="1" orient="horz" pos="2160">
@@ -11385,7 +11559,7 @@
   <p:clrMapOvr>
     <a:masterClrMapping/>
   </p:clrMapOvr>
-  <p:extLst mod="1">
+  <p:extLst>
     <p:ext uri="{DCECCB84-F9BA-43D5-87BE-67443E8EF086}">
       <p15:sldGuideLst xmlns:p15="http://schemas.microsoft.com/office/powerpoint/2012/main">
         <p15:guide id="1" orient="horz" pos="2160">
@@ -11845,7 +12019,7 @@
   <p:clrMapOvr>
     <a:masterClrMapping/>
   </p:clrMapOvr>
-  <p:extLst mod="1">
+  <p:extLst>
     <p:ext uri="{DCECCB84-F9BA-43D5-87BE-67443E8EF086}">
       <p15:sldGuideLst xmlns:p15="http://schemas.microsoft.com/office/powerpoint/2012/main">
         <p15:guide id="1" orient="horz" pos="142">
@@ -12328,7 +12502,7 @@
   <p:clrMapOvr>
     <a:masterClrMapping/>
   </p:clrMapOvr>
-  <p:extLst mod="1">
+  <p:extLst>
     <p:ext uri="{DCECCB84-F9BA-43D5-87BE-67443E8EF086}">
       <p15:sldGuideLst xmlns:p15="http://schemas.microsoft.com/office/powerpoint/2012/main">
         <p15:guide id="1" orient="horz" pos="142">
@@ -12614,7 +12788,7 @@
           <a:p>
             <a:fld id="{D2C95273-7EA1-449B-9AF4-4A92A4F80372}" type="datetimeFigureOut">
               <a:rPr lang="it-IT" smtClean="0"/>
-              <a:t>15/06/2019</a:t>
+              <a:t>19/06/2019</a:t>
             </a:fld>
             <a:endParaRPr lang="it-IT"/>
           </a:p>
@@ -13331,7 +13505,7 @@
           <a:p>
             <a:fld id="{D2C95273-7EA1-449B-9AF4-4A92A4F80372}" type="datetimeFigureOut">
               <a:rPr lang="it-IT" smtClean="0"/>
-              <a:t>15/06/2019</a:t>
+              <a:t>19/06/2019</a:t>
             </a:fld>
             <a:endParaRPr lang="it-IT"/>
           </a:p>
@@ -14127,7 +14301,7 @@
           <a:p>
             <a:fld id="{D2C95273-7EA1-449B-9AF4-4A92A4F80372}" type="datetimeFigureOut">
               <a:rPr lang="it-IT" smtClean="0"/>
-              <a:t>15/06/2019</a:t>
+              <a:t>19/06/2019</a:t>
             </a:fld>
             <a:endParaRPr lang="it-IT"/>
           </a:p>
@@ -14652,7 +14826,7 @@
           <a:p>
             <a:fld id="{D2C95273-7EA1-449B-9AF4-4A92A4F80372}" type="datetimeFigureOut">
               <a:rPr lang="it-IT" smtClean="0"/>
-              <a:t>15/06/2019</a:t>
+              <a:t>19/06/2019</a:t>
             </a:fld>
             <a:endParaRPr lang="it-IT"/>
           </a:p>
@@ -15106,7 +15280,7 @@
           <a:p>
             <a:fld id="{D2C95273-7EA1-449B-9AF4-4A92A4F80372}" type="datetimeFigureOut">
               <a:rPr lang="it-IT" smtClean="0"/>
-              <a:t>15/06/2019</a:t>
+              <a:t>19/06/2019</a:t>
             </a:fld>
             <a:endParaRPr lang="it-IT"/>
           </a:p>
@@ -15425,7 +15599,7 @@
           <a:p>
             <a:fld id="{D2C95273-7EA1-449B-9AF4-4A92A4F80372}" type="datetimeFigureOut">
               <a:rPr lang="it-IT" smtClean="0"/>
-              <a:t>15/06/2019</a:t>
+              <a:t>19/06/2019</a:t>
             </a:fld>
             <a:endParaRPr lang="it-IT"/>
           </a:p>
@@ -15953,7 +16127,7 @@
           <a:p>
             <a:fld id="{D2C95273-7EA1-449B-9AF4-4A92A4F80372}" type="datetimeFigureOut">
               <a:rPr lang="it-IT" smtClean="0"/>
-              <a:t>15/06/2019</a:t>
+              <a:t>19/06/2019</a:t>
             </a:fld>
             <a:endParaRPr lang="it-IT"/>
           </a:p>
@@ -16434,7 +16608,7 @@
           <a:p>
             <a:fld id="{D2C95273-7EA1-449B-9AF4-4A92A4F80372}" type="datetimeFigureOut">
               <a:rPr lang="it-IT" smtClean="0"/>
-              <a:t>15/06/2019</a:t>
+              <a:t>19/06/2019</a:t>
             </a:fld>
             <a:endParaRPr lang="it-IT"/>
           </a:p>
@@ -17358,7 +17532,11 @@
               <a:buNone/>
             </a:pPr>
             <a:r>
-              <a:rPr lang="it-IT" dirty="0"/>
+              <a:rPr lang="it-IT" sz="2800" b="1" dirty="0">
+                <a:solidFill>
+                  <a:schemeClr val="accent2"/>
+                </a:solidFill>
+              </a:rPr>
               <a:t>VANTAGGI:</a:t>
             </a:r>
           </a:p>
@@ -17618,20 +17796,20 @@
         <p:spPr/>
         <p:txBody>
           <a:bodyPr rtlCol="0">
-            <a:normAutofit fontScale="90000"/>
+            <a:noAutofit/>
           </a:bodyPr>
           <a:lstStyle/>
           <a:p>
             <a:pPr rtl="0"/>
             <a:r>
-              <a:rPr lang="it-IT" b="0" dirty="0"/>
+              <a:rPr lang="it-IT" dirty="0"/>
               <a:t>Principio di sostituzione di</a:t>
             </a:r>
             <a:br>
-              <a:rPr lang="it-IT" b="0" dirty="0"/>
+              <a:rPr lang="it-IT" dirty="0"/>
             </a:br>
             <a:r>
-              <a:rPr lang="it-IT" b="0" dirty="0"/>
+              <a:rPr lang="it-IT" dirty="0"/>
               <a:t>LISKOV</a:t>
             </a:r>
           </a:p>
@@ -17879,19 +18057,19 @@
         <p:spPr/>
         <p:txBody>
           <a:bodyPr rtlCol="0">
-            <a:normAutofit fontScale="90000"/>
+            <a:noAutofit/>
           </a:bodyPr>
           <a:lstStyle/>
           <a:p>
             <a:r>
-              <a:rPr lang="it-IT" b="0" dirty="0"/>
+              <a:rPr lang="it-IT" dirty="0"/>
               <a:t>Principio di sostituzione di</a:t>
             </a:r>
             <a:br>
-              <a:rPr lang="it-IT" b="0" dirty="0"/>
+              <a:rPr lang="it-IT" dirty="0"/>
             </a:br>
             <a:r>
-              <a:rPr lang="it-IT" b="0" dirty="0"/>
+              <a:rPr lang="it-IT" dirty="0"/>
               <a:t>LISKOV</a:t>
             </a:r>
           </a:p>
@@ -18228,19 +18406,19 @@
         <p:spPr/>
         <p:txBody>
           <a:bodyPr rtlCol="0">
-            <a:normAutofit fontScale="90000"/>
+            <a:noAutofit/>
           </a:bodyPr>
           <a:lstStyle/>
           <a:p>
             <a:r>
-              <a:rPr lang="it-IT" b="0" dirty="0"/>
+              <a:rPr lang="it-IT" dirty="0"/>
               <a:t>Principio di sostituzione di</a:t>
             </a:r>
             <a:br>
-              <a:rPr lang="it-IT" b="0" dirty="0"/>
+              <a:rPr lang="it-IT" dirty="0"/>
             </a:br>
             <a:r>
-              <a:rPr lang="it-IT" b="0" dirty="0"/>
+              <a:rPr lang="it-IT" dirty="0"/>
               <a:t>LISKOV</a:t>
             </a:r>
           </a:p>
@@ -18306,253 +18484,6 @@
           </a:p>
         </p:txBody>
       </p:sp>
-      <p:sp>
-        <p:nvSpPr>
-          <p:cNvPr id="2" name="CasellaDiTesto 1">
-            <a:extLst>
-              <a:ext uri="{FF2B5EF4-FFF2-40B4-BE49-F238E27FC236}">
-                <a16:creationId xmlns:a16="http://schemas.microsoft.com/office/drawing/2014/main" id="{C8D00F96-83B6-4EE9-A524-32E9F77A9CA1}"/>
-              </a:ext>
-            </a:extLst>
-          </p:cNvPr>
-          <p:cNvSpPr txBox="1"/>
-          <p:nvPr/>
-        </p:nvSpPr>
-        <p:spPr>
-          <a:xfrm>
-            <a:off x="6270172" y="478772"/>
-            <a:ext cx="5442858" cy="2308324"/>
-          </a:xfrm>
-          <a:prstGeom prst="rect">
-            <a:avLst/>
-          </a:prstGeom>
-          <a:solidFill>
-            <a:schemeClr val="accent6">
-              <a:lumMod val="40000"/>
-              <a:lumOff val="60000"/>
-            </a:schemeClr>
-          </a:solidFill>
-        </p:spPr>
-        <p:txBody>
-          <a:bodyPr wrap="square" rtlCol="0">
-            <a:spAutoFit/>
-          </a:bodyPr>
-          <a:lstStyle/>
-          <a:p>
-            <a:r>
-              <a:rPr lang="it-IT" b="1" dirty="0">
-                <a:solidFill>
-                  <a:srgbClr val="FF0000"/>
-                </a:solidFill>
-              </a:rPr>
-              <a:t>public Class </a:t>
-            </a:r>
-            <a:r>
-              <a:rPr lang="it-IT" b="1" dirty="0" err="1">
-                <a:solidFill>
-                  <a:srgbClr val="FF0000"/>
-                </a:solidFill>
-              </a:rPr>
-              <a:t>ProposalSet</a:t>
-            </a:r>
-            <a:r>
-              <a:rPr lang="it-IT" b="1" dirty="0">
-                <a:solidFill>
-                  <a:srgbClr val="FF0000"/>
-                </a:solidFill>
-              </a:rPr>
-              <a:t> </a:t>
-            </a:r>
-            <a:r>
-              <a:rPr lang="it-IT" b="1" dirty="0" err="1">
-                <a:solidFill>
-                  <a:srgbClr val="FF0000"/>
-                </a:solidFill>
-              </a:rPr>
-              <a:t>extends</a:t>
-            </a:r>
-            <a:r>
-              <a:rPr lang="it-IT" b="1" dirty="0">
-                <a:solidFill>
-                  <a:srgbClr val="FF0000"/>
-                </a:solidFill>
-              </a:rPr>
-              <a:t> </a:t>
-            </a:r>
-            <a:r>
-              <a:rPr lang="it-IT" b="1" dirty="0" err="1">
-                <a:solidFill>
-                  <a:srgbClr val="FF0000"/>
-                </a:solidFill>
-              </a:rPr>
-              <a:t>ArrayList</a:t>
-            </a:r>
-            <a:r>
-              <a:rPr lang="it-IT" b="1" dirty="0">
-                <a:solidFill>
-                  <a:srgbClr val="FF0000"/>
-                </a:solidFill>
-              </a:rPr>
-              <a:t>&lt;</a:t>
-            </a:r>
-            <a:r>
-              <a:rPr lang="it-IT" b="1" dirty="0" err="1">
-                <a:solidFill>
-                  <a:srgbClr val="FF0000"/>
-                </a:solidFill>
-              </a:rPr>
-              <a:t>Proposal</a:t>
-            </a:r>
-            <a:r>
-              <a:rPr lang="it-IT" b="1" dirty="0">
-                <a:solidFill>
-                  <a:srgbClr val="FF0000"/>
-                </a:solidFill>
-              </a:rPr>
-              <a:t>&gt;{</a:t>
-            </a:r>
-          </a:p>
-          <a:p>
-            <a:r>
-              <a:rPr lang="it-IT" b="1" dirty="0">
-                <a:solidFill>
-                  <a:srgbClr val="FF0000"/>
-                </a:solidFill>
-              </a:rPr>
-              <a:t>     …</a:t>
-            </a:r>
-          </a:p>
-          <a:p>
-            <a:r>
-              <a:rPr lang="it-IT" b="1" dirty="0">
-                <a:solidFill>
-                  <a:srgbClr val="FF0000"/>
-                </a:solidFill>
-              </a:rPr>
-              <a:t>}</a:t>
-            </a:r>
-          </a:p>
-          <a:p>
-            <a:endParaRPr lang="it-IT" b="1" dirty="0">
-              <a:solidFill>
-                <a:srgbClr val="FF0000"/>
-              </a:solidFill>
-            </a:endParaRPr>
-          </a:p>
-          <a:p>
-            <a:r>
-              <a:rPr lang="it-IT" b="1" dirty="0">
-                <a:solidFill>
-                  <a:srgbClr val="00B050"/>
-                </a:solidFill>
-              </a:rPr>
-              <a:t>public class </a:t>
-            </a:r>
-            <a:r>
-              <a:rPr lang="it-IT" b="1" dirty="0" err="1">
-                <a:solidFill>
-                  <a:srgbClr val="00B050"/>
-                </a:solidFill>
-              </a:rPr>
-              <a:t>ProposalSet</a:t>
-            </a:r>
-            <a:r>
-              <a:rPr lang="it-IT" b="1" dirty="0">
-                <a:solidFill>
-                  <a:srgbClr val="00B050"/>
-                </a:solidFill>
-              </a:rPr>
-              <a:t>{</a:t>
-            </a:r>
-          </a:p>
-          <a:p>
-            <a:r>
-              <a:rPr lang="it-IT" b="1" dirty="0">
-                <a:solidFill>
-                  <a:srgbClr val="00B050"/>
-                </a:solidFill>
-              </a:rPr>
-              <a:t>     private </a:t>
-            </a:r>
-            <a:r>
-              <a:rPr lang="it-IT" b="1" dirty="0" err="1">
-                <a:solidFill>
-                  <a:srgbClr val="00B050"/>
-                </a:solidFill>
-              </a:rPr>
-              <a:t>ArrayList</a:t>
-            </a:r>
-            <a:r>
-              <a:rPr lang="it-IT" b="1" dirty="0">
-                <a:solidFill>
-                  <a:srgbClr val="00B050"/>
-                </a:solidFill>
-              </a:rPr>
-              <a:t>&lt;</a:t>
-            </a:r>
-            <a:r>
-              <a:rPr lang="it-IT" b="1" dirty="0" err="1">
-                <a:solidFill>
-                  <a:srgbClr val="00B050"/>
-                </a:solidFill>
-              </a:rPr>
-              <a:t>Proposal</a:t>
-            </a:r>
-            <a:r>
-              <a:rPr lang="it-IT" b="1" dirty="0">
-                <a:solidFill>
-                  <a:srgbClr val="00B050"/>
-                </a:solidFill>
-              </a:rPr>
-              <a:t>&gt; </a:t>
-            </a:r>
-            <a:r>
-              <a:rPr lang="it-IT" b="1" dirty="0" err="1">
-                <a:solidFill>
-                  <a:srgbClr val="00B050"/>
-                </a:solidFill>
-              </a:rPr>
-              <a:t>fs</a:t>
-            </a:r>
-            <a:r>
-              <a:rPr lang="it-IT" b="1" dirty="0">
-                <a:solidFill>
-                  <a:srgbClr val="00B050"/>
-                </a:solidFill>
-              </a:rPr>
-              <a:t>;</a:t>
-            </a:r>
-          </a:p>
-          <a:p>
-            <a:r>
-              <a:rPr lang="it-IT" b="1" dirty="0">
-                <a:solidFill>
-                  <a:srgbClr val="00B050"/>
-                </a:solidFill>
-              </a:rPr>
-              <a:t>     …</a:t>
-            </a:r>
-          </a:p>
-          <a:p>
-            <a:r>
-              <a:rPr lang="it-IT" b="1" dirty="0">
-                <a:solidFill>
-                  <a:srgbClr val="00B050"/>
-                </a:solidFill>
-              </a:rPr>
-              <a:t>} </a:t>
-            </a:r>
-            <a:r>
-              <a:rPr lang="it-IT" b="1" dirty="0">
-                <a:highlight>
-                  <a:srgbClr val="FFFF00"/>
-                </a:highlight>
-              </a:rPr>
-              <a:t>FALLO CON IMMAGINI</a:t>
-            </a:r>
-          </a:p>
-        </p:txBody>
-      </p:sp>
       <p:cxnSp>
         <p:nvCxnSpPr>
           <p:cNvPr id="5" name="Connettore curvo 4">
@@ -18569,12 +18500,12 @@
         </p:nvCxnSpPr>
         <p:spPr>
           <a:xfrm flipV="1">
-            <a:off x="6887034" y="3066132"/>
-            <a:ext cx="2906485" cy="1423459"/>
+            <a:off x="6887034" y="2496102"/>
+            <a:ext cx="2928085" cy="2423714"/>
           </a:xfrm>
           <a:prstGeom prst="curvedConnector3">
             <a:avLst>
-              <a:gd name="adj1" fmla="val 102434"/>
+              <a:gd name="adj1" fmla="val 106727"/>
             </a:avLst>
           </a:prstGeom>
           <a:ln>
@@ -18599,6 +18530,66 @@
           </a:fontRef>
         </p:style>
       </p:cxnSp>
+      <p:pic>
+        <p:nvPicPr>
+          <p:cNvPr id="6" name="Immagine 5">
+            <a:extLst>
+              <a:ext uri="{FF2B5EF4-FFF2-40B4-BE49-F238E27FC236}">
+                <a16:creationId xmlns:a16="http://schemas.microsoft.com/office/drawing/2014/main" id="{DCA10B65-9CE2-4980-9F8C-F612594191F7}"/>
+              </a:ext>
+            </a:extLst>
+          </p:cNvPr>
+          <p:cNvPicPr>
+            <a:picLocks noChangeAspect="1"/>
+          </p:cNvPicPr>
+          <p:nvPr/>
+        </p:nvPicPr>
+        <p:blipFill>
+          <a:blip r:embed="rId3"/>
+          <a:stretch>
+            <a:fillRect/>
+          </a:stretch>
+        </p:blipFill>
+        <p:spPr>
+          <a:xfrm>
+            <a:off x="6888879" y="770185"/>
+            <a:ext cx="4771743" cy="608894"/>
+          </a:xfrm>
+          <a:prstGeom prst="rect">
+            <a:avLst/>
+          </a:prstGeom>
+        </p:spPr>
+      </p:pic>
+      <p:pic>
+        <p:nvPicPr>
+          <p:cNvPr id="14" name="Immagine 13">
+            <a:extLst>
+              <a:ext uri="{FF2B5EF4-FFF2-40B4-BE49-F238E27FC236}">
+                <a16:creationId xmlns:a16="http://schemas.microsoft.com/office/drawing/2014/main" id="{8261BB90-DC90-4808-AB18-4A82303CE9B6}"/>
+              </a:ext>
+            </a:extLst>
+          </p:cNvPr>
+          <p:cNvPicPr>
+            <a:picLocks noChangeAspect="1"/>
+          </p:cNvPicPr>
+          <p:nvPr/>
+        </p:nvPicPr>
+        <p:blipFill>
+          <a:blip r:embed="rId4"/>
+          <a:stretch>
+            <a:fillRect/>
+          </a:stretch>
+        </p:blipFill>
+        <p:spPr>
+          <a:xfrm>
+            <a:off x="6887034" y="1543583"/>
+            <a:ext cx="4849164" cy="913415"/>
+          </a:xfrm>
+          <a:prstGeom prst="rect">
+            <a:avLst/>
+          </a:prstGeom>
+        </p:spPr>
+      </p:pic>
     </p:spTree>
     <p:extLst>
       <p:ext uri="{BB962C8B-B14F-4D97-AF65-F5344CB8AC3E}">
@@ -18661,7 +18652,11 @@
               <a:buNone/>
             </a:pPr>
             <a:r>
-              <a:rPr lang="it-IT" dirty="0"/>
+              <a:rPr lang="it-IT" sz="2800" b="1" dirty="0">
+                <a:solidFill>
+                  <a:schemeClr val="accent2"/>
+                </a:solidFill>
+              </a:rPr>
               <a:t>VANTAGGI:</a:t>
             </a:r>
           </a:p>
@@ -18727,19 +18722,19 @@
         <p:spPr/>
         <p:txBody>
           <a:bodyPr rtlCol="0">
-            <a:normAutofit fontScale="90000"/>
+            <a:noAutofit/>
           </a:bodyPr>
           <a:lstStyle/>
           <a:p>
             <a:r>
-              <a:rPr lang="it-IT" b="0" dirty="0"/>
+              <a:rPr lang="it-IT" dirty="0"/>
               <a:t>Principio di sostituzione di</a:t>
             </a:r>
             <a:br>
-              <a:rPr lang="it-IT" b="0" dirty="0"/>
+              <a:rPr lang="it-IT" dirty="0"/>
             </a:br>
             <a:r>
-              <a:rPr lang="it-IT" b="0" dirty="0"/>
+              <a:rPr lang="it-IT" dirty="0"/>
               <a:t>LISKOV</a:t>
             </a:r>
           </a:p>
@@ -18925,7 +18920,12 @@
             <p:ph type="title"/>
           </p:nvPr>
         </p:nvSpPr>
-        <p:spPr/>
+        <p:spPr>
+          <a:xfrm>
+            <a:off x="531378" y="1241109"/>
+            <a:ext cx="9879360" cy="1215566"/>
+          </a:xfrm>
+        </p:spPr>
         <p:txBody>
           <a:bodyPr rtlCol="0">
             <a:normAutofit/>
@@ -18933,31 +18933,31 @@
           <a:lstStyle/>
           <a:p>
             <a:r>
-              <a:rPr lang="it-IT" sz="4000" b="0" dirty="0"/>
+              <a:rPr lang="it-IT" dirty="0"/>
               <a:t>DIP (</a:t>
             </a:r>
             <a:r>
-              <a:rPr lang="it-IT" sz="4000" b="0" dirty="0" err="1"/>
+              <a:rPr lang="it-IT" dirty="0" err="1"/>
               <a:t>Dependency</a:t>
             </a:r>
             <a:r>
-              <a:rPr lang="it-IT" sz="4000" b="0" dirty="0"/>
+              <a:rPr lang="it-IT" dirty="0"/>
               <a:t> </a:t>
             </a:r>
             <a:r>
-              <a:rPr lang="it-IT" sz="4000" b="0" dirty="0" err="1"/>
+              <a:rPr lang="it-IT" dirty="0" err="1"/>
               <a:t>Inversion</a:t>
             </a:r>
             <a:r>
-              <a:rPr lang="it-IT" sz="4000" b="0" dirty="0"/>
+              <a:rPr lang="it-IT" dirty="0"/>
               <a:t> </a:t>
             </a:r>
             <a:r>
-              <a:rPr lang="it-IT" sz="4000" b="0" dirty="0" err="1"/>
+              <a:rPr lang="it-IT" dirty="0" err="1"/>
               <a:t>Principle</a:t>
             </a:r>
             <a:r>
-              <a:rPr lang="it-IT" sz="4000" b="0" dirty="0"/>
+              <a:rPr lang="it-IT" dirty="0"/>
               <a:t>)</a:t>
             </a:r>
           </a:p>
@@ -19098,7 +19098,12 @@
             <p:ph type="title"/>
           </p:nvPr>
         </p:nvSpPr>
-        <p:spPr/>
+        <p:spPr>
+          <a:xfrm>
+            <a:off x="531377" y="1241109"/>
+            <a:ext cx="10131029" cy="1215566"/>
+          </a:xfrm>
+        </p:spPr>
         <p:txBody>
           <a:bodyPr rtlCol="0">
             <a:normAutofit/>
@@ -19106,31 +19111,31 @@
           <a:lstStyle/>
           <a:p>
             <a:r>
-              <a:rPr lang="it-IT" sz="4000" b="0" dirty="0"/>
+              <a:rPr lang="it-IT" dirty="0"/>
               <a:t>DIP (</a:t>
             </a:r>
             <a:r>
-              <a:rPr lang="it-IT" sz="4000" b="0" dirty="0" err="1"/>
+              <a:rPr lang="it-IT" dirty="0" err="1"/>
               <a:t>Dependency</a:t>
             </a:r>
             <a:r>
-              <a:rPr lang="it-IT" sz="4000" b="0" dirty="0"/>
+              <a:rPr lang="it-IT" dirty="0"/>
               <a:t> </a:t>
             </a:r>
             <a:r>
-              <a:rPr lang="it-IT" sz="4000" b="0" dirty="0" err="1"/>
+              <a:rPr lang="it-IT" dirty="0" err="1"/>
               <a:t>Inversion</a:t>
             </a:r>
             <a:r>
-              <a:rPr lang="it-IT" sz="4000" b="0" dirty="0"/>
+              <a:rPr lang="it-IT" dirty="0"/>
               <a:t> </a:t>
             </a:r>
             <a:r>
-              <a:rPr lang="it-IT" sz="4000" b="0" dirty="0" err="1"/>
+              <a:rPr lang="it-IT" dirty="0" err="1"/>
               <a:t>Principle</a:t>
             </a:r>
             <a:r>
-              <a:rPr lang="it-IT" sz="4000" b="0" dirty="0"/>
+              <a:rPr lang="it-IT" dirty="0"/>
               <a:t>)</a:t>
             </a:r>
           </a:p>
@@ -19198,7 +19203,7 @@
       </p:sp>
       <p:pic>
         <p:nvPicPr>
-          <p:cNvPr id="3" name="Immagine 2" descr="Immagine che contiene parete, interni, oggetto&#10;&#10;Descrizione generata automaticamente">
+          <p:cNvPr id="3" name="Immagine 2">
             <a:extLst>
               <a:ext uri="{FF2B5EF4-FFF2-40B4-BE49-F238E27FC236}">
                 <a16:creationId xmlns:a16="http://schemas.microsoft.com/office/drawing/2014/main" id="{216F5817-E036-431F-A25A-0EB2DFE39428}"/>
@@ -19212,55 +19217,48 @@
         </p:nvPicPr>
         <p:blipFill>
           <a:blip r:embed="rId3"/>
-          <a:stretch>
-            <a:fillRect/>
-          </a:stretch>
+          <a:srcRect/>
+          <a:stretch/>
         </p:blipFill>
         <p:spPr>
           <a:xfrm>
-            <a:off x="1438274" y="3144424"/>
-            <a:ext cx="1787326" cy="2472467"/>
+            <a:off x="3313918" y="3144424"/>
+            <a:ext cx="2160603" cy="2988067"/>
           </a:xfrm>
           <a:prstGeom prst="rect">
             <a:avLst/>
           </a:prstGeom>
         </p:spPr>
       </p:pic>
-      <p:sp>
-        <p:nvSpPr>
-          <p:cNvPr id="5" name="CasellaDiTesto 4">
-            <a:extLst>
-              <a:ext uri="{FF2B5EF4-FFF2-40B4-BE49-F238E27FC236}">
-                <a16:creationId xmlns:a16="http://schemas.microsoft.com/office/drawing/2014/main" id="{75ECE0A2-8F45-49E4-AE4E-D803B55AF397}"/>
-              </a:ext>
-            </a:extLst>
-          </p:cNvPr>
-          <p:cNvSpPr txBox="1"/>
+      <p:pic>
+        <p:nvPicPr>
+          <p:cNvPr id="6" name="Immagine 5">
+            <a:extLst>
+              <a:ext uri="{FF2B5EF4-FFF2-40B4-BE49-F238E27FC236}">
+                <a16:creationId xmlns:a16="http://schemas.microsoft.com/office/drawing/2014/main" id="{FDAD3556-37BB-4D00-A237-269B1BC94BA4}"/>
+              </a:ext>
+            </a:extLst>
+          </p:cNvPr>
+          <p:cNvPicPr>
+            <a:picLocks noChangeAspect="1"/>
+          </p:cNvPicPr>
           <p:nvPr/>
-        </p:nvSpPr>
+        </p:nvPicPr>
+        <p:blipFill>
+          <a:blip r:embed="rId4"/>
+          <a:srcRect/>
+          <a:stretch/>
+        </p:blipFill>
         <p:spPr>
           <a:xfrm>
-            <a:off x="5986463" y="3429000"/>
-            <a:ext cx="3357562" cy="646331"/>
+            <a:off x="6224164" y="2924620"/>
+            <a:ext cx="3858471" cy="3431730"/>
           </a:xfrm>
           <a:prstGeom prst="rect">
             <a:avLst/>
           </a:prstGeom>
-          <a:noFill/>
         </p:spPr>
-        <p:txBody>
-          <a:bodyPr wrap="square" rtlCol="0">
-            <a:spAutoFit/>
-          </a:bodyPr>
-          <a:lstStyle/>
-          <a:p>
-            <a:r>
-              <a:rPr lang="it-IT" dirty="0"/>
-              <a:t>FAI DISEGNO PER PROPOSAL-PROPOSAL INTERFACE</a:t>
-            </a:r>
-          </a:p>
-        </p:txBody>
-      </p:sp>
+      </p:pic>
     </p:spTree>
     <p:extLst>
       <p:ext uri="{BB962C8B-B14F-4D97-AF65-F5344CB8AC3E}">
@@ -19310,7 +19308,7 @@
         <p:spPr>
           <a:xfrm>
             <a:off x="531378" y="3129540"/>
-            <a:ext cx="6856558" cy="2958275"/>
+            <a:ext cx="10307198" cy="2958275"/>
           </a:xfrm>
         </p:spPr>
         <p:txBody>
@@ -19319,9 +19317,47 @@
           </a:bodyPr>
           <a:lstStyle/>
           <a:p>
-            <a:pPr marL="0" indent="0">
-              <a:buNone/>
-            </a:pPr>
+            <a:r>
+              <a:rPr lang="it-IT" dirty="0"/>
+              <a:t>Nel caso di oggetti il cui comportamento dipende dal proprio stato, può essere utile adottare il pattern State per eliminare codice di </a:t>
+            </a:r>
+            <a:r>
+              <a:rPr lang="it-IT" dirty="0">
+                <a:solidFill>
+                  <a:srgbClr val="FF0000"/>
+                </a:solidFill>
+              </a:rPr>
+              <a:t>scelte condizionali</a:t>
+            </a:r>
+          </a:p>
+          <a:p>
+            <a:r>
+              <a:rPr lang="it-IT" dirty="0"/>
+              <a:t>La </a:t>
+            </a:r>
+            <a:r>
+              <a:rPr lang="it-IT" dirty="0">
+                <a:solidFill>
+                  <a:schemeClr val="accent6"/>
+                </a:solidFill>
+              </a:rPr>
+              <a:t>soluzione</a:t>
+            </a:r>
+            <a:r>
+              <a:rPr lang="it-IT" dirty="0"/>
+              <a:t> è creare una classe stato per ogni stato, che implementa un’interfaccia comune</a:t>
+            </a:r>
+          </a:p>
+          <a:p>
+            <a:r>
+              <a:rPr lang="it-IT" dirty="0"/>
+              <a:t>Le operazioni che dipendono dallo stato vengono delegate all’oggetto che rappresenta il proprio stato</a:t>
+            </a:r>
+          </a:p>
+          <a:p>
+            <a:endParaRPr lang="it-IT" i="1" dirty="0"/>
+          </a:p>
+          <a:p>
             <a:endParaRPr lang="it-IT" i="1" dirty="0"/>
           </a:p>
         </p:txBody>
@@ -19384,7 +19420,7 @@
           <a:lstStyle/>
           <a:p>
             <a:r>
-              <a:rPr lang="it-IT" b="0" dirty="0"/>
+              <a:rPr lang="it-IT" dirty="0"/>
               <a:t>State</a:t>
             </a:r>
           </a:p>
@@ -19454,6 +19490,224 @@
     <p:extLst>
       <p:ext uri="{BB962C8B-B14F-4D97-AF65-F5344CB8AC3E}">
         <p14:creationId xmlns:p14="http://schemas.microsoft.com/office/powerpoint/2010/main" val="91889829"/>
+      </p:ext>
+    </p:extLst>
+  </p:cSld>
+  <p:clrMapOvr>
+    <a:masterClrMapping/>
+  </p:clrMapOvr>
+</p:sld>
+</file>
+
+<file path=ppt/slides/slide19.xml><?xml version="1.0" encoding="utf-8"?>
+<p:sld xmlns:a="http://schemas.openxmlformats.org/drawingml/2006/main" xmlns:r="http://schemas.openxmlformats.org/officeDocument/2006/relationships" xmlns:p="http://schemas.openxmlformats.org/presentationml/2006/main" showMasterSp="0">
+  <p:cSld>
+    <p:spTree>
+      <p:nvGrpSpPr>
+        <p:cNvPr id="1" name=""/>
+        <p:cNvGrpSpPr/>
+        <p:nvPr/>
+      </p:nvGrpSpPr>
+      <p:grpSpPr>
+        <a:xfrm>
+          <a:off x="0" y="0"/>
+          <a:ext cx="0" cy="0"/>
+          <a:chOff x="0" y="0"/>
+          <a:chExt cx="0" cy="0"/>
+        </a:xfrm>
+      </p:grpSpPr>
+      <p:sp>
+        <p:nvSpPr>
+          <p:cNvPr id="7" name="Segnaposto contenuto 6">
+            <a:extLst>
+              <a:ext uri="{FF2B5EF4-FFF2-40B4-BE49-F238E27FC236}">
+                <a16:creationId xmlns:a16="http://schemas.microsoft.com/office/drawing/2014/main" id="{2482DBEC-EE72-4155-ACC5-87E80C5606A9}"/>
+              </a:ext>
+            </a:extLst>
+          </p:cNvPr>
+          <p:cNvSpPr>
+            <a:spLocks noGrp="1"/>
+          </p:cNvSpPr>
+          <p:nvPr>
+            <p:ph idx="1"/>
+          </p:nvPr>
+        </p:nvSpPr>
+        <p:spPr>
+          <a:xfrm>
+            <a:off x="531378" y="3129540"/>
+            <a:ext cx="10307198" cy="2958275"/>
+          </a:xfrm>
+        </p:spPr>
+        <p:txBody>
+          <a:bodyPr rtlCol="0">
+            <a:normAutofit/>
+          </a:bodyPr>
+          <a:lstStyle/>
+          <a:p>
+            <a:endParaRPr lang="it-IT" i="1" dirty="0"/>
+          </a:p>
+          <a:p>
+            <a:endParaRPr lang="it-IT" i="1" dirty="0"/>
+          </a:p>
+        </p:txBody>
+      </p:sp>
+      <p:sp>
+        <p:nvSpPr>
+          <p:cNvPr id="9" name="Segnaposto testo 8">
+            <a:extLst>
+              <a:ext uri="{FF2B5EF4-FFF2-40B4-BE49-F238E27FC236}">
+                <a16:creationId xmlns:a16="http://schemas.microsoft.com/office/drawing/2014/main" id="{53469036-D1FB-4164-96AE-B6D8CECCFC96}"/>
+              </a:ext>
+            </a:extLst>
+          </p:cNvPr>
+          <p:cNvSpPr>
+            <a:spLocks noGrp="1"/>
+          </p:cNvSpPr>
+          <p:nvPr>
+            <p:ph type="body" sz="quarter" idx="13"/>
+          </p:nvPr>
+        </p:nvSpPr>
+        <p:spPr/>
+        <p:txBody>
+          <a:bodyPr rtlCol="0"/>
+          <a:lstStyle/>
+          <a:p>
+            <a:pPr rtl="0"/>
+            <a:r>
+              <a:rPr lang="it-IT" dirty="0"/>
+              <a:t>Pattern </a:t>
+            </a:r>
+            <a:r>
+              <a:rPr lang="it-IT" dirty="0" err="1"/>
+              <a:t>GoF</a:t>
+            </a:r>
+            <a:endParaRPr lang="it-IT" dirty="0"/>
+          </a:p>
+        </p:txBody>
+      </p:sp>
+      <p:sp>
+        <p:nvSpPr>
+          <p:cNvPr id="4" name="Titolo 3">
+            <a:extLst>
+              <a:ext uri="{FF2B5EF4-FFF2-40B4-BE49-F238E27FC236}">
+                <a16:creationId xmlns:a16="http://schemas.microsoft.com/office/drawing/2014/main" id="{1ABE11BF-33A5-4653-A144-CCCBACF58C30}"/>
+              </a:ext>
+            </a:extLst>
+          </p:cNvPr>
+          <p:cNvSpPr>
+            <a:spLocks noGrp="1"/>
+          </p:cNvSpPr>
+          <p:nvPr>
+            <p:ph type="title"/>
+          </p:nvPr>
+        </p:nvSpPr>
+        <p:spPr/>
+        <p:txBody>
+          <a:bodyPr rtlCol="0">
+            <a:normAutofit/>
+          </a:bodyPr>
+          <a:lstStyle/>
+          <a:p>
+            <a:r>
+              <a:rPr lang="it-IT" dirty="0"/>
+              <a:t>State</a:t>
+            </a:r>
+          </a:p>
+        </p:txBody>
+      </p:sp>
+      <p:sp>
+        <p:nvSpPr>
+          <p:cNvPr id="11" name="Segnaposto piè di pagina 10">
+            <a:extLst>
+              <a:ext uri="{FF2B5EF4-FFF2-40B4-BE49-F238E27FC236}">
+                <a16:creationId xmlns:a16="http://schemas.microsoft.com/office/drawing/2014/main" id="{47F4D2C2-B71A-4089-A3FE-603C32706CA6}"/>
+              </a:ext>
+            </a:extLst>
+          </p:cNvPr>
+          <p:cNvSpPr>
+            <a:spLocks noGrp="1"/>
+          </p:cNvSpPr>
+          <p:nvPr>
+            <p:ph type="ftr" sz="quarter" idx="14"/>
+          </p:nvPr>
+        </p:nvSpPr>
+        <p:spPr/>
+        <p:txBody>
+          <a:bodyPr rtlCol="0"/>
+          <a:lstStyle/>
+          <a:p>
+            <a:pPr rtl="0"/>
+            <a:r>
+              <a:rPr lang="it-IT" dirty="0"/>
+              <a:t>Aggiungere un piè di pagina</a:t>
+            </a:r>
+          </a:p>
+        </p:txBody>
+      </p:sp>
+      <p:sp>
+        <p:nvSpPr>
+          <p:cNvPr id="12" name="Segnaposto numero diapositiva 11">
+            <a:extLst>
+              <a:ext uri="{FF2B5EF4-FFF2-40B4-BE49-F238E27FC236}">
+                <a16:creationId xmlns:a16="http://schemas.microsoft.com/office/drawing/2014/main" id="{FBA1BB58-7555-4382-B178-7ED04E137E77}"/>
+              </a:ext>
+            </a:extLst>
+          </p:cNvPr>
+          <p:cNvSpPr>
+            <a:spLocks noGrp="1"/>
+          </p:cNvSpPr>
+          <p:nvPr>
+            <p:ph type="sldNum" sz="quarter" idx="15"/>
+          </p:nvPr>
+        </p:nvSpPr>
+        <p:spPr/>
+        <p:txBody>
+          <a:bodyPr rtlCol="0"/>
+          <a:lstStyle/>
+          <a:p>
+            <a:pPr rtl="0"/>
+            <a:fld id="{8699F50C-BE38-4BD0-BA84-9B090E1F2B9B}" type="slidenum">
+              <a:rPr lang="it-IT" smtClean="0"/>
+              <a:pPr rtl="0"/>
+              <a:t>19</a:t>
+            </a:fld>
+            <a:endParaRPr lang="it-IT" dirty="0"/>
+          </a:p>
+        </p:txBody>
+      </p:sp>
+      <p:pic>
+        <p:nvPicPr>
+          <p:cNvPr id="3" name="Immagine 2">
+            <a:extLst>
+              <a:ext uri="{FF2B5EF4-FFF2-40B4-BE49-F238E27FC236}">
+                <a16:creationId xmlns:a16="http://schemas.microsoft.com/office/drawing/2014/main" id="{F084758E-0BC9-4A91-BE9D-EB6807BD680A}"/>
+              </a:ext>
+            </a:extLst>
+          </p:cNvPr>
+          <p:cNvPicPr>
+            <a:picLocks noChangeAspect="1"/>
+          </p:cNvPicPr>
+          <p:nvPr/>
+        </p:nvPicPr>
+        <p:blipFill>
+          <a:blip r:embed="rId3"/>
+          <a:srcRect/>
+          <a:stretch/>
+        </p:blipFill>
+        <p:spPr>
+          <a:xfrm>
+            <a:off x="0" y="2840475"/>
+            <a:ext cx="12192000" cy="3536403"/>
+          </a:xfrm>
+          <a:prstGeom prst="rect">
+            <a:avLst/>
+          </a:prstGeom>
+        </p:spPr>
+      </p:pic>
+    </p:spTree>
+    <p:extLst>
+      <p:ext uri="{BB962C8B-B14F-4D97-AF65-F5344CB8AC3E}">
+        <p14:creationId xmlns:p14="http://schemas.microsoft.com/office/powerpoint/2010/main" val="2118640078"/>
       </p:ext>
     </p:extLst>
   </p:cSld>
@@ -19554,6 +19808,432 @@
   </p:cSld>
   <p:clrMapOvr>
     <a:masterClrMapping/>
+  </p:clrMapOvr>
+</p:sld>
+</file>
+
+<file path=ppt/slides/slide20.xml><?xml version="1.0" encoding="utf-8"?>
+<p:sld xmlns:a="http://schemas.openxmlformats.org/drawingml/2006/main" xmlns:r="http://schemas.openxmlformats.org/officeDocument/2006/relationships" xmlns:p="http://schemas.openxmlformats.org/presentationml/2006/main" showMasterSp="0">
+  <p:cSld>
+    <p:bg>
+      <p:bgRef idx="1001">
+        <a:schemeClr val="bg1"/>
+      </p:bgRef>
+    </p:bg>
+    <p:spTree>
+      <p:nvGrpSpPr>
+        <p:cNvPr id="1" name=""/>
+        <p:cNvGrpSpPr/>
+        <p:nvPr/>
+      </p:nvGrpSpPr>
+      <p:grpSpPr>
+        <a:xfrm>
+          <a:off x="0" y="0"/>
+          <a:ext cx="0" cy="0"/>
+          <a:chOff x="0" y="0"/>
+          <a:chExt cx="0" cy="0"/>
+        </a:xfrm>
+      </p:grpSpPr>
+      <p:sp>
+        <p:nvSpPr>
+          <p:cNvPr id="15" name="Segnaposto testo 14">
+            <a:extLst>
+              <a:ext uri="{FF2B5EF4-FFF2-40B4-BE49-F238E27FC236}">
+                <a16:creationId xmlns:a16="http://schemas.microsoft.com/office/drawing/2014/main" id="{24E18385-8BEA-4522-ABAA-5AB38F0D4FC2}"/>
+              </a:ext>
+            </a:extLst>
+          </p:cNvPr>
+          <p:cNvSpPr>
+            <a:spLocks noGrp="1"/>
+          </p:cNvSpPr>
+          <p:nvPr>
+            <p:ph type="body" idx="1"/>
+          </p:nvPr>
+        </p:nvSpPr>
+        <p:spPr>
+          <a:xfrm>
+            <a:off x="518678" y="1714294"/>
+            <a:ext cx="5475290" cy="781188"/>
+          </a:xfrm>
+        </p:spPr>
+        <p:txBody>
+          <a:bodyPr rtlCol="0"/>
+          <a:lstStyle/>
+          <a:p>
+            <a:pPr rtl="0"/>
+            <a:r>
+              <a:rPr lang="it-IT" dirty="0"/>
+              <a:t>Vantaggi</a:t>
+            </a:r>
+          </a:p>
+        </p:txBody>
+      </p:sp>
+      <p:sp>
+        <p:nvSpPr>
+          <p:cNvPr id="16" name="Segnaposto contenuto 15">
+            <a:extLst>
+              <a:ext uri="{FF2B5EF4-FFF2-40B4-BE49-F238E27FC236}">
+                <a16:creationId xmlns:a16="http://schemas.microsoft.com/office/drawing/2014/main" id="{1DCFA8A2-3FB8-48CA-933D-0800A9D2A2A2}"/>
+              </a:ext>
+            </a:extLst>
+          </p:cNvPr>
+          <p:cNvSpPr>
+            <a:spLocks noGrp="1"/>
+          </p:cNvSpPr>
+          <p:nvPr>
+            <p:ph sz="half" idx="13"/>
+          </p:nvPr>
+        </p:nvSpPr>
+        <p:spPr>
+          <a:xfrm>
+            <a:off x="569694" y="2462567"/>
+            <a:ext cx="5475290" cy="3232149"/>
+          </a:xfrm>
+        </p:spPr>
+        <p:txBody>
+          <a:bodyPr rtlCol="0">
+            <a:normAutofit/>
+          </a:bodyPr>
+          <a:lstStyle/>
+          <a:p>
+            <a:pPr rtl="0">
+              <a:buClr>
+                <a:schemeClr val="accent2"/>
+              </a:buClr>
+            </a:pPr>
+            <a:r>
+              <a:rPr lang="it-IT" sz="2000" dirty="0">
+                <a:solidFill>
+                  <a:schemeClr val="tx1"/>
+                </a:solidFill>
+              </a:rPr>
+              <a:t>Transizioni di stato rese esplicite</a:t>
+            </a:r>
+          </a:p>
+          <a:p>
+            <a:pPr rtl="0">
+              <a:buClr>
+                <a:schemeClr val="accent2"/>
+              </a:buClr>
+            </a:pPr>
+            <a:r>
+              <a:rPr lang="it-IT" sz="2000" dirty="0" err="1">
+                <a:solidFill>
+                  <a:schemeClr val="tx1"/>
+                </a:solidFill>
+              </a:rPr>
+              <a:t>Protected</a:t>
+            </a:r>
+            <a:r>
+              <a:rPr lang="it-IT" sz="2000" dirty="0">
+                <a:solidFill>
+                  <a:schemeClr val="tx1"/>
+                </a:solidFill>
+              </a:rPr>
+              <a:t> </a:t>
+            </a:r>
+            <a:r>
+              <a:rPr lang="it-IT" sz="2000" dirty="0" err="1">
+                <a:solidFill>
+                  <a:schemeClr val="tx1"/>
+                </a:solidFill>
+              </a:rPr>
+              <a:t>Variation</a:t>
+            </a:r>
+            <a:r>
+              <a:rPr lang="it-IT" sz="2000" dirty="0">
+                <a:solidFill>
+                  <a:schemeClr val="tx1"/>
+                </a:solidFill>
+              </a:rPr>
+              <a:t> fornita rispetto all’aggiunta di stati</a:t>
+            </a:r>
+          </a:p>
+          <a:p>
+            <a:pPr rtl="0">
+              <a:buClr>
+                <a:schemeClr val="accent2"/>
+              </a:buClr>
+            </a:pPr>
+            <a:r>
+              <a:rPr lang="it-IT" sz="2000" dirty="0">
+                <a:solidFill>
+                  <a:schemeClr val="tx1"/>
+                </a:solidFill>
+              </a:rPr>
+              <a:t>Rende non necessario l’uso di costrutti Switch</a:t>
+            </a:r>
+          </a:p>
+          <a:p>
+            <a:pPr rtl="0">
+              <a:buClr>
+                <a:schemeClr val="accent2"/>
+              </a:buClr>
+            </a:pPr>
+            <a:r>
+              <a:rPr lang="it-IT" sz="2000" dirty="0">
+                <a:solidFill>
+                  <a:schemeClr val="tx1"/>
+                </a:solidFill>
+              </a:rPr>
+              <a:t>Rende possibile la condivisione degli oggetti State</a:t>
+            </a:r>
+          </a:p>
+        </p:txBody>
+      </p:sp>
+      <p:sp>
+        <p:nvSpPr>
+          <p:cNvPr id="17" name="Segnaposto testo 16">
+            <a:extLst>
+              <a:ext uri="{FF2B5EF4-FFF2-40B4-BE49-F238E27FC236}">
+                <a16:creationId xmlns:a16="http://schemas.microsoft.com/office/drawing/2014/main" id="{640A3223-3DA3-4CF2-82B6-1447667547BD}"/>
+              </a:ext>
+            </a:extLst>
+          </p:cNvPr>
+          <p:cNvSpPr>
+            <a:spLocks noGrp="1"/>
+          </p:cNvSpPr>
+          <p:nvPr>
+            <p:ph type="body" sz="quarter" idx="14"/>
+          </p:nvPr>
+        </p:nvSpPr>
+        <p:spPr>
+          <a:xfrm>
+            <a:off x="6096000" y="1681379"/>
+            <a:ext cx="5475600" cy="781188"/>
+          </a:xfrm>
+        </p:spPr>
+        <p:txBody>
+          <a:bodyPr rtlCol="0"/>
+          <a:lstStyle/>
+          <a:p>
+            <a:pPr rtl="0"/>
+            <a:r>
+              <a:rPr lang="it-IT" dirty="0"/>
+              <a:t>Svantaggi</a:t>
+            </a:r>
+          </a:p>
+        </p:txBody>
+      </p:sp>
+      <p:sp>
+        <p:nvSpPr>
+          <p:cNvPr id="18" name="Segnaposto contenuto 17">
+            <a:extLst>
+              <a:ext uri="{FF2B5EF4-FFF2-40B4-BE49-F238E27FC236}">
+                <a16:creationId xmlns:a16="http://schemas.microsoft.com/office/drawing/2014/main" id="{C955AFB3-173C-4848-B3E9-1375591B297E}"/>
+              </a:ext>
+            </a:extLst>
+          </p:cNvPr>
+          <p:cNvSpPr>
+            <a:spLocks noGrp="1"/>
+          </p:cNvSpPr>
+          <p:nvPr>
+            <p:ph sz="quarter" idx="15"/>
+          </p:nvPr>
+        </p:nvSpPr>
+        <p:spPr>
+          <a:xfrm>
+            <a:off x="6146706" y="2495482"/>
+            <a:ext cx="5475600" cy="3232149"/>
+          </a:xfrm>
+        </p:spPr>
+        <p:txBody>
+          <a:bodyPr rtlCol="0"/>
+          <a:lstStyle/>
+          <a:p>
+            <a:pPr>
+              <a:buClr>
+                <a:schemeClr val="accent2"/>
+              </a:buClr>
+            </a:pPr>
+            <a:r>
+              <a:rPr lang="it-IT" sz="2000" dirty="0">
+                <a:solidFill>
+                  <a:schemeClr val="tx1"/>
+                </a:solidFill>
+              </a:rPr>
+              <a:t>Il numero delle classi aumenta (una per ogni stato)</a:t>
+            </a:r>
+          </a:p>
+        </p:txBody>
+      </p:sp>
+      <p:sp>
+        <p:nvSpPr>
+          <p:cNvPr id="19" name="Segnaposto testo 18">
+            <a:extLst>
+              <a:ext uri="{FF2B5EF4-FFF2-40B4-BE49-F238E27FC236}">
+                <a16:creationId xmlns:a16="http://schemas.microsoft.com/office/drawing/2014/main" id="{DFE11F38-F66B-4F95-8224-6CCA69D57617}"/>
+              </a:ext>
+            </a:extLst>
+          </p:cNvPr>
+          <p:cNvSpPr>
+            <a:spLocks noGrp="1"/>
+          </p:cNvSpPr>
+          <p:nvPr>
+            <p:ph type="body" sz="quarter" idx="16"/>
+          </p:nvPr>
+        </p:nvSpPr>
+        <p:spPr/>
+        <p:txBody>
+          <a:bodyPr rtlCol="0">
+            <a:normAutofit/>
+          </a:bodyPr>
+          <a:lstStyle/>
+          <a:p>
+            <a:r>
+              <a:rPr lang="it-IT" dirty="0">
+                <a:solidFill>
+                  <a:schemeClr val="bg2">
+                    <a:lumMod val="50000"/>
+                  </a:schemeClr>
+                </a:solidFill>
+              </a:rPr>
+              <a:t>Pattern </a:t>
+            </a:r>
+            <a:r>
+              <a:rPr lang="it-IT" dirty="0" err="1">
+                <a:solidFill>
+                  <a:schemeClr val="bg2">
+                    <a:lumMod val="50000"/>
+                  </a:schemeClr>
+                </a:solidFill>
+              </a:rPr>
+              <a:t>Gof</a:t>
+            </a:r>
+            <a:endParaRPr lang="it-IT" dirty="0">
+              <a:solidFill>
+                <a:schemeClr val="bg2">
+                  <a:lumMod val="50000"/>
+                </a:schemeClr>
+              </a:solidFill>
+            </a:endParaRPr>
+          </a:p>
+        </p:txBody>
+      </p:sp>
+      <p:sp>
+        <p:nvSpPr>
+          <p:cNvPr id="20" name="Segnaposto piè di pagina 4">
+            <a:extLst>
+              <a:ext uri="{FF2B5EF4-FFF2-40B4-BE49-F238E27FC236}">
+                <a16:creationId xmlns:a16="http://schemas.microsoft.com/office/drawing/2014/main" id="{391D3201-20F9-4DD7-B4EB-F41AF17CA428}"/>
+              </a:ext>
+            </a:extLst>
+          </p:cNvPr>
+          <p:cNvSpPr>
+            <a:spLocks noGrp="1"/>
+          </p:cNvSpPr>
+          <p:nvPr>
+            <p:ph type="ftr" sz="quarter" idx="17"/>
+          </p:nvPr>
+        </p:nvSpPr>
+        <p:spPr/>
+        <p:txBody>
+          <a:bodyPr rtlCol="0"/>
+          <a:lstStyle>
+            <a:lvl1pPr algn="r">
+              <a:defRPr sz="1200">
+                <a:solidFill>
+                  <a:schemeClr val="tx1">
+                    <a:lumMod val="50000"/>
+                    <a:lumOff val="50000"/>
+                  </a:schemeClr>
+                </a:solidFill>
+              </a:defRPr>
+            </a:lvl1pPr>
+          </a:lstStyle>
+          <a:p>
+            <a:pPr algn="l" rtl="0"/>
+            <a:r>
+              <a:rPr lang="it-IT" dirty="0"/>
+              <a:t>Aggiungere un piè di pagina</a:t>
+            </a:r>
+          </a:p>
+        </p:txBody>
+      </p:sp>
+      <p:sp>
+        <p:nvSpPr>
+          <p:cNvPr id="21" name="Segnaposto numero diapositiva 5">
+            <a:extLst>
+              <a:ext uri="{FF2B5EF4-FFF2-40B4-BE49-F238E27FC236}">
+                <a16:creationId xmlns:a16="http://schemas.microsoft.com/office/drawing/2014/main" id="{C7C65DDB-24F2-44CF-AE02-F3A6C8B1858B}"/>
+              </a:ext>
+            </a:extLst>
+          </p:cNvPr>
+          <p:cNvSpPr>
+            <a:spLocks noGrp="1"/>
+          </p:cNvSpPr>
+          <p:nvPr>
+            <p:ph type="sldNum" sz="quarter" idx="18"/>
+          </p:nvPr>
+        </p:nvSpPr>
+        <p:spPr/>
+        <p:txBody>
+          <a:bodyPr rtlCol="0"/>
+          <a:lstStyle>
+            <a:lvl1pPr algn="r">
+              <a:defRPr sz="1200">
+                <a:solidFill>
+                  <a:schemeClr val="tx1">
+                    <a:lumMod val="50000"/>
+                    <a:lumOff val="50000"/>
+                  </a:schemeClr>
+                </a:solidFill>
+              </a:defRPr>
+            </a:lvl1pPr>
+          </a:lstStyle>
+          <a:p>
+            <a:pPr rtl="0"/>
+            <a:fld id="{8699F50C-BE38-4BD0-BA84-9B090E1F2B9B}" type="slidenum">
+              <a:rPr lang="it-IT" smtClean="0"/>
+              <a:pPr rtl="0"/>
+              <a:t>20</a:t>
+            </a:fld>
+            <a:endParaRPr lang="it-IT" dirty="0"/>
+          </a:p>
+        </p:txBody>
+      </p:sp>
+      <p:sp>
+        <p:nvSpPr>
+          <p:cNvPr id="14" name="Titolo 13">
+            <a:extLst>
+              <a:ext uri="{FF2B5EF4-FFF2-40B4-BE49-F238E27FC236}">
+                <a16:creationId xmlns:a16="http://schemas.microsoft.com/office/drawing/2014/main" id="{E3E5EE03-FBF6-46F5-8085-716AC6CE1C8C}"/>
+              </a:ext>
+            </a:extLst>
+          </p:cNvPr>
+          <p:cNvSpPr>
+            <a:spLocks noGrp="1"/>
+          </p:cNvSpPr>
+          <p:nvPr>
+            <p:ph type="title"/>
+          </p:nvPr>
+        </p:nvSpPr>
+        <p:spPr/>
+        <p:txBody>
+          <a:bodyPr rtlCol="0"/>
+          <a:lstStyle/>
+          <a:p>
+            <a:pPr rtl="0"/>
+            <a:r>
+              <a:rPr lang="it-IT" dirty="0">
+                <a:solidFill>
+                  <a:schemeClr val="accent1"/>
+                </a:solidFill>
+              </a:rPr>
+              <a:t>State</a:t>
+            </a:r>
+          </a:p>
+        </p:txBody>
+      </p:sp>
+    </p:spTree>
+    <p:extLst>
+      <p:ext uri="{BB962C8B-B14F-4D97-AF65-F5344CB8AC3E}">
+        <p14:creationId xmlns:p14="http://schemas.microsoft.com/office/powerpoint/2010/main" val="3031756133"/>
+      </p:ext>
+    </p:extLst>
+  </p:cSld>
+  <p:clrMapOvr>
+    <a:overrideClrMapping bg1="lt1" tx1="dk1" bg2="lt2" tx2="dk2" accent1="accent1" accent2="accent2" accent3="accent3" accent4="accent4" accent5="accent5" accent6="accent6" hlink="hlink" folHlink="folHlink"/>
   </p:clrMapOvr>
 </p:sld>
 </file>
@@ -20009,8 +20689,8 @@
         </p:blipFill>
         <p:spPr>
           <a:xfrm>
-            <a:off x="1228683" y="2859499"/>
-            <a:ext cx="8477379" cy="3418747"/>
+            <a:off x="2692645" y="2739314"/>
+            <a:ext cx="6545184" cy="3418747"/>
           </a:xfrm>
         </p:spPr>
       </p:pic>
@@ -20130,68 +20810,6 @@
               <a:t>5</a:t>
             </a:fld>
             <a:endParaRPr lang="it-IT" dirty="0"/>
-          </a:p>
-        </p:txBody>
-      </p:sp>
-      <p:sp>
-        <p:nvSpPr>
-          <p:cNvPr id="2" name="CasellaDiTesto 1">
-            <a:extLst>
-              <a:ext uri="{FF2B5EF4-FFF2-40B4-BE49-F238E27FC236}">
-                <a16:creationId xmlns:a16="http://schemas.microsoft.com/office/drawing/2014/main" id="{E654DD4F-F41A-4751-AB17-272290DABFF0}"/>
-              </a:ext>
-            </a:extLst>
-          </p:cNvPr>
-          <p:cNvSpPr txBox="1"/>
-          <p:nvPr/>
-        </p:nvSpPr>
-        <p:spPr>
-          <a:xfrm>
-            <a:off x="7415211" y="1806435"/>
-            <a:ext cx="3548105" cy="2246769"/>
-          </a:xfrm>
-          <a:prstGeom prst="rect">
-            <a:avLst/>
-          </a:prstGeom>
-          <a:noFill/>
-        </p:spPr>
-        <p:txBody>
-          <a:bodyPr wrap="square" rtlCol="0">
-            <a:spAutoFit/>
-          </a:bodyPr>
-          <a:lstStyle/>
-          <a:p>
-            <a:r>
-              <a:rPr lang="it-IT" sz="2800" dirty="0">
-                <a:solidFill>
-                  <a:srgbClr val="FF0000"/>
-                </a:solidFill>
-                <a:highlight>
-                  <a:srgbClr val="FFFF00"/>
-                </a:highlight>
-              </a:rPr>
-              <a:t>SBAGLIATO </a:t>
-            </a:r>
-            <a:r>
-              <a:rPr lang="it-IT" sz="2800" dirty="0">
-                <a:solidFill>
-                  <a:srgbClr val="FF0000"/>
-                </a:solidFill>
-                <a:highlight>
-                  <a:srgbClr val="FFFF00"/>
-                </a:highlight>
-                <a:sym typeface="Wingdings" panose="05000000000000000000" pitchFamily="2" charset="2"/>
-              </a:rPr>
-              <a:t>METTERE CONCERTO E NON FOOTBALLMATCH IN ENTRAMBI</a:t>
-            </a:r>
-            <a:endParaRPr lang="it-IT" sz="2800" dirty="0">
-              <a:solidFill>
-                <a:srgbClr val="FF0000"/>
-              </a:solidFill>
-              <a:highlight>
-                <a:srgbClr val="FFFF00"/>
-              </a:highlight>
-            </a:endParaRPr>
           </a:p>
         </p:txBody>
       </p:sp>
@@ -20346,10 +20964,10 @@
       </p:sp>
       <p:pic>
         <p:nvPicPr>
-          <p:cNvPr id="3" name="Immagine 2">
-            <a:extLst>
-              <a:ext uri="{FF2B5EF4-FFF2-40B4-BE49-F238E27FC236}">
-                <a16:creationId xmlns:a16="http://schemas.microsoft.com/office/drawing/2014/main" id="{C6B962FD-391B-425A-AD5C-E15333111599}"/>
+          <p:cNvPr id="10" name="Immagine 9">
+            <a:extLst>
+              <a:ext uri="{FF2B5EF4-FFF2-40B4-BE49-F238E27FC236}">
+                <a16:creationId xmlns:a16="http://schemas.microsoft.com/office/drawing/2014/main" id="{2F4A9EF8-DBBC-4892-BDD3-8A3BDAD71886}"/>
               </a:ext>
             </a:extLst>
           </p:cNvPr>
@@ -20360,115 +20978,19 @@
         </p:nvPicPr>
         <p:blipFill>
           <a:blip r:embed="rId3"/>
-          <a:stretch>
-            <a:fillRect/>
-          </a:stretch>
+          <a:srcRect/>
+          <a:stretch/>
         </p:blipFill>
         <p:spPr>
           <a:xfrm>
-            <a:off x="531377" y="3095969"/>
-            <a:ext cx="7279401" cy="923924"/>
+            <a:off x="3266189" y="2652467"/>
+            <a:ext cx="5038892" cy="3508091"/>
           </a:xfrm>
           <a:prstGeom prst="rect">
             <a:avLst/>
           </a:prstGeom>
         </p:spPr>
       </p:pic>
-      <p:pic>
-        <p:nvPicPr>
-          <p:cNvPr id="6" name="Immagine 5">
-            <a:extLst>
-              <a:ext uri="{FF2B5EF4-FFF2-40B4-BE49-F238E27FC236}">
-                <a16:creationId xmlns:a16="http://schemas.microsoft.com/office/drawing/2014/main" id="{36F0BFD1-1DFE-4DD4-BC0B-2B1125ADAC32}"/>
-              </a:ext>
-            </a:extLst>
-          </p:cNvPr>
-          <p:cNvPicPr>
-            <a:picLocks noChangeAspect="1"/>
-          </p:cNvPicPr>
-          <p:nvPr/>
-        </p:nvPicPr>
-        <p:blipFill>
-          <a:blip r:embed="rId4"/>
-          <a:stretch>
-            <a:fillRect/>
-          </a:stretch>
-        </p:blipFill>
-        <p:spPr>
-          <a:xfrm>
-            <a:off x="531377" y="4008780"/>
-            <a:ext cx="5697973" cy="1322257"/>
-          </a:xfrm>
-          <a:prstGeom prst="rect">
-            <a:avLst/>
-          </a:prstGeom>
-        </p:spPr>
-      </p:pic>
-      <p:pic>
-        <p:nvPicPr>
-          <p:cNvPr id="10" name="Immagine 9">
-            <a:extLst>
-              <a:ext uri="{FF2B5EF4-FFF2-40B4-BE49-F238E27FC236}">
-                <a16:creationId xmlns:a16="http://schemas.microsoft.com/office/drawing/2014/main" id="{2F4A9EF8-DBBC-4892-BDD3-8A3BDAD71886}"/>
-              </a:ext>
-            </a:extLst>
-          </p:cNvPr>
-          <p:cNvPicPr>
-            <a:picLocks noChangeAspect="1"/>
-          </p:cNvPicPr>
-          <p:nvPr/>
-        </p:nvPicPr>
-        <p:blipFill>
-          <a:blip r:embed="rId5"/>
-          <a:stretch>
-            <a:fillRect/>
-          </a:stretch>
-        </p:blipFill>
-        <p:spPr>
-          <a:xfrm>
-            <a:off x="554614" y="5328177"/>
-            <a:ext cx="5546524" cy="1144061"/>
-          </a:xfrm>
-          <a:prstGeom prst="rect">
-            <a:avLst/>
-          </a:prstGeom>
-        </p:spPr>
-      </p:pic>
-      <p:sp>
-        <p:nvSpPr>
-          <p:cNvPr id="13" name="CasellaDiTesto 12">
-            <a:extLst>
-              <a:ext uri="{FF2B5EF4-FFF2-40B4-BE49-F238E27FC236}">
-                <a16:creationId xmlns:a16="http://schemas.microsoft.com/office/drawing/2014/main" id="{6FC16851-B160-4631-B183-A47B71DEF013}"/>
-              </a:ext>
-            </a:extLst>
-          </p:cNvPr>
-          <p:cNvSpPr txBox="1"/>
-          <p:nvPr/>
-        </p:nvSpPr>
-        <p:spPr>
-          <a:xfrm>
-            <a:off x="8153400" y="3429000"/>
-            <a:ext cx="2505075" cy="1200329"/>
-          </a:xfrm>
-          <a:prstGeom prst="rect">
-            <a:avLst/>
-          </a:prstGeom>
-          <a:noFill/>
-        </p:spPr>
-        <p:txBody>
-          <a:bodyPr wrap="square" rtlCol="0">
-            <a:spAutoFit/>
-          </a:bodyPr>
-          <a:lstStyle/>
-          <a:p>
-            <a:r>
-              <a:rPr lang="it-IT" dirty="0"/>
-              <a:t>RIFARE SENZA JAVADOC E SISTEMARE IMMAGINI + SCRIVERE IN PARTE LA CLASSE RELATIVA</a:t>
-            </a:r>
-          </a:p>
-        </p:txBody>
-      </p:sp>
     </p:spTree>
     <p:extLst>
       <p:ext uri="{BB962C8B-B14F-4D97-AF65-F5344CB8AC3E}">
@@ -20485,6 +21007,11 @@
 <file path=ppt/slides/slide7.xml><?xml version="1.0" encoding="utf-8"?>
 <p:sld xmlns:a="http://schemas.openxmlformats.org/drawingml/2006/main" xmlns:r="http://schemas.openxmlformats.org/officeDocument/2006/relationships" xmlns:p="http://schemas.openxmlformats.org/presentationml/2006/main" showMasterSp="0">
   <p:cSld>
+    <p:bg>
+      <p:bgRef idx="1001">
+        <a:schemeClr val="bg1"/>
+      </p:bgRef>
+    </p:bg>
     <p:spTree>
       <p:nvGrpSpPr>
         <p:cNvPr id="1" name=""/>
@@ -20732,14 +21259,17 @@
         </p:nvSpPr>
         <p:spPr/>
         <p:txBody>
-          <a:bodyPr rtlCol="0"/>
-          <a:lstStyle/>
-          <a:p>
-            <a:pPr rtl="0"/>
+          <a:bodyPr rtlCol="0">
+            <a:normAutofit/>
+          </a:bodyPr>
+          <a:lstStyle/>
+          <a:p>
             <a:r>
               <a:rPr lang="it-IT" dirty="0">
                 <a:solidFill>
-                  <a:schemeClr val="tx1"/>
+                  <a:schemeClr val="bg2">
+                    <a:lumMod val="50000"/>
+                  </a:schemeClr>
                 </a:solidFill>
               </a:rPr>
               <a:t>Pattern GRASP</a:t>
@@ -20852,9 +21382,9 @@
           <a:p>
             <a:pPr rtl="0"/>
             <a:r>
-              <a:rPr lang="it-IT" b="0" dirty="0">
+              <a:rPr lang="it-IT" dirty="0">
                 <a:solidFill>
-                  <a:schemeClr val="tx1"/>
+                  <a:schemeClr val="accent1"/>
                 </a:solidFill>
               </a:rPr>
               <a:t>POLIMORFISMO</a:t>
@@ -20926,7 +21456,7 @@
     </p:extLst>
   </p:cSld>
   <p:clrMapOvr>
-    <a:masterClrMapping/>
+    <a:overrideClrMapping bg1="lt1" tx1="dk1" bg2="lt2" tx2="dk2" accent1="accent1" accent2="accent2" accent3="accent3" accent4="accent4" accent5="accent5" accent6="accent6" hlink="hlink" folHlink="folHlink"/>
   </p:clrMapOvr>
 </p:sld>
 </file>
@@ -21222,11 +21752,11 @@
             </a:r>
             <a:r>
               <a:rPr lang="it-IT" dirty="0" err="1"/>
-              <a:t>Cateogory</a:t>
+              <a:t>Category</a:t>
             </a:r>
             <a:r>
               <a:rPr lang="it-IT" dirty="0"/>
-              <a:t> – Field). Per proteggere la Categoria dal cambiamento dei valori del Campo e da quello che non consegue abbiamo fatto in modo tale che oggetti che utilizzano la Categoria non parlino con i Campi. (</a:t>
+              <a:t> – Field). Per proteggere la Categoria dal cambiamento dei valori del Campo, e da quello che ne consegue, abbiamo fatto in modo che oggetti che utilizzano la Categoria non parlino con i Campi. (</a:t>
             </a:r>
             <a:r>
               <a:rPr lang="it-IT" dirty="0">
@@ -21245,7 +21775,15 @@
             <a:pPr lvl="0" rtl="0"/>
             <a:r>
               <a:rPr lang="it-IT" dirty="0"/>
-              <a:t>Seguendo la Legge di Demetra abbiamo fatto in modo di far parlare ciascuna classe solo con classi con cui si ha diretta dipendenza, evitando di parlare con «stranieri», cioè oggetti indiretti.</a:t>
+              <a:t>Seguendo la Legge di Demetra abbiamo fatto in modo </a:t>
+            </a:r>
+            <a:r>
+              <a:rPr lang="it-IT" dirty="0" err="1"/>
+              <a:t>checiascuna</a:t>
+            </a:r>
+            <a:r>
+              <a:rPr lang="it-IT" dirty="0"/>
+              <a:t> classe parlasse solo con classi con cui si ha diretta dipendenza, evitando di parlare con «stranieri», cioè oggetti indiretti.</a:t>
             </a:r>
           </a:p>
         </p:txBody>
@@ -22265,4 +22803,90 @@
     </a:ext>
   </a:extLst>
 </a:theme>
+</file>
+
+<file path=ppt/theme/themeOverride1.xml><?xml version="1.0" encoding="utf-8"?>
+<a:themeOverride xmlns:a="http://schemas.openxmlformats.org/drawingml/2006/main">
+  <a:clrScheme name="Office">
+    <a:dk1>
+      <a:sysClr val="windowText" lastClr="000000"/>
+    </a:dk1>
+    <a:lt1>
+      <a:sysClr val="window" lastClr="FFFFFF"/>
+    </a:lt1>
+    <a:dk2>
+      <a:srgbClr val="44546A"/>
+    </a:dk2>
+    <a:lt2>
+      <a:srgbClr val="E7E6E6"/>
+    </a:lt2>
+    <a:accent1>
+      <a:srgbClr val="4472C4"/>
+    </a:accent1>
+    <a:accent2>
+      <a:srgbClr val="ED7D31"/>
+    </a:accent2>
+    <a:accent3>
+      <a:srgbClr val="A5A5A5"/>
+    </a:accent3>
+    <a:accent4>
+      <a:srgbClr val="FFC000"/>
+    </a:accent4>
+    <a:accent5>
+      <a:srgbClr val="5B9BD5"/>
+    </a:accent5>
+    <a:accent6>
+      <a:srgbClr val="70AD47"/>
+    </a:accent6>
+    <a:hlink>
+      <a:srgbClr val="0563C1"/>
+    </a:hlink>
+    <a:folHlink>
+      <a:srgbClr val="954F72"/>
+    </a:folHlink>
+  </a:clrScheme>
+</a:themeOverride>
+</file>
+
+<file path=ppt/theme/themeOverride2.xml><?xml version="1.0" encoding="utf-8"?>
+<a:themeOverride xmlns:a="http://schemas.openxmlformats.org/drawingml/2006/main">
+  <a:clrScheme name="Office">
+    <a:dk1>
+      <a:sysClr val="windowText" lastClr="000000"/>
+    </a:dk1>
+    <a:lt1>
+      <a:sysClr val="window" lastClr="FFFFFF"/>
+    </a:lt1>
+    <a:dk2>
+      <a:srgbClr val="44546A"/>
+    </a:dk2>
+    <a:lt2>
+      <a:srgbClr val="E7E6E6"/>
+    </a:lt2>
+    <a:accent1>
+      <a:srgbClr val="4472C4"/>
+    </a:accent1>
+    <a:accent2>
+      <a:srgbClr val="ED7D31"/>
+    </a:accent2>
+    <a:accent3>
+      <a:srgbClr val="A5A5A5"/>
+    </a:accent3>
+    <a:accent4>
+      <a:srgbClr val="FFC000"/>
+    </a:accent4>
+    <a:accent5>
+      <a:srgbClr val="5B9BD5"/>
+    </a:accent5>
+    <a:accent6>
+      <a:srgbClr val="70AD47"/>
+    </a:accent6>
+    <a:hlink>
+      <a:srgbClr val="0563C1"/>
+    </a:hlink>
+    <a:folHlink>
+      <a:srgbClr val="954F72"/>
+    </a:folHlink>
+  </a:clrScheme>
+</a:themeOverride>
 </file>
--- a/Progetto Ingegneria SW.pptx
+++ b/Progetto Ingegneria SW.pptx
@@ -21756,34 +21756,22 @@
             </a:r>
             <a:r>
               <a:rPr lang="it-IT" dirty="0"/>
-              <a:t> – Field). Per proteggere la Categoria dal cambiamento dei valori del Campo, e da quello che ne consegue, abbiamo fatto in modo che oggetti che utilizzano la Categoria non parlino con i Campi. (</a:t>
-            </a:r>
-            <a:r>
-              <a:rPr lang="it-IT" dirty="0">
-                <a:solidFill>
-                  <a:srgbClr val="FF0000"/>
-                </a:solidFill>
-              </a:rPr>
-              <a:t>AGGIUSTARE FRASE</a:t>
+              <a:t> – Field). Per proteggere la Categoria dal cambiamento dei valori del Campo, e da quello che ne consegue, gli oggetti che utilizzano la Categoria non parlano più direttamente con i </a:t>
+            </a:r>
+            <a:r>
+              <a:rPr lang="it-IT"/>
+              <a:t>Campi.</a:t>
+            </a:r>
+          </a:p>
+          <a:p>
+            <a:pPr lvl="0" rtl="0"/>
+            <a:r>
+              <a:rPr lang="it-IT"/>
+              <a:t>Seguendo </a:t>
             </a:r>
             <a:r>
               <a:rPr lang="it-IT" dirty="0"/>
-              <a:t>)</a:t>
-            </a:r>
-          </a:p>
-          <a:p>
-            <a:pPr lvl="0" rtl="0"/>
-            <a:r>
-              <a:rPr lang="it-IT" dirty="0"/>
-              <a:t>Seguendo la Legge di Demetra abbiamo fatto in modo </a:t>
-            </a:r>
-            <a:r>
-              <a:rPr lang="it-IT" dirty="0" err="1"/>
-              <a:t>checiascuna</a:t>
-            </a:r>
-            <a:r>
-              <a:rPr lang="it-IT" dirty="0"/>
-              <a:t> classe parlasse solo con classi con cui si ha diretta dipendenza, evitando di parlare con «stranieri», cioè oggetti indiretti.</a:t>
+              <a:t>la Legge di Demetra abbiamo fatto in modo che ciascuna classe parlasse solo con classi con cui si ha diretta dipendenza, evitando di parlare con «stranieri», cioè oggetti indiretti.</a:t>
             </a:r>
           </a:p>
         </p:txBody>

--- a/Progetto Ingegneria SW.pptx
+++ b/Progetto Ingegneria SW.pptx
@@ -5,10 +5,10 @@
     <p:sldMasterId id="2147483756" r:id="rId1"/>
   </p:sldMasterIdLst>
   <p:notesMasterIdLst>
-    <p:notesMasterId r:id="rId22"/>
+    <p:notesMasterId r:id="rId24"/>
   </p:notesMasterIdLst>
   <p:handoutMasterIdLst>
-    <p:handoutMasterId r:id="rId23"/>
+    <p:handoutMasterId r:id="rId25"/>
   </p:handoutMasterIdLst>
   <p:sldIdLst>
     <p:sldId id="256" r:id="rId2"/>
@@ -31,6 +31,8 @@
     <p:sldId id="283" r:id="rId19"/>
     <p:sldId id="289" r:id="rId20"/>
     <p:sldId id="288" r:id="rId21"/>
+    <p:sldId id="290" r:id="rId22"/>
+    <p:sldId id="291" r:id="rId23"/>
   </p:sldIdLst>
   <p:sldSz cx="12192000" cy="6858000"/>
   <p:notesSz cx="6858000" cy="9144000"/>
@@ -252,7 +254,7 @@
             <a:pPr rtl="0"/>
             <a:fld id="{BEFBFAFD-B367-4FDC-8BD6-0ED3AC1E8171}" type="datetime1">
               <a:rPr lang="it-IT" smtClean="0"/>
-              <a:t>19/06/2019</a:t>
+              <a:t>20/06/2019</a:t>
             </a:fld>
             <a:endParaRPr lang="it-IT" dirty="0"/>
           </a:p>
@@ -434,7 +436,7 @@
             <a:fld id="{358ABC55-7EA4-4B04-948D-8B6AA303BF20}" type="datetime1">
               <a:rPr lang="it-IT" noProof="0" smtClean="0"/>
               <a:pPr/>
-              <a:t>19/06/2019</a:t>
+              <a:t>20/06/2019</a:t>
             </a:fld>
             <a:endParaRPr lang="it-IT" noProof="0" dirty="0"/>
           </a:p>
@@ -1823,6 +1825,178 @@
 </p:notes>
 </file>
 
+<file path=ppt/notesSlides/notesSlide21.xml><?xml version="1.0" encoding="utf-8"?>
+<p:notes xmlns:a="http://schemas.openxmlformats.org/drawingml/2006/main" xmlns:r="http://schemas.openxmlformats.org/officeDocument/2006/relationships" xmlns:p="http://schemas.openxmlformats.org/presentationml/2006/main">
+  <p:cSld>
+    <p:spTree>
+      <p:nvGrpSpPr>
+        <p:cNvPr id="1" name=""/>
+        <p:cNvGrpSpPr/>
+        <p:nvPr/>
+      </p:nvGrpSpPr>
+      <p:grpSpPr>
+        <a:xfrm>
+          <a:off x="0" y="0"/>
+          <a:ext cx="0" cy="0"/>
+          <a:chOff x="0" y="0"/>
+          <a:chExt cx="0" cy="0"/>
+        </a:xfrm>
+      </p:grpSpPr>
+      <p:sp>
+        <p:nvSpPr>
+          <p:cNvPr id="2" name="Segnaposto immagine diapositiva 1"/>
+          <p:cNvSpPr>
+            <a:spLocks noGrp="1" noRot="1" noChangeAspect="1"/>
+          </p:cNvSpPr>
+          <p:nvPr>
+            <p:ph type="sldImg"/>
+          </p:nvPr>
+        </p:nvSpPr>
+        <p:spPr/>
+      </p:sp>
+      <p:sp>
+        <p:nvSpPr>
+          <p:cNvPr id="3" name="Segnaposto note 2"/>
+          <p:cNvSpPr>
+            <a:spLocks noGrp="1"/>
+          </p:cNvSpPr>
+          <p:nvPr>
+            <p:ph type="body" idx="1"/>
+          </p:nvPr>
+        </p:nvSpPr>
+        <p:spPr/>
+        <p:txBody>
+          <a:bodyPr rtlCol="0"/>
+          <a:lstStyle/>
+          <a:p>
+            <a:pPr rtl="0"/>
+            <a:endParaRPr lang="it-IT" dirty="0"/>
+          </a:p>
+        </p:txBody>
+      </p:sp>
+      <p:sp>
+        <p:nvSpPr>
+          <p:cNvPr id="4" name="Segnaposto numero diapositiva 3"/>
+          <p:cNvSpPr>
+            <a:spLocks noGrp="1"/>
+          </p:cNvSpPr>
+          <p:nvPr>
+            <p:ph type="sldNum" sz="quarter" idx="5"/>
+          </p:nvPr>
+        </p:nvSpPr>
+        <p:spPr/>
+        <p:txBody>
+          <a:bodyPr rtlCol="0"/>
+          <a:lstStyle/>
+          <a:p>
+            <a:pPr rtl="0"/>
+            <a:fld id="{79230CFA-805A-4FD3-B3A0-DAAA5993DA17}" type="slidenum">
+              <a:rPr lang="it-IT" smtClean="0"/>
+              <a:t>21</a:t>
+            </a:fld>
+            <a:endParaRPr lang="it-IT" dirty="0"/>
+          </a:p>
+        </p:txBody>
+      </p:sp>
+    </p:spTree>
+    <p:extLst>
+      <p:ext uri="{BB962C8B-B14F-4D97-AF65-F5344CB8AC3E}">
+        <p14:creationId xmlns:p14="http://schemas.microsoft.com/office/powerpoint/2010/main" val="3774857302"/>
+      </p:ext>
+    </p:extLst>
+  </p:cSld>
+  <p:clrMapOvr>
+    <a:masterClrMapping/>
+  </p:clrMapOvr>
+</p:notes>
+</file>
+
+<file path=ppt/notesSlides/notesSlide22.xml><?xml version="1.0" encoding="utf-8"?>
+<p:notes xmlns:a="http://schemas.openxmlformats.org/drawingml/2006/main" xmlns:r="http://schemas.openxmlformats.org/officeDocument/2006/relationships" xmlns:p="http://schemas.openxmlformats.org/presentationml/2006/main">
+  <p:cSld>
+    <p:spTree>
+      <p:nvGrpSpPr>
+        <p:cNvPr id="1" name=""/>
+        <p:cNvGrpSpPr/>
+        <p:nvPr/>
+      </p:nvGrpSpPr>
+      <p:grpSpPr>
+        <a:xfrm>
+          <a:off x="0" y="0"/>
+          <a:ext cx="0" cy="0"/>
+          <a:chOff x="0" y="0"/>
+          <a:chExt cx="0" cy="0"/>
+        </a:xfrm>
+      </p:grpSpPr>
+      <p:sp>
+        <p:nvSpPr>
+          <p:cNvPr id="2" name="Segnaposto immagine diapositiva 1"/>
+          <p:cNvSpPr>
+            <a:spLocks noGrp="1" noRot="1" noChangeAspect="1"/>
+          </p:cNvSpPr>
+          <p:nvPr>
+            <p:ph type="sldImg"/>
+          </p:nvPr>
+        </p:nvSpPr>
+        <p:spPr/>
+      </p:sp>
+      <p:sp>
+        <p:nvSpPr>
+          <p:cNvPr id="3" name="Segnaposto note 2"/>
+          <p:cNvSpPr>
+            <a:spLocks noGrp="1"/>
+          </p:cNvSpPr>
+          <p:nvPr>
+            <p:ph type="body" idx="1"/>
+          </p:nvPr>
+        </p:nvSpPr>
+        <p:spPr/>
+        <p:txBody>
+          <a:bodyPr rtlCol="0"/>
+          <a:lstStyle/>
+          <a:p>
+            <a:pPr rtl="0"/>
+            <a:endParaRPr lang="it-IT" dirty="0"/>
+          </a:p>
+        </p:txBody>
+      </p:sp>
+      <p:sp>
+        <p:nvSpPr>
+          <p:cNvPr id="4" name="Segnaposto numero diapositiva 3"/>
+          <p:cNvSpPr>
+            <a:spLocks noGrp="1"/>
+          </p:cNvSpPr>
+          <p:nvPr>
+            <p:ph type="sldNum" sz="quarter" idx="5"/>
+          </p:nvPr>
+        </p:nvSpPr>
+        <p:spPr/>
+        <p:txBody>
+          <a:bodyPr rtlCol="0"/>
+          <a:lstStyle/>
+          <a:p>
+            <a:pPr rtl="0"/>
+            <a:fld id="{79230CFA-805A-4FD3-B3A0-DAAA5993DA17}" type="slidenum">
+              <a:rPr lang="it-IT" smtClean="0"/>
+              <a:t>22</a:t>
+            </a:fld>
+            <a:endParaRPr lang="it-IT" dirty="0"/>
+          </a:p>
+        </p:txBody>
+      </p:sp>
+    </p:spTree>
+    <p:extLst>
+      <p:ext uri="{BB962C8B-B14F-4D97-AF65-F5344CB8AC3E}">
+        <p14:creationId xmlns:p14="http://schemas.microsoft.com/office/powerpoint/2010/main" val="2870494128"/>
+      </p:ext>
+    </p:extLst>
+  </p:cSld>
+  <p:clrMapOvr>
+    <a:masterClrMapping/>
+  </p:clrMapOvr>
+</p:notes>
+</file>
+
 <file path=ppt/notesSlides/notesSlide3.xml><?xml version="1.0" encoding="utf-8"?>
 <p:notes xmlns:a="http://schemas.openxmlformats.org/drawingml/2006/main" xmlns:r="http://schemas.openxmlformats.org/officeDocument/2006/relationships" xmlns:p="http://schemas.openxmlformats.org/presentationml/2006/main">
   <p:cSld>
@@ -2572,7 +2746,7 @@
           <a:p>
             <a:fld id="{D2C95273-7EA1-449B-9AF4-4A92A4F80372}" type="datetimeFigureOut">
               <a:rPr lang="it-IT" smtClean="0"/>
-              <a:t>19/06/2019</a:t>
+              <a:t>20/06/2019</a:t>
             </a:fld>
             <a:endParaRPr lang="it-IT"/>
           </a:p>
@@ -3010,7 +3184,7 @@
           <a:p>
             <a:fld id="{D2C95273-7EA1-449B-9AF4-4A92A4F80372}" type="datetimeFigureOut">
               <a:rPr lang="it-IT" smtClean="0"/>
-              <a:t>19/06/2019</a:t>
+              <a:t>20/06/2019</a:t>
             </a:fld>
             <a:endParaRPr lang="it-IT"/>
           </a:p>
@@ -3226,7 +3400,7 @@
           <a:p>
             <a:fld id="{D2C95273-7EA1-449B-9AF4-4A92A4F80372}" type="datetimeFigureOut">
               <a:rPr lang="it-IT" smtClean="0"/>
-              <a:t>19/06/2019</a:t>
+              <a:t>20/06/2019</a:t>
             </a:fld>
             <a:endParaRPr lang="it-IT"/>
           </a:p>
@@ -8497,7 +8671,7 @@
           <a:p>
             <a:fld id="{D2C95273-7EA1-449B-9AF4-4A92A4F80372}" type="datetimeFigureOut">
               <a:rPr lang="it-IT" smtClean="0"/>
-              <a:t>19/06/2019</a:t>
+              <a:t>20/06/2019</a:t>
             </a:fld>
             <a:endParaRPr lang="it-IT"/>
           </a:p>
@@ -12788,7 +12962,7 @@
           <a:p>
             <a:fld id="{D2C95273-7EA1-449B-9AF4-4A92A4F80372}" type="datetimeFigureOut">
               <a:rPr lang="it-IT" smtClean="0"/>
-              <a:t>19/06/2019</a:t>
+              <a:t>20/06/2019</a:t>
             </a:fld>
             <a:endParaRPr lang="it-IT"/>
           </a:p>
@@ -13505,7 +13679,7 @@
           <a:p>
             <a:fld id="{D2C95273-7EA1-449B-9AF4-4A92A4F80372}" type="datetimeFigureOut">
               <a:rPr lang="it-IT" smtClean="0"/>
-              <a:t>19/06/2019</a:t>
+              <a:t>20/06/2019</a:t>
             </a:fld>
             <a:endParaRPr lang="it-IT"/>
           </a:p>
@@ -14301,7 +14475,7 @@
           <a:p>
             <a:fld id="{D2C95273-7EA1-449B-9AF4-4A92A4F80372}" type="datetimeFigureOut">
               <a:rPr lang="it-IT" smtClean="0"/>
-              <a:t>19/06/2019</a:t>
+              <a:t>20/06/2019</a:t>
             </a:fld>
             <a:endParaRPr lang="it-IT"/>
           </a:p>
@@ -14826,7 +15000,7 @@
           <a:p>
             <a:fld id="{D2C95273-7EA1-449B-9AF4-4A92A4F80372}" type="datetimeFigureOut">
               <a:rPr lang="it-IT" smtClean="0"/>
-              <a:t>19/06/2019</a:t>
+              <a:t>20/06/2019</a:t>
             </a:fld>
             <a:endParaRPr lang="it-IT"/>
           </a:p>
@@ -15280,7 +15454,7 @@
           <a:p>
             <a:fld id="{D2C95273-7EA1-449B-9AF4-4A92A4F80372}" type="datetimeFigureOut">
               <a:rPr lang="it-IT" smtClean="0"/>
-              <a:t>19/06/2019</a:t>
+              <a:t>20/06/2019</a:t>
             </a:fld>
             <a:endParaRPr lang="it-IT"/>
           </a:p>
@@ -15599,7 +15773,7 @@
           <a:p>
             <a:fld id="{D2C95273-7EA1-449B-9AF4-4A92A4F80372}" type="datetimeFigureOut">
               <a:rPr lang="it-IT" smtClean="0"/>
-              <a:t>19/06/2019</a:t>
+              <a:t>20/06/2019</a:t>
             </a:fld>
             <a:endParaRPr lang="it-IT"/>
           </a:p>
@@ -16127,7 +16301,7 @@
           <a:p>
             <a:fld id="{D2C95273-7EA1-449B-9AF4-4A92A4F80372}" type="datetimeFigureOut">
               <a:rPr lang="it-IT" smtClean="0"/>
-              <a:t>19/06/2019</a:t>
+              <a:t>20/06/2019</a:t>
             </a:fld>
             <a:endParaRPr lang="it-IT"/>
           </a:p>
@@ -16608,7 +16782,7 @@
           <a:p>
             <a:fld id="{D2C95273-7EA1-449B-9AF4-4A92A4F80372}" type="datetimeFigureOut">
               <a:rPr lang="it-IT" smtClean="0"/>
-              <a:t>19/06/2019</a:t>
+              <a:t>20/06/2019</a:t>
             </a:fld>
             <a:endParaRPr lang="it-IT"/>
           </a:p>
@@ -20052,7 +20226,7 @@
                   <a:schemeClr val="tx1"/>
                 </a:solidFill>
               </a:rPr>
-              <a:t>Il numero delle classi aumenta (una per ogni stato)</a:t>
+              <a:t>Il numero delle classi è aumentata (una per ogni stato)</a:t>
             </a:r>
           </a:p>
         </p:txBody>
@@ -20229,6 +20403,726 @@
     <p:extLst>
       <p:ext uri="{BB962C8B-B14F-4D97-AF65-F5344CB8AC3E}">
         <p14:creationId xmlns:p14="http://schemas.microsoft.com/office/powerpoint/2010/main" val="3031756133"/>
+      </p:ext>
+    </p:extLst>
+  </p:cSld>
+  <p:clrMapOvr>
+    <a:overrideClrMapping bg1="lt1" tx1="dk1" bg2="lt2" tx2="dk2" accent1="accent1" accent2="accent2" accent3="accent3" accent4="accent4" accent5="accent5" accent6="accent6" hlink="hlink" folHlink="folHlink"/>
+  </p:clrMapOvr>
+</p:sld>
+</file>
+
+<file path=ppt/slides/slide21.xml><?xml version="1.0" encoding="utf-8"?>
+<p:sld xmlns:a="http://schemas.openxmlformats.org/drawingml/2006/main" xmlns:r="http://schemas.openxmlformats.org/officeDocument/2006/relationships" xmlns:p="http://schemas.openxmlformats.org/presentationml/2006/main" showMasterSp="0">
+  <p:cSld>
+    <p:spTree>
+      <p:nvGrpSpPr>
+        <p:cNvPr id="1" name=""/>
+        <p:cNvGrpSpPr/>
+        <p:nvPr/>
+      </p:nvGrpSpPr>
+      <p:grpSpPr>
+        <a:xfrm>
+          <a:off x="0" y="0"/>
+          <a:ext cx="0" cy="0"/>
+          <a:chOff x="0" y="0"/>
+          <a:chExt cx="0" cy="0"/>
+        </a:xfrm>
+      </p:grpSpPr>
+      <p:sp>
+        <p:nvSpPr>
+          <p:cNvPr id="7" name="Segnaposto contenuto 6">
+            <a:extLst>
+              <a:ext uri="{FF2B5EF4-FFF2-40B4-BE49-F238E27FC236}">
+                <a16:creationId xmlns:a16="http://schemas.microsoft.com/office/drawing/2014/main" id="{2482DBEC-EE72-4155-ACC5-87E80C5606A9}"/>
+              </a:ext>
+            </a:extLst>
+          </p:cNvPr>
+          <p:cNvSpPr>
+            <a:spLocks noGrp="1"/>
+          </p:cNvSpPr>
+          <p:nvPr>
+            <p:ph idx="1"/>
+          </p:nvPr>
+        </p:nvSpPr>
+        <p:spPr>
+          <a:xfrm>
+            <a:off x="531378" y="3129540"/>
+            <a:ext cx="10307198" cy="2958275"/>
+          </a:xfrm>
+        </p:spPr>
+        <p:txBody>
+          <a:bodyPr rtlCol="0">
+            <a:normAutofit/>
+          </a:bodyPr>
+          <a:lstStyle/>
+          <a:p>
+            <a:r>
+              <a:rPr lang="it-IT" dirty="0"/>
+              <a:t>Avevamo diversi comandi disponibili all’utente, comandi però </a:t>
+            </a:r>
+            <a:r>
+              <a:rPr lang="it-IT" dirty="0">
+                <a:solidFill>
+                  <a:srgbClr val="FF0000"/>
+                </a:solidFill>
+              </a:rPr>
+              <a:t>statici</a:t>
+            </a:r>
+            <a:r>
+              <a:rPr lang="it-IT" dirty="0"/>
+              <a:t> e tutti raggruppati in un </a:t>
+            </a:r>
+            <a:r>
+              <a:rPr lang="it-IT" dirty="0" err="1"/>
+              <a:t>Enum</a:t>
+            </a:r>
+            <a:endParaRPr lang="it-IT" dirty="0">
+              <a:solidFill>
+                <a:srgbClr val="FF0000"/>
+              </a:solidFill>
+            </a:endParaRPr>
+          </a:p>
+          <a:p>
+            <a:r>
+              <a:rPr lang="it-IT" dirty="0"/>
+              <a:t>La </a:t>
+            </a:r>
+            <a:r>
+              <a:rPr lang="it-IT" dirty="0">
+                <a:solidFill>
+                  <a:schemeClr val="accent6"/>
+                </a:solidFill>
+              </a:rPr>
+              <a:t>soluzione</a:t>
+            </a:r>
+            <a:r>
+              <a:rPr lang="it-IT" dirty="0"/>
+              <a:t> è creare una classe per ogni comando, ognuna delle quali estende la classe madre comune</a:t>
+            </a:r>
+          </a:p>
+          <a:p>
+            <a:r>
+              <a:rPr lang="it-IT" dirty="0"/>
+              <a:t>Permette di scegliere il comando a </a:t>
+            </a:r>
+            <a:r>
+              <a:rPr lang="it-IT" dirty="0" err="1"/>
+              <a:t>Run</a:t>
+            </a:r>
+            <a:r>
+              <a:rPr lang="it-IT" dirty="0"/>
+              <a:t>-Time e non più Compile-Time</a:t>
+            </a:r>
+          </a:p>
+          <a:p>
+            <a:endParaRPr lang="it-IT" i="1" dirty="0"/>
+          </a:p>
+          <a:p>
+            <a:endParaRPr lang="it-IT" i="1" dirty="0"/>
+          </a:p>
+        </p:txBody>
+      </p:sp>
+      <p:sp>
+        <p:nvSpPr>
+          <p:cNvPr id="9" name="Segnaposto testo 8">
+            <a:extLst>
+              <a:ext uri="{FF2B5EF4-FFF2-40B4-BE49-F238E27FC236}">
+                <a16:creationId xmlns:a16="http://schemas.microsoft.com/office/drawing/2014/main" id="{53469036-D1FB-4164-96AE-B6D8CECCFC96}"/>
+              </a:ext>
+            </a:extLst>
+          </p:cNvPr>
+          <p:cNvSpPr>
+            <a:spLocks noGrp="1"/>
+          </p:cNvSpPr>
+          <p:nvPr>
+            <p:ph type="body" sz="quarter" idx="13"/>
+          </p:nvPr>
+        </p:nvSpPr>
+        <p:spPr/>
+        <p:txBody>
+          <a:bodyPr rtlCol="0"/>
+          <a:lstStyle/>
+          <a:p>
+            <a:pPr rtl="0"/>
+            <a:r>
+              <a:rPr lang="it-IT" dirty="0"/>
+              <a:t>Pattern </a:t>
+            </a:r>
+            <a:r>
+              <a:rPr lang="it-IT" dirty="0" err="1"/>
+              <a:t>GoF</a:t>
+            </a:r>
+            <a:endParaRPr lang="it-IT" dirty="0"/>
+          </a:p>
+        </p:txBody>
+      </p:sp>
+      <p:sp>
+        <p:nvSpPr>
+          <p:cNvPr id="4" name="Titolo 3">
+            <a:extLst>
+              <a:ext uri="{FF2B5EF4-FFF2-40B4-BE49-F238E27FC236}">
+                <a16:creationId xmlns:a16="http://schemas.microsoft.com/office/drawing/2014/main" id="{1ABE11BF-33A5-4653-A144-CCCBACF58C30}"/>
+              </a:ext>
+            </a:extLst>
+          </p:cNvPr>
+          <p:cNvSpPr>
+            <a:spLocks noGrp="1"/>
+          </p:cNvSpPr>
+          <p:nvPr>
+            <p:ph type="title"/>
+          </p:nvPr>
+        </p:nvSpPr>
+        <p:spPr/>
+        <p:txBody>
+          <a:bodyPr rtlCol="0">
+            <a:normAutofit/>
+          </a:bodyPr>
+          <a:lstStyle/>
+          <a:p>
+            <a:r>
+              <a:rPr lang="it-IT" dirty="0"/>
+              <a:t>Strategy</a:t>
+            </a:r>
+          </a:p>
+        </p:txBody>
+      </p:sp>
+      <p:sp>
+        <p:nvSpPr>
+          <p:cNvPr id="11" name="Segnaposto piè di pagina 10">
+            <a:extLst>
+              <a:ext uri="{FF2B5EF4-FFF2-40B4-BE49-F238E27FC236}">
+                <a16:creationId xmlns:a16="http://schemas.microsoft.com/office/drawing/2014/main" id="{47F4D2C2-B71A-4089-A3FE-603C32706CA6}"/>
+              </a:ext>
+            </a:extLst>
+          </p:cNvPr>
+          <p:cNvSpPr>
+            <a:spLocks noGrp="1"/>
+          </p:cNvSpPr>
+          <p:nvPr>
+            <p:ph type="ftr" sz="quarter" idx="14"/>
+          </p:nvPr>
+        </p:nvSpPr>
+        <p:spPr/>
+        <p:txBody>
+          <a:bodyPr rtlCol="0"/>
+          <a:lstStyle/>
+          <a:p>
+            <a:pPr rtl="0"/>
+            <a:r>
+              <a:rPr lang="it-IT" dirty="0"/>
+              <a:t>Aggiungere un piè di pagina</a:t>
+            </a:r>
+          </a:p>
+        </p:txBody>
+      </p:sp>
+      <p:sp>
+        <p:nvSpPr>
+          <p:cNvPr id="12" name="Segnaposto numero diapositiva 11">
+            <a:extLst>
+              <a:ext uri="{FF2B5EF4-FFF2-40B4-BE49-F238E27FC236}">
+                <a16:creationId xmlns:a16="http://schemas.microsoft.com/office/drawing/2014/main" id="{FBA1BB58-7555-4382-B178-7ED04E137E77}"/>
+              </a:ext>
+            </a:extLst>
+          </p:cNvPr>
+          <p:cNvSpPr>
+            <a:spLocks noGrp="1"/>
+          </p:cNvSpPr>
+          <p:nvPr>
+            <p:ph type="sldNum" sz="quarter" idx="15"/>
+          </p:nvPr>
+        </p:nvSpPr>
+        <p:spPr/>
+        <p:txBody>
+          <a:bodyPr rtlCol="0"/>
+          <a:lstStyle/>
+          <a:p>
+            <a:pPr rtl="0"/>
+            <a:fld id="{8699F50C-BE38-4BD0-BA84-9B090E1F2B9B}" type="slidenum">
+              <a:rPr lang="it-IT" smtClean="0"/>
+              <a:pPr rtl="0"/>
+              <a:t>21</a:t>
+            </a:fld>
+            <a:endParaRPr lang="it-IT" dirty="0"/>
+          </a:p>
+        </p:txBody>
+      </p:sp>
+    </p:spTree>
+    <p:extLst>
+      <p:ext uri="{BB962C8B-B14F-4D97-AF65-F5344CB8AC3E}">
+        <p14:creationId xmlns:p14="http://schemas.microsoft.com/office/powerpoint/2010/main" val="3928363960"/>
+      </p:ext>
+    </p:extLst>
+  </p:cSld>
+  <p:clrMapOvr>
+    <a:masterClrMapping/>
+  </p:clrMapOvr>
+</p:sld>
+</file>
+
+<file path=ppt/slides/slide22.xml><?xml version="1.0" encoding="utf-8"?>
+<p:sld xmlns:a="http://schemas.openxmlformats.org/drawingml/2006/main" xmlns:r="http://schemas.openxmlformats.org/officeDocument/2006/relationships" xmlns:p="http://schemas.openxmlformats.org/presentationml/2006/main" showMasterSp="0">
+  <p:cSld>
+    <p:bg>
+      <p:bgRef idx="1001">
+        <a:schemeClr val="bg1"/>
+      </p:bgRef>
+    </p:bg>
+    <p:spTree>
+      <p:nvGrpSpPr>
+        <p:cNvPr id="1" name=""/>
+        <p:cNvGrpSpPr/>
+        <p:nvPr/>
+      </p:nvGrpSpPr>
+      <p:grpSpPr>
+        <a:xfrm>
+          <a:off x="0" y="0"/>
+          <a:ext cx="0" cy="0"/>
+          <a:chOff x="0" y="0"/>
+          <a:chExt cx="0" cy="0"/>
+        </a:xfrm>
+      </p:grpSpPr>
+      <p:sp>
+        <p:nvSpPr>
+          <p:cNvPr id="15" name="Segnaposto testo 14">
+            <a:extLst>
+              <a:ext uri="{FF2B5EF4-FFF2-40B4-BE49-F238E27FC236}">
+                <a16:creationId xmlns:a16="http://schemas.microsoft.com/office/drawing/2014/main" id="{24E18385-8BEA-4522-ABAA-5AB38F0D4FC2}"/>
+              </a:ext>
+            </a:extLst>
+          </p:cNvPr>
+          <p:cNvSpPr>
+            <a:spLocks noGrp="1"/>
+          </p:cNvSpPr>
+          <p:nvPr>
+            <p:ph type="body" idx="1"/>
+          </p:nvPr>
+        </p:nvSpPr>
+        <p:spPr>
+          <a:xfrm>
+            <a:off x="518678" y="1714294"/>
+            <a:ext cx="5475290" cy="781188"/>
+          </a:xfrm>
+        </p:spPr>
+        <p:txBody>
+          <a:bodyPr rtlCol="0"/>
+          <a:lstStyle/>
+          <a:p>
+            <a:pPr rtl="0"/>
+            <a:r>
+              <a:rPr lang="it-IT" dirty="0"/>
+              <a:t>Vantaggi</a:t>
+            </a:r>
+          </a:p>
+        </p:txBody>
+      </p:sp>
+      <p:sp>
+        <p:nvSpPr>
+          <p:cNvPr id="16" name="Segnaposto contenuto 15">
+            <a:extLst>
+              <a:ext uri="{FF2B5EF4-FFF2-40B4-BE49-F238E27FC236}">
+                <a16:creationId xmlns:a16="http://schemas.microsoft.com/office/drawing/2014/main" id="{1DCFA8A2-3FB8-48CA-933D-0800A9D2A2A2}"/>
+              </a:ext>
+            </a:extLst>
+          </p:cNvPr>
+          <p:cNvSpPr>
+            <a:spLocks noGrp="1"/>
+          </p:cNvSpPr>
+          <p:nvPr>
+            <p:ph sz="half" idx="13"/>
+          </p:nvPr>
+        </p:nvSpPr>
+        <p:spPr>
+          <a:xfrm>
+            <a:off x="569694" y="2462567"/>
+            <a:ext cx="5475290" cy="3232149"/>
+          </a:xfrm>
+        </p:spPr>
+        <p:txBody>
+          <a:bodyPr rtlCol="0">
+            <a:normAutofit/>
+          </a:bodyPr>
+          <a:lstStyle/>
+          <a:p>
+            <a:pPr rtl="0">
+              <a:buClr>
+                <a:schemeClr val="accent2"/>
+              </a:buClr>
+            </a:pPr>
+            <a:r>
+              <a:rPr lang="it-IT" sz="2000" dirty="0">
+                <a:solidFill>
+                  <a:schemeClr val="tx1"/>
+                </a:solidFill>
+              </a:rPr>
+              <a:t>Porta a fattore comune funzionalità comuni a più comandi</a:t>
+            </a:r>
+          </a:p>
+          <a:p>
+            <a:pPr rtl="0">
+              <a:buClr>
+                <a:schemeClr val="accent2"/>
+              </a:buClr>
+            </a:pPr>
+            <a:r>
+              <a:rPr lang="it-IT" sz="2000" dirty="0">
+                <a:solidFill>
+                  <a:schemeClr val="tx1"/>
+                </a:solidFill>
+              </a:rPr>
+              <a:t>Pattern </a:t>
+            </a:r>
+            <a:r>
+              <a:rPr lang="it-IT" sz="2000" dirty="0" err="1">
+                <a:solidFill>
+                  <a:schemeClr val="tx1"/>
+                </a:solidFill>
+              </a:rPr>
+              <a:t>Context</a:t>
+            </a:r>
+            <a:r>
+              <a:rPr lang="it-IT" sz="2000" dirty="0">
+                <a:solidFill>
+                  <a:schemeClr val="tx1"/>
+                </a:solidFill>
+              </a:rPr>
+              <a:t> semplice da capire e manutenere</a:t>
+            </a:r>
+          </a:p>
+          <a:p>
+            <a:pPr rtl="0">
+              <a:buClr>
+                <a:schemeClr val="accent2"/>
+              </a:buClr>
+            </a:pPr>
+            <a:r>
+              <a:rPr lang="it-IT" sz="2000" dirty="0">
+                <a:solidFill>
+                  <a:schemeClr val="tx1"/>
+                </a:solidFill>
+              </a:rPr>
+              <a:t>Permette di modificare l’algoritmo dinamicamente</a:t>
+            </a:r>
+          </a:p>
+        </p:txBody>
+      </p:sp>
+      <p:sp>
+        <p:nvSpPr>
+          <p:cNvPr id="17" name="Segnaposto testo 16">
+            <a:extLst>
+              <a:ext uri="{FF2B5EF4-FFF2-40B4-BE49-F238E27FC236}">
+                <a16:creationId xmlns:a16="http://schemas.microsoft.com/office/drawing/2014/main" id="{640A3223-3DA3-4CF2-82B6-1447667547BD}"/>
+              </a:ext>
+            </a:extLst>
+          </p:cNvPr>
+          <p:cNvSpPr>
+            <a:spLocks noGrp="1"/>
+          </p:cNvSpPr>
+          <p:nvPr>
+            <p:ph type="body" sz="quarter" idx="14"/>
+          </p:nvPr>
+        </p:nvSpPr>
+        <p:spPr>
+          <a:xfrm>
+            <a:off x="6096000" y="1681379"/>
+            <a:ext cx="5475600" cy="781188"/>
+          </a:xfrm>
+        </p:spPr>
+        <p:txBody>
+          <a:bodyPr rtlCol="0"/>
+          <a:lstStyle/>
+          <a:p>
+            <a:pPr rtl="0"/>
+            <a:r>
+              <a:rPr lang="it-IT" dirty="0"/>
+              <a:t>Svantaggi</a:t>
+            </a:r>
+          </a:p>
+        </p:txBody>
+      </p:sp>
+      <p:sp>
+        <p:nvSpPr>
+          <p:cNvPr id="18" name="Segnaposto contenuto 17">
+            <a:extLst>
+              <a:ext uri="{FF2B5EF4-FFF2-40B4-BE49-F238E27FC236}">
+                <a16:creationId xmlns:a16="http://schemas.microsoft.com/office/drawing/2014/main" id="{C955AFB3-173C-4848-B3E9-1375591B297E}"/>
+              </a:ext>
+            </a:extLst>
+          </p:cNvPr>
+          <p:cNvSpPr>
+            <a:spLocks noGrp="1"/>
+          </p:cNvSpPr>
+          <p:nvPr>
+            <p:ph sz="quarter" idx="15"/>
+          </p:nvPr>
+        </p:nvSpPr>
+        <p:spPr>
+          <a:xfrm>
+            <a:off x="6146706" y="2495482"/>
+            <a:ext cx="5475600" cy="3232149"/>
+          </a:xfrm>
+        </p:spPr>
+        <p:txBody>
+          <a:bodyPr rtlCol="0"/>
+          <a:lstStyle/>
+          <a:p>
+            <a:pPr>
+              <a:buClr>
+                <a:schemeClr val="accent2"/>
+              </a:buClr>
+            </a:pPr>
+            <a:r>
+              <a:rPr lang="it-IT" sz="2000" dirty="0">
+                <a:solidFill>
+                  <a:schemeClr val="tx1"/>
+                </a:solidFill>
+              </a:rPr>
+              <a:t>Il numero delle classi è aumentata (una per ogni comando)</a:t>
+            </a:r>
+            <a:r>
+              <a:rPr lang="it-IT" sz="2000" dirty="0"/>
+              <a:t>St</a:t>
+            </a:r>
+          </a:p>
+          <a:p>
+            <a:pPr>
+              <a:buClr>
+                <a:schemeClr val="accent2"/>
+              </a:buClr>
+            </a:pPr>
+            <a:r>
+              <a:rPr lang="it-IT" sz="2000" dirty="0">
+                <a:solidFill>
+                  <a:schemeClr val="tx1"/>
+                </a:solidFill>
+              </a:rPr>
+              <a:t>Collaborazione tra Strategy e </a:t>
+            </a:r>
+            <a:r>
+              <a:rPr lang="it-IT" sz="2000" dirty="0" err="1">
+                <a:solidFill>
+                  <a:schemeClr val="tx1"/>
+                </a:solidFill>
+              </a:rPr>
+              <a:t>Context</a:t>
+            </a:r>
+            <a:r>
+              <a:rPr lang="it-IT" sz="2000" dirty="0">
+                <a:solidFill>
+                  <a:schemeClr val="tx1"/>
+                </a:solidFill>
+              </a:rPr>
+              <a:t> può </a:t>
+            </a:r>
+            <a:r>
+              <a:rPr lang="it-IT" sz="2000">
+                <a:solidFill>
+                  <a:schemeClr val="tx1"/>
+                </a:solidFill>
+              </a:rPr>
+              <a:t>essere dispendiosa</a:t>
+            </a:r>
+            <a:endParaRPr lang="it-IT" sz="2000" dirty="0">
+              <a:solidFill>
+                <a:schemeClr val="tx1"/>
+              </a:solidFill>
+            </a:endParaRPr>
+          </a:p>
+          <a:p>
+            <a:pPr marL="0" indent="0">
+              <a:buClr>
+                <a:schemeClr val="accent2"/>
+              </a:buClr>
+              <a:buNone/>
+            </a:pPr>
+            <a:r>
+              <a:rPr lang="it-IT" sz="2000" dirty="0" err="1"/>
+              <a:t>rategy</a:t>
+            </a:r>
+            <a:r>
+              <a:rPr lang="it-IT" sz="2000" dirty="0"/>
+              <a:t> disponibili</a:t>
+            </a:r>
+            <a:endParaRPr lang="it-IT" sz="2000" dirty="0">
+              <a:solidFill>
+                <a:schemeClr val="tx1"/>
+              </a:solidFill>
+            </a:endParaRPr>
+          </a:p>
+        </p:txBody>
+      </p:sp>
+      <p:sp>
+        <p:nvSpPr>
+          <p:cNvPr id="19" name="Segnaposto testo 18">
+            <a:extLst>
+              <a:ext uri="{FF2B5EF4-FFF2-40B4-BE49-F238E27FC236}">
+                <a16:creationId xmlns:a16="http://schemas.microsoft.com/office/drawing/2014/main" id="{DFE11F38-F66B-4F95-8224-6CCA69D57617}"/>
+              </a:ext>
+            </a:extLst>
+          </p:cNvPr>
+          <p:cNvSpPr>
+            <a:spLocks noGrp="1"/>
+          </p:cNvSpPr>
+          <p:nvPr>
+            <p:ph type="body" sz="quarter" idx="16"/>
+          </p:nvPr>
+        </p:nvSpPr>
+        <p:spPr/>
+        <p:txBody>
+          <a:bodyPr rtlCol="0">
+            <a:normAutofit/>
+          </a:bodyPr>
+          <a:lstStyle/>
+          <a:p>
+            <a:r>
+              <a:rPr lang="it-IT" dirty="0">
+                <a:solidFill>
+                  <a:schemeClr val="bg2">
+                    <a:lumMod val="50000"/>
+                  </a:schemeClr>
+                </a:solidFill>
+              </a:rPr>
+              <a:t>Pattern </a:t>
+            </a:r>
+            <a:r>
+              <a:rPr lang="it-IT" dirty="0" err="1">
+                <a:solidFill>
+                  <a:schemeClr val="bg2">
+                    <a:lumMod val="50000"/>
+                  </a:schemeClr>
+                </a:solidFill>
+              </a:rPr>
+              <a:t>Gof</a:t>
+            </a:r>
+            <a:endParaRPr lang="it-IT" dirty="0">
+              <a:solidFill>
+                <a:schemeClr val="bg2">
+                  <a:lumMod val="50000"/>
+                </a:schemeClr>
+              </a:solidFill>
+            </a:endParaRPr>
+          </a:p>
+        </p:txBody>
+      </p:sp>
+      <p:sp>
+        <p:nvSpPr>
+          <p:cNvPr id="20" name="Segnaposto piè di pagina 4">
+            <a:extLst>
+              <a:ext uri="{FF2B5EF4-FFF2-40B4-BE49-F238E27FC236}">
+                <a16:creationId xmlns:a16="http://schemas.microsoft.com/office/drawing/2014/main" id="{391D3201-20F9-4DD7-B4EB-F41AF17CA428}"/>
+              </a:ext>
+            </a:extLst>
+          </p:cNvPr>
+          <p:cNvSpPr>
+            <a:spLocks noGrp="1"/>
+          </p:cNvSpPr>
+          <p:nvPr>
+            <p:ph type="ftr" sz="quarter" idx="17"/>
+          </p:nvPr>
+        </p:nvSpPr>
+        <p:spPr/>
+        <p:txBody>
+          <a:bodyPr rtlCol="0"/>
+          <a:lstStyle>
+            <a:lvl1pPr algn="r">
+              <a:defRPr sz="1200">
+                <a:solidFill>
+                  <a:schemeClr val="tx1">
+                    <a:lumMod val="50000"/>
+                    <a:lumOff val="50000"/>
+                  </a:schemeClr>
+                </a:solidFill>
+              </a:defRPr>
+            </a:lvl1pPr>
+          </a:lstStyle>
+          <a:p>
+            <a:pPr algn="l" rtl="0"/>
+            <a:r>
+              <a:rPr lang="it-IT" dirty="0"/>
+              <a:t>Aggiungere un piè di pagina</a:t>
+            </a:r>
+          </a:p>
+        </p:txBody>
+      </p:sp>
+      <p:sp>
+        <p:nvSpPr>
+          <p:cNvPr id="21" name="Segnaposto numero diapositiva 5">
+            <a:extLst>
+              <a:ext uri="{FF2B5EF4-FFF2-40B4-BE49-F238E27FC236}">
+                <a16:creationId xmlns:a16="http://schemas.microsoft.com/office/drawing/2014/main" id="{C7C65DDB-24F2-44CF-AE02-F3A6C8B1858B}"/>
+              </a:ext>
+            </a:extLst>
+          </p:cNvPr>
+          <p:cNvSpPr>
+            <a:spLocks noGrp="1"/>
+          </p:cNvSpPr>
+          <p:nvPr>
+            <p:ph type="sldNum" sz="quarter" idx="18"/>
+          </p:nvPr>
+        </p:nvSpPr>
+        <p:spPr/>
+        <p:txBody>
+          <a:bodyPr rtlCol="0"/>
+          <a:lstStyle>
+            <a:lvl1pPr algn="r">
+              <a:defRPr sz="1200">
+                <a:solidFill>
+                  <a:schemeClr val="tx1">
+                    <a:lumMod val="50000"/>
+                    <a:lumOff val="50000"/>
+                  </a:schemeClr>
+                </a:solidFill>
+              </a:defRPr>
+            </a:lvl1pPr>
+          </a:lstStyle>
+          <a:p>
+            <a:pPr rtl="0"/>
+            <a:fld id="{8699F50C-BE38-4BD0-BA84-9B090E1F2B9B}" type="slidenum">
+              <a:rPr lang="it-IT" smtClean="0"/>
+              <a:pPr rtl="0"/>
+              <a:t>22</a:t>
+            </a:fld>
+            <a:endParaRPr lang="it-IT" dirty="0"/>
+          </a:p>
+        </p:txBody>
+      </p:sp>
+      <p:sp>
+        <p:nvSpPr>
+          <p:cNvPr id="14" name="Titolo 13">
+            <a:extLst>
+              <a:ext uri="{FF2B5EF4-FFF2-40B4-BE49-F238E27FC236}">
+                <a16:creationId xmlns:a16="http://schemas.microsoft.com/office/drawing/2014/main" id="{E3E5EE03-FBF6-46F5-8085-716AC6CE1C8C}"/>
+              </a:ext>
+            </a:extLst>
+          </p:cNvPr>
+          <p:cNvSpPr>
+            <a:spLocks noGrp="1"/>
+          </p:cNvSpPr>
+          <p:nvPr>
+            <p:ph type="title"/>
+          </p:nvPr>
+        </p:nvSpPr>
+        <p:spPr/>
+        <p:txBody>
+          <a:bodyPr rtlCol="0"/>
+          <a:lstStyle/>
+          <a:p>
+            <a:pPr rtl="0"/>
+            <a:r>
+              <a:rPr lang="it-IT" dirty="0">
+                <a:solidFill>
+                  <a:schemeClr val="accent1"/>
+                </a:solidFill>
+              </a:rPr>
+              <a:t>Strategy</a:t>
+            </a:r>
+          </a:p>
+        </p:txBody>
+      </p:sp>
+    </p:spTree>
+    <p:extLst>
+      <p:ext uri="{BB962C8B-B14F-4D97-AF65-F5344CB8AC3E}">
+        <p14:creationId xmlns:p14="http://schemas.microsoft.com/office/powerpoint/2010/main" val="770092439"/>
       </p:ext>
     </p:extLst>
   </p:cSld>
@@ -22877,4 +23771,47 @@
     </a:folHlink>
   </a:clrScheme>
 </a:themeOverride>
+</file>
+
+<file path=ppt/theme/themeOverride3.xml><?xml version="1.0" encoding="utf-8"?>
+<a:themeOverride xmlns:a="http://schemas.openxmlformats.org/drawingml/2006/main">
+  <a:clrScheme name="Office">
+    <a:dk1>
+      <a:sysClr val="windowText" lastClr="000000"/>
+    </a:dk1>
+    <a:lt1>
+      <a:sysClr val="window" lastClr="FFFFFF"/>
+    </a:lt1>
+    <a:dk2>
+      <a:srgbClr val="44546A"/>
+    </a:dk2>
+    <a:lt2>
+      <a:srgbClr val="E7E6E6"/>
+    </a:lt2>
+    <a:accent1>
+      <a:srgbClr val="4472C4"/>
+    </a:accent1>
+    <a:accent2>
+      <a:srgbClr val="ED7D31"/>
+    </a:accent2>
+    <a:accent3>
+      <a:srgbClr val="A5A5A5"/>
+    </a:accent3>
+    <a:accent4>
+      <a:srgbClr val="FFC000"/>
+    </a:accent4>
+    <a:accent5>
+      <a:srgbClr val="5B9BD5"/>
+    </a:accent5>
+    <a:accent6>
+      <a:srgbClr val="70AD47"/>
+    </a:accent6>
+    <a:hlink>
+      <a:srgbClr val="0563C1"/>
+    </a:hlink>
+    <a:folHlink>
+      <a:srgbClr val="954F72"/>
+    </a:folHlink>
+  </a:clrScheme>
+</a:themeOverride>
 </file>
--- a/Progetto Ingegneria SW.pptx
+++ b/Progetto Ingegneria SW.pptx
@@ -5,10 +5,10 @@
     <p:sldMasterId id="2147483756" r:id="rId1"/>
   </p:sldMasterIdLst>
   <p:notesMasterIdLst>
-    <p:notesMasterId r:id="rId24"/>
+    <p:notesMasterId r:id="rId25"/>
   </p:notesMasterIdLst>
   <p:handoutMasterIdLst>
-    <p:handoutMasterId r:id="rId25"/>
+    <p:handoutMasterId r:id="rId26"/>
   </p:handoutMasterIdLst>
   <p:sldIdLst>
     <p:sldId id="256" r:id="rId2"/>
@@ -28,11 +28,12 @@
     <p:sldId id="279" r:id="rId16"/>
     <p:sldId id="281" r:id="rId17"/>
     <p:sldId id="282" r:id="rId18"/>
-    <p:sldId id="283" r:id="rId19"/>
-    <p:sldId id="289" r:id="rId20"/>
-    <p:sldId id="288" r:id="rId21"/>
-    <p:sldId id="290" r:id="rId22"/>
-    <p:sldId id="291" r:id="rId23"/>
+    <p:sldId id="292" r:id="rId19"/>
+    <p:sldId id="283" r:id="rId20"/>
+    <p:sldId id="289" r:id="rId21"/>
+    <p:sldId id="288" r:id="rId22"/>
+    <p:sldId id="290" r:id="rId23"/>
+    <p:sldId id="291" r:id="rId24"/>
   </p:sldIdLst>
   <p:sldSz cx="12192000" cy="6858000"/>
   <p:notesSz cx="6858000" cy="9144000"/>
@@ -254,7 +255,7 @@
             <a:pPr rtl="0"/>
             <a:fld id="{BEFBFAFD-B367-4FDC-8BD6-0ED3AC1E8171}" type="datetime1">
               <a:rPr lang="it-IT" smtClean="0"/>
-              <a:t>20/06/2019</a:t>
+              <a:t>22/06/2019</a:t>
             </a:fld>
             <a:endParaRPr lang="it-IT" dirty="0"/>
           </a:p>
@@ -436,7 +437,7 @@
             <a:fld id="{358ABC55-7EA4-4B04-948D-8B6AA303BF20}" type="datetime1">
               <a:rPr lang="it-IT" noProof="0" smtClean="0"/>
               <a:pPr/>
-              <a:t>20/06/2019</a:t>
+              <a:t>22/06/2019</a:t>
             </a:fld>
             <a:endParaRPr lang="it-IT" noProof="0" dirty="0"/>
           </a:p>
@@ -1557,7 +1558,7 @@
     </p:spTree>
     <p:extLst>
       <p:ext uri="{BB962C8B-B14F-4D97-AF65-F5344CB8AC3E}">
-        <p14:creationId xmlns:p14="http://schemas.microsoft.com/office/powerpoint/2010/main" val="4247859503"/>
+        <p14:creationId xmlns:p14="http://schemas.microsoft.com/office/powerpoint/2010/main" val="103387373"/>
       </p:ext>
     </p:extLst>
   </p:cSld>
@@ -1643,7 +1644,7 @@
     </p:spTree>
     <p:extLst>
       <p:ext uri="{BB962C8B-B14F-4D97-AF65-F5344CB8AC3E}">
-        <p14:creationId xmlns:p14="http://schemas.microsoft.com/office/powerpoint/2010/main" val="4097729415"/>
+        <p14:creationId xmlns:p14="http://schemas.microsoft.com/office/powerpoint/2010/main" val="4247859503"/>
       </p:ext>
     </p:extLst>
   </p:cSld>
@@ -1815,7 +1816,7 @@
     </p:spTree>
     <p:extLst>
       <p:ext uri="{BB962C8B-B14F-4D97-AF65-F5344CB8AC3E}">
-        <p14:creationId xmlns:p14="http://schemas.microsoft.com/office/powerpoint/2010/main" val="1649954655"/>
+        <p14:creationId xmlns:p14="http://schemas.microsoft.com/office/powerpoint/2010/main" val="4097729415"/>
       </p:ext>
     </p:extLst>
   </p:cSld>
@@ -1901,7 +1902,7 @@
     </p:spTree>
     <p:extLst>
       <p:ext uri="{BB962C8B-B14F-4D97-AF65-F5344CB8AC3E}">
-        <p14:creationId xmlns:p14="http://schemas.microsoft.com/office/powerpoint/2010/main" val="3774857302"/>
+        <p14:creationId xmlns:p14="http://schemas.microsoft.com/office/powerpoint/2010/main" val="1649954655"/>
       </p:ext>
     </p:extLst>
   </p:cSld>
@@ -1979,6 +1980,92 @@
             <a:fld id="{79230CFA-805A-4FD3-B3A0-DAAA5993DA17}" type="slidenum">
               <a:rPr lang="it-IT" smtClean="0"/>
               <a:t>22</a:t>
+            </a:fld>
+            <a:endParaRPr lang="it-IT" dirty="0"/>
+          </a:p>
+        </p:txBody>
+      </p:sp>
+    </p:spTree>
+    <p:extLst>
+      <p:ext uri="{BB962C8B-B14F-4D97-AF65-F5344CB8AC3E}">
+        <p14:creationId xmlns:p14="http://schemas.microsoft.com/office/powerpoint/2010/main" val="3774857302"/>
+      </p:ext>
+    </p:extLst>
+  </p:cSld>
+  <p:clrMapOvr>
+    <a:masterClrMapping/>
+  </p:clrMapOvr>
+</p:notes>
+</file>
+
+<file path=ppt/notesSlides/notesSlide23.xml><?xml version="1.0" encoding="utf-8"?>
+<p:notes xmlns:a="http://schemas.openxmlformats.org/drawingml/2006/main" xmlns:r="http://schemas.openxmlformats.org/officeDocument/2006/relationships" xmlns:p="http://schemas.openxmlformats.org/presentationml/2006/main">
+  <p:cSld>
+    <p:spTree>
+      <p:nvGrpSpPr>
+        <p:cNvPr id="1" name=""/>
+        <p:cNvGrpSpPr/>
+        <p:nvPr/>
+      </p:nvGrpSpPr>
+      <p:grpSpPr>
+        <a:xfrm>
+          <a:off x="0" y="0"/>
+          <a:ext cx="0" cy="0"/>
+          <a:chOff x="0" y="0"/>
+          <a:chExt cx="0" cy="0"/>
+        </a:xfrm>
+      </p:grpSpPr>
+      <p:sp>
+        <p:nvSpPr>
+          <p:cNvPr id="2" name="Segnaposto immagine diapositiva 1"/>
+          <p:cNvSpPr>
+            <a:spLocks noGrp="1" noRot="1" noChangeAspect="1"/>
+          </p:cNvSpPr>
+          <p:nvPr>
+            <p:ph type="sldImg"/>
+          </p:nvPr>
+        </p:nvSpPr>
+        <p:spPr/>
+      </p:sp>
+      <p:sp>
+        <p:nvSpPr>
+          <p:cNvPr id="3" name="Segnaposto note 2"/>
+          <p:cNvSpPr>
+            <a:spLocks noGrp="1"/>
+          </p:cNvSpPr>
+          <p:nvPr>
+            <p:ph type="body" idx="1"/>
+          </p:nvPr>
+        </p:nvSpPr>
+        <p:spPr/>
+        <p:txBody>
+          <a:bodyPr rtlCol="0"/>
+          <a:lstStyle/>
+          <a:p>
+            <a:pPr rtl="0"/>
+            <a:endParaRPr lang="it-IT" dirty="0"/>
+          </a:p>
+        </p:txBody>
+      </p:sp>
+      <p:sp>
+        <p:nvSpPr>
+          <p:cNvPr id="4" name="Segnaposto numero diapositiva 3"/>
+          <p:cNvSpPr>
+            <a:spLocks noGrp="1"/>
+          </p:cNvSpPr>
+          <p:nvPr>
+            <p:ph type="sldNum" sz="quarter" idx="5"/>
+          </p:nvPr>
+        </p:nvSpPr>
+        <p:spPr/>
+        <p:txBody>
+          <a:bodyPr rtlCol="0"/>
+          <a:lstStyle/>
+          <a:p>
+            <a:pPr rtl="0"/>
+            <a:fld id="{79230CFA-805A-4FD3-B3A0-DAAA5993DA17}" type="slidenum">
+              <a:rPr lang="it-IT" smtClean="0"/>
+              <a:t>23</a:t>
             </a:fld>
             <a:endParaRPr lang="it-IT" dirty="0"/>
           </a:p>
@@ -2746,7 +2833,7 @@
           <a:p>
             <a:fld id="{D2C95273-7EA1-449B-9AF4-4A92A4F80372}" type="datetimeFigureOut">
               <a:rPr lang="it-IT" smtClean="0"/>
-              <a:t>20/06/2019</a:t>
+              <a:t>22/06/2019</a:t>
             </a:fld>
             <a:endParaRPr lang="it-IT"/>
           </a:p>
@@ -3184,7 +3271,7 @@
           <a:p>
             <a:fld id="{D2C95273-7EA1-449B-9AF4-4A92A4F80372}" type="datetimeFigureOut">
               <a:rPr lang="it-IT" smtClean="0"/>
-              <a:t>20/06/2019</a:t>
+              <a:t>22/06/2019</a:t>
             </a:fld>
             <a:endParaRPr lang="it-IT"/>
           </a:p>
@@ -3400,7 +3487,7 @@
           <a:p>
             <a:fld id="{D2C95273-7EA1-449B-9AF4-4A92A4F80372}" type="datetimeFigureOut">
               <a:rPr lang="it-IT" smtClean="0"/>
-              <a:t>20/06/2019</a:t>
+              <a:t>22/06/2019</a:t>
             </a:fld>
             <a:endParaRPr lang="it-IT"/>
           </a:p>
@@ -8671,7 +8758,7 @@
           <a:p>
             <a:fld id="{D2C95273-7EA1-449B-9AF4-4A92A4F80372}" type="datetimeFigureOut">
               <a:rPr lang="it-IT" smtClean="0"/>
-              <a:t>20/06/2019</a:t>
+              <a:t>22/06/2019</a:t>
             </a:fld>
             <a:endParaRPr lang="it-IT"/>
           </a:p>
@@ -12962,7 +13049,7 @@
           <a:p>
             <a:fld id="{D2C95273-7EA1-449B-9AF4-4A92A4F80372}" type="datetimeFigureOut">
               <a:rPr lang="it-IT" smtClean="0"/>
-              <a:t>20/06/2019</a:t>
+              <a:t>22/06/2019</a:t>
             </a:fld>
             <a:endParaRPr lang="it-IT"/>
           </a:p>
@@ -13679,7 +13766,7 @@
           <a:p>
             <a:fld id="{D2C95273-7EA1-449B-9AF4-4A92A4F80372}" type="datetimeFigureOut">
               <a:rPr lang="it-IT" smtClean="0"/>
-              <a:t>20/06/2019</a:t>
+              <a:t>22/06/2019</a:t>
             </a:fld>
             <a:endParaRPr lang="it-IT"/>
           </a:p>
@@ -14475,7 +14562,7 @@
           <a:p>
             <a:fld id="{D2C95273-7EA1-449B-9AF4-4A92A4F80372}" type="datetimeFigureOut">
               <a:rPr lang="it-IT" smtClean="0"/>
-              <a:t>20/06/2019</a:t>
+              <a:t>22/06/2019</a:t>
             </a:fld>
             <a:endParaRPr lang="it-IT"/>
           </a:p>
@@ -15000,7 +15087,7 @@
           <a:p>
             <a:fld id="{D2C95273-7EA1-449B-9AF4-4A92A4F80372}" type="datetimeFigureOut">
               <a:rPr lang="it-IT" smtClean="0"/>
-              <a:t>20/06/2019</a:t>
+              <a:t>22/06/2019</a:t>
             </a:fld>
             <a:endParaRPr lang="it-IT"/>
           </a:p>
@@ -15454,7 +15541,7 @@
           <a:p>
             <a:fld id="{D2C95273-7EA1-449B-9AF4-4A92A4F80372}" type="datetimeFigureOut">
               <a:rPr lang="it-IT" smtClean="0"/>
-              <a:t>20/06/2019</a:t>
+              <a:t>22/06/2019</a:t>
             </a:fld>
             <a:endParaRPr lang="it-IT"/>
           </a:p>
@@ -15773,7 +15860,7 @@
           <a:p>
             <a:fld id="{D2C95273-7EA1-449B-9AF4-4A92A4F80372}" type="datetimeFigureOut">
               <a:rPr lang="it-IT" smtClean="0"/>
-              <a:t>20/06/2019</a:t>
+              <a:t>22/06/2019</a:t>
             </a:fld>
             <a:endParaRPr lang="it-IT"/>
           </a:p>
@@ -16301,7 +16388,7 @@
           <a:p>
             <a:fld id="{D2C95273-7EA1-449B-9AF4-4A92A4F80372}" type="datetimeFigureOut">
               <a:rPr lang="it-IT" smtClean="0"/>
-              <a:t>20/06/2019</a:t>
+              <a:t>22/06/2019</a:t>
             </a:fld>
             <a:endParaRPr lang="it-IT"/>
           </a:p>
@@ -16782,7 +16869,7 @@
           <a:p>
             <a:fld id="{D2C95273-7EA1-449B-9AF4-4A92A4F80372}" type="datetimeFigureOut">
               <a:rPr lang="it-IT" smtClean="0"/>
-              <a:t>20/06/2019</a:t>
+              <a:t>22/06/2019</a:t>
             </a:fld>
             <a:endParaRPr lang="it-IT"/>
           </a:p>
@@ -18309,52 +18396,6 @@
           </a:p>
         </p:txBody>
       </p:sp>
-      <p:cxnSp>
-        <p:nvCxnSpPr>
-          <p:cNvPr id="5" name="Connettore curvo 4">
-            <a:extLst>
-              <a:ext uri="{FF2B5EF4-FFF2-40B4-BE49-F238E27FC236}">
-                <a16:creationId xmlns:a16="http://schemas.microsoft.com/office/drawing/2014/main" id="{DD41D86A-94A5-4E39-83DC-D6365F4A9DB8}"/>
-              </a:ext>
-            </a:extLst>
-          </p:cNvPr>
-          <p:cNvCxnSpPr>
-            <a:cxnSpLocks/>
-          </p:cNvCxnSpPr>
-          <p:nvPr/>
-        </p:nvCxnSpPr>
-        <p:spPr>
-          <a:xfrm flipV="1">
-            <a:off x="6705599" y="2584487"/>
-            <a:ext cx="3081339" cy="1915334"/>
-          </a:xfrm>
-          <a:prstGeom prst="curvedConnector3">
-            <a:avLst>
-              <a:gd name="adj1" fmla="val 116306"/>
-            </a:avLst>
-          </a:prstGeom>
-          <a:ln>
-            <a:solidFill>
-              <a:srgbClr val="92D050"/>
-            </a:solidFill>
-            <a:tailEnd type="triangle"/>
-          </a:ln>
-        </p:spPr>
-        <p:style>
-          <a:lnRef idx="1">
-            <a:schemeClr val="accent1"/>
-          </a:lnRef>
-          <a:fillRef idx="0">
-            <a:schemeClr val="accent1"/>
-          </a:fillRef>
-          <a:effectRef idx="0">
-            <a:schemeClr val="accent1"/>
-          </a:effectRef>
-          <a:fontRef idx="minor">
-            <a:schemeClr val="tx1"/>
-          </a:fontRef>
-        </p:style>
-      </p:cxnSp>
       <p:pic>
         <p:nvPicPr>
           <p:cNvPr id="6" name="Immagine 5">
@@ -18377,7 +18418,7 @@
         </p:blipFill>
         <p:spPr>
           <a:xfrm>
-            <a:off x="7096125" y="1448588"/>
+            <a:off x="7061399" y="4463659"/>
             <a:ext cx="4983252" cy="880275"/>
           </a:xfrm>
           <a:prstGeom prst="rect">
@@ -18407,7 +18448,7 @@
         </p:blipFill>
         <p:spPr>
           <a:xfrm>
-            <a:off x="7096124" y="704652"/>
+            <a:off x="7061399" y="3293104"/>
             <a:ext cx="5061019" cy="616124"/>
           </a:xfrm>
           <a:prstGeom prst="rect">
@@ -18473,6 +18514,9 @@
           </a:bodyPr>
           <a:lstStyle/>
           <a:p>
+            <a:pPr marL="0" indent="0">
+              <a:buNone/>
+            </a:pPr>
             <a:r>
               <a:rPr lang="it-IT" dirty="0"/>
               <a:t>Altro esempio di violazione:</a:t>
@@ -18674,12 +18718,12 @@
         </p:nvCxnSpPr>
         <p:spPr>
           <a:xfrm flipV="1">
-            <a:off x="6887034" y="2496102"/>
-            <a:ext cx="2928085" cy="2423714"/>
+            <a:off x="5667246" y="5213684"/>
+            <a:ext cx="1134607" cy="119954"/>
           </a:xfrm>
           <a:prstGeom prst="curvedConnector3">
             <a:avLst>
-              <a:gd name="adj1" fmla="val 106727"/>
+              <a:gd name="adj1" fmla="val 50000"/>
             </a:avLst>
           </a:prstGeom>
           <a:ln>
@@ -18726,7 +18770,7 @@
         </p:blipFill>
         <p:spPr>
           <a:xfrm>
-            <a:off x="6888879" y="770185"/>
+            <a:off x="760795" y="5029189"/>
             <a:ext cx="4771743" cy="608894"/>
           </a:xfrm>
           <a:prstGeom prst="rect">
@@ -18756,7 +18800,7 @@
         </p:blipFill>
         <p:spPr>
           <a:xfrm>
-            <a:off x="6887034" y="1543583"/>
+            <a:off x="6936561" y="5029189"/>
             <a:ext cx="4849164" cy="913415"/>
           </a:xfrm>
           <a:prstGeom prst="rect">
@@ -19449,6 +19493,11 @@
 <file path=ppt/slides/slide18.xml><?xml version="1.0" encoding="utf-8"?>
 <p:sld xmlns:a="http://schemas.openxmlformats.org/drawingml/2006/main" xmlns:r="http://schemas.openxmlformats.org/officeDocument/2006/relationships" xmlns:p="http://schemas.openxmlformats.org/presentationml/2006/main" showMasterSp="0">
   <p:cSld>
+    <p:bg>
+      <p:bgRef idx="1001">
+        <a:schemeClr val="bg1"/>
+      </p:bgRef>
+    </p:bg>
     <p:spTree>
       <p:nvGrpSpPr>
         <p:cNvPr id="1" name=""/>
@@ -19465,24 +19514,58 @@
       </p:grpSpPr>
       <p:sp>
         <p:nvSpPr>
-          <p:cNvPr id="7" name="Segnaposto contenuto 6">
-            <a:extLst>
-              <a:ext uri="{FF2B5EF4-FFF2-40B4-BE49-F238E27FC236}">
-                <a16:creationId xmlns:a16="http://schemas.microsoft.com/office/drawing/2014/main" id="{2482DBEC-EE72-4155-ACC5-87E80C5606A9}"/>
-              </a:ext>
-            </a:extLst>
-          </p:cNvPr>
-          <p:cNvSpPr>
-            <a:spLocks noGrp="1"/>
-          </p:cNvSpPr>
-          <p:nvPr>
-            <p:ph idx="1"/>
+          <p:cNvPr id="15" name="Segnaposto testo 14">
+            <a:extLst>
+              <a:ext uri="{FF2B5EF4-FFF2-40B4-BE49-F238E27FC236}">
+                <a16:creationId xmlns:a16="http://schemas.microsoft.com/office/drawing/2014/main" id="{24E18385-8BEA-4522-ABAA-5AB38F0D4FC2}"/>
+              </a:ext>
+            </a:extLst>
+          </p:cNvPr>
+          <p:cNvSpPr>
+            <a:spLocks noGrp="1"/>
+          </p:cNvSpPr>
+          <p:nvPr>
+            <p:ph type="body" idx="1"/>
           </p:nvPr>
         </p:nvSpPr>
         <p:spPr>
           <a:xfrm>
-            <a:off x="531378" y="3129540"/>
-            <a:ext cx="10307198" cy="2958275"/>
+            <a:off x="518678" y="1714294"/>
+            <a:ext cx="5475290" cy="781188"/>
+          </a:xfrm>
+        </p:spPr>
+        <p:txBody>
+          <a:bodyPr rtlCol="0"/>
+          <a:lstStyle/>
+          <a:p>
+            <a:pPr rtl="0"/>
+            <a:r>
+              <a:rPr lang="it-IT" dirty="0"/>
+              <a:t>Vantaggi</a:t>
+            </a:r>
+          </a:p>
+        </p:txBody>
+      </p:sp>
+      <p:sp>
+        <p:nvSpPr>
+          <p:cNvPr id="16" name="Segnaposto contenuto 15">
+            <a:extLst>
+              <a:ext uri="{FF2B5EF4-FFF2-40B4-BE49-F238E27FC236}">
+                <a16:creationId xmlns:a16="http://schemas.microsoft.com/office/drawing/2014/main" id="{1DCFA8A2-3FB8-48CA-933D-0800A9D2A2A2}"/>
+              </a:ext>
+            </a:extLst>
+          </p:cNvPr>
+          <p:cNvSpPr>
+            <a:spLocks noGrp="1"/>
+          </p:cNvSpPr>
+          <p:nvPr>
+            <p:ph sz="half" idx="13"/>
+          </p:nvPr>
+        </p:nvSpPr>
+        <p:spPr>
+          <a:xfrm>
+            <a:off x="569694" y="2462567"/>
+            <a:ext cx="5475290" cy="3232149"/>
           </a:xfrm>
         </p:spPr>
         <p:txBody>
@@ -19491,99 +19574,142 @@
           </a:bodyPr>
           <a:lstStyle/>
           <a:p>
-            <a:r>
-              <a:rPr lang="it-IT" dirty="0"/>
-              <a:t>Nel caso di oggetti il cui comportamento dipende dal proprio stato, può essere utile adottare il pattern State per eliminare codice di </a:t>
-            </a:r>
-            <a:r>
-              <a:rPr lang="it-IT" dirty="0">
+            <a:pPr>
+              <a:buClr>
+                <a:schemeClr val="accent2"/>
+              </a:buClr>
+            </a:pPr>
+            <a:r>
+              <a:rPr lang="it-IT" sz="2000" dirty="0">
                 <a:solidFill>
-                  <a:srgbClr val="FF0000"/>
+                  <a:schemeClr val="tx1"/>
                 </a:solidFill>
               </a:rPr>
-              <a:t>scelte condizionali</a:t>
-            </a:r>
-          </a:p>
-          <a:p>
-            <a:r>
-              <a:rPr lang="it-IT" dirty="0"/>
-              <a:t>La </a:t>
-            </a:r>
-            <a:r>
-              <a:rPr lang="it-IT" dirty="0">
+              <a:t>Nessuna dipendenza di compilazione dai componenti di alto livello a quelli di basso livello</a:t>
+            </a:r>
+          </a:p>
+          <a:p>
+            <a:pPr>
+              <a:buClr>
+                <a:schemeClr val="accent2"/>
+              </a:buClr>
+            </a:pPr>
+            <a:r>
+              <a:rPr lang="it-IT" sz="2000" dirty="0">
                 <a:solidFill>
-                  <a:schemeClr val="accent6"/>
+                  <a:schemeClr val="tx1"/>
                 </a:solidFill>
               </a:rPr>
-              <a:t>soluzione</a:t>
-            </a:r>
+              <a:t>Permette di cambiare componenti di alto e basso livello senza intaccare altre classi</a:t>
+            </a:r>
+          </a:p>
+          <a:p>
+            <a:pPr rtl="0">
+              <a:buClr>
+                <a:schemeClr val="accent2"/>
+              </a:buClr>
+            </a:pPr>
+            <a:r>
+              <a:rPr lang="it-IT" sz="2000" dirty="0">
+                <a:solidFill>
+                  <a:schemeClr val="tx1"/>
+                </a:solidFill>
+              </a:rPr>
+              <a:t>Possibilità di riutilizzo in altri progetti della classe che incorpora logica di business</a:t>
+            </a:r>
+          </a:p>
+        </p:txBody>
+      </p:sp>
+      <p:sp>
+        <p:nvSpPr>
+          <p:cNvPr id="17" name="Segnaposto testo 16">
+            <a:extLst>
+              <a:ext uri="{FF2B5EF4-FFF2-40B4-BE49-F238E27FC236}">
+                <a16:creationId xmlns:a16="http://schemas.microsoft.com/office/drawing/2014/main" id="{640A3223-3DA3-4CF2-82B6-1447667547BD}"/>
+              </a:ext>
+            </a:extLst>
+          </p:cNvPr>
+          <p:cNvSpPr>
+            <a:spLocks noGrp="1"/>
+          </p:cNvSpPr>
+          <p:nvPr>
+            <p:ph type="body" sz="quarter" idx="14"/>
+          </p:nvPr>
+        </p:nvSpPr>
+        <p:spPr>
+          <a:xfrm>
+            <a:off x="6096000" y="1681379"/>
+            <a:ext cx="5475600" cy="781188"/>
+          </a:xfrm>
+        </p:spPr>
+        <p:txBody>
+          <a:bodyPr rtlCol="0"/>
+          <a:lstStyle/>
+          <a:p>
+            <a:pPr rtl="0"/>
             <a:r>
               <a:rPr lang="it-IT" dirty="0"/>
-              <a:t> è creare una classe stato per ogni stato, che implementa un’interfaccia comune</a:t>
-            </a:r>
-          </a:p>
-          <a:p>
-            <a:r>
-              <a:rPr lang="it-IT" dirty="0"/>
-              <a:t>Le operazioni che dipendono dallo stato vengono delegate all’oggetto che rappresenta il proprio stato</a:t>
-            </a:r>
-          </a:p>
-          <a:p>
-            <a:endParaRPr lang="it-IT" i="1" dirty="0"/>
-          </a:p>
-          <a:p>
-            <a:endParaRPr lang="it-IT" i="1" dirty="0"/>
-          </a:p>
-        </p:txBody>
-      </p:sp>
-      <p:sp>
-        <p:nvSpPr>
-          <p:cNvPr id="9" name="Segnaposto testo 8">
-            <a:extLst>
-              <a:ext uri="{FF2B5EF4-FFF2-40B4-BE49-F238E27FC236}">
-                <a16:creationId xmlns:a16="http://schemas.microsoft.com/office/drawing/2014/main" id="{53469036-D1FB-4164-96AE-B6D8CECCFC96}"/>
-              </a:ext>
-            </a:extLst>
-          </p:cNvPr>
-          <p:cNvSpPr>
-            <a:spLocks noGrp="1"/>
-          </p:cNvSpPr>
-          <p:nvPr>
-            <p:ph type="body" sz="quarter" idx="13"/>
-          </p:nvPr>
-        </p:nvSpPr>
-        <p:spPr/>
+              <a:t>Svantaggi</a:t>
+            </a:r>
+          </a:p>
+        </p:txBody>
+      </p:sp>
+      <p:sp>
+        <p:nvSpPr>
+          <p:cNvPr id="18" name="Segnaposto contenuto 17">
+            <a:extLst>
+              <a:ext uri="{FF2B5EF4-FFF2-40B4-BE49-F238E27FC236}">
+                <a16:creationId xmlns:a16="http://schemas.microsoft.com/office/drawing/2014/main" id="{C955AFB3-173C-4848-B3E9-1375591B297E}"/>
+              </a:ext>
+            </a:extLst>
+          </p:cNvPr>
+          <p:cNvSpPr>
+            <a:spLocks noGrp="1"/>
+          </p:cNvSpPr>
+          <p:nvPr>
+            <p:ph sz="quarter" idx="15"/>
+          </p:nvPr>
+        </p:nvSpPr>
+        <p:spPr>
+          <a:xfrm>
+            <a:off x="6146706" y="2495482"/>
+            <a:ext cx="5475600" cy="3232149"/>
+          </a:xfrm>
+        </p:spPr>
         <p:txBody>
           <a:bodyPr rtlCol="0"/>
           <a:lstStyle/>
           <a:p>
-            <a:pPr rtl="0"/>
-            <a:r>
-              <a:rPr lang="it-IT" dirty="0"/>
-              <a:t>Pattern </a:t>
-            </a:r>
-            <a:r>
-              <a:rPr lang="it-IT" dirty="0" err="1"/>
-              <a:t>GoF</a:t>
-            </a:r>
-            <a:endParaRPr lang="it-IT" dirty="0"/>
-          </a:p>
-        </p:txBody>
-      </p:sp>
-      <p:sp>
-        <p:nvSpPr>
-          <p:cNvPr id="4" name="Titolo 3">
-            <a:extLst>
-              <a:ext uri="{FF2B5EF4-FFF2-40B4-BE49-F238E27FC236}">
-                <a16:creationId xmlns:a16="http://schemas.microsoft.com/office/drawing/2014/main" id="{1ABE11BF-33A5-4653-A144-CCCBACF58C30}"/>
-              </a:ext>
-            </a:extLst>
-          </p:cNvPr>
-          <p:cNvSpPr>
-            <a:spLocks noGrp="1"/>
-          </p:cNvSpPr>
-          <p:nvPr>
-            <p:ph type="title"/>
+            <a:pPr>
+              <a:buClr>
+                <a:schemeClr val="accent2"/>
+              </a:buClr>
+            </a:pPr>
+            <a:r>
+              <a:rPr lang="it-IT" sz="2000" dirty="0">
+                <a:solidFill>
+                  <a:schemeClr val="tx1"/>
+                </a:solidFill>
+              </a:rPr>
+              <a:t>Nessuno</a:t>
+            </a:r>
+          </a:p>
+        </p:txBody>
+      </p:sp>
+      <p:sp>
+        <p:nvSpPr>
+          <p:cNvPr id="19" name="Segnaposto testo 18">
+            <a:extLst>
+              <a:ext uri="{FF2B5EF4-FFF2-40B4-BE49-F238E27FC236}">
+                <a16:creationId xmlns:a16="http://schemas.microsoft.com/office/drawing/2014/main" id="{DFE11F38-F66B-4F95-8224-6CCA69D57617}"/>
+              </a:ext>
+            </a:extLst>
+          </p:cNvPr>
+          <p:cNvSpPr>
+            <a:spLocks noGrp="1"/>
+          </p:cNvSpPr>
+          <p:nvPr>
+            <p:ph type="body" sz="quarter" idx="16"/>
           </p:nvPr>
         </p:nvSpPr>
         <p:spPr/>
@@ -19594,34 +19720,51 @@
           <a:lstStyle/>
           <a:p>
             <a:r>
-              <a:rPr lang="it-IT" dirty="0"/>
-              <a:t>State</a:t>
-            </a:r>
-          </a:p>
-        </p:txBody>
-      </p:sp>
-      <p:sp>
-        <p:nvSpPr>
-          <p:cNvPr id="11" name="Segnaposto piè di pagina 10">
-            <a:extLst>
-              <a:ext uri="{FF2B5EF4-FFF2-40B4-BE49-F238E27FC236}">
-                <a16:creationId xmlns:a16="http://schemas.microsoft.com/office/drawing/2014/main" id="{47F4D2C2-B71A-4089-A3FE-603C32706CA6}"/>
-              </a:ext>
-            </a:extLst>
-          </p:cNvPr>
-          <p:cNvSpPr>
-            <a:spLocks noGrp="1"/>
-          </p:cNvSpPr>
-          <p:nvPr>
-            <p:ph type="ftr" sz="quarter" idx="14"/>
+              <a:rPr lang="it-IT" dirty="0">
+                <a:solidFill>
+                  <a:schemeClr val="bg2">
+                    <a:lumMod val="50000"/>
+                  </a:schemeClr>
+                </a:solidFill>
+              </a:rPr>
+              <a:t>Pattern SOLID</a:t>
+            </a:r>
+          </a:p>
+        </p:txBody>
+      </p:sp>
+      <p:sp>
+        <p:nvSpPr>
+          <p:cNvPr id="20" name="Segnaposto piè di pagina 4">
+            <a:extLst>
+              <a:ext uri="{FF2B5EF4-FFF2-40B4-BE49-F238E27FC236}">
+                <a16:creationId xmlns:a16="http://schemas.microsoft.com/office/drawing/2014/main" id="{391D3201-20F9-4DD7-B4EB-F41AF17CA428}"/>
+              </a:ext>
+            </a:extLst>
+          </p:cNvPr>
+          <p:cNvSpPr>
+            <a:spLocks noGrp="1"/>
+          </p:cNvSpPr>
+          <p:nvPr>
+            <p:ph type="ftr" sz="quarter" idx="17"/>
           </p:nvPr>
         </p:nvSpPr>
         <p:spPr/>
         <p:txBody>
           <a:bodyPr rtlCol="0"/>
-          <a:lstStyle/>
-          <a:p>
-            <a:pPr rtl="0"/>
+          <a:lstStyle>
+            <a:lvl1pPr algn="r">
+              <a:defRPr sz="1200">
+                <a:solidFill>
+                  <a:schemeClr val="tx1">
+                    <a:lumMod val="50000"/>
+                    <a:lumOff val="50000"/>
+                  </a:schemeClr>
+                </a:solidFill>
+              </a:defRPr>
+            </a:lvl1pPr>
+          </a:lstStyle>
+          <a:p>
+            <a:pPr algn="l" rtl="0"/>
             <a:r>
               <a:rPr lang="it-IT" dirty="0"/>
               <a:t>Aggiungere un piè di pagina</a:t>
@@ -19631,24 +19774,35 @@
       </p:sp>
       <p:sp>
         <p:nvSpPr>
-          <p:cNvPr id="12" name="Segnaposto numero diapositiva 11">
-            <a:extLst>
-              <a:ext uri="{FF2B5EF4-FFF2-40B4-BE49-F238E27FC236}">
-                <a16:creationId xmlns:a16="http://schemas.microsoft.com/office/drawing/2014/main" id="{FBA1BB58-7555-4382-B178-7ED04E137E77}"/>
-              </a:ext>
-            </a:extLst>
-          </p:cNvPr>
-          <p:cNvSpPr>
-            <a:spLocks noGrp="1"/>
-          </p:cNvSpPr>
-          <p:nvPr>
-            <p:ph type="sldNum" sz="quarter" idx="15"/>
+          <p:cNvPr id="21" name="Segnaposto numero diapositiva 5">
+            <a:extLst>
+              <a:ext uri="{FF2B5EF4-FFF2-40B4-BE49-F238E27FC236}">
+                <a16:creationId xmlns:a16="http://schemas.microsoft.com/office/drawing/2014/main" id="{C7C65DDB-24F2-44CF-AE02-F3A6C8B1858B}"/>
+              </a:ext>
+            </a:extLst>
+          </p:cNvPr>
+          <p:cNvSpPr>
+            <a:spLocks noGrp="1"/>
+          </p:cNvSpPr>
+          <p:nvPr>
+            <p:ph type="sldNum" sz="quarter" idx="18"/>
           </p:nvPr>
         </p:nvSpPr>
         <p:spPr/>
         <p:txBody>
           <a:bodyPr rtlCol="0"/>
-          <a:lstStyle/>
+          <a:lstStyle>
+            <a:lvl1pPr algn="r">
+              <a:defRPr sz="1200">
+                <a:solidFill>
+                  <a:schemeClr val="tx1">
+                    <a:lumMod val="50000"/>
+                    <a:lumOff val="50000"/>
+                  </a:schemeClr>
+                </a:solidFill>
+              </a:defRPr>
+            </a:lvl1pPr>
+          </a:lstStyle>
           <a:p>
             <a:pPr rtl="0"/>
             <a:fld id="{8699F50C-BE38-4BD0-BA84-9B090E1F2B9B}" type="slidenum">
@@ -19660,15 +19814,95 @@
           </a:p>
         </p:txBody>
       </p:sp>
+      <p:sp>
+        <p:nvSpPr>
+          <p:cNvPr id="14" name="Titolo 13">
+            <a:extLst>
+              <a:ext uri="{FF2B5EF4-FFF2-40B4-BE49-F238E27FC236}">
+                <a16:creationId xmlns:a16="http://schemas.microsoft.com/office/drawing/2014/main" id="{E3E5EE03-FBF6-46F5-8085-716AC6CE1C8C}"/>
+              </a:ext>
+            </a:extLst>
+          </p:cNvPr>
+          <p:cNvSpPr>
+            <a:spLocks noGrp="1"/>
+          </p:cNvSpPr>
+          <p:nvPr>
+            <p:ph type="title"/>
+          </p:nvPr>
+        </p:nvSpPr>
+        <p:spPr/>
+        <p:txBody>
+          <a:bodyPr rtlCol="0"/>
+          <a:lstStyle/>
+          <a:p>
+            <a:r>
+              <a:rPr lang="it-IT" dirty="0">
+                <a:solidFill>
+                  <a:schemeClr val="accent1"/>
+                </a:solidFill>
+              </a:rPr>
+              <a:t>DIP (</a:t>
+            </a:r>
+            <a:r>
+              <a:rPr lang="it-IT" dirty="0" err="1">
+                <a:solidFill>
+                  <a:schemeClr val="accent1"/>
+                </a:solidFill>
+              </a:rPr>
+              <a:t>Dependency</a:t>
+            </a:r>
+            <a:r>
+              <a:rPr lang="it-IT" dirty="0">
+                <a:solidFill>
+                  <a:schemeClr val="accent1"/>
+                </a:solidFill>
+              </a:rPr>
+              <a:t> </a:t>
+            </a:r>
+            <a:r>
+              <a:rPr lang="it-IT" dirty="0" err="1">
+                <a:solidFill>
+                  <a:schemeClr val="accent1"/>
+                </a:solidFill>
+              </a:rPr>
+              <a:t>Inversion</a:t>
+            </a:r>
+            <a:r>
+              <a:rPr lang="it-IT" dirty="0">
+                <a:solidFill>
+                  <a:schemeClr val="accent1"/>
+                </a:solidFill>
+              </a:rPr>
+              <a:t> </a:t>
+            </a:r>
+            <a:r>
+              <a:rPr lang="it-IT" dirty="0" err="1">
+                <a:solidFill>
+                  <a:schemeClr val="accent1"/>
+                </a:solidFill>
+              </a:rPr>
+              <a:t>Principle</a:t>
+            </a:r>
+            <a:r>
+              <a:rPr lang="it-IT" dirty="0">
+                <a:solidFill>
+                  <a:schemeClr val="accent1"/>
+                </a:solidFill>
+              </a:rPr>
+              <a:t>)</a:t>
+            </a:r>
+          </a:p>
+        </p:txBody>
+      </p:sp>
     </p:spTree>
     <p:extLst>
       <p:ext uri="{BB962C8B-B14F-4D97-AF65-F5344CB8AC3E}">
-        <p14:creationId xmlns:p14="http://schemas.microsoft.com/office/powerpoint/2010/main" val="91889829"/>
+        <p14:creationId xmlns:p14="http://schemas.microsoft.com/office/powerpoint/2010/main" val="1294634069"/>
       </p:ext>
     </p:extLst>
   </p:cSld>
   <p:clrMapOvr>
-    <a:masterClrMapping/>
+    <a:overrideClrMapping bg1="lt1" tx1="dk1" bg2="lt2" tx2="dk2" accent1="accent1" accent2="accent2" accent3="accent3" accent4="accent4" accent5="accent5" accent6="accent6" hlink="hlink" folHlink="folHlink"/>
   </p:clrMapOvr>
 </p:sld>
 </file>
@@ -19718,6 +19952,44 @@
           </a:bodyPr>
           <a:lstStyle/>
           <a:p>
+            <a:r>
+              <a:rPr lang="it-IT" dirty="0"/>
+              <a:t>Nel caso di oggetti il cui comportamento dipende dal proprio stato, può essere utile adottare il pattern State per eliminare codice di </a:t>
+            </a:r>
+            <a:r>
+              <a:rPr lang="it-IT" dirty="0">
+                <a:solidFill>
+                  <a:srgbClr val="FF0000"/>
+                </a:solidFill>
+              </a:rPr>
+              <a:t>scelte condizionali</a:t>
+            </a:r>
+          </a:p>
+          <a:p>
+            <a:r>
+              <a:rPr lang="it-IT" dirty="0"/>
+              <a:t>La </a:t>
+            </a:r>
+            <a:r>
+              <a:rPr lang="it-IT" dirty="0">
+                <a:solidFill>
+                  <a:schemeClr val="accent6"/>
+                </a:solidFill>
+              </a:rPr>
+              <a:t>soluzione</a:t>
+            </a:r>
+            <a:r>
+              <a:rPr lang="it-IT" dirty="0"/>
+              <a:t> è creare una classe stato per ogni stato, che implementa un’interfaccia comune</a:t>
+            </a:r>
+          </a:p>
+          <a:p>
+            <a:r>
+              <a:rPr lang="it-IT" dirty="0"/>
+              <a:t>Le operazioni che dipendono dallo stato vengono delegate all’oggetto che rappresenta il proprio stato</a:t>
+            </a:r>
+          </a:p>
+          <a:p>
             <a:endParaRPr lang="it-IT" i="1" dirty="0"/>
           </a:p>
           <a:p>
@@ -19844,6 +20116,290 @@
               <a:rPr lang="it-IT" smtClean="0"/>
               <a:pPr rtl="0"/>
               <a:t>19</a:t>
+            </a:fld>
+            <a:endParaRPr lang="it-IT" dirty="0"/>
+          </a:p>
+        </p:txBody>
+      </p:sp>
+    </p:spTree>
+    <p:extLst>
+      <p:ext uri="{BB962C8B-B14F-4D97-AF65-F5344CB8AC3E}">
+        <p14:creationId xmlns:p14="http://schemas.microsoft.com/office/powerpoint/2010/main" val="91889829"/>
+      </p:ext>
+    </p:extLst>
+  </p:cSld>
+  <p:clrMapOvr>
+    <a:masterClrMapping/>
+  </p:clrMapOvr>
+</p:sld>
+</file>
+
+<file path=ppt/slides/slide2.xml><?xml version="1.0" encoding="utf-8"?>
+<p:sld xmlns:a="http://schemas.openxmlformats.org/drawingml/2006/main" xmlns:r="http://schemas.openxmlformats.org/officeDocument/2006/relationships" xmlns:p="http://schemas.openxmlformats.org/presentationml/2006/main" showMasterSp="0">
+  <p:cSld>
+    <p:spTree>
+      <p:nvGrpSpPr>
+        <p:cNvPr id="1" name=""/>
+        <p:cNvGrpSpPr/>
+        <p:nvPr/>
+      </p:nvGrpSpPr>
+      <p:grpSpPr>
+        <a:xfrm>
+          <a:off x="0" y="0"/>
+          <a:ext cx="0" cy="0"/>
+          <a:chOff x="0" y="0"/>
+          <a:chExt cx="0" cy="0"/>
+        </a:xfrm>
+      </p:grpSpPr>
+      <p:pic>
+        <p:nvPicPr>
+          <p:cNvPr id="12" name="Segnaposto immagine 11" title="Grattacieli">
+            <a:extLst>
+              <a:ext uri="{FF2B5EF4-FFF2-40B4-BE49-F238E27FC236}">
+                <a16:creationId xmlns:a16="http://schemas.microsoft.com/office/drawing/2014/main" id="{6B070BD8-8610-4F64-A93A-41F46C39ECA6}"/>
+              </a:ext>
+            </a:extLst>
+          </p:cNvPr>
+          <p:cNvPicPr>
+            <a:picLocks noGrp="1" noChangeAspect="1"/>
+          </p:cNvPicPr>
+          <p:nvPr>
+            <p:ph type="pic" sz="quarter" idx="13"/>
+          </p:nvPr>
+        </p:nvPicPr>
+        <p:blipFill>
+          <a:blip r:embed="rId3"/>
+          <a:srcRect t="9408" b="9408"/>
+          <a:stretch>
+            <a:fillRect/>
+          </a:stretch>
+        </p:blipFill>
+        <p:spPr/>
+      </p:pic>
+      <p:sp>
+        <p:nvSpPr>
+          <p:cNvPr id="11" name="Titolo 10">
+            <a:extLst>
+              <a:ext uri="{FF2B5EF4-FFF2-40B4-BE49-F238E27FC236}">
+                <a16:creationId xmlns:a16="http://schemas.microsoft.com/office/drawing/2014/main" id="{69D4BCF2-C773-495F-A4D5-860FB6A2FA91}"/>
+              </a:ext>
+            </a:extLst>
+          </p:cNvPr>
+          <p:cNvSpPr>
+            <a:spLocks noGrp="1"/>
+          </p:cNvSpPr>
+          <p:nvPr>
+            <p:ph type="title"/>
+          </p:nvPr>
+        </p:nvSpPr>
+        <p:spPr/>
+        <p:txBody>
+          <a:bodyPr rtlCol="0"/>
+          <a:lstStyle/>
+          <a:p>
+            <a:pPr rtl="0"/>
+            <a:r>
+              <a:rPr lang="it-IT" dirty="0">
+                <a:solidFill>
+                  <a:schemeClr val="tx1"/>
+                </a:solidFill>
+              </a:rPr>
+              <a:t>Indice</a:t>
+            </a:r>
+            <a:endParaRPr lang="it-IT" b="0" dirty="0">
+              <a:solidFill>
+                <a:schemeClr val="tx1"/>
+              </a:solidFill>
+              <a:latin typeface="Calibri Light" panose="020F0302020204030204" pitchFamily="34" charset="0"/>
+              <a:cs typeface="Calibri Light" panose="020F0302020204030204" pitchFamily="34" charset="0"/>
+            </a:endParaRPr>
+          </a:p>
+        </p:txBody>
+      </p:sp>
+    </p:spTree>
+    <p:extLst>
+      <p:ext uri="{BB962C8B-B14F-4D97-AF65-F5344CB8AC3E}">
+        <p14:creationId xmlns:p14="http://schemas.microsoft.com/office/powerpoint/2010/main" val="2009224050"/>
+      </p:ext>
+    </p:extLst>
+  </p:cSld>
+  <p:clrMapOvr>
+    <a:masterClrMapping/>
+  </p:clrMapOvr>
+</p:sld>
+</file>
+
+<file path=ppt/slides/slide20.xml><?xml version="1.0" encoding="utf-8"?>
+<p:sld xmlns:a="http://schemas.openxmlformats.org/drawingml/2006/main" xmlns:r="http://schemas.openxmlformats.org/officeDocument/2006/relationships" xmlns:p="http://schemas.openxmlformats.org/presentationml/2006/main" showMasterSp="0">
+  <p:cSld>
+    <p:spTree>
+      <p:nvGrpSpPr>
+        <p:cNvPr id="1" name=""/>
+        <p:cNvGrpSpPr/>
+        <p:nvPr/>
+      </p:nvGrpSpPr>
+      <p:grpSpPr>
+        <a:xfrm>
+          <a:off x="0" y="0"/>
+          <a:ext cx="0" cy="0"/>
+          <a:chOff x="0" y="0"/>
+          <a:chExt cx="0" cy="0"/>
+        </a:xfrm>
+      </p:grpSpPr>
+      <p:sp>
+        <p:nvSpPr>
+          <p:cNvPr id="7" name="Segnaposto contenuto 6">
+            <a:extLst>
+              <a:ext uri="{FF2B5EF4-FFF2-40B4-BE49-F238E27FC236}">
+                <a16:creationId xmlns:a16="http://schemas.microsoft.com/office/drawing/2014/main" id="{2482DBEC-EE72-4155-ACC5-87E80C5606A9}"/>
+              </a:ext>
+            </a:extLst>
+          </p:cNvPr>
+          <p:cNvSpPr>
+            <a:spLocks noGrp="1"/>
+          </p:cNvSpPr>
+          <p:nvPr>
+            <p:ph idx="1"/>
+          </p:nvPr>
+        </p:nvSpPr>
+        <p:spPr>
+          <a:xfrm>
+            <a:off x="531378" y="3129540"/>
+            <a:ext cx="10307198" cy="2958275"/>
+          </a:xfrm>
+        </p:spPr>
+        <p:txBody>
+          <a:bodyPr rtlCol="0">
+            <a:normAutofit/>
+          </a:bodyPr>
+          <a:lstStyle/>
+          <a:p>
+            <a:endParaRPr lang="it-IT" i="1" dirty="0"/>
+          </a:p>
+          <a:p>
+            <a:endParaRPr lang="it-IT" i="1" dirty="0"/>
+          </a:p>
+        </p:txBody>
+      </p:sp>
+      <p:sp>
+        <p:nvSpPr>
+          <p:cNvPr id="9" name="Segnaposto testo 8">
+            <a:extLst>
+              <a:ext uri="{FF2B5EF4-FFF2-40B4-BE49-F238E27FC236}">
+                <a16:creationId xmlns:a16="http://schemas.microsoft.com/office/drawing/2014/main" id="{53469036-D1FB-4164-96AE-B6D8CECCFC96}"/>
+              </a:ext>
+            </a:extLst>
+          </p:cNvPr>
+          <p:cNvSpPr>
+            <a:spLocks noGrp="1"/>
+          </p:cNvSpPr>
+          <p:nvPr>
+            <p:ph type="body" sz="quarter" idx="13"/>
+          </p:nvPr>
+        </p:nvSpPr>
+        <p:spPr/>
+        <p:txBody>
+          <a:bodyPr rtlCol="0"/>
+          <a:lstStyle/>
+          <a:p>
+            <a:pPr rtl="0"/>
+            <a:r>
+              <a:rPr lang="it-IT" dirty="0"/>
+              <a:t>Pattern </a:t>
+            </a:r>
+            <a:r>
+              <a:rPr lang="it-IT" dirty="0" err="1"/>
+              <a:t>GoF</a:t>
+            </a:r>
+            <a:endParaRPr lang="it-IT" dirty="0"/>
+          </a:p>
+        </p:txBody>
+      </p:sp>
+      <p:sp>
+        <p:nvSpPr>
+          <p:cNvPr id="4" name="Titolo 3">
+            <a:extLst>
+              <a:ext uri="{FF2B5EF4-FFF2-40B4-BE49-F238E27FC236}">
+                <a16:creationId xmlns:a16="http://schemas.microsoft.com/office/drawing/2014/main" id="{1ABE11BF-33A5-4653-A144-CCCBACF58C30}"/>
+              </a:ext>
+            </a:extLst>
+          </p:cNvPr>
+          <p:cNvSpPr>
+            <a:spLocks noGrp="1"/>
+          </p:cNvSpPr>
+          <p:nvPr>
+            <p:ph type="title"/>
+          </p:nvPr>
+        </p:nvSpPr>
+        <p:spPr/>
+        <p:txBody>
+          <a:bodyPr rtlCol="0">
+            <a:normAutofit/>
+          </a:bodyPr>
+          <a:lstStyle/>
+          <a:p>
+            <a:r>
+              <a:rPr lang="it-IT" dirty="0"/>
+              <a:t>State</a:t>
+            </a:r>
+          </a:p>
+        </p:txBody>
+      </p:sp>
+      <p:sp>
+        <p:nvSpPr>
+          <p:cNvPr id="11" name="Segnaposto piè di pagina 10">
+            <a:extLst>
+              <a:ext uri="{FF2B5EF4-FFF2-40B4-BE49-F238E27FC236}">
+                <a16:creationId xmlns:a16="http://schemas.microsoft.com/office/drawing/2014/main" id="{47F4D2C2-B71A-4089-A3FE-603C32706CA6}"/>
+              </a:ext>
+            </a:extLst>
+          </p:cNvPr>
+          <p:cNvSpPr>
+            <a:spLocks noGrp="1"/>
+          </p:cNvSpPr>
+          <p:nvPr>
+            <p:ph type="ftr" sz="quarter" idx="14"/>
+          </p:nvPr>
+        </p:nvSpPr>
+        <p:spPr/>
+        <p:txBody>
+          <a:bodyPr rtlCol="0"/>
+          <a:lstStyle/>
+          <a:p>
+            <a:pPr rtl="0"/>
+            <a:r>
+              <a:rPr lang="it-IT" dirty="0"/>
+              <a:t>Aggiungere un piè di pagina</a:t>
+            </a:r>
+          </a:p>
+        </p:txBody>
+      </p:sp>
+      <p:sp>
+        <p:nvSpPr>
+          <p:cNvPr id="12" name="Segnaposto numero diapositiva 11">
+            <a:extLst>
+              <a:ext uri="{FF2B5EF4-FFF2-40B4-BE49-F238E27FC236}">
+                <a16:creationId xmlns:a16="http://schemas.microsoft.com/office/drawing/2014/main" id="{FBA1BB58-7555-4382-B178-7ED04E137E77}"/>
+              </a:ext>
+            </a:extLst>
+          </p:cNvPr>
+          <p:cNvSpPr>
+            <a:spLocks noGrp="1"/>
+          </p:cNvSpPr>
+          <p:nvPr>
+            <p:ph type="sldNum" sz="quarter" idx="15"/>
+          </p:nvPr>
+        </p:nvSpPr>
+        <p:spPr/>
+        <p:txBody>
+          <a:bodyPr rtlCol="0"/>
+          <a:lstStyle/>
+          <a:p>
+            <a:pPr rtl="0"/>
+            <a:fld id="{8699F50C-BE38-4BD0-BA84-9B090E1F2B9B}" type="slidenum">
+              <a:rPr lang="it-IT" smtClean="0"/>
+              <a:pPr rtl="0"/>
+              <a:t>20</a:t>
             </a:fld>
             <a:endParaRPr lang="it-IT" dirty="0"/>
           </a:p>
@@ -19891,102 +20447,7 @@
 </p:sld>
 </file>
 
-<file path=ppt/slides/slide2.xml><?xml version="1.0" encoding="utf-8"?>
-<p:sld xmlns:a="http://schemas.openxmlformats.org/drawingml/2006/main" xmlns:r="http://schemas.openxmlformats.org/officeDocument/2006/relationships" xmlns:p="http://schemas.openxmlformats.org/presentationml/2006/main" showMasterSp="0">
-  <p:cSld>
-    <p:spTree>
-      <p:nvGrpSpPr>
-        <p:cNvPr id="1" name=""/>
-        <p:cNvGrpSpPr/>
-        <p:nvPr/>
-      </p:nvGrpSpPr>
-      <p:grpSpPr>
-        <a:xfrm>
-          <a:off x="0" y="0"/>
-          <a:ext cx="0" cy="0"/>
-          <a:chOff x="0" y="0"/>
-          <a:chExt cx="0" cy="0"/>
-        </a:xfrm>
-      </p:grpSpPr>
-      <p:pic>
-        <p:nvPicPr>
-          <p:cNvPr id="12" name="Segnaposto immagine 11" title="Grattacieli">
-            <a:extLst>
-              <a:ext uri="{FF2B5EF4-FFF2-40B4-BE49-F238E27FC236}">
-                <a16:creationId xmlns:a16="http://schemas.microsoft.com/office/drawing/2014/main" id="{6B070BD8-8610-4F64-A93A-41F46C39ECA6}"/>
-              </a:ext>
-            </a:extLst>
-          </p:cNvPr>
-          <p:cNvPicPr>
-            <a:picLocks noGrp="1" noChangeAspect="1"/>
-          </p:cNvPicPr>
-          <p:nvPr>
-            <p:ph type="pic" sz="quarter" idx="13"/>
-          </p:nvPr>
-        </p:nvPicPr>
-        <p:blipFill>
-          <a:blip r:embed="rId3"/>
-          <a:srcRect t="9408" b="9408"/>
-          <a:stretch>
-            <a:fillRect/>
-          </a:stretch>
-        </p:blipFill>
-        <p:spPr/>
-      </p:pic>
-      <p:sp>
-        <p:nvSpPr>
-          <p:cNvPr id="11" name="Titolo 10">
-            <a:extLst>
-              <a:ext uri="{FF2B5EF4-FFF2-40B4-BE49-F238E27FC236}">
-                <a16:creationId xmlns:a16="http://schemas.microsoft.com/office/drawing/2014/main" id="{69D4BCF2-C773-495F-A4D5-860FB6A2FA91}"/>
-              </a:ext>
-            </a:extLst>
-          </p:cNvPr>
-          <p:cNvSpPr>
-            <a:spLocks noGrp="1"/>
-          </p:cNvSpPr>
-          <p:nvPr>
-            <p:ph type="title"/>
-          </p:nvPr>
-        </p:nvSpPr>
-        <p:spPr/>
-        <p:txBody>
-          <a:bodyPr rtlCol="0"/>
-          <a:lstStyle/>
-          <a:p>
-            <a:pPr rtl="0"/>
-            <a:r>
-              <a:rPr lang="it-IT" dirty="0">
-                <a:solidFill>
-                  <a:schemeClr val="tx1"/>
-                </a:solidFill>
-              </a:rPr>
-              <a:t>Indice</a:t>
-            </a:r>
-            <a:endParaRPr lang="it-IT" b="0" dirty="0">
-              <a:solidFill>
-                <a:schemeClr val="tx1"/>
-              </a:solidFill>
-              <a:latin typeface="Calibri Light" panose="020F0302020204030204" pitchFamily="34" charset="0"/>
-              <a:cs typeface="Calibri Light" panose="020F0302020204030204" pitchFamily="34" charset="0"/>
-            </a:endParaRPr>
-          </a:p>
-        </p:txBody>
-      </p:sp>
-    </p:spTree>
-    <p:extLst>
-      <p:ext uri="{BB962C8B-B14F-4D97-AF65-F5344CB8AC3E}">
-        <p14:creationId xmlns:p14="http://schemas.microsoft.com/office/powerpoint/2010/main" val="2009224050"/>
-      </p:ext>
-    </p:extLst>
-  </p:cSld>
-  <p:clrMapOvr>
-    <a:masterClrMapping/>
-  </p:clrMapOvr>
-</p:sld>
-</file>
-
-<file path=ppt/slides/slide20.xml><?xml version="1.0" encoding="utf-8"?>
+<file path=ppt/slides/slide21.xml><?xml version="1.0" encoding="utf-8"?>
 <p:sld xmlns:a="http://schemas.openxmlformats.org/drawingml/2006/main" xmlns:r="http://schemas.openxmlformats.org/officeDocument/2006/relationships" xmlns:p="http://schemas.openxmlformats.org/presentationml/2006/main" showMasterSp="0">
   <p:cSld>
     <p:bg>
@@ -20360,7 +20821,7 @@
             <a:fld id="{8699F50C-BE38-4BD0-BA84-9B090E1F2B9B}" type="slidenum">
               <a:rPr lang="it-IT" smtClean="0"/>
               <a:pPr rtl="0"/>
-              <a:t>20</a:t>
+              <a:t>21</a:t>
             </a:fld>
             <a:endParaRPr lang="it-IT" dirty="0"/>
           </a:p>
@@ -20412,7 +20873,7 @@
 </p:sld>
 </file>
 
-<file path=ppt/slides/slide21.xml><?xml version="1.0" encoding="utf-8"?>
+<file path=ppt/slides/slide22.xml><?xml version="1.0" encoding="utf-8"?>
 <p:sld xmlns:a="http://schemas.openxmlformats.org/drawingml/2006/main" xmlns:r="http://schemas.openxmlformats.org/officeDocument/2006/relationships" xmlns:p="http://schemas.openxmlformats.org/presentationml/2006/main" showMasterSp="0">
   <p:cSld>
     <p:spTree>
@@ -20641,7 +21102,7 @@
             <a:fld id="{8699F50C-BE38-4BD0-BA84-9B090E1F2B9B}" type="slidenum">
               <a:rPr lang="it-IT" smtClean="0"/>
               <a:pPr rtl="0"/>
-              <a:t>21</a:t>
+              <a:t>22</a:t>
             </a:fld>
             <a:endParaRPr lang="it-IT" dirty="0"/>
           </a:p>
@@ -20660,7 +21121,7 @@
 </p:sld>
 </file>
 
-<file path=ppt/slides/slide22.xml><?xml version="1.0" encoding="utf-8"?>
+<file path=ppt/slides/slide23.xml><?xml version="1.0" encoding="utf-8"?>
 <p:sld xmlns:a="http://schemas.openxmlformats.org/drawingml/2006/main" xmlns:r="http://schemas.openxmlformats.org/officeDocument/2006/relationships" xmlns:p="http://schemas.openxmlformats.org/presentationml/2006/main" showMasterSp="0">
   <p:cSld>
     <p:bg>
@@ -21080,7 +21541,7 @@
             <a:fld id="{8699F50C-BE38-4BD0-BA84-9B090E1F2B9B}" type="slidenum">
               <a:rPr lang="it-IT" smtClean="0"/>
               <a:pPr rtl="0"/>
-              <a:t>22</a:t>
+              <a:t>23</a:t>
             </a:fld>
             <a:endParaRPr lang="it-IT" dirty="0"/>
           </a:p>
@@ -23814,4 +24275,47 @@
     </a:folHlink>
   </a:clrScheme>
 </a:themeOverride>
+</file>
+
+<file path=ppt/theme/themeOverride4.xml><?xml version="1.0" encoding="utf-8"?>
+<a:themeOverride xmlns:a="http://schemas.openxmlformats.org/drawingml/2006/main">
+  <a:clrScheme name="Office">
+    <a:dk1>
+      <a:sysClr val="windowText" lastClr="000000"/>
+    </a:dk1>
+    <a:lt1>
+      <a:sysClr val="window" lastClr="FFFFFF"/>
+    </a:lt1>
+    <a:dk2>
+      <a:srgbClr val="44546A"/>
+    </a:dk2>
+    <a:lt2>
+      <a:srgbClr val="E7E6E6"/>
+    </a:lt2>
+    <a:accent1>
+      <a:srgbClr val="4472C4"/>
+    </a:accent1>
+    <a:accent2>
+      <a:srgbClr val="ED7D31"/>
+    </a:accent2>
+    <a:accent3>
+      <a:srgbClr val="A5A5A5"/>
+    </a:accent3>
+    <a:accent4>
+      <a:srgbClr val="FFC000"/>
+    </a:accent4>
+    <a:accent5>
+      <a:srgbClr val="5B9BD5"/>
+    </a:accent5>
+    <a:accent6>
+      <a:srgbClr val="70AD47"/>
+    </a:accent6>
+    <a:hlink>
+      <a:srgbClr val="0563C1"/>
+    </a:hlink>
+    <a:folHlink>
+      <a:srgbClr val="954F72"/>
+    </a:folHlink>
+  </a:clrScheme>
+</a:themeOverride>
 </file>
--- a/Progetto Ingegneria SW.pptx
+++ b/Progetto Ingegneria SW.pptx
@@ -5,10 +5,10 @@
     <p:sldMasterId id="2147483756" r:id="rId1"/>
   </p:sldMasterIdLst>
   <p:notesMasterIdLst>
-    <p:notesMasterId r:id="rId25"/>
+    <p:notesMasterId r:id="rId27"/>
   </p:notesMasterIdLst>
   <p:handoutMasterIdLst>
-    <p:handoutMasterId r:id="rId26"/>
+    <p:handoutMasterId r:id="rId28"/>
   </p:handoutMasterIdLst>
   <p:sldIdLst>
     <p:sldId id="256" r:id="rId2"/>
@@ -32,8 +32,10 @@
     <p:sldId id="283" r:id="rId20"/>
     <p:sldId id="289" r:id="rId21"/>
     <p:sldId id="288" r:id="rId22"/>
-    <p:sldId id="290" r:id="rId23"/>
-    <p:sldId id="291" r:id="rId24"/>
+    <p:sldId id="293" r:id="rId23"/>
+    <p:sldId id="290" r:id="rId24"/>
+    <p:sldId id="294" r:id="rId25"/>
+    <p:sldId id="291" r:id="rId26"/>
   </p:sldIdLst>
   <p:sldSz cx="12192000" cy="6858000"/>
   <p:notesSz cx="6858000" cy="9144000"/>
@@ -255,7 +257,7 @@
             <a:pPr rtl="0"/>
             <a:fld id="{BEFBFAFD-B367-4FDC-8BD6-0ED3AC1E8171}" type="datetime1">
               <a:rPr lang="it-IT" smtClean="0"/>
-              <a:t>22/06/2019</a:t>
+              <a:t>23/06/2019</a:t>
             </a:fld>
             <a:endParaRPr lang="it-IT" dirty="0"/>
           </a:p>
@@ -437,7 +439,7 @@
             <a:fld id="{358ABC55-7EA4-4B04-948D-8B6AA303BF20}" type="datetime1">
               <a:rPr lang="it-IT" noProof="0" smtClean="0"/>
               <a:pPr/>
-              <a:t>22/06/2019</a:t>
+              <a:t>23/06/2019</a:t>
             </a:fld>
             <a:endParaRPr lang="it-IT" noProof="0" dirty="0"/>
           </a:p>
@@ -1988,7 +1990,7 @@
     </p:spTree>
     <p:extLst>
       <p:ext uri="{BB962C8B-B14F-4D97-AF65-F5344CB8AC3E}">
-        <p14:creationId xmlns:p14="http://schemas.microsoft.com/office/powerpoint/2010/main" val="3774857302"/>
+        <p14:creationId xmlns:p14="http://schemas.microsoft.com/office/powerpoint/2010/main" val="4290440048"/>
       </p:ext>
     </p:extLst>
   </p:cSld>
@@ -2066,6 +2068,178 @@
             <a:fld id="{79230CFA-805A-4FD3-B3A0-DAAA5993DA17}" type="slidenum">
               <a:rPr lang="it-IT" smtClean="0"/>
               <a:t>23</a:t>
+            </a:fld>
+            <a:endParaRPr lang="it-IT" dirty="0"/>
+          </a:p>
+        </p:txBody>
+      </p:sp>
+    </p:spTree>
+    <p:extLst>
+      <p:ext uri="{BB962C8B-B14F-4D97-AF65-F5344CB8AC3E}">
+        <p14:creationId xmlns:p14="http://schemas.microsoft.com/office/powerpoint/2010/main" val="3774857302"/>
+      </p:ext>
+    </p:extLst>
+  </p:cSld>
+  <p:clrMapOvr>
+    <a:masterClrMapping/>
+  </p:clrMapOvr>
+</p:notes>
+</file>
+
+<file path=ppt/notesSlides/notesSlide24.xml><?xml version="1.0" encoding="utf-8"?>
+<p:notes xmlns:a="http://schemas.openxmlformats.org/drawingml/2006/main" xmlns:r="http://schemas.openxmlformats.org/officeDocument/2006/relationships" xmlns:p="http://schemas.openxmlformats.org/presentationml/2006/main">
+  <p:cSld>
+    <p:spTree>
+      <p:nvGrpSpPr>
+        <p:cNvPr id="1" name=""/>
+        <p:cNvGrpSpPr/>
+        <p:nvPr/>
+      </p:nvGrpSpPr>
+      <p:grpSpPr>
+        <a:xfrm>
+          <a:off x="0" y="0"/>
+          <a:ext cx="0" cy="0"/>
+          <a:chOff x="0" y="0"/>
+          <a:chExt cx="0" cy="0"/>
+        </a:xfrm>
+      </p:grpSpPr>
+      <p:sp>
+        <p:nvSpPr>
+          <p:cNvPr id="2" name="Segnaposto immagine diapositiva 1"/>
+          <p:cNvSpPr>
+            <a:spLocks noGrp="1" noRot="1" noChangeAspect="1"/>
+          </p:cNvSpPr>
+          <p:nvPr>
+            <p:ph type="sldImg"/>
+          </p:nvPr>
+        </p:nvSpPr>
+        <p:spPr/>
+      </p:sp>
+      <p:sp>
+        <p:nvSpPr>
+          <p:cNvPr id="3" name="Segnaposto note 2"/>
+          <p:cNvSpPr>
+            <a:spLocks noGrp="1"/>
+          </p:cNvSpPr>
+          <p:nvPr>
+            <p:ph type="body" idx="1"/>
+          </p:nvPr>
+        </p:nvSpPr>
+        <p:spPr/>
+        <p:txBody>
+          <a:bodyPr rtlCol="0"/>
+          <a:lstStyle/>
+          <a:p>
+            <a:pPr rtl="0"/>
+            <a:endParaRPr lang="it-IT" dirty="0"/>
+          </a:p>
+        </p:txBody>
+      </p:sp>
+      <p:sp>
+        <p:nvSpPr>
+          <p:cNvPr id="4" name="Segnaposto numero diapositiva 3"/>
+          <p:cNvSpPr>
+            <a:spLocks noGrp="1"/>
+          </p:cNvSpPr>
+          <p:nvPr>
+            <p:ph type="sldNum" sz="quarter" idx="5"/>
+          </p:nvPr>
+        </p:nvSpPr>
+        <p:spPr/>
+        <p:txBody>
+          <a:bodyPr rtlCol="0"/>
+          <a:lstStyle/>
+          <a:p>
+            <a:pPr rtl="0"/>
+            <a:fld id="{79230CFA-805A-4FD3-B3A0-DAAA5993DA17}" type="slidenum">
+              <a:rPr lang="it-IT" smtClean="0"/>
+              <a:t>24</a:t>
+            </a:fld>
+            <a:endParaRPr lang="it-IT" dirty="0"/>
+          </a:p>
+        </p:txBody>
+      </p:sp>
+    </p:spTree>
+    <p:extLst>
+      <p:ext uri="{BB962C8B-B14F-4D97-AF65-F5344CB8AC3E}">
+        <p14:creationId xmlns:p14="http://schemas.microsoft.com/office/powerpoint/2010/main" val="293558414"/>
+      </p:ext>
+    </p:extLst>
+  </p:cSld>
+  <p:clrMapOvr>
+    <a:masterClrMapping/>
+  </p:clrMapOvr>
+</p:notes>
+</file>
+
+<file path=ppt/notesSlides/notesSlide25.xml><?xml version="1.0" encoding="utf-8"?>
+<p:notes xmlns:a="http://schemas.openxmlformats.org/drawingml/2006/main" xmlns:r="http://schemas.openxmlformats.org/officeDocument/2006/relationships" xmlns:p="http://schemas.openxmlformats.org/presentationml/2006/main">
+  <p:cSld>
+    <p:spTree>
+      <p:nvGrpSpPr>
+        <p:cNvPr id="1" name=""/>
+        <p:cNvGrpSpPr/>
+        <p:nvPr/>
+      </p:nvGrpSpPr>
+      <p:grpSpPr>
+        <a:xfrm>
+          <a:off x="0" y="0"/>
+          <a:ext cx="0" cy="0"/>
+          <a:chOff x="0" y="0"/>
+          <a:chExt cx="0" cy="0"/>
+        </a:xfrm>
+      </p:grpSpPr>
+      <p:sp>
+        <p:nvSpPr>
+          <p:cNvPr id="2" name="Segnaposto immagine diapositiva 1"/>
+          <p:cNvSpPr>
+            <a:spLocks noGrp="1" noRot="1" noChangeAspect="1"/>
+          </p:cNvSpPr>
+          <p:nvPr>
+            <p:ph type="sldImg"/>
+          </p:nvPr>
+        </p:nvSpPr>
+        <p:spPr/>
+      </p:sp>
+      <p:sp>
+        <p:nvSpPr>
+          <p:cNvPr id="3" name="Segnaposto note 2"/>
+          <p:cNvSpPr>
+            <a:spLocks noGrp="1"/>
+          </p:cNvSpPr>
+          <p:nvPr>
+            <p:ph type="body" idx="1"/>
+          </p:nvPr>
+        </p:nvSpPr>
+        <p:spPr/>
+        <p:txBody>
+          <a:bodyPr rtlCol="0"/>
+          <a:lstStyle/>
+          <a:p>
+            <a:pPr rtl="0"/>
+            <a:endParaRPr lang="it-IT" dirty="0"/>
+          </a:p>
+        </p:txBody>
+      </p:sp>
+      <p:sp>
+        <p:nvSpPr>
+          <p:cNvPr id="4" name="Segnaposto numero diapositiva 3"/>
+          <p:cNvSpPr>
+            <a:spLocks noGrp="1"/>
+          </p:cNvSpPr>
+          <p:nvPr>
+            <p:ph type="sldNum" sz="quarter" idx="5"/>
+          </p:nvPr>
+        </p:nvSpPr>
+        <p:spPr/>
+        <p:txBody>
+          <a:bodyPr rtlCol="0"/>
+          <a:lstStyle/>
+          <a:p>
+            <a:pPr rtl="0"/>
+            <a:fld id="{79230CFA-805A-4FD3-B3A0-DAAA5993DA17}" type="slidenum">
+              <a:rPr lang="it-IT" smtClean="0"/>
+              <a:t>25</a:t>
             </a:fld>
             <a:endParaRPr lang="it-IT" dirty="0"/>
           </a:p>
@@ -2833,7 +3007,7 @@
           <a:p>
             <a:fld id="{D2C95273-7EA1-449B-9AF4-4A92A4F80372}" type="datetimeFigureOut">
               <a:rPr lang="it-IT" smtClean="0"/>
-              <a:t>22/06/2019</a:t>
+              <a:t>23/06/2019</a:t>
             </a:fld>
             <a:endParaRPr lang="it-IT"/>
           </a:p>
@@ -3271,7 +3445,7 @@
           <a:p>
             <a:fld id="{D2C95273-7EA1-449B-9AF4-4A92A4F80372}" type="datetimeFigureOut">
               <a:rPr lang="it-IT" smtClean="0"/>
-              <a:t>22/06/2019</a:t>
+              <a:t>23/06/2019</a:t>
             </a:fld>
             <a:endParaRPr lang="it-IT"/>
           </a:p>
@@ -3487,7 +3661,7 @@
           <a:p>
             <a:fld id="{D2C95273-7EA1-449B-9AF4-4A92A4F80372}" type="datetimeFigureOut">
               <a:rPr lang="it-IT" smtClean="0"/>
-              <a:t>22/06/2019</a:t>
+              <a:t>23/06/2019</a:t>
             </a:fld>
             <a:endParaRPr lang="it-IT"/>
           </a:p>
@@ -8758,7 +8932,7 @@
           <a:p>
             <a:fld id="{D2C95273-7EA1-449B-9AF4-4A92A4F80372}" type="datetimeFigureOut">
               <a:rPr lang="it-IT" smtClean="0"/>
-              <a:t>22/06/2019</a:t>
+              <a:t>23/06/2019</a:t>
             </a:fld>
             <a:endParaRPr lang="it-IT"/>
           </a:p>
@@ -13049,7 +13223,7 @@
           <a:p>
             <a:fld id="{D2C95273-7EA1-449B-9AF4-4A92A4F80372}" type="datetimeFigureOut">
               <a:rPr lang="it-IT" smtClean="0"/>
-              <a:t>22/06/2019</a:t>
+              <a:t>23/06/2019</a:t>
             </a:fld>
             <a:endParaRPr lang="it-IT"/>
           </a:p>
@@ -13766,7 +13940,7 @@
           <a:p>
             <a:fld id="{D2C95273-7EA1-449B-9AF4-4A92A4F80372}" type="datetimeFigureOut">
               <a:rPr lang="it-IT" smtClean="0"/>
-              <a:t>22/06/2019</a:t>
+              <a:t>23/06/2019</a:t>
             </a:fld>
             <a:endParaRPr lang="it-IT"/>
           </a:p>
@@ -14562,7 +14736,7 @@
           <a:p>
             <a:fld id="{D2C95273-7EA1-449B-9AF4-4A92A4F80372}" type="datetimeFigureOut">
               <a:rPr lang="it-IT" smtClean="0"/>
-              <a:t>22/06/2019</a:t>
+              <a:t>23/06/2019</a:t>
             </a:fld>
             <a:endParaRPr lang="it-IT"/>
           </a:p>
@@ -15087,7 +15261,7 @@
           <a:p>
             <a:fld id="{D2C95273-7EA1-449B-9AF4-4A92A4F80372}" type="datetimeFigureOut">
               <a:rPr lang="it-IT" smtClean="0"/>
-              <a:t>22/06/2019</a:t>
+              <a:t>23/06/2019</a:t>
             </a:fld>
             <a:endParaRPr lang="it-IT"/>
           </a:p>
@@ -15541,7 +15715,7 @@
           <a:p>
             <a:fld id="{D2C95273-7EA1-449B-9AF4-4A92A4F80372}" type="datetimeFigureOut">
               <a:rPr lang="it-IT" smtClean="0"/>
-              <a:t>22/06/2019</a:t>
+              <a:t>23/06/2019</a:t>
             </a:fld>
             <a:endParaRPr lang="it-IT"/>
           </a:p>
@@ -15860,7 +16034,7 @@
           <a:p>
             <a:fld id="{D2C95273-7EA1-449B-9AF4-4A92A4F80372}" type="datetimeFigureOut">
               <a:rPr lang="it-IT" smtClean="0"/>
-              <a:t>22/06/2019</a:t>
+              <a:t>23/06/2019</a:t>
             </a:fld>
             <a:endParaRPr lang="it-IT"/>
           </a:p>
@@ -16388,7 +16562,7 @@
           <a:p>
             <a:fld id="{D2C95273-7EA1-449B-9AF4-4A92A4F80372}" type="datetimeFigureOut">
               <a:rPr lang="it-IT" smtClean="0"/>
-              <a:t>22/06/2019</a:t>
+              <a:t>23/06/2019</a:t>
             </a:fld>
             <a:endParaRPr lang="it-IT"/>
           </a:p>
@@ -16869,7 +17043,7 @@
           <a:p>
             <a:fld id="{D2C95273-7EA1-449B-9AF4-4A92A4F80372}" type="datetimeFigureOut">
               <a:rPr lang="it-IT" smtClean="0"/>
-              <a:t>22/06/2019</a:t>
+              <a:t>23/06/2019</a:t>
             </a:fld>
             <a:endParaRPr lang="it-IT"/>
           </a:p>
@@ -20021,13 +20195,8 @@
             <a:pPr rtl="0"/>
             <a:r>
               <a:rPr lang="it-IT" dirty="0"/>
-              <a:t>Pattern </a:t>
-            </a:r>
-            <a:r>
-              <a:rPr lang="it-IT" dirty="0" err="1"/>
-              <a:t>GoF</a:t>
-            </a:r>
-            <a:endParaRPr lang="it-IT" dirty="0"/>
+              <a:t>Pattern GoF</a:t>
+            </a:r>
           </a:p>
         </p:txBody>
       </p:sp>
@@ -20305,13 +20474,8 @@
             <a:pPr rtl="0"/>
             <a:r>
               <a:rPr lang="it-IT" dirty="0"/>
-              <a:t>Pattern </a:t>
-            </a:r>
-            <a:r>
-              <a:rPr lang="it-IT" dirty="0" err="1"/>
-              <a:t>GoF</a:t>
-            </a:r>
-            <a:endParaRPr lang="it-IT" dirty="0"/>
+              <a:t>Pattern GoF</a:t>
+            </a:r>
           </a:p>
         </p:txBody>
       </p:sp>
@@ -20920,6 +21084,222 @@
           <a:p>
             <a:r>
               <a:rPr lang="it-IT" dirty="0"/>
+              <a:t>Il pattern Strategy consente di risolve quei problemi per cui è necessario gestire un insieme di algoritmi intercambiabili ma correlati</a:t>
+            </a:r>
+            <a:endParaRPr lang="it-IT" dirty="0">
+              <a:solidFill>
+                <a:srgbClr val="FF0000"/>
+              </a:solidFill>
+            </a:endParaRPr>
+          </a:p>
+          <a:p>
+            <a:r>
+              <a:rPr lang="it-IT" dirty="0"/>
+              <a:t>La </a:t>
+            </a:r>
+            <a:r>
+              <a:rPr lang="it-IT" dirty="0">
+                <a:solidFill>
+                  <a:schemeClr val="accent6"/>
+                </a:solidFill>
+              </a:rPr>
+              <a:t>soluzione</a:t>
+            </a:r>
+            <a:r>
+              <a:rPr lang="it-IT" dirty="0"/>
+              <a:t> è creare, per ogni algoritmo, una classe ognuna delle quali implementa una classe comune</a:t>
+            </a:r>
+          </a:p>
+          <a:p>
+            <a:pPr marL="0" indent="0">
+              <a:buNone/>
+            </a:pPr>
+            <a:endParaRPr lang="it-IT" i="1" dirty="0"/>
+          </a:p>
+          <a:p>
+            <a:endParaRPr lang="it-IT" i="1" dirty="0"/>
+          </a:p>
+        </p:txBody>
+      </p:sp>
+      <p:sp>
+        <p:nvSpPr>
+          <p:cNvPr id="9" name="Segnaposto testo 8">
+            <a:extLst>
+              <a:ext uri="{FF2B5EF4-FFF2-40B4-BE49-F238E27FC236}">
+                <a16:creationId xmlns:a16="http://schemas.microsoft.com/office/drawing/2014/main" id="{53469036-D1FB-4164-96AE-B6D8CECCFC96}"/>
+              </a:ext>
+            </a:extLst>
+          </p:cNvPr>
+          <p:cNvSpPr>
+            <a:spLocks noGrp="1"/>
+          </p:cNvSpPr>
+          <p:nvPr>
+            <p:ph type="body" sz="quarter" idx="13"/>
+          </p:nvPr>
+        </p:nvSpPr>
+        <p:spPr/>
+        <p:txBody>
+          <a:bodyPr rtlCol="0"/>
+          <a:lstStyle/>
+          <a:p>
+            <a:pPr rtl="0"/>
+            <a:r>
+              <a:rPr lang="it-IT" dirty="0"/>
+              <a:t>Pattern GoF</a:t>
+            </a:r>
+          </a:p>
+        </p:txBody>
+      </p:sp>
+      <p:sp>
+        <p:nvSpPr>
+          <p:cNvPr id="4" name="Titolo 3">
+            <a:extLst>
+              <a:ext uri="{FF2B5EF4-FFF2-40B4-BE49-F238E27FC236}">
+                <a16:creationId xmlns:a16="http://schemas.microsoft.com/office/drawing/2014/main" id="{1ABE11BF-33A5-4653-A144-CCCBACF58C30}"/>
+              </a:ext>
+            </a:extLst>
+          </p:cNvPr>
+          <p:cNvSpPr>
+            <a:spLocks noGrp="1"/>
+          </p:cNvSpPr>
+          <p:nvPr>
+            <p:ph type="title"/>
+          </p:nvPr>
+        </p:nvSpPr>
+        <p:spPr/>
+        <p:txBody>
+          <a:bodyPr rtlCol="0">
+            <a:normAutofit/>
+          </a:bodyPr>
+          <a:lstStyle/>
+          <a:p>
+            <a:r>
+              <a:rPr lang="it-IT" dirty="0"/>
+              <a:t>Strategy</a:t>
+            </a:r>
+          </a:p>
+        </p:txBody>
+      </p:sp>
+      <p:sp>
+        <p:nvSpPr>
+          <p:cNvPr id="11" name="Segnaposto piè di pagina 10">
+            <a:extLst>
+              <a:ext uri="{FF2B5EF4-FFF2-40B4-BE49-F238E27FC236}">
+                <a16:creationId xmlns:a16="http://schemas.microsoft.com/office/drawing/2014/main" id="{47F4D2C2-B71A-4089-A3FE-603C32706CA6}"/>
+              </a:ext>
+            </a:extLst>
+          </p:cNvPr>
+          <p:cNvSpPr>
+            <a:spLocks noGrp="1"/>
+          </p:cNvSpPr>
+          <p:nvPr>
+            <p:ph type="ftr" sz="quarter" idx="14"/>
+          </p:nvPr>
+        </p:nvSpPr>
+        <p:spPr/>
+        <p:txBody>
+          <a:bodyPr rtlCol="0"/>
+          <a:lstStyle/>
+          <a:p>
+            <a:pPr rtl="0"/>
+            <a:r>
+              <a:rPr lang="it-IT" dirty="0"/>
+              <a:t>Aggiungere un piè di pagina</a:t>
+            </a:r>
+          </a:p>
+        </p:txBody>
+      </p:sp>
+      <p:sp>
+        <p:nvSpPr>
+          <p:cNvPr id="12" name="Segnaposto numero diapositiva 11">
+            <a:extLst>
+              <a:ext uri="{FF2B5EF4-FFF2-40B4-BE49-F238E27FC236}">
+                <a16:creationId xmlns:a16="http://schemas.microsoft.com/office/drawing/2014/main" id="{FBA1BB58-7555-4382-B178-7ED04E137E77}"/>
+              </a:ext>
+            </a:extLst>
+          </p:cNvPr>
+          <p:cNvSpPr>
+            <a:spLocks noGrp="1"/>
+          </p:cNvSpPr>
+          <p:nvPr>
+            <p:ph type="sldNum" sz="quarter" idx="15"/>
+          </p:nvPr>
+        </p:nvSpPr>
+        <p:spPr/>
+        <p:txBody>
+          <a:bodyPr rtlCol="0"/>
+          <a:lstStyle/>
+          <a:p>
+            <a:pPr rtl="0"/>
+            <a:fld id="{8699F50C-BE38-4BD0-BA84-9B090E1F2B9B}" type="slidenum">
+              <a:rPr lang="it-IT" smtClean="0"/>
+              <a:pPr rtl="0"/>
+              <a:t>22</a:t>
+            </a:fld>
+            <a:endParaRPr lang="it-IT" dirty="0"/>
+          </a:p>
+        </p:txBody>
+      </p:sp>
+    </p:spTree>
+    <p:extLst>
+      <p:ext uri="{BB962C8B-B14F-4D97-AF65-F5344CB8AC3E}">
+        <p14:creationId xmlns:p14="http://schemas.microsoft.com/office/powerpoint/2010/main" val="3814687290"/>
+      </p:ext>
+    </p:extLst>
+  </p:cSld>
+  <p:clrMapOvr>
+    <a:masterClrMapping/>
+  </p:clrMapOvr>
+</p:sld>
+</file>
+
+<file path=ppt/slides/slide23.xml><?xml version="1.0" encoding="utf-8"?>
+<p:sld xmlns:a="http://schemas.openxmlformats.org/drawingml/2006/main" xmlns:r="http://schemas.openxmlformats.org/officeDocument/2006/relationships" xmlns:p="http://schemas.openxmlformats.org/presentationml/2006/main" showMasterSp="0">
+  <p:cSld>
+    <p:spTree>
+      <p:nvGrpSpPr>
+        <p:cNvPr id="1" name=""/>
+        <p:cNvGrpSpPr/>
+        <p:nvPr/>
+      </p:nvGrpSpPr>
+      <p:grpSpPr>
+        <a:xfrm>
+          <a:off x="0" y="0"/>
+          <a:ext cx="0" cy="0"/>
+          <a:chOff x="0" y="0"/>
+          <a:chExt cx="0" cy="0"/>
+        </a:xfrm>
+      </p:grpSpPr>
+      <p:sp>
+        <p:nvSpPr>
+          <p:cNvPr id="7" name="Segnaposto contenuto 6">
+            <a:extLst>
+              <a:ext uri="{FF2B5EF4-FFF2-40B4-BE49-F238E27FC236}">
+                <a16:creationId xmlns:a16="http://schemas.microsoft.com/office/drawing/2014/main" id="{2482DBEC-EE72-4155-ACC5-87E80C5606A9}"/>
+              </a:ext>
+            </a:extLst>
+          </p:cNvPr>
+          <p:cNvSpPr>
+            <a:spLocks noGrp="1"/>
+          </p:cNvSpPr>
+          <p:nvPr>
+            <p:ph idx="1"/>
+          </p:nvPr>
+        </p:nvSpPr>
+        <p:spPr>
+          <a:xfrm>
+            <a:off x="531378" y="3129540"/>
+            <a:ext cx="10307198" cy="2958275"/>
+          </a:xfrm>
+        </p:spPr>
+        <p:txBody>
+          <a:bodyPr rtlCol="0">
+            <a:normAutofit/>
+          </a:bodyPr>
+          <a:lstStyle/>
+          <a:p>
+            <a:r>
+              <a:rPr lang="it-IT" dirty="0"/>
               <a:t>Avevamo diversi comandi disponibili all’utente, comandi però </a:t>
             </a:r>
             <a:r>
@@ -20932,11 +21312,7 @@
             </a:r>
             <a:r>
               <a:rPr lang="it-IT" dirty="0"/>
-              <a:t> e tutti raggruppati in un </a:t>
-            </a:r>
-            <a:r>
-              <a:rPr lang="it-IT" dirty="0" err="1"/>
-              <a:t>Enum</a:t>
+              <a:t> e tutti raggruppati in un Enum</a:t>
             </a:r>
             <a:endParaRPr lang="it-IT" dirty="0">
               <a:solidFill>
@@ -21008,13 +21384,8 @@
             <a:pPr rtl="0"/>
             <a:r>
               <a:rPr lang="it-IT" dirty="0"/>
-              <a:t>Pattern </a:t>
-            </a:r>
-            <a:r>
-              <a:rPr lang="it-IT" dirty="0" err="1"/>
-              <a:t>GoF</a:t>
-            </a:r>
-            <a:endParaRPr lang="it-IT" dirty="0"/>
+              <a:t>Pattern GoF</a:t>
+            </a:r>
           </a:p>
         </p:txBody>
       </p:sp>
@@ -21102,7 +21473,7 @@
             <a:fld id="{8699F50C-BE38-4BD0-BA84-9B090E1F2B9B}" type="slidenum">
               <a:rPr lang="it-IT" smtClean="0"/>
               <a:pPr rtl="0"/>
-              <a:t>22</a:t>
+              <a:t>23</a:t>
             </a:fld>
             <a:endParaRPr lang="it-IT" dirty="0"/>
           </a:p>
@@ -21121,7 +21492,221 @@
 </p:sld>
 </file>
 
-<file path=ppt/slides/slide23.xml><?xml version="1.0" encoding="utf-8"?>
+<file path=ppt/slides/slide24.xml><?xml version="1.0" encoding="utf-8"?>
+<p:sld xmlns:a="http://schemas.openxmlformats.org/drawingml/2006/main" xmlns:r="http://schemas.openxmlformats.org/officeDocument/2006/relationships" xmlns:p="http://schemas.openxmlformats.org/presentationml/2006/main" showMasterSp="0">
+  <p:cSld>
+    <p:spTree>
+      <p:nvGrpSpPr>
+        <p:cNvPr id="1" name=""/>
+        <p:cNvGrpSpPr/>
+        <p:nvPr/>
+      </p:nvGrpSpPr>
+      <p:grpSpPr>
+        <a:xfrm>
+          <a:off x="0" y="0"/>
+          <a:ext cx="0" cy="0"/>
+          <a:chOff x="0" y="0"/>
+          <a:chExt cx="0" cy="0"/>
+        </a:xfrm>
+      </p:grpSpPr>
+      <p:sp>
+        <p:nvSpPr>
+          <p:cNvPr id="7" name="Segnaposto contenuto 6">
+            <a:extLst>
+              <a:ext uri="{FF2B5EF4-FFF2-40B4-BE49-F238E27FC236}">
+                <a16:creationId xmlns:a16="http://schemas.microsoft.com/office/drawing/2014/main" id="{2482DBEC-EE72-4155-ACC5-87E80C5606A9}"/>
+              </a:ext>
+            </a:extLst>
+          </p:cNvPr>
+          <p:cNvSpPr>
+            <a:spLocks noGrp="1"/>
+          </p:cNvSpPr>
+          <p:nvPr>
+            <p:ph idx="1"/>
+          </p:nvPr>
+        </p:nvSpPr>
+        <p:spPr>
+          <a:xfrm>
+            <a:off x="531378" y="3129540"/>
+            <a:ext cx="10307198" cy="2958275"/>
+          </a:xfrm>
+        </p:spPr>
+        <p:txBody>
+          <a:bodyPr rtlCol="0">
+            <a:normAutofit/>
+          </a:bodyPr>
+          <a:lstStyle/>
+          <a:p>
+            <a:endParaRPr lang="it-IT" i="1" dirty="0"/>
+          </a:p>
+          <a:p>
+            <a:endParaRPr lang="it-IT" i="1" dirty="0"/>
+          </a:p>
+        </p:txBody>
+      </p:sp>
+      <p:sp>
+        <p:nvSpPr>
+          <p:cNvPr id="9" name="Segnaposto testo 8">
+            <a:extLst>
+              <a:ext uri="{FF2B5EF4-FFF2-40B4-BE49-F238E27FC236}">
+                <a16:creationId xmlns:a16="http://schemas.microsoft.com/office/drawing/2014/main" id="{53469036-D1FB-4164-96AE-B6D8CECCFC96}"/>
+              </a:ext>
+            </a:extLst>
+          </p:cNvPr>
+          <p:cNvSpPr>
+            <a:spLocks noGrp="1"/>
+          </p:cNvSpPr>
+          <p:nvPr>
+            <p:ph type="body" sz="quarter" idx="13"/>
+          </p:nvPr>
+        </p:nvSpPr>
+        <p:spPr/>
+        <p:txBody>
+          <a:bodyPr rtlCol="0"/>
+          <a:lstStyle/>
+          <a:p>
+            <a:pPr rtl="0"/>
+            <a:r>
+              <a:rPr lang="it-IT" dirty="0"/>
+              <a:t>Pattern GoF</a:t>
+            </a:r>
+          </a:p>
+        </p:txBody>
+      </p:sp>
+      <p:sp>
+        <p:nvSpPr>
+          <p:cNvPr id="4" name="Titolo 3">
+            <a:extLst>
+              <a:ext uri="{FF2B5EF4-FFF2-40B4-BE49-F238E27FC236}">
+                <a16:creationId xmlns:a16="http://schemas.microsoft.com/office/drawing/2014/main" id="{1ABE11BF-33A5-4653-A144-CCCBACF58C30}"/>
+              </a:ext>
+            </a:extLst>
+          </p:cNvPr>
+          <p:cNvSpPr>
+            <a:spLocks noGrp="1"/>
+          </p:cNvSpPr>
+          <p:nvPr>
+            <p:ph type="title"/>
+          </p:nvPr>
+        </p:nvSpPr>
+        <p:spPr/>
+        <p:txBody>
+          <a:bodyPr rtlCol="0">
+            <a:normAutofit/>
+          </a:bodyPr>
+          <a:lstStyle/>
+          <a:p>
+            <a:r>
+              <a:rPr lang="it-IT" dirty="0"/>
+              <a:t>Strategy</a:t>
+            </a:r>
+          </a:p>
+        </p:txBody>
+      </p:sp>
+      <p:sp>
+        <p:nvSpPr>
+          <p:cNvPr id="11" name="Segnaposto piè di pagina 10">
+            <a:extLst>
+              <a:ext uri="{FF2B5EF4-FFF2-40B4-BE49-F238E27FC236}">
+                <a16:creationId xmlns:a16="http://schemas.microsoft.com/office/drawing/2014/main" id="{47F4D2C2-B71A-4089-A3FE-603C32706CA6}"/>
+              </a:ext>
+            </a:extLst>
+          </p:cNvPr>
+          <p:cNvSpPr>
+            <a:spLocks noGrp="1"/>
+          </p:cNvSpPr>
+          <p:nvPr>
+            <p:ph type="ftr" sz="quarter" idx="14"/>
+          </p:nvPr>
+        </p:nvSpPr>
+        <p:spPr/>
+        <p:txBody>
+          <a:bodyPr rtlCol="0"/>
+          <a:lstStyle/>
+          <a:p>
+            <a:pPr rtl="0"/>
+            <a:r>
+              <a:rPr lang="it-IT" dirty="0"/>
+              <a:t>Aggiungere un piè di pagina</a:t>
+            </a:r>
+          </a:p>
+        </p:txBody>
+      </p:sp>
+      <p:sp>
+        <p:nvSpPr>
+          <p:cNvPr id="12" name="Segnaposto numero diapositiva 11">
+            <a:extLst>
+              <a:ext uri="{FF2B5EF4-FFF2-40B4-BE49-F238E27FC236}">
+                <a16:creationId xmlns:a16="http://schemas.microsoft.com/office/drawing/2014/main" id="{FBA1BB58-7555-4382-B178-7ED04E137E77}"/>
+              </a:ext>
+            </a:extLst>
+          </p:cNvPr>
+          <p:cNvSpPr>
+            <a:spLocks noGrp="1"/>
+          </p:cNvSpPr>
+          <p:nvPr>
+            <p:ph type="sldNum" sz="quarter" idx="15"/>
+          </p:nvPr>
+        </p:nvSpPr>
+        <p:spPr/>
+        <p:txBody>
+          <a:bodyPr rtlCol="0"/>
+          <a:lstStyle/>
+          <a:p>
+            <a:pPr rtl="0"/>
+            <a:fld id="{8699F50C-BE38-4BD0-BA84-9B090E1F2B9B}" type="slidenum">
+              <a:rPr lang="it-IT" smtClean="0"/>
+              <a:pPr rtl="0"/>
+              <a:t>24</a:t>
+            </a:fld>
+            <a:endParaRPr lang="it-IT" dirty="0"/>
+          </a:p>
+        </p:txBody>
+      </p:sp>
+      <p:pic>
+        <p:nvPicPr>
+          <p:cNvPr id="3" name="Immagine 2" descr="Immagine che contiene testo, mappa&#10;&#10;Descrizione generata automaticamente">
+            <a:extLst>
+              <a:ext uri="{FF2B5EF4-FFF2-40B4-BE49-F238E27FC236}">
+                <a16:creationId xmlns:a16="http://schemas.microsoft.com/office/drawing/2014/main" id="{DF469C08-265B-4EA6-95DE-EB922C71D58F}"/>
+              </a:ext>
+            </a:extLst>
+          </p:cNvPr>
+          <p:cNvPicPr>
+            <a:picLocks noChangeAspect="1"/>
+          </p:cNvPicPr>
+          <p:nvPr/>
+        </p:nvPicPr>
+        <p:blipFill>
+          <a:blip r:embed="rId3"/>
+          <a:stretch>
+            <a:fillRect/>
+          </a:stretch>
+        </p:blipFill>
+        <p:spPr>
+          <a:xfrm>
+            <a:off x="2257425" y="3097883"/>
+            <a:ext cx="7677150" cy="3124200"/>
+          </a:xfrm>
+          <a:prstGeom prst="rect">
+            <a:avLst/>
+          </a:prstGeom>
+        </p:spPr>
+      </p:pic>
+    </p:spTree>
+    <p:extLst>
+      <p:ext uri="{BB962C8B-B14F-4D97-AF65-F5344CB8AC3E}">
+        <p14:creationId xmlns:p14="http://schemas.microsoft.com/office/powerpoint/2010/main" val="1001444623"/>
+      </p:ext>
+    </p:extLst>
+  </p:cSld>
+  <p:clrMapOvr>
+    <a:masterClrMapping/>
+  </p:clrMapOvr>
+</p:sld>
+</file>
+
+<file path=ppt/slides/slide25.xml><?xml version="1.0" encoding="utf-8"?>
 <p:sld xmlns:a="http://schemas.openxmlformats.org/drawingml/2006/main" xmlns:r="http://schemas.openxmlformats.org/officeDocument/2006/relationships" xmlns:p="http://schemas.openxmlformats.org/presentationml/2006/main" showMasterSp="0">
   <p:cSld>
     <p:bg>
@@ -21373,21 +21958,8 @@
                   <a:schemeClr val="tx1"/>
                 </a:solidFill>
               </a:rPr>
-              <a:t> può </a:t>
-            </a:r>
-            <a:r>
-              <a:rPr lang="it-IT" sz="2000">
-                <a:solidFill>
-                  <a:schemeClr val="tx1"/>
-                </a:solidFill>
-              </a:rPr>
-              <a:t>essere dispendiosa</a:t>
-            </a:r>
-            <a:endParaRPr lang="it-IT" sz="2000" dirty="0">
-              <a:solidFill>
-                <a:schemeClr val="tx1"/>
-              </a:solidFill>
-            </a:endParaRPr>
+              <a:t> può essere dispendiosa</a:t>
+            </a:r>
           </a:p>
           <a:p>
             <a:pPr marL="0" indent="0">
@@ -21541,7 +22113,7 @@
             <a:fld id="{8699F50C-BE38-4BD0-BA84-9B090E1F2B9B}" type="slidenum">
               <a:rPr lang="it-IT" smtClean="0"/>
               <a:pPr rtl="0"/>
-              <a:t>23</a:t>
+              <a:t>25</a:t>
             </a:fld>
             <a:endParaRPr lang="it-IT" dirty="0"/>
           </a:p>

--- a/Progetto Ingegneria SW.pptx
+++ b/Progetto Ingegneria SW.pptx
@@ -5,10 +5,10 @@
     <p:sldMasterId id="2147483756" r:id="rId1"/>
   </p:sldMasterIdLst>
   <p:notesMasterIdLst>
-    <p:notesMasterId r:id="rId27"/>
+    <p:notesMasterId r:id="rId33"/>
   </p:notesMasterIdLst>
   <p:handoutMasterIdLst>
-    <p:handoutMasterId r:id="rId28"/>
+    <p:handoutMasterId r:id="rId34"/>
   </p:handoutMasterIdLst>
   <p:sldIdLst>
     <p:sldId id="256" r:id="rId2"/>
@@ -36,6 +36,12 @@
     <p:sldId id="290" r:id="rId24"/>
     <p:sldId id="294" r:id="rId25"/>
     <p:sldId id="291" r:id="rId26"/>
+    <p:sldId id="295" r:id="rId27"/>
+    <p:sldId id="296" r:id="rId28"/>
+    <p:sldId id="297" r:id="rId29"/>
+    <p:sldId id="298" r:id="rId30"/>
+    <p:sldId id="299" r:id="rId31"/>
+    <p:sldId id="300" r:id="rId32"/>
   </p:sldIdLst>
   <p:sldSz cx="12192000" cy="6858000"/>
   <p:notesSz cx="6858000" cy="9144000"/>
@@ -257,7 +263,7 @@
             <a:pPr rtl="0"/>
             <a:fld id="{BEFBFAFD-B367-4FDC-8BD6-0ED3AC1E8171}" type="datetime1">
               <a:rPr lang="it-IT" smtClean="0"/>
-              <a:t>23/06/2019</a:t>
+              <a:t>24/06/2019</a:t>
             </a:fld>
             <a:endParaRPr lang="it-IT" dirty="0"/>
           </a:p>
@@ -439,7 +445,7 @@
             <a:fld id="{358ABC55-7EA4-4B04-948D-8B6AA303BF20}" type="datetime1">
               <a:rPr lang="it-IT" noProof="0" smtClean="0"/>
               <a:pPr/>
-              <a:t>23/06/2019</a:t>
+              <a:t>24/06/2019</a:t>
             </a:fld>
             <a:endParaRPr lang="it-IT" noProof="0" dirty="0"/>
           </a:p>
@@ -2258,6 +2264,350 @@
 </p:notes>
 </file>
 
+<file path=ppt/notesSlides/notesSlide26.xml><?xml version="1.0" encoding="utf-8"?>
+<p:notes xmlns:a="http://schemas.openxmlformats.org/drawingml/2006/main" xmlns:r="http://schemas.openxmlformats.org/officeDocument/2006/relationships" xmlns:p="http://schemas.openxmlformats.org/presentationml/2006/main">
+  <p:cSld>
+    <p:spTree>
+      <p:nvGrpSpPr>
+        <p:cNvPr id="1" name=""/>
+        <p:cNvGrpSpPr/>
+        <p:nvPr/>
+      </p:nvGrpSpPr>
+      <p:grpSpPr>
+        <a:xfrm>
+          <a:off x="0" y="0"/>
+          <a:ext cx="0" cy="0"/>
+          <a:chOff x="0" y="0"/>
+          <a:chExt cx="0" cy="0"/>
+        </a:xfrm>
+      </p:grpSpPr>
+      <p:sp>
+        <p:nvSpPr>
+          <p:cNvPr id="2" name="Segnaposto immagine diapositiva 1"/>
+          <p:cNvSpPr>
+            <a:spLocks noGrp="1" noRot="1" noChangeAspect="1"/>
+          </p:cNvSpPr>
+          <p:nvPr>
+            <p:ph type="sldImg"/>
+          </p:nvPr>
+        </p:nvSpPr>
+        <p:spPr/>
+      </p:sp>
+      <p:sp>
+        <p:nvSpPr>
+          <p:cNvPr id="3" name="Segnaposto note 2"/>
+          <p:cNvSpPr>
+            <a:spLocks noGrp="1"/>
+          </p:cNvSpPr>
+          <p:nvPr>
+            <p:ph type="body" idx="1"/>
+          </p:nvPr>
+        </p:nvSpPr>
+        <p:spPr/>
+        <p:txBody>
+          <a:bodyPr rtlCol="0"/>
+          <a:lstStyle/>
+          <a:p>
+            <a:pPr rtl="0"/>
+            <a:endParaRPr lang="it-IT" dirty="0"/>
+          </a:p>
+        </p:txBody>
+      </p:sp>
+      <p:sp>
+        <p:nvSpPr>
+          <p:cNvPr id="4" name="Segnaposto numero diapositiva 3"/>
+          <p:cNvSpPr>
+            <a:spLocks noGrp="1"/>
+          </p:cNvSpPr>
+          <p:nvPr>
+            <p:ph type="sldNum" sz="quarter" idx="5"/>
+          </p:nvPr>
+        </p:nvSpPr>
+        <p:spPr/>
+        <p:txBody>
+          <a:bodyPr rtlCol="0"/>
+          <a:lstStyle/>
+          <a:p>
+            <a:pPr rtl="0"/>
+            <a:fld id="{79230CFA-805A-4FD3-B3A0-DAAA5993DA17}" type="slidenum">
+              <a:rPr lang="it-IT" smtClean="0"/>
+              <a:t>26</a:t>
+            </a:fld>
+            <a:endParaRPr lang="it-IT" dirty="0"/>
+          </a:p>
+        </p:txBody>
+      </p:sp>
+    </p:spTree>
+    <p:extLst>
+      <p:ext uri="{BB962C8B-B14F-4D97-AF65-F5344CB8AC3E}">
+        <p14:creationId xmlns:p14="http://schemas.microsoft.com/office/powerpoint/2010/main" val="1371146369"/>
+      </p:ext>
+    </p:extLst>
+  </p:cSld>
+  <p:clrMapOvr>
+    <a:masterClrMapping/>
+  </p:clrMapOvr>
+</p:notes>
+</file>
+
+<file path=ppt/notesSlides/notesSlide27.xml><?xml version="1.0" encoding="utf-8"?>
+<p:notes xmlns:a="http://schemas.openxmlformats.org/drawingml/2006/main" xmlns:r="http://schemas.openxmlformats.org/officeDocument/2006/relationships" xmlns:p="http://schemas.openxmlformats.org/presentationml/2006/main">
+  <p:cSld>
+    <p:spTree>
+      <p:nvGrpSpPr>
+        <p:cNvPr id="1" name=""/>
+        <p:cNvGrpSpPr/>
+        <p:nvPr/>
+      </p:nvGrpSpPr>
+      <p:grpSpPr>
+        <a:xfrm>
+          <a:off x="0" y="0"/>
+          <a:ext cx="0" cy="0"/>
+          <a:chOff x="0" y="0"/>
+          <a:chExt cx="0" cy="0"/>
+        </a:xfrm>
+      </p:grpSpPr>
+      <p:sp>
+        <p:nvSpPr>
+          <p:cNvPr id="2" name="Segnaposto immagine diapositiva 1"/>
+          <p:cNvSpPr>
+            <a:spLocks noGrp="1" noRot="1" noChangeAspect="1"/>
+          </p:cNvSpPr>
+          <p:nvPr>
+            <p:ph type="sldImg"/>
+          </p:nvPr>
+        </p:nvSpPr>
+        <p:spPr/>
+      </p:sp>
+      <p:sp>
+        <p:nvSpPr>
+          <p:cNvPr id="3" name="Segnaposto note 2"/>
+          <p:cNvSpPr>
+            <a:spLocks noGrp="1"/>
+          </p:cNvSpPr>
+          <p:nvPr>
+            <p:ph type="body" idx="1"/>
+          </p:nvPr>
+        </p:nvSpPr>
+        <p:spPr/>
+        <p:txBody>
+          <a:bodyPr rtlCol="0"/>
+          <a:lstStyle/>
+          <a:p>
+            <a:pPr rtl="0"/>
+            <a:endParaRPr lang="it-IT" dirty="0"/>
+          </a:p>
+        </p:txBody>
+      </p:sp>
+      <p:sp>
+        <p:nvSpPr>
+          <p:cNvPr id="4" name="Segnaposto numero diapositiva 3"/>
+          <p:cNvSpPr>
+            <a:spLocks noGrp="1"/>
+          </p:cNvSpPr>
+          <p:nvPr>
+            <p:ph type="sldNum" sz="quarter" idx="5"/>
+          </p:nvPr>
+        </p:nvSpPr>
+        <p:spPr/>
+        <p:txBody>
+          <a:bodyPr rtlCol="0"/>
+          <a:lstStyle/>
+          <a:p>
+            <a:pPr rtl="0"/>
+            <a:fld id="{79230CFA-805A-4FD3-B3A0-DAAA5993DA17}" type="slidenum">
+              <a:rPr lang="it-IT" smtClean="0"/>
+              <a:t>27</a:t>
+            </a:fld>
+            <a:endParaRPr lang="it-IT" dirty="0"/>
+          </a:p>
+        </p:txBody>
+      </p:sp>
+    </p:spTree>
+    <p:extLst>
+      <p:ext uri="{BB962C8B-B14F-4D97-AF65-F5344CB8AC3E}">
+        <p14:creationId xmlns:p14="http://schemas.microsoft.com/office/powerpoint/2010/main" val="1835960938"/>
+      </p:ext>
+    </p:extLst>
+  </p:cSld>
+  <p:clrMapOvr>
+    <a:masterClrMapping/>
+  </p:clrMapOvr>
+</p:notes>
+</file>
+
+<file path=ppt/notesSlides/notesSlide28.xml><?xml version="1.0" encoding="utf-8"?>
+<p:notes xmlns:a="http://schemas.openxmlformats.org/drawingml/2006/main" xmlns:r="http://schemas.openxmlformats.org/officeDocument/2006/relationships" xmlns:p="http://schemas.openxmlformats.org/presentationml/2006/main">
+  <p:cSld>
+    <p:spTree>
+      <p:nvGrpSpPr>
+        <p:cNvPr id="1" name=""/>
+        <p:cNvGrpSpPr/>
+        <p:nvPr/>
+      </p:nvGrpSpPr>
+      <p:grpSpPr>
+        <a:xfrm>
+          <a:off x="0" y="0"/>
+          <a:ext cx="0" cy="0"/>
+          <a:chOff x="0" y="0"/>
+          <a:chExt cx="0" cy="0"/>
+        </a:xfrm>
+      </p:grpSpPr>
+      <p:sp>
+        <p:nvSpPr>
+          <p:cNvPr id="2" name="Segnaposto immagine diapositiva 1"/>
+          <p:cNvSpPr>
+            <a:spLocks noGrp="1" noRot="1" noChangeAspect="1"/>
+          </p:cNvSpPr>
+          <p:nvPr>
+            <p:ph type="sldImg"/>
+          </p:nvPr>
+        </p:nvSpPr>
+        <p:spPr/>
+      </p:sp>
+      <p:sp>
+        <p:nvSpPr>
+          <p:cNvPr id="3" name="Segnaposto note 2"/>
+          <p:cNvSpPr>
+            <a:spLocks noGrp="1"/>
+          </p:cNvSpPr>
+          <p:nvPr>
+            <p:ph type="body" idx="1"/>
+          </p:nvPr>
+        </p:nvSpPr>
+        <p:spPr/>
+        <p:txBody>
+          <a:bodyPr rtlCol="0"/>
+          <a:lstStyle/>
+          <a:p>
+            <a:pPr rtl="0"/>
+            <a:endParaRPr lang="it-IT" dirty="0"/>
+          </a:p>
+        </p:txBody>
+      </p:sp>
+      <p:sp>
+        <p:nvSpPr>
+          <p:cNvPr id="4" name="Segnaposto numero diapositiva 3"/>
+          <p:cNvSpPr>
+            <a:spLocks noGrp="1"/>
+          </p:cNvSpPr>
+          <p:nvPr>
+            <p:ph type="sldNum" sz="quarter" idx="5"/>
+          </p:nvPr>
+        </p:nvSpPr>
+        <p:spPr/>
+        <p:txBody>
+          <a:bodyPr rtlCol="0"/>
+          <a:lstStyle/>
+          <a:p>
+            <a:pPr rtl="0"/>
+            <a:fld id="{79230CFA-805A-4FD3-B3A0-DAAA5993DA17}" type="slidenum">
+              <a:rPr lang="it-IT" smtClean="0"/>
+              <a:t>28</a:t>
+            </a:fld>
+            <a:endParaRPr lang="it-IT" dirty="0"/>
+          </a:p>
+        </p:txBody>
+      </p:sp>
+    </p:spTree>
+    <p:extLst>
+      <p:ext uri="{BB962C8B-B14F-4D97-AF65-F5344CB8AC3E}">
+        <p14:creationId xmlns:p14="http://schemas.microsoft.com/office/powerpoint/2010/main" val="3130208755"/>
+      </p:ext>
+    </p:extLst>
+  </p:cSld>
+  <p:clrMapOvr>
+    <a:masterClrMapping/>
+  </p:clrMapOvr>
+</p:notes>
+</file>
+
+<file path=ppt/notesSlides/notesSlide29.xml><?xml version="1.0" encoding="utf-8"?>
+<p:notes xmlns:a="http://schemas.openxmlformats.org/drawingml/2006/main" xmlns:r="http://schemas.openxmlformats.org/officeDocument/2006/relationships" xmlns:p="http://schemas.openxmlformats.org/presentationml/2006/main">
+  <p:cSld>
+    <p:spTree>
+      <p:nvGrpSpPr>
+        <p:cNvPr id="1" name=""/>
+        <p:cNvGrpSpPr/>
+        <p:nvPr/>
+      </p:nvGrpSpPr>
+      <p:grpSpPr>
+        <a:xfrm>
+          <a:off x="0" y="0"/>
+          <a:ext cx="0" cy="0"/>
+          <a:chOff x="0" y="0"/>
+          <a:chExt cx="0" cy="0"/>
+        </a:xfrm>
+      </p:grpSpPr>
+      <p:sp>
+        <p:nvSpPr>
+          <p:cNvPr id="2" name="Segnaposto immagine diapositiva 1"/>
+          <p:cNvSpPr>
+            <a:spLocks noGrp="1" noRot="1" noChangeAspect="1"/>
+          </p:cNvSpPr>
+          <p:nvPr>
+            <p:ph type="sldImg"/>
+          </p:nvPr>
+        </p:nvSpPr>
+        <p:spPr/>
+      </p:sp>
+      <p:sp>
+        <p:nvSpPr>
+          <p:cNvPr id="3" name="Segnaposto note 2"/>
+          <p:cNvSpPr>
+            <a:spLocks noGrp="1"/>
+          </p:cNvSpPr>
+          <p:nvPr>
+            <p:ph type="body" idx="1"/>
+          </p:nvPr>
+        </p:nvSpPr>
+        <p:spPr/>
+        <p:txBody>
+          <a:bodyPr rtlCol="0"/>
+          <a:lstStyle/>
+          <a:p>
+            <a:pPr rtl="0"/>
+            <a:endParaRPr lang="it-IT" dirty="0"/>
+          </a:p>
+        </p:txBody>
+      </p:sp>
+      <p:sp>
+        <p:nvSpPr>
+          <p:cNvPr id="4" name="Segnaposto numero diapositiva 3"/>
+          <p:cNvSpPr>
+            <a:spLocks noGrp="1"/>
+          </p:cNvSpPr>
+          <p:nvPr>
+            <p:ph type="sldNum" sz="quarter" idx="5"/>
+          </p:nvPr>
+        </p:nvSpPr>
+        <p:spPr/>
+        <p:txBody>
+          <a:bodyPr rtlCol="0"/>
+          <a:lstStyle/>
+          <a:p>
+            <a:pPr rtl="0"/>
+            <a:fld id="{79230CFA-805A-4FD3-B3A0-DAAA5993DA17}" type="slidenum">
+              <a:rPr lang="it-IT" smtClean="0"/>
+              <a:t>29</a:t>
+            </a:fld>
+            <a:endParaRPr lang="it-IT" dirty="0"/>
+          </a:p>
+        </p:txBody>
+      </p:sp>
+    </p:spTree>
+    <p:extLst>
+      <p:ext uri="{BB962C8B-B14F-4D97-AF65-F5344CB8AC3E}">
+        <p14:creationId xmlns:p14="http://schemas.microsoft.com/office/powerpoint/2010/main" val="2936086569"/>
+      </p:ext>
+    </p:extLst>
+  </p:cSld>
+  <p:clrMapOvr>
+    <a:masterClrMapping/>
+  </p:clrMapOvr>
+</p:notes>
+</file>
+
 <file path=ppt/notesSlides/notesSlide3.xml><?xml version="1.0" encoding="utf-8"?>
 <p:notes xmlns:a="http://schemas.openxmlformats.org/drawingml/2006/main" xmlns:r="http://schemas.openxmlformats.org/officeDocument/2006/relationships" xmlns:p="http://schemas.openxmlformats.org/presentationml/2006/main">
   <p:cSld>
@@ -2335,6 +2685,178 @@
     <p:extLst>
       <p:ext uri="{BB962C8B-B14F-4D97-AF65-F5344CB8AC3E}">
         <p14:creationId xmlns:p14="http://schemas.microsoft.com/office/powerpoint/2010/main" val="3378872779"/>
+      </p:ext>
+    </p:extLst>
+  </p:cSld>
+  <p:clrMapOvr>
+    <a:masterClrMapping/>
+  </p:clrMapOvr>
+</p:notes>
+</file>
+
+<file path=ppt/notesSlides/notesSlide30.xml><?xml version="1.0" encoding="utf-8"?>
+<p:notes xmlns:a="http://schemas.openxmlformats.org/drawingml/2006/main" xmlns:r="http://schemas.openxmlformats.org/officeDocument/2006/relationships" xmlns:p="http://schemas.openxmlformats.org/presentationml/2006/main">
+  <p:cSld>
+    <p:spTree>
+      <p:nvGrpSpPr>
+        <p:cNvPr id="1" name=""/>
+        <p:cNvGrpSpPr/>
+        <p:nvPr/>
+      </p:nvGrpSpPr>
+      <p:grpSpPr>
+        <a:xfrm>
+          <a:off x="0" y="0"/>
+          <a:ext cx="0" cy="0"/>
+          <a:chOff x="0" y="0"/>
+          <a:chExt cx="0" cy="0"/>
+        </a:xfrm>
+      </p:grpSpPr>
+      <p:sp>
+        <p:nvSpPr>
+          <p:cNvPr id="2" name="Segnaposto immagine diapositiva 1"/>
+          <p:cNvSpPr>
+            <a:spLocks noGrp="1" noRot="1" noChangeAspect="1"/>
+          </p:cNvSpPr>
+          <p:nvPr>
+            <p:ph type="sldImg"/>
+          </p:nvPr>
+        </p:nvSpPr>
+        <p:spPr/>
+      </p:sp>
+      <p:sp>
+        <p:nvSpPr>
+          <p:cNvPr id="3" name="Segnaposto note 2"/>
+          <p:cNvSpPr>
+            <a:spLocks noGrp="1"/>
+          </p:cNvSpPr>
+          <p:nvPr>
+            <p:ph type="body" idx="1"/>
+          </p:nvPr>
+        </p:nvSpPr>
+        <p:spPr/>
+        <p:txBody>
+          <a:bodyPr rtlCol="0"/>
+          <a:lstStyle/>
+          <a:p>
+            <a:pPr rtl="0"/>
+            <a:endParaRPr lang="it-IT" dirty="0"/>
+          </a:p>
+        </p:txBody>
+      </p:sp>
+      <p:sp>
+        <p:nvSpPr>
+          <p:cNvPr id="4" name="Segnaposto numero diapositiva 3"/>
+          <p:cNvSpPr>
+            <a:spLocks noGrp="1"/>
+          </p:cNvSpPr>
+          <p:nvPr>
+            <p:ph type="sldNum" sz="quarter" idx="5"/>
+          </p:nvPr>
+        </p:nvSpPr>
+        <p:spPr/>
+        <p:txBody>
+          <a:bodyPr rtlCol="0"/>
+          <a:lstStyle/>
+          <a:p>
+            <a:pPr rtl="0"/>
+            <a:fld id="{79230CFA-805A-4FD3-B3A0-DAAA5993DA17}" type="slidenum">
+              <a:rPr lang="it-IT" smtClean="0"/>
+              <a:t>30</a:t>
+            </a:fld>
+            <a:endParaRPr lang="it-IT" dirty="0"/>
+          </a:p>
+        </p:txBody>
+      </p:sp>
+    </p:spTree>
+    <p:extLst>
+      <p:ext uri="{BB962C8B-B14F-4D97-AF65-F5344CB8AC3E}">
+        <p14:creationId xmlns:p14="http://schemas.microsoft.com/office/powerpoint/2010/main" val="2521472221"/>
+      </p:ext>
+    </p:extLst>
+  </p:cSld>
+  <p:clrMapOvr>
+    <a:masterClrMapping/>
+  </p:clrMapOvr>
+</p:notes>
+</file>
+
+<file path=ppt/notesSlides/notesSlide31.xml><?xml version="1.0" encoding="utf-8"?>
+<p:notes xmlns:a="http://schemas.openxmlformats.org/drawingml/2006/main" xmlns:r="http://schemas.openxmlformats.org/officeDocument/2006/relationships" xmlns:p="http://schemas.openxmlformats.org/presentationml/2006/main">
+  <p:cSld>
+    <p:spTree>
+      <p:nvGrpSpPr>
+        <p:cNvPr id="1" name=""/>
+        <p:cNvGrpSpPr/>
+        <p:nvPr/>
+      </p:nvGrpSpPr>
+      <p:grpSpPr>
+        <a:xfrm>
+          <a:off x="0" y="0"/>
+          <a:ext cx="0" cy="0"/>
+          <a:chOff x="0" y="0"/>
+          <a:chExt cx="0" cy="0"/>
+        </a:xfrm>
+      </p:grpSpPr>
+      <p:sp>
+        <p:nvSpPr>
+          <p:cNvPr id="2" name="Segnaposto immagine diapositiva 1"/>
+          <p:cNvSpPr>
+            <a:spLocks noGrp="1" noRot="1" noChangeAspect="1"/>
+          </p:cNvSpPr>
+          <p:nvPr>
+            <p:ph type="sldImg"/>
+          </p:nvPr>
+        </p:nvSpPr>
+        <p:spPr/>
+      </p:sp>
+      <p:sp>
+        <p:nvSpPr>
+          <p:cNvPr id="3" name="Segnaposto note 2"/>
+          <p:cNvSpPr>
+            <a:spLocks noGrp="1"/>
+          </p:cNvSpPr>
+          <p:nvPr>
+            <p:ph type="body" idx="1"/>
+          </p:nvPr>
+        </p:nvSpPr>
+        <p:spPr/>
+        <p:txBody>
+          <a:bodyPr rtlCol="0"/>
+          <a:lstStyle/>
+          <a:p>
+            <a:pPr rtl="0"/>
+            <a:endParaRPr lang="it-IT" dirty="0"/>
+          </a:p>
+        </p:txBody>
+      </p:sp>
+      <p:sp>
+        <p:nvSpPr>
+          <p:cNvPr id="4" name="Segnaposto numero diapositiva 3"/>
+          <p:cNvSpPr>
+            <a:spLocks noGrp="1"/>
+          </p:cNvSpPr>
+          <p:nvPr>
+            <p:ph type="sldNum" sz="quarter" idx="5"/>
+          </p:nvPr>
+        </p:nvSpPr>
+        <p:spPr/>
+        <p:txBody>
+          <a:bodyPr rtlCol="0"/>
+          <a:lstStyle/>
+          <a:p>
+            <a:pPr rtl="0"/>
+            <a:fld id="{79230CFA-805A-4FD3-B3A0-DAAA5993DA17}" type="slidenum">
+              <a:rPr lang="it-IT" smtClean="0"/>
+              <a:t>31</a:t>
+            </a:fld>
+            <a:endParaRPr lang="it-IT" dirty="0"/>
+          </a:p>
+        </p:txBody>
+      </p:sp>
+    </p:spTree>
+    <p:extLst>
+      <p:ext uri="{BB962C8B-B14F-4D97-AF65-F5344CB8AC3E}">
+        <p14:creationId xmlns:p14="http://schemas.microsoft.com/office/powerpoint/2010/main" val="2172266521"/>
       </p:ext>
     </p:extLst>
   </p:cSld>
@@ -3007,7 +3529,7 @@
           <a:p>
             <a:fld id="{D2C95273-7EA1-449B-9AF4-4A92A4F80372}" type="datetimeFigureOut">
               <a:rPr lang="it-IT" smtClean="0"/>
-              <a:t>23/06/2019</a:t>
+              <a:t>24/06/2019</a:t>
             </a:fld>
             <a:endParaRPr lang="it-IT"/>
           </a:p>
@@ -3445,7 +3967,7 @@
           <a:p>
             <a:fld id="{D2C95273-7EA1-449B-9AF4-4A92A4F80372}" type="datetimeFigureOut">
               <a:rPr lang="it-IT" smtClean="0"/>
-              <a:t>23/06/2019</a:t>
+              <a:t>24/06/2019</a:t>
             </a:fld>
             <a:endParaRPr lang="it-IT"/>
           </a:p>
@@ -3661,7 +4183,7 @@
           <a:p>
             <a:fld id="{D2C95273-7EA1-449B-9AF4-4A92A4F80372}" type="datetimeFigureOut">
               <a:rPr lang="it-IT" smtClean="0"/>
-              <a:t>23/06/2019</a:t>
+              <a:t>24/06/2019</a:t>
             </a:fld>
             <a:endParaRPr lang="it-IT"/>
           </a:p>
@@ -8932,7 +9454,7 @@
           <a:p>
             <a:fld id="{D2C95273-7EA1-449B-9AF4-4A92A4F80372}" type="datetimeFigureOut">
               <a:rPr lang="it-IT" smtClean="0"/>
-              <a:t>23/06/2019</a:t>
+              <a:t>24/06/2019</a:t>
             </a:fld>
             <a:endParaRPr lang="it-IT"/>
           </a:p>
@@ -13223,7 +13745,7 @@
           <a:p>
             <a:fld id="{D2C95273-7EA1-449B-9AF4-4A92A4F80372}" type="datetimeFigureOut">
               <a:rPr lang="it-IT" smtClean="0"/>
-              <a:t>23/06/2019</a:t>
+              <a:t>24/06/2019</a:t>
             </a:fld>
             <a:endParaRPr lang="it-IT"/>
           </a:p>
@@ -13940,7 +14462,7 @@
           <a:p>
             <a:fld id="{D2C95273-7EA1-449B-9AF4-4A92A4F80372}" type="datetimeFigureOut">
               <a:rPr lang="it-IT" smtClean="0"/>
-              <a:t>23/06/2019</a:t>
+              <a:t>24/06/2019</a:t>
             </a:fld>
             <a:endParaRPr lang="it-IT"/>
           </a:p>
@@ -14736,7 +15258,7 @@
           <a:p>
             <a:fld id="{D2C95273-7EA1-449B-9AF4-4A92A4F80372}" type="datetimeFigureOut">
               <a:rPr lang="it-IT" smtClean="0"/>
-              <a:t>23/06/2019</a:t>
+              <a:t>24/06/2019</a:t>
             </a:fld>
             <a:endParaRPr lang="it-IT"/>
           </a:p>
@@ -15261,7 +15783,7 @@
           <a:p>
             <a:fld id="{D2C95273-7EA1-449B-9AF4-4A92A4F80372}" type="datetimeFigureOut">
               <a:rPr lang="it-IT" smtClean="0"/>
-              <a:t>23/06/2019</a:t>
+              <a:t>24/06/2019</a:t>
             </a:fld>
             <a:endParaRPr lang="it-IT"/>
           </a:p>
@@ -15715,7 +16237,7 @@
           <a:p>
             <a:fld id="{D2C95273-7EA1-449B-9AF4-4A92A4F80372}" type="datetimeFigureOut">
               <a:rPr lang="it-IT" smtClean="0"/>
-              <a:t>23/06/2019</a:t>
+              <a:t>24/06/2019</a:t>
             </a:fld>
             <a:endParaRPr lang="it-IT"/>
           </a:p>
@@ -16034,7 +16556,7 @@
           <a:p>
             <a:fld id="{D2C95273-7EA1-449B-9AF4-4A92A4F80372}" type="datetimeFigureOut">
               <a:rPr lang="it-IT" smtClean="0"/>
-              <a:t>23/06/2019</a:t>
+              <a:t>24/06/2019</a:t>
             </a:fld>
             <a:endParaRPr lang="it-IT"/>
           </a:p>
@@ -16562,7 +17084,7 @@
           <a:p>
             <a:fld id="{D2C95273-7EA1-449B-9AF4-4A92A4F80372}" type="datetimeFigureOut">
               <a:rPr lang="it-IT" smtClean="0"/>
-              <a:t>23/06/2019</a:t>
+              <a:t>24/06/2019</a:t>
             </a:fld>
             <a:endParaRPr lang="it-IT"/>
           </a:p>
@@ -17043,7 +17565,7 @@
           <a:p>
             <a:fld id="{D2C95273-7EA1-449B-9AF4-4A92A4F80372}" type="datetimeFigureOut">
               <a:rPr lang="it-IT" smtClean="0"/>
-              <a:t>23/06/2019</a:t>
+              <a:t>24/06/2019</a:t>
             </a:fld>
             <a:endParaRPr lang="it-IT"/>
           </a:p>
@@ -17586,12 +18108,8 @@
           <a:p>
             <a:pPr rtl="0"/>
             <a:r>
-              <a:rPr lang="it-IT" dirty="0" err="1"/>
-              <a:t>Salvalai</a:t>
-            </a:r>
-            <a:r>
               <a:rPr lang="it-IT" dirty="0"/>
-              <a:t> Matteo 715827</a:t>
+              <a:t>Salvalai Matteo 715827</a:t>
             </a:r>
           </a:p>
         </p:txBody>
@@ -17716,10 +18234,9 @@
           <a:bodyPr rtlCol="0"/>
           <a:lstStyle/>
           <a:p>
-            <a:pPr rtl="0"/>
             <a:r>
               <a:rPr lang="it-IT" dirty="0"/>
-              <a:t>LEGGE DI DEMETRA</a:t>
+              <a:t>Legge di Demetra</a:t>
             </a:r>
             <a:endParaRPr lang="it-IT" b="0" dirty="0"/>
           </a:p>
@@ -17972,7 +18489,7 @@
                   <a:schemeClr val="accent2"/>
                 </a:solidFill>
               </a:rPr>
-              <a:t>VANTAGGI:</a:t>
+              <a:t>Vantaggi:</a:t>
             </a:r>
           </a:p>
           <a:p>
@@ -18045,10 +18562,9 @@
           <a:bodyPr rtlCol="0"/>
           <a:lstStyle/>
           <a:p>
-            <a:pPr rtl="0"/>
             <a:r>
               <a:rPr lang="it-IT" dirty="0"/>
-              <a:t>LEGGE DI DEMETRA</a:t>
+              <a:t>Legge di Demetra</a:t>
             </a:r>
             <a:endParaRPr lang="it-IT" b="0" dirty="0"/>
           </a:p>
@@ -19049,7 +19565,7 @@
                   <a:schemeClr val="accent2"/>
                 </a:solidFill>
               </a:rPr>
-              <a:t>VANTAGGI:</a:t>
+              <a:t>Vantaggi:</a:t>
             </a:r>
           </a:p>
           <a:p>
@@ -19249,14 +19765,34 @@
           <a:lstStyle/>
           <a:p>
             <a:r>
+              <a:rPr lang="it-IT" dirty="0">
+                <a:solidFill>
+                  <a:srgbClr val="FF0000"/>
+                </a:solidFill>
+              </a:rPr>
+              <a:t>Problema</a:t>
+            </a:r>
+            <a:r>
               <a:rPr lang="it-IT" dirty="0"/>
-              <a:t>I moduli di alto livello non devono risentire dei cambiamenti sui moduli di basso livello. </a:t>
+              <a:t>: I moduli di alto livello non devono risentire dei cambiamenti sui moduli di basso livello. </a:t>
             </a:r>
           </a:p>
           <a:p>
             <a:r>
               <a:rPr lang="it-IT" dirty="0"/>
-              <a:t>Per realizzare il principio, entrambi i livelli devono dipendere da astrazioni.</a:t>
+              <a:t>La </a:t>
+            </a:r>
+            <a:r>
+              <a:rPr lang="it-IT" dirty="0">
+                <a:solidFill>
+                  <a:srgbClr val="00B050"/>
+                </a:solidFill>
+              </a:rPr>
+              <a:t>soluzione</a:t>
+            </a:r>
+            <a:r>
+              <a:rPr lang="it-IT" dirty="0"/>
+              <a:t> da applicare è che entrambi i livelli devono dipendere da astrazioni.</a:t>
             </a:r>
           </a:p>
           <a:p>
@@ -19704,7 +20240,7 @@
         </p:nvSpPr>
         <p:spPr>
           <a:xfrm>
-            <a:off x="518678" y="1714294"/>
+            <a:off x="518678" y="2039394"/>
             <a:ext cx="5475290" cy="781188"/>
           </a:xfrm>
         </p:spPr>
@@ -19738,8 +20274,8 @@
         </p:nvSpPr>
         <p:spPr>
           <a:xfrm>
-            <a:off x="569694" y="2462567"/>
-            <a:ext cx="5475290" cy="3232149"/>
+            <a:off x="518678" y="2874150"/>
+            <a:ext cx="11200060" cy="3232149"/>
           </a:xfrm>
         </p:spPr>
         <p:txBody>
@@ -19790,82 +20326,6 @@
                 </a:solidFill>
               </a:rPr>
               <a:t>Possibilità di riutilizzo in altri progetti della classe che incorpora logica di business</a:t>
-            </a:r>
-          </a:p>
-        </p:txBody>
-      </p:sp>
-      <p:sp>
-        <p:nvSpPr>
-          <p:cNvPr id="17" name="Segnaposto testo 16">
-            <a:extLst>
-              <a:ext uri="{FF2B5EF4-FFF2-40B4-BE49-F238E27FC236}">
-                <a16:creationId xmlns:a16="http://schemas.microsoft.com/office/drawing/2014/main" id="{640A3223-3DA3-4CF2-82B6-1447667547BD}"/>
-              </a:ext>
-            </a:extLst>
-          </p:cNvPr>
-          <p:cNvSpPr>
-            <a:spLocks noGrp="1"/>
-          </p:cNvSpPr>
-          <p:nvPr>
-            <p:ph type="body" sz="quarter" idx="14"/>
-          </p:nvPr>
-        </p:nvSpPr>
-        <p:spPr>
-          <a:xfrm>
-            <a:off x="6096000" y="1681379"/>
-            <a:ext cx="5475600" cy="781188"/>
-          </a:xfrm>
-        </p:spPr>
-        <p:txBody>
-          <a:bodyPr rtlCol="0"/>
-          <a:lstStyle/>
-          <a:p>
-            <a:pPr rtl="0"/>
-            <a:r>
-              <a:rPr lang="it-IT" dirty="0"/>
-              <a:t>Svantaggi</a:t>
-            </a:r>
-          </a:p>
-        </p:txBody>
-      </p:sp>
-      <p:sp>
-        <p:nvSpPr>
-          <p:cNvPr id="18" name="Segnaposto contenuto 17">
-            <a:extLst>
-              <a:ext uri="{FF2B5EF4-FFF2-40B4-BE49-F238E27FC236}">
-                <a16:creationId xmlns:a16="http://schemas.microsoft.com/office/drawing/2014/main" id="{C955AFB3-173C-4848-B3E9-1375591B297E}"/>
-              </a:ext>
-            </a:extLst>
-          </p:cNvPr>
-          <p:cNvSpPr>
-            <a:spLocks noGrp="1"/>
-          </p:cNvSpPr>
-          <p:nvPr>
-            <p:ph sz="quarter" idx="15"/>
-          </p:nvPr>
-        </p:nvSpPr>
-        <p:spPr>
-          <a:xfrm>
-            <a:off x="6146706" y="2495482"/>
-            <a:ext cx="5475600" cy="3232149"/>
-          </a:xfrm>
-        </p:spPr>
-        <p:txBody>
-          <a:bodyPr rtlCol="0"/>
-          <a:lstStyle/>
-          <a:p>
-            <a:pPr>
-              <a:buClr>
-                <a:schemeClr val="accent2"/>
-              </a:buClr>
-            </a:pPr>
-            <a:r>
-              <a:rPr lang="it-IT" sz="2000" dirty="0">
-                <a:solidFill>
-                  <a:schemeClr val="tx1"/>
-                </a:solidFill>
-              </a:rPr>
-              <a:t>Nessuno</a:t>
             </a:r>
           </a:p>
         </p:txBody>
@@ -20154,7 +20614,7 @@
             </a:r>
             <a:r>
               <a:rPr lang="it-IT" dirty="0"/>
-              <a:t> è creare una classe stato per ogni stato, che implementa un’interfaccia comune</a:t>
+              <a:t> è creare una classe stato, per ogni stato, che implementa un’interfaccia comune</a:t>
             </a:r>
           </a:p>
           <a:p>
@@ -21084,7 +21544,19 @@
           <a:p>
             <a:r>
               <a:rPr lang="it-IT" dirty="0"/>
-              <a:t>Il pattern Strategy consente di risolve quei problemi per cui è necessario gestire un insieme di algoritmi intercambiabili ma correlati</a:t>
+              <a:t>Il pattern Strategy consente di risolve quei </a:t>
+            </a:r>
+            <a:r>
+              <a:rPr lang="it-IT" dirty="0">
+                <a:solidFill>
+                  <a:srgbClr val="FF0000"/>
+                </a:solidFill>
+              </a:rPr>
+              <a:t>problemi</a:t>
+            </a:r>
+            <a:r>
+              <a:rPr lang="it-IT" dirty="0"/>
+              <a:t> per cui è necessario gestire un insieme di algoritmi intercambiabili ma correlati</a:t>
             </a:r>
             <a:endParaRPr lang="it-IT" dirty="0">
               <a:solidFill>
@@ -21107,7 +21579,7 @@
             </a:r>
             <a:r>
               <a:rPr lang="it-IT" dirty="0"/>
-              <a:t> è creare, per ogni algoritmo, una classe ognuna delle quali implementa una classe comune</a:t>
+              <a:t> è creare, per ogni algoritmo, una classe che implementa una classe comune</a:t>
             </a:r>
           </a:p>
           <a:p>
@@ -21300,19 +21772,7 @@
           <a:p>
             <a:r>
               <a:rPr lang="it-IT" dirty="0"/>
-              <a:t>Avevamo diversi comandi disponibili all’utente, comandi però </a:t>
-            </a:r>
-            <a:r>
-              <a:rPr lang="it-IT" dirty="0">
-                <a:solidFill>
-                  <a:srgbClr val="FF0000"/>
-                </a:solidFill>
-              </a:rPr>
-              <a:t>statici</a:t>
-            </a:r>
-            <a:r>
-              <a:rPr lang="it-IT" dirty="0"/>
-              <a:t> e tutti raggruppati in un Enum</a:t>
+              <a:t>Avevamo diversi comandi disponibili all’utente, comandi però statici e tutti raggruppati in un Enum</a:t>
             </a:r>
             <a:endParaRPr lang="it-IT" dirty="0">
               <a:solidFill>
@@ -21323,19 +21783,7 @@
           <a:p>
             <a:r>
               <a:rPr lang="it-IT" dirty="0"/>
-              <a:t>La </a:t>
-            </a:r>
-            <a:r>
-              <a:rPr lang="it-IT" dirty="0">
-                <a:solidFill>
-                  <a:schemeClr val="accent6"/>
-                </a:solidFill>
-              </a:rPr>
-              <a:t>soluzione</a:t>
-            </a:r>
-            <a:r>
-              <a:rPr lang="it-IT" dirty="0"/>
-              <a:t> è creare una classe per ogni comando, ognuna delle quali estende la classe madre comune</a:t>
+              <a:t>Abbiamo creato una classe per ogni comando, ognuna delle quali estende la classe madre comune</a:t>
             </a:r>
           </a:p>
           <a:p>
@@ -22165,6 +22613,1035 @@
 </p:sld>
 </file>
 
+<file path=ppt/slides/slide26.xml><?xml version="1.0" encoding="utf-8"?>
+<p:sld xmlns:a="http://schemas.openxmlformats.org/drawingml/2006/main" xmlns:r="http://schemas.openxmlformats.org/officeDocument/2006/relationships" xmlns:p="http://schemas.openxmlformats.org/presentationml/2006/main" showMasterSp="0">
+  <p:cSld>
+    <p:spTree>
+      <p:nvGrpSpPr>
+        <p:cNvPr id="1" name=""/>
+        <p:cNvGrpSpPr/>
+        <p:nvPr/>
+      </p:nvGrpSpPr>
+      <p:grpSpPr>
+        <a:xfrm>
+          <a:off x="0" y="0"/>
+          <a:ext cx="0" cy="0"/>
+          <a:chOff x="0" y="0"/>
+          <a:chExt cx="0" cy="0"/>
+        </a:xfrm>
+      </p:grpSpPr>
+      <p:sp>
+        <p:nvSpPr>
+          <p:cNvPr id="7" name="Segnaposto contenuto 6">
+            <a:extLst>
+              <a:ext uri="{FF2B5EF4-FFF2-40B4-BE49-F238E27FC236}">
+                <a16:creationId xmlns:a16="http://schemas.microsoft.com/office/drawing/2014/main" id="{2482DBEC-EE72-4155-ACC5-87E80C5606A9}"/>
+              </a:ext>
+            </a:extLst>
+          </p:cNvPr>
+          <p:cNvSpPr>
+            <a:spLocks noGrp="1"/>
+          </p:cNvSpPr>
+          <p:nvPr>
+            <p:ph idx="1"/>
+          </p:nvPr>
+        </p:nvSpPr>
+        <p:spPr>
+          <a:xfrm>
+            <a:off x="531378" y="3129540"/>
+            <a:ext cx="10307198" cy="2958275"/>
+          </a:xfrm>
+        </p:spPr>
+        <p:txBody>
+          <a:bodyPr rtlCol="0">
+            <a:normAutofit/>
+          </a:bodyPr>
+          <a:lstStyle/>
+          <a:p>
+            <a:r>
+              <a:rPr lang="it-IT" dirty="0"/>
+              <a:t>Il </a:t>
+            </a:r>
+            <a:r>
+              <a:rPr lang="it-IT" dirty="0">
+                <a:solidFill>
+                  <a:srgbClr val="FF0000"/>
+                </a:solidFill>
+              </a:rPr>
+              <a:t>problema</a:t>
+            </a:r>
+            <a:r>
+              <a:rPr lang="it-IT" dirty="0"/>
+              <a:t> è avere un frammento di codice che può essere raggruppato</a:t>
+            </a:r>
+            <a:endParaRPr lang="it-IT" dirty="0">
+              <a:solidFill>
+                <a:srgbClr val="FF0000"/>
+              </a:solidFill>
+            </a:endParaRPr>
+          </a:p>
+          <a:p>
+            <a:r>
+              <a:rPr lang="it-IT" dirty="0"/>
+              <a:t>La </a:t>
+            </a:r>
+            <a:r>
+              <a:rPr lang="it-IT" dirty="0">
+                <a:solidFill>
+                  <a:schemeClr val="accent6"/>
+                </a:solidFill>
+              </a:rPr>
+              <a:t>soluzione</a:t>
+            </a:r>
+            <a:r>
+              <a:rPr lang="it-IT" dirty="0"/>
+              <a:t> è spostare tale frammento in un metodo separato e rimpiazzare il vecchio codice con una chiamata al nuovo metodo</a:t>
+            </a:r>
+            <a:endParaRPr lang="it-IT" i="1" dirty="0"/>
+          </a:p>
+          <a:p>
+            <a:endParaRPr lang="it-IT" i="1" dirty="0"/>
+          </a:p>
+        </p:txBody>
+      </p:sp>
+      <p:sp>
+        <p:nvSpPr>
+          <p:cNvPr id="9" name="Segnaposto testo 8">
+            <a:extLst>
+              <a:ext uri="{FF2B5EF4-FFF2-40B4-BE49-F238E27FC236}">
+                <a16:creationId xmlns:a16="http://schemas.microsoft.com/office/drawing/2014/main" id="{53469036-D1FB-4164-96AE-B6D8CECCFC96}"/>
+              </a:ext>
+            </a:extLst>
+          </p:cNvPr>
+          <p:cNvSpPr>
+            <a:spLocks noGrp="1"/>
+          </p:cNvSpPr>
+          <p:nvPr>
+            <p:ph type="body" sz="quarter" idx="13"/>
+          </p:nvPr>
+        </p:nvSpPr>
+        <p:spPr>
+          <a:xfrm>
+            <a:off x="531378" y="1279816"/>
+            <a:ext cx="7342631" cy="608895"/>
+          </a:xfrm>
+        </p:spPr>
+        <p:txBody>
+          <a:bodyPr rtlCol="0"/>
+          <a:lstStyle/>
+          <a:p>
+            <a:pPr rtl="0"/>
+            <a:r>
+              <a:rPr lang="it-IT" dirty="0" err="1"/>
+              <a:t>Refactoring</a:t>
+            </a:r>
+            <a:endParaRPr lang="it-IT" dirty="0"/>
+          </a:p>
+        </p:txBody>
+      </p:sp>
+      <p:sp>
+        <p:nvSpPr>
+          <p:cNvPr id="4" name="Titolo 3">
+            <a:extLst>
+              <a:ext uri="{FF2B5EF4-FFF2-40B4-BE49-F238E27FC236}">
+                <a16:creationId xmlns:a16="http://schemas.microsoft.com/office/drawing/2014/main" id="{1ABE11BF-33A5-4653-A144-CCCBACF58C30}"/>
+              </a:ext>
+            </a:extLst>
+          </p:cNvPr>
+          <p:cNvSpPr>
+            <a:spLocks noGrp="1"/>
+          </p:cNvSpPr>
+          <p:nvPr>
+            <p:ph type="title"/>
+          </p:nvPr>
+        </p:nvSpPr>
+        <p:spPr>
+          <a:xfrm>
+            <a:off x="531378" y="158886"/>
+            <a:ext cx="7342622" cy="1215566"/>
+          </a:xfrm>
+        </p:spPr>
+        <p:txBody>
+          <a:bodyPr rtlCol="0">
+            <a:normAutofit/>
+          </a:bodyPr>
+          <a:lstStyle/>
+          <a:p>
+            <a:r>
+              <a:rPr lang="it-IT" dirty="0" err="1"/>
+              <a:t>Extract</a:t>
+            </a:r>
+            <a:r>
+              <a:rPr lang="it-IT" dirty="0"/>
+              <a:t> Method</a:t>
+            </a:r>
+          </a:p>
+        </p:txBody>
+      </p:sp>
+      <p:sp>
+        <p:nvSpPr>
+          <p:cNvPr id="11" name="Segnaposto piè di pagina 10">
+            <a:extLst>
+              <a:ext uri="{FF2B5EF4-FFF2-40B4-BE49-F238E27FC236}">
+                <a16:creationId xmlns:a16="http://schemas.microsoft.com/office/drawing/2014/main" id="{47F4D2C2-B71A-4089-A3FE-603C32706CA6}"/>
+              </a:ext>
+            </a:extLst>
+          </p:cNvPr>
+          <p:cNvSpPr>
+            <a:spLocks noGrp="1"/>
+          </p:cNvSpPr>
+          <p:nvPr>
+            <p:ph type="ftr" sz="quarter" idx="14"/>
+          </p:nvPr>
+        </p:nvSpPr>
+        <p:spPr/>
+        <p:txBody>
+          <a:bodyPr rtlCol="0"/>
+          <a:lstStyle/>
+          <a:p>
+            <a:pPr rtl="0"/>
+            <a:r>
+              <a:rPr lang="it-IT" dirty="0"/>
+              <a:t>Aggiungere un piè di pagina</a:t>
+            </a:r>
+          </a:p>
+        </p:txBody>
+      </p:sp>
+      <p:sp>
+        <p:nvSpPr>
+          <p:cNvPr id="12" name="Segnaposto numero diapositiva 11">
+            <a:extLst>
+              <a:ext uri="{FF2B5EF4-FFF2-40B4-BE49-F238E27FC236}">
+                <a16:creationId xmlns:a16="http://schemas.microsoft.com/office/drawing/2014/main" id="{FBA1BB58-7555-4382-B178-7ED04E137E77}"/>
+              </a:ext>
+            </a:extLst>
+          </p:cNvPr>
+          <p:cNvSpPr>
+            <a:spLocks noGrp="1"/>
+          </p:cNvSpPr>
+          <p:nvPr>
+            <p:ph type="sldNum" sz="quarter" idx="15"/>
+          </p:nvPr>
+        </p:nvSpPr>
+        <p:spPr/>
+        <p:txBody>
+          <a:bodyPr rtlCol="0"/>
+          <a:lstStyle/>
+          <a:p>
+            <a:pPr rtl="0"/>
+            <a:fld id="{8699F50C-BE38-4BD0-BA84-9B090E1F2B9B}" type="slidenum">
+              <a:rPr lang="it-IT" smtClean="0"/>
+              <a:pPr rtl="0"/>
+              <a:t>26</a:t>
+            </a:fld>
+            <a:endParaRPr lang="it-IT" dirty="0"/>
+          </a:p>
+        </p:txBody>
+      </p:sp>
+    </p:spTree>
+    <p:extLst>
+      <p:ext uri="{BB962C8B-B14F-4D97-AF65-F5344CB8AC3E}">
+        <p14:creationId xmlns:p14="http://schemas.microsoft.com/office/powerpoint/2010/main" val="2368384762"/>
+      </p:ext>
+    </p:extLst>
+  </p:cSld>
+  <p:clrMapOvr>
+    <a:masterClrMapping/>
+  </p:clrMapOvr>
+</p:sld>
+</file>
+
+<file path=ppt/slides/slide27.xml><?xml version="1.0" encoding="utf-8"?>
+<p:sld xmlns:a="http://schemas.openxmlformats.org/drawingml/2006/main" xmlns:r="http://schemas.openxmlformats.org/officeDocument/2006/relationships" xmlns:p="http://schemas.openxmlformats.org/presentationml/2006/main" showMasterSp="0">
+  <p:cSld>
+    <p:spTree>
+      <p:nvGrpSpPr>
+        <p:cNvPr id="1" name=""/>
+        <p:cNvGrpSpPr/>
+        <p:nvPr/>
+      </p:nvGrpSpPr>
+      <p:grpSpPr>
+        <a:xfrm>
+          <a:off x="0" y="0"/>
+          <a:ext cx="0" cy="0"/>
+          <a:chOff x="0" y="0"/>
+          <a:chExt cx="0" cy="0"/>
+        </a:xfrm>
+      </p:grpSpPr>
+      <p:sp>
+        <p:nvSpPr>
+          <p:cNvPr id="7" name="Segnaposto contenuto 6">
+            <a:extLst>
+              <a:ext uri="{FF2B5EF4-FFF2-40B4-BE49-F238E27FC236}">
+                <a16:creationId xmlns:a16="http://schemas.microsoft.com/office/drawing/2014/main" id="{2482DBEC-EE72-4155-ACC5-87E80C5606A9}"/>
+              </a:ext>
+            </a:extLst>
+          </p:cNvPr>
+          <p:cNvSpPr>
+            <a:spLocks noGrp="1"/>
+          </p:cNvSpPr>
+          <p:nvPr>
+            <p:ph idx="1"/>
+          </p:nvPr>
+        </p:nvSpPr>
+        <p:spPr>
+          <a:xfrm>
+            <a:off x="531378" y="2507816"/>
+            <a:ext cx="10307198" cy="2958275"/>
+          </a:xfrm>
+        </p:spPr>
+        <p:txBody>
+          <a:bodyPr rtlCol="0">
+            <a:normAutofit/>
+          </a:bodyPr>
+          <a:lstStyle/>
+          <a:p>
+            <a:r>
+              <a:rPr lang="it-IT" dirty="0"/>
+              <a:t>Nel nostro caso abbiamo applicato il pattern alle classi che implementano il pattern Strategy, ovvero le classi che hanno il compito di gestire i comandi selezionabili dall’utente</a:t>
+            </a:r>
+          </a:p>
+          <a:p>
+            <a:r>
+              <a:rPr lang="it-IT" dirty="0"/>
+              <a:t>All’interno dei vari comandi abbiamo estratto alcuni frammenti tra i quali:</a:t>
+            </a:r>
+          </a:p>
+          <a:p>
+            <a:pPr lvl="1"/>
+            <a:r>
+              <a:rPr lang="it-IT" sz="1800" dirty="0"/>
+              <a:t>Controllo sui parametri</a:t>
+            </a:r>
+          </a:p>
+          <a:p>
+            <a:pPr lvl="1"/>
+            <a:r>
+              <a:rPr lang="it-IT" sz="1800" dirty="0"/>
+              <a:t>Inserimento di valori da parte dell’utente	</a:t>
+            </a:r>
+            <a:br>
+              <a:rPr lang="it-IT" dirty="0"/>
+            </a:br>
+            <a:r>
+              <a:rPr lang="it-IT" dirty="0"/>
+              <a:t>	</a:t>
+            </a:r>
+          </a:p>
+        </p:txBody>
+      </p:sp>
+      <p:sp>
+        <p:nvSpPr>
+          <p:cNvPr id="9" name="Segnaposto testo 8">
+            <a:extLst>
+              <a:ext uri="{FF2B5EF4-FFF2-40B4-BE49-F238E27FC236}">
+                <a16:creationId xmlns:a16="http://schemas.microsoft.com/office/drawing/2014/main" id="{53469036-D1FB-4164-96AE-B6D8CECCFC96}"/>
+              </a:ext>
+            </a:extLst>
+          </p:cNvPr>
+          <p:cNvSpPr>
+            <a:spLocks noGrp="1"/>
+          </p:cNvSpPr>
+          <p:nvPr>
+            <p:ph type="body" sz="quarter" idx="13"/>
+          </p:nvPr>
+        </p:nvSpPr>
+        <p:spPr>
+          <a:xfrm>
+            <a:off x="531378" y="1292250"/>
+            <a:ext cx="7342631" cy="608895"/>
+          </a:xfrm>
+        </p:spPr>
+        <p:txBody>
+          <a:bodyPr rtlCol="0"/>
+          <a:lstStyle/>
+          <a:p>
+            <a:pPr rtl="0"/>
+            <a:r>
+              <a:rPr lang="it-IT" dirty="0" err="1"/>
+              <a:t>Refactoring</a:t>
+            </a:r>
+            <a:endParaRPr lang="it-IT" dirty="0"/>
+          </a:p>
+        </p:txBody>
+      </p:sp>
+      <p:sp>
+        <p:nvSpPr>
+          <p:cNvPr id="4" name="Titolo 3">
+            <a:extLst>
+              <a:ext uri="{FF2B5EF4-FFF2-40B4-BE49-F238E27FC236}">
+                <a16:creationId xmlns:a16="http://schemas.microsoft.com/office/drawing/2014/main" id="{1ABE11BF-33A5-4653-A144-CCCBACF58C30}"/>
+              </a:ext>
+            </a:extLst>
+          </p:cNvPr>
+          <p:cNvSpPr>
+            <a:spLocks noGrp="1"/>
+          </p:cNvSpPr>
+          <p:nvPr>
+            <p:ph type="title"/>
+          </p:nvPr>
+        </p:nvSpPr>
+        <p:spPr>
+          <a:xfrm>
+            <a:off x="531378" y="162401"/>
+            <a:ext cx="7342622" cy="1215566"/>
+          </a:xfrm>
+        </p:spPr>
+        <p:txBody>
+          <a:bodyPr rtlCol="0">
+            <a:normAutofit/>
+          </a:bodyPr>
+          <a:lstStyle/>
+          <a:p>
+            <a:r>
+              <a:rPr lang="it-IT" dirty="0" err="1"/>
+              <a:t>Extract</a:t>
+            </a:r>
+            <a:r>
+              <a:rPr lang="it-IT" dirty="0"/>
+              <a:t> Method</a:t>
+            </a:r>
+          </a:p>
+        </p:txBody>
+      </p:sp>
+      <p:sp>
+        <p:nvSpPr>
+          <p:cNvPr id="11" name="Segnaposto piè di pagina 10">
+            <a:extLst>
+              <a:ext uri="{FF2B5EF4-FFF2-40B4-BE49-F238E27FC236}">
+                <a16:creationId xmlns:a16="http://schemas.microsoft.com/office/drawing/2014/main" id="{47F4D2C2-B71A-4089-A3FE-603C32706CA6}"/>
+              </a:ext>
+            </a:extLst>
+          </p:cNvPr>
+          <p:cNvSpPr>
+            <a:spLocks noGrp="1"/>
+          </p:cNvSpPr>
+          <p:nvPr>
+            <p:ph type="ftr" sz="quarter" idx="14"/>
+          </p:nvPr>
+        </p:nvSpPr>
+        <p:spPr/>
+        <p:txBody>
+          <a:bodyPr rtlCol="0"/>
+          <a:lstStyle/>
+          <a:p>
+            <a:pPr rtl="0"/>
+            <a:r>
+              <a:rPr lang="it-IT" dirty="0"/>
+              <a:t>Aggiungere un piè di pagina</a:t>
+            </a:r>
+          </a:p>
+        </p:txBody>
+      </p:sp>
+      <p:sp>
+        <p:nvSpPr>
+          <p:cNvPr id="12" name="Segnaposto numero diapositiva 11">
+            <a:extLst>
+              <a:ext uri="{FF2B5EF4-FFF2-40B4-BE49-F238E27FC236}">
+                <a16:creationId xmlns:a16="http://schemas.microsoft.com/office/drawing/2014/main" id="{FBA1BB58-7555-4382-B178-7ED04E137E77}"/>
+              </a:ext>
+            </a:extLst>
+          </p:cNvPr>
+          <p:cNvSpPr>
+            <a:spLocks noGrp="1"/>
+          </p:cNvSpPr>
+          <p:nvPr>
+            <p:ph type="sldNum" sz="quarter" idx="15"/>
+          </p:nvPr>
+        </p:nvSpPr>
+        <p:spPr/>
+        <p:txBody>
+          <a:bodyPr rtlCol="0"/>
+          <a:lstStyle/>
+          <a:p>
+            <a:pPr rtl="0"/>
+            <a:fld id="{8699F50C-BE38-4BD0-BA84-9B090E1F2B9B}" type="slidenum">
+              <a:rPr lang="it-IT" smtClean="0"/>
+              <a:pPr rtl="0"/>
+              <a:t>27</a:t>
+            </a:fld>
+            <a:endParaRPr lang="it-IT" dirty="0"/>
+          </a:p>
+        </p:txBody>
+      </p:sp>
+    </p:spTree>
+    <p:extLst>
+      <p:ext uri="{BB962C8B-B14F-4D97-AF65-F5344CB8AC3E}">
+        <p14:creationId xmlns:p14="http://schemas.microsoft.com/office/powerpoint/2010/main" val="241988000"/>
+      </p:ext>
+    </p:extLst>
+  </p:cSld>
+  <p:clrMapOvr>
+    <a:masterClrMapping/>
+  </p:clrMapOvr>
+</p:sld>
+</file>
+
+<file path=ppt/slides/slide28.xml><?xml version="1.0" encoding="utf-8"?>
+<p:sld xmlns:a="http://schemas.openxmlformats.org/drawingml/2006/main" xmlns:r="http://schemas.openxmlformats.org/officeDocument/2006/relationships" xmlns:p="http://schemas.openxmlformats.org/presentationml/2006/main" showMasterSp="0">
+  <p:cSld>
+    <p:bg>
+      <p:bgRef idx="1001">
+        <a:schemeClr val="bg1"/>
+      </p:bgRef>
+    </p:bg>
+    <p:spTree>
+      <p:nvGrpSpPr>
+        <p:cNvPr id="1" name=""/>
+        <p:cNvGrpSpPr/>
+        <p:nvPr/>
+      </p:nvGrpSpPr>
+      <p:grpSpPr>
+        <a:xfrm>
+          <a:off x="0" y="0"/>
+          <a:ext cx="0" cy="0"/>
+          <a:chOff x="0" y="0"/>
+          <a:chExt cx="0" cy="0"/>
+        </a:xfrm>
+      </p:grpSpPr>
+      <p:sp>
+        <p:nvSpPr>
+          <p:cNvPr id="15" name="Segnaposto testo 14">
+            <a:extLst>
+              <a:ext uri="{FF2B5EF4-FFF2-40B4-BE49-F238E27FC236}">
+                <a16:creationId xmlns:a16="http://schemas.microsoft.com/office/drawing/2014/main" id="{24E18385-8BEA-4522-ABAA-5AB38F0D4FC2}"/>
+              </a:ext>
+            </a:extLst>
+          </p:cNvPr>
+          <p:cNvSpPr>
+            <a:spLocks noGrp="1"/>
+          </p:cNvSpPr>
+          <p:nvPr>
+            <p:ph type="body" idx="1"/>
+          </p:nvPr>
+        </p:nvSpPr>
+        <p:spPr>
+          <a:xfrm>
+            <a:off x="518678" y="1714294"/>
+            <a:ext cx="5475290" cy="781188"/>
+          </a:xfrm>
+        </p:spPr>
+        <p:txBody>
+          <a:bodyPr rtlCol="0"/>
+          <a:lstStyle/>
+          <a:p>
+            <a:pPr rtl="0"/>
+            <a:r>
+              <a:rPr lang="it-IT" dirty="0"/>
+              <a:t>Vantaggi</a:t>
+            </a:r>
+          </a:p>
+        </p:txBody>
+      </p:sp>
+      <p:sp>
+        <p:nvSpPr>
+          <p:cNvPr id="16" name="Segnaposto contenuto 15">
+            <a:extLst>
+              <a:ext uri="{FF2B5EF4-FFF2-40B4-BE49-F238E27FC236}">
+                <a16:creationId xmlns:a16="http://schemas.microsoft.com/office/drawing/2014/main" id="{1DCFA8A2-3FB8-48CA-933D-0800A9D2A2A2}"/>
+              </a:ext>
+            </a:extLst>
+          </p:cNvPr>
+          <p:cNvSpPr>
+            <a:spLocks noGrp="1"/>
+          </p:cNvSpPr>
+          <p:nvPr>
+            <p:ph sz="half" idx="13"/>
+          </p:nvPr>
+        </p:nvSpPr>
+        <p:spPr>
+          <a:xfrm>
+            <a:off x="569694" y="2462567"/>
+            <a:ext cx="10705110" cy="3232149"/>
+          </a:xfrm>
+        </p:spPr>
+        <p:txBody>
+          <a:bodyPr rtlCol="0">
+            <a:normAutofit/>
+          </a:bodyPr>
+          <a:lstStyle/>
+          <a:p>
+            <a:pPr rtl="0">
+              <a:buClr>
+                <a:schemeClr val="accent2"/>
+              </a:buClr>
+            </a:pPr>
+            <a:r>
+              <a:rPr lang="it-IT" sz="2000" dirty="0">
+                <a:solidFill>
+                  <a:schemeClr val="tx1"/>
+                </a:solidFill>
+              </a:rPr>
+              <a:t>Codice più leggibile</a:t>
+            </a:r>
+          </a:p>
+          <a:p>
+            <a:pPr rtl="0">
+              <a:buClr>
+                <a:schemeClr val="accent2"/>
+              </a:buClr>
+            </a:pPr>
+            <a:r>
+              <a:rPr lang="it-IT" sz="2000" dirty="0">
+                <a:solidFill>
+                  <a:schemeClr val="tx1"/>
+                </a:solidFill>
+              </a:rPr>
+              <a:t>Meno codice duplicato</a:t>
+            </a:r>
+          </a:p>
+          <a:p>
+            <a:pPr rtl="0">
+              <a:buClr>
+                <a:schemeClr val="accent2"/>
+              </a:buClr>
+            </a:pPr>
+            <a:r>
+              <a:rPr lang="it-IT" sz="2000" dirty="0">
+                <a:solidFill>
+                  <a:schemeClr val="tx1"/>
+                </a:solidFill>
+              </a:rPr>
+              <a:t>Isola parti indipendenti del codice, riducendo la probabilità di errori</a:t>
+            </a:r>
+          </a:p>
+          <a:p>
+            <a:pPr rtl="0">
+              <a:buClr>
+                <a:schemeClr val="accent2"/>
+              </a:buClr>
+            </a:pPr>
+            <a:r>
+              <a:rPr lang="it-IT" sz="2000" dirty="0">
+                <a:solidFill>
+                  <a:schemeClr val="tx1"/>
+                </a:solidFill>
+              </a:rPr>
+              <a:t>Codice può essere riutilizzato in altre parti</a:t>
+            </a:r>
+          </a:p>
+        </p:txBody>
+      </p:sp>
+      <p:sp>
+        <p:nvSpPr>
+          <p:cNvPr id="19" name="Segnaposto testo 18">
+            <a:extLst>
+              <a:ext uri="{FF2B5EF4-FFF2-40B4-BE49-F238E27FC236}">
+                <a16:creationId xmlns:a16="http://schemas.microsoft.com/office/drawing/2014/main" id="{DFE11F38-F66B-4F95-8224-6CCA69D57617}"/>
+              </a:ext>
+            </a:extLst>
+          </p:cNvPr>
+          <p:cNvSpPr>
+            <a:spLocks noGrp="1"/>
+          </p:cNvSpPr>
+          <p:nvPr>
+            <p:ph type="body" sz="quarter" idx="16"/>
+          </p:nvPr>
+        </p:nvSpPr>
+        <p:spPr/>
+        <p:txBody>
+          <a:bodyPr rtlCol="0">
+            <a:normAutofit/>
+          </a:bodyPr>
+          <a:lstStyle/>
+          <a:p>
+            <a:r>
+              <a:rPr lang="it-IT" dirty="0" err="1">
+                <a:solidFill>
+                  <a:schemeClr val="bg2">
+                    <a:lumMod val="50000"/>
+                  </a:schemeClr>
+                </a:solidFill>
+              </a:rPr>
+              <a:t>Refactoring</a:t>
+            </a:r>
+            <a:endParaRPr lang="it-IT" dirty="0">
+              <a:solidFill>
+                <a:schemeClr val="bg2">
+                  <a:lumMod val="50000"/>
+                </a:schemeClr>
+              </a:solidFill>
+            </a:endParaRPr>
+          </a:p>
+        </p:txBody>
+      </p:sp>
+      <p:sp>
+        <p:nvSpPr>
+          <p:cNvPr id="20" name="Segnaposto piè di pagina 4">
+            <a:extLst>
+              <a:ext uri="{FF2B5EF4-FFF2-40B4-BE49-F238E27FC236}">
+                <a16:creationId xmlns:a16="http://schemas.microsoft.com/office/drawing/2014/main" id="{391D3201-20F9-4DD7-B4EB-F41AF17CA428}"/>
+              </a:ext>
+            </a:extLst>
+          </p:cNvPr>
+          <p:cNvSpPr>
+            <a:spLocks noGrp="1"/>
+          </p:cNvSpPr>
+          <p:nvPr>
+            <p:ph type="ftr" sz="quarter" idx="17"/>
+          </p:nvPr>
+        </p:nvSpPr>
+        <p:spPr/>
+        <p:txBody>
+          <a:bodyPr rtlCol="0"/>
+          <a:lstStyle>
+            <a:lvl1pPr algn="r">
+              <a:defRPr sz="1200">
+                <a:solidFill>
+                  <a:schemeClr val="tx1">
+                    <a:lumMod val="50000"/>
+                    <a:lumOff val="50000"/>
+                  </a:schemeClr>
+                </a:solidFill>
+              </a:defRPr>
+            </a:lvl1pPr>
+          </a:lstStyle>
+          <a:p>
+            <a:pPr algn="l" rtl="0"/>
+            <a:r>
+              <a:rPr lang="it-IT" dirty="0"/>
+              <a:t>Aggiungere un piè di pagina</a:t>
+            </a:r>
+          </a:p>
+        </p:txBody>
+      </p:sp>
+      <p:sp>
+        <p:nvSpPr>
+          <p:cNvPr id="21" name="Segnaposto numero diapositiva 5">
+            <a:extLst>
+              <a:ext uri="{FF2B5EF4-FFF2-40B4-BE49-F238E27FC236}">
+                <a16:creationId xmlns:a16="http://schemas.microsoft.com/office/drawing/2014/main" id="{C7C65DDB-24F2-44CF-AE02-F3A6C8B1858B}"/>
+              </a:ext>
+            </a:extLst>
+          </p:cNvPr>
+          <p:cNvSpPr>
+            <a:spLocks noGrp="1"/>
+          </p:cNvSpPr>
+          <p:nvPr>
+            <p:ph type="sldNum" sz="quarter" idx="18"/>
+          </p:nvPr>
+        </p:nvSpPr>
+        <p:spPr/>
+        <p:txBody>
+          <a:bodyPr rtlCol="0"/>
+          <a:lstStyle>
+            <a:lvl1pPr algn="r">
+              <a:defRPr sz="1200">
+                <a:solidFill>
+                  <a:schemeClr val="tx1">
+                    <a:lumMod val="50000"/>
+                    <a:lumOff val="50000"/>
+                  </a:schemeClr>
+                </a:solidFill>
+              </a:defRPr>
+            </a:lvl1pPr>
+          </a:lstStyle>
+          <a:p>
+            <a:pPr rtl="0"/>
+            <a:fld id="{8699F50C-BE38-4BD0-BA84-9B090E1F2B9B}" type="slidenum">
+              <a:rPr lang="it-IT" smtClean="0"/>
+              <a:pPr rtl="0"/>
+              <a:t>28</a:t>
+            </a:fld>
+            <a:endParaRPr lang="it-IT" dirty="0"/>
+          </a:p>
+        </p:txBody>
+      </p:sp>
+      <p:sp>
+        <p:nvSpPr>
+          <p:cNvPr id="14" name="Titolo 13">
+            <a:extLst>
+              <a:ext uri="{FF2B5EF4-FFF2-40B4-BE49-F238E27FC236}">
+                <a16:creationId xmlns:a16="http://schemas.microsoft.com/office/drawing/2014/main" id="{E3E5EE03-FBF6-46F5-8085-716AC6CE1C8C}"/>
+              </a:ext>
+            </a:extLst>
+          </p:cNvPr>
+          <p:cNvSpPr>
+            <a:spLocks noGrp="1"/>
+          </p:cNvSpPr>
+          <p:nvPr>
+            <p:ph type="title"/>
+          </p:nvPr>
+        </p:nvSpPr>
+        <p:spPr/>
+        <p:txBody>
+          <a:bodyPr rtlCol="0"/>
+          <a:lstStyle/>
+          <a:p>
+            <a:pPr rtl="0"/>
+            <a:r>
+              <a:rPr lang="it-IT" dirty="0" err="1">
+                <a:solidFill>
+                  <a:schemeClr val="accent1"/>
+                </a:solidFill>
+              </a:rPr>
+              <a:t>Extract</a:t>
+            </a:r>
+            <a:r>
+              <a:rPr lang="it-IT" dirty="0">
+                <a:solidFill>
+                  <a:schemeClr val="accent1"/>
+                </a:solidFill>
+              </a:rPr>
+              <a:t> Method</a:t>
+            </a:r>
+          </a:p>
+        </p:txBody>
+      </p:sp>
+    </p:spTree>
+    <p:extLst>
+      <p:ext uri="{BB962C8B-B14F-4D97-AF65-F5344CB8AC3E}">
+        <p14:creationId xmlns:p14="http://schemas.microsoft.com/office/powerpoint/2010/main" val="2902433384"/>
+      </p:ext>
+    </p:extLst>
+  </p:cSld>
+  <p:clrMapOvr>
+    <a:overrideClrMapping bg1="lt1" tx1="dk1" bg2="lt2" tx2="dk2" accent1="accent1" accent2="accent2" accent3="accent3" accent4="accent4" accent5="accent5" accent6="accent6" hlink="hlink" folHlink="folHlink"/>
+  </p:clrMapOvr>
+</p:sld>
+</file>
+
+<file path=ppt/slides/slide29.xml><?xml version="1.0" encoding="utf-8"?>
+<p:sld xmlns:a="http://schemas.openxmlformats.org/drawingml/2006/main" xmlns:r="http://schemas.openxmlformats.org/officeDocument/2006/relationships" xmlns:p="http://schemas.openxmlformats.org/presentationml/2006/main" showMasterSp="0">
+  <p:cSld>
+    <p:spTree>
+      <p:nvGrpSpPr>
+        <p:cNvPr id="1" name=""/>
+        <p:cNvGrpSpPr/>
+        <p:nvPr/>
+      </p:nvGrpSpPr>
+      <p:grpSpPr>
+        <a:xfrm>
+          <a:off x="0" y="0"/>
+          <a:ext cx="0" cy="0"/>
+          <a:chOff x="0" y="0"/>
+          <a:chExt cx="0" cy="0"/>
+        </a:xfrm>
+      </p:grpSpPr>
+      <p:sp>
+        <p:nvSpPr>
+          <p:cNvPr id="7" name="Segnaposto contenuto 6">
+            <a:extLst>
+              <a:ext uri="{FF2B5EF4-FFF2-40B4-BE49-F238E27FC236}">
+                <a16:creationId xmlns:a16="http://schemas.microsoft.com/office/drawing/2014/main" id="{2482DBEC-EE72-4155-ACC5-87E80C5606A9}"/>
+              </a:ext>
+            </a:extLst>
+          </p:cNvPr>
+          <p:cNvSpPr>
+            <a:spLocks noGrp="1"/>
+          </p:cNvSpPr>
+          <p:nvPr>
+            <p:ph idx="1"/>
+          </p:nvPr>
+        </p:nvSpPr>
+        <p:spPr>
+          <a:xfrm>
+            <a:off x="531378" y="2386264"/>
+            <a:ext cx="10307198" cy="2958275"/>
+          </a:xfrm>
+        </p:spPr>
+        <p:txBody>
+          <a:bodyPr rtlCol="0">
+            <a:normAutofit/>
+          </a:bodyPr>
+          <a:lstStyle/>
+          <a:p>
+            <a:r>
+              <a:rPr lang="it-IT" dirty="0"/>
+              <a:t>Il </a:t>
+            </a:r>
+            <a:r>
+              <a:rPr lang="it-IT" dirty="0">
+                <a:solidFill>
+                  <a:srgbClr val="FF0000"/>
+                </a:solidFill>
+              </a:rPr>
+              <a:t>problema</a:t>
+            </a:r>
+            <a:r>
+              <a:rPr lang="it-IT" dirty="0"/>
+              <a:t> è che un metodo viene usato da più classi rispetto alla classe in cui è definito</a:t>
+            </a:r>
+            <a:endParaRPr lang="it-IT" dirty="0">
+              <a:solidFill>
+                <a:srgbClr val="FF0000"/>
+              </a:solidFill>
+            </a:endParaRPr>
+          </a:p>
+          <a:p>
+            <a:r>
+              <a:rPr lang="it-IT" dirty="0"/>
+              <a:t>La </a:t>
+            </a:r>
+            <a:r>
+              <a:rPr lang="it-IT" dirty="0">
+                <a:solidFill>
+                  <a:schemeClr val="accent6"/>
+                </a:solidFill>
+              </a:rPr>
+              <a:t>soluzione</a:t>
+            </a:r>
+            <a:r>
+              <a:rPr lang="it-IT" dirty="0"/>
+              <a:t> è creare un nuovo metodo con un corpo simile nell’altra classe e poi modificare il vecchio metodo delegando il compito o rimuovilo </a:t>
+            </a:r>
+            <a:endParaRPr lang="it-IT" i="1" dirty="0"/>
+          </a:p>
+          <a:p>
+            <a:pPr marL="0" indent="0">
+              <a:buNone/>
+            </a:pPr>
+            <a:endParaRPr lang="it-IT" i="1" dirty="0"/>
+          </a:p>
+        </p:txBody>
+      </p:sp>
+      <p:sp>
+        <p:nvSpPr>
+          <p:cNvPr id="9" name="Segnaposto testo 8">
+            <a:extLst>
+              <a:ext uri="{FF2B5EF4-FFF2-40B4-BE49-F238E27FC236}">
+                <a16:creationId xmlns:a16="http://schemas.microsoft.com/office/drawing/2014/main" id="{53469036-D1FB-4164-96AE-B6D8CECCFC96}"/>
+              </a:ext>
+            </a:extLst>
+          </p:cNvPr>
+          <p:cNvSpPr>
+            <a:spLocks noGrp="1"/>
+          </p:cNvSpPr>
+          <p:nvPr>
+            <p:ph type="body" sz="quarter" idx="13"/>
+          </p:nvPr>
+        </p:nvSpPr>
+        <p:spPr>
+          <a:xfrm>
+            <a:off x="531378" y="1374452"/>
+            <a:ext cx="7342631" cy="608895"/>
+          </a:xfrm>
+        </p:spPr>
+        <p:txBody>
+          <a:bodyPr rtlCol="0"/>
+          <a:lstStyle/>
+          <a:p>
+            <a:pPr rtl="0"/>
+            <a:r>
+              <a:rPr lang="it-IT" dirty="0" err="1"/>
+              <a:t>Refactoring</a:t>
+            </a:r>
+            <a:endParaRPr lang="it-IT" dirty="0"/>
+          </a:p>
+        </p:txBody>
+      </p:sp>
+      <p:sp>
+        <p:nvSpPr>
+          <p:cNvPr id="4" name="Titolo 3">
+            <a:extLst>
+              <a:ext uri="{FF2B5EF4-FFF2-40B4-BE49-F238E27FC236}">
+                <a16:creationId xmlns:a16="http://schemas.microsoft.com/office/drawing/2014/main" id="{1ABE11BF-33A5-4653-A144-CCCBACF58C30}"/>
+              </a:ext>
+            </a:extLst>
+          </p:cNvPr>
+          <p:cNvSpPr>
+            <a:spLocks noGrp="1"/>
+          </p:cNvSpPr>
+          <p:nvPr>
+            <p:ph type="title"/>
+          </p:nvPr>
+        </p:nvSpPr>
+        <p:spPr>
+          <a:xfrm>
+            <a:off x="531378" y="158886"/>
+            <a:ext cx="7342622" cy="1215566"/>
+          </a:xfrm>
+        </p:spPr>
+        <p:txBody>
+          <a:bodyPr rtlCol="0">
+            <a:normAutofit/>
+          </a:bodyPr>
+          <a:lstStyle/>
+          <a:p>
+            <a:r>
+              <a:rPr lang="it-IT" dirty="0" err="1"/>
+              <a:t>Move</a:t>
+            </a:r>
+            <a:r>
+              <a:rPr lang="it-IT" dirty="0"/>
+              <a:t> Method</a:t>
+            </a:r>
+          </a:p>
+        </p:txBody>
+      </p:sp>
+      <p:sp>
+        <p:nvSpPr>
+          <p:cNvPr id="11" name="Segnaposto piè di pagina 10">
+            <a:extLst>
+              <a:ext uri="{FF2B5EF4-FFF2-40B4-BE49-F238E27FC236}">
+                <a16:creationId xmlns:a16="http://schemas.microsoft.com/office/drawing/2014/main" id="{47F4D2C2-B71A-4089-A3FE-603C32706CA6}"/>
+              </a:ext>
+            </a:extLst>
+          </p:cNvPr>
+          <p:cNvSpPr>
+            <a:spLocks noGrp="1"/>
+          </p:cNvSpPr>
+          <p:nvPr>
+            <p:ph type="ftr" sz="quarter" idx="14"/>
+          </p:nvPr>
+        </p:nvSpPr>
+        <p:spPr/>
+        <p:txBody>
+          <a:bodyPr rtlCol="0"/>
+          <a:lstStyle/>
+          <a:p>
+            <a:pPr rtl="0"/>
+            <a:r>
+              <a:rPr lang="it-IT" dirty="0"/>
+              <a:t>Aggiungere un piè di pagina</a:t>
+            </a:r>
+          </a:p>
+        </p:txBody>
+      </p:sp>
+      <p:sp>
+        <p:nvSpPr>
+          <p:cNvPr id="12" name="Segnaposto numero diapositiva 11">
+            <a:extLst>
+              <a:ext uri="{FF2B5EF4-FFF2-40B4-BE49-F238E27FC236}">
+                <a16:creationId xmlns:a16="http://schemas.microsoft.com/office/drawing/2014/main" id="{FBA1BB58-7555-4382-B178-7ED04E137E77}"/>
+              </a:ext>
+            </a:extLst>
+          </p:cNvPr>
+          <p:cNvSpPr>
+            <a:spLocks noGrp="1"/>
+          </p:cNvSpPr>
+          <p:nvPr>
+            <p:ph type="sldNum" sz="quarter" idx="15"/>
+          </p:nvPr>
+        </p:nvSpPr>
+        <p:spPr/>
+        <p:txBody>
+          <a:bodyPr rtlCol="0"/>
+          <a:lstStyle/>
+          <a:p>
+            <a:pPr rtl="0"/>
+            <a:fld id="{8699F50C-BE38-4BD0-BA84-9B090E1F2B9B}" type="slidenum">
+              <a:rPr lang="it-IT" smtClean="0"/>
+              <a:pPr rtl="0"/>
+              <a:t>29</a:t>
+            </a:fld>
+            <a:endParaRPr lang="it-IT" dirty="0"/>
+          </a:p>
+        </p:txBody>
+      </p:sp>
+    </p:spTree>
+    <p:extLst>
+      <p:ext uri="{BB962C8B-B14F-4D97-AF65-F5344CB8AC3E}">
+        <p14:creationId xmlns:p14="http://schemas.microsoft.com/office/powerpoint/2010/main" val="108118270"/>
+      </p:ext>
+    </p:extLst>
+  </p:cSld>
+  <p:clrMapOvr>
+    <a:masterClrMapping/>
+  </p:clrMapOvr>
+</p:sld>
+</file>
+
 <file path=ppt/slides/slide3.xml><?xml version="1.0" encoding="utf-8"?>
 <p:sld xmlns:a="http://schemas.openxmlformats.org/drawingml/2006/main" xmlns:r="http://schemas.openxmlformats.org/officeDocument/2006/relationships" xmlns:p="http://schemas.openxmlformats.org/presentationml/2006/main" showMasterSp="0">
   <p:cSld>
@@ -22300,7 +23777,7 @@
             <a:pPr rtl="0"/>
             <a:r>
               <a:rPr lang="it-IT" dirty="0"/>
-              <a:t>POLIMORFISMO</a:t>
+              <a:t>Polimorfismo</a:t>
             </a:r>
             <a:endParaRPr lang="it-IT" b="0" dirty="0"/>
           </a:p>
@@ -22375,6 +23852,640 @@
   </p:cSld>
   <p:clrMapOvr>
     <a:masterClrMapping/>
+  </p:clrMapOvr>
+</p:sld>
+</file>
+
+<file path=ppt/slides/slide30.xml><?xml version="1.0" encoding="utf-8"?>
+<p:sld xmlns:a="http://schemas.openxmlformats.org/drawingml/2006/main" xmlns:r="http://schemas.openxmlformats.org/officeDocument/2006/relationships" xmlns:p="http://schemas.openxmlformats.org/presentationml/2006/main" showMasterSp="0">
+  <p:cSld>
+    <p:spTree>
+      <p:nvGrpSpPr>
+        <p:cNvPr id="1" name=""/>
+        <p:cNvGrpSpPr/>
+        <p:nvPr/>
+      </p:nvGrpSpPr>
+      <p:grpSpPr>
+        <a:xfrm>
+          <a:off x="0" y="0"/>
+          <a:ext cx="0" cy="0"/>
+          <a:chOff x="0" y="0"/>
+          <a:chExt cx="0" cy="0"/>
+        </a:xfrm>
+      </p:grpSpPr>
+      <p:sp>
+        <p:nvSpPr>
+          <p:cNvPr id="7" name="Segnaposto contenuto 6">
+            <a:extLst>
+              <a:ext uri="{FF2B5EF4-FFF2-40B4-BE49-F238E27FC236}">
+                <a16:creationId xmlns:a16="http://schemas.microsoft.com/office/drawing/2014/main" id="{2482DBEC-EE72-4155-ACC5-87E80C5606A9}"/>
+              </a:ext>
+            </a:extLst>
+          </p:cNvPr>
+          <p:cNvSpPr>
+            <a:spLocks noGrp="1"/>
+          </p:cNvSpPr>
+          <p:nvPr>
+            <p:ph idx="1"/>
+          </p:nvPr>
+        </p:nvSpPr>
+        <p:spPr>
+          <a:xfrm>
+            <a:off x="531378" y="2507816"/>
+            <a:ext cx="10307198" cy="2958275"/>
+          </a:xfrm>
+        </p:spPr>
+        <p:txBody>
+          <a:bodyPr rtlCol="0">
+            <a:normAutofit/>
+          </a:bodyPr>
+          <a:lstStyle/>
+          <a:p>
+            <a:r>
+              <a:rPr lang="it-IT" dirty="0"/>
+              <a:t>Nel nostro caso avevamo metodi comuni a più comandi (ma non a tutti) e abbiamo applicato il pattern </a:t>
+            </a:r>
+            <a:r>
+              <a:rPr lang="it-IT" dirty="0" err="1"/>
+              <a:t>Move</a:t>
+            </a:r>
+            <a:r>
+              <a:rPr lang="it-IT" dirty="0"/>
+              <a:t> Method per evitare codice duplicato</a:t>
+            </a:r>
+          </a:p>
+          <a:p>
+            <a:r>
+              <a:rPr lang="it-IT" dirty="0"/>
+              <a:t>I frammenti che abbiamo spostato sono relativi a: </a:t>
+            </a:r>
+          </a:p>
+          <a:p>
+            <a:pPr lvl="1"/>
+            <a:r>
+              <a:rPr lang="it-IT" sz="1800" dirty="0"/>
+              <a:t>Controllo sui parametri</a:t>
+            </a:r>
+          </a:p>
+          <a:p>
+            <a:pPr lvl="1"/>
+            <a:r>
+              <a:rPr lang="it-IT" sz="1800" dirty="0"/>
+              <a:t>Inserimento di valori da parte dell’utente	</a:t>
+            </a:r>
+            <a:br>
+              <a:rPr lang="it-IT" dirty="0"/>
+            </a:br>
+            <a:r>
+              <a:rPr lang="it-IT" dirty="0"/>
+              <a:t>	</a:t>
+            </a:r>
+          </a:p>
+        </p:txBody>
+      </p:sp>
+      <p:sp>
+        <p:nvSpPr>
+          <p:cNvPr id="9" name="Segnaposto testo 8">
+            <a:extLst>
+              <a:ext uri="{FF2B5EF4-FFF2-40B4-BE49-F238E27FC236}">
+                <a16:creationId xmlns:a16="http://schemas.microsoft.com/office/drawing/2014/main" id="{53469036-D1FB-4164-96AE-B6D8CECCFC96}"/>
+              </a:ext>
+            </a:extLst>
+          </p:cNvPr>
+          <p:cNvSpPr>
+            <a:spLocks noGrp="1"/>
+          </p:cNvSpPr>
+          <p:nvPr>
+            <p:ph type="body" sz="quarter" idx="13"/>
+          </p:nvPr>
+        </p:nvSpPr>
+        <p:spPr>
+          <a:xfrm>
+            <a:off x="531369" y="1391909"/>
+            <a:ext cx="7342631" cy="608895"/>
+          </a:xfrm>
+        </p:spPr>
+        <p:txBody>
+          <a:bodyPr rtlCol="0"/>
+          <a:lstStyle/>
+          <a:p>
+            <a:pPr rtl="0"/>
+            <a:r>
+              <a:rPr lang="it-IT" dirty="0" err="1"/>
+              <a:t>Refactoring</a:t>
+            </a:r>
+            <a:endParaRPr lang="it-IT" dirty="0"/>
+          </a:p>
+        </p:txBody>
+      </p:sp>
+      <p:sp>
+        <p:nvSpPr>
+          <p:cNvPr id="4" name="Titolo 3">
+            <a:extLst>
+              <a:ext uri="{FF2B5EF4-FFF2-40B4-BE49-F238E27FC236}">
+                <a16:creationId xmlns:a16="http://schemas.microsoft.com/office/drawing/2014/main" id="{1ABE11BF-33A5-4653-A144-CCCBACF58C30}"/>
+              </a:ext>
+            </a:extLst>
+          </p:cNvPr>
+          <p:cNvSpPr>
+            <a:spLocks noGrp="1"/>
+          </p:cNvSpPr>
+          <p:nvPr>
+            <p:ph type="title"/>
+          </p:nvPr>
+        </p:nvSpPr>
+        <p:spPr>
+          <a:xfrm>
+            <a:off x="531378" y="162401"/>
+            <a:ext cx="7342622" cy="1215566"/>
+          </a:xfrm>
+        </p:spPr>
+        <p:txBody>
+          <a:bodyPr rtlCol="0">
+            <a:normAutofit/>
+          </a:bodyPr>
+          <a:lstStyle/>
+          <a:p>
+            <a:r>
+              <a:rPr lang="it-IT" dirty="0" err="1"/>
+              <a:t>Move</a:t>
+            </a:r>
+            <a:r>
+              <a:rPr lang="it-IT" dirty="0"/>
+              <a:t> Method</a:t>
+            </a:r>
+          </a:p>
+        </p:txBody>
+      </p:sp>
+      <p:sp>
+        <p:nvSpPr>
+          <p:cNvPr id="11" name="Segnaposto piè di pagina 10">
+            <a:extLst>
+              <a:ext uri="{FF2B5EF4-FFF2-40B4-BE49-F238E27FC236}">
+                <a16:creationId xmlns:a16="http://schemas.microsoft.com/office/drawing/2014/main" id="{47F4D2C2-B71A-4089-A3FE-603C32706CA6}"/>
+              </a:ext>
+            </a:extLst>
+          </p:cNvPr>
+          <p:cNvSpPr>
+            <a:spLocks noGrp="1"/>
+          </p:cNvSpPr>
+          <p:nvPr>
+            <p:ph type="ftr" sz="quarter" idx="14"/>
+          </p:nvPr>
+        </p:nvSpPr>
+        <p:spPr/>
+        <p:txBody>
+          <a:bodyPr rtlCol="0"/>
+          <a:lstStyle/>
+          <a:p>
+            <a:pPr rtl="0"/>
+            <a:r>
+              <a:rPr lang="it-IT" dirty="0"/>
+              <a:t>Aggiungere un piè di pagina</a:t>
+            </a:r>
+          </a:p>
+        </p:txBody>
+      </p:sp>
+      <p:sp>
+        <p:nvSpPr>
+          <p:cNvPr id="12" name="Segnaposto numero diapositiva 11">
+            <a:extLst>
+              <a:ext uri="{FF2B5EF4-FFF2-40B4-BE49-F238E27FC236}">
+                <a16:creationId xmlns:a16="http://schemas.microsoft.com/office/drawing/2014/main" id="{FBA1BB58-7555-4382-B178-7ED04E137E77}"/>
+              </a:ext>
+            </a:extLst>
+          </p:cNvPr>
+          <p:cNvSpPr>
+            <a:spLocks noGrp="1"/>
+          </p:cNvSpPr>
+          <p:nvPr>
+            <p:ph type="sldNum" sz="quarter" idx="15"/>
+          </p:nvPr>
+        </p:nvSpPr>
+        <p:spPr/>
+        <p:txBody>
+          <a:bodyPr rtlCol="0"/>
+          <a:lstStyle/>
+          <a:p>
+            <a:pPr rtl="0"/>
+            <a:fld id="{8699F50C-BE38-4BD0-BA84-9B090E1F2B9B}" type="slidenum">
+              <a:rPr lang="it-IT" smtClean="0"/>
+              <a:pPr rtl="0"/>
+              <a:t>30</a:t>
+            </a:fld>
+            <a:endParaRPr lang="it-IT" dirty="0"/>
+          </a:p>
+        </p:txBody>
+      </p:sp>
+    </p:spTree>
+    <p:extLst>
+      <p:ext uri="{BB962C8B-B14F-4D97-AF65-F5344CB8AC3E}">
+        <p14:creationId xmlns:p14="http://schemas.microsoft.com/office/powerpoint/2010/main" val="2189819428"/>
+      </p:ext>
+    </p:extLst>
+  </p:cSld>
+  <p:clrMapOvr>
+    <a:masterClrMapping/>
+  </p:clrMapOvr>
+</p:sld>
+</file>
+
+<file path=ppt/slides/slide31.xml><?xml version="1.0" encoding="utf-8"?>
+<p:sld xmlns:a="http://schemas.openxmlformats.org/drawingml/2006/main" xmlns:r="http://schemas.openxmlformats.org/officeDocument/2006/relationships" xmlns:p="http://schemas.openxmlformats.org/presentationml/2006/main" showMasterSp="0">
+  <p:cSld>
+    <p:bg>
+      <p:bgRef idx="1001">
+        <a:schemeClr val="bg1"/>
+      </p:bgRef>
+    </p:bg>
+    <p:spTree>
+      <p:nvGrpSpPr>
+        <p:cNvPr id="1" name=""/>
+        <p:cNvGrpSpPr/>
+        <p:nvPr/>
+      </p:nvGrpSpPr>
+      <p:grpSpPr>
+        <a:xfrm>
+          <a:off x="0" y="0"/>
+          <a:ext cx="0" cy="0"/>
+          <a:chOff x="0" y="0"/>
+          <a:chExt cx="0" cy="0"/>
+        </a:xfrm>
+      </p:grpSpPr>
+      <p:sp>
+        <p:nvSpPr>
+          <p:cNvPr id="15" name="Segnaposto testo 14">
+            <a:extLst>
+              <a:ext uri="{FF2B5EF4-FFF2-40B4-BE49-F238E27FC236}">
+                <a16:creationId xmlns:a16="http://schemas.microsoft.com/office/drawing/2014/main" id="{24E18385-8BEA-4522-ABAA-5AB38F0D4FC2}"/>
+              </a:ext>
+            </a:extLst>
+          </p:cNvPr>
+          <p:cNvSpPr>
+            <a:spLocks noGrp="1"/>
+          </p:cNvSpPr>
+          <p:nvPr>
+            <p:ph type="body" idx="1"/>
+          </p:nvPr>
+        </p:nvSpPr>
+        <p:spPr>
+          <a:xfrm>
+            <a:off x="518678" y="1714294"/>
+            <a:ext cx="5475290" cy="781188"/>
+          </a:xfrm>
+        </p:spPr>
+        <p:txBody>
+          <a:bodyPr rtlCol="0"/>
+          <a:lstStyle/>
+          <a:p>
+            <a:pPr rtl="0"/>
+            <a:r>
+              <a:rPr lang="it-IT" dirty="0"/>
+              <a:t>Vantaggi</a:t>
+            </a:r>
+          </a:p>
+        </p:txBody>
+      </p:sp>
+      <p:sp>
+        <p:nvSpPr>
+          <p:cNvPr id="16" name="Segnaposto contenuto 15">
+            <a:extLst>
+              <a:ext uri="{FF2B5EF4-FFF2-40B4-BE49-F238E27FC236}">
+                <a16:creationId xmlns:a16="http://schemas.microsoft.com/office/drawing/2014/main" id="{1DCFA8A2-3FB8-48CA-933D-0800A9D2A2A2}"/>
+              </a:ext>
+            </a:extLst>
+          </p:cNvPr>
+          <p:cNvSpPr>
+            <a:spLocks noGrp="1"/>
+          </p:cNvSpPr>
+          <p:nvPr>
+            <p:ph sz="half" idx="13"/>
+          </p:nvPr>
+        </p:nvSpPr>
+        <p:spPr>
+          <a:xfrm>
+            <a:off x="569694" y="2462567"/>
+            <a:ext cx="5475290" cy="3232149"/>
+          </a:xfrm>
+        </p:spPr>
+        <p:txBody>
+          <a:bodyPr rtlCol="0">
+            <a:normAutofit/>
+          </a:bodyPr>
+          <a:lstStyle/>
+          <a:p>
+            <a:pPr rtl="0">
+              <a:buClr>
+                <a:schemeClr val="accent2"/>
+              </a:buClr>
+            </a:pPr>
+            <a:r>
+              <a:rPr lang="it-IT" sz="2000" dirty="0">
+                <a:solidFill>
+                  <a:schemeClr val="tx1"/>
+                </a:solidFill>
+              </a:rPr>
+              <a:t>Codice più leggibile</a:t>
+            </a:r>
+          </a:p>
+          <a:p>
+            <a:pPr rtl="0">
+              <a:buClr>
+                <a:schemeClr val="accent2"/>
+              </a:buClr>
+            </a:pPr>
+            <a:r>
+              <a:rPr lang="it-IT" sz="2000" dirty="0">
+                <a:solidFill>
+                  <a:schemeClr val="tx1"/>
+                </a:solidFill>
+              </a:rPr>
+              <a:t>Meno codice duplicato</a:t>
+            </a:r>
+          </a:p>
+          <a:p>
+            <a:pPr rtl="0">
+              <a:buClr>
+                <a:schemeClr val="accent2"/>
+              </a:buClr>
+            </a:pPr>
+            <a:r>
+              <a:rPr lang="it-IT" sz="2000" dirty="0">
+                <a:solidFill>
+                  <a:schemeClr val="tx1"/>
+                </a:solidFill>
+              </a:rPr>
+              <a:t>Isola parti indipendenti del codice, riducendo la probabilità di errori</a:t>
+            </a:r>
+          </a:p>
+          <a:p>
+            <a:pPr rtl="0">
+              <a:buClr>
+                <a:schemeClr val="accent2"/>
+              </a:buClr>
+            </a:pPr>
+            <a:r>
+              <a:rPr lang="it-IT" sz="2000" dirty="0">
+                <a:solidFill>
+                  <a:schemeClr val="tx1"/>
+                </a:solidFill>
+              </a:rPr>
+              <a:t>Codice può essere riutilizzato in altre parti</a:t>
+            </a:r>
+          </a:p>
+        </p:txBody>
+      </p:sp>
+      <p:sp>
+        <p:nvSpPr>
+          <p:cNvPr id="17" name="Segnaposto testo 16">
+            <a:extLst>
+              <a:ext uri="{FF2B5EF4-FFF2-40B4-BE49-F238E27FC236}">
+                <a16:creationId xmlns:a16="http://schemas.microsoft.com/office/drawing/2014/main" id="{640A3223-3DA3-4CF2-82B6-1447667547BD}"/>
+              </a:ext>
+            </a:extLst>
+          </p:cNvPr>
+          <p:cNvSpPr>
+            <a:spLocks noGrp="1"/>
+          </p:cNvSpPr>
+          <p:nvPr>
+            <p:ph type="body" sz="quarter" idx="14"/>
+          </p:nvPr>
+        </p:nvSpPr>
+        <p:spPr>
+          <a:xfrm>
+            <a:off x="6096000" y="1681379"/>
+            <a:ext cx="5475600" cy="781188"/>
+          </a:xfrm>
+        </p:spPr>
+        <p:txBody>
+          <a:bodyPr rtlCol="0"/>
+          <a:lstStyle/>
+          <a:p>
+            <a:pPr rtl="0"/>
+            <a:r>
+              <a:rPr lang="it-IT" dirty="0"/>
+              <a:t>Svantaggi</a:t>
+            </a:r>
+          </a:p>
+        </p:txBody>
+      </p:sp>
+      <p:sp>
+        <p:nvSpPr>
+          <p:cNvPr id="18" name="Segnaposto contenuto 17">
+            <a:extLst>
+              <a:ext uri="{FF2B5EF4-FFF2-40B4-BE49-F238E27FC236}">
+                <a16:creationId xmlns:a16="http://schemas.microsoft.com/office/drawing/2014/main" id="{C955AFB3-173C-4848-B3E9-1375591B297E}"/>
+              </a:ext>
+            </a:extLst>
+          </p:cNvPr>
+          <p:cNvSpPr>
+            <a:spLocks noGrp="1"/>
+          </p:cNvSpPr>
+          <p:nvPr>
+            <p:ph sz="quarter" idx="15"/>
+          </p:nvPr>
+        </p:nvSpPr>
+        <p:spPr>
+          <a:xfrm>
+            <a:off x="6146706" y="2495482"/>
+            <a:ext cx="5475600" cy="3232149"/>
+          </a:xfrm>
+        </p:spPr>
+        <p:txBody>
+          <a:bodyPr rtlCol="0"/>
+          <a:lstStyle/>
+          <a:p>
+            <a:pPr>
+              <a:buClr>
+                <a:schemeClr val="accent2"/>
+              </a:buClr>
+            </a:pPr>
+            <a:r>
+              <a:rPr lang="it-IT" sz="2000" dirty="0">
+                <a:solidFill>
+                  <a:schemeClr val="tx1"/>
+                </a:solidFill>
+              </a:rPr>
+              <a:t>Nessuno</a:t>
+            </a:r>
+          </a:p>
+        </p:txBody>
+      </p:sp>
+      <p:sp>
+        <p:nvSpPr>
+          <p:cNvPr id="19" name="Segnaposto testo 18">
+            <a:extLst>
+              <a:ext uri="{FF2B5EF4-FFF2-40B4-BE49-F238E27FC236}">
+                <a16:creationId xmlns:a16="http://schemas.microsoft.com/office/drawing/2014/main" id="{DFE11F38-F66B-4F95-8224-6CCA69D57617}"/>
+              </a:ext>
+            </a:extLst>
+          </p:cNvPr>
+          <p:cNvSpPr>
+            <a:spLocks noGrp="1"/>
+          </p:cNvSpPr>
+          <p:nvPr>
+            <p:ph type="body" sz="quarter" idx="16"/>
+          </p:nvPr>
+        </p:nvSpPr>
+        <p:spPr/>
+        <p:txBody>
+          <a:bodyPr rtlCol="0">
+            <a:normAutofit/>
+          </a:bodyPr>
+          <a:lstStyle/>
+          <a:p>
+            <a:r>
+              <a:rPr lang="it-IT" dirty="0" err="1">
+                <a:solidFill>
+                  <a:schemeClr val="bg2">
+                    <a:lumMod val="50000"/>
+                  </a:schemeClr>
+                </a:solidFill>
+              </a:rPr>
+              <a:t>Refactoring</a:t>
+            </a:r>
+            <a:endParaRPr lang="it-IT" dirty="0">
+              <a:solidFill>
+                <a:schemeClr val="bg2">
+                  <a:lumMod val="50000"/>
+                </a:schemeClr>
+              </a:solidFill>
+            </a:endParaRPr>
+          </a:p>
+        </p:txBody>
+      </p:sp>
+      <p:sp>
+        <p:nvSpPr>
+          <p:cNvPr id="20" name="Segnaposto piè di pagina 4">
+            <a:extLst>
+              <a:ext uri="{FF2B5EF4-FFF2-40B4-BE49-F238E27FC236}">
+                <a16:creationId xmlns:a16="http://schemas.microsoft.com/office/drawing/2014/main" id="{391D3201-20F9-4DD7-B4EB-F41AF17CA428}"/>
+              </a:ext>
+            </a:extLst>
+          </p:cNvPr>
+          <p:cNvSpPr>
+            <a:spLocks noGrp="1"/>
+          </p:cNvSpPr>
+          <p:nvPr>
+            <p:ph type="ftr" sz="quarter" idx="17"/>
+          </p:nvPr>
+        </p:nvSpPr>
+        <p:spPr/>
+        <p:txBody>
+          <a:bodyPr rtlCol="0"/>
+          <a:lstStyle>
+            <a:lvl1pPr algn="r">
+              <a:defRPr sz="1200">
+                <a:solidFill>
+                  <a:schemeClr val="tx1">
+                    <a:lumMod val="50000"/>
+                    <a:lumOff val="50000"/>
+                  </a:schemeClr>
+                </a:solidFill>
+              </a:defRPr>
+            </a:lvl1pPr>
+          </a:lstStyle>
+          <a:p>
+            <a:pPr algn="l" rtl="0"/>
+            <a:r>
+              <a:rPr lang="it-IT" dirty="0"/>
+              <a:t>Aggiungere un piè di pagina</a:t>
+            </a:r>
+          </a:p>
+        </p:txBody>
+      </p:sp>
+      <p:sp>
+        <p:nvSpPr>
+          <p:cNvPr id="21" name="Segnaposto numero diapositiva 5">
+            <a:extLst>
+              <a:ext uri="{FF2B5EF4-FFF2-40B4-BE49-F238E27FC236}">
+                <a16:creationId xmlns:a16="http://schemas.microsoft.com/office/drawing/2014/main" id="{C7C65DDB-24F2-44CF-AE02-F3A6C8B1858B}"/>
+              </a:ext>
+            </a:extLst>
+          </p:cNvPr>
+          <p:cNvSpPr>
+            <a:spLocks noGrp="1"/>
+          </p:cNvSpPr>
+          <p:nvPr>
+            <p:ph type="sldNum" sz="quarter" idx="18"/>
+          </p:nvPr>
+        </p:nvSpPr>
+        <p:spPr/>
+        <p:txBody>
+          <a:bodyPr rtlCol="0"/>
+          <a:lstStyle>
+            <a:lvl1pPr algn="r">
+              <a:defRPr sz="1200">
+                <a:solidFill>
+                  <a:schemeClr val="tx1">
+                    <a:lumMod val="50000"/>
+                    <a:lumOff val="50000"/>
+                  </a:schemeClr>
+                </a:solidFill>
+              </a:defRPr>
+            </a:lvl1pPr>
+          </a:lstStyle>
+          <a:p>
+            <a:pPr rtl="0"/>
+            <a:fld id="{8699F50C-BE38-4BD0-BA84-9B090E1F2B9B}" type="slidenum">
+              <a:rPr lang="it-IT" smtClean="0"/>
+              <a:pPr rtl="0"/>
+              <a:t>31</a:t>
+            </a:fld>
+            <a:endParaRPr lang="it-IT" dirty="0"/>
+          </a:p>
+        </p:txBody>
+      </p:sp>
+      <p:sp>
+        <p:nvSpPr>
+          <p:cNvPr id="14" name="Titolo 13">
+            <a:extLst>
+              <a:ext uri="{FF2B5EF4-FFF2-40B4-BE49-F238E27FC236}">
+                <a16:creationId xmlns:a16="http://schemas.microsoft.com/office/drawing/2014/main" id="{E3E5EE03-FBF6-46F5-8085-716AC6CE1C8C}"/>
+              </a:ext>
+            </a:extLst>
+          </p:cNvPr>
+          <p:cNvSpPr>
+            <a:spLocks noGrp="1"/>
+          </p:cNvSpPr>
+          <p:nvPr>
+            <p:ph type="title"/>
+          </p:nvPr>
+        </p:nvSpPr>
+        <p:spPr/>
+        <p:txBody>
+          <a:bodyPr rtlCol="0"/>
+          <a:lstStyle/>
+          <a:p>
+            <a:pPr rtl="0"/>
+            <a:r>
+              <a:rPr lang="it-IT" dirty="0" err="1">
+                <a:solidFill>
+                  <a:schemeClr val="accent1"/>
+                </a:solidFill>
+              </a:rPr>
+              <a:t>Extract</a:t>
+            </a:r>
+            <a:r>
+              <a:rPr lang="it-IT" dirty="0">
+                <a:solidFill>
+                  <a:schemeClr val="accent1"/>
+                </a:solidFill>
+              </a:rPr>
+              <a:t> Method</a:t>
+            </a:r>
+          </a:p>
+        </p:txBody>
+      </p:sp>
+    </p:spTree>
+    <p:extLst>
+      <p:ext uri="{BB962C8B-B14F-4D97-AF65-F5344CB8AC3E}">
+        <p14:creationId xmlns:p14="http://schemas.microsoft.com/office/powerpoint/2010/main" val="1572065327"/>
+      </p:ext>
+    </p:extLst>
+  </p:cSld>
+  <p:clrMapOvr>
+    <a:overrideClrMapping bg1="lt1" tx1="dk1" bg2="lt2" tx2="dk2" accent1="accent1" accent2="accent2" accent3="accent3" accent4="accent4" accent5="accent5" accent6="accent6" hlink="hlink" folHlink="folHlink"/>
   </p:clrMapOvr>
 </p:sld>
 </file>
@@ -22427,13 +24538,7 @@
             <a:pPr lvl="0"/>
             <a:r>
               <a:rPr lang="it-IT" dirty="0"/>
-              <a:t>Avevamo delle sottocategorie, ereditanti da una superclasse generica, ognuna con i propri campi specifici.</a:t>
-            </a:r>
-          </a:p>
-          <a:p>
-            <a:r>
-              <a:rPr lang="it-IT" dirty="0"/>
-              <a:t>Ogni categoria ha i propri campi specifici. </a:t>
+              <a:t>Avevamo delle sottocategorie, ereditanti da una superclasse Categoria generica, ognuna con i propri campi specifici.</a:t>
             </a:r>
           </a:p>
           <a:p>
@@ -22494,10 +24599,9 @@
           <a:bodyPr rtlCol="0"/>
           <a:lstStyle/>
           <a:p>
-            <a:pPr rtl="0"/>
             <a:r>
               <a:rPr lang="it-IT" dirty="0"/>
-              <a:t>POLIMORFISMO</a:t>
+              <a:t>Polimorfismo</a:t>
             </a:r>
             <a:endParaRPr lang="it-IT" b="0" dirty="0"/>
           </a:p>
@@ -22671,10 +24775,9 @@
           <a:bodyPr rtlCol="0"/>
           <a:lstStyle/>
           <a:p>
-            <a:pPr rtl="0"/>
             <a:r>
               <a:rPr lang="it-IT" dirty="0"/>
-              <a:t>POLIMORFISMO</a:t>
+              <a:t>Polimorfismo</a:t>
             </a:r>
             <a:endParaRPr lang="it-IT" b="0" dirty="0"/>
           </a:p>
@@ -22820,10 +24923,9 @@
           <a:bodyPr rtlCol="0"/>
           <a:lstStyle/>
           <a:p>
-            <a:pPr rtl="0"/>
             <a:r>
               <a:rPr lang="it-IT" dirty="0"/>
-              <a:t>POLIMORFISMO</a:t>
+              <a:t>Polimorfismo</a:t>
             </a:r>
             <a:endParaRPr lang="it-IT" b="0" dirty="0"/>
           </a:p>
@@ -23314,7 +25416,7 @@
                   <a:schemeClr val="accent1"/>
                 </a:solidFill>
               </a:rPr>
-              <a:t>POLIMORFISMO</a:t>
+              <a:t>Polimorfismo</a:t>
             </a:r>
           </a:p>
         </p:txBody>
@@ -23548,7 +25650,7 @@
             <a:pPr rtl="0"/>
             <a:r>
               <a:rPr lang="it-IT" dirty="0"/>
-              <a:t>LEGGE DI DEMETRA</a:t>
+              <a:t>Legge di Demetra</a:t>
             </a:r>
             <a:endParaRPr lang="it-IT" b="0" dirty="0"/>
           </a:p>
@@ -23753,10 +25855,9 @@
           <a:bodyPr rtlCol="0"/>
           <a:lstStyle/>
           <a:p>
-            <a:pPr rtl="0"/>
             <a:r>
               <a:rPr lang="it-IT" dirty="0"/>
-              <a:t>LEGGE DI DEMETRA</a:t>
+              <a:t>Legge di Demetra</a:t>
             </a:r>
             <a:endParaRPr lang="it-IT" b="0" dirty="0"/>
           </a:p>
@@ -24890,4 +26991,90 @@
     </a:folHlink>
   </a:clrScheme>
 </a:themeOverride>
+</file>
+
+<file path=ppt/theme/themeOverride5.xml><?xml version="1.0" encoding="utf-8"?>
+<a:themeOverride xmlns:a="http://schemas.openxmlformats.org/drawingml/2006/main">
+  <a:clrScheme name="Office">
+    <a:dk1>
+      <a:sysClr val="windowText" lastClr="000000"/>
+    </a:dk1>
+    <a:lt1>
+      <a:sysClr val="window" lastClr="FFFFFF"/>
+    </a:lt1>
+    <a:dk2>
+      <a:srgbClr val="44546A"/>
+    </a:dk2>
+    <a:lt2>
+      <a:srgbClr val="E7E6E6"/>
+    </a:lt2>
+    <a:accent1>
+      <a:srgbClr val="4472C4"/>
+    </a:accent1>
+    <a:accent2>
+      <a:srgbClr val="ED7D31"/>
+    </a:accent2>
+    <a:accent3>
+      <a:srgbClr val="A5A5A5"/>
+    </a:accent3>
+    <a:accent4>
+      <a:srgbClr val="FFC000"/>
+    </a:accent4>
+    <a:accent5>
+      <a:srgbClr val="5B9BD5"/>
+    </a:accent5>
+    <a:accent6>
+      <a:srgbClr val="70AD47"/>
+    </a:accent6>
+    <a:hlink>
+      <a:srgbClr val="0563C1"/>
+    </a:hlink>
+    <a:folHlink>
+      <a:srgbClr val="954F72"/>
+    </a:folHlink>
+  </a:clrScheme>
+</a:themeOverride>
+</file>
+
+<file path=ppt/theme/themeOverride6.xml><?xml version="1.0" encoding="utf-8"?>
+<a:themeOverride xmlns:a="http://schemas.openxmlformats.org/drawingml/2006/main">
+  <a:clrScheme name="Office">
+    <a:dk1>
+      <a:sysClr val="windowText" lastClr="000000"/>
+    </a:dk1>
+    <a:lt1>
+      <a:sysClr val="window" lastClr="FFFFFF"/>
+    </a:lt1>
+    <a:dk2>
+      <a:srgbClr val="44546A"/>
+    </a:dk2>
+    <a:lt2>
+      <a:srgbClr val="E7E6E6"/>
+    </a:lt2>
+    <a:accent1>
+      <a:srgbClr val="4472C4"/>
+    </a:accent1>
+    <a:accent2>
+      <a:srgbClr val="ED7D31"/>
+    </a:accent2>
+    <a:accent3>
+      <a:srgbClr val="A5A5A5"/>
+    </a:accent3>
+    <a:accent4>
+      <a:srgbClr val="FFC000"/>
+    </a:accent4>
+    <a:accent5>
+      <a:srgbClr val="5B9BD5"/>
+    </a:accent5>
+    <a:accent6>
+      <a:srgbClr val="70AD47"/>
+    </a:accent6>
+    <a:hlink>
+      <a:srgbClr val="0563C1"/>
+    </a:hlink>
+    <a:folHlink>
+      <a:srgbClr val="954F72"/>
+    </a:folHlink>
+  </a:clrScheme>
+</a:themeOverride>
 </file>
--- a/Progetto Ingegneria SW.pptx
+++ b/Progetto Ingegneria SW.pptx
@@ -2,22 +2,22 @@
 <file path=ppt/presentation.xml><?xml version="1.0" encoding="utf-8"?>
 <p:presentation xmlns:a="http://schemas.openxmlformats.org/drawingml/2006/main" xmlns:r="http://schemas.openxmlformats.org/officeDocument/2006/relationships" xmlns:p="http://schemas.openxmlformats.org/presentationml/2006/main" removePersonalInfoOnSave="1" saveSubsetFonts="1" autoCompressPictures="0">
   <p:sldMasterIdLst>
-    <p:sldMasterId id="2147483756" r:id="rId1"/>
+    <p:sldMasterId id="2147483916" r:id="rId1"/>
   </p:sldMasterIdLst>
   <p:notesMasterIdLst>
-    <p:notesMasterId r:id="rId33"/>
+    <p:notesMasterId r:id="rId30"/>
   </p:notesMasterIdLst>
   <p:handoutMasterIdLst>
-    <p:handoutMasterId r:id="rId34"/>
+    <p:handoutMasterId r:id="rId31"/>
   </p:handoutMasterIdLst>
   <p:sldIdLst>
     <p:sldId id="256" r:id="rId2"/>
-    <p:sldId id="265" r:id="rId3"/>
+    <p:sldId id="301" r:id="rId3"/>
     <p:sldId id="284" r:id="rId4"/>
     <p:sldId id="275" r:id="rId5"/>
     <p:sldId id="259" r:id="rId6"/>
     <p:sldId id="285" r:id="rId7"/>
-    <p:sldId id="269" r:id="rId8"/>
+    <p:sldId id="302" r:id="rId8"/>
     <p:sldId id="286" r:id="rId9"/>
     <p:sldId id="272" r:id="rId10"/>
     <p:sldId id="287" r:id="rId11"/>
@@ -39,17 +39,14 @@
     <p:sldId id="295" r:id="rId27"/>
     <p:sldId id="296" r:id="rId28"/>
     <p:sldId id="297" r:id="rId29"/>
-    <p:sldId id="298" r:id="rId30"/>
-    <p:sldId id="299" r:id="rId31"/>
-    <p:sldId id="300" r:id="rId32"/>
   </p:sldIdLst>
   <p:sldSz cx="12192000" cy="6858000"/>
   <p:notesSz cx="6858000" cy="9144000"/>
   <p:defaultTextStyle>
     <a:defPPr>
-      <a:defRPr lang="it-IT"/>
+      <a:defRPr lang="en-US"/>
     </a:defPPr>
-    <a:lvl1pPr marL="0" algn="l" defTabSz="914400" rtl="0" eaLnBrk="1" latinLnBrk="0" hangingPunct="1">
+    <a:lvl1pPr marL="0" algn="l" defTabSz="457200" rtl="0" eaLnBrk="1" latinLnBrk="0" hangingPunct="1">
       <a:defRPr sz="1800" kern="1200">
         <a:solidFill>
           <a:schemeClr val="tx1"/>
@@ -59,7 +56,7 @@
         <a:cs typeface="+mn-cs"/>
       </a:defRPr>
     </a:lvl1pPr>
-    <a:lvl2pPr marL="457200" algn="l" defTabSz="914400" rtl="0" eaLnBrk="1" latinLnBrk="0" hangingPunct="1">
+    <a:lvl2pPr marL="457200" algn="l" defTabSz="457200" rtl="0" eaLnBrk="1" latinLnBrk="0" hangingPunct="1">
       <a:defRPr sz="1800" kern="1200">
         <a:solidFill>
           <a:schemeClr val="tx1"/>
@@ -69,7 +66,7 @@
         <a:cs typeface="+mn-cs"/>
       </a:defRPr>
     </a:lvl2pPr>
-    <a:lvl3pPr marL="914400" algn="l" defTabSz="914400" rtl="0" eaLnBrk="1" latinLnBrk="0" hangingPunct="1">
+    <a:lvl3pPr marL="914400" algn="l" defTabSz="457200" rtl="0" eaLnBrk="1" latinLnBrk="0" hangingPunct="1">
       <a:defRPr sz="1800" kern="1200">
         <a:solidFill>
           <a:schemeClr val="tx1"/>
@@ -79,7 +76,7 @@
         <a:cs typeface="+mn-cs"/>
       </a:defRPr>
     </a:lvl3pPr>
-    <a:lvl4pPr marL="1371600" algn="l" defTabSz="914400" rtl="0" eaLnBrk="1" latinLnBrk="0" hangingPunct="1">
+    <a:lvl4pPr marL="1371600" algn="l" defTabSz="457200" rtl="0" eaLnBrk="1" latinLnBrk="0" hangingPunct="1">
       <a:defRPr sz="1800" kern="1200">
         <a:solidFill>
           <a:schemeClr val="tx1"/>
@@ -89,7 +86,7 @@
         <a:cs typeface="+mn-cs"/>
       </a:defRPr>
     </a:lvl4pPr>
-    <a:lvl5pPr marL="1828800" algn="l" defTabSz="914400" rtl="0" eaLnBrk="1" latinLnBrk="0" hangingPunct="1">
+    <a:lvl5pPr marL="1828800" algn="l" defTabSz="457200" rtl="0" eaLnBrk="1" latinLnBrk="0" hangingPunct="1">
       <a:defRPr sz="1800" kern="1200">
         <a:solidFill>
           <a:schemeClr val="tx1"/>
@@ -99,7 +96,7 @@
         <a:cs typeface="+mn-cs"/>
       </a:defRPr>
     </a:lvl5pPr>
-    <a:lvl6pPr marL="2286000" algn="l" defTabSz="914400" rtl="0" eaLnBrk="1" latinLnBrk="0" hangingPunct="1">
+    <a:lvl6pPr marL="2286000" algn="l" defTabSz="457200" rtl="0" eaLnBrk="1" latinLnBrk="0" hangingPunct="1">
       <a:defRPr sz="1800" kern="1200">
         <a:solidFill>
           <a:schemeClr val="tx1"/>
@@ -109,7 +106,7 @@
         <a:cs typeface="+mn-cs"/>
       </a:defRPr>
     </a:lvl6pPr>
-    <a:lvl7pPr marL="2743200" algn="l" defTabSz="914400" rtl="0" eaLnBrk="1" latinLnBrk="0" hangingPunct="1">
+    <a:lvl7pPr marL="2743200" algn="l" defTabSz="457200" rtl="0" eaLnBrk="1" latinLnBrk="0" hangingPunct="1">
       <a:defRPr sz="1800" kern="1200">
         <a:solidFill>
           <a:schemeClr val="tx1"/>
@@ -119,7 +116,7 @@
         <a:cs typeface="+mn-cs"/>
       </a:defRPr>
     </a:lvl7pPr>
-    <a:lvl8pPr marL="3200400" algn="l" defTabSz="914400" rtl="0" eaLnBrk="1" latinLnBrk="0" hangingPunct="1">
+    <a:lvl8pPr marL="3200400" algn="l" defTabSz="457200" rtl="0" eaLnBrk="1" latinLnBrk="0" hangingPunct="1">
       <a:defRPr sz="1800" kern="1200">
         <a:solidFill>
           <a:schemeClr val="tx1"/>
@@ -129,7 +126,7 @@
         <a:cs typeface="+mn-cs"/>
       </a:defRPr>
     </a:lvl8pPr>
-    <a:lvl9pPr marL="3657600" algn="l" defTabSz="914400" rtl="0" eaLnBrk="1" latinLnBrk="0" hangingPunct="1">
+    <a:lvl9pPr marL="3657600" algn="l" defTabSz="457200" rtl="0" eaLnBrk="1" latinLnBrk="0" hangingPunct="1">
       <a:defRPr sz="1800" kern="1200">
         <a:solidFill>
           <a:schemeClr val="tx1"/>
@@ -1738,7 +1735,7 @@
     </p:spTree>
     <p:extLst>
       <p:ext uri="{BB962C8B-B14F-4D97-AF65-F5344CB8AC3E}">
-        <p14:creationId xmlns:p14="http://schemas.microsoft.com/office/powerpoint/2010/main" val="2405347823"/>
+        <p14:creationId xmlns:p14="http://schemas.microsoft.com/office/powerpoint/2010/main" val="3378872779"/>
       </p:ext>
     </p:extLst>
   </p:cSld>
@@ -2522,92 +2519,6 @@
 </p:notes>
 </file>
 
-<file path=ppt/notesSlides/notesSlide29.xml><?xml version="1.0" encoding="utf-8"?>
-<p:notes xmlns:a="http://schemas.openxmlformats.org/drawingml/2006/main" xmlns:r="http://schemas.openxmlformats.org/officeDocument/2006/relationships" xmlns:p="http://schemas.openxmlformats.org/presentationml/2006/main">
-  <p:cSld>
-    <p:spTree>
-      <p:nvGrpSpPr>
-        <p:cNvPr id="1" name=""/>
-        <p:cNvGrpSpPr/>
-        <p:nvPr/>
-      </p:nvGrpSpPr>
-      <p:grpSpPr>
-        <a:xfrm>
-          <a:off x="0" y="0"/>
-          <a:ext cx="0" cy="0"/>
-          <a:chOff x="0" y="0"/>
-          <a:chExt cx="0" cy="0"/>
-        </a:xfrm>
-      </p:grpSpPr>
-      <p:sp>
-        <p:nvSpPr>
-          <p:cNvPr id="2" name="Segnaposto immagine diapositiva 1"/>
-          <p:cNvSpPr>
-            <a:spLocks noGrp="1" noRot="1" noChangeAspect="1"/>
-          </p:cNvSpPr>
-          <p:nvPr>
-            <p:ph type="sldImg"/>
-          </p:nvPr>
-        </p:nvSpPr>
-        <p:spPr/>
-      </p:sp>
-      <p:sp>
-        <p:nvSpPr>
-          <p:cNvPr id="3" name="Segnaposto note 2"/>
-          <p:cNvSpPr>
-            <a:spLocks noGrp="1"/>
-          </p:cNvSpPr>
-          <p:nvPr>
-            <p:ph type="body" idx="1"/>
-          </p:nvPr>
-        </p:nvSpPr>
-        <p:spPr/>
-        <p:txBody>
-          <a:bodyPr rtlCol="0"/>
-          <a:lstStyle/>
-          <a:p>
-            <a:pPr rtl="0"/>
-            <a:endParaRPr lang="it-IT" dirty="0"/>
-          </a:p>
-        </p:txBody>
-      </p:sp>
-      <p:sp>
-        <p:nvSpPr>
-          <p:cNvPr id="4" name="Segnaposto numero diapositiva 3"/>
-          <p:cNvSpPr>
-            <a:spLocks noGrp="1"/>
-          </p:cNvSpPr>
-          <p:nvPr>
-            <p:ph type="sldNum" sz="quarter" idx="5"/>
-          </p:nvPr>
-        </p:nvSpPr>
-        <p:spPr/>
-        <p:txBody>
-          <a:bodyPr rtlCol="0"/>
-          <a:lstStyle/>
-          <a:p>
-            <a:pPr rtl="0"/>
-            <a:fld id="{79230CFA-805A-4FD3-B3A0-DAAA5993DA17}" type="slidenum">
-              <a:rPr lang="it-IT" smtClean="0"/>
-              <a:t>29</a:t>
-            </a:fld>
-            <a:endParaRPr lang="it-IT" dirty="0"/>
-          </a:p>
-        </p:txBody>
-      </p:sp>
-    </p:spTree>
-    <p:extLst>
-      <p:ext uri="{BB962C8B-B14F-4D97-AF65-F5344CB8AC3E}">
-        <p14:creationId xmlns:p14="http://schemas.microsoft.com/office/powerpoint/2010/main" val="2936086569"/>
-      </p:ext>
-    </p:extLst>
-  </p:cSld>
-  <p:clrMapOvr>
-    <a:masterClrMapping/>
-  </p:clrMapOvr>
-</p:notes>
-</file>
-
 <file path=ppt/notesSlides/notesSlide3.xml><?xml version="1.0" encoding="utf-8"?>
 <p:notes xmlns:a="http://schemas.openxmlformats.org/drawingml/2006/main" xmlns:r="http://schemas.openxmlformats.org/officeDocument/2006/relationships" xmlns:p="http://schemas.openxmlformats.org/presentationml/2006/main">
   <p:cSld>
@@ -2685,178 +2596,6 @@
     <p:extLst>
       <p:ext uri="{BB962C8B-B14F-4D97-AF65-F5344CB8AC3E}">
         <p14:creationId xmlns:p14="http://schemas.microsoft.com/office/powerpoint/2010/main" val="3378872779"/>
-      </p:ext>
-    </p:extLst>
-  </p:cSld>
-  <p:clrMapOvr>
-    <a:masterClrMapping/>
-  </p:clrMapOvr>
-</p:notes>
-</file>
-
-<file path=ppt/notesSlides/notesSlide30.xml><?xml version="1.0" encoding="utf-8"?>
-<p:notes xmlns:a="http://schemas.openxmlformats.org/drawingml/2006/main" xmlns:r="http://schemas.openxmlformats.org/officeDocument/2006/relationships" xmlns:p="http://schemas.openxmlformats.org/presentationml/2006/main">
-  <p:cSld>
-    <p:spTree>
-      <p:nvGrpSpPr>
-        <p:cNvPr id="1" name=""/>
-        <p:cNvGrpSpPr/>
-        <p:nvPr/>
-      </p:nvGrpSpPr>
-      <p:grpSpPr>
-        <a:xfrm>
-          <a:off x="0" y="0"/>
-          <a:ext cx="0" cy="0"/>
-          <a:chOff x="0" y="0"/>
-          <a:chExt cx="0" cy="0"/>
-        </a:xfrm>
-      </p:grpSpPr>
-      <p:sp>
-        <p:nvSpPr>
-          <p:cNvPr id="2" name="Segnaposto immagine diapositiva 1"/>
-          <p:cNvSpPr>
-            <a:spLocks noGrp="1" noRot="1" noChangeAspect="1"/>
-          </p:cNvSpPr>
-          <p:nvPr>
-            <p:ph type="sldImg"/>
-          </p:nvPr>
-        </p:nvSpPr>
-        <p:spPr/>
-      </p:sp>
-      <p:sp>
-        <p:nvSpPr>
-          <p:cNvPr id="3" name="Segnaposto note 2"/>
-          <p:cNvSpPr>
-            <a:spLocks noGrp="1"/>
-          </p:cNvSpPr>
-          <p:nvPr>
-            <p:ph type="body" idx="1"/>
-          </p:nvPr>
-        </p:nvSpPr>
-        <p:spPr/>
-        <p:txBody>
-          <a:bodyPr rtlCol="0"/>
-          <a:lstStyle/>
-          <a:p>
-            <a:pPr rtl="0"/>
-            <a:endParaRPr lang="it-IT" dirty="0"/>
-          </a:p>
-        </p:txBody>
-      </p:sp>
-      <p:sp>
-        <p:nvSpPr>
-          <p:cNvPr id="4" name="Segnaposto numero diapositiva 3"/>
-          <p:cNvSpPr>
-            <a:spLocks noGrp="1"/>
-          </p:cNvSpPr>
-          <p:nvPr>
-            <p:ph type="sldNum" sz="quarter" idx="5"/>
-          </p:nvPr>
-        </p:nvSpPr>
-        <p:spPr/>
-        <p:txBody>
-          <a:bodyPr rtlCol="0"/>
-          <a:lstStyle/>
-          <a:p>
-            <a:pPr rtl="0"/>
-            <a:fld id="{79230CFA-805A-4FD3-B3A0-DAAA5993DA17}" type="slidenum">
-              <a:rPr lang="it-IT" smtClean="0"/>
-              <a:t>30</a:t>
-            </a:fld>
-            <a:endParaRPr lang="it-IT" dirty="0"/>
-          </a:p>
-        </p:txBody>
-      </p:sp>
-    </p:spTree>
-    <p:extLst>
-      <p:ext uri="{BB962C8B-B14F-4D97-AF65-F5344CB8AC3E}">
-        <p14:creationId xmlns:p14="http://schemas.microsoft.com/office/powerpoint/2010/main" val="2521472221"/>
-      </p:ext>
-    </p:extLst>
-  </p:cSld>
-  <p:clrMapOvr>
-    <a:masterClrMapping/>
-  </p:clrMapOvr>
-</p:notes>
-</file>
-
-<file path=ppt/notesSlides/notesSlide31.xml><?xml version="1.0" encoding="utf-8"?>
-<p:notes xmlns:a="http://schemas.openxmlformats.org/drawingml/2006/main" xmlns:r="http://schemas.openxmlformats.org/officeDocument/2006/relationships" xmlns:p="http://schemas.openxmlformats.org/presentationml/2006/main">
-  <p:cSld>
-    <p:spTree>
-      <p:nvGrpSpPr>
-        <p:cNvPr id="1" name=""/>
-        <p:cNvGrpSpPr/>
-        <p:nvPr/>
-      </p:nvGrpSpPr>
-      <p:grpSpPr>
-        <a:xfrm>
-          <a:off x="0" y="0"/>
-          <a:ext cx="0" cy="0"/>
-          <a:chOff x="0" y="0"/>
-          <a:chExt cx="0" cy="0"/>
-        </a:xfrm>
-      </p:grpSpPr>
-      <p:sp>
-        <p:nvSpPr>
-          <p:cNvPr id="2" name="Segnaposto immagine diapositiva 1"/>
-          <p:cNvSpPr>
-            <a:spLocks noGrp="1" noRot="1" noChangeAspect="1"/>
-          </p:cNvSpPr>
-          <p:nvPr>
-            <p:ph type="sldImg"/>
-          </p:nvPr>
-        </p:nvSpPr>
-        <p:spPr/>
-      </p:sp>
-      <p:sp>
-        <p:nvSpPr>
-          <p:cNvPr id="3" name="Segnaposto note 2"/>
-          <p:cNvSpPr>
-            <a:spLocks noGrp="1"/>
-          </p:cNvSpPr>
-          <p:nvPr>
-            <p:ph type="body" idx="1"/>
-          </p:nvPr>
-        </p:nvSpPr>
-        <p:spPr/>
-        <p:txBody>
-          <a:bodyPr rtlCol="0"/>
-          <a:lstStyle/>
-          <a:p>
-            <a:pPr rtl="0"/>
-            <a:endParaRPr lang="it-IT" dirty="0"/>
-          </a:p>
-        </p:txBody>
-      </p:sp>
-      <p:sp>
-        <p:nvSpPr>
-          <p:cNvPr id="4" name="Segnaposto numero diapositiva 3"/>
-          <p:cNvSpPr>
-            <a:spLocks noGrp="1"/>
-          </p:cNvSpPr>
-          <p:nvPr>
-            <p:ph type="sldNum" sz="quarter" idx="5"/>
-          </p:nvPr>
-        </p:nvSpPr>
-        <p:spPr/>
-        <p:txBody>
-          <a:bodyPr rtlCol="0"/>
-          <a:lstStyle/>
-          <a:p>
-            <a:pPr rtl="0"/>
-            <a:fld id="{79230CFA-805A-4FD3-B3A0-DAAA5993DA17}" type="slidenum">
-              <a:rPr lang="it-IT" smtClean="0"/>
-              <a:t>31</a:t>
-            </a:fld>
-            <a:endParaRPr lang="it-IT" dirty="0"/>
-          </a:p>
-        </p:txBody>
-      </p:sp>
-    </p:spTree>
-    <p:extLst>
-      <p:ext uri="{BB962C8B-B14F-4D97-AF65-F5344CB8AC3E}">
-        <p14:creationId xmlns:p14="http://schemas.microsoft.com/office/powerpoint/2010/main" val="2172266521"/>
       </p:ext>
     </p:extLst>
   </p:cSld>
@@ -3383,7 +3122,7 @@
 </file>
 
 <file path=ppt/slideLayouts/slideLayout1.xml><?xml version="1.0" encoding="utf-8"?>
-<p:sldLayout xmlns:a="http://schemas.openxmlformats.org/drawingml/2006/main" xmlns:r="http://schemas.openxmlformats.org/officeDocument/2006/relationships" xmlns:p="http://schemas.openxmlformats.org/presentationml/2006/main" type="title" preserve="1">
+<p:sldLayout xmlns:a="http://schemas.openxmlformats.org/drawingml/2006/main" xmlns:r="http://schemas.openxmlformats.org/officeDocument/2006/relationships" xmlns:p="http://schemas.openxmlformats.org/presentationml/2006/main" showMasterSp="0" type="title" preserve="1">
   <p:cSld name="Diapositiva titolo">
     <p:spTree>
       <p:nvGrpSpPr>
@@ -3401,13 +3140,7 @@
       </p:grpSpPr>
       <p:sp>
         <p:nvSpPr>
-          <p:cNvPr id="2" name="Titolo 1">
-            <a:extLst>
-              <a:ext uri="{FF2B5EF4-FFF2-40B4-BE49-F238E27FC236}">
-                <a16:creationId xmlns:a16="http://schemas.microsoft.com/office/drawing/2014/main" id="{9791C313-F672-44C5-B4CD-111D4FD8E518}"/>
-              </a:ext>
-            </a:extLst>
-          </p:cNvPr>
+          <p:cNvPr id="2" name="Title 1"/>
           <p:cNvSpPr>
             <a:spLocks noGrp="1"/>
           </p:cNvSpPr>
@@ -3433,18 +3166,13 @@
               <a:rPr lang="it-IT"/>
               <a:t>Fare clic per modificare lo stile del titolo dello schema</a:t>
             </a:r>
-          </a:p>
-        </p:txBody>
-      </p:sp>
-      <p:sp>
-        <p:nvSpPr>
-          <p:cNvPr id="3" name="Sottotitolo 2">
-            <a:extLst>
-              <a:ext uri="{FF2B5EF4-FFF2-40B4-BE49-F238E27FC236}">
-                <a16:creationId xmlns:a16="http://schemas.microsoft.com/office/drawing/2014/main" id="{D952F97D-5FE5-4C73-A852-3C8D500B528E}"/>
-              </a:ext>
-            </a:extLst>
-          </p:cNvPr>
+            <a:endParaRPr lang="en-US" dirty="0"/>
+          </a:p>
+        </p:txBody>
+      </p:sp>
+      <p:sp>
+        <p:nvSpPr>
+          <p:cNvPr id="3" name="Subtitle 2"/>
           <p:cNvSpPr>
             <a:spLocks noGrp="1"/>
           </p:cNvSpPr>
@@ -3503,18 +3231,13 @@
               <a:rPr lang="it-IT"/>
               <a:t>Fare clic per modificare lo stile del sottotitolo dello schema</a:t>
             </a:r>
-          </a:p>
-        </p:txBody>
-      </p:sp>
-      <p:sp>
-        <p:nvSpPr>
-          <p:cNvPr id="4" name="Segnaposto data 3">
-            <a:extLst>
-              <a:ext uri="{FF2B5EF4-FFF2-40B4-BE49-F238E27FC236}">
-                <a16:creationId xmlns:a16="http://schemas.microsoft.com/office/drawing/2014/main" id="{6F7D2953-E3FA-442F-BDF9-8DE92043D872}"/>
-              </a:ext>
-            </a:extLst>
-          </p:cNvPr>
+            <a:endParaRPr lang="en-US" dirty="0"/>
+          </a:p>
+        </p:txBody>
+      </p:sp>
+      <p:sp>
+        <p:nvSpPr>
+          <p:cNvPr id="4" name="Date Placeholder 3"/>
           <p:cNvSpPr>
             <a:spLocks noGrp="1"/>
           </p:cNvSpPr>
@@ -3537,13 +3260,7 @@
       </p:sp>
       <p:sp>
         <p:nvSpPr>
-          <p:cNvPr id="5" name="Segnaposto piè di pagina 4">
-            <a:extLst>
-              <a:ext uri="{FF2B5EF4-FFF2-40B4-BE49-F238E27FC236}">
-                <a16:creationId xmlns:a16="http://schemas.microsoft.com/office/drawing/2014/main" id="{A77D7D47-0C79-40A4-A83F-59C0A7C1EE75}"/>
-              </a:ext>
-            </a:extLst>
-          </p:cNvPr>
+          <p:cNvPr id="5" name="Footer Placeholder 4"/>
           <p:cNvSpPr>
             <a:spLocks noGrp="1"/>
           </p:cNvSpPr>
@@ -3562,13 +3279,7 @@
       </p:sp>
       <p:sp>
         <p:nvSpPr>
-          <p:cNvPr id="6" name="Segnaposto numero diapositiva 5">
-            <a:extLst>
-              <a:ext uri="{FF2B5EF4-FFF2-40B4-BE49-F238E27FC236}">
-                <a16:creationId xmlns:a16="http://schemas.microsoft.com/office/drawing/2014/main" id="{7E6AFA86-0D84-4EEF-B436-423FD6C05C0F}"/>
-              </a:ext>
-            </a:extLst>
-          </p:cNvPr>
+          <p:cNvPr id="6" name="Slide Number Placeholder 5"/>
           <p:cNvSpPr>
             <a:spLocks noGrp="1"/>
           </p:cNvSpPr>
@@ -3594,7 +3305,7 @@
           <p:cNvPr id="7" name="Rettangolo 6">
             <a:extLst>
               <a:ext uri="{FF2B5EF4-FFF2-40B4-BE49-F238E27FC236}">
-                <a16:creationId xmlns:a16="http://schemas.microsoft.com/office/drawing/2014/main" id="{7CFBDCC4-A723-4794-9FDE-C154B940DC22}"/>
+                <a16:creationId xmlns:a16="http://schemas.microsoft.com/office/drawing/2014/main" id="{72227456-7E09-4C4E-B651-65FCAE043EF3}"/>
               </a:ext>
             </a:extLst>
           </p:cNvPr>
@@ -3646,7 +3357,7 @@
           <p:cNvPr id="8" name="Triangolo rettangolo 7">
             <a:extLst>
               <a:ext uri="{FF2B5EF4-FFF2-40B4-BE49-F238E27FC236}">
-                <a16:creationId xmlns:a16="http://schemas.microsoft.com/office/drawing/2014/main" id="{91BDB288-84BC-4025-89A4-7060A1FAF6DB}"/>
+                <a16:creationId xmlns:a16="http://schemas.microsoft.com/office/drawing/2014/main" id="{01808D5E-B641-4AD4-ACA4-A42512E6D374}"/>
               </a:ext>
             </a:extLst>
           </p:cNvPr>
@@ -3698,7 +3409,7 @@
           <p:cNvPr id="9" name="Connettore diritto 8">
             <a:extLst>
               <a:ext uri="{FF2B5EF4-FFF2-40B4-BE49-F238E27FC236}">
-                <a16:creationId xmlns:a16="http://schemas.microsoft.com/office/drawing/2014/main" id="{20941985-E0DB-4E51-A6B4-A8428DC9AFE0}"/>
+                <a16:creationId xmlns:a16="http://schemas.microsoft.com/office/drawing/2014/main" id="{4D3E13E4-CC47-410B-A164-2B0347B83CA8}"/>
               </a:ext>
             </a:extLst>
           </p:cNvPr>
@@ -3743,7 +3454,7 @@
           <p:cNvPr id="10" name="Connettore diritto 9">
             <a:extLst>
               <a:ext uri="{FF2B5EF4-FFF2-40B4-BE49-F238E27FC236}">
-                <a16:creationId xmlns:a16="http://schemas.microsoft.com/office/drawing/2014/main" id="{0B1E1BB2-AAFF-4195-80EA-708E5995D790}"/>
+                <a16:creationId xmlns:a16="http://schemas.microsoft.com/office/drawing/2014/main" id="{00D6317D-3FAE-4368-B0B8-721094CCE6B9}"/>
               </a:ext>
             </a:extLst>
           </p:cNvPr>
@@ -3786,7 +3497,7 @@
           <p:cNvPr id="11" name="Connettore diritto 10">
             <a:extLst>
               <a:ext uri="{FF2B5EF4-FFF2-40B4-BE49-F238E27FC236}">
-                <a16:creationId xmlns:a16="http://schemas.microsoft.com/office/drawing/2014/main" id="{F3F39409-035F-452B-A736-1CF6DAE01084}"/>
+                <a16:creationId xmlns:a16="http://schemas.microsoft.com/office/drawing/2014/main" id="{A1901C6D-81F2-40D2-ABDF-84BF6931794C}"/>
               </a:ext>
             </a:extLst>
           </p:cNvPr>
@@ -3827,7 +3538,7 @@
     </p:spTree>
     <p:extLst>
       <p:ext uri="{BB962C8B-B14F-4D97-AF65-F5344CB8AC3E}">
-        <p14:creationId xmlns:p14="http://schemas.microsoft.com/office/powerpoint/2010/main" val="2173147023"/>
+        <p14:creationId xmlns:p14="http://schemas.microsoft.com/office/powerpoint/2010/main" val="277953100"/>
       </p:ext>
     </p:extLst>
   </p:cSld>
@@ -3843,7 +3554,7 @@
 </file>
 
 <file path=ppt/slideLayouts/slideLayout10.xml><?xml version="1.0" encoding="utf-8"?>
-<p:sldLayout xmlns:a="http://schemas.openxmlformats.org/drawingml/2006/main" xmlns:r="http://schemas.openxmlformats.org/officeDocument/2006/relationships" xmlns:p="http://schemas.openxmlformats.org/presentationml/2006/main" type="vertTx" preserve="1">
+<p:sldLayout xmlns:a="http://schemas.openxmlformats.org/drawingml/2006/main" xmlns:r="http://schemas.openxmlformats.org/officeDocument/2006/relationships" xmlns:p="http://schemas.openxmlformats.org/presentationml/2006/main" showMasterSp="0" type="vertTx" preserve="1">
   <p:cSld name="Titolo e testo verticale">
     <p:spTree>
       <p:nvGrpSpPr>
@@ -3861,13 +3572,7 @@
       </p:grpSpPr>
       <p:sp>
         <p:nvSpPr>
-          <p:cNvPr id="2" name="Titolo 1">
-            <a:extLst>
-              <a:ext uri="{FF2B5EF4-FFF2-40B4-BE49-F238E27FC236}">
-                <a16:creationId xmlns:a16="http://schemas.microsoft.com/office/drawing/2014/main" id="{D923A437-2A9C-4834-A69A-F348629E47F6}"/>
-              </a:ext>
-            </a:extLst>
-          </p:cNvPr>
+          <p:cNvPr id="2" name="Title 1"/>
           <p:cNvSpPr>
             <a:spLocks noGrp="1"/>
           </p:cNvSpPr>
@@ -3884,18 +3589,13 @@
               <a:rPr lang="it-IT"/>
               <a:t>Fare clic per modificare lo stile del titolo dello schema</a:t>
             </a:r>
-          </a:p>
-        </p:txBody>
-      </p:sp>
-      <p:sp>
-        <p:nvSpPr>
-          <p:cNvPr id="3" name="Segnaposto testo verticale 2">
-            <a:extLst>
-              <a:ext uri="{FF2B5EF4-FFF2-40B4-BE49-F238E27FC236}">
-                <a16:creationId xmlns:a16="http://schemas.microsoft.com/office/drawing/2014/main" id="{9EFE576D-5A4E-407E-A2A9-132CDA0E2C96}"/>
-              </a:ext>
-            </a:extLst>
-          </p:cNvPr>
+            <a:endParaRPr lang="en-US" dirty="0"/>
+          </a:p>
+        </p:txBody>
+      </p:sp>
+      <p:sp>
+        <p:nvSpPr>
+          <p:cNvPr id="3" name="Vertical Text Placeholder 2"/>
           <p:cNvSpPr>
             <a:spLocks noGrp="1"/>
           </p:cNvSpPr>
@@ -3941,18 +3641,13 @@
               <a:rPr lang="it-IT"/>
               <a:t>Quinto livello</a:t>
             </a:r>
-          </a:p>
-        </p:txBody>
-      </p:sp>
-      <p:sp>
-        <p:nvSpPr>
-          <p:cNvPr id="4" name="Segnaposto data 3">
-            <a:extLst>
-              <a:ext uri="{FF2B5EF4-FFF2-40B4-BE49-F238E27FC236}">
-                <a16:creationId xmlns:a16="http://schemas.microsoft.com/office/drawing/2014/main" id="{2F6789D5-2D2B-47D4-AC80-3F0BBE8746E6}"/>
-              </a:ext>
-            </a:extLst>
-          </p:cNvPr>
+            <a:endParaRPr lang="en-US" dirty="0"/>
+          </a:p>
+        </p:txBody>
+      </p:sp>
+      <p:sp>
+        <p:nvSpPr>
+          <p:cNvPr id="4" name="Date Placeholder 3"/>
           <p:cNvSpPr>
             <a:spLocks noGrp="1"/>
           </p:cNvSpPr>
@@ -3975,13 +3670,7 @@
       </p:sp>
       <p:sp>
         <p:nvSpPr>
-          <p:cNvPr id="5" name="Segnaposto piè di pagina 4">
-            <a:extLst>
-              <a:ext uri="{FF2B5EF4-FFF2-40B4-BE49-F238E27FC236}">
-                <a16:creationId xmlns:a16="http://schemas.microsoft.com/office/drawing/2014/main" id="{BF0F5A02-8451-499C-86B2-CF6B61E9615F}"/>
-              </a:ext>
-            </a:extLst>
-          </p:cNvPr>
+          <p:cNvPr id="5" name="Footer Placeholder 4"/>
           <p:cNvSpPr>
             <a:spLocks noGrp="1"/>
           </p:cNvSpPr>
@@ -4005,13 +3694,7 @@
       </p:sp>
       <p:sp>
         <p:nvSpPr>
-          <p:cNvPr id="6" name="Segnaposto numero diapositiva 5">
-            <a:extLst>
-              <a:ext uri="{FF2B5EF4-FFF2-40B4-BE49-F238E27FC236}">
-                <a16:creationId xmlns:a16="http://schemas.microsoft.com/office/drawing/2014/main" id="{D0E2B887-B8D5-47F1-B49C-40669FF4CD0D}"/>
-              </a:ext>
-            </a:extLst>
-          </p:cNvPr>
+          <p:cNvPr id="6" name="Slide Number Placeholder 5"/>
           <p:cNvSpPr>
             <a:spLocks noGrp="1"/>
           </p:cNvSpPr>
@@ -4037,7 +3720,7 @@
     </p:spTree>
     <p:extLst>
       <p:ext uri="{BB962C8B-B14F-4D97-AF65-F5344CB8AC3E}">
-        <p14:creationId xmlns:p14="http://schemas.microsoft.com/office/powerpoint/2010/main" val="1952834768"/>
+        <p14:creationId xmlns:p14="http://schemas.microsoft.com/office/powerpoint/2010/main" val="832812930"/>
       </p:ext>
     </p:extLst>
   </p:cSld>
@@ -4049,7 +3732,7 @@
 </file>
 
 <file path=ppt/slideLayouts/slideLayout11.xml><?xml version="1.0" encoding="utf-8"?>
-<p:sldLayout xmlns:a="http://schemas.openxmlformats.org/drawingml/2006/main" xmlns:r="http://schemas.openxmlformats.org/officeDocument/2006/relationships" xmlns:p="http://schemas.openxmlformats.org/presentationml/2006/main" type="vertTitleAndTx" preserve="1">
+<p:sldLayout xmlns:a="http://schemas.openxmlformats.org/drawingml/2006/main" xmlns:r="http://schemas.openxmlformats.org/officeDocument/2006/relationships" xmlns:p="http://schemas.openxmlformats.org/presentationml/2006/main" showMasterSp="0" type="vertTitleAndTx" preserve="1">
   <p:cSld name="1_Titolo e testo verticale">
     <p:spTree>
       <p:nvGrpSpPr>
@@ -4067,13 +3750,7 @@
       </p:grpSpPr>
       <p:sp>
         <p:nvSpPr>
-          <p:cNvPr id="2" name="Titolo verticale 1">
-            <a:extLst>
-              <a:ext uri="{FF2B5EF4-FFF2-40B4-BE49-F238E27FC236}">
-                <a16:creationId xmlns:a16="http://schemas.microsoft.com/office/drawing/2014/main" id="{48B452E2-517B-4ABE-8B38-D74768378BCC}"/>
-              </a:ext>
-            </a:extLst>
-          </p:cNvPr>
+          <p:cNvPr id="2" name="Vertical Title 1"/>
           <p:cNvSpPr>
             <a:spLocks noGrp="1"/>
           </p:cNvSpPr>
@@ -4095,18 +3772,13 @@
               <a:rPr lang="it-IT"/>
               <a:t>Fare clic per modificare lo stile del titolo dello schema</a:t>
             </a:r>
-          </a:p>
-        </p:txBody>
-      </p:sp>
-      <p:sp>
-        <p:nvSpPr>
-          <p:cNvPr id="3" name="Segnaposto testo verticale 2">
-            <a:extLst>
-              <a:ext uri="{FF2B5EF4-FFF2-40B4-BE49-F238E27FC236}">
-                <a16:creationId xmlns:a16="http://schemas.microsoft.com/office/drawing/2014/main" id="{72D7025B-E987-40F1-9D6A-348383332E17}"/>
-              </a:ext>
-            </a:extLst>
-          </p:cNvPr>
+            <a:endParaRPr lang="en-US" dirty="0"/>
+          </a:p>
+        </p:txBody>
+      </p:sp>
+      <p:sp>
+        <p:nvSpPr>
+          <p:cNvPr id="3" name="Vertical Text Placeholder 2"/>
           <p:cNvSpPr>
             <a:spLocks noGrp="1"/>
           </p:cNvSpPr>
@@ -4157,18 +3829,13 @@
               <a:rPr lang="it-IT"/>
               <a:t>Quinto livello</a:t>
             </a:r>
-          </a:p>
-        </p:txBody>
-      </p:sp>
-      <p:sp>
-        <p:nvSpPr>
-          <p:cNvPr id="4" name="Segnaposto data 3">
-            <a:extLst>
-              <a:ext uri="{FF2B5EF4-FFF2-40B4-BE49-F238E27FC236}">
-                <a16:creationId xmlns:a16="http://schemas.microsoft.com/office/drawing/2014/main" id="{FC425252-A61C-4348-9D50-B97B185C4EBE}"/>
-              </a:ext>
-            </a:extLst>
-          </p:cNvPr>
+            <a:endParaRPr lang="en-US" dirty="0"/>
+          </a:p>
+        </p:txBody>
+      </p:sp>
+      <p:sp>
+        <p:nvSpPr>
+          <p:cNvPr id="4" name="Date Placeholder 3"/>
           <p:cNvSpPr>
             <a:spLocks noGrp="1"/>
           </p:cNvSpPr>
@@ -4191,13 +3858,7 @@
       </p:sp>
       <p:sp>
         <p:nvSpPr>
-          <p:cNvPr id="5" name="Segnaposto piè di pagina 4">
-            <a:extLst>
-              <a:ext uri="{FF2B5EF4-FFF2-40B4-BE49-F238E27FC236}">
-                <a16:creationId xmlns:a16="http://schemas.microsoft.com/office/drawing/2014/main" id="{9D0EE00C-649D-4F71-9AD5-2BE1FDE66A7B}"/>
-              </a:ext>
-            </a:extLst>
-          </p:cNvPr>
+          <p:cNvPr id="5" name="Footer Placeholder 4"/>
           <p:cNvSpPr>
             <a:spLocks noGrp="1"/>
           </p:cNvSpPr>
@@ -4221,13 +3882,7 @@
       </p:sp>
       <p:sp>
         <p:nvSpPr>
-          <p:cNvPr id="6" name="Segnaposto numero diapositiva 5">
-            <a:extLst>
-              <a:ext uri="{FF2B5EF4-FFF2-40B4-BE49-F238E27FC236}">
-                <a16:creationId xmlns:a16="http://schemas.microsoft.com/office/drawing/2014/main" id="{CE64FF69-EFCE-4AE7-9A5A-080AF252FEA3}"/>
-              </a:ext>
-            </a:extLst>
-          </p:cNvPr>
+          <p:cNvPr id="6" name="Slide Number Placeholder 5"/>
           <p:cNvSpPr>
             <a:spLocks noGrp="1"/>
           </p:cNvSpPr>
@@ -4253,7 +3908,7 @@
     </p:spTree>
     <p:extLst>
       <p:ext uri="{BB962C8B-B14F-4D97-AF65-F5344CB8AC3E}">
-        <p14:creationId xmlns:p14="http://schemas.microsoft.com/office/powerpoint/2010/main" val="3317400189"/>
+        <p14:creationId xmlns:p14="http://schemas.microsoft.com/office/powerpoint/2010/main" val="4370770"/>
       </p:ext>
     </p:extLst>
   </p:cSld>
@@ -4265,7 +3920,7 @@
 </file>
 
 <file path=ppt/slideLayouts/slideLayout12.xml><?xml version="1.0" encoding="utf-8"?>
-<p:sldLayout xmlns:a="http://schemas.openxmlformats.org/drawingml/2006/main" xmlns:r="http://schemas.openxmlformats.org/officeDocument/2006/relationships" xmlns:p="http://schemas.openxmlformats.org/presentationml/2006/main" userDrawn="1">
+<p:sldLayout xmlns:a="http://schemas.openxmlformats.org/drawingml/2006/main" xmlns:r="http://schemas.openxmlformats.org/officeDocument/2006/relationships" xmlns:p="http://schemas.openxmlformats.org/presentationml/2006/main" showMasterSp="0" userDrawn="1">
   <p:cSld name="Diapositiva titolo con immagine">
     <p:spTree>
       <p:nvGrpSpPr>
@@ -4754,7 +4409,7 @@
     </p:spTree>
     <p:extLst>
       <p:ext uri="{BB962C8B-B14F-4D97-AF65-F5344CB8AC3E}">
-        <p14:creationId xmlns:p14="http://schemas.microsoft.com/office/powerpoint/2010/main" val="3368776635"/>
+        <p14:creationId xmlns:p14="http://schemas.microsoft.com/office/powerpoint/2010/main" val="926951082"/>
       </p:ext>
     </p:extLst>
   </p:cSld>
@@ -4806,304 +4461,7 @@
 </file>
 
 <file path=ppt/slideLayouts/slideLayout13.xml><?xml version="1.0" encoding="utf-8"?>
-<p:sldLayout xmlns:a="http://schemas.openxmlformats.org/drawingml/2006/main" xmlns:r="http://schemas.openxmlformats.org/officeDocument/2006/relationships" xmlns:p="http://schemas.openxmlformats.org/presentationml/2006/main" userDrawn="1">
-  <p:cSld name="Foto grande">
-    <p:spTree>
-      <p:nvGrpSpPr>
-        <p:cNvPr id="1" name=""/>
-        <p:cNvGrpSpPr/>
-        <p:nvPr/>
-      </p:nvGrpSpPr>
-      <p:grpSpPr>
-        <a:xfrm>
-          <a:off x="0" y="0"/>
-          <a:ext cx="0" cy="0"/>
-          <a:chOff x="0" y="0"/>
-          <a:chExt cx="0" cy="0"/>
-        </a:xfrm>
-      </p:grpSpPr>
-      <p:sp>
-        <p:nvSpPr>
-          <p:cNvPr id="7" name="Rettangolo 6">
-            <a:extLst>
-              <a:ext uri="{FF2B5EF4-FFF2-40B4-BE49-F238E27FC236}">
-                <a16:creationId xmlns:a16="http://schemas.microsoft.com/office/drawing/2014/main" id="{BCAFD81C-E6E5-4292-828B-BD147E6DEABE}"/>
-              </a:ext>
-            </a:extLst>
-          </p:cNvPr>
-          <p:cNvSpPr/>
-          <p:nvPr userDrawn="1"/>
-        </p:nvSpPr>
-        <p:spPr>
-          <a:xfrm>
-            <a:off x="0" y="0"/>
-            <a:ext cx="12192000" cy="6858000"/>
-          </a:xfrm>
-          <a:prstGeom prst="rect">
-            <a:avLst/>
-          </a:prstGeom>
-          <a:solidFill>
-            <a:schemeClr val="accent1"/>
-          </a:solidFill>
-          <a:ln>
-            <a:noFill/>
-          </a:ln>
-        </p:spPr>
-        <p:style>
-          <a:lnRef idx="2">
-            <a:schemeClr val="accent1">
-              <a:shade val="50000"/>
-            </a:schemeClr>
-          </a:lnRef>
-          <a:fillRef idx="1">
-            <a:schemeClr val="accent1"/>
-          </a:fillRef>
-          <a:effectRef idx="0">
-            <a:schemeClr val="accent1"/>
-          </a:effectRef>
-          <a:fontRef idx="minor">
-            <a:schemeClr val="lt1"/>
-          </a:fontRef>
-        </p:style>
-        <p:txBody>
-          <a:bodyPr rtlCol="0" anchor="ctr"/>
-          <a:lstStyle/>
-          <a:p>
-            <a:pPr algn="ctr" rtl="0"/>
-            <a:endParaRPr lang="it-IT" noProof="0" dirty="0"/>
-          </a:p>
-        </p:txBody>
-      </p:sp>
-      <p:sp>
-        <p:nvSpPr>
-          <p:cNvPr id="4" name="Triangolo rettangolo 3">
-            <a:extLst>
-              <a:ext uri="{FF2B5EF4-FFF2-40B4-BE49-F238E27FC236}">
-                <a16:creationId xmlns:a16="http://schemas.microsoft.com/office/drawing/2014/main" id="{79ED029D-F488-47E5-B064-0E35B31D23A5}"/>
-              </a:ext>
-            </a:extLst>
-          </p:cNvPr>
-          <p:cNvSpPr/>
-          <p:nvPr userDrawn="1"/>
-        </p:nvSpPr>
-        <p:spPr>
-          <a:xfrm flipV="1">
-            <a:off x="0" y="-5"/>
-            <a:ext cx="11747500" cy="6299203"/>
-          </a:xfrm>
-          <a:prstGeom prst="rtTriangle">
-            <a:avLst/>
-          </a:prstGeom>
-          <a:solidFill>
-            <a:schemeClr val="accent2"/>
-          </a:solidFill>
-          <a:ln>
-            <a:noFill/>
-          </a:ln>
-        </p:spPr>
-        <p:style>
-          <a:lnRef idx="2">
-            <a:schemeClr val="accent1">
-              <a:shade val="50000"/>
-            </a:schemeClr>
-          </a:lnRef>
-          <a:fillRef idx="1">
-            <a:schemeClr val="accent1"/>
-          </a:fillRef>
-          <a:effectRef idx="0">
-            <a:schemeClr val="accent1"/>
-          </a:effectRef>
-          <a:fontRef idx="minor">
-            <a:schemeClr val="lt1"/>
-          </a:fontRef>
-        </p:style>
-        <p:txBody>
-          <a:bodyPr rtlCol="0" anchor="ctr"/>
-          <a:lstStyle/>
-          <a:p>
-            <a:pPr algn="ctr" rtl="0"/>
-            <a:endParaRPr lang="it-IT" noProof="0" dirty="0"/>
-          </a:p>
-        </p:txBody>
-      </p:sp>
-      <p:sp>
-        <p:nvSpPr>
-          <p:cNvPr id="5" name="Segnaposto immagine 31" title="Immagine">
-            <a:extLst>
-              <a:ext uri="{FF2B5EF4-FFF2-40B4-BE49-F238E27FC236}">
-                <a16:creationId xmlns:a16="http://schemas.microsoft.com/office/drawing/2014/main" id="{D683190A-95C6-428D-AEE4-FC8350C3246D}"/>
-              </a:ext>
-            </a:extLst>
-          </p:cNvPr>
-          <p:cNvSpPr>
-            <a:spLocks noGrp="1"/>
-          </p:cNvSpPr>
-          <p:nvPr>
-            <p:ph type="pic" sz="quarter" idx="13" hasCustomPrompt="1"/>
-          </p:nvPr>
-        </p:nvSpPr>
-        <p:spPr>
-          <a:xfrm>
-            <a:off x="359229" y="326570"/>
-            <a:ext cx="11473542" cy="6204859"/>
-          </a:xfrm>
-          <a:prstGeom prst="rect">
-            <a:avLst/>
-          </a:prstGeom>
-          <a:solidFill>
-            <a:schemeClr val="bg1">
-              <a:lumMod val="85000"/>
-            </a:schemeClr>
-          </a:solidFill>
-        </p:spPr>
-        <p:txBody>
-          <a:bodyPr lIns="0" tIns="0" rtlCol="0" anchor="ctr"/>
-          <a:lstStyle>
-            <a:lvl1pPr marL="0" indent="0" algn="ctr">
-              <a:buNone/>
-              <a:defRPr sz="1100" i="1">
-                <a:latin typeface="Times New Roman" panose="02020603050405020304" pitchFamily="18" charset="0"/>
-                <a:cs typeface="Times New Roman" panose="02020603050405020304" pitchFamily="18" charset="0"/>
-              </a:defRPr>
-            </a:lvl1pPr>
-          </a:lstStyle>
-          <a:p>
-            <a:pPr rtl="0"/>
-            <a:r>
-              <a:rPr lang="it-IT" noProof="0" dirty="0"/>
-              <a:t>Inserire o trascinare l'immagine qui</a:t>
-            </a:r>
-          </a:p>
-        </p:txBody>
-      </p:sp>
-      <p:cxnSp>
-        <p:nvCxnSpPr>
-          <p:cNvPr id="6" name="Connettore diritto 5">
-            <a:extLst>
-              <a:ext uri="{FF2B5EF4-FFF2-40B4-BE49-F238E27FC236}">
-                <a16:creationId xmlns:a16="http://schemas.microsoft.com/office/drawing/2014/main" id="{F78F4957-6DDE-40CE-9D33-00B1434FA085}"/>
-              </a:ext>
-            </a:extLst>
-          </p:cNvPr>
-          <p:cNvCxnSpPr>
-            <a:cxnSpLocks/>
-          </p:cNvCxnSpPr>
-          <p:nvPr userDrawn="1"/>
-        </p:nvCxnSpPr>
-        <p:spPr>
-          <a:xfrm flipV="1">
-            <a:off x="0" y="5344886"/>
-            <a:ext cx="2362200" cy="1240972"/>
-          </a:xfrm>
-          <a:prstGeom prst="line">
-            <a:avLst/>
-          </a:prstGeom>
-          <a:ln>
-            <a:solidFill>
-              <a:schemeClr val="bg1">
-                <a:lumMod val="50000"/>
-              </a:schemeClr>
-            </a:solidFill>
-          </a:ln>
-        </p:spPr>
-        <p:style>
-          <a:lnRef idx="1">
-            <a:schemeClr val="accent1"/>
-          </a:lnRef>
-          <a:fillRef idx="0">
-            <a:schemeClr val="accent1"/>
-          </a:fillRef>
-          <a:effectRef idx="0">
-            <a:schemeClr val="accent1"/>
-          </a:effectRef>
-          <a:fontRef idx="minor">
-            <a:schemeClr val="tx1"/>
-          </a:fontRef>
-        </p:style>
-      </p:cxnSp>
-      <p:sp>
-        <p:nvSpPr>
-          <p:cNvPr id="9" name="Titolo 1" title="Titolo ">
-            <a:extLst>
-              <a:ext uri="{FF2B5EF4-FFF2-40B4-BE49-F238E27FC236}">
-                <a16:creationId xmlns:a16="http://schemas.microsoft.com/office/drawing/2014/main" id="{D9A8085F-72C4-4DFB-813E-C5666B0CCF3A}"/>
-              </a:ext>
-            </a:extLst>
-          </p:cNvPr>
-          <p:cNvSpPr>
-            <a:spLocks noGrp="1"/>
-          </p:cNvSpPr>
-          <p:nvPr>
-            <p:ph type="title" hasCustomPrompt="1"/>
-          </p:nvPr>
-        </p:nvSpPr>
-        <p:spPr>
-          <a:xfrm>
-            <a:off x="359229" y="558802"/>
-            <a:ext cx="8333222" cy="939798"/>
-          </a:xfrm>
-          <a:prstGeom prst="rect">
-            <a:avLst/>
-          </a:prstGeom>
-          <a:solidFill>
-            <a:schemeClr val="bg1">
-              <a:alpha val="90000"/>
-            </a:schemeClr>
-          </a:solidFill>
-        </p:spPr>
-        <p:txBody>
-          <a:bodyPr lIns="288000" rtlCol="0" anchor="ctr">
-            <a:normAutofit/>
-          </a:bodyPr>
-          <a:lstStyle>
-            <a:lvl1pPr>
-              <a:defRPr sz="3600" b="1">
-                <a:solidFill>
-                  <a:schemeClr val="tx1"/>
-                </a:solidFill>
-              </a:defRPr>
-            </a:lvl1pPr>
-          </a:lstStyle>
-          <a:p>
-            <a:pPr rtl="0"/>
-            <a:r>
-              <a:rPr lang="it-IT" noProof="0" dirty="0"/>
-              <a:t>Aggiungere la didascalia qui</a:t>
-            </a:r>
-          </a:p>
-        </p:txBody>
-      </p:sp>
-    </p:spTree>
-    <p:extLst>
-      <p:ext uri="{BB962C8B-B14F-4D97-AF65-F5344CB8AC3E}">
-        <p14:creationId xmlns:p14="http://schemas.microsoft.com/office/powerpoint/2010/main" val="3741509177"/>
-      </p:ext>
-    </p:extLst>
-  </p:cSld>
-  <p:clrMapOvr>
-    <a:masterClrMapping/>
-  </p:clrMapOvr>
-  <p:extLst>
-    <p:ext uri="{DCECCB84-F9BA-43D5-87BE-67443E8EF086}">
-      <p15:sldGuideLst xmlns:p15="http://schemas.microsoft.com/office/powerpoint/2012/main">
-        <p15:guide id="1" orient="horz" pos="2160">
-          <p15:clr>
-            <a:srgbClr val="FBAE40"/>
-          </p15:clr>
-        </p15:guide>
-        <p15:guide id="2" pos="3840">
-          <p15:clr>
-            <a:srgbClr val="FBAE40"/>
-          </p15:clr>
-        </p15:guide>
-      </p15:sldGuideLst>
-    </p:ext>
-  </p:extLst>
-</p:sldLayout>
-</file>
-
-<file path=ppt/slideLayouts/slideLayout14.xml><?xml version="1.0" encoding="utf-8"?>
-<p:sldLayout xmlns:a="http://schemas.openxmlformats.org/drawingml/2006/main" xmlns:r="http://schemas.openxmlformats.org/officeDocument/2006/relationships" xmlns:p="http://schemas.openxmlformats.org/presentationml/2006/main" userDrawn="1">
+<p:sldLayout xmlns:a="http://schemas.openxmlformats.org/drawingml/2006/main" xmlns:r="http://schemas.openxmlformats.org/officeDocument/2006/relationships" xmlns:p="http://schemas.openxmlformats.org/presentationml/2006/main" showMasterSp="0" userDrawn="1">
   <p:cSld name="Layout testo 01">
     <p:spTree>
       <p:nvGrpSpPr>
@@ -5756,7 +5114,7 @@
     </p:spTree>
     <p:extLst>
       <p:ext uri="{BB962C8B-B14F-4D97-AF65-F5344CB8AC3E}">
-        <p14:creationId xmlns:p14="http://schemas.microsoft.com/office/powerpoint/2010/main" val="1680369379"/>
+        <p14:creationId xmlns:p14="http://schemas.microsoft.com/office/powerpoint/2010/main" val="1992352041"/>
       </p:ext>
     </p:extLst>
   </p:cSld>
@@ -5787,8 +5145,8 @@
 </p:sldLayout>
 </file>
 
-<file path=ppt/slideLayouts/slideLayout15.xml><?xml version="1.0" encoding="utf-8"?>
-<p:sldLayout xmlns:a="http://schemas.openxmlformats.org/drawingml/2006/main" xmlns:r="http://schemas.openxmlformats.org/officeDocument/2006/relationships" xmlns:p="http://schemas.openxmlformats.org/presentationml/2006/main" userDrawn="1">
+<file path=ppt/slideLayouts/slideLayout14.xml><?xml version="1.0" encoding="utf-8"?>
+<p:sldLayout xmlns:a="http://schemas.openxmlformats.org/drawingml/2006/main" xmlns:r="http://schemas.openxmlformats.org/officeDocument/2006/relationships" xmlns:p="http://schemas.openxmlformats.org/presentationml/2006/main" showMasterSp="0" userDrawn="1">
   <p:cSld name="Confronto con sottotitolo">
     <p:spTree>
       <p:nvGrpSpPr>
@@ -6717,7 +6075,7 @@
     </p:spTree>
     <p:extLst>
       <p:ext uri="{BB962C8B-B14F-4D97-AF65-F5344CB8AC3E}">
-        <p14:creationId xmlns:p14="http://schemas.microsoft.com/office/powerpoint/2010/main" val="178681478"/>
+        <p14:creationId xmlns:p14="http://schemas.microsoft.com/office/powerpoint/2010/main" val="95685191"/>
       </p:ext>
     </p:extLst>
   </p:cSld>
@@ -6758,8 +6116,8 @@
 </p:sldLayout>
 </file>
 
-<file path=ppt/slideLayouts/slideLayout16.xml><?xml version="1.0" encoding="utf-8"?>
-<p:sldLayout xmlns:a="http://schemas.openxmlformats.org/drawingml/2006/main" xmlns:r="http://schemas.openxmlformats.org/officeDocument/2006/relationships" xmlns:p="http://schemas.openxmlformats.org/presentationml/2006/main" preserve="1" userDrawn="1">
+<file path=ppt/slideLayouts/slideLayout15.xml><?xml version="1.0" encoding="utf-8"?>
+<p:sldLayout xmlns:a="http://schemas.openxmlformats.org/drawingml/2006/main" xmlns:r="http://schemas.openxmlformats.org/officeDocument/2006/relationships" xmlns:p="http://schemas.openxmlformats.org/presentationml/2006/main" showMasterSp="0" preserve="1" userDrawn="1">
   <p:cSld name="Intestazione della sezione con immagine">
     <p:spTree>
       <p:nvGrpSpPr>
@@ -7558,8 +6916,8 @@
 </p:sldLayout>
 </file>
 
-<file path=ppt/slideLayouts/slideLayout17.xml><?xml version="1.0" encoding="utf-8"?>
-<p:sldLayout xmlns:a="http://schemas.openxmlformats.org/drawingml/2006/main" xmlns:r="http://schemas.openxmlformats.org/officeDocument/2006/relationships" xmlns:p="http://schemas.openxmlformats.org/presentationml/2006/main" preserve="1" userDrawn="1">
+<file path=ppt/slideLayouts/slideLayout16.xml><?xml version="1.0" encoding="utf-8"?>
+<p:sldLayout xmlns:a="http://schemas.openxmlformats.org/drawingml/2006/main" xmlns:r="http://schemas.openxmlformats.org/officeDocument/2006/relationships" xmlns:p="http://schemas.openxmlformats.org/presentationml/2006/main" showMasterSp="0" preserve="1" userDrawn="1">
   <p:cSld name="1_Diapositiva titolo">
     <p:spTree>
       <p:nvGrpSpPr>
@@ -7991,8 +7349,8 @@
 </p:sldLayout>
 </file>
 
-<file path=ppt/slideLayouts/slideLayout18.xml><?xml version="1.0" encoding="utf-8"?>
-<p:sldLayout xmlns:a="http://schemas.openxmlformats.org/drawingml/2006/main" xmlns:r="http://schemas.openxmlformats.org/officeDocument/2006/relationships" xmlns:p="http://schemas.openxmlformats.org/presentationml/2006/main" preserve="1" userDrawn="1">
+<file path=ppt/slideLayouts/slideLayout17.xml><?xml version="1.0" encoding="utf-8"?>
+<p:sldLayout xmlns:a="http://schemas.openxmlformats.org/drawingml/2006/main" xmlns:r="http://schemas.openxmlformats.org/officeDocument/2006/relationships" xmlns:p="http://schemas.openxmlformats.org/presentationml/2006/main" showMasterSp="0" preserve="1" userDrawn="1">
   <p:cSld name="1_Intestazione sezione">
     <p:spTree>
       <p:nvGrpSpPr>
@@ -8683,8 +8041,8 @@
 </p:sldLayout>
 </file>
 
-<file path=ppt/slideLayouts/slideLayout19.xml><?xml version="1.0" encoding="utf-8"?>
-<p:sldLayout xmlns:a="http://schemas.openxmlformats.org/drawingml/2006/main" xmlns:r="http://schemas.openxmlformats.org/officeDocument/2006/relationships" xmlns:p="http://schemas.openxmlformats.org/presentationml/2006/main" preserve="1" userDrawn="1">
+<file path=ppt/slideLayouts/slideLayout18.xml><?xml version="1.0" encoding="utf-8"?>
+<p:sldLayout xmlns:a="http://schemas.openxmlformats.org/drawingml/2006/main" xmlns:r="http://schemas.openxmlformats.org/officeDocument/2006/relationships" xmlns:p="http://schemas.openxmlformats.org/presentationml/2006/main" showMasterSp="0" preserve="1" userDrawn="1">
   <p:cSld name="1_Titolo e contenuto">
     <p:spTree>
       <p:nvGrpSpPr>
@@ -9329,590 +8687,8 @@
 </p:sldLayout>
 </file>
 
-<file path=ppt/slideLayouts/slideLayout2.xml><?xml version="1.0" encoding="utf-8"?>
-<p:sldLayout xmlns:a="http://schemas.openxmlformats.org/drawingml/2006/main" xmlns:r="http://schemas.openxmlformats.org/officeDocument/2006/relationships" xmlns:p="http://schemas.openxmlformats.org/presentationml/2006/main" type="obj" preserve="1">
-  <p:cSld name="Titolo e contenuto">
-    <p:spTree>
-      <p:nvGrpSpPr>
-        <p:cNvPr id="1" name=""/>
-        <p:cNvGrpSpPr/>
-        <p:nvPr/>
-      </p:nvGrpSpPr>
-      <p:grpSpPr>
-        <a:xfrm>
-          <a:off x="0" y="0"/>
-          <a:ext cx="0" cy="0"/>
-          <a:chOff x="0" y="0"/>
-          <a:chExt cx="0" cy="0"/>
-        </a:xfrm>
-      </p:grpSpPr>
-      <p:sp>
-        <p:nvSpPr>
-          <p:cNvPr id="2" name="Titolo 1">
-            <a:extLst>
-              <a:ext uri="{FF2B5EF4-FFF2-40B4-BE49-F238E27FC236}">
-                <a16:creationId xmlns:a16="http://schemas.microsoft.com/office/drawing/2014/main" id="{95C87F3E-3B89-42EA-A2FF-C13D6969A7ED}"/>
-              </a:ext>
-            </a:extLst>
-          </p:cNvPr>
-          <p:cNvSpPr>
-            <a:spLocks noGrp="1"/>
-          </p:cNvSpPr>
-          <p:nvPr>
-            <p:ph type="title"/>
-          </p:nvPr>
-        </p:nvSpPr>
-        <p:spPr/>
-        <p:txBody>
-          <a:bodyPr/>
-          <a:lstStyle/>
-          <a:p>
-            <a:r>
-              <a:rPr lang="it-IT"/>
-              <a:t>Fare clic per modificare lo stile del titolo dello schema</a:t>
-            </a:r>
-          </a:p>
-        </p:txBody>
-      </p:sp>
-      <p:sp>
-        <p:nvSpPr>
-          <p:cNvPr id="3" name="Segnaposto contenuto 2">
-            <a:extLst>
-              <a:ext uri="{FF2B5EF4-FFF2-40B4-BE49-F238E27FC236}">
-                <a16:creationId xmlns:a16="http://schemas.microsoft.com/office/drawing/2014/main" id="{74E73F75-4915-466E-A40A-DD5D9B542CFC}"/>
-              </a:ext>
-            </a:extLst>
-          </p:cNvPr>
-          <p:cNvSpPr>
-            <a:spLocks noGrp="1"/>
-          </p:cNvSpPr>
-          <p:nvPr>
-            <p:ph idx="1"/>
-          </p:nvPr>
-        </p:nvSpPr>
-        <p:spPr/>
-        <p:txBody>
-          <a:bodyPr/>
-          <a:lstStyle/>
-          <a:p>
-            <a:pPr lvl="0"/>
-            <a:r>
-              <a:rPr lang="it-IT"/>
-              <a:t>Fare clic per modificare gli stili del testo dello schema</a:t>
-            </a:r>
-          </a:p>
-          <a:p>
-            <a:pPr lvl="1"/>
-            <a:r>
-              <a:rPr lang="it-IT"/>
-              <a:t>Secondo livello</a:t>
-            </a:r>
-          </a:p>
-          <a:p>
-            <a:pPr lvl="2"/>
-            <a:r>
-              <a:rPr lang="it-IT"/>
-              <a:t>Terzo livello</a:t>
-            </a:r>
-          </a:p>
-          <a:p>
-            <a:pPr lvl="3"/>
-            <a:r>
-              <a:rPr lang="it-IT"/>
-              <a:t>Quarto livello</a:t>
-            </a:r>
-          </a:p>
-          <a:p>
-            <a:pPr lvl="4"/>
-            <a:r>
-              <a:rPr lang="it-IT"/>
-              <a:t>Quinto livello</a:t>
-            </a:r>
-          </a:p>
-        </p:txBody>
-      </p:sp>
-      <p:sp>
-        <p:nvSpPr>
-          <p:cNvPr id="4" name="Segnaposto data 3">
-            <a:extLst>
-              <a:ext uri="{FF2B5EF4-FFF2-40B4-BE49-F238E27FC236}">
-                <a16:creationId xmlns:a16="http://schemas.microsoft.com/office/drawing/2014/main" id="{FF95248D-6C1D-4946-AA53-2A66FA4A0915}"/>
-              </a:ext>
-            </a:extLst>
-          </p:cNvPr>
-          <p:cNvSpPr>
-            <a:spLocks noGrp="1"/>
-          </p:cNvSpPr>
-          <p:nvPr>
-            <p:ph type="dt" sz="half" idx="10"/>
-          </p:nvPr>
-        </p:nvSpPr>
-        <p:spPr/>
-        <p:txBody>
-          <a:bodyPr/>
-          <a:lstStyle/>
-          <a:p>
-            <a:fld id="{D2C95273-7EA1-449B-9AF4-4A92A4F80372}" type="datetimeFigureOut">
-              <a:rPr lang="it-IT" smtClean="0"/>
-              <a:t>24/06/2019</a:t>
-            </a:fld>
-            <a:endParaRPr lang="it-IT"/>
-          </a:p>
-        </p:txBody>
-      </p:sp>
-      <p:sp>
-        <p:nvSpPr>
-          <p:cNvPr id="5" name="Segnaposto piè di pagina 4">
-            <a:extLst>
-              <a:ext uri="{FF2B5EF4-FFF2-40B4-BE49-F238E27FC236}">
-                <a16:creationId xmlns:a16="http://schemas.microsoft.com/office/drawing/2014/main" id="{0EDDE46C-72B6-4DFC-9D76-5F8A628E3E26}"/>
-              </a:ext>
-            </a:extLst>
-          </p:cNvPr>
-          <p:cNvSpPr>
-            <a:spLocks noGrp="1"/>
-          </p:cNvSpPr>
-          <p:nvPr>
-            <p:ph type="ftr" sz="quarter" idx="11"/>
-          </p:nvPr>
-        </p:nvSpPr>
-        <p:spPr/>
-        <p:txBody>
-          <a:bodyPr/>
-          <a:lstStyle/>
-          <a:p>
-            <a:pPr rtl="0"/>
-            <a:r>
-              <a:rPr lang="it-IT" noProof="0"/>
-              <a:t>Aggiungere un piè di pagina</a:t>
-            </a:r>
-            <a:endParaRPr lang="it-IT" noProof="0" dirty="0"/>
-          </a:p>
-        </p:txBody>
-      </p:sp>
-      <p:sp>
-        <p:nvSpPr>
-          <p:cNvPr id="6" name="Segnaposto numero diapositiva 5">
-            <a:extLst>
-              <a:ext uri="{FF2B5EF4-FFF2-40B4-BE49-F238E27FC236}">
-                <a16:creationId xmlns:a16="http://schemas.microsoft.com/office/drawing/2014/main" id="{27E732B6-BCAF-4C37-8E6C-2CA41294034C}"/>
-              </a:ext>
-            </a:extLst>
-          </p:cNvPr>
-          <p:cNvSpPr>
-            <a:spLocks noGrp="1"/>
-          </p:cNvSpPr>
-          <p:nvPr>
-            <p:ph type="sldNum" sz="quarter" idx="12"/>
-          </p:nvPr>
-        </p:nvSpPr>
-        <p:spPr/>
-        <p:txBody>
-          <a:bodyPr/>
-          <a:lstStyle/>
-          <a:p>
-            <a:pPr rtl="0"/>
-            <a:fld id="{8699F50C-BE38-4BD0-BA84-9B090E1F2B9B}" type="slidenum">
-              <a:rPr lang="it-IT" noProof="0" smtClean="0"/>
-              <a:t>‹N›</a:t>
-            </a:fld>
-            <a:endParaRPr lang="it-IT" noProof="0" dirty="0"/>
-          </a:p>
-        </p:txBody>
-      </p:sp>
-      <p:sp>
-        <p:nvSpPr>
-          <p:cNvPr id="7" name="Rettangolo 6">
-            <a:extLst>
-              <a:ext uri="{FF2B5EF4-FFF2-40B4-BE49-F238E27FC236}">
-                <a16:creationId xmlns:a16="http://schemas.microsoft.com/office/drawing/2014/main" id="{AA505D00-ACA2-4EBF-980E-C40AE1E13B68}"/>
-              </a:ext>
-            </a:extLst>
-          </p:cNvPr>
-          <p:cNvSpPr/>
-          <p:nvPr userDrawn="1"/>
-        </p:nvSpPr>
-        <p:spPr>
-          <a:xfrm>
-            <a:off x="0" y="1"/>
-            <a:ext cx="12192000" cy="6857999"/>
-          </a:xfrm>
-          <a:prstGeom prst="rect">
-            <a:avLst/>
-          </a:prstGeom>
-          <a:solidFill>
-            <a:schemeClr val="accent1"/>
-          </a:solidFill>
-          <a:ln>
-            <a:noFill/>
-          </a:ln>
-        </p:spPr>
-        <p:style>
-          <a:lnRef idx="2">
-            <a:schemeClr val="accent1">
-              <a:shade val="50000"/>
-            </a:schemeClr>
-          </a:lnRef>
-          <a:fillRef idx="1">
-            <a:schemeClr val="accent1"/>
-          </a:fillRef>
-          <a:effectRef idx="0">
-            <a:schemeClr val="accent1"/>
-          </a:effectRef>
-          <a:fontRef idx="minor">
-            <a:schemeClr val="lt1"/>
-          </a:fontRef>
-        </p:style>
-        <p:txBody>
-          <a:bodyPr rtlCol="0" anchor="ctr"/>
-          <a:lstStyle/>
-          <a:p>
-            <a:pPr algn="ctr" rtl="0"/>
-            <a:endParaRPr lang="it-IT" noProof="0" dirty="0"/>
-          </a:p>
-        </p:txBody>
-      </p:sp>
-      <p:cxnSp>
-        <p:nvCxnSpPr>
-          <p:cNvPr id="8" name="Connettore diritto 7">
-            <a:extLst>
-              <a:ext uri="{FF2B5EF4-FFF2-40B4-BE49-F238E27FC236}">
-                <a16:creationId xmlns:a16="http://schemas.microsoft.com/office/drawing/2014/main" id="{31A0C2E7-3D41-4455-8C48-310494730806}"/>
-              </a:ext>
-            </a:extLst>
-          </p:cNvPr>
-          <p:cNvCxnSpPr>
-            <a:cxnSpLocks/>
-          </p:cNvCxnSpPr>
-          <p:nvPr userDrawn="1"/>
-        </p:nvCxnSpPr>
-        <p:spPr>
-          <a:xfrm flipH="1" flipV="1">
-            <a:off x="-9247" y="3633967"/>
-            <a:ext cx="1912619" cy="1572989"/>
-          </a:xfrm>
-          <a:prstGeom prst="line">
-            <a:avLst/>
-          </a:prstGeom>
-          <a:ln>
-            <a:solidFill>
-              <a:schemeClr val="accent2"/>
-            </a:solidFill>
-          </a:ln>
-        </p:spPr>
-        <p:style>
-          <a:lnRef idx="1">
-            <a:schemeClr val="accent1"/>
-          </a:lnRef>
-          <a:fillRef idx="0">
-            <a:schemeClr val="accent1"/>
-          </a:fillRef>
-          <a:effectRef idx="0">
-            <a:schemeClr val="accent1"/>
-          </a:effectRef>
-          <a:fontRef idx="minor">
-            <a:schemeClr val="tx1"/>
-          </a:fontRef>
-        </p:style>
-      </p:cxnSp>
-      <p:grpSp>
-        <p:nvGrpSpPr>
-          <p:cNvPr id="9" name="Gruppo 8">
-            <a:extLst>
-              <a:ext uri="{FF2B5EF4-FFF2-40B4-BE49-F238E27FC236}">
-                <a16:creationId xmlns:a16="http://schemas.microsoft.com/office/drawing/2014/main" id="{0750A1F8-2D83-4099-9A7B-084505D86467}"/>
-              </a:ext>
-            </a:extLst>
-          </p:cNvPr>
-          <p:cNvGrpSpPr/>
-          <p:nvPr userDrawn="1"/>
-        </p:nvGrpSpPr>
-        <p:grpSpPr>
-          <a:xfrm flipH="1">
-            <a:off x="7561328" y="0"/>
-            <a:ext cx="4831840" cy="3541007"/>
-            <a:chOff x="-192127" y="-2"/>
-            <a:chExt cx="4831840" cy="3367272"/>
-          </a:xfrm>
-        </p:grpSpPr>
-        <p:sp>
-          <p:nvSpPr>
-            <p:cNvPr id="10" name="Striscia diagonale 9">
-              <a:extLst>
-                <a:ext uri="{FF2B5EF4-FFF2-40B4-BE49-F238E27FC236}">
-                  <a16:creationId xmlns:a16="http://schemas.microsoft.com/office/drawing/2014/main" id="{5D43842B-E5FC-4B50-91E3-14AA644CFB20}"/>
-                </a:ext>
-              </a:extLst>
-            </p:cNvPr>
-            <p:cNvSpPr/>
-            <p:nvPr userDrawn="1"/>
-          </p:nvSpPr>
-          <p:spPr>
-            <a:xfrm>
-              <a:off x="0" y="-1"/>
-              <a:ext cx="4639713" cy="3367271"/>
-            </a:xfrm>
-            <a:prstGeom prst="diagStripe">
-              <a:avLst>
-                <a:gd name="adj" fmla="val 51202"/>
-              </a:avLst>
-            </a:prstGeom>
-            <a:solidFill>
-              <a:schemeClr val="accent6"/>
-            </a:solidFill>
-            <a:ln>
-              <a:noFill/>
-            </a:ln>
-          </p:spPr>
-          <p:style>
-            <a:lnRef idx="2">
-              <a:schemeClr val="accent1">
-                <a:shade val="50000"/>
-              </a:schemeClr>
-            </a:lnRef>
-            <a:fillRef idx="1">
-              <a:schemeClr val="accent1"/>
-            </a:fillRef>
-            <a:effectRef idx="0">
-              <a:schemeClr val="accent1"/>
-            </a:effectRef>
-            <a:fontRef idx="minor">
-              <a:schemeClr val="lt1"/>
-            </a:fontRef>
-          </p:style>
-          <p:txBody>
-            <a:bodyPr rtlCol="0" anchor="ctr"/>
-            <a:lstStyle/>
-            <a:p>
-              <a:pPr algn="ctr" rtl="0"/>
-              <a:endParaRPr lang="it-IT" noProof="0" dirty="0">
-                <a:solidFill>
-                  <a:schemeClr val="tx1"/>
-                </a:solidFill>
-              </a:endParaRPr>
-            </a:p>
-          </p:txBody>
-        </p:sp>
-        <p:cxnSp>
-          <p:nvCxnSpPr>
-            <p:cNvPr id="11" name="Connettore diritto 10">
-              <a:extLst>
-                <a:ext uri="{FF2B5EF4-FFF2-40B4-BE49-F238E27FC236}">
-                  <a16:creationId xmlns:a16="http://schemas.microsoft.com/office/drawing/2014/main" id="{C9B9DE49-36E1-4A7C-B142-BF353D026F9C}"/>
-                </a:ext>
-              </a:extLst>
-            </p:cNvPr>
-            <p:cNvCxnSpPr>
-              <a:cxnSpLocks/>
-            </p:cNvCxnSpPr>
-            <p:nvPr userDrawn="1"/>
-          </p:nvCxnSpPr>
-          <p:spPr>
-            <a:xfrm flipV="1">
-              <a:off x="1433638" y="-2"/>
-              <a:ext cx="1240971" cy="916595"/>
-            </a:xfrm>
-            <a:prstGeom prst="line">
-              <a:avLst/>
-            </a:prstGeom>
-            <a:ln>
-              <a:solidFill>
-                <a:schemeClr val="bg1">
-                  <a:lumMod val="75000"/>
-                </a:schemeClr>
-              </a:solidFill>
-            </a:ln>
-          </p:spPr>
-          <p:style>
-            <a:lnRef idx="1">
-              <a:schemeClr val="accent1"/>
-            </a:lnRef>
-            <a:fillRef idx="0">
-              <a:schemeClr val="accent1"/>
-            </a:fillRef>
-            <a:effectRef idx="0">
-              <a:schemeClr val="accent1"/>
-            </a:effectRef>
-            <a:fontRef idx="minor">
-              <a:schemeClr val="tx1"/>
-            </a:fontRef>
-          </p:style>
-        </p:cxnSp>
-        <p:sp>
-          <p:nvSpPr>
-            <p:cNvPr id="12" name="Parallelogramma 11">
-              <a:extLst>
-                <a:ext uri="{FF2B5EF4-FFF2-40B4-BE49-F238E27FC236}">
-                  <a16:creationId xmlns:a16="http://schemas.microsoft.com/office/drawing/2014/main" id="{D1E90C41-5B80-4063-A75E-38206CD6136A}"/>
-                </a:ext>
-              </a:extLst>
-            </p:cNvPr>
-            <p:cNvSpPr/>
-            <p:nvPr userDrawn="1"/>
-          </p:nvSpPr>
-          <p:spPr>
-            <a:xfrm rot="19421162">
-              <a:off x="-192127" y="1140864"/>
-              <a:ext cx="1354398" cy="214994"/>
-            </a:xfrm>
-            <a:prstGeom prst="parallelogram">
-              <a:avLst>
-                <a:gd name="adj" fmla="val 72003"/>
-              </a:avLst>
-            </a:prstGeom>
-            <a:solidFill>
-              <a:schemeClr val="accent2"/>
-            </a:solidFill>
-            <a:ln>
-              <a:noFill/>
-            </a:ln>
-          </p:spPr>
-          <p:style>
-            <a:lnRef idx="2">
-              <a:schemeClr val="accent1">
-                <a:shade val="50000"/>
-              </a:schemeClr>
-            </a:lnRef>
-            <a:fillRef idx="1">
-              <a:schemeClr val="accent1"/>
-            </a:fillRef>
-            <a:effectRef idx="0">
-              <a:schemeClr val="accent1"/>
-            </a:effectRef>
-            <a:fontRef idx="minor">
-              <a:schemeClr val="lt1"/>
-            </a:fontRef>
-          </p:style>
-          <p:txBody>
-            <a:bodyPr rtlCol="0" anchor="ctr"/>
-            <a:lstStyle/>
-            <a:p>
-              <a:pPr algn="ctr" rtl="0"/>
-              <a:endParaRPr lang="it-IT" noProof="0" dirty="0"/>
-            </a:p>
-          </p:txBody>
-        </p:sp>
-      </p:grpSp>
-      <p:sp>
-        <p:nvSpPr>
-          <p:cNvPr id="13" name="Casella di testo 24">
-            <a:extLst>
-              <a:ext uri="{FF2B5EF4-FFF2-40B4-BE49-F238E27FC236}">
-                <a16:creationId xmlns:a16="http://schemas.microsoft.com/office/drawing/2014/main" id="{1ED55856-38F5-4249-B85F-0171B55C7B48}"/>
-              </a:ext>
-            </a:extLst>
-          </p:cNvPr>
-          <p:cNvSpPr txBox="1"/>
-          <p:nvPr userDrawn="1"/>
-        </p:nvSpPr>
-        <p:spPr>
-          <a:xfrm>
-            <a:off x="11072378" y="235732"/>
-            <a:ext cx="814647" cy="615553"/>
-          </a:xfrm>
-          <a:prstGeom prst="rect">
-            <a:avLst/>
-          </a:prstGeom>
-          <a:noFill/>
-        </p:spPr>
-        <p:txBody>
-          <a:bodyPr wrap="none" rtlCol="0">
-            <a:spAutoFit/>
-          </a:bodyPr>
-          <a:lstStyle/>
-          <a:p>
-            <a:pPr rtl="0"/>
-            <a:r>
-              <a:rPr lang="it-IT" sz="3400" b="1" noProof="0" dirty="0">
-                <a:solidFill>
-                  <a:schemeClr val="bg1"/>
-                </a:solidFill>
-                <a:latin typeface="Arial Black" panose="020B0A04020102020204" pitchFamily="34" charset="0"/>
-              </a:rPr>
-              <a:t>FR</a:t>
-            </a:r>
-          </a:p>
-        </p:txBody>
-      </p:sp>
-      <p:sp>
-        <p:nvSpPr>
-          <p:cNvPr id="14" name="Parallelogramma 13">
-            <a:extLst>
-              <a:ext uri="{FF2B5EF4-FFF2-40B4-BE49-F238E27FC236}">
-                <a16:creationId xmlns:a16="http://schemas.microsoft.com/office/drawing/2014/main" id="{69891AA5-0CA5-4E6C-88A2-A7C5007B7918}"/>
-              </a:ext>
-            </a:extLst>
-          </p:cNvPr>
-          <p:cNvSpPr/>
-          <p:nvPr userDrawn="1"/>
-        </p:nvSpPr>
-        <p:spPr>
-          <a:xfrm flipH="1">
-            <a:off x="6679908" y="1"/>
-            <a:ext cx="1447800" cy="639064"/>
-          </a:xfrm>
-          <a:prstGeom prst="parallelogram">
-            <a:avLst>
-              <a:gd name="adj" fmla="val 135617"/>
-            </a:avLst>
-          </a:prstGeom>
-          <a:solidFill>
-            <a:schemeClr val="bg2"/>
-          </a:solidFill>
-          <a:ln>
-            <a:noFill/>
-          </a:ln>
-        </p:spPr>
-        <p:style>
-          <a:lnRef idx="2">
-            <a:schemeClr val="accent1">
-              <a:shade val="50000"/>
-            </a:schemeClr>
-          </a:lnRef>
-          <a:fillRef idx="1">
-            <a:schemeClr val="accent1"/>
-          </a:fillRef>
-          <a:effectRef idx="0">
-            <a:schemeClr val="accent1"/>
-          </a:effectRef>
-          <a:fontRef idx="minor">
-            <a:schemeClr val="lt1"/>
-          </a:fontRef>
-        </p:style>
-        <p:txBody>
-          <a:bodyPr rot="0" spcFirstLastPara="0" vertOverflow="overflow" horzOverflow="overflow" vert="horz" wrap="square" lIns="91440" tIns="45720" rIns="91440" bIns="45720" numCol="1" spcCol="0" rtlCol="0" fromWordArt="0" anchor="ctr" anchorCtr="0" forceAA="0" compatLnSpc="1">
-            <a:prstTxWarp prst="textNoShape">
-              <a:avLst/>
-            </a:prstTxWarp>
-            <a:noAutofit/>
-          </a:bodyPr>
-          <a:lstStyle/>
-          <a:p>
-            <a:pPr lvl="0" algn="ctr" rtl="0"/>
-            <a:endParaRPr lang="it-IT" noProof="0" dirty="0"/>
-          </a:p>
-        </p:txBody>
-      </p:sp>
-    </p:spTree>
-    <p:extLst>
-      <p:ext uri="{BB962C8B-B14F-4D97-AF65-F5344CB8AC3E}">
-        <p14:creationId xmlns:p14="http://schemas.microsoft.com/office/powerpoint/2010/main" val="3824595138"/>
-      </p:ext>
-    </p:extLst>
-  </p:cSld>
-  <p:clrMapOvr>
-    <a:masterClrMapping/>
-  </p:clrMapOvr>
-  <p:extLst>
-    <p:ext uri="{DCECCB84-F9BA-43D5-87BE-67443E8EF086}">
-      <p15:sldGuideLst xmlns:p15="http://schemas.microsoft.com/office/powerpoint/2012/main"/>
-    </p:ext>
-  </p:extLst>
-</p:sldLayout>
-</file>
-
-<file path=ppt/slideLayouts/slideLayout20.xml><?xml version="1.0" encoding="utf-8"?>
-<p:sldLayout xmlns:a="http://schemas.openxmlformats.org/drawingml/2006/main" xmlns:r="http://schemas.openxmlformats.org/officeDocument/2006/relationships" xmlns:p="http://schemas.openxmlformats.org/presentationml/2006/main" preserve="1" userDrawn="1">
+<file path=ppt/slideLayouts/slideLayout19.xml><?xml version="1.0" encoding="utf-8"?>
+<p:sldLayout xmlns:a="http://schemas.openxmlformats.org/drawingml/2006/main" xmlns:r="http://schemas.openxmlformats.org/officeDocument/2006/relationships" xmlns:p="http://schemas.openxmlformats.org/presentationml/2006/main" showMasterSp="0" preserve="1" userDrawn="1">
   <p:cSld name="1_Due contenuti">
     <p:spTree>
       <p:nvGrpSpPr>
@@ -10659,8 +9435,562 @@
 </p:sldLayout>
 </file>
 
-<file path=ppt/slideLayouts/slideLayout21.xml><?xml version="1.0" encoding="utf-8"?>
-<p:sldLayout xmlns:a="http://schemas.openxmlformats.org/drawingml/2006/main" xmlns:r="http://schemas.openxmlformats.org/officeDocument/2006/relationships" xmlns:p="http://schemas.openxmlformats.org/presentationml/2006/main" preserve="1" userDrawn="1">
+<file path=ppt/slideLayouts/slideLayout2.xml><?xml version="1.0" encoding="utf-8"?>
+<p:sldLayout xmlns:a="http://schemas.openxmlformats.org/drawingml/2006/main" xmlns:r="http://schemas.openxmlformats.org/officeDocument/2006/relationships" xmlns:p="http://schemas.openxmlformats.org/presentationml/2006/main" showMasterSp="0" type="obj" preserve="1">
+  <p:cSld name="Titolo e contenuto">
+    <p:spTree>
+      <p:nvGrpSpPr>
+        <p:cNvPr id="1" name=""/>
+        <p:cNvGrpSpPr/>
+        <p:nvPr/>
+      </p:nvGrpSpPr>
+      <p:grpSpPr>
+        <a:xfrm>
+          <a:off x="0" y="0"/>
+          <a:ext cx="0" cy="0"/>
+          <a:chOff x="0" y="0"/>
+          <a:chExt cx="0" cy="0"/>
+        </a:xfrm>
+      </p:grpSpPr>
+      <p:sp>
+        <p:nvSpPr>
+          <p:cNvPr id="2" name="Title 1"/>
+          <p:cNvSpPr>
+            <a:spLocks noGrp="1"/>
+          </p:cNvSpPr>
+          <p:nvPr>
+            <p:ph type="title"/>
+          </p:nvPr>
+        </p:nvSpPr>
+        <p:spPr/>
+        <p:txBody>
+          <a:bodyPr/>
+          <a:lstStyle/>
+          <a:p>
+            <a:r>
+              <a:rPr lang="it-IT"/>
+              <a:t>Fare clic per modificare lo stile del titolo dello schema</a:t>
+            </a:r>
+            <a:endParaRPr lang="en-US" dirty="0"/>
+          </a:p>
+        </p:txBody>
+      </p:sp>
+      <p:sp>
+        <p:nvSpPr>
+          <p:cNvPr id="3" name="Content Placeholder 2"/>
+          <p:cNvSpPr>
+            <a:spLocks noGrp="1"/>
+          </p:cNvSpPr>
+          <p:nvPr>
+            <p:ph idx="1"/>
+          </p:nvPr>
+        </p:nvSpPr>
+        <p:spPr/>
+        <p:txBody>
+          <a:bodyPr/>
+          <a:lstStyle/>
+          <a:p>
+            <a:pPr lvl="0"/>
+            <a:r>
+              <a:rPr lang="it-IT"/>
+              <a:t>Fare clic per modificare gli stili del testo dello schema</a:t>
+            </a:r>
+          </a:p>
+          <a:p>
+            <a:pPr lvl="1"/>
+            <a:r>
+              <a:rPr lang="it-IT"/>
+              <a:t>Secondo livello</a:t>
+            </a:r>
+          </a:p>
+          <a:p>
+            <a:pPr lvl="2"/>
+            <a:r>
+              <a:rPr lang="it-IT"/>
+              <a:t>Terzo livello</a:t>
+            </a:r>
+          </a:p>
+          <a:p>
+            <a:pPr lvl="3"/>
+            <a:r>
+              <a:rPr lang="it-IT"/>
+              <a:t>Quarto livello</a:t>
+            </a:r>
+          </a:p>
+          <a:p>
+            <a:pPr lvl="4"/>
+            <a:r>
+              <a:rPr lang="it-IT"/>
+              <a:t>Quinto livello</a:t>
+            </a:r>
+            <a:endParaRPr lang="en-US" dirty="0"/>
+          </a:p>
+        </p:txBody>
+      </p:sp>
+      <p:sp>
+        <p:nvSpPr>
+          <p:cNvPr id="4" name="Date Placeholder 3"/>
+          <p:cNvSpPr>
+            <a:spLocks noGrp="1"/>
+          </p:cNvSpPr>
+          <p:nvPr>
+            <p:ph type="dt" sz="half" idx="10"/>
+          </p:nvPr>
+        </p:nvSpPr>
+        <p:spPr/>
+        <p:txBody>
+          <a:bodyPr/>
+          <a:lstStyle/>
+          <a:p>
+            <a:fld id="{D2C95273-7EA1-449B-9AF4-4A92A4F80372}" type="datetimeFigureOut">
+              <a:rPr lang="it-IT" smtClean="0"/>
+              <a:t>24/06/2019</a:t>
+            </a:fld>
+            <a:endParaRPr lang="it-IT"/>
+          </a:p>
+        </p:txBody>
+      </p:sp>
+      <p:sp>
+        <p:nvSpPr>
+          <p:cNvPr id="5" name="Footer Placeholder 4"/>
+          <p:cNvSpPr>
+            <a:spLocks noGrp="1"/>
+          </p:cNvSpPr>
+          <p:nvPr>
+            <p:ph type="ftr" sz="quarter" idx="11"/>
+          </p:nvPr>
+        </p:nvSpPr>
+        <p:spPr/>
+        <p:txBody>
+          <a:bodyPr/>
+          <a:lstStyle/>
+          <a:p>
+            <a:pPr rtl="0"/>
+            <a:r>
+              <a:rPr lang="it-IT" noProof="0"/>
+              <a:t>Aggiungere un piè di pagina</a:t>
+            </a:r>
+            <a:endParaRPr lang="it-IT" noProof="0" dirty="0"/>
+          </a:p>
+        </p:txBody>
+      </p:sp>
+      <p:sp>
+        <p:nvSpPr>
+          <p:cNvPr id="6" name="Slide Number Placeholder 5"/>
+          <p:cNvSpPr>
+            <a:spLocks noGrp="1"/>
+          </p:cNvSpPr>
+          <p:nvPr>
+            <p:ph type="sldNum" sz="quarter" idx="12"/>
+          </p:nvPr>
+        </p:nvSpPr>
+        <p:spPr/>
+        <p:txBody>
+          <a:bodyPr/>
+          <a:lstStyle/>
+          <a:p>
+            <a:pPr rtl="0"/>
+            <a:fld id="{8699F50C-BE38-4BD0-BA84-9B090E1F2B9B}" type="slidenum">
+              <a:rPr lang="it-IT" noProof="0" smtClean="0"/>
+              <a:t>‹N›</a:t>
+            </a:fld>
+            <a:endParaRPr lang="it-IT" noProof="0" dirty="0"/>
+          </a:p>
+        </p:txBody>
+      </p:sp>
+      <p:sp>
+        <p:nvSpPr>
+          <p:cNvPr id="7" name="Rettangolo 6">
+            <a:extLst>
+              <a:ext uri="{FF2B5EF4-FFF2-40B4-BE49-F238E27FC236}">
+                <a16:creationId xmlns:a16="http://schemas.microsoft.com/office/drawing/2014/main" id="{732E7C4F-6F16-4238-8083-045960D0BE47}"/>
+              </a:ext>
+            </a:extLst>
+          </p:cNvPr>
+          <p:cNvSpPr/>
+          <p:nvPr userDrawn="1"/>
+        </p:nvSpPr>
+        <p:spPr>
+          <a:xfrm>
+            <a:off x="0" y="1"/>
+            <a:ext cx="12192000" cy="6857999"/>
+          </a:xfrm>
+          <a:prstGeom prst="rect">
+            <a:avLst/>
+          </a:prstGeom>
+          <a:solidFill>
+            <a:schemeClr val="accent1"/>
+          </a:solidFill>
+          <a:ln>
+            <a:noFill/>
+          </a:ln>
+        </p:spPr>
+        <p:style>
+          <a:lnRef idx="2">
+            <a:schemeClr val="accent1">
+              <a:shade val="50000"/>
+            </a:schemeClr>
+          </a:lnRef>
+          <a:fillRef idx="1">
+            <a:schemeClr val="accent1"/>
+          </a:fillRef>
+          <a:effectRef idx="0">
+            <a:schemeClr val="accent1"/>
+          </a:effectRef>
+          <a:fontRef idx="minor">
+            <a:schemeClr val="lt1"/>
+          </a:fontRef>
+        </p:style>
+        <p:txBody>
+          <a:bodyPr rtlCol="0" anchor="ctr"/>
+          <a:lstStyle/>
+          <a:p>
+            <a:pPr algn="ctr" rtl="0"/>
+            <a:endParaRPr lang="it-IT" noProof="0" dirty="0"/>
+          </a:p>
+        </p:txBody>
+      </p:sp>
+      <p:cxnSp>
+        <p:nvCxnSpPr>
+          <p:cNvPr id="8" name="Connettore diritto 7">
+            <a:extLst>
+              <a:ext uri="{FF2B5EF4-FFF2-40B4-BE49-F238E27FC236}">
+                <a16:creationId xmlns:a16="http://schemas.microsoft.com/office/drawing/2014/main" id="{1410F30B-A93E-40C1-875E-311AA3A9C6D8}"/>
+              </a:ext>
+            </a:extLst>
+          </p:cNvPr>
+          <p:cNvCxnSpPr>
+            <a:cxnSpLocks/>
+          </p:cNvCxnSpPr>
+          <p:nvPr userDrawn="1"/>
+        </p:nvCxnSpPr>
+        <p:spPr>
+          <a:xfrm flipH="1" flipV="1">
+            <a:off x="-9247" y="3633967"/>
+            <a:ext cx="1912619" cy="1572989"/>
+          </a:xfrm>
+          <a:prstGeom prst="line">
+            <a:avLst/>
+          </a:prstGeom>
+          <a:ln>
+            <a:solidFill>
+              <a:schemeClr val="accent2"/>
+            </a:solidFill>
+          </a:ln>
+        </p:spPr>
+        <p:style>
+          <a:lnRef idx="1">
+            <a:schemeClr val="accent1"/>
+          </a:lnRef>
+          <a:fillRef idx="0">
+            <a:schemeClr val="accent1"/>
+          </a:fillRef>
+          <a:effectRef idx="0">
+            <a:schemeClr val="accent1"/>
+          </a:effectRef>
+          <a:fontRef idx="minor">
+            <a:schemeClr val="tx1"/>
+          </a:fontRef>
+        </p:style>
+      </p:cxnSp>
+      <p:grpSp>
+        <p:nvGrpSpPr>
+          <p:cNvPr id="9" name="Gruppo 8">
+            <a:extLst>
+              <a:ext uri="{FF2B5EF4-FFF2-40B4-BE49-F238E27FC236}">
+                <a16:creationId xmlns:a16="http://schemas.microsoft.com/office/drawing/2014/main" id="{E0CF8EF1-D982-4B7E-8689-124FB58BD6D4}"/>
+              </a:ext>
+            </a:extLst>
+          </p:cNvPr>
+          <p:cNvGrpSpPr/>
+          <p:nvPr userDrawn="1"/>
+        </p:nvGrpSpPr>
+        <p:grpSpPr>
+          <a:xfrm flipH="1">
+            <a:off x="7561328" y="0"/>
+            <a:ext cx="4831840" cy="3541007"/>
+            <a:chOff x="-192127" y="-2"/>
+            <a:chExt cx="4831840" cy="3367272"/>
+          </a:xfrm>
+        </p:grpSpPr>
+        <p:sp>
+          <p:nvSpPr>
+            <p:cNvPr id="10" name="Striscia diagonale 9">
+              <a:extLst>
+                <a:ext uri="{FF2B5EF4-FFF2-40B4-BE49-F238E27FC236}">
+                  <a16:creationId xmlns:a16="http://schemas.microsoft.com/office/drawing/2014/main" id="{2FC0045A-4D70-43D4-AF9A-9C45B3F62675}"/>
+                </a:ext>
+              </a:extLst>
+            </p:cNvPr>
+            <p:cNvSpPr/>
+            <p:nvPr userDrawn="1"/>
+          </p:nvSpPr>
+          <p:spPr>
+            <a:xfrm>
+              <a:off x="0" y="-1"/>
+              <a:ext cx="4639713" cy="3367271"/>
+            </a:xfrm>
+            <a:prstGeom prst="diagStripe">
+              <a:avLst>
+                <a:gd name="adj" fmla="val 51202"/>
+              </a:avLst>
+            </a:prstGeom>
+            <a:solidFill>
+              <a:schemeClr val="accent6"/>
+            </a:solidFill>
+            <a:ln>
+              <a:noFill/>
+            </a:ln>
+          </p:spPr>
+          <p:style>
+            <a:lnRef idx="2">
+              <a:schemeClr val="accent1">
+                <a:shade val="50000"/>
+              </a:schemeClr>
+            </a:lnRef>
+            <a:fillRef idx="1">
+              <a:schemeClr val="accent1"/>
+            </a:fillRef>
+            <a:effectRef idx="0">
+              <a:schemeClr val="accent1"/>
+            </a:effectRef>
+            <a:fontRef idx="minor">
+              <a:schemeClr val="lt1"/>
+            </a:fontRef>
+          </p:style>
+          <p:txBody>
+            <a:bodyPr rtlCol="0" anchor="ctr"/>
+            <a:lstStyle/>
+            <a:p>
+              <a:pPr algn="ctr" rtl="0"/>
+              <a:endParaRPr lang="it-IT" noProof="0" dirty="0">
+                <a:solidFill>
+                  <a:schemeClr val="tx1"/>
+                </a:solidFill>
+              </a:endParaRPr>
+            </a:p>
+          </p:txBody>
+        </p:sp>
+        <p:cxnSp>
+          <p:nvCxnSpPr>
+            <p:cNvPr id="11" name="Connettore diritto 10">
+              <a:extLst>
+                <a:ext uri="{FF2B5EF4-FFF2-40B4-BE49-F238E27FC236}">
+                  <a16:creationId xmlns:a16="http://schemas.microsoft.com/office/drawing/2014/main" id="{7A88714F-B36F-473B-BEC4-93E804D9433A}"/>
+                </a:ext>
+              </a:extLst>
+            </p:cNvPr>
+            <p:cNvCxnSpPr>
+              <a:cxnSpLocks/>
+            </p:cNvCxnSpPr>
+            <p:nvPr userDrawn="1"/>
+          </p:nvCxnSpPr>
+          <p:spPr>
+            <a:xfrm flipV="1">
+              <a:off x="1433638" y="-2"/>
+              <a:ext cx="1240971" cy="916595"/>
+            </a:xfrm>
+            <a:prstGeom prst="line">
+              <a:avLst/>
+            </a:prstGeom>
+            <a:ln>
+              <a:solidFill>
+                <a:schemeClr val="bg1">
+                  <a:lumMod val="75000"/>
+                </a:schemeClr>
+              </a:solidFill>
+            </a:ln>
+          </p:spPr>
+          <p:style>
+            <a:lnRef idx="1">
+              <a:schemeClr val="accent1"/>
+            </a:lnRef>
+            <a:fillRef idx="0">
+              <a:schemeClr val="accent1"/>
+            </a:fillRef>
+            <a:effectRef idx="0">
+              <a:schemeClr val="accent1"/>
+            </a:effectRef>
+            <a:fontRef idx="minor">
+              <a:schemeClr val="tx1"/>
+            </a:fontRef>
+          </p:style>
+        </p:cxnSp>
+        <p:sp>
+          <p:nvSpPr>
+            <p:cNvPr id="12" name="Parallelogramma 11">
+              <a:extLst>
+                <a:ext uri="{FF2B5EF4-FFF2-40B4-BE49-F238E27FC236}">
+                  <a16:creationId xmlns:a16="http://schemas.microsoft.com/office/drawing/2014/main" id="{E12D173C-2CC8-49D9-B5D3-8BAB79DC1FBE}"/>
+                </a:ext>
+              </a:extLst>
+            </p:cNvPr>
+            <p:cNvSpPr/>
+            <p:nvPr userDrawn="1"/>
+          </p:nvSpPr>
+          <p:spPr>
+            <a:xfrm rot="19421162">
+              <a:off x="-192127" y="1140864"/>
+              <a:ext cx="1354398" cy="214994"/>
+            </a:xfrm>
+            <a:prstGeom prst="parallelogram">
+              <a:avLst>
+                <a:gd name="adj" fmla="val 72003"/>
+              </a:avLst>
+            </a:prstGeom>
+            <a:solidFill>
+              <a:schemeClr val="accent2"/>
+            </a:solidFill>
+            <a:ln>
+              <a:noFill/>
+            </a:ln>
+          </p:spPr>
+          <p:style>
+            <a:lnRef idx="2">
+              <a:schemeClr val="accent1">
+                <a:shade val="50000"/>
+              </a:schemeClr>
+            </a:lnRef>
+            <a:fillRef idx="1">
+              <a:schemeClr val="accent1"/>
+            </a:fillRef>
+            <a:effectRef idx="0">
+              <a:schemeClr val="accent1"/>
+            </a:effectRef>
+            <a:fontRef idx="minor">
+              <a:schemeClr val="lt1"/>
+            </a:fontRef>
+          </p:style>
+          <p:txBody>
+            <a:bodyPr rtlCol="0" anchor="ctr"/>
+            <a:lstStyle/>
+            <a:p>
+              <a:pPr algn="ctr" rtl="0"/>
+              <a:endParaRPr lang="it-IT" noProof="0" dirty="0"/>
+            </a:p>
+          </p:txBody>
+        </p:sp>
+      </p:grpSp>
+      <p:sp>
+        <p:nvSpPr>
+          <p:cNvPr id="13" name="Casella di testo 24">
+            <a:extLst>
+              <a:ext uri="{FF2B5EF4-FFF2-40B4-BE49-F238E27FC236}">
+                <a16:creationId xmlns:a16="http://schemas.microsoft.com/office/drawing/2014/main" id="{CF82078D-06B3-4A9A-9C6F-FBBBB7094961}"/>
+              </a:ext>
+            </a:extLst>
+          </p:cNvPr>
+          <p:cNvSpPr txBox="1"/>
+          <p:nvPr userDrawn="1"/>
+        </p:nvSpPr>
+        <p:spPr>
+          <a:xfrm>
+            <a:off x="11072378" y="235732"/>
+            <a:ext cx="814647" cy="615553"/>
+          </a:xfrm>
+          <a:prstGeom prst="rect">
+            <a:avLst/>
+          </a:prstGeom>
+          <a:noFill/>
+        </p:spPr>
+        <p:txBody>
+          <a:bodyPr wrap="none" rtlCol="0">
+            <a:spAutoFit/>
+          </a:bodyPr>
+          <a:lstStyle/>
+          <a:p>
+            <a:pPr rtl="0"/>
+            <a:r>
+              <a:rPr lang="it-IT" sz="3400" b="1" noProof="0" dirty="0">
+                <a:solidFill>
+                  <a:schemeClr val="bg1"/>
+                </a:solidFill>
+                <a:latin typeface="Arial Black" panose="020B0A04020102020204" pitchFamily="34" charset="0"/>
+              </a:rPr>
+              <a:t>FR</a:t>
+            </a:r>
+          </a:p>
+        </p:txBody>
+      </p:sp>
+      <p:sp>
+        <p:nvSpPr>
+          <p:cNvPr id="14" name="Parallelogramma 13">
+            <a:extLst>
+              <a:ext uri="{FF2B5EF4-FFF2-40B4-BE49-F238E27FC236}">
+                <a16:creationId xmlns:a16="http://schemas.microsoft.com/office/drawing/2014/main" id="{9A9C4D76-504C-4BB0-82BE-F5E2002D1C46}"/>
+              </a:ext>
+            </a:extLst>
+          </p:cNvPr>
+          <p:cNvSpPr/>
+          <p:nvPr userDrawn="1"/>
+        </p:nvSpPr>
+        <p:spPr>
+          <a:xfrm flipH="1">
+            <a:off x="6679908" y="1"/>
+            <a:ext cx="1447800" cy="639064"/>
+          </a:xfrm>
+          <a:prstGeom prst="parallelogram">
+            <a:avLst>
+              <a:gd name="adj" fmla="val 135617"/>
+            </a:avLst>
+          </a:prstGeom>
+          <a:solidFill>
+            <a:schemeClr val="bg2"/>
+          </a:solidFill>
+          <a:ln>
+            <a:noFill/>
+          </a:ln>
+        </p:spPr>
+        <p:style>
+          <a:lnRef idx="2">
+            <a:schemeClr val="accent1">
+              <a:shade val="50000"/>
+            </a:schemeClr>
+          </a:lnRef>
+          <a:fillRef idx="1">
+            <a:schemeClr val="accent1"/>
+          </a:fillRef>
+          <a:effectRef idx="0">
+            <a:schemeClr val="accent1"/>
+          </a:effectRef>
+          <a:fontRef idx="minor">
+            <a:schemeClr val="lt1"/>
+          </a:fontRef>
+        </p:style>
+        <p:txBody>
+          <a:bodyPr rot="0" spcFirstLastPara="0" vertOverflow="overflow" horzOverflow="overflow" vert="horz" wrap="square" lIns="91440" tIns="45720" rIns="91440" bIns="45720" numCol="1" spcCol="0" rtlCol="0" fromWordArt="0" anchor="ctr" anchorCtr="0" forceAA="0" compatLnSpc="1">
+            <a:prstTxWarp prst="textNoShape">
+              <a:avLst/>
+            </a:prstTxWarp>
+            <a:noAutofit/>
+          </a:bodyPr>
+          <a:lstStyle/>
+          <a:p>
+            <a:pPr lvl="0" algn="ctr" rtl="0"/>
+            <a:endParaRPr lang="it-IT" noProof="0" dirty="0"/>
+          </a:p>
+        </p:txBody>
+      </p:sp>
+    </p:spTree>
+    <p:extLst>
+      <p:ext uri="{BB962C8B-B14F-4D97-AF65-F5344CB8AC3E}">
+        <p14:creationId xmlns:p14="http://schemas.microsoft.com/office/powerpoint/2010/main" val="1426281747"/>
+      </p:ext>
+    </p:extLst>
+  </p:cSld>
+  <p:clrMapOvr>
+    <a:masterClrMapping/>
+  </p:clrMapOvr>
+  <p:extLst>
+    <p:ext uri="{DCECCB84-F9BA-43D5-87BE-67443E8EF086}">
+      <p15:sldGuideLst xmlns:p15="http://schemas.microsoft.com/office/powerpoint/2012/main"/>
+    </p:ext>
+  </p:extLst>
+</p:sldLayout>
+</file>
+
+<file path=ppt/slideLayouts/slideLayout20.xml><?xml version="1.0" encoding="utf-8"?>
+<p:sldLayout xmlns:a="http://schemas.openxmlformats.org/drawingml/2006/main" xmlns:r="http://schemas.openxmlformats.org/officeDocument/2006/relationships" xmlns:p="http://schemas.openxmlformats.org/presentationml/2006/main" showMasterSp="0" preserve="1" userDrawn="1">
   <p:cSld name="1_Confronto">
     <p:spTree>
       <p:nvGrpSpPr>
@@ -11531,8 +10861,8 @@
 </p:sldLayout>
 </file>
 
-<file path=ppt/slideLayouts/slideLayout22.xml><?xml version="1.0" encoding="utf-8"?>
-<p:sldLayout xmlns:a="http://schemas.openxmlformats.org/drawingml/2006/main" xmlns:r="http://schemas.openxmlformats.org/officeDocument/2006/relationships" xmlns:p="http://schemas.openxmlformats.org/presentationml/2006/main" preserve="1" userDrawn="1">
+<file path=ppt/slideLayouts/slideLayout21.xml><?xml version="1.0" encoding="utf-8"?>
+<p:sldLayout xmlns:a="http://schemas.openxmlformats.org/drawingml/2006/main" xmlns:r="http://schemas.openxmlformats.org/officeDocument/2006/relationships" xmlns:p="http://schemas.openxmlformats.org/presentationml/2006/main" showMasterSp="0" preserve="1" userDrawn="1">
   <p:cSld name="1_Contenuto con didascalia">
     <p:spTree>
       <p:nvGrpSpPr>
@@ -12055,8 +11385,8 @@
 </p:sldLayout>
 </file>
 
-<file path=ppt/slideLayouts/slideLayout23.xml><?xml version="1.0" encoding="utf-8"?>
-<p:sldLayout xmlns:a="http://schemas.openxmlformats.org/drawingml/2006/main" xmlns:r="http://schemas.openxmlformats.org/officeDocument/2006/relationships" xmlns:p="http://schemas.openxmlformats.org/presentationml/2006/main" preserve="1" userDrawn="1">
+<file path=ppt/slideLayouts/slideLayout22.xml><?xml version="1.0" encoding="utf-8"?>
+<p:sldLayout xmlns:a="http://schemas.openxmlformats.org/drawingml/2006/main" xmlns:r="http://schemas.openxmlformats.org/officeDocument/2006/relationships" xmlns:p="http://schemas.openxmlformats.org/presentationml/2006/main" showMasterSp="0" preserve="1" userDrawn="1">
   <p:cSld name="1_Immagine con didascalia">
     <p:spTree>
       <p:nvGrpSpPr>
@@ -12560,8 +11890,8 @@
 </p:sldLayout>
 </file>
 
-<file path=ppt/slideLayouts/slideLayout24.xml><?xml version="1.0" encoding="utf-8"?>
-<p:sldLayout xmlns:a="http://schemas.openxmlformats.org/drawingml/2006/main" xmlns:r="http://schemas.openxmlformats.org/officeDocument/2006/relationships" xmlns:p="http://schemas.openxmlformats.org/presentationml/2006/main" preserve="1" userDrawn="1">
+<file path=ppt/slideLayouts/slideLayout23.xml><?xml version="1.0" encoding="utf-8"?>
+<p:sldLayout xmlns:a="http://schemas.openxmlformats.org/drawingml/2006/main" xmlns:r="http://schemas.openxmlformats.org/officeDocument/2006/relationships" xmlns:p="http://schemas.openxmlformats.org/presentationml/2006/main" showMasterSp="0" preserve="1" userDrawn="1">
   <p:cSld name="Vuoto">
     <p:spTree>
       <p:nvGrpSpPr>
@@ -13000,8 +12330,8 @@
 </p:sldLayout>
 </file>
 
-<file path=ppt/slideLayouts/slideLayout25.xml><?xml version="1.0" encoding="utf-8"?>
-<p:sldLayout xmlns:a="http://schemas.openxmlformats.org/drawingml/2006/main" xmlns:r="http://schemas.openxmlformats.org/officeDocument/2006/relationships" xmlns:p="http://schemas.openxmlformats.org/presentationml/2006/main" preserve="1" userDrawn="1">
+<file path=ppt/slideLayouts/slideLayout24.xml><?xml version="1.0" encoding="utf-8"?>
+<p:sldLayout xmlns:a="http://schemas.openxmlformats.org/drawingml/2006/main" xmlns:r="http://schemas.openxmlformats.org/officeDocument/2006/relationships" xmlns:p="http://schemas.openxmlformats.org/presentationml/2006/main" showMasterSp="0" preserve="1" userDrawn="1">
   <p:cSld name="1_Solo titolo">
     <p:spTree>
       <p:nvGrpSpPr>
@@ -13483,8 +12813,8 @@
 </p:sldLayout>
 </file>
 
-<file path=ppt/slideLayouts/slideLayout26.xml><?xml version="1.0" encoding="utf-8"?>
-<p:sldLayout xmlns:a="http://schemas.openxmlformats.org/drawingml/2006/main" xmlns:r="http://schemas.openxmlformats.org/officeDocument/2006/relationships" xmlns:p="http://schemas.openxmlformats.org/presentationml/2006/main" preserve="1" userDrawn="1">
+<file path=ppt/slideLayouts/slideLayout25.xml><?xml version="1.0" encoding="utf-8"?>
+<p:sldLayout xmlns:a="http://schemas.openxmlformats.org/drawingml/2006/main" xmlns:r="http://schemas.openxmlformats.org/officeDocument/2006/relationships" xmlns:p="http://schemas.openxmlformats.org/presentationml/2006/main" showMasterSp="0" preserve="1" userDrawn="1">
   <p:cSld name="Layout personalizzato">
     <p:spTree>
       <p:nvGrpSpPr>
@@ -13544,7 +12874,7 @@
 </file>
 
 <file path=ppt/slideLayouts/slideLayout3.xml><?xml version="1.0" encoding="utf-8"?>
-<p:sldLayout xmlns:a="http://schemas.openxmlformats.org/drawingml/2006/main" xmlns:r="http://schemas.openxmlformats.org/officeDocument/2006/relationships" xmlns:p="http://schemas.openxmlformats.org/presentationml/2006/main" type="secHead" preserve="1">
+<p:sldLayout xmlns:a="http://schemas.openxmlformats.org/drawingml/2006/main" xmlns:r="http://schemas.openxmlformats.org/officeDocument/2006/relationships" xmlns:p="http://schemas.openxmlformats.org/presentationml/2006/main" showMasterSp="0" type="secHead" preserve="1">
   <p:cSld name="Intestazione sezione">
     <p:spTree>
       <p:nvGrpSpPr>
@@ -13562,13 +12892,7 @@
       </p:grpSpPr>
       <p:sp>
         <p:nvSpPr>
-          <p:cNvPr id="2" name="Titolo 1">
-            <a:extLst>
-              <a:ext uri="{FF2B5EF4-FFF2-40B4-BE49-F238E27FC236}">
-                <a16:creationId xmlns:a16="http://schemas.microsoft.com/office/drawing/2014/main" id="{9BAB9E96-E9F0-4F11-8E56-74A106623107}"/>
-              </a:ext>
-            </a:extLst>
-          </p:cNvPr>
+          <p:cNvPr id="2" name="Title 1"/>
           <p:cNvSpPr>
             <a:spLocks noGrp="1"/>
           </p:cNvSpPr>
@@ -13594,18 +12918,13 @@
               <a:rPr lang="it-IT"/>
               <a:t>Fare clic per modificare lo stile del titolo dello schema</a:t>
             </a:r>
-          </a:p>
-        </p:txBody>
-      </p:sp>
-      <p:sp>
-        <p:nvSpPr>
-          <p:cNvPr id="3" name="Segnaposto testo 2">
-            <a:extLst>
-              <a:ext uri="{FF2B5EF4-FFF2-40B4-BE49-F238E27FC236}">
-                <a16:creationId xmlns:a16="http://schemas.microsoft.com/office/drawing/2014/main" id="{642295F5-CA6C-403C-9D2B-40BB558D7AC9}"/>
-              </a:ext>
-            </a:extLst>
-          </p:cNvPr>
+            <a:endParaRPr lang="en-US" dirty="0"/>
+          </a:p>
+        </p:txBody>
+      </p:sp>
+      <p:sp>
+        <p:nvSpPr>
+          <p:cNvPr id="3" name="Text Placeholder 2"/>
           <p:cNvSpPr>
             <a:spLocks noGrp="1"/>
           </p:cNvSpPr>
@@ -13724,13 +13043,7 @@
       </p:sp>
       <p:sp>
         <p:nvSpPr>
-          <p:cNvPr id="4" name="Segnaposto data 3">
-            <a:extLst>
-              <a:ext uri="{FF2B5EF4-FFF2-40B4-BE49-F238E27FC236}">
-                <a16:creationId xmlns:a16="http://schemas.microsoft.com/office/drawing/2014/main" id="{15248BF6-1717-4C1D-AD1D-D14395993537}"/>
-              </a:ext>
-            </a:extLst>
-          </p:cNvPr>
+          <p:cNvPr id="4" name="Date Placeholder 3"/>
           <p:cNvSpPr>
             <a:spLocks noGrp="1"/>
           </p:cNvSpPr>
@@ -13753,13 +13066,7 @@
       </p:sp>
       <p:sp>
         <p:nvSpPr>
-          <p:cNvPr id="5" name="Segnaposto piè di pagina 4">
-            <a:extLst>
-              <a:ext uri="{FF2B5EF4-FFF2-40B4-BE49-F238E27FC236}">
-                <a16:creationId xmlns:a16="http://schemas.microsoft.com/office/drawing/2014/main" id="{9D298FC4-2016-4FE8-B7B5-AEAB71A32434}"/>
-              </a:ext>
-            </a:extLst>
-          </p:cNvPr>
+          <p:cNvPr id="5" name="Footer Placeholder 4"/>
           <p:cNvSpPr>
             <a:spLocks noGrp="1"/>
           </p:cNvSpPr>
@@ -13778,13 +13085,7 @@
       </p:sp>
       <p:sp>
         <p:nvSpPr>
-          <p:cNvPr id="6" name="Segnaposto numero diapositiva 5">
-            <a:extLst>
-              <a:ext uri="{FF2B5EF4-FFF2-40B4-BE49-F238E27FC236}">
-                <a16:creationId xmlns:a16="http://schemas.microsoft.com/office/drawing/2014/main" id="{F839B590-771C-4C08-9017-EF47BC0756D9}"/>
-              </a:ext>
-            </a:extLst>
-          </p:cNvPr>
+          <p:cNvPr id="6" name="Slide Number Placeholder 5"/>
           <p:cNvSpPr>
             <a:spLocks noGrp="1"/>
           </p:cNvSpPr>
@@ -13810,7 +13111,7 @@
           <p:cNvPr id="7" name="Rettangolo 6">
             <a:extLst>
               <a:ext uri="{FF2B5EF4-FFF2-40B4-BE49-F238E27FC236}">
-                <a16:creationId xmlns:a16="http://schemas.microsoft.com/office/drawing/2014/main" id="{D28B9B8D-DC5E-40BF-9FB6-8129506A902E}"/>
+                <a16:creationId xmlns:a16="http://schemas.microsoft.com/office/drawing/2014/main" id="{6FC52D59-A5AD-4FED-A142-5BB0FCDC527C}"/>
               </a:ext>
             </a:extLst>
           </p:cNvPr>
@@ -13862,7 +13163,7 @@
           <p:cNvPr id="8" name="Triangolo rettangolo 7">
             <a:extLst>
               <a:ext uri="{FF2B5EF4-FFF2-40B4-BE49-F238E27FC236}">
-                <a16:creationId xmlns:a16="http://schemas.microsoft.com/office/drawing/2014/main" id="{B134EC64-F952-47ED-BC35-96B79BBBA7C0}"/>
+                <a16:creationId xmlns:a16="http://schemas.microsoft.com/office/drawing/2014/main" id="{0FEA1EA5-C0A8-4C9E-AA57-EFD545D19F34}"/>
               </a:ext>
             </a:extLst>
           </p:cNvPr>
@@ -13914,7 +13215,7 @@
           <p:cNvPr id="9" name="Parallelogramma 8">
             <a:extLst>
               <a:ext uri="{FF2B5EF4-FFF2-40B4-BE49-F238E27FC236}">
-                <a16:creationId xmlns:a16="http://schemas.microsoft.com/office/drawing/2014/main" id="{C51F164E-86E0-43DB-B1F8-0B706299E737}"/>
+                <a16:creationId xmlns:a16="http://schemas.microsoft.com/office/drawing/2014/main" id="{E8F3771A-96AB-4D0A-A47C-68A9A0EF8BFF}"/>
               </a:ext>
             </a:extLst>
           </p:cNvPr>
@@ -13968,7 +13269,7 @@
           <p:cNvPr id="10" name="Connettore diritto 9">
             <a:extLst>
               <a:ext uri="{FF2B5EF4-FFF2-40B4-BE49-F238E27FC236}">
-                <a16:creationId xmlns:a16="http://schemas.microsoft.com/office/drawing/2014/main" id="{BB8AE409-3928-486D-A8E1-1709B7B6125E}"/>
+                <a16:creationId xmlns:a16="http://schemas.microsoft.com/office/drawing/2014/main" id="{2DCFBF51-6F59-4505-A30B-A179BB34BD47}"/>
               </a:ext>
             </a:extLst>
           </p:cNvPr>
@@ -14013,7 +13314,7 @@
           <p:cNvPr id="11" name="Connettore diritto 10">
             <a:extLst>
               <a:ext uri="{FF2B5EF4-FFF2-40B4-BE49-F238E27FC236}">
-                <a16:creationId xmlns:a16="http://schemas.microsoft.com/office/drawing/2014/main" id="{2FCA2E82-3FD3-4B4F-ABAE-4DA7C4FCC459}"/>
+                <a16:creationId xmlns:a16="http://schemas.microsoft.com/office/drawing/2014/main" id="{8C0E9735-F034-4877-8763-4B96C724427D}"/>
               </a:ext>
             </a:extLst>
           </p:cNvPr>
@@ -14056,7 +13357,7 @@
           <p:cNvPr id="12" name="Parallelogramma 11">
             <a:extLst>
               <a:ext uri="{FF2B5EF4-FFF2-40B4-BE49-F238E27FC236}">
-                <a16:creationId xmlns:a16="http://schemas.microsoft.com/office/drawing/2014/main" id="{672AEFE7-B5C3-4FEC-86EF-E0E28AD6B72C}"/>
+                <a16:creationId xmlns:a16="http://schemas.microsoft.com/office/drawing/2014/main" id="{3D04C167-0AF8-4FA2-877F-1FA4F239C7D4}"/>
               </a:ext>
             </a:extLst>
           </p:cNvPr>
@@ -14115,7 +13416,7 @@
           <p:cNvPr id="13" name="Connettore diritto 12">
             <a:extLst>
               <a:ext uri="{FF2B5EF4-FFF2-40B4-BE49-F238E27FC236}">
-                <a16:creationId xmlns:a16="http://schemas.microsoft.com/office/drawing/2014/main" id="{37D35A04-72AA-4579-8865-1777188D09F7}"/>
+                <a16:creationId xmlns:a16="http://schemas.microsoft.com/office/drawing/2014/main" id="{359A7919-2339-4F06-9ACE-991747965093}"/>
               </a:ext>
             </a:extLst>
           </p:cNvPr>
@@ -14160,7 +13461,7 @@
           <p:cNvPr id="14" name="Connettore diritto 13">
             <a:extLst>
               <a:ext uri="{FF2B5EF4-FFF2-40B4-BE49-F238E27FC236}">
-                <a16:creationId xmlns:a16="http://schemas.microsoft.com/office/drawing/2014/main" id="{29D90E49-5C85-41A7-B9CE-2F61C7AB2E28}"/>
+                <a16:creationId xmlns:a16="http://schemas.microsoft.com/office/drawing/2014/main" id="{ECF93C78-B98F-4B15-A150-7689BCDB9A7D}"/>
               </a:ext>
             </a:extLst>
           </p:cNvPr>
@@ -14203,7 +13504,7 @@
           <p:cNvPr id="15" name="Parallelogramma 14">
             <a:extLst>
               <a:ext uri="{FF2B5EF4-FFF2-40B4-BE49-F238E27FC236}">
-                <a16:creationId xmlns:a16="http://schemas.microsoft.com/office/drawing/2014/main" id="{E8BC954D-BF51-416E-9220-2DA3A83CF030}"/>
+                <a16:creationId xmlns:a16="http://schemas.microsoft.com/office/drawing/2014/main" id="{2D378E8C-A400-4AEE-937F-4D32366839AB}"/>
               </a:ext>
             </a:extLst>
           </p:cNvPr>
@@ -14255,7 +13556,7 @@
     </p:spTree>
     <p:extLst>
       <p:ext uri="{BB962C8B-B14F-4D97-AF65-F5344CB8AC3E}">
-        <p14:creationId xmlns:p14="http://schemas.microsoft.com/office/powerpoint/2010/main" val="933558944"/>
+        <p14:creationId xmlns:p14="http://schemas.microsoft.com/office/powerpoint/2010/main" val="351247936"/>
       </p:ext>
     </p:extLst>
   </p:cSld>
@@ -14271,7 +13572,7 @@
 </file>
 
 <file path=ppt/slideLayouts/slideLayout4.xml><?xml version="1.0" encoding="utf-8"?>
-<p:sldLayout xmlns:a="http://schemas.openxmlformats.org/drawingml/2006/main" xmlns:r="http://schemas.openxmlformats.org/officeDocument/2006/relationships" xmlns:p="http://schemas.openxmlformats.org/presentationml/2006/main" type="twoObj" preserve="1">
+<p:sldLayout xmlns:a="http://schemas.openxmlformats.org/drawingml/2006/main" xmlns:r="http://schemas.openxmlformats.org/officeDocument/2006/relationships" xmlns:p="http://schemas.openxmlformats.org/presentationml/2006/main" showMasterSp="0" type="twoObj" preserve="1">
   <p:cSld name="Due contenuti">
     <p:spTree>
       <p:nvGrpSpPr>
@@ -14289,13 +13590,7 @@
       </p:grpSpPr>
       <p:sp>
         <p:nvSpPr>
-          <p:cNvPr id="2" name="Titolo 1">
-            <a:extLst>
-              <a:ext uri="{FF2B5EF4-FFF2-40B4-BE49-F238E27FC236}">
-                <a16:creationId xmlns:a16="http://schemas.microsoft.com/office/drawing/2014/main" id="{78A82EB1-F5DF-493A-8AB6-21BD58DBDFE1}"/>
-              </a:ext>
-            </a:extLst>
-          </p:cNvPr>
+          <p:cNvPr id="2" name="Title 1"/>
           <p:cNvSpPr>
             <a:spLocks noGrp="1"/>
           </p:cNvSpPr>
@@ -14312,18 +13607,13 @@
               <a:rPr lang="it-IT"/>
               <a:t>Fare clic per modificare lo stile del titolo dello schema</a:t>
             </a:r>
-          </a:p>
-        </p:txBody>
-      </p:sp>
-      <p:sp>
-        <p:nvSpPr>
-          <p:cNvPr id="3" name="Segnaposto contenuto 2">
-            <a:extLst>
-              <a:ext uri="{FF2B5EF4-FFF2-40B4-BE49-F238E27FC236}">
-                <a16:creationId xmlns:a16="http://schemas.microsoft.com/office/drawing/2014/main" id="{5205DA6D-276E-4092-AC6D-F8298718B982}"/>
-              </a:ext>
-            </a:extLst>
-          </p:cNvPr>
+            <a:endParaRPr lang="en-US" dirty="0"/>
+          </a:p>
+        </p:txBody>
+      </p:sp>
+      <p:sp>
+        <p:nvSpPr>
+          <p:cNvPr id="3" name="Content Placeholder 2"/>
           <p:cNvSpPr>
             <a:spLocks noGrp="1"/>
           </p:cNvSpPr>
@@ -14374,18 +13664,13 @@
               <a:rPr lang="it-IT"/>
               <a:t>Quinto livello</a:t>
             </a:r>
-          </a:p>
-        </p:txBody>
-      </p:sp>
-      <p:sp>
-        <p:nvSpPr>
-          <p:cNvPr id="4" name="Segnaposto contenuto 3">
-            <a:extLst>
-              <a:ext uri="{FF2B5EF4-FFF2-40B4-BE49-F238E27FC236}">
-                <a16:creationId xmlns:a16="http://schemas.microsoft.com/office/drawing/2014/main" id="{483D3B05-E525-450B-98A1-36CF8C8820BA}"/>
-              </a:ext>
-            </a:extLst>
-          </p:cNvPr>
+            <a:endParaRPr lang="en-US" dirty="0"/>
+          </a:p>
+        </p:txBody>
+      </p:sp>
+      <p:sp>
+        <p:nvSpPr>
+          <p:cNvPr id="4" name="Content Placeholder 3"/>
           <p:cNvSpPr>
             <a:spLocks noGrp="1"/>
           </p:cNvSpPr>
@@ -14436,18 +13721,13 @@
               <a:rPr lang="it-IT"/>
               <a:t>Quinto livello</a:t>
             </a:r>
-          </a:p>
-        </p:txBody>
-      </p:sp>
-      <p:sp>
-        <p:nvSpPr>
-          <p:cNvPr id="5" name="Segnaposto data 4">
-            <a:extLst>
-              <a:ext uri="{FF2B5EF4-FFF2-40B4-BE49-F238E27FC236}">
-                <a16:creationId xmlns:a16="http://schemas.microsoft.com/office/drawing/2014/main" id="{A97FD8F3-CF5E-4C5D-9A1C-49F809870BCF}"/>
-              </a:ext>
-            </a:extLst>
-          </p:cNvPr>
+            <a:endParaRPr lang="en-US" dirty="0"/>
+          </a:p>
+        </p:txBody>
+      </p:sp>
+      <p:sp>
+        <p:nvSpPr>
+          <p:cNvPr id="5" name="Date Placeholder 4"/>
           <p:cNvSpPr>
             <a:spLocks noGrp="1"/>
           </p:cNvSpPr>
@@ -14470,13 +13750,7 @@
       </p:sp>
       <p:sp>
         <p:nvSpPr>
-          <p:cNvPr id="6" name="Segnaposto piè di pagina 5">
-            <a:extLst>
-              <a:ext uri="{FF2B5EF4-FFF2-40B4-BE49-F238E27FC236}">
-                <a16:creationId xmlns:a16="http://schemas.microsoft.com/office/drawing/2014/main" id="{5DFEF296-3A30-4D60-84E9-0860BA9DDF68}"/>
-              </a:ext>
-            </a:extLst>
-          </p:cNvPr>
+          <p:cNvPr id="6" name="Footer Placeholder 5"/>
           <p:cNvSpPr>
             <a:spLocks noGrp="1"/>
           </p:cNvSpPr>
@@ -14500,13 +13774,7 @@
       </p:sp>
       <p:sp>
         <p:nvSpPr>
-          <p:cNvPr id="7" name="Segnaposto numero diapositiva 6">
-            <a:extLst>
-              <a:ext uri="{FF2B5EF4-FFF2-40B4-BE49-F238E27FC236}">
-                <a16:creationId xmlns:a16="http://schemas.microsoft.com/office/drawing/2014/main" id="{E4B9C539-DE4B-4740-95BF-76B731BEDDB4}"/>
-              </a:ext>
-            </a:extLst>
-          </p:cNvPr>
+          <p:cNvPr id="7" name="Slide Number Placeholder 6"/>
           <p:cNvSpPr>
             <a:spLocks noGrp="1"/>
           </p:cNvSpPr>
@@ -14533,7 +13801,7 @@
           <p:cNvPr id="8" name="Rettangolo 7">
             <a:extLst>
               <a:ext uri="{FF2B5EF4-FFF2-40B4-BE49-F238E27FC236}">
-                <a16:creationId xmlns:a16="http://schemas.microsoft.com/office/drawing/2014/main" id="{4BC4860B-D828-4692-8BFC-369A02781451}"/>
+                <a16:creationId xmlns:a16="http://schemas.microsoft.com/office/drawing/2014/main" id="{EAFD683F-34FC-47A2-9C72-BA36C978C3BE}"/>
               </a:ext>
             </a:extLst>
           </p:cNvPr>
@@ -14585,7 +13853,7 @@
           <p:cNvPr id="9" name="Connettore diritto 8">
             <a:extLst>
               <a:ext uri="{FF2B5EF4-FFF2-40B4-BE49-F238E27FC236}">
-                <a16:creationId xmlns:a16="http://schemas.microsoft.com/office/drawing/2014/main" id="{32D048BE-BA67-4B70-9902-9AD37A805FFE}"/>
+                <a16:creationId xmlns:a16="http://schemas.microsoft.com/office/drawing/2014/main" id="{D8902473-3156-48F2-BE5C-6AE32D4A30E9}"/>
               </a:ext>
             </a:extLst>
           </p:cNvPr>
@@ -14628,7 +13896,7 @@
           <p:cNvPr id="10" name="Gruppo 9">
             <a:extLst>
               <a:ext uri="{FF2B5EF4-FFF2-40B4-BE49-F238E27FC236}">
-                <a16:creationId xmlns:a16="http://schemas.microsoft.com/office/drawing/2014/main" id="{1A5FDA2C-FBD5-4265-83E5-4AC11E859774}"/>
+                <a16:creationId xmlns:a16="http://schemas.microsoft.com/office/drawing/2014/main" id="{89661548-E087-46CE-A2D0-5A3CA11C3FFD}"/>
               </a:ext>
             </a:extLst>
           </p:cNvPr>
@@ -14648,7 +13916,7 @@
             <p:cNvPr id="11" name="Striscia diagonale 10">
               <a:extLst>
                 <a:ext uri="{FF2B5EF4-FFF2-40B4-BE49-F238E27FC236}">
-                  <a16:creationId xmlns:a16="http://schemas.microsoft.com/office/drawing/2014/main" id="{EF34042D-F9DE-44FC-969B-A5EFEF9F99BF}"/>
+                  <a16:creationId xmlns:a16="http://schemas.microsoft.com/office/drawing/2014/main" id="{A46D57C1-CF58-455A-BD0E-C79A138F3CA7}"/>
                 </a:ext>
               </a:extLst>
             </p:cNvPr>
@@ -14706,7 +13974,7 @@
             <p:cNvPr id="12" name="Connettore diritto 11">
               <a:extLst>
                 <a:ext uri="{FF2B5EF4-FFF2-40B4-BE49-F238E27FC236}">
-                  <a16:creationId xmlns:a16="http://schemas.microsoft.com/office/drawing/2014/main" id="{6A185FCA-60C1-44FB-9BD5-6FD2C0523B72}"/>
+                  <a16:creationId xmlns:a16="http://schemas.microsoft.com/office/drawing/2014/main" id="{50FEA623-D207-4CC4-9EE3-19424294A7A0}"/>
                 </a:ext>
               </a:extLst>
             </p:cNvPr>
@@ -14751,7 +14019,7 @@
             <p:cNvPr id="13" name="Parallelogramma 12">
               <a:extLst>
                 <a:ext uri="{FF2B5EF4-FFF2-40B4-BE49-F238E27FC236}">
-                  <a16:creationId xmlns:a16="http://schemas.microsoft.com/office/drawing/2014/main" id="{21246A21-6944-40BB-9A54-228D1982F964}"/>
+                  <a16:creationId xmlns:a16="http://schemas.microsoft.com/office/drawing/2014/main" id="{D5D93A11-E977-4DDB-A64F-5383B48395D3}"/>
                 </a:ext>
               </a:extLst>
             </p:cNvPr>
@@ -14806,7 +14074,7 @@
           <p:cNvPr id="14" name="Casella di testo 24">
             <a:extLst>
               <a:ext uri="{FF2B5EF4-FFF2-40B4-BE49-F238E27FC236}">
-                <a16:creationId xmlns:a16="http://schemas.microsoft.com/office/drawing/2014/main" id="{8C1F58C9-0904-43D4-871E-EFAFAF21E895}"/>
+                <a16:creationId xmlns:a16="http://schemas.microsoft.com/office/drawing/2014/main" id="{93259B52-F015-4A42-BCAD-41FA45C7007A}"/>
               </a:ext>
             </a:extLst>
           </p:cNvPr>
@@ -14847,7 +14115,7 @@
           <p:cNvPr id="15" name="Parallelogramma 14">
             <a:extLst>
               <a:ext uri="{FF2B5EF4-FFF2-40B4-BE49-F238E27FC236}">
-                <a16:creationId xmlns:a16="http://schemas.microsoft.com/office/drawing/2014/main" id="{A3BFD730-0265-4662-8F07-985A801979EE}"/>
+                <a16:creationId xmlns:a16="http://schemas.microsoft.com/office/drawing/2014/main" id="{2E13311B-4688-42EF-8F34-337B8D7582B9}"/>
               </a:ext>
             </a:extLst>
           </p:cNvPr>
@@ -14904,7 +14172,7 @@
     </p:spTree>
     <p:extLst>
       <p:ext uri="{BB962C8B-B14F-4D97-AF65-F5344CB8AC3E}">
-        <p14:creationId xmlns:p14="http://schemas.microsoft.com/office/powerpoint/2010/main" val="3595417455"/>
+        <p14:creationId xmlns:p14="http://schemas.microsoft.com/office/powerpoint/2010/main" val="393848715"/>
       </p:ext>
     </p:extLst>
   </p:cSld>
@@ -14920,7 +14188,7 @@
 </file>
 
 <file path=ppt/slideLayouts/slideLayout5.xml><?xml version="1.0" encoding="utf-8"?>
-<p:sldLayout xmlns:a="http://schemas.openxmlformats.org/drawingml/2006/main" xmlns:r="http://schemas.openxmlformats.org/officeDocument/2006/relationships" xmlns:p="http://schemas.openxmlformats.org/presentationml/2006/main" type="twoTxTwoObj" preserve="1">
+<p:sldLayout xmlns:a="http://schemas.openxmlformats.org/drawingml/2006/main" xmlns:r="http://schemas.openxmlformats.org/officeDocument/2006/relationships" xmlns:p="http://schemas.openxmlformats.org/presentationml/2006/main" showMasterSp="0" type="twoTxTwoObj" preserve="1">
   <p:cSld name="Confronto">
     <p:spTree>
       <p:nvGrpSpPr>
@@ -14938,13 +14206,7 @@
       </p:grpSpPr>
       <p:sp>
         <p:nvSpPr>
-          <p:cNvPr id="2" name="Titolo 1">
-            <a:extLst>
-              <a:ext uri="{FF2B5EF4-FFF2-40B4-BE49-F238E27FC236}">
-                <a16:creationId xmlns:a16="http://schemas.microsoft.com/office/drawing/2014/main" id="{4B40F255-BCE4-423A-93D6-3C8F1561D747}"/>
-              </a:ext>
-            </a:extLst>
-          </p:cNvPr>
+          <p:cNvPr id="2" name="Title 1"/>
           <p:cNvSpPr>
             <a:spLocks noGrp="1"/>
           </p:cNvSpPr>
@@ -14966,18 +14228,13 @@
               <a:rPr lang="it-IT"/>
               <a:t>Fare clic per modificare lo stile del titolo dello schema</a:t>
             </a:r>
-          </a:p>
-        </p:txBody>
-      </p:sp>
-      <p:sp>
-        <p:nvSpPr>
-          <p:cNvPr id="3" name="Segnaposto testo 2">
-            <a:extLst>
-              <a:ext uri="{FF2B5EF4-FFF2-40B4-BE49-F238E27FC236}">
-                <a16:creationId xmlns:a16="http://schemas.microsoft.com/office/drawing/2014/main" id="{CAFC5977-F23D-4F03-9174-E64277386E59}"/>
-              </a:ext>
-            </a:extLst>
-          </p:cNvPr>
+            <a:endParaRPr lang="en-US" dirty="0"/>
+          </a:p>
+        </p:txBody>
+      </p:sp>
+      <p:sp>
+        <p:nvSpPr>
+          <p:cNvPr id="3" name="Text Placeholder 2"/>
           <p:cNvSpPr>
             <a:spLocks noGrp="1"/>
           </p:cNvSpPr>
@@ -15042,13 +14299,7 @@
       </p:sp>
       <p:sp>
         <p:nvSpPr>
-          <p:cNvPr id="4" name="Segnaposto contenuto 3">
-            <a:extLst>
-              <a:ext uri="{FF2B5EF4-FFF2-40B4-BE49-F238E27FC236}">
-                <a16:creationId xmlns:a16="http://schemas.microsoft.com/office/drawing/2014/main" id="{E7684D9B-D335-4A5C-9845-9B89405A4414}"/>
-              </a:ext>
-            </a:extLst>
-          </p:cNvPr>
+          <p:cNvPr id="4" name="Content Placeholder 3"/>
           <p:cNvSpPr>
             <a:spLocks noGrp="1"/>
           </p:cNvSpPr>
@@ -15099,18 +14350,13 @@
               <a:rPr lang="it-IT"/>
               <a:t>Quinto livello</a:t>
             </a:r>
-          </a:p>
-        </p:txBody>
-      </p:sp>
-      <p:sp>
-        <p:nvSpPr>
-          <p:cNvPr id="5" name="Segnaposto testo 4">
-            <a:extLst>
-              <a:ext uri="{FF2B5EF4-FFF2-40B4-BE49-F238E27FC236}">
-                <a16:creationId xmlns:a16="http://schemas.microsoft.com/office/drawing/2014/main" id="{77965EF2-B0F5-40DA-BD7E-940A86A018BD}"/>
-              </a:ext>
-            </a:extLst>
-          </p:cNvPr>
+            <a:endParaRPr lang="en-US" dirty="0"/>
+          </a:p>
+        </p:txBody>
+      </p:sp>
+      <p:sp>
+        <p:nvSpPr>
+          <p:cNvPr id="5" name="Text Placeholder 4"/>
           <p:cNvSpPr>
             <a:spLocks noGrp="1"/>
           </p:cNvSpPr>
@@ -15175,13 +14421,7 @@
       </p:sp>
       <p:sp>
         <p:nvSpPr>
-          <p:cNvPr id="6" name="Segnaposto contenuto 5">
-            <a:extLst>
-              <a:ext uri="{FF2B5EF4-FFF2-40B4-BE49-F238E27FC236}">
-                <a16:creationId xmlns:a16="http://schemas.microsoft.com/office/drawing/2014/main" id="{3FC5DA1F-9FD2-49BD-9DBE-0256A2E296C9}"/>
-              </a:ext>
-            </a:extLst>
-          </p:cNvPr>
+          <p:cNvPr id="6" name="Content Placeholder 5"/>
           <p:cNvSpPr>
             <a:spLocks noGrp="1"/>
           </p:cNvSpPr>
@@ -15232,18 +14472,13 @@
               <a:rPr lang="it-IT"/>
               <a:t>Quinto livello</a:t>
             </a:r>
-          </a:p>
-        </p:txBody>
-      </p:sp>
-      <p:sp>
-        <p:nvSpPr>
-          <p:cNvPr id="7" name="Segnaposto data 6">
-            <a:extLst>
-              <a:ext uri="{FF2B5EF4-FFF2-40B4-BE49-F238E27FC236}">
-                <a16:creationId xmlns:a16="http://schemas.microsoft.com/office/drawing/2014/main" id="{EB2C62AF-9661-4E41-B00A-51800B41E4B9}"/>
-              </a:ext>
-            </a:extLst>
-          </p:cNvPr>
+            <a:endParaRPr lang="en-US" dirty="0"/>
+          </a:p>
+        </p:txBody>
+      </p:sp>
+      <p:sp>
+        <p:nvSpPr>
+          <p:cNvPr id="7" name="Date Placeholder 6"/>
           <p:cNvSpPr>
             <a:spLocks noGrp="1"/>
           </p:cNvSpPr>
@@ -15266,13 +14501,7 @@
       </p:sp>
       <p:sp>
         <p:nvSpPr>
-          <p:cNvPr id="8" name="Segnaposto piè di pagina 7">
-            <a:extLst>
-              <a:ext uri="{FF2B5EF4-FFF2-40B4-BE49-F238E27FC236}">
-                <a16:creationId xmlns:a16="http://schemas.microsoft.com/office/drawing/2014/main" id="{7EF96510-863F-4BCF-BFDC-1DA758464416}"/>
-              </a:ext>
-            </a:extLst>
-          </p:cNvPr>
+          <p:cNvPr id="8" name="Footer Placeholder 7"/>
           <p:cNvSpPr>
             <a:spLocks noGrp="1"/>
           </p:cNvSpPr>
@@ -15296,13 +14525,7 @@
       </p:sp>
       <p:sp>
         <p:nvSpPr>
-          <p:cNvPr id="9" name="Segnaposto numero diapositiva 8">
-            <a:extLst>
-              <a:ext uri="{FF2B5EF4-FFF2-40B4-BE49-F238E27FC236}">
-                <a16:creationId xmlns:a16="http://schemas.microsoft.com/office/drawing/2014/main" id="{D241550C-BD0F-4D90-B757-1BF1A3CF2361}"/>
-              </a:ext>
-            </a:extLst>
-          </p:cNvPr>
+          <p:cNvPr id="9" name="Slide Number Placeholder 8"/>
           <p:cNvSpPr>
             <a:spLocks noGrp="1"/>
           </p:cNvSpPr>
@@ -15329,7 +14552,7 @@
           <p:cNvPr id="10" name="Rettangolo 9">
             <a:extLst>
               <a:ext uri="{FF2B5EF4-FFF2-40B4-BE49-F238E27FC236}">
-                <a16:creationId xmlns:a16="http://schemas.microsoft.com/office/drawing/2014/main" id="{6D3CF7D9-34CD-43E9-9810-93C272B160FC}"/>
+                <a16:creationId xmlns:a16="http://schemas.microsoft.com/office/drawing/2014/main" id="{824A7A93-8F6A-4EC0-8286-559D60F55577}"/>
               </a:ext>
             </a:extLst>
           </p:cNvPr>
@@ -15381,7 +14604,7 @@
           <p:cNvPr id="11" name="Connettore diritto 10">
             <a:extLst>
               <a:ext uri="{FF2B5EF4-FFF2-40B4-BE49-F238E27FC236}">
-                <a16:creationId xmlns:a16="http://schemas.microsoft.com/office/drawing/2014/main" id="{A5397746-99E9-47E4-B39C-4883E992CB54}"/>
+                <a16:creationId xmlns:a16="http://schemas.microsoft.com/office/drawing/2014/main" id="{9AAD521E-D021-4E1D-A9AD-A2EE4DED7473}"/>
               </a:ext>
             </a:extLst>
           </p:cNvPr>
@@ -15424,7 +14647,7 @@
           <p:cNvPr id="12" name="Gruppo 11">
             <a:extLst>
               <a:ext uri="{FF2B5EF4-FFF2-40B4-BE49-F238E27FC236}">
-                <a16:creationId xmlns:a16="http://schemas.microsoft.com/office/drawing/2014/main" id="{55C15421-BED8-446D-87C4-59F1C23A41E1}"/>
+                <a16:creationId xmlns:a16="http://schemas.microsoft.com/office/drawing/2014/main" id="{87499EC7-5D72-414D-B8E1-C094382B8F84}"/>
               </a:ext>
             </a:extLst>
           </p:cNvPr>
@@ -15444,7 +14667,7 @@
             <p:cNvPr id="13" name="Striscia diagonale 12">
               <a:extLst>
                 <a:ext uri="{FF2B5EF4-FFF2-40B4-BE49-F238E27FC236}">
-                  <a16:creationId xmlns:a16="http://schemas.microsoft.com/office/drawing/2014/main" id="{23FAFF7D-5E1D-4858-BE1B-19090DB60606}"/>
+                  <a16:creationId xmlns:a16="http://schemas.microsoft.com/office/drawing/2014/main" id="{350852A9-523E-442A-9C51-3737711253D4}"/>
                 </a:ext>
               </a:extLst>
             </p:cNvPr>
@@ -15502,7 +14725,7 @@
             <p:cNvPr id="14" name="Connettore diritto 13">
               <a:extLst>
                 <a:ext uri="{FF2B5EF4-FFF2-40B4-BE49-F238E27FC236}">
-                  <a16:creationId xmlns:a16="http://schemas.microsoft.com/office/drawing/2014/main" id="{FCFF6501-9354-4654-A67F-D115C91178B3}"/>
+                  <a16:creationId xmlns:a16="http://schemas.microsoft.com/office/drawing/2014/main" id="{67AD8652-D265-4F2A-8773-FA091D4FB658}"/>
                 </a:ext>
               </a:extLst>
             </p:cNvPr>
@@ -15547,7 +14770,7 @@
             <p:cNvPr id="15" name="Parallelogramma 14">
               <a:extLst>
                 <a:ext uri="{FF2B5EF4-FFF2-40B4-BE49-F238E27FC236}">
-                  <a16:creationId xmlns:a16="http://schemas.microsoft.com/office/drawing/2014/main" id="{799F5745-F962-489D-BCFE-FF30B42BEA36}"/>
+                  <a16:creationId xmlns:a16="http://schemas.microsoft.com/office/drawing/2014/main" id="{3A861F26-BB36-447B-9245-0AC7F370E411}"/>
                 </a:ext>
               </a:extLst>
             </p:cNvPr>
@@ -15602,7 +14825,7 @@
           <p:cNvPr id="16" name="Casella di testo 24">
             <a:extLst>
               <a:ext uri="{FF2B5EF4-FFF2-40B4-BE49-F238E27FC236}">
-                <a16:creationId xmlns:a16="http://schemas.microsoft.com/office/drawing/2014/main" id="{531D2654-5370-4294-99A9-1D2EE963611C}"/>
+                <a16:creationId xmlns:a16="http://schemas.microsoft.com/office/drawing/2014/main" id="{BC150B0D-E77C-4FC5-A53D-8454A444BAB7}"/>
               </a:ext>
             </a:extLst>
           </p:cNvPr>
@@ -15643,7 +14866,7 @@
           <p:cNvPr id="17" name="Parallelogramma 16">
             <a:extLst>
               <a:ext uri="{FF2B5EF4-FFF2-40B4-BE49-F238E27FC236}">
-                <a16:creationId xmlns:a16="http://schemas.microsoft.com/office/drawing/2014/main" id="{0556C3CF-F4F7-4ABD-A149-9A6BDD49F283}"/>
+                <a16:creationId xmlns:a16="http://schemas.microsoft.com/office/drawing/2014/main" id="{8A4DEDE2-1B5C-4980-B60F-DEC5F1B591E8}"/>
               </a:ext>
             </a:extLst>
           </p:cNvPr>
@@ -15700,7 +14923,7 @@
     </p:spTree>
     <p:extLst>
       <p:ext uri="{BB962C8B-B14F-4D97-AF65-F5344CB8AC3E}">
-        <p14:creationId xmlns:p14="http://schemas.microsoft.com/office/powerpoint/2010/main" val="3714219473"/>
+        <p14:creationId xmlns:p14="http://schemas.microsoft.com/office/powerpoint/2010/main" val="3956732695"/>
       </p:ext>
     </p:extLst>
   </p:cSld>
@@ -15716,7 +14939,7 @@
 </file>
 
 <file path=ppt/slideLayouts/slideLayout6.xml><?xml version="1.0" encoding="utf-8"?>
-<p:sldLayout xmlns:a="http://schemas.openxmlformats.org/drawingml/2006/main" xmlns:r="http://schemas.openxmlformats.org/officeDocument/2006/relationships" xmlns:p="http://schemas.openxmlformats.org/presentationml/2006/main" type="titleOnly" preserve="1">
+<p:sldLayout xmlns:a="http://schemas.openxmlformats.org/drawingml/2006/main" xmlns:r="http://schemas.openxmlformats.org/officeDocument/2006/relationships" xmlns:p="http://schemas.openxmlformats.org/presentationml/2006/main" showMasterSp="0" type="titleOnly" preserve="1">
   <p:cSld name="Solo titolo">
     <p:spTree>
       <p:nvGrpSpPr>
@@ -15734,13 +14957,7 @@
       </p:grpSpPr>
       <p:sp>
         <p:nvSpPr>
-          <p:cNvPr id="2" name="Titolo 1">
-            <a:extLst>
-              <a:ext uri="{FF2B5EF4-FFF2-40B4-BE49-F238E27FC236}">
-                <a16:creationId xmlns:a16="http://schemas.microsoft.com/office/drawing/2014/main" id="{7DFBCDC9-65EF-49FC-B104-E140F4DFEC18}"/>
-              </a:ext>
-            </a:extLst>
-          </p:cNvPr>
+          <p:cNvPr id="2" name="Title 1"/>
           <p:cNvSpPr>
             <a:spLocks noGrp="1"/>
           </p:cNvSpPr>
@@ -15757,18 +14974,13 @@
               <a:rPr lang="it-IT"/>
               <a:t>Fare clic per modificare lo stile del titolo dello schema</a:t>
             </a:r>
-          </a:p>
-        </p:txBody>
-      </p:sp>
-      <p:sp>
-        <p:nvSpPr>
-          <p:cNvPr id="3" name="Segnaposto data 2">
-            <a:extLst>
-              <a:ext uri="{FF2B5EF4-FFF2-40B4-BE49-F238E27FC236}">
-                <a16:creationId xmlns:a16="http://schemas.microsoft.com/office/drawing/2014/main" id="{1A04EF12-EF32-4E09-A3F6-C594AC99BBAB}"/>
-              </a:ext>
-            </a:extLst>
-          </p:cNvPr>
+            <a:endParaRPr lang="en-US" dirty="0"/>
+          </a:p>
+        </p:txBody>
+      </p:sp>
+      <p:sp>
+        <p:nvSpPr>
+          <p:cNvPr id="3" name="Date Placeholder 2"/>
           <p:cNvSpPr>
             <a:spLocks noGrp="1"/>
           </p:cNvSpPr>
@@ -15791,13 +15003,7 @@
       </p:sp>
       <p:sp>
         <p:nvSpPr>
-          <p:cNvPr id="4" name="Segnaposto piè di pagina 3">
-            <a:extLst>
-              <a:ext uri="{FF2B5EF4-FFF2-40B4-BE49-F238E27FC236}">
-                <a16:creationId xmlns:a16="http://schemas.microsoft.com/office/drawing/2014/main" id="{BCEEEF37-FFF2-40FE-BE62-F0F03C577CFA}"/>
-              </a:ext>
-            </a:extLst>
-          </p:cNvPr>
+          <p:cNvPr id="4" name="Footer Placeholder 3"/>
           <p:cNvSpPr>
             <a:spLocks noGrp="1"/>
           </p:cNvSpPr>
@@ -15821,13 +15027,7 @@
       </p:sp>
       <p:sp>
         <p:nvSpPr>
-          <p:cNvPr id="5" name="Segnaposto numero diapositiva 4">
-            <a:extLst>
-              <a:ext uri="{FF2B5EF4-FFF2-40B4-BE49-F238E27FC236}">
-                <a16:creationId xmlns:a16="http://schemas.microsoft.com/office/drawing/2014/main" id="{573686A2-8181-477B-AD7A-3F3F946A44FA}"/>
-              </a:ext>
-            </a:extLst>
-          </p:cNvPr>
+          <p:cNvPr id="5" name="Slide Number Placeholder 4"/>
           <p:cNvSpPr>
             <a:spLocks noGrp="1"/>
           </p:cNvSpPr>
@@ -15854,7 +15054,7 @@
           <p:cNvPr id="6" name="Rettangolo 5">
             <a:extLst>
               <a:ext uri="{FF2B5EF4-FFF2-40B4-BE49-F238E27FC236}">
-                <a16:creationId xmlns:a16="http://schemas.microsoft.com/office/drawing/2014/main" id="{1149C7B0-E1D4-4258-AD15-54840CF4D73F}"/>
+                <a16:creationId xmlns:a16="http://schemas.microsoft.com/office/drawing/2014/main" id="{17111E3E-5E63-45F1-B3CA-0C0C1FC02DA6}"/>
               </a:ext>
             </a:extLst>
           </p:cNvPr>
@@ -15906,7 +15106,7 @@
           <p:cNvPr id="7" name="Casella di testo 20">
             <a:extLst>
               <a:ext uri="{FF2B5EF4-FFF2-40B4-BE49-F238E27FC236}">
-                <a16:creationId xmlns:a16="http://schemas.microsoft.com/office/drawing/2014/main" id="{53320627-4A89-42F9-BACB-1A1A48C40F3A}"/>
+                <a16:creationId xmlns:a16="http://schemas.microsoft.com/office/drawing/2014/main" id="{99BF94DF-057C-4270-A29C-207EC51CD279}"/>
               </a:ext>
             </a:extLst>
           </p:cNvPr>
@@ -15947,7 +15147,7 @@
           <p:cNvPr id="8" name="Gruppo 7">
             <a:extLst>
               <a:ext uri="{FF2B5EF4-FFF2-40B4-BE49-F238E27FC236}">
-                <a16:creationId xmlns:a16="http://schemas.microsoft.com/office/drawing/2014/main" id="{7DEF292C-F22C-4496-89C7-5123C72D5B8C}"/>
+                <a16:creationId xmlns:a16="http://schemas.microsoft.com/office/drawing/2014/main" id="{2B7DE4EA-C43F-4D65-8C07-C0AC6BB740FA}"/>
               </a:ext>
             </a:extLst>
           </p:cNvPr>
@@ -15967,7 +15167,7 @@
             <p:cNvPr id="9" name="Striscia diagonale 8">
               <a:extLst>
                 <a:ext uri="{FF2B5EF4-FFF2-40B4-BE49-F238E27FC236}">
-                  <a16:creationId xmlns:a16="http://schemas.microsoft.com/office/drawing/2014/main" id="{60E31F2F-0FC0-48B6-9D69-20EBC98BEDA8}"/>
+                  <a16:creationId xmlns:a16="http://schemas.microsoft.com/office/drawing/2014/main" id="{39985DA6-5FCD-4B31-BE51-48AC99CC118D}"/>
                 </a:ext>
               </a:extLst>
             </p:cNvPr>
@@ -16025,7 +15225,7 @@
             <p:cNvPr id="10" name="Connettore diritto 9">
               <a:extLst>
                 <a:ext uri="{FF2B5EF4-FFF2-40B4-BE49-F238E27FC236}">
-                  <a16:creationId xmlns:a16="http://schemas.microsoft.com/office/drawing/2014/main" id="{508E993B-0548-4712-8E20-4D67B06C0EBA}"/>
+                  <a16:creationId xmlns:a16="http://schemas.microsoft.com/office/drawing/2014/main" id="{69510E74-96FE-4B01-94F9-E9F97322EA27}"/>
                 </a:ext>
               </a:extLst>
             </p:cNvPr>
@@ -16070,7 +15270,7 @@
             <p:cNvPr id="11" name="Parallelogramma 10">
               <a:extLst>
                 <a:ext uri="{FF2B5EF4-FFF2-40B4-BE49-F238E27FC236}">
-                  <a16:creationId xmlns:a16="http://schemas.microsoft.com/office/drawing/2014/main" id="{8A73AE8F-F070-42C3-AE46-AE0DEE3D7E95}"/>
+                  <a16:creationId xmlns:a16="http://schemas.microsoft.com/office/drawing/2014/main" id="{AADF66FE-592E-4863-B936-D95653710A13}"/>
                 </a:ext>
               </a:extLst>
             </p:cNvPr>
@@ -16125,7 +15325,7 @@
           <p:cNvPr id="12" name="Parallelogramma 11">
             <a:extLst>
               <a:ext uri="{FF2B5EF4-FFF2-40B4-BE49-F238E27FC236}">
-                <a16:creationId xmlns:a16="http://schemas.microsoft.com/office/drawing/2014/main" id="{A2785B8B-E688-46A9-B5C1-C3EA80CB4863}"/>
+                <a16:creationId xmlns:a16="http://schemas.microsoft.com/office/drawing/2014/main" id="{B38D869A-5F2E-4509-98F2-2711D57775E3}"/>
               </a:ext>
             </a:extLst>
           </p:cNvPr>
@@ -16182,7 +15382,7 @@
     </p:spTree>
     <p:extLst>
       <p:ext uri="{BB962C8B-B14F-4D97-AF65-F5344CB8AC3E}">
-        <p14:creationId xmlns:p14="http://schemas.microsoft.com/office/powerpoint/2010/main" val="2003752545"/>
+        <p14:creationId xmlns:p14="http://schemas.microsoft.com/office/powerpoint/2010/main" val="1200788154"/>
       </p:ext>
     </p:extLst>
   </p:cSld>
@@ -16198,7 +15398,7 @@
 </file>
 
 <file path=ppt/slideLayouts/slideLayout7.xml><?xml version="1.0" encoding="utf-8"?>
-<p:sldLayout xmlns:a="http://schemas.openxmlformats.org/drawingml/2006/main" xmlns:r="http://schemas.openxmlformats.org/officeDocument/2006/relationships" xmlns:p="http://schemas.openxmlformats.org/presentationml/2006/main" type="blank" preserve="1">
+<p:sldLayout xmlns:a="http://schemas.openxmlformats.org/drawingml/2006/main" xmlns:r="http://schemas.openxmlformats.org/officeDocument/2006/relationships" xmlns:p="http://schemas.openxmlformats.org/presentationml/2006/main" showMasterSp="0" type="blank" preserve="1">
   <p:cSld name="Vuota">
     <p:spTree>
       <p:nvGrpSpPr>
@@ -16216,13 +15416,7 @@
       </p:grpSpPr>
       <p:sp>
         <p:nvSpPr>
-          <p:cNvPr id="2" name="Segnaposto data 1">
-            <a:extLst>
-              <a:ext uri="{FF2B5EF4-FFF2-40B4-BE49-F238E27FC236}">
-                <a16:creationId xmlns:a16="http://schemas.microsoft.com/office/drawing/2014/main" id="{188C9368-E52D-4183-8F38-1B3245B97044}"/>
-              </a:ext>
-            </a:extLst>
-          </p:cNvPr>
+          <p:cNvPr id="2" name="Date Placeholder 1"/>
           <p:cNvSpPr>
             <a:spLocks noGrp="1"/>
           </p:cNvSpPr>
@@ -16245,13 +15439,7 @@
       </p:sp>
       <p:sp>
         <p:nvSpPr>
-          <p:cNvPr id="3" name="Segnaposto piè di pagina 2">
-            <a:extLst>
-              <a:ext uri="{FF2B5EF4-FFF2-40B4-BE49-F238E27FC236}">
-                <a16:creationId xmlns:a16="http://schemas.microsoft.com/office/drawing/2014/main" id="{532504D2-2A55-4394-BA8C-D058D916E6FE}"/>
-              </a:ext>
-            </a:extLst>
-          </p:cNvPr>
+          <p:cNvPr id="3" name="Footer Placeholder 2"/>
           <p:cNvSpPr>
             <a:spLocks noGrp="1"/>
           </p:cNvSpPr>
@@ -16275,13 +15463,7 @@
       </p:sp>
       <p:sp>
         <p:nvSpPr>
-          <p:cNvPr id="4" name="Segnaposto numero diapositiva 3">
-            <a:extLst>
-              <a:ext uri="{FF2B5EF4-FFF2-40B4-BE49-F238E27FC236}">
-                <a16:creationId xmlns:a16="http://schemas.microsoft.com/office/drawing/2014/main" id="{E4230D43-BE68-49CA-B5F7-E5209001910F}"/>
-              </a:ext>
-            </a:extLst>
-          </p:cNvPr>
+          <p:cNvPr id="4" name="Slide Number Placeholder 3"/>
           <p:cNvSpPr>
             <a:spLocks noGrp="1"/>
           </p:cNvSpPr>
@@ -16307,7 +15489,7 @@
     </p:spTree>
     <p:extLst>
       <p:ext uri="{BB962C8B-B14F-4D97-AF65-F5344CB8AC3E}">
-        <p14:creationId xmlns:p14="http://schemas.microsoft.com/office/powerpoint/2010/main" val="3406114775"/>
+        <p14:creationId xmlns:p14="http://schemas.microsoft.com/office/powerpoint/2010/main" val="1649944433"/>
       </p:ext>
     </p:extLst>
   </p:cSld>
@@ -16319,7 +15501,7 @@
 </file>
 
 <file path=ppt/slideLayouts/slideLayout8.xml><?xml version="1.0" encoding="utf-8"?>
-<p:sldLayout xmlns:a="http://schemas.openxmlformats.org/drawingml/2006/main" xmlns:r="http://schemas.openxmlformats.org/officeDocument/2006/relationships" xmlns:p="http://schemas.openxmlformats.org/presentationml/2006/main" type="objTx" preserve="1">
+<p:sldLayout xmlns:a="http://schemas.openxmlformats.org/drawingml/2006/main" xmlns:r="http://schemas.openxmlformats.org/officeDocument/2006/relationships" xmlns:p="http://schemas.openxmlformats.org/presentationml/2006/main" showMasterSp="0" type="objTx" preserve="1">
   <p:cSld name="Contenuto con didascalia">
     <p:spTree>
       <p:nvGrpSpPr>
@@ -16337,13 +15519,7 @@
       </p:grpSpPr>
       <p:sp>
         <p:nvSpPr>
-          <p:cNvPr id="2" name="Titolo 1">
-            <a:extLst>
-              <a:ext uri="{FF2B5EF4-FFF2-40B4-BE49-F238E27FC236}">
-                <a16:creationId xmlns:a16="http://schemas.microsoft.com/office/drawing/2014/main" id="{04B5DB3D-3203-452D-A6F0-C150E1A9344F}"/>
-              </a:ext>
-            </a:extLst>
-          </p:cNvPr>
+          <p:cNvPr id="2" name="Title 1"/>
           <p:cNvSpPr>
             <a:spLocks noGrp="1"/>
           </p:cNvSpPr>
@@ -16369,18 +15545,13 @@
               <a:rPr lang="it-IT"/>
               <a:t>Fare clic per modificare lo stile del titolo dello schema</a:t>
             </a:r>
-          </a:p>
-        </p:txBody>
-      </p:sp>
-      <p:sp>
-        <p:nvSpPr>
-          <p:cNvPr id="3" name="Segnaposto contenuto 2">
-            <a:extLst>
-              <a:ext uri="{FF2B5EF4-FFF2-40B4-BE49-F238E27FC236}">
-                <a16:creationId xmlns:a16="http://schemas.microsoft.com/office/drawing/2014/main" id="{B8013E31-F02C-4313-9FC5-5BF5E9A8D3B1}"/>
-              </a:ext>
-            </a:extLst>
-          </p:cNvPr>
+            <a:endParaRPr lang="en-US" dirty="0"/>
+          </a:p>
+        </p:txBody>
+      </p:sp>
+      <p:sp>
+        <p:nvSpPr>
+          <p:cNvPr id="3" name="Content Placeholder 2"/>
           <p:cNvSpPr>
             <a:spLocks noGrp="1"/>
           </p:cNvSpPr>
@@ -16459,18 +15630,13 @@
               <a:rPr lang="it-IT"/>
               <a:t>Quinto livello</a:t>
             </a:r>
-          </a:p>
-        </p:txBody>
-      </p:sp>
-      <p:sp>
-        <p:nvSpPr>
-          <p:cNvPr id="4" name="Segnaposto testo 3">
-            <a:extLst>
-              <a:ext uri="{FF2B5EF4-FFF2-40B4-BE49-F238E27FC236}">
-                <a16:creationId xmlns:a16="http://schemas.microsoft.com/office/drawing/2014/main" id="{1CAA2DD9-C62E-49B2-AB40-9EC35213086C}"/>
-              </a:ext>
-            </a:extLst>
-          </p:cNvPr>
+            <a:endParaRPr lang="en-US" dirty="0"/>
+          </a:p>
+        </p:txBody>
+      </p:sp>
+      <p:sp>
+        <p:nvSpPr>
+          <p:cNvPr id="4" name="Text Placeholder 3"/>
           <p:cNvSpPr>
             <a:spLocks noGrp="1"/>
           </p:cNvSpPr>
@@ -16535,13 +15701,7 @@
       </p:sp>
       <p:sp>
         <p:nvSpPr>
-          <p:cNvPr id="5" name="Segnaposto data 4">
-            <a:extLst>
-              <a:ext uri="{FF2B5EF4-FFF2-40B4-BE49-F238E27FC236}">
-                <a16:creationId xmlns:a16="http://schemas.microsoft.com/office/drawing/2014/main" id="{11EAB1C4-1B94-4AC8-8F32-DDCDBED9A168}"/>
-              </a:ext>
-            </a:extLst>
-          </p:cNvPr>
+          <p:cNvPr id="5" name="Date Placeholder 4"/>
           <p:cNvSpPr>
             <a:spLocks noGrp="1"/>
           </p:cNvSpPr>
@@ -16564,13 +15724,7 @@
       </p:sp>
       <p:sp>
         <p:nvSpPr>
-          <p:cNvPr id="6" name="Segnaposto piè di pagina 5">
-            <a:extLst>
-              <a:ext uri="{FF2B5EF4-FFF2-40B4-BE49-F238E27FC236}">
-                <a16:creationId xmlns:a16="http://schemas.microsoft.com/office/drawing/2014/main" id="{4BC9B07D-53B7-4231-9597-1E4A65184CE3}"/>
-              </a:ext>
-            </a:extLst>
-          </p:cNvPr>
+          <p:cNvPr id="6" name="Footer Placeholder 5"/>
           <p:cNvSpPr>
             <a:spLocks noGrp="1"/>
           </p:cNvSpPr>
@@ -16589,13 +15743,7 @@
       </p:sp>
       <p:sp>
         <p:nvSpPr>
-          <p:cNvPr id="7" name="Segnaposto numero diapositiva 6">
-            <a:extLst>
-              <a:ext uri="{FF2B5EF4-FFF2-40B4-BE49-F238E27FC236}">
-                <a16:creationId xmlns:a16="http://schemas.microsoft.com/office/drawing/2014/main" id="{451054B7-09D1-431F-8353-004B41264BB2}"/>
-              </a:ext>
-            </a:extLst>
-          </p:cNvPr>
+          <p:cNvPr id="7" name="Slide Number Placeholder 6"/>
           <p:cNvSpPr>
             <a:spLocks noGrp="1"/>
           </p:cNvSpPr>
@@ -16621,7 +15769,7 @@
           <p:cNvPr id="8" name="Rettangolo 7">
             <a:extLst>
               <a:ext uri="{FF2B5EF4-FFF2-40B4-BE49-F238E27FC236}">
-                <a16:creationId xmlns:a16="http://schemas.microsoft.com/office/drawing/2014/main" id="{3D960B50-F462-4C4E-B1D2-B408A22AF391}"/>
+                <a16:creationId xmlns:a16="http://schemas.microsoft.com/office/drawing/2014/main" id="{66DAC2B4-3DB3-4611-8B1A-FD86D4BB0906}"/>
               </a:ext>
             </a:extLst>
           </p:cNvPr>
@@ -16673,7 +15821,7 @@
           <p:cNvPr id="9" name="Triangolo rettangolo 8">
             <a:extLst>
               <a:ext uri="{FF2B5EF4-FFF2-40B4-BE49-F238E27FC236}">
-                <a16:creationId xmlns:a16="http://schemas.microsoft.com/office/drawing/2014/main" id="{CCA33ADE-9049-43D3-BD3C-CD5A64809108}"/>
+                <a16:creationId xmlns:a16="http://schemas.microsoft.com/office/drawing/2014/main" id="{CD06B991-4925-456A-8949-C702BB6E9479}"/>
               </a:ext>
             </a:extLst>
           </p:cNvPr>
@@ -16725,7 +15873,7 @@
           <p:cNvPr id="10" name="Connettore diritto 9">
             <a:extLst>
               <a:ext uri="{FF2B5EF4-FFF2-40B4-BE49-F238E27FC236}">
-                <a16:creationId xmlns:a16="http://schemas.microsoft.com/office/drawing/2014/main" id="{66B29E37-2BCA-40DF-8181-855F4A15C7D7}"/>
+                <a16:creationId xmlns:a16="http://schemas.microsoft.com/office/drawing/2014/main" id="{62C247E0-0F5A-4E22-A555-41FDCA792A2D}"/>
               </a:ext>
             </a:extLst>
           </p:cNvPr>
@@ -16770,7 +15918,7 @@
           <p:cNvPr id="11" name="Connettore diritto 10">
             <a:extLst>
               <a:ext uri="{FF2B5EF4-FFF2-40B4-BE49-F238E27FC236}">
-                <a16:creationId xmlns:a16="http://schemas.microsoft.com/office/drawing/2014/main" id="{9451DDAD-BD7A-4821-8608-D67BE6B48DE9}"/>
+                <a16:creationId xmlns:a16="http://schemas.microsoft.com/office/drawing/2014/main" id="{E553315E-07B4-4BB6-8BCF-F8955B773D27}"/>
               </a:ext>
             </a:extLst>
           </p:cNvPr>
@@ -16813,7 +15961,7 @@
           <p:cNvPr id="12" name="Connettore diritto 11">
             <a:extLst>
               <a:ext uri="{FF2B5EF4-FFF2-40B4-BE49-F238E27FC236}">
-                <a16:creationId xmlns:a16="http://schemas.microsoft.com/office/drawing/2014/main" id="{9AEEFC84-118C-478A-BEE7-6A3FF8D20E07}"/>
+                <a16:creationId xmlns:a16="http://schemas.microsoft.com/office/drawing/2014/main" id="{D21E5834-6A7A-4269-B6CE-3A89C1250189}"/>
               </a:ext>
             </a:extLst>
           </p:cNvPr>
@@ -16854,7 +16002,7 @@
     </p:spTree>
     <p:extLst>
       <p:ext uri="{BB962C8B-B14F-4D97-AF65-F5344CB8AC3E}">
-        <p14:creationId xmlns:p14="http://schemas.microsoft.com/office/powerpoint/2010/main" val="652015521"/>
+        <p14:creationId xmlns:p14="http://schemas.microsoft.com/office/powerpoint/2010/main" val="1312041879"/>
       </p:ext>
     </p:extLst>
   </p:cSld>
@@ -16870,7 +16018,7 @@
 </file>
 
 <file path=ppt/slideLayouts/slideLayout9.xml><?xml version="1.0" encoding="utf-8"?>
-<p:sldLayout xmlns:a="http://schemas.openxmlformats.org/drawingml/2006/main" xmlns:r="http://schemas.openxmlformats.org/officeDocument/2006/relationships" xmlns:p="http://schemas.openxmlformats.org/presentationml/2006/main" type="picTx" preserve="1">
+<p:sldLayout xmlns:a="http://schemas.openxmlformats.org/drawingml/2006/main" xmlns:r="http://schemas.openxmlformats.org/officeDocument/2006/relationships" xmlns:p="http://schemas.openxmlformats.org/presentationml/2006/main" showMasterSp="0" type="picTx" preserve="1">
   <p:cSld name="Immagine con didascalia">
     <p:spTree>
       <p:nvGrpSpPr>
@@ -16888,13 +16036,7 @@
       </p:grpSpPr>
       <p:sp>
         <p:nvSpPr>
-          <p:cNvPr id="2" name="Titolo 1">
-            <a:extLst>
-              <a:ext uri="{FF2B5EF4-FFF2-40B4-BE49-F238E27FC236}">
-                <a16:creationId xmlns:a16="http://schemas.microsoft.com/office/drawing/2014/main" id="{4D6F5A71-51E9-4E46-BAD4-EC45B30EA58E}"/>
-              </a:ext>
-            </a:extLst>
-          </p:cNvPr>
+          <p:cNvPr id="2" name="Title 1"/>
           <p:cNvSpPr>
             <a:spLocks noGrp="1"/>
           </p:cNvSpPr>
@@ -16920,20 +16062,15 @@
               <a:rPr lang="it-IT"/>
               <a:t>Fare clic per modificare lo stile del titolo dello schema</a:t>
             </a:r>
-          </a:p>
-        </p:txBody>
-      </p:sp>
-      <p:sp>
-        <p:nvSpPr>
-          <p:cNvPr id="3" name="Segnaposto immagine 2">
-            <a:extLst>
-              <a:ext uri="{FF2B5EF4-FFF2-40B4-BE49-F238E27FC236}">
-                <a16:creationId xmlns:a16="http://schemas.microsoft.com/office/drawing/2014/main" id="{3202A997-6F2E-48F4-89FC-F592AE3861A2}"/>
-              </a:ext>
-            </a:extLst>
-          </p:cNvPr>
-          <p:cNvSpPr>
-            <a:spLocks noGrp="1"/>
+            <a:endParaRPr lang="en-US" dirty="0"/>
+          </a:p>
+        </p:txBody>
+      </p:sp>
+      <p:sp>
+        <p:nvSpPr>
+          <p:cNvPr id="3" name="Picture Placeholder 2"/>
+          <p:cNvSpPr>
+            <a:spLocks noGrp="1" noChangeAspect="1"/>
           </p:cNvSpPr>
           <p:nvPr>
             <p:ph type="pic" idx="1"/>
@@ -16946,7 +16083,7 @@
           </a:xfrm>
         </p:spPr>
         <p:txBody>
-          <a:bodyPr/>
+          <a:bodyPr anchor="t"/>
           <a:lstStyle>
             <a:lvl1pPr marL="0" indent="0">
               <a:buNone/>
@@ -16986,19 +16123,17 @@
             </a:lvl9pPr>
           </a:lstStyle>
           <a:p>
-            <a:endParaRPr lang="it-IT"/>
-          </a:p>
-        </p:txBody>
-      </p:sp>
-      <p:sp>
-        <p:nvSpPr>
-          <p:cNvPr id="4" name="Segnaposto testo 3">
-            <a:extLst>
-              <a:ext uri="{FF2B5EF4-FFF2-40B4-BE49-F238E27FC236}">
-                <a16:creationId xmlns:a16="http://schemas.microsoft.com/office/drawing/2014/main" id="{6921C479-D60C-4A46-955A-011D90BC8633}"/>
-              </a:ext>
-            </a:extLst>
-          </p:cNvPr>
+            <a:r>
+              <a:rPr lang="it-IT"/>
+              <a:t>Fare clic sull'icona per inserire un'immagine</a:t>
+            </a:r>
+            <a:endParaRPr lang="en-US" dirty="0"/>
+          </a:p>
+        </p:txBody>
+      </p:sp>
+      <p:sp>
+        <p:nvSpPr>
+          <p:cNvPr id="4" name="Text Placeholder 3"/>
           <p:cNvSpPr>
             <a:spLocks noGrp="1"/>
           </p:cNvSpPr>
@@ -17063,13 +16198,7 @@
       </p:sp>
       <p:sp>
         <p:nvSpPr>
-          <p:cNvPr id="5" name="Segnaposto data 4">
-            <a:extLst>
-              <a:ext uri="{FF2B5EF4-FFF2-40B4-BE49-F238E27FC236}">
-                <a16:creationId xmlns:a16="http://schemas.microsoft.com/office/drawing/2014/main" id="{40AF81FF-713B-4C9B-8049-AA079F8239E2}"/>
-              </a:ext>
-            </a:extLst>
-          </p:cNvPr>
+          <p:cNvPr id="5" name="Date Placeholder 4"/>
           <p:cNvSpPr>
             <a:spLocks noGrp="1"/>
           </p:cNvSpPr>
@@ -17092,13 +16221,7 @@
       </p:sp>
       <p:sp>
         <p:nvSpPr>
-          <p:cNvPr id="6" name="Segnaposto piè di pagina 5">
-            <a:extLst>
-              <a:ext uri="{FF2B5EF4-FFF2-40B4-BE49-F238E27FC236}">
-                <a16:creationId xmlns:a16="http://schemas.microsoft.com/office/drawing/2014/main" id="{8237FF13-48FF-4FEF-AAA9-826B9CEF4410}"/>
-              </a:ext>
-            </a:extLst>
-          </p:cNvPr>
+          <p:cNvPr id="6" name="Footer Placeholder 5"/>
           <p:cNvSpPr>
             <a:spLocks noGrp="1"/>
           </p:cNvSpPr>
@@ -17117,13 +16240,7 @@
       </p:sp>
       <p:sp>
         <p:nvSpPr>
-          <p:cNvPr id="7" name="Segnaposto numero diapositiva 6">
-            <a:extLst>
-              <a:ext uri="{FF2B5EF4-FFF2-40B4-BE49-F238E27FC236}">
-                <a16:creationId xmlns:a16="http://schemas.microsoft.com/office/drawing/2014/main" id="{90B0D93B-79C0-4725-B9B3-D84089B0E75F}"/>
-              </a:ext>
-            </a:extLst>
-          </p:cNvPr>
+          <p:cNvPr id="7" name="Slide Number Placeholder 6"/>
           <p:cNvSpPr>
             <a:spLocks noGrp="1"/>
           </p:cNvSpPr>
@@ -17149,7 +16266,7 @@
           <p:cNvPr id="8" name="Rettangolo 7">
             <a:extLst>
               <a:ext uri="{FF2B5EF4-FFF2-40B4-BE49-F238E27FC236}">
-                <a16:creationId xmlns:a16="http://schemas.microsoft.com/office/drawing/2014/main" id="{7BBB3452-3A67-4BD5-B512-B9F02D3F2075}"/>
+                <a16:creationId xmlns:a16="http://schemas.microsoft.com/office/drawing/2014/main" id="{873F3382-D57E-40C4-A7E8-46180C4C6F64}"/>
               </a:ext>
             </a:extLst>
           </p:cNvPr>
@@ -17201,7 +16318,7 @@
           <p:cNvPr id="9" name="Triangolo rettangolo 8">
             <a:extLst>
               <a:ext uri="{FF2B5EF4-FFF2-40B4-BE49-F238E27FC236}">
-                <a16:creationId xmlns:a16="http://schemas.microsoft.com/office/drawing/2014/main" id="{EF369165-C614-46F9-B537-40764A2861FC}"/>
+                <a16:creationId xmlns:a16="http://schemas.microsoft.com/office/drawing/2014/main" id="{3B922C30-B5CF-4803-8A0A-8B371F27E8D6}"/>
               </a:ext>
             </a:extLst>
           </p:cNvPr>
@@ -17253,7 +16370,7 @@
           <p:cNvPr id="10" name="Connettore diritto 9">
             <a:extLst>
               <a:ext uri="{FF2B5EF4-FFF2-40B4-BE49-F238E27FC236}">
-                <a16:creationId xmlns:a16="http://schemas.microsoft.com/office/drawing/2014/main" id="{62B6AFAE-DAAC-4B03-A682-12FE36DFBA87}"/>
+                <a16:creationId xmlns:a16="http://schemas.microsoft.com/office/drawing/2014/main" id="{967EFCA8-3FEF-4222-AB0A-1CD094FEB803}"/>
               </a:ext>
             </a:extLst>
           </p:cNvPr>
@@ -17298,7 +16415,7 @@
           <p:cNvPr id="11" name="Connettore diritto 10">
             <a:extLst>
               <a:ext uri="{FF2B5EF4-FFF2-40B4-BE49-F238E27FC236}">
-                <a16:creationId xmlns:a16="http://schemas.microsoft.com/office/drawing/2014/main" id="{8DE9702F-99E1-441B-926E-0A43AB284881}"/>
+                <a16:creationId xmlns:a16="http://schemas.microsoft.com/office/drawing/2014/main" id="{C7753E9D-C3E0-46D0-AE80-0BE893B67EC6}"/>
               </a:ext>
             </a:extLst>
           </p:cNvPr>
@@ -17341,7 +16458,7 @@
           <p:cNvPr id="12" name="Connettore diritto 11">
             <a:extLst>
               <a:ext uri="{FF2B5EF4-FFF2-40B4-BE49-F238E27FC236}">
-                <a16:creationId xmlns:a16="http://schemas.microsoft.com/office/drawing/2014/main" id="{FF2DF708-6C7B-42C2-A484-C55555FE1FDF}"/>
+                <a16:creationId xmlns:a16="http://schemas.microsoft.com/office/drawing/2014/main" id="{ED22998F-B82A-40E6-ACBE-AC1D55543191}"/>
               </a:ext>
             </a:extLst>
           </p:cNvPr>
@@ -17382,7 +16499,7 @@
     </p:spTree>
     <p:extLst>
       <p:ext uri="{BB962C8B-B14F-4D97-AF65-F5344CB8AC3E}">
-        <p14:creationId xmlns:p14="http://schemas.microsoft.com/office/powerpoint/2010/main" val="1241905435"/>
+        <p14:creationId xmlns:p14="http://schemas.microsoft.com/office/powerpoint/2010/main" val="64223840"/>
       </p:ext>
     </p:extLst>
   </p:cSld>
@@ -17421,13 +16538,7 @@
       </p:grpSpPr>
       <p:sp>
         <p:nvSpPr>
-          <p:cNvPr id="2" name="Segnaposto titolo 1">
-            <a:extLst>
-              <a:ext uri="{FF2B5EF4-FFF2-40B4-BE49-F238E27FC236}">
-                <a16:creationId xmlns:a16="http://schemas.microsoft.com/office/drawing/2014/main" id="{A39A4E1C-520F-4D01-9C00-D4D601A95465}"/>
-              </a:ext>
-            </a:extLst>
-          </p:cNvPr>
+          <p:cNvPr id="2" name="Title Placeholder 1"/>
           <p:cNvSpPr>
             <a:spLocks noGrp="1"/>
           </p:cNvSpPr>
@@ -17454,18 +16565,13 @@
               <a:rPr lang="it-IT"/>
               <a:t>Fare clic per modificare lo stile del titolo dello schema</a:t>
             </a:r>
-          </a:p>
-        </p:txBody>
-      </p:sp>
-      <p:sp>
-        <p:nvSpPr>
-          <p:cNvPr id="3" name="Segnaposto testo 2">
-            <a:extLst>
-              <a:ext uri="{FF2B5EF4-FFF2-40B4-BE49-F238E27FC236}">
-                <a16:creationId xmlns:a16="http://schemas.microsoft.com/office/drawing/2014/main" id="{C51042E8-D666-41C3-A3EB-ED6EE9F8A6A6}"/>
-              </a:ext>
-            </a:extLst>
-          </p:cNvPr>
+            <a:endParaRPr lang="en-US" dirty="0"/>
+          </a:p>
+        </p:txBody>
+      </p:sp>
+      <p:sp>
+        <p:nvSpPr>
+          <p:cNvPr id="3" name="Text Placeholder 2"/>
           <p:cNvSpPr>
             <a:spLocks noGrp="1"/>
           </p:cNvSpPr>
@@ -17521,18 +16627,13 @@
               <a:rPr lang="it-IT"/>
               <a:t>Quinto livello</a:t>
             </a:r>
-          </a:p>
-        </p:txBody>
-      </p:sp>
-      <p:sp>
-        <p:nvSpPr>
-          <p:cNvPr id="4" name="Segnaposto data 3">
-            <a:extLst>
-              <a:ext uri="{FF2B5EF4-FFF2-40B4-BE49-F238E27FC236}">
-                <a16:creationId xmlns:a16="http://schemas.microsoft.com/office/drawing/2014/main" id="{4BF08C90-0652-48D6-8D8F-E671D1251F92}"/>
-              </a:ext>
-            </a:extLst>
-          </p:cNvPr>
+            <a:endParaRPr lang="en-US" dirty="0"/>
+          </a:p>
+        </p:txBody>
+      </p:sp>
+      <p:sp>
+        <p:nvSpPr>
+          <p:cNvPr id="4" name="Date Placeholder 3"/>
           <p:cNvSpPr>
             <a:spLocks noGrp="1"/>
           </p:cNvSpPr>
@@ -17573,13 +16674,7 @@
       </p:sp>
       <p:sp>
         <p:nvSpPr>
-          <p:cNvPr id="5" name="Segnaposto piè di pagina 4">
-            <a:extLst>
-              <a:ext uri="{FF2B5EF4-FFF2-40B4-BE49-F238E27FC236}">
-                <a16:creationId xmlns:a16="http://schemas.microsoft.com/office/drawing/2014/main" id="{2A8FD70A-E873-44BA-8E10-59997177CD1C}"/>
-              </a:ext>
-            </a:extLst>
-          </p:cNvPr>
+          <p:cNvPr id="5" name="Footer Placeholder 4"/>
           <p:cNvSpPr>
             <a:spLocks noGrp="1"/>
           </p:cNvSpPr>
@@ -17621,13 +16716,7 @@
       </p:sp>
       <p:sp>
         <p:nvSpPr>
-          <p:cNvPr id="6" name="Segnaposto numero diapositiva 5">
-            <a:extLst>
-              <a:ext uri="{FF2B5EF4-FFF2-40B4-BE49-F238E27FC236}">
-                <a16:creationId xmlns:a16="http://schemas.microsoft.com/office/drawing/2014/main" id="{E517A39D-4F8E-4BD7-B00E-E7B1ED5EE8A1}"/>
-              </a:ext>
-            </a:extLst>
-          </p:cNvPr>
+          <p:cNvPr id="6" name="Slide Number Placeholder 5"/>
           <p:cNvSpPr>
             <a:spLocks noGrp="1"/>
           </p:cNvSpPr>
@@ -17671,38 +16760,37 @@
     </p:spTree>
     <p:extLst>
       <p:ext uri="{BB962C8B-B14F-4D97-AF65-F5344CB8AC3E}">
-        <p14:creationId xmlns:p14="http://schemas.microsoft.com/office/powerpoint/2010/main" val="3616703542"/>
+        <p14:creationId xmlns:p14="http://schemas.microsoft.com/office/powerpoint/2010/main" val="1674716299"/>
       </p:ext>
     </p:extLst>
   </p:cSld>
   <p:clrMap bg1="lt1" tx1="dk1" bg2="lt2" tx2="dk2" accent1="accent1" accent2="accent2" accent3="accent3" accent4="accent4" accent5="accent5" accent6="accent6" hlink="hlink" folHlink="folHlink"/>
   <p:sldLayoutIdLst>
-    <p:sldLayoutId id="2147483757" r:id="rId1"/>
-    <p:sldLayoutId id="2147483758" r:id="rId2"/>
-    <p:sldLayoutId id="2147483759" r:id="rId3"/>
-    <p:sldLayoutId id="2147483760" r:id="rId4"/>
-    <p:sldLayoutId id="2147483761" r:id="rId5"/>
-    <p:sldLayoutId id="2147483762" r:id="rId6"/>
-    <p:sldLayoutId id="2147483763" r:id="rId7"/>
-    <p:sldLayoutId id="2147483764" r:id="rId8"/>
-    <p:sldLayoutId id="2147483765" r:id="rId9"/>
-    <p:sldLayoutId id="2147483766" r:id="rId10"/>
-    <p:sldLayoutId id="2147483767" r:id="rId11"/>
-    <p:sldLayoutId id="2147483768" r:id="rId12"/>
-    <p:sldLayoutId id="2147483769" r:id="rId13"/>
-    <p:sldLayoutId id="2147483770" r:id="rId14"/>
-    <p:sldLayoutId id="2147483771" r:id="rId15"/>
-    <p:sldLayoutId id="2147483651" r:id="rId16"/>
-    <p:sldLayoutId id="2147483710" r:id="rId17"/>
-    <p:sldLayoutId id="2147483709" r:id="rId18"/>
-    <p:sldLayoutId id="2147483711" r:id="rId19"/>
-    <p:sldLayoutId id="2147483712" r:id="rId20"/>
-    <p:sldLayoutId id="2147483713" r:id="rId21"/>
-    <p:sldLayoutId id="2147483714" r:id="rId22"/>
-    <p:sldLayoutId id="2147483715" r:id="rId23"/>
-    <p:sldLayoutId id="2147483692" r:id="rId24"/>
-    <p:sldLayoutId id="2147483697" r:id="rId25"/>
-    <p:sldLayoutId id="2147483674" r:id="rId26"/>
+    <p:sldLayoutId id="2147483917" r:id="rId1"/>
+    <p:sldLayoutId id="2147483918" r:id="rId2"/>
+    <p:sldLayoutId id="2147483919" r:id="rId3"/>
+    <p:sldLayoutId id="2147483920" r:id="rId4"/>
+    <p:sldLayoutId id="2147483921" r:id="rId5"/>
+    <p:sldLayoutId id="2147483922" r:id="rId6"/>
+    <p:sldLayoutId id="2147483923" r:id="rId7"/>
+    <p:sldLayoutId id="2147483924" r:id="rId8"/>
+    <p:sldLayoutId id="2147483925" r:id="rId9"/>
+    <p:sldLayoutId id="2147483926" r:id="rId10"/>
+    <p:sldLayoutId id="2147483927" r:id="rId11"/>
+    <p:sldLayoutId id="2147483928" r:id="rId12"/>
+    <p:sldLayoutId id="2147483930" r:id="rId13"/>
+    <p:sldLayoutId id="2147483931" r:id="rId14"/>
+    <p:sldLayoutId id="2147483651" r:id="rId15"/>
+    <p:sldLayoutId id="2147483710" r:id="rId16"/>
+    <p:sldLayoutId id="2147483709" r:id="rId17"/>
+    <p:sldLayoutId id="2147483711" r:id="rId18"/>
+    <p:sldLayoutId id="2147483712" r:id="rId19"/>
+    <p:sldLayoutId id="2147483713" r:id="rId20"/>
+    <p:sldLayoutId id="2147483714" r:id="rId21"/>
+    <p:sldLayoutId id="2147483715" r:id="rId22"/>
+    <p:sldLayoutId id="2147483692" r:id="rId23"/>
+    <p:sldLayoutId id="2147483697" r:id="rId24"/>
+    <p:sldLayoutId id="2147483674" r:id="rId25"/>
   </p:sldLayoutIdLst>
   <p:hf hdr="0"/>
   <p:txStyles>
@@ -17891,7 +16979,7 @@
     </p:bodyStyle>
     <p:otherStyle>
       <a:defPPr>
-        <a:defRPr lang="it-IT"/>
+        <a:defRPr lang="en-US"/>
       </a:defPPr>
       <a:lvl1pPr marL="0" algn="l" defTabSz="914400" rtl="0" eaLnBrk="1" latinLnBrk="0" hangingPunct="1">
         <a:defRPr sz="1800" kern="1200">
@@ -17991,6 +17079,42 @@
 <file path=ppt/slides/slide1.xml><?xml version="1.0" encoding="utf-8"?>
 <p:sld xmlns:a="http://schemas.openxmlformats.org/drawingml/2006/main" xmlns:r="http://schemas.openxmlformats.org/officeDocument/2006/relationships" xmlns:p="http://schemas.openxmlformats.org/presentationml/2006/main" showMasterSp="0">
   <p:cSld>
+    <p:bg>
+      <p:bgPr>
+        <a:gradFill flip="none" rotWithShape="1">
+          <a:gsLst>
+            <a:gs pos="0">
+              <a:schemeClr val="accent5">
+                <a:alpha val="44000"/>
+                <a:lumMod val="8000"/>
+                <a:lumOff val="92000"/>
+              </a:schemeClr>
+            </a:gs>
+            <a:gs pos="74000">
+              <a:schemeClr val="accent5">
+                <a:lumMod val="45000"/>
+                <a:lumOff val="55000"/>
+              </a:schemeClr>
+            </a:gs>
+            <a:gs pos="83000">
+              <a:schemeClr val="accent5">
+                <a:lumMod val="45000"/>
+                <a:lumOff val="55000"/>
+              </a:schemeClr>
+            </a:gs>
+            <a:gs pos="100000">
+              <a:schemeClr val="accent5">
+                <a:lumMod val="30000"/>
+                <a:lumOff val="70000"/>
+              </a:schemeClr>
+            </a:gs>
+          </a:gsLst>
+          <a:lin ang="5400000" scaled="1"/>
+          <a:tileRect/>
+        </a:gradFill>
+        <a:effectLst/>
+      </p:bgPr>
+    </p:bg>
     <p:spTree>
       <p:nvGrpSpPr>
         <p:cNvPr id="1" name=""/>
@@ -18063,10 +17187,18 @@
           <a:p>
             <a:pPr rtl="0"/>
             <a:r>
-              <a:rPr lang="it-IT" b="0" dirty="0"/>
+              <a:rPr lang="it-IT" b="0" i="1" dirty="0">
+                <a:solidFill>
+                  <a:srgbClr val="002060"/>
+                </a:solidFill>
+              </a:rPr>
               <a:t>Progetto Ingegneria SW</a:t>
             </a:r>
-            <a:endParaRPr lang="it-IT" dirty="0"/>
+            <a:endParaRPr lang="it-IT" i="1" dirty="0">
+              <a:solidFill>
+                <a:srgbClr val="002060"/>
+              </a:solidFill>
+            </a:endParaRPr>
           </a:p>
         </p:txBody>
       </p:sp>
@@ -18192,7 +17324,7 @@
         </p:nvSpPr>
         <p:spPr>
           <a:xfrm>
-            <a:off x="531377" y="1377968"/>
+            <a:off x="531381" y="1215566"/>
             <a:ext cx="7342631" cy="608895"/>
           </a:xfrm>
         </p:spPr>
@@ -18226,7 +17358,7 @@
         </p:nvSpPr>
         <p:spPr>
           <a:xfrm>
-            <a:off x="531388" y="162402"/>
+            <a:off x="531386" y="0"/>
             <a:ext cx="7342622" cy="1215566"/>
           </a:xfrm>
         </p:spPr>
@@ -18470,7 +17602,7 @@
         </p:nvSpPr>
         <p:spPr>
           <a:xfrm>
-            <a:off x="531377" y="3129540"/>
+            <a:off x="531377" y="2524768"/>
             <a:ext cx="10984347" cy="2958275"/>
           </a:xfrm>
         </p:spPr>
@@ -18528,7 +17660,12 @@
             <p:ph type="body" sz="quarter" idx="13"/>
           </p:nvPr>
         </p:nvSpPr>
-        <p:spPr/>
+        <p:spPr>
+          <a:xfrm>
+            <a:off x="531377" y="1215566"/>
+            <a:ext cx="7342631" cy="608895"/>
+          </a:xfrm>
+        </p:spPr>
         <p:txBody>
           <a:bodyPr rtlCol="0"/>
           <a:lstStyle/>
@@ -18557,7 +17694,12 @@
             <p:ph type="title"/>
           </p:nvPr>
         </p:nvSpPr>
-        <p:spPr/>
+        <p:spPr>
+          <a:xfrm>
+            <a:off x="531377" y="0"/>
+            <a:ext cx="7342622" cy="1215566"/>
+          </a:xfrm>
+        </p:spPr>
         <p:txBody>
           <a:bodyPr rtlCol="0"/>
           <a:lstStyle/>
@@ -18678,7 +17820,7 @@
         </p:nvSpPr>
         <p:spPr>
           <a:xfrm>
-            <a:off x="531378" y="3129540"/>
+            <a:off x="531378" y="3040027"/>
             <a:ext cx="10822422" cy="2958275"/>
           </a:xfrm>
         </p:spPr>
@@ -18715,7 +17857,12 @@
             <p:ph type="body" sz="quarter" idx="13"/>
           </p:nvPr>
         </p:nvSpPr>
-        <p:spPr/>
+        <p:spPr>
+          <a:xfrm>
+            <a:off x="531303" y="1215566"/>
+            <a:ext cx="7342631" cy="608895"/>
+          </a:xfrm>
+        </p:spPr>
         <p:txBody>
           <a:bodyPr rtlCol="0"/>
           <a:lstStyle/>
@@ -18744,7 +17891,12 @@
             <p:ph type="title"/>
           </p:nvPr>
         </p:nvSpPr>
-        <p:spPr/>
+        <p:spPr>
+          <a:xfrm>
+            <a:off x="531377" y="0"/>
+            <a:ext cx="11129320" cy="1215566"/>
+          </a:xfrm>
+        </p:spPr>
         <p:txBody>
           <a:bodyPr rtlCol="0">
             <a:noAutofit/>
@@ -18754,14 +17906,7 @@
             <a:pPr rtl="0"/>
             <a:r>
               <a:rPr lang="it-IT" dirty="0"/>
-              <a:t>Principio di sostituzione di</a:t>
-            </a:r>
-            <a:br>
-              <a:rPr lang="it-IT" dirty="0"/>
-            </a:br>
-            <a:r>
-              <a:rPr lang="it-IT" dirty="0"/>
-              <a:t>LISKOV</a:t>
+              <a:t>Principio di sostituzione di LISKOV</a:t>
             </a:r>
           </a:p>
         </p:txBody>
@@ -18874,7 +18019,7 @@
         </p:nvSpPr>
         <p:spPr>
           <a:xfrm>
-            <a:off x="531378" y="3129540"/>
+            <a:off x="531378" y="3025440"/>
             <a:ext cx="6856558" cy="2958275"/>
           </a:xfrm>
         </p:spPr>
@@ -18976,7 +18121,12 @@
             <p:ph type="body" sz="quarter" idx="13"/>
           </p:nvPr>
         </p:nvSpPr>
-        <p:spPr/>
+        <p:spPr>
+          <a:xfrm>
+            <a:off x="531378" y="1209618"/>
+            <a:ext cx="7342631" cy="608895"/>
+          </a:xfrm>
+        </p:spPr>
         <p:txBody>
           <a:bodyPr rtlCol="0"/>
           <a:lstStyle/>
@@ -19005,7 +18155,12 @@
             <p:ph type="title"/>
           </p:nvPr>
         </p:nvSpPr>
-        <p:spPr/>
+        <p:spPr>
+          <a:xfrm>
+            <a:off x="531378" y="0"/>
+            <a:ext cx="10894428" cy="1215566"/>
+          </a:xfrm>
+        </p:spPr>
         <p:txBody>
           <a:bodyPr rtlCol="0">
             <a:noAutofit/>
@@ -19014,14 +18169,7 @@
           <a:p>
             <a:r>
               <a:rPr lang="it-IT" dirty="0"/>
-              <a:t>Principio di sostituzione di</a:t>
-            </a:r>
-            <a:br>
-              <a:rPr lang="it-IT" dirty="0"/>
-            </a:br>
-            <a:r>
-              <a:rPr lang="it-IT" dirty="0"/>
-              <a:t>LISKOV</a:t>
+              <a:t>Principio di sostituzione di LISKOV</a:t>
             </a:r>
           </a:p>
         </p:txBody>
@@ -19108,7 +18256,7 @@
         </p:blipFill>
         <p:spPr>
           <a:xfrm>
-            <a:off x="7061399" y="4463659"/>
+            <a:off x="7061399" y="4203698"/>
             <a:ext cx="4983252" cy="880275"/>
           </a:xfrm>
           <a:prstGeom prst="rect">
@@ -19138,7 +18286,7 @@
         </p:blipFill>
         <p:spPr>
           <a:xfrm>
-            <a:off x="7061399" y="3293104"/>
+            <a:off x="7061399" y="3143181"/>
             <a:ext cx="5061019" cy="616124"/>
           </a:xfrm>
           <a:prstGeom prst="rect">
@@ -19194,7 +18342,7 @@
         </p:nvSpPr>
         <p:spPr>
           <a:xfrm>
-            <a:off x="531378" y="3129540"/>
+            <a:off x="531378" y="2609247"/>
             <a:ext cx="6856558" cy="2958275"/>
           </a:xfrm>
         </p:spPr>
@@ -19282,7 +18430,12 @@
             <p:ph type="body" sz="quarter" idx="13"/>
           </p:nvPr>
         </p:nvSpPr>
-        <p:spPr/>
+        <p:spPr>
+          <a:xfrm>
+            <a:off x="531378" y="1211525"/>
+            <a:ext cx="7342631" cy="608895"/>
+          </a:xfrm>
+        </p:spPr>
         <p:txBody>
           <a:bodyPr rtlCol="0"/>
           <a:lstStyle/>
@@ -19311,7 +18464,12 @@
             <p:ph type="title"/>
           </p:nvPr>
         </p:nvSpPr>
-        <p:spPr/>
+        <p:spPr>
+          <a:xfrm>
+            <a:off x="531378" y="7864"/>
+            <a:ext cx="11070596" cy="1215566"/>
+          </a:xfrm>
+        </p:spPr>
         <p:txBody>
           <a:bodyPr rtlCol="0">
             <a:noAutofit/>
@@ -19320,14 +18478,7 @@
           <a:p>
             <a:r>
               <a:rPr lang="it-IT" dirty="0"/>
-              <a:t>Principio di sostituzione di</a:t>
-            </a:r>
-            <a:br>
-              <a:rPr lang="it-IT" dirty="0"/>
-            </a:br>
-            <a:r>
-              <a:rPr lang="it-IT" dirty="0"/>
-              <a:t>LISKOV</a:t>
+              <a:t>Principio di sostituzione di LISKOV</a:t>
             </a:r>
           </a:p>
         </p:txBody>
@@ -19408,7 +18559,7 @@
         </p:nvCxnSpPr>
         <p:spPr>
           <a:xfrm flipV="1">
-            <a:off x="5667246" y="5213684"/>
+            <a:off x="5667246" y="5051342"/>
             <a:ext cx="1134607" cy="119954"/>
           </a:xfrm>
           <a:prstGeom prst="curvedConnector3">
@@ -19460,7 +18611,7 @@
         </p:blipFill>
         <p:spPr>
           <a:xfrm>
-            <a:off x="760795" y="5029189"/>
+            <a:off x="760795" y="4795509"/>
             <a:ext cx="4771743" cy="608894"/>
           </a:xfrm>
           <a:prstGeom prst="rect">
@@ -19490,7 +18641,7 @@
         </p:blipFill>
         <p:spPr>
           <a:xfrm>
-            <a:off x="6936561" y="5029189"/>
+            <a:off x="6936561" y="4753516"/>
             <a:ext cx="4849164" cy="913415"/>
           </a:xfrm>
           <a:prstGeom prst="rect">
@@ -19546,7 +18697,7 @@
         </p:nvSpPr>
         <p:spPr>
           <a:xfrm>
-            <a:off x="531378" y="3129540"/>
+            <a:off x="531378" y="2542310"/>
             <a:ext cx="10822422" cy="2958275"/>
           </a:xfrm>
         </p:spPr>
@@ -19598,7 +18749,12 @@
             <p:ph type="body" sz="quarter" idx="13"/>
           </p:nvPr>
         </p:nvSpPr>
-        <p:spPr/>
+        <p:spPr>
+          <a:xfrm>
+            <a:off x="531378" y="1215566"/>
+            <a:ext cx="7342631" cy="608895"/>
+          </a:xfrm>
+        </p:spPr>
         <p:txBody>
           <a:bodyPr rtlCol="0"/>
           <a:lstStyle/>
@@ -19627,7 +18783,12 @@
             <p:ph type="title"/>
           </p:nvPr>
         </p:nvSpPr>
-        <p:spPr/>
+        <p:spPr>
+          <a:xfrm>
+            <a:off x="531387" y="0"/>
+            <a:ext cx="10718249" cy="1215566"/>
+          </a:xfrm>
+        </p:spPr>
         <p:txBody>
           <a:bodyPr rtlCol="0">
             <a:noAutofit/>
@@ -19636,14 +18797,7 @@
           <a:p>
             <a:r>
               <a:rPr lang="it-IT" dirty="0"/>
-              <a:t>Principio di sostituzione di</a:t>
-            </a:r>
-            <a:br>
-              <a:rPr lang="it-IT" dirty="0"/>
-            </a:br>
-            <a:r>
-              <a:rPr lang="it-IT" dirty="0"/>
-              <a:t>LISKOV</a:t>
+              <a:t>Principio di sostituzione di LISKOV</a:t>
             </a:r>
           </a:p>
         </p:txBody>
@@ -19756,7 +18910,7 @@
         </p:nvSpPr>
         <p:spPr>
           <a:xfrm>
-            <a:off x="531378" y="3129540"/>
+            <a:off x="531378" y="3040027"/>
             <a:ext cx="10822422" cy="2958275"/>
           </a:xfrm>
         </p:spPr>
@@ -19819,7 +18973,12 @@
             <p:ph type="body" sz="quarter" idx="13"/>
           </p:nvPr>
         </p:nvSpPr>
-        <p:spPr/>
+        <p:spPr>
+          <a:xfrm>
+            <a:off x="531378" y="1215566"/>
+            <a:ext cx="7342631" cy="608895"/>
+          </a:xfrm>
+        </p:spPr>
         <p:txBody>
           <a:bodyPr rtlCol="0"/>
           <a:lstStyle/>
@@ -19850,7 +19009,7 @@
         </p:nvSpPr>
         <p:spPr>
           <a:xfrm>
-            <a:off x="531378" y="1241109"/>
+            <a:off x="531378" y="0"/>
             <a:ext cx="9879360" cy="1215566"/>
           </a:xfrm>
         </p:spPr>
@@ -19997,7 +19156,12 @@
             <p:ph type="body" sz="quarter" idx="13"/>
           </p:nvPr>
         </p:nvSpPr>
-        <p:spPr/>
+        <p:spPr>
+          <a:xfrm>
+            <a:off x="531379" y="1215566"/>
+            <a:ext cx="7342631" cy="608895"/>
+          </a:xfrm>
+        </p:spPr>
         <p:txBody>
           <a:bodyPr rtlCol="0"/>
           <a:lstStyle/>
@@ -20028,7 +19192,7 @@
         </p:nvSpPr>
         <p:spPr>
           <a:xfrm>
-            <a:off x="531377" y="1241109"/>
+            <a:off x="531379" y="0"/>
             <a:ext cx="10131029" cy="1215566"/>
           </a:xfrm>
         </p:spPr>
@@ -20150,7 +19314,7 @@
         </p:blipFill>
         <p:spPr>
           <a:xfrm>
-            <a:off x="3313918" y="3144424"/>
+            <a:off x="3436290" y="2825642"/>
             <a:ext cx="2160603" cy="2988067"/>
           </a:xfrm>
           <a:prstGeom prst="rect">
@@ -20179,7 +19343,7 @@
         </p:blipFill>
         <p:spPr>
           <a:xfrm>
-            <a:off x="6224164" y="2924620"/>
+            <a:off x="6224164" y="2603810"/>
             <a:ext cx="3858471" cy="3431730"/>
           </a:xfrm>
           <a:prstGeom prst="rect">
@@ -20203,11 +19367,6 @@
 <file path=ppt/slides/slide18.xml><?xml version="1.0" encoding="utf-8"?>
 <p:sld xmlns:a="http://schemas.openxmlformats.org/drawingml/2006/main" xmlns:r="http://schemas.openxmlformats.org/officeDocument/2006/relationships" xmlns:p="http://schemas.openxmlformats.org/presentationml/2006/main" showMasterSp="0">
   <p:cSld>
-    <p:bg>
-      <p:bgRef idx="1001">
-        <a:schemeClr val="bg1"/>
-      </p:bgRef>
-    </p:bg>
     <p:spTree>
       <p:nvGrpSpPr>
         <p:cNvPr id="1" name=""/>
@@ -20240,7 +19399,7 @@
         </p:nvSpPr>
         <p:spPr>
           <a:xfrm>
-            <a:off x="518678" y="2039394"/>
+            <a:off x="531379" y="2641917"/>
             <a:ext cx="5475290" cy="781188"/>
           </a:xfrm>
         </p:spPr>
@@ -20274,7 +19433,7 @@
         </p:nvSpPr>
         <p:spPr>
           <a:xfrm>
-            <a:off x="518678" y="2874150"/>
+            <a:off x="531379" y="3423105"/>
             <a:ext cx="11200060" cy="3232149"/>
           </a:xfrm>
         </p:spPr>
@@ -20326,42 +19485,6 @@
                 </a:solidFill>
               </a:rPr>
               <a:t>Possibilità di riutilizzo in altri progetti della classe che incorpora logica di business</a:t>
-            </a:r>
-          </a:p>
-        </p:txBody>
-      </p:sp>
-      <p:sp>
-        <p:nvSpPr>
-          <p:cNvPr id="19" name="Segnaposto testo 18">
-            <a:extLst>
-              <a:ext uri="{FF2B5EF4-FFF2-40B4-BE49-F238E27FC236}">
-                <a16:creationId xmlns:a16="http://schemas.microsoft.com/office/drawing/2014/main" id="{DFE11F38-F66B-4F95-8224-6CCA69D57617}"/>
-              </a:ext>
-            </a:extLst>
-          </p:cNvPr>
-          <p:cNvSpPr>
-            <a:spLocks noGrp="1"/>
-          </p:cNvSpPr>
-          <p:nvPr>
-            <p:ph type="body" sz="quarter" idx="16"/>
-          </p:nvPr>
-        </p:nvSpPr>
-        <p:spPr/>
-        <p:txBody>
-          <a:bodyPr rtlCol="0">
-            <a:normAutofit/>
-          </a:bodyPr>
-          <a:lstStyle/>
-          <a:p>
-            <a:r>
-              <a:rPr lang="it-IT" dirty="0">
-                <a:solidFill>
-                  <a:schemeClr val="bg2">
-                    <a:lumMod val="50000"/>
-                  </a:schemeClr>
-                </a:solidFill>
-              </a:rPr>
-              <a:t>Pattern SOLID</a:t>
             </a:r>
           </a:p>
         </p:txBody>
@@ -20464,7 +19587,12 @@
             <p:ph type="title"/>
           </p:nvPr>
         </p:nvSpPr>
-        <p:spPr/>
+        <p:spPr>
+          <a:xfrm>
+            <a:off x="531379" y="25167"/>
+            <a:ext cx="8333222" cy="1147969"/>
+          </a:xfrm>
+        </p:spPr>
         <p:txBody>
           <a:bodyPr rtlCol="0"/>
           <a:lstStyle/>
@@ -20524,6 +19652,214 @@
                 </a:solidFill>
               </a:rPr>
               <a:t>)</a:t>
+            </a:r>
+          </a:p>
+        </p:txBody>
+      </p:sp>
+      <p:sp>
+        <p:nvSpPr>
+          <p:cNvPr id="10" name="Segnaposto testo 8">
+            <a:extLst>
+              <a:ext uri="{FF2B5EF4-FFF2-40B4-BE49-F238E27FC236}">
+                <a16:creationId xmlns:a16="http://schemas.microsoft.com/office/drawing/2014/main" id="{0811F357-5C5D-4EE4-BDBF-B333FF31B204}"/>
+              </a:ext>
+            </a:extLst>
+          </p:cNvPr>
+          <p:cNvSpPr txBox="1">
+            <a:spLocks/>
+          </p:cNvSpPr>
+          <p:nvPr/>
+        </p:nvSpPr>
+        <p:spPr>
+          <a:xfrm>
+            <a:off x="531379" y="1209926"/>
+            <a:ext cx="7342631" cy="608895"/>
+          </a:xfrm>
+          <a:prstGeom prst="rect">
+            <a:avLst/>
+          </a:prstGeom>
+        </p:spPr>
+        <p:txBody>
+          <a:bodyPr vert="horz" lIns="91440" tIns="45720" rIns="91440" bIns="45720" rtlCol="0">
+            <a:normAutofit/>
+          </a:bodyPr>
+          <a:lstStyle>
+            <a:lvl1pPr marL="228600" indent="-228600" algn="l" defTabSz="914400" rtl="0" eaLnBrk="1" latinLnBrk="0" hangingPunct="1">
+              <a:lnSpc>
+                <a:spcPct val="90000"/>
+              </a:lnSpc>
+              <a:spcBef>
+                <a:spcPts val="1000"/>
+              </a:spcBef>
+              <a:buFont typeface="Arial" panose="020B0604020202020204" pitchFamily="34" charset="0"/>
+              <a:buChar char="•"/>
+              <a:defRPr lang="en-US" sz="2800" kern="1200" dirty="0">
+                <a:solidFill>
+                  <a:schemeClr val="bg1"/>
+                </a:solidFill>
+                <a:latin typeface="+mn-lt"/>
+                <a:ea typeface="+mn-ea"/>
+                <a:cs typeface="+mn-cs"/>
+              </a:defRPr>
+            </a:lvl1pPr>
+            <a:lvl2pPr marL="685800" indent="-228600" algn="l" defTabSz="914400" rtl="0" eaLnBrk="1" latinLnBrk="0" hangingPunct="1">
+              <a:lnSpc>
+                <a:spcPct val="90000"/>
+              </a:lnSpc>
+              <a:spcBef>
+                <a:spcPts val="500"/>
+              </a:spcBef>
+              <a:buFont typeface="Arial" panose="020B0604020202020204" pitchFamily="34" charset="0"/>
+              <a:buChar char="•"/>
+              <a:defRPr lang="en-US" sz="2400" kern="1200" dirty="0">
+                <a:solidFill>
+                  <a:schemeClr val="bg1"/>
+                </a:solidFill>
+                <a:latin typeface="+mn-lt"/>
+                <a:ea typeface="+mn-ea"/>
+                <a:cs typeface="+mn-cs"/>
+              </a:defRPr>
+            </a:lvl2pPr>
+            <a:lvl3pPr marL="1143000" indent="-228600" algn="l" defTabSz="914400" rtl="0" eaLnBrk="1" latinLnBrk="0" hangingPunct="1">
+              <a:lnSpc>
+                <a:spcPct val="90000"/>
+              </a:lnSpc>
+              <a:spcBef>
+                <a:spcPts val="500"/>
+              </a:spcBef>
+              <a:buFont typeface="Arial" panose="020B0604020202020204" pitchFamily="34" charset="0"/>
+              <a:buChar char="•"/>
+              <a:defRPr lang="en-US" sz="2000" kern="1200" dirty="0">
+                <a:solidFill>
+                  <a:schemeClr val="bg1"/>
+                </a:solidFill>
+                <a:latin typeface="+mn-lt"/>
+                <a:ea typeface="+mn-ea"/>
+                <a:cs typeface="+mn-cs"/>
+              </a:defRPr>
+            </a:lvl3pPr>
+            <a:lvl4pPr marL="1600200" indent="-228600" algn="l" defTabSz="914400" rtl="0" eaLnBrk="1" latinLnBrk="0" hangingPunct="1">
+              <a:lnSpc>
+                <a:spcPct val="90000"/>
+              </a:lnSpc>
+              <a:spcBef>
+                <a:spcPts val="500"/>
+              </a:spcBef>
+              <a:buFont typeface="Arial" panose="020B0604020202020204" pitchFamily="34" charset="0"/>
+              <a:buChar char="•"/>
+              <a:defRPr lang="en-US" sz="1800" kern="1200" dirty="0">
+                <a:solidFill>
+                  <a:schemeClr val="bg1"/>
+                </a:solidFill>
+                <a:latin typeface="+mn-lt"/>
+                <a:ea typeface="+mn-ea"/>
+                <a:cs typeface="+mn-cs"/>
+              </a:defRPr>
+            </a:lvl4pPr>
+            <a:lvl5pPr marL="2057400" indent="-228600" algn="l" defTabSz="914400" rtl="0" eaLnBrk="1" latinLnBrk="0" hangingPunct="1">
+              <a:lnSpc>
+                <a:spcPct val="90000"/>
+              </a:lnSpc>
+              <a:spcBef>
+                <a:spcPts val="500"/>
+              </a:spcBef>
+              <a:buFont typeface="Arial" panose="020B0604020202020204" pitchFamily="34" charset="0"/>
+              <a:buChar char="•"/>
+              <a:defRPr lang="en-IN" sz="1800" kern="1200" dirty="0">
+                <a:solidFill>
+                  <a:schemeClr val="bg1"/>
+                </a:solidFill>
+                <a:latin typeface="+mn-lt"/>
+                <a:ea typeface="+mn-ea"/>
+                <a:cs typeface="+mn-cs"/>
+              </a:defRPr>
+            </a:lvl5pPr>
+            <a:lvl6pPr marL="2514600" indent="-228600" algn="l" defTabSz="914400" rtl="0" eaLnBrk="1" latinLnBrk="0" hangingPunct="1">
+              <a:lnSpc>
+                <a:spcPct val="90000"/>
+              </a:lnSpc>
+              <a:spcBef>
+                <a:spcPts val="500"/>
+              </a:spcBef>
+              <a:buFont typeface="Arial" panose="020B0604020202020204" pitchFamily="34" charset="0"/>
+              <a:buChar char="•"/>
+              <a:defRPr sz="1800" kern="1200">
+                <a:solidFill>
+                  <a:schemeClr val="tx1"/>
+                </a:solidFill>
+                <a:latin typeface="+mn-lt"/>
+                <a:ea typeface="+mn-ea"/>
+                <a:cs typeface="+mn-cs"/>
+              </a:defRPr>
+            </a:lvl6pPr>
+            <a:lvl7pPr marL="2971800" indent="-228600" algn="l" defTabSz="914400" rtl="0" eaLnBrk="1" latinLnBrk="0" hangingPunct="1">
+              <a:lnSpc>
+                <a:spcPct val="90000"/>
+              </a:lnSpc>
+              <a:spcBef>
+                <a:spcPts val="500"/>
+              </a:spcBef>
+              <a:buFont typeface="Arial" panose="020B0604020202020204" pitchFamily="34" charset="0"/>
+              <a:buChar char="•"/>
+              <a:defRPr sz="1800" kern="1200">
+                <a:solidFill>
+                  <a:schemeClr val="tx1"/>
+                </a:solidFill>
+                <a:latin typeface="+mn-lt"/>
+                <a:ea typeface="+mn-ea"/>
+                <a:cs typeface="+mn-cs"/>
+              </a:defRPr>
+            </a:lvl7pPr>
+            <a:lvl8pPr marL="3429000" indent="-228600" algn="l" defTabSz="914400" rtl="0" eaLnBrk="1" latinLnBrk="0" hangingPunct="1">
+              <a:lnSpc>
+                <a:spcPct val="90000"/>
+              </a:lnSpc>
+              <a:spcBef>
+                <a:spcPts val="500"/>
+              </a:spcBef>
+              <a:buFont typeface="Arial" panose="020B0604020202020204" pitchFamily="34" charset="0"/>
+              <a:buChar char="•"/>
+              <a:defRPr sz="1800" kern="1200">
+                <a:solidFill>
+                  <a:schemeClr val="tx1"/>
+                </a:solidFill>
+                <a:latin typeface="+mn-lt"/>
+                <a:ea typeface="+mn-ea"/>
+                <a:cs typeface="+mn-cs"/>
+              </a:defRPr>
+            </a:lvl8pPr>
+            <a:lvl9pPr marL="3886200" indent="-228600" algn="l" defTabSz="914400" rtl="0" eaLnBrk="1" latinLnBrk="0" hangingPunct="1">
+              <a:lnSpc>
+                <a:spcPct val="90000"/>
+              </a:lnSpc>
+              <a:spcBef>
+                <a:spcPts val="500"/>
+              </a:spcBef>
+              <a:buFont typeface="Arial" panose="020B0604020202020204" pitchFamily="34" charset="0"/>
+              <a:buChar char="•"/>
+              <a:defRPr sz="1800" kern="1200">
+                <a:solidFill>
+                  <a:schemeClr val="tx1"/>
+                </a:solidFill>
+                <a:latin typeface="+mn-lt"/>
+                <a:ea typeface="+mn-ea"/>
+                <a:cs typeface="+mn-cs"/>
+              </a:defRPr>
+            </a:lvl9pPr>
+          </a:lstStyle>
+          <a:p>
+            <a:pPr marL="0" indent="0">
+              <a:buNone/>
+            </a:pPr>
+            <a:r>
+              <a:rPr lang="it-IT" sz="2000" spc="300" dirty="0">
+                <a:solidFill>
+                  <a:schemeClr val="bg2">
+                    <a:lumMod val="50000"/>
+                  </a:schemeClr>
+                </a:solidFill>
+              </a:rPr>
+              <a:t>Pattern SOLID</a:t>
             </a:r>
           </a:p>
         </p:txBody>
@@ -20647,7 +19983,12 @@
             <p:ph type="body" sz="quarter" idx="13"/>
           </p:nvPr>
         </p:nvSpPr>
-        <p:spPr/>
+        <p:spPr>
+          <a:xfrm>
+            <a:off x="531378" y="1215566"/>
+            <a:ext cx="7342631" cy="608895"/>
+          </a:xfrm>
+        </p:spPr>
         <p:txBody>
           <a:bodyPr rtlCol="0"/>
           <a:lstStyle/>
@@ -20676,7 +20017,12 @@
             <p:ph type="title"/>
           </p:nvPr>
         </p:nvSpPr>
-        <p:spPr/>
+        <p:spPr>
+          <a:xfrm>
+            <a:off x="531388" y="0"/>
+            <a:ext cx="7342622" cy="1215566"/>
+          </a:xfrm>
+        </p:spPr>
         <p:txBody>
           <a:bodyPr rtlCol="0">
             <a:normAutofit/>
@@ -20780,75 +20126,343 @@
           <a:chExt cx="0" cy="0"/>
         </a:xfrm>
       </p:grpSpPr>
-      <p:pic>
-        <p:nvPicPr>
-          <p:cNvPr id="12" name="Segnaposto immagine 11" title="Grattacieli">
-            <a:extLst>
-              <a:ext uri="{FF2B5EF4-FFF2-40B4-BE49-F238E27FC236}">
-                <a16:creationId xmlns:a16="http://schemas.microsoft.com/office/drawing/2014/main" id="{6B070BD8-8610-4F64-A93A-41F46C39ECA6}"/>
-              </a:ext>
-            </a:extLst>
-          </p:cNvPr>
-          <p:cNvPicPr>
-            <a:picLocks noGrp="1" noChangeAspect="1"/>
-          </p:cNvPicPr>
-          <p:nvPr>
-            <p:ph type="pic" sz="quarter" idx="13"/>
-          </p:nvPr>
-        </p:nvPicPr>
-        <p:blipFill>
-          <a:blip r:embed="rId3"/>
-          <a:srcRect t="9408" b="9408"/>
-          <a:stretch>
-            <a:fillRect/>
-          </a:stretch>
-        </p:blipFill>
-        <p:spPr/>
-      </p:pic>
-      <p:sp>
-        <p:nvSpPr>
-          <p:cNvPr id="11" name="Titolo 10">
-            <a:extLst>
-              <a:ext uri="{FF2B5EF4-FFF2-40B4-BE49-F238E27FC236}">
-                <a16:creationId xmlns:a16="http://schemas.microsoft.com/office/drawing/2014/main" id="{69D4BCF2-C773-495F-A4D5-860FB6A2FA91}"/>
-              </a:ext>
-            </a:extLst>
-          </p:cNvPr>
-          <p:cNvSpPr>
-            <a:spLocks noGrp="1"/>
-          </p:cNvSpPr>
-          <p:nvPr>
-            <p:ph type="title"/>
-          </p:nvPr>
-        </p:nvSpPr>
-        <p:spPr/>
-        <p:txBody>
-          <a:bodyPr rtlCol="0"/>
-          <a:lstStyle/>
-          <a:p>
-            <a:pPr rtl="0"/>
+      <p:sp>
+        <p:nvSpPr>
+          <p:cNvPr id="7" name="Segnaposto contenuto 6">
+            <a:extLst>
+              <a:ext uri="{FF2B5EF4-FFF2-40B4-BE49-F238E27FC236}">
+                <a16:creationId xmlns:a16="http://schemas.microsoft.com/office/drawing/2014/main" id="{2482DBEC-EE72-4155-ACC5-87E80C5606A9}"/>
+              </a:ext>
+            </a:extLst>
+          </p:cNvPr>
+          <p:cNvSpPr>
+            <a:spLocks noGrp="1"/>
+          </p:cNvSpPr>
+          <p:nvPr>
+            <p:ph idx="1"/>
+          </p:nvPr>
+        </p:nvSpPr>
+        <p:spPr>
+          <a:xfrm>
+            <a:off x="531378" y="1824461"/>
+            <a:ext cx="11512985" cy="2958275"/>
+          </a:xfrm>
+        </p:spPr>
+        <p:txBody>
+          <a:bodyPr rtlCol="0">
+            <a:normAutofit lnSpcReduction="10000"/>
+          </a:bodyPr>
+          <a:lstStyle/>
+          <a:p>
+            <a:pPr marL="0" indent="0">
+              <a:buNone/>
+            </a:pPr>
             <a:r>
               <a:rPr lang="it-IT" dirty="0">
                 <a:solidFill>
-                  <a:schemeClr val="tx1"/>
+                  <a:schemeClr val="accent2">
+                    <a:lumMod val="50000"/>
+                  </a:schemeClr>
                 </a:solidFill>
               </a:rPr>
-              <a:t>Indice</a:t>
-            </a:r>
-            <a:endParaRPr lang="it-IT" b="0" dirty="0">
-              <a:solidFill>
-                <a:schemeClr val="tx1"/>
-              </a:solidFill>
-              <a:latin typeface="Calibri Light" panose="020F0302020204030204" pitchFamily="34" charset="0"/>
-              <a:cs typeface="Calibri Light" panose="020F0302020204030204" pitchFamily="34" charset="0"/>
-            </a:endParaRPr>
+              <a:t>GRASP </a:t>
+            </a:r>
+            <a:r>
+              <a:rPr lang="it-IT" dirty="0" err="1">
+                <a:solidFill>
+                  <a:schemeClr val="accent2">
+                    <a:lumMod val="50000"/>
+                  </a:schemeClr>
+                </a:solidFill>
+              </a:rPr>
+              <a:t>Polomorfismo</a:t>
+            </a:r>
+            <a:r>
+              <a:rPr lang="it-IT" dirty="0">
+                <a:solidFill>
+                  <a:schemeClr val="accent2">
+                    <a:lumMod val="50000"/>
+                  </a:schemeClr>
+                </a:solidFill>
+              </a:rPr>
+              <a:t>									3-7</a:t>
+            </a:r>
+          </a:p>
+          <a:p>
+            <a:pPr marL="0" indent="0">
+              <a:buNone/>
+            </a:pPr>
+            <a:r>
+              <a:rPr lang="it-IT" dirty="0">
+                <a:solidFill>
+                  <a:schemeClr val="accent2">
+                    <a:lumMod val="50000"/>
+                  </a:schemeClr>
+                </a:solidFill>
+              </a:rPr>
+              <a:t>GRASP Legge di Demetra								8-11</a:t>
+            </a:r>
+          </a:p>
+          <a:p>
+            <a:pPr marL="0" indent="0">
+              <a:buNone/>
+            </a:pPr>
+            <a:r>
+              <a:rPr lang="it-IT" dirty="0">
+                <a:solidFill>
+                  <a:schemeClr val="accent6">
+                    <a:lumMod val="75000"/>
+                  </a:schemeClr>
+                </a:solidFill>
+              </a:rPr>
+              <a:t>SOLID Principio di sostituzione di </a:t>
+            </a:r>
+            <a:r>
+              <a:rPr lang="it-IT" dirty="0" err="1">
+                <a:solidFill>
+                  <a:schemeClr val="accent6">
+                    <a:lumMod val="75000"/>
+                  </a:schemeClr>
+                </a:solidFill>
+              </a:rPr>
+              <a:t>Liskov</a:t>
+            </a:r>
+            <a:r>
+              <a:rPr lang="it-IT" dirty="0">
+                <a:solidFill>
+                  <a:schemeClr val="accent6">
+                    <a:lumMod val="75000"/>
+                  </a:schemeClr>
+                </a:solidFill>
+              </a:rPr>
+              <a:t>						12-15</a:t>
+            </a:r>
+          </a:p>
+          <a:p>
+            <a:pPr marL="0" indent="0">
+              <a:buNone/>
+            </a:pPr>
+            <a:r>
+              <a:rPr lang="it-IT" dirty="0">
+                <a:solidFill>
+                  <a:schemeClr val="accent6">
+                    <a:lumMod val="75000"/>
+                  </a:schemeClr>
+                </a:solidFill>
+              </a:rPr>
+              <a:t>SOLID </a:t>
+            </a:r>
+            <a:r>
+              <a:rPr lang="it-IT" dirty="0" err="1">
+                <a:solidFill>
+                  <a:schemeClr val="accent6">
+                    <a:lumMod val="75000"/>
+                  </a:schemeClr>
+                </a:solidFill>
+              </a:rPr>
+              <a:t>Dependency</a:t>
+            </a:r>
+            <a:r>
+              <a:rPr lang="it-IT" dirty="0">
+                <a:solidFill>
+                  <a:schemeClr val="accent6">
+                    <a:lumMod val="75000"/>
+                  </a:schemeClr>
+                </a:solidFill>
+              </a:rPr>
+              <a:t> </a:t>
+            </a:r>
+            <a:r>
+              <a:rPr lang="it-IT" dirty="0" err="1">
+                <a:solidFill>
+                  <a:schemeClr val="accent6">
+                    <a:lumMod val="75000"/>
+                  </a:schemeClr>
+                </a:solidFill>
+              </a:rPr>
+              <a:t>Inversion</a:t>
+            </a:r>
+            <a:r>
+              <a:rPr lang="it-IT" dirty="0">
+                <a:solidFill>
+                  <a:schemeClr val="accent6">
+                    <a:lumMod val="75000"/>
+                  </a:schemeClr>
+                </a:solidFill>
+              </a:rPr>
+              <a:t> </a:t>
+            </a:r>
+            <a:r>
+              <a:rPr lang="it-IT" dirty="0" err="1">
+                <a:solidFill>
+                  <a:schemeClr val="accent6">
+                    <a:lumMod val="75000"/>
+                  </a:schemeClr>
+                </a:solidFill>
+              </a:rPr>
+              <a:t>Principle</a:t>
+            </a:r>
+            <a:r>
+              <a:rPr lang="it-IT" dirty="0">
+                <a:solidFill>
+                  <a:schemeClr val="accent6">
+                    <a:lumMod val="75000"/>
+                  </a:schemeClr>
+                </a:solidFill>
+              </a:rPr>
+              <a:t> (DIP)						16-18</a:t>
+            </a:r>
+          </a:p>
+          <a:p>
+            <a:pPr marL="0" indent="0">
+              <a:buNone/>
+            </a:pPr>
+            <a:r>
+              <a:rPr lang="it-IT" dirty="0">
+                <a:solidFill>
+                  <a:schemeClr val="accent4">
+                    <a:lumMod val="50000"/>
+                  </a:schemeClr>
+                </a:solidFill>
+              </a:rPr>
+              <a:t>GoF State										19-21</a:t>
+            </a:r>
+          </a:p>
+          <a:p>
+            <a:pPr marL="0" indent="0">
+              <a:buNone/>
+            </a:pPr>
+            <a:r>
+              <a:rPr lang="it-IT" dirty="0">
+                <a:solidFill>
+                  <a:schemeClr val="accent4">
+                    <a:lumMod val="50000"/>
+                  </a:schemeClr>
+                </a:solidFill>
+              </a:rPr>
+              <a:t>GoF Strategy										22-25</a:t>
+            </a:r>
+          </a:p>
+          <a:p>
+            <a:pPr marL="0" indent="0">
+              <a:buNone/>
+            </a:pPr>
+            <a:r>
+              <a:rPr lang="it-IT" dirty="0">
+                <a:solidFill>
+                  <a:srgbClr val="014B79"/>
+                </a:solidFill>
+              </a:rPr>
+              <a:t>Extract Method									26-28</a:t>
+            </a:r>
+          </a:p>
+          <a:p>
+            <a:pPr marL="0" indent="0">
+              <a:buNone/>
+            </a:pPr>
+            <a:endParaRPr lang="it-IT" dirty="0"/>
+          </a:p>
+        </p:txBody>
+      </p:sp>
+      <p:sp>
+        <p:nvSpPr>
+          <p:cNvPr id="4" name="Titolo 3">
+            <a:extLst>
+              <a:ext uri="{FF2B5EF4-FFF2-40B4-BE49-F238E27FC236}">
+                <a16:creationId xmlns:a16="http://schemas.microsoft.com/office/drawing/2014/main" id="{1ABE11BF-33A5-4653-A144-CCCBACF58C30}"/>
+              </a:ext>
+            </a:extLst>
+          </p:cNvPr>
+          <p:cNvSpPr>
+            <a:spLocks noGrp="1"/>
+          </p:cNvSpPr>
+          <p:nvPr>
+            <p:ph type="title"/>
+          </p:nvPr>
+        </p:nvSpPr>
+        <p:spPr>
+          <a:xfrm>
+            <a:off x="531378" y="0"/>
+            <a:ext cx="7342622" cy="1215566"/>
+          </a:xfrm>
+        </p:spPr>
+        <p:txBody>
+          <a:bodyPr rtlCol="0"/>
+          <a:lstStyle/>
+          <a:p>
+            <a:pPr rtl="0"/>
+            <a:r>
+              <a:rPr lang="it-IT" dirty="0"/>
+              <a:t>INDICE</a:t>
+            </a:r>
+            <a:endParaRPr lang="it-IT" b="0" dirty="0"/>
+          </a:p>
+        </p:txBody>
+      </p:sp>
+      <p:sp>
+        <p:nvSpPr>
+          <p:cNvPr id="11" name="Segnaposto piè di pagina 10">
+            <a:extLst>
+              <a:ext uri="{FF2B5EF4-FFF2-40B4-BE49-F238E27FC236}">
+                <a16:creationId xmlns:a16="http://schemas.microsoft.com/office/drawing/2014/main" id="{47F4D2C2-B71A-4089-A3FE-603C32706CA6}"/>
+              </a:ext>
+            </a:extLst>
+          </p:cNvPr>
+          <p:cNvSpPr>
+            <a:spLocks noGrp="1"/>
+          </p:cNvSpPr>
+          <p:nvPr>
+            <p:ph type="ftr" sz="quarter" idx="14"/>
+          </p:nvPr>
+        </p:nvSpPr>
+        <p:spPr/>
+        <p:txBody>
+          <a:bodyPr rtlCol="0"/>
+          <a:lstStyle/>
+          <a:p>
+            <a:pPr rtl="0"/>
+            <a:r>
+              <a:rPr lang="it-IT" dirty="0"/>
+              <a:t>Aggiungere un piè di pagina</a:t>
+            </a:r>
+          </a:p>
+        </p:txBody>
+      </p:sp>
+      <p:sp>
+        <p:nvSpPr>
+          <p:cNvPr id="12" name="Segnaposto numero diapositiva 11">
+            <a:extLst>
+              <a:ext uri="{FF2B5EF4-FFF2-40B4-BE49-F238E27FC236}">
+                <a16:creationId xmlns:a16="http://schemas.microsoft.com/office/drawing/2014/main" id="{FBA1BB58-7555-4382-B178-7ED04E137E77}"/>
+              </a:ext>
+            </a:extLst>
+          </p:cNvPr>
+          <p:cNvSpPr>
+            <a:spLocks noGrp="1"/>
+          </p:cNvSpPr>
+          <p:nvPr>
+            <p:ph type="sldNum" sz="quarter" idx="15"/>
+          </p:nvPr>
+        </p:nvSpPr>
+        <p:spPr/>
+        <p:txBody>
+          <a:bodyPr rtlCol="0"/>
+          <a:lstStyle/>
+          <a:p>
+            <a:pPr rtl="0"/>
+            <a:fld id="{8699F50C-BE38-4BD0-BA84-9B090E1F2B9B}" type="slidenum">
+              <a:rPr lang="it-IT" smtClean="0"/>
+              <a:pPr rtl="0"/>
+              <a:t>2</a:t>
+            </a:fld>
+            <a:endParaRPr lang="it-IT" dirty="0"/>
           </a:p>
         </p:txBody>
       </p:sp>
     </p:spTree>
     <p:extLst>
       <p:ext uri="{BB962C8B-B14F-4D97-AF65-F5344CB8AC3E}">
-        <p14:creationId xmlns:p14="http://schemas.microsoft.com/office/powerpoint/2010/main" val="2009224050"/>
+        <p14:creationId xmlns:p14="http://schemas.microsoft.com/office/powerpoint/2010/main" val="2240752182"/>
       </p:ext>
     </p:extLst>
   </p:cSld>
@@ -20926,7 +20540,12 @@
             <p:ph type="body" sz="quarter" idx="13"/>
           </p:nvPr>
         </p:nvSpPr>
-        <p:spPr/>
+        <p:spPr>
+          <a:xfrm>
+            <a:off x="531369" y="1215566"/>
+            <a:ext cx="7342631" cy="608895"/>
+          </a:xfrm>
+        </p:spPr>
         <p:txBody>
           <a:bodyPr rtlCol="0"/>
           <a:lstStyle/>
@@ -20955,7 +20574,12 @@
             <p:ph type="title"/>
           </p:nvPr>
         </p:nvSpPr>
-        <p:spPr/>
+        <p:spPr>
+          <a:xfrm>
+            <a:off x="531378" y="0"/>
+            <a:ext cx="7342622" cy="1215566"/>
+          </a:xfrm>
+        </p:spPr>
         <p:txBody>
           <a:bodyPr rtlCol="0">
             <a:normAutofit/>
@@ -21050,7 +20674,7 @@
         </p:blipFill>
         <p:spPr>
           <a:xfrm>
-            <a:off x="0" y="2840475"/>
+            <a:off x="0" y="2431132"/>
             <a:ext cx="12192000" cy="3536403"/>
           </a:xfrm>
           <a:prstGeom prst="rect">
@@ -21074,11 +20698,6 @@
 <file path=ppt/slides/slide21.xml><?xml version="1.0" encoding="utf-8"?>
 <p:sld xmlns:a="http://schemas.openxmlformats.org/drawingml/2006/main" xmlns:r="http://schemas.openxmlformats.org/officeDocument/2006/relationships" xmlns:p="http://schemas.openxmlformats.org/presentationml/2006/main" showMasterSp="0">
   <p:cSld>
-    <p:bg>
-      <p:bgRef idx="1001">
-        <a:schemeClr val="bg1"/>
-      </p:bgRef>
-    </p:bg>
     <p:spTree>
       <p:nvGrpSpPr>
         <p:cNvPr id="1" name=""/>
@@ -21111,7 +20730,7 @@
         </p:nvSpPr>
         <p:spPr>
           <a:xfrm>
-            <a:off x="518678" y="1714294"/>
+            <a:off x="527067" y="1965256"/>
             <a:ext cx="5475290" cy="781188"/>
           </a:xfrm>
         </p:spPr>
@@ -21145,7 +20764,7 @@
         </p:nvSpPr>
         <p:spPr>
           <a:xfrm>
-            <a:off x="569694" y="2462567"/>
+            <a:off x="570005" y="2746444"/>
             <a:ext cx="5475290" cy="3232149"/>
           </a:xfrm>
         </p:spPr>
@@ -21176,6 +20795,14 @@
               </a:buClr>
             </a:pPr>
             <a:r>
+              <a:rPr lang="it-IT" sz="2000" dirty="0">
+                <a:solidFill>
+                  <a:schemeClr val="tx1"/>
+                </a:solidFill>
+              </a:rPr>
+              <a:t>L’aggiunta di Stati non influisce sugli Stati già esistenti, garantendo </a:t>
+            </a:r>
+            <a:r>
               <a:rPr lang="it-IT" sz="2000" dirty="0" err="1">
                 <a:solidFill>
                   <a:schemeClr val="tx1"/>
@@ -21199,14 +20826,11 @@
               </a:rPr>
               <a:t>Variation</a:t>
             </a:r>
-            <a:r>
-              <a:rPr lang="it-IT" sz="2000" dirty="0">
-                <a:solidFill>
-                  <a:schemeClr val="tx1"/>
-                </a:solidFill>
-              </a:rPr>
-              <a:t> fornita rispetto all’aggiunta di stati</a:t>
-            </a:r>
+            <a:endParaRPr lang="it-IT" sz="2000" dirty="0">
+              <a:solidFill>
+                <a:schemeClr val="tx1"/>
+              </a:solidFill>
+            </a:endParaRPr>
           </a:p>
           <a:p>
             <a:pPr rtl="0">
@@ -21258,7 +20882,7 @@
         </p:nvSpPr>
         <p:spPr>
           <a:xfrm>
-            <a:off x="6096000" y="1681379"/>
+            <a:off x="6103769" y="1965256"/>
             <a:ext cx="5475600" cy="781188"/>
           </a:xfrm>
         </p:spPr>
@@ -21292,7 +20916,7 @@
         </p:nvSpPr>
         <p:spPr>
           <a:xfrm>
-            <a:off x="6146706" y="2495482"/>
+            <a:off x="6146707" y="2746443"/>
             <a:ext cx="5475600" cy="3232149"/>
           </a:xfrm>
         </p:spPr>
@@ -21332,7 +20956,12 @@
             <p:ph type="body" sz="quarter" idx="16"/>
           </p:nvPr>
         </p:nvSpPr>
-        <p:spPr/>
+        <p:spPr>
+          <a:xfrm>
+            <a:off x="527067" y="1215081"/>
+            <a:ext cx="7368596" cy="608895"/>
+          </a:xfrm>
+        </p:spPr>
         <p:txBody>
           <a:bodyPr rtlCol="0">
             <a:normAutofit/>
@@ -21347,25 +20976,8 @@
                   </a:schemeClr>
                 </a:solidFill>
               </a:rPr>
-              <a:t>Pattern </a:t>
-            </a:r>
-            <a:r>
-              <a:rPr lang="it-IT" dirty="0" err="1">
-                <a:solidFill>
-                  <a:schemeClr val="bg2">
-                    <a:lumMod val="50000"/>
-                  </a:schemeClr>
-                </a:solidFill>
-              </a:rPr>
-              <a:t>Gof</a:t>
-            </a:r>
-            <a:endParaRPr lang="it-IT" dirty="0">
-              <a:solidFill>
-                <a:schemeClr val="bg2">
-                  <a:lumMod val="50000"/>
-                </a:schemeClr>
-              </a:solidFill>
-            </a:endParaRPr>
+              <a:t>Pattern GoF</a:t>
+            </a:r>
           </a:p>
         </p:txBody>
       </p:sp>
@@ -21467,7 +21079,12 @@
             <p:ph type="title"/>
           </p:nvPr>
         </p:nvSpPr>
-        <p:spPr/>
+        <p:spPr>
+          <a:xfrm>
+            <a:off x="535456" y="25167"/>
+            <a:ext cx="8333222" cy="1147969"/>
+          </a:xfrm>
+        </p:spPr>
         <p:txBody>
           <a:bodyPr rtlCol="0"/>
           <a:lstStyle/>
@@ -21532,7 +21149,7 @@
         </p:nvSpPr>
         <p:spPr>
           <a:xfrm>
-            <a:off x="531378" y="3129540"/>
+            <a:off x="531378" y="3040027"/>
             <a:ext cx="10307198" cy="2958275"/>
           </a:xfrm>
         </p:spPr>
@@ -21609,7 +21226,12 @@
             <p:ph type="body" sz="quarter" idx="13"/>
           </p:nvPr>
         </p:nvSpPr>
-        <p:spPr/>
+        <p:spPr>
+          <a:xfrm>
+            <a:off x="531378" y="1215566"/>
+            <a:ext cx="7342631" cy="608895"/>
+          </a:xfrm>
+        </p:spPr>
         <p:txBody>
           <a:bodyPr rtlCol="0"/>
           <a:lstStyle/>
@@ -21638,7 +21260,12 @@
             <p:ph type="title"/>
           </p:nvPr>
         </p:nvSpPr>
-        <p:spPr/>
+        <p:spPr>
+          <a:xfrm>
+            <a:off x="531378" y="0"/>
+            <a:ext cx="7342622" cy="1215566"/>
+          </a:xfrm>
+        </p:spPr>
         <p:txBody>
           <a:bodyPr rtlCol="0">
             <a:normAutofit/>
@@ -21760,7 +21387,7 @@
         </p:nvSpPr>
         <p:spPr>
           <a:xfrm>
-            <a:off x="531378" y="3129540"/>
+            <a:off x="531378" y="3040027"/>
             <a:ext cx="10307198" cy="2958275"/>
           </a:xfrm>
         </p:spPr>
@@ -21824,7 +21451,12 @@
             <p:ph type="body" sz="quarter" idx="13"/>
           </p:nvPr>
         </p:nvSpPr>
-        <p:spPr/>
+        <p:spPr>
+          <a:xfrm>
+            <a:off x="531378" y="1215566"/>
+            <a:ext cx="7342631" cy="608895"/>
+          </a:xfrm>
+        </p:spPr>
         <p:txBody>
           <a:bodyPr rtlCol="0"/>
           <a:lstStyle/>
@@ -21853,7 +21485,12 @@
             <p:ph type="title"/>
           </p:nvPr>
         </p:nvSpPr>
-        <p:spPr/>
+        <p:spPr>
+          <a:xfrm>
+            <a:off x="531378" y="0"/>
+            <a:ext cx="7342622" cy="1215566"/>
+          </a:xfrm>
+        </p:spPr>
         <p:txBody>
           <a:bodyPr rtlCol="0">
             <a:normAutofit/>
@@ -22008,7 +21645,12 @@
             <p:ph type="body" sz="quarter" idx="13"/>
           </p:nvPr>
         </p:nvSpPr>
-        <p:spPr/>
+        <p:spPr>
+          <a:xfrm>
+            <a:off x="531378" y="1215566"/>
+            <a:ext cx="7342631" cy="608895"/>
+          </a:xfrm>
+        </p:spPr>
         <p:txBody>
           <a:bodyPr rtlCol="0"/>
           <a:lstStyle/>
@@ -22037,7 +21679,12 @@
             <p:ph type="title"/>
           </p:nvPr>
         </p:nvSpPr>
-        <p:spPr/>
+        <p:spPr>
+          <a:xfrm>
+            <a:off x="531378" y="0"/>
+            <a:ext cx="7342622" cy="1215566"/>
+          </a:xfrm>
+        </p:spPr>
         <p:txBody>
           <a:bodyPr rtlCol="0">
             <a:normAutofit/>
@@ -22157,11 +21804,6 @@
 <file path=ppt/slides/slide25.xml><?xml version="1.0" encoding="utf-8"?>
 <p:sld xmlns:a="http://schemas.openxmlformats.org/drawingml/2006/main" xmlns:r="http://schemas.openxmlformats.org/officeDocument/2006/relationships" xmlns:p="http://schemas.openxmlformats.org/presentationml/2006/main" showMasterSp="0">
   <p:cSld>
-    <p:bg>
-      <p:bgRef idx="1001">
-        <a:schemeClr val="bg1"/>
-      </p:bgRef>
-    </p:bg>
     <p:spTree>
       <p:nvGrpSpPr>
         <p:cNvPr id="1" name=""/>
@@ -22194,7 +21836,7 @@
         </p:nvSpPr>
         <p:spPr>
           <a:xfrm>
-            <a:off x="518678" y="1714294"/>
+            <a:off x="527067" y="1965256"/>
             <a:ext cx="5475290" cy="781188"/>
           </a:xfrm>
         </p:spPr>
@@ -22228,7 +21870,7 @@
         </p:nvSpPr>
         <p:spPr>
           <a:xfrm>
-            <a:off x="569694" y="2462567"/>
+            <a:off x="569694" y="2746444"/>
             <a:ext cx="5475290" cy="3232149"/>
           </a:xfrm>
         </p:spPr>
@@ -22264,23 +21906,22 @@
                   <a:schemeClr val="tx1"/>
                 </a:solidFill>
               </a:rPr>
-              <a:t>Pattern </a:t>
-            </a:r>
-            <a:r>
-              <a:rPr lang="it-IT" sz="2000" dirty="0" err="1">
-                <a:solidFill>
-                  <a:schemeClr val="tx1"/>
-                </a:solidFill>
-              </a:rPr>
-              <a:t>Context</a:t>
-            </a:r>
+              <a:t>Permette di modificare l’algoritmo dinamicamente</a:t>
+            </a:r>
+          </a:p>
+          <a:p>
+            <a:pPr rtl="0">
+              <a:buClr>
+                <a:schemeClr val="accent2"/>
+              </a:buClr>
+            </a:pPr>
             <a:r>
               <a:rPr lang="it-IT" sz="2000" dirty="0">
                 <a:solidFill>
                   <a:schemeClr val="tx1"/>
                 </a:solidFill>
               </a:rPr>
-              <a:t> semplice da capire e manutenere</a:t>
+              <a:t>Facilmente estendibile</a:t>
             </a:r>
           </a:p>
           <a:p>
@@ -22295,7 +21936,7 @@
                   <a:schemeClr val="tx1"/>
                 </a:solidFill>
               </a:rPr>
-              <a:t>Permette di modificare l’algoritmo dinamicamente</a:t>
+              <a:t>Elimina l’utilizzo di costrutti condizionali</a:t>
             </a:r>
           </a:p>
         </p:txBody>
@@ -22318,7 +21959,7 @@
         </p:nvSpPr>
         <p:spPr>
           <a:xfrm>
-            <a:off x="6096000" y="1681379"/>
+            <a:off x="6122489" y="1965256"/>
             <a:ext cx="5475600" cy="781188"/>
           </a:xfrm>
         </p:spPr>
@@ -22352,7 +21993,7 @@
         </p:nvSpPr>
         <p:spPr>
           <a:xfrm>
-            <a:off x="6146706" y="2495482"/>
+            <a:off x="6147018" y="2746444"/>
             <a:ext cx="5475600" cy="3232149"/>
           </a:xfrm>
         </p:spPr>
@@ -22373,10 +22014,6 @@
               </a:rPr>
               <a:t>Il numero delle classi è aumentata (una per ogni comando)</a:t>
             </a:r>
-            <a:r>
-              <a:rPr lang="it-IT" sz="2000" dirty="0"/>
-              <a:t>St</a:t>
-            </a:r>
           </a:p>
           <a:p>
             <a:pPr>
@@ -22390,45 +22027,8 @@
                   <a:schemeClr val="tx1"/>
                 </a:solidFill>
               </a:rPr>
-              <a:t>Collaborazione tra Strategy e </a:t>
-            </a:r>
-            <a:r>
-              <a:rPr lang="it-IT" sz="2000" dirty="0" err="1">
-                <a:solidFill>
-                  <a:schemeClr val="tx1"/>
-                </a:solidFill>
-              </a:rPr>
-              <a:t>Context</a:t>
-            </a:r>
-            <a:r>
-              <a:rPr lang="it-IT" sz="2000" dirty="0">
-                <a:solidFill>
-                  <a:schemeClr val="tx1"/>
-                </a:solidFill>
-              </a:rPr>
-              <a:t> può essere dispendiosa</a:t>
-            </a:r>
-          </a:p>
-          <a:p>
-            <a:pPr marL="0" indent="0">
-              <a:buClr>
-                <a:schemeClr val="accent2"/>
-              </a:buClr>
-              <a:buNone/>
-            </a:pPr>
-            <a:r>
-              <a:rPr lang="it-IT" sz="2000" dirty="0" err="1"/>
-              <a:t>rategy</a:t>
-            </a:r>
-            <a:r>
-              <a:rPr lang="it-IT" sz="2000" dirty="0"/>
-              <a:t> disponibili</a:t>
-            </a:r>
-            <a:endParaRPr lang="it-IT" sz="2000" dirty="0">
-              <a:solidFill>
-                <a:schemeClr val="tx1"/>
-              </a:solidFill>
-            </a:endParaRPr>
+              <a:t>Il Client “deve” conoscere le diverse Strategy disponibili </a:t>
+            </a:r>
           </a:p>
         </p:txBody>
       </p:sp>
@@ -22448,7 +22048,12 @@
             <p:ph type="body" sz="quarter" idx="16"/>
           </p:nvPr>
         </p:nvSpPr>
-        <p:spPr/>
+        <p:spPr>
+          <a:xfrm>
+            <a:off x="527067" y="1213237"/>
+            <a:ext cx="7368596" cy="608895"/>
+          </a:xfrm>
+        </p:spPr>
         <p:txBody>
           <a:bodyPr rtlCol="0">
             <a:normAutofit/>
@@ -22463,25 +22068,8 @@
                   </a:schemeClr>
                 </a:solidFill>
               </a:rPr>
-              <a:t>Pattern </a:t>
-            </a:r>
-            <a:r>
-              <a:rPr lang="it-IT" dirty="0" err="1">
-                <a:solidFill>
-                  <a:schemeClr val="bg2">
-                    <a:lumMod val="50000"/>
-                  </a:schemeClr>
-                </a:solidFill>
-              </a:rPr>
-              <a:t>Gof</a:t>
-            </a:r>
-            <a:endParaRPr lang="it-IT" dirty="0">
-              <a:solidFill>
-                <a:schemeClr val="bg2">
-                  <a:lumMod val="50000"/>
-                </a:schemeClr>
-              </a:solidFill>
-            </a:endParaRPr>
+              <a:t>Pattern GoF</a:t>
+            </a:r>
           </a:p>
         </p:txBody>
       </p:sp>
@@ -22583,7 +22171,12 @@
             <p:ph type="title"/>
           </p:nvPr>
         </p:nvSpPr>
-        <p:spPr/>
+        <p:spPr>
+          <a:xfrm>
+            <a:off x="527067" y="23964"/>
+            <a:ext cx="8333222" cy="1147969"/>
+          </a:xfrm>
+        </p:spPr>
         <p:txBody>
           <a:bodyPr rtlCol="0"/>
           <a:lstStyle/>
@@ -22648,7 +22241,7 @@
         </p:nvSpPr>
         <p:spPr>
           <a:xfrm>
-            <a:off x="531378" y="3129540"/>
+            <a:off x="531378" y="2515022"/>
             <a:ext cx="10307198" cy="2958275"/>
           </a:xfrm>
         </p:spPr>
@@ -22722,7 +22315,7 @@
         </p:nvSpPr>
         <p:spPr>
           <a:xfrm>
-            <a:off x="531378" y="1279816"/>
+            <a:off x="531378" y="1215566"/>
             <a:ext cx="7342631" cy="608895"/>
           </a:xfrm>
         </p:spPr>
@@ -22732,10 +22325,9 @@
           <a:p>
             <a:pPr rtl="0"/>
             <a:r>
-              <a:rPr lang="it-IT" dirty="0" err="1"/>
+              <a:rPr lang="it-IT" dirty="0"/>
               <a:t>Refactoring</a:t>
             </a:r>
-            <a:endParaRPr lang="it-IT" dirty="0"/>
           </a:p>
         </p:txBody>
       </p:sp>
@@ -22757,7 +22349,7 @@
         </p:nvSpPr>
         <p:spPr>
           <a:xfrm>
-            <a:off x="531378" y="158886"/>
+            <a:off x="531378" y="0"/>
             <a:ext cx="7342622" cy="1215566"/>
           </a:xfrm>
         </p:spPr>
@@ -22768,12 +22360,8 @@
           <a:lstStyle/>
           <a:p>
             <a:r>
-              <a:rPr lang="it-IT" dirty="0" err="1"/>
-              <a:t>Extract</a:t>
-            </a:r>
-            <a:r>
               <a:rPr lang="it-IT" dirty="0"/>
-              <a:t> Method</a:t>
+              <a:t>Extract Method</a:t>
             </a:r>
           </a:p>
         </p:txBody>
@@ -22948,7 +22536,7 @@
         </p:nvSpPr>
         <p:spPr>
           <a:xfrm>
-            <a:off x="531378" y="1292250"/>
+            <a:off x="531369" y="1215566"/>
             <a:ext cx="7342631" cy="608895"/>
           </a:xfrm>
         </p:spPr>
@@ -22958,10 +22546,9 @@
           <a:p>
             <a:pPr rtl="0"/>
             <a:r>
-              <a:rPr lang="it-IT" dirty="0" err="1"/>
+              <a:rPr lang="it-IT" dirty="0"/>
               <a:t>Refactoring</a:t>
             </a:r>
-            <a:endParaRPr lang="it-IT" dirty="0"/>
           </a:p>
         </p:txBody>
       </p:sp>
@@ -22983,7 +22570,7 @@
         </p:nvSpPr>
         <p:spPr>
           <a:xfrm>
-            <a:off x="531378" y="162401"/>
+            <a:off x="531378" y="0"/>
             <a:ext cx="7342622" cy="1215566"/>
           </a:xfrm>
         </p:spPr>
@@ -22994,12 +22581,8 @@
           <a:lstStyle/>
           <a:p>
             <a:r>
-              <a:rPr lang="it-IT" dirty="0" err="1"/>
-              <a:t>Extract</a:t>
-            </a:r>
-            <a:r>
               <a:rPr lang="it-IT" dirty="0"/>
-              <a:t> Method</a:t>
+              <a:t>Extract Method</a:t>
             </a:r>
           </a:p>
         </p:txBody>
@@ -23080,11 +22663,6 @@
 <file path=ppt/slides/slide28.xml><?xml version="1.0" encoding="utf-8"?>
 <p:sld xmlns:a="http://schemas.openxmlformats.org/drawingml/2006/main" xmlns:r="http://schemas.openxmlformats.org/officeDocument/2006/relationships" xmlns:p="http://schemas.openxmlformats.org/presentationml/2006/main" showMasterSp="0">
   <p:cSld>
-    <p:bg>
-      <p:bgRef idx="1001">
-        <a:schemeClr val="bg1"/>
-      </p:bgRef>
-    </p:bg>
     <p:spTree>
       <p:nvGrpSpPr>
         <p:cNvPr id="1" name=""/>
@@ -23117,7 +22695,7 @@
         </p:nvSpPr>
         <p:spPr>
           <a:xfrm>
-            <a:off x="518678" y="1714294"/>
+            <a:off x="518678" y="2049383"/>
             <a:ext cx="5475290" cy="781188"/>
           </a:xfrm>
         </p:spPr>
@@ -23151,7 +22729,7 @@
         </p:nvSpPr>
         <p:spPr>
           <a:xfrm>
-            <a:off x="569694" y="2462567"/>
+            <a:off x="518678" y="2830571"/>
             <a:ext cx="10705110" cy="3232149"/>
           </a:xfrm>
         </p:spPr>
@@ -23219,49 +22797,6 @@
               </a:rPr>
               <a:t>Codice può essere riutilizzato in altre parti</a:t>
             </a:r>
-          </a:p>
-        </p:txBody>
-      </p:sp>
-      <p:sp>
-        <p:nvSpPr>
-          <p:cNvPr id="19" name="Segnaposto testo 18">
-            <a:extLst>
-              <a:ext uri="{FF2B5EF4-FFF2-40B4-BE49-F238E27FC236}">
-                <a16:creationId xmlns:a16="http://schemas.microsoft.com/office/drawing/2014/main" id="{DFE11F38-F66B-4F95-8224-6CCA69D57617}"/>
-              </a:ext>
-            </a:extLst>
-          </p:cNvPr>
-          <p:cNvSpPr>
-            <a:spLocks noGrp="1"/>
-          </p:cNvSpPr>
-          <p:nvPr>
-            <p:ph type="body" sz="quarter" idx="16"/>
-          </p:nvPr>
-        </p:nvSpPr>
-        <p:spPr/>
-        <p:txBody>
-          <a:bodyPr rtlCol="0">
-            <a:normAutofit/>
-          </a:bodyPr>
-          <a:lstStyle/>
-          <a:p>
-            <a:r>
-              <a:rPr lang="it-IT" dirty="0" err="1">
-                <a:solidFill>
-                  <a:schemeClr val="bg2">
-                    <a:lumMod val="50000"/>
-                  </a:schemeClr>
-                </a:solidFill>
-              </a:rPr>
-              <a:t>Refactoring</a:t>
-            </a:r>
-            <a:endParaRPr lang="it-IT" dirty="0">
-              <a:solidFill>
-                <a:schemeClr val="bg2">
-                  <a:lumMod val="50000"/>
-                </a:schemeClr>
-              </a:solidFill>
-            </a:endParaRPr>
           </a:p>
         </p:txBody>
       </p:sp>
@@ -23363,27 +22898,232 @@
             <p:ph type="title"/>
           </p:nvPr>
         </p:nvSpPr>
-        <p:spPr/>
+        <p:spPr>
+          <a:xfrm>
+            <a:off x="518678" y="0"/>
+            <a:ext cx="8333222" cy="1147969"/>
+          </a:xfrm>
+        </p:spPr>
         <p:txBody>
           <a:bodyPr rtlCol="0"/>
           <a:lstStyle/>
           <a:p>
             <a:pPr rtl="0"/>
-            <a:r>
-              <a:rPr lang="it-IT" dirty="0" err="1">
-                <a:solidFill>
-                  <a:schemeClr val="accent1"/>
-                </a:solidFill>
-              </a:rPr>
-              <a:t>Extract</a:t>
-            </a:r>
             <a:r>
               <a:rPr lang="it-IT" dirty="0">
                 <a:solidFill>
                   <a:schemeClr val="accent1"/>
                 </a:solidFill>
               </a:rPr>
-              <a:t> Method</a:t>
+              <a:t>Extract Method</a:t>
+            </a:r>
+          </a:p>
+        </p:txBody>
+      </p:sp>
+      <p:sp>
+        <p:nvSpPr>
+          <p:cNvPr id="10" name="Segnaposto testo 8">
+            <a:extLst>
+              <a:ext uri="{FF2B5EF4-FFF2-40B4-BE49-F238E27FC236}">
+                <a16:creationId xmlns:a16="http://schemas.microsoft.com/office/drawing/2014/main" id="{A9C476F7-5159-4B5E-AC29-43C9287B70F4}"/>
+              </a:ext>
+            </a:extLst>
+          </p:cNvPr>
+          <p:cNvSpPr txBox="1">
+            <a:spLocks/>
+          </p:cNvSpPr>
+          <p:nvPr/>
+        </p:nvSpPr>
+        <p:spPr>
+          <a:xfrm>
+            <a:off x="518678" y="1196372"/>
+            <a:ext cx="7342631" cy="608895"/>
+          </a:xfrm>
+          <a:prstGeom prst="rect">
+            <a:avLst/>
+          </a:prstGeom>
+        </p:spPr>
+        <p:txBody>
+          <a:bodyPr vert="horz" lIns="91440" tIns="45720" rIns="91440" bIns="45720" rtlCol="0">
+            <a:normAutofit/>
+          </a:bodyPr>
+          <a:lstStyle>
+            <a:lvl1pPr marL="228600" indent="-228600" algn="l" defTabSz="914400" rtl="0" eaLnBrk="1" latinLnBrk="0" hangingPunct="1">
+              <a:lnSpc>
+                <a:spcPct val="90000"/>
+              </a:lnSpc>
+              <a:spcBef>
+                <a:spcPts val="1000"/>
+              </a:spcBef>
+              <a:buFont typeface="Arial" panose="020B0604020202020204" pitchFamily="34" charset="0"/>
+              <a:buChar char="•"/>
+              <a:defRPr lang="en-US" sz="2800" kern="1200" dirty="0">
+                <a:solidFill>
+                  <a:schemeClr val="bg1"/>
+                </a:solidFill>
+                <a:latin typeface="+mn-lt"/>
+                <a:ea typeface="+mn-ea"/>
+                <a:cs typeface="+mn-cs"/>
+              </a:defRPr>
+            </a:lvl1pPr>
+            <a:lvl2pPr marL="685800" indent="-228600" algn="l" defTabSz="914400" rtl="0" eaLnBrk="1" latinLnBrk="0" hangingPunct="1">
+              <a:lnSpc>
+                <a:spcPct val="90000"/>
+              </a:lnSpc>
+              <a:spcBef>
+                <a:spcPts val="500"/>
+              </a:spcBef>
+              <a:buFont typeface="Arial" panose="020B0604020202020204" pitchFamily="34" charset="0"/>
+              <a:buChar char="•"/>
+              <a:defRPr lang="en-US" sz="2400" kern="1200" dirty="0">
+                <a:solidFill>
+                  <a:schemeClr val="bg1"/>
+                </a:solidFill>
+                <a:latin typeface="+mn-lt"/>
+                <a:ea typeface="+mn-ea"/>
+                <a:cs typeface="+mn-cs"/>
+              </a:defRPr>
+            </a:lvl2pPr>
+            <a:lvl3pPr marL="1143000" indent="-228600" algn="l" defTabSz="914400" rtl="0" eaLnBrk="1" latinLnBrk="0" hangingPunct="1">
+              <a:lnSpc>
+                <a:spcPct val="90000"/>
+              </a:lnSpc>
+              <a:spcBef>
+                <a:spcPts val="500"/>
+              </a:spcBef>
+              <a:buFont typeface="Arial" panose="020B0604020202020204" pitchFamily="34" charset="0"/>
+              <a:buChar char="•"/>
+              <a:defRPr lang="en-US" sz="2000" kern="1200" dirty="0">
+                <a:solidFill>
+                  <a:schemeClr val="bg1"/>
+                </a:solidFill>
+                <a:latin typeface="+mn-lt"/>
+                <a:ea typeface="+mn-ea"/>
+                <a:cs typeface="+mn-cs"/>
+              </a:defRPr>
+            </a:lvl3pPr>
+            <a:lvl4pPr marL="1600200" indent="-228600" algn="l" defTabSz="914400" rtl="0" eaLnBrk="1" latinLnBrk="0" hangingPunct="1">
+              <a:lnSpc>
+                <a:spcPct val="90000"/>
+              </a:lnSpc>
+              <a:spcBef>
+                <a:spcPts val="500"/>
+              </a:spcBef>
+              <a:buFont typeface="Arial" panose="020B0604020202020204" pitchFamily="34" charset="0"/>
+              <a:buChar char="•"/>
+              <a:defRPr lang="en-US" sz="1800" kern="1200" dirty="0">
+                <a:solidFill>
+                  <a:schemeClr val="bg1"/>
+                </a:solidFill>
+                <a:latin typeface="+mn-lt"/>
+                <a:ea typeface="+mn-ea"/>
+                <a:cs typeface="+mn-cs"/>
+              </a:defRPr>
+            </a:lvl4pPr>
+            <a:lvl5pPr marL="2057400" indent="-228600" algn="l" defTabSz="914400" rtl="0" eaLnBrk="1" latinLnBrk="0" hangingPunct="1">
+              <a:lnSpc>
+                <a:spcPct val="90000"/>
+              </a:lnSpc>
+              <a:spcBef>
+                <a:spcPts val="500"/>
+              </a:spcBef>
+              <a:buFont typeface="Arial" panose="020B0604020202020204" pitchFamily="34" charset="0"/>
+              <a:buChar char="•"/>
+              <a:defRPr lang="en-IN" sz="1800" kern="1200" dirty="0">
+                <a:solidFill>
+                  <a:schemeClr val="bg1"/>
+                </a:solidFill>
+                <a:latin typeface="+mn-lt"/>
+                <a:ea typeface="+mn-ea"/>
+                <a:cs typeface="+mn-cs"/>
+              </a:defRPr>
+            </a:lvl5pPr>
+            <a:lvl6pPr marL="2514600" indent="-228600" algn="l" defTabSz="914400" rtl="0" eaLnBrk="1" latinLnBrk="0" hangingPunct="1">
+              <a:lnSpc>
+                <a:spcPct val="90000"/>
+              </a:lnSpc>
+              <a:spcBef>
+                <a:spcPts val="500"/>
+              </a:spcBef>
+              <a:buFont typeface="Arial" panose="020B0604020202020204" pitchFamily="34" charset="0"/>
+              <a:buChar char="•"/>
+              <a:defRPr sz="1800" kern="1200">
+                <a:solidFill>
+                  <a:schemeClr val="tx1"/>
+                </a:solidFill>
+                <a:latin typeface="+mn-lt"/>
+                <a:ea typeface="+mn-ea"/>
+                <a:cs typeface="+mn-cs"/>
+              </a:defRPr>
+            </a:lvl6pPr>
+            <a:lvl7pPr marL="2971800" indent="-228600" algn="l" defTabSz="914400" rtl="0" eaLnBrk="1" latinLnBrk="0" hangingPunct="1">
+              <a:lnSpc>
+                <a:spcPct val="90000"/>
+              </a:lnSpc>
+              <a:spcBef>
+                <a:spcPts val="500"/>
+              </a:spcBef>
+              <a:buFont typeface="Arial" panose="020B0604020202020204" pitchFamily="34" charset="0"/>
+              <a:buChar char="•"/>
+              <a:defRPr sz="1800" kern="1200">
+                <a:solidFill>
+                  <a:schemeClr val="tx1"/>
+                </a:solidFill>
+                <a:latin typeface="+mn-lt"/>
+                <a:ea typeface="+mn-ea"/>
+                <a:cs typeface="+mn-cs"/>
+              </a:defRPr>
+            </a:lvl7pPr>
+            <a:lvl8pPr marL="3429000" indent="-228600" algn="l" defTabSz="914400" rtl="0" eaLnBrk="1" latinLnBrk="0" hangingPunct="1">
+              <a:lnSpc>
+                <a:spcPct val="90000"/>
+              </a:lnSpc>
+              <a:spcBef>
+                <a:spcPts val="500"/>
+              </a:spcBef>
+              <a:buFont typeface="Arial" panose="020B0604020202020204" pitchFamily="34" charset="0"/>
+              <a:buChar char="•"/>
+              <a:defRPr sz="1800" kern="1200">
+                <a:solidFill>
+                  <a:schemeClr val="tx1"/>
+                </a:solidFill>
+                <a:latin typeface="+mn-lt"/>
+                <a:ea typeface="+mn-ea"/>
+                <a:cs typeface="+mn-cs"/>
+              </a:defRPr>
+            </a:lvl8pPr>
+            <a:lvl9pPr marL="3886200" indent="-228600" algn="l" defTabSz="914400" rtl="0" eaLnBrk="1" latinLnBrk="0" hangingPunct="1">
+              <a:lnSpc>
+                <a:spcPct val="90000"/>
+              </a:lnSpc>
+              <a:spcBef>
+                <a:spcPts val="500"/>
+              </a:spcBef>
+              <a:buFont typeface="Arial" panose="020B0604020202020204" pitchFamily="34" charset="0"/>
+              <a:buChar char="•"/>
+              <a:defRPr sz="1800" kern="1200">
+                <a:solidFill>
+                  <a:schemeClr val="tx1"/>
+                </a:solidFill>
+                <a:latin typeface="+mn-lt"/>
+                <a:ea typeface="+mn-ea"/>
+                <a:cs typeface="+mn-cs"/>
+              </a:defRPr>
+            </a:lvl9pPr>
+          </a:lstStyle>
+          <a:p>
+            <a:pPr marL="0" indent="0">
+              <a:buNone/>
+            </a:pPr>
+            <a:r>
+              <a:rPr lang="it-IT" sz="2000" spc="300" dirty="0">
+                <a:solidFill>
+                  <a:schemeClr val="bg2">
+                    <a:lumMod val="50000"/>
+                  </a:schemeClr>
+                </a:solidFill>
+              </a:rPr>
+              <a:t>Refactoring</a:t>
             </a:r>
           </a:p>
         </p:txBody>
@@ -23397,247 +23137,6 @@
   </p:cSld>
   <p:clrMapOvr>
     <a:overrideClrMapping bg1="lt1" tx1="dk1" bg2="lt2" tx2="dk2" accent1="accent1" accent2="accent2" accent3="accent3" accent4="accent4" accent5="accent5" accent6="accent6" hlink="hlink" folHlink="folHlink"/>
-  </p:clrMapOvr>
-</p:sld>
-</file>
-
-<file path=ppt/slides/slide29.xml><?xml version="1.0" encoding="utf-8"?>
-<p:sld xmlns:a="http://schemas.openxmlformats.org/drawingml/2006/main" xmlns:r="http://schemas.openxmlformats.org/officeDocument/2006/relationships" xmlns:p="http://schemas.openxmlformats.org/presentationml/2006/main" showMasterSp="0">
-  <p:cSld>
-    <p:spTree>
-      <p:nvGrpSpPr>
-        <p:cNvPr id="1" name=""/>
-        <p:cNvGrpSpPr/>
-        <p:nvPr/>
-      </p:nvGrpSpPr>
-      <p:grpSpPr>
-        <a:xfrm>
-          <a:off x="0" y="0"/>
-          <a:ext cx="0" cy="0"/>
-          <a:chOff x="0" y="0"/>
-          <a:chExt cx="0" cy="0"/>
-        </a:xfrm>
-      </p:grpSpPr>
-      <p:sp>
-        <p:nvSpPr>
-          <p:cNvPr id="7" name="Segnaposto contenuto 6">
-            <a:extLst>
-              <a:ext uri="{FF2B5EF4-FFF2-40B4-BE49-F238E27FC236}">
-                <a16:creationId xmlns:a16="http://schemas.microsoft.com/office/drawing/2014/main" id="{2482DBEC-EE72-4155-ACC5-87E80C5606A9}"/>
-              </a:ext>
-            </a:extLst>
-          </p:cNvPr>
-          <p:cNvSpPr>
-            <a:spLocks noGrp="1"/>
-          </p:cNvSpPr>
-          <p:nvPr>
-            <p:ph idx="1"/>
-          </p:nvPr>
-        </p:nvSpPr>
-        <p:spPr>
-          <a:xfrm>
-            <a:off x="531378" y="2386264"/>
-            <a:ext cx="10307198" cy="2958275"/>
-          </a:xfrm>
-        </p:spPr>
-        <p:txBody>
-          <a:bodyPr rtlCol="0">
-            <a:normAutofit/>
-          </a:bodyPr>
-          <a:lstStyle/>
-          <a:p>
-            <a:r>
-              <a:rPr lang="it-IT" dirty="0"/>
-              <a:t>Il </a:t>
-            </a:r>
-            <a:r>
-              <a:rPr lang="it-IT" dirty="0">
-                <a:solidFill>
-                  <a:srgbClr val="FF0000"/>
-                </a:solidFill>
-              </a:rPr>
-              <a:t>problema</a:t>
-            </a:r>
-            <a:r>
-              <a:rPr lang="it-IT" dirty="0"/>
-              <a:t> è che un metodo viene usato da più classi rispetto alla classe in cui è definito</a:t>
-            </a:r>
-            <a:endParaRPr lang="it-IT" dirty="0">
-              <a:solidFill>
-                <a:srgbClr val="FF0000"/>
-              </a:solidFill>
-            </a:endParaRPr>
-          </a:p>
-          <a:p>
-            <a:r>
-              <a:rPr lang="it-IT" dirty="0"/>
-              <a:t>La </a:t>
-            </a:r>
-            <a:r>
-              <a:rPr lang="it-IT" dirty="0">
-                <a:solidFill>
-                  <a:schemeClr val="accent6"/>
-                </a:solidFill>
-              </a:rPr>
-              <a:t>soluzione</a:t>
-            </a:r>
-            <a:r>
-              <a:rPr lang="it-IT" dirty="0"/>
-              <a:t> è creare un nuovo metodo con un corpo simile nell’altra classe e poi modificare il vecchio metodo delegando il compito o rimuovilo </a:t>
-            </a:r>
-            <a:endParaRPr lang="it-IT" i="1" dirty="0"/>
-          </a:p>
-          <a:p>
-            <a:pPr marL="0" indent="0">
-              <a:buNone/>
-            </a:pPr>
-            <a:endParaRPr lang="it-IT" i="1" dirty="0"/>
-          </a:p>
-        </p:txBody>
-      </p:sp>
-      <p:sp>
-        <p:nvSpPr>
-          <p:cNvPr id="9" name="Segnaposto testo 8">
-            <a:extLst>
-              <a:ext uri="{FF2B5EF4-FFF2-40B4-BE49-F238E27FC236}">
-                <a16:creationId xmlns:a16="http://schemas.microsoft.com/office/drawing/2014/main" id="{53469036-D1FB-4164-96AE-B6D8CECCFC96}"/>
-              </a:ext>
-            </a:extLst>
-          </p:cNvPr>
-          <p:cNvSpPr>
-            <a:spLocks noGrp="1"/>
-          </p:cNvSpPr>
-          <p:nvPr>
-            <p:ph type="body" sz="quarter" idx="13"/>
-          </p:nvPr>
-        </p:nvSpPr>
-        <p:spPr>
-          <a:xfrm>
-            <a:off x="531378" y="1374452"/>
-            <a:ext cx="7342631" cy="608895"/>
-          </a:xfrm>
-        </p:spPr>
-        <p:txBody>
-          <a:bodyPr rtlCol="0"/>
-          <a:lstStyle/>
-          <a:p>
-            <a:pPr rtl="0"/>
-            <a:r>
-              <a:rPr lang="it-IT" dirty="0" err="1"/>
-              <a:t>Refactoring</a:t>
-            </a:r>
-            <a:endParaRPr lang="it-IT" dirty="0"/>
-          </a:p>
-        </p:txBody>
-      </p:sp>
-      <p:sp>
-        <p:nvSpPr>
-          <p:cNvPr id="4" name="Titolo 3">
-            <a:extLst>
-              <a:ext uri="{FF2B5EF4-FFF2-40B4-BE49-F238E27FC236}">
-                <a16:creationId xmlns:a16="http://schemas.microsoft.com/office/drawing/2014/main" id="{1ABE11BF-33A5-4653-A144-CCCBACF58C30}"/>
-              </a:ext>
-            </a:extLst>
-          </p:cNvPr>
-          <p:cNvSpPr>
-            <a:spLocks noGrp="1"/>
-          </p:cNvSpPr>
-          <p:nvPr>
-            <p:ph type="title"/>
-          </p:nvPr>
-        </p:nvSpPr>
-        <p:spPr>
-          <a:xfrm>
-            <a:off x="531378" y="158886"/>
-            <a:ext cx="7342622" cy="1215566"/>
-          </a:xfrm>
-        </p:spPr>
-        <p:txBody>
-          <a:bodyPr rtlCol="0">
-            <a:normAutofit/>
-          </a:bodyPr>
-          <a:lstStyle/>
-          <a:p>
-            <a:r>
-              <a:rPr lang="it-IT" dirty="0" err="1"/>
-              <a:t>Move</a:t>
-            </a:r>
-            <a:r>
-              <a:rPr lang="it-IT" dirty="0"/>
-              <a:t> Method</a:t>
-            </a:r>
-          </a:p>
-        </p:txBody>
-      </p:sp>
-      <p:sp>
-        <p:nvSpPr>
-          <p:cNvPr id="11" name="Segnaposto piè di pagina 10">
-            <a:extLst>
-              <a:ext uri="{FF2B5EF4-FFF2-40B4-BE49-F238E27FC236}">
-                <a16:creationId xmlns:a16="http://schemas.microsoft.com/office/drawing/2014/main" id="{47F4D2C2-B71A-4089-A3FE-603C32706CA6}"/>
-              </a:ext>
-            </a:extLst>
-          </p:cNvPr>
-          <p:cNvSpPr>
-            <a:spLocks noGrp="1"/>
-          </p:cNvSpPr>
-          <p:nvPr>
-            <p:ph type="ftr" sz="quarter" idx="14"/>
-          </p:nvPr>
-        </p:nvSpPr>
-        <p:spPr/>
-        <p:txBody>
-          <a:bodyPr rtlCol="0"/>
-          <a:lstStyle/>
-          <a:p>
-            <a:pPr rtl="0"/>
-            <a:r>
-              <a:rPr lang="it-IT" dirty="0"/>
-              <a:t>Aggiungere un piè di pagina</a:t>
-            </a:r>
-          </a:p>
-        </p:txBody>
-      </p:sp>
-      <p:sp>
-        <p:nvSpPr>
-          <p:cNvPr id="12" name="Segnaposto numero diapositiva 11">
-            <a:extLst>
-              <a:ext uri="{FF2B5EF4-FFF2-40B4-BE49-F238E27FC236}">
-                <a16:creationId xmlns:a16="http://schemas.microsoft.com/office/drawing/2014/main" id="{FBA1BB58-7555-4382-B178-7ED04E137E77}"/>
-              </a:ext>
-            </a:extLst>
-          </p:cNvPr>
-          <p:cNvSpPr>
-            <a:spLocks noGrp="1"/>
-          </p:cNvSpPr>
-          <p:nvPr>
-            <p:ph type="sldNum" sz="quarter" idx="15"/>
-          </p:nvPr>
-        </p:nvSpPr>
-        <p:spPr/>
-        <p:txBody>
-          <a:bodyPr rtlCol="0"/>
-          <a:lstStyle/>
-          <a:p>
-            <a:pPr rtl="0"/>
-            <a:fld id="{8699F50C-BE38-4BD0-BA84-9B090E1F2B9B}" type="slidenum">
-              <a:rPr lang="it-IT" smtClean="0"/>
-              <a:pPr rtl="0"/>
-              <a:t>29</a:t>
-            </a:fld>
-            <a:endParaRPr lang="it-IT" dirty="0"/>
-          </a:p>
-        </p:txBody>
-      </p:sp>
-    </p:spTree>
-    <p:extLst>
-      <p:ext uri="{BB962C8B-B14F-4D97-AF65-F5344CB8AC3E}">
-        <p14:creationId xmlns:p14="http://schemas.microsoft.com/office/powerpoint/2010/main" val="108118270"/>
-      </p:ext>
-    </p:extLst>
-  </p:cSld>
-  <p:clrMapOvr>
-    <a:masterClrMapping/>
   </p:clrMapOvr>
 </p:sld>
 </file>
@@ -23677,7 +23176,7 @@
         </p:nvSpPr>
         <p:spPr>
           <a:xfrm>
-            <a:off x="531378" y="3129540"/>
+            <a:off x="531383" y="3040027"/>
             <a:ext cx="11512985" cy="2958275"/>
           </a:xfrm>
         </p:spPr>
@@ -23719,7 +23218,7 @@
             </a:r>
             <a:r>
               <a:rPr lang="it-IT" dirty="0"/>
-              <a:t> consiste nell’assegnare responsabilità di comportamento ai tipi per il quale questo varia</a:t>
+              <a:t> consiste nell’assegnare responsabilità di comportamento ai tipi per il quale il comportamento varia</a:t>
             </a:r>
           </a:p>
         </p:txBody>
@@ -23740,7 +23239,12 @@
             <p:ph type="body" sz="quarter" idx="13"/>
           </p:nvPr>
         </p:nvSpPr>
-        <p:spPr/>
+        <p:spPr>
+          <a:xfrm>
+            <a:off x="531383" y="1215566"/>
+            <a:ext cx="7342631" cy="608895"/>
+          </a:xfrm>
+        </p:spPr>
         <p:txBody>
           <a:bodyPr rtlCol="0"/>
           <a:lstStyle/>
@@ -23769,7 +23273,12 @@
             <p:ph type="title"/>
           </p:nvPr>
         </p:nvSpPr>
-        <p:spPr/>
+        <p:spPr>
+          <a:xfrm>
+            <a:off x="531388" y="0"/>
+            <a:ext cx="7342622" cy="1215566"/>
+          </a:xfrm>
+        </p:spPr>
         <p:txBody>
           <a:bodyPr rtlCol="0"/>
           <a:lstStyle/>
@@ -23852,640 +23361,6 @@
   </p:cSld>
   <p:clrMapOvr>
     <a:masterClrMapping/>
-  </p:clrMapOvr>
-</p:sld>
-</file>
-
-<file path=ppt/slides/slide30.xml><?xml version="1.0" encoding="utf-8"?>
-<p:sld xmlns:a="http://schemas.openxmlformats.org/drawingml/2006/main" xmlns:r="http://schemas.openxmlformats.org/officeDocument/2006/relationships" xmlns:p="http://schemas.openxmlformats.org/presentationml/2006/main" showMasterSp="0">
-  <p:cSld>
-    <p:spTree>
-      <p:nvGrpSpPr>
-        <p:cNvPr id="1" name=""/>
-        <p:cNvGrpSpPr/>
-        <p:nvPr/>
-      </p:nvGrpSpPr>
-      <p:grpSpPr>
-        <a:xfrm>
-          <a:off x="0" y="0"/>
-          <a:ext cx="0" cy="0"/>
-          <a:chOff x="0" y="0"/>
-          <a:chExt cx="0" cy="0"/>
-        </a:xfrm>
-      </p:grpSpPr>
-      <p:sp>
-        <p:nvSpPr>
-          <p:cNvPr id="7" name="Segnaposto contenuto 6">
-            <a:extLst>
-              <a:ext uri="{FF2B5EF4-FFF2-40B4-BE49-F238E27FC236}">
-                <a16:creationId xmlns:a16="http://schemas.microsoft.com/office/drawing/2014/main" id="{2482DBEC-EE72-4155-ACC5-87E80C5606A9}"/>
-              </a:ext>
-            </a:extLst>
-          </p:cNvPr>
-          <p:cNvSpPr>
-            <a:spLocks noGrp="1"/>
-          </p:cNvSpPr>
-          <p:nvPr>
-            <p:ph idx="1"/>
-          </p:nvPr>
-        </p:nvSpPr>
-        <p:spPr>
-          <a:xfrm>
-            <a:off x="531378" y="2507816"/>
-            <a:ext cx="10307198" cy="2958275"/>
-          </a:xfrm>
-        </p:spPr>
-        <p:txBody>
-          <a:bodyPr rtlCol="0">
-            <a:normAutofit/>
-          </a:bodyPr>
-          <a:lstStyle/>
-          <a:p>
-            <a:r>
-              <a:rPr lang="it-IT" dirty="0"/>
-              <a:t>Nel nostro caso avevamo metodi comuni a più comandi (ma non a tutti) e abbiamo applicato il pattern </a:t>
-            </a:r>
-            <a:r>
-              <a:rPr lang="it-IT" dirty="0" err="1"/>
-              <a:t>Move</a:t>
-            </a:r>
-            <a:r>
-              <a:rPr lang="it-IT" dirty="0"/>
-              <a:t> Method per evitare codice duplicato</a:t>
-            </a:r>
-          </a:p>
-          <a:p>
-            <a:r>
-              <a:rPr lang="it-IT" dirty="0"/>
-              <a:t>I frammenti che abbiamo spostato sono relativi a: </a:t>
-            </a:r>
-          </a:p>
-          <a:p>
-            <a:pPr lvl="1"/>
-            <a:r>
-              <a:rPr lang="it-IT" sz="1800" dirty="0"/>
-              <a:t>Controllo sui parametri</a:t>
-            </a:r>
-          </a:p>
-          <a:p>
-            <a:pPr lvl="1"/>
-            <a:r>
-              <a:rPr lang="it-IT" sz="1800" dirty="0"/>
-              <a:t>Inserimento di valori da parte dell’utente	</a:t>
-            </a:r>
-            <a:br>
-              <a:rPr lang="it-IT" dirty="0"/>
-            </a:br>
-            <a:r>
-              <a:rPr lang="it-IT" dirty="0"/>
-              <a:t>	</a:t>
-            </a:r>
-          </a:p>
-        </p:txBody>
-      </p:sp>
-      <p:sp>
-        <p:nvSpPr>
-          <p:cNvPr id="9" name="Segnaposto testo 8">
-            <a:extLst>
-              <a:ext uri="{FF2B5EF4-FFF2-40B4-BE49-F238E27FC236}">
-                <a16:creationId xmlns:a16="http://schemas.microsoft.com/office/drawing/2014/main" id="{53469036-D1FB-4164-96AE-B6D8CECCFC96}"/>
-              </a:ext>
-            </a:extLst>
-          </p:cNvPr>
-          <p:cNvSpPr>
-            <a:spLocks noGrp="1"/>
-          </p:cNvSpPr>
-          <p:nvPr>
-            <p:ph type="body" sz="quarter" idx="13"/>
-          </p:nvPr>
-        </p:nvSpPr>
-        <p:spPr>
-          <a:xfrm>
-            <a:off x="531369" y="1391909"/>
-            <a:ext cx="7342631" cy="608895"/>
-          </a:xfrm>
-        </p:spPr>
-        <p:txBody>
-          <a:bodyPr rtlCol="0"/>
-          <a:lstStyle/>
-          <a:p>
-            <a:pPr rtl="0"/>
-            <a:r>
-              <a:rPr lang="it-IT" dirty="0" err="1"/>
-              <a:t>Refactoring</a:t>
-            </a:r>
-            <a:endParaRPr lang="it-IT" dirty="0"/>
-          </a:p>
-        </p:txBody>
-      </p:sp>
-      <p:sp>
-        <p:nvSpPr>
-          <p:cNvPr id="4" name="Titolo 3">
-            <a:extLst>
-              <a:ext uri="{FF2B5EF4-FFF2-40B4-BE49-F238E27FC236}">
-                <a16:creationId xmlns:a16="http://schemas.microsoft.com/office/drawing/2014/main" id="{1ABE11BF-33A5-4653-A144-CCCBACF58C30}"/>
-              </a:ext>
-            </a:extLst>
-          </p:cNvPr>
-          <p:cNvSpPr>
-            <a:spLocks noGrp="1"/>
-          </p:cNvSpPr>
-          <p:nvPr>
-            <p:ph type="title"/>
-          </p:nvPr>
-        </p:nvSpPr>
-        <p:spPr>
-          <a:xfrm>
-            <a:off x="531378" y="162401"/>
-            <a:ext cx="7342622" cy="1215566"/>
-          </a:xfrm>
-        </p:spPr>
-        <p:txBody>
-          <a:bodyPr rtlCol="0">
-            <a:normAutofit/>
-          </a:bodyPr>
-          <a:lstStyle/>
-          <a:p>
-            <a:r>
-              <a:rPr lang="it-IT" dirty="0" err="1"/>
-              <a:t>Move</a:t>
-            </a:r>
-            <a:r>
-              <a:rPr lang="it-IT" dirty="0"/>
-              <a:t> Method</a:t>
-            </a:r>
-          </a:p>
-        </p:txBody>
-      </p:sp>
-      <p:sp>
-        <p:nvSpPr>
-          <p:cNvPr id="11" name="Segnaposto piè di pagina 10">
-            <a:extLst>
-              <a:ext uri="{FF2B5EF4-FFF2-40B4-BE49-F238E27FC236}">
-                <a16:creationId xmlns:a16="http://schemas.microsoft.com/office/drawing/2014/main" id="{47F4D2C2-B71A-4089-A3FE-603C32706CA6}"/>
-              </a:ext>
-            </a:extLst>
-          </p:cNvPr>
-          <p:cNvSpPr>
-            <a:spLocks noGrp="1"/>
-          </p:cNvSpPr>
-          <p:nvPr>
-            <p:ph type="ftr" sz="quarter" idx="14"/>
-          </p:nvPr>
-        </p:nvSpPr>
-        <p:spPr/>
-        <p:txBody>
-          <a:bodyPr rtlCol="0"/>
-          <a:lstStyle/>
-          <a:p>
-            <a:pPr rtl="0"/>
-            <a:r>
-              <a:rPr lang="it-IT" dirty="0"/>
-              <a:t>Aggiungere un piè di pagina</a:t>
-            </a:r>
-          </a:p>
-        </p:txBody>
-      </p:sp>
-      <p:sp>
-        <p:nvSpPr>
-          <p:cNvPr id="12" name="Segnaposto numero diapositiva 11">
-            <a:extLst>
-              <a:ext uri="{FF2B5EF4-FFF2-40B4-BE49-F238E27FC236}">
-                <a16:creationId xmlns:a16="http://schemas.microsoft.com/office/drawing/2014/main" id="{FBA1BB58-7555-4382-B178-7ED04E137E77}"/>
-              </a:ext>
-            </a:extLst>
-          </p:cNvPr>
-          <p:cNvSpPr>
-            <a:spLocks noGrp="1"/>
-          </p:cNvSpPr>
-          <p:nvPr>
-            <p:ph type="sldNum" sz="quarter" idx="15"/>
-          </p:nvPr>
-        </p:nvSpPr>
-        <p:spPr/>
-        <p:txBody>
-          <a:bodyPr rtlCol="0"/>
-          <a:lstStyle/>
-          <a:p>
-            <a:pPr rtl="0"/>
-            <a:fld id="{8699F50C-BE38-4BD0-BA84-9B090E1F2B9B}" type="slidenum">
-              <a:rPr lang="it-IT" smtClean="0"/>
-              <a:pPr rtl="0"/>
-              <a:t>30</a:t>
-            </a:fld>
-            <a:endParaRPr lang="it-IT" dirty="0"/>
-          </a:p>
-        </p:txBody>
-      </p:sp>
-    </p:spTree>
-    <p:extLst>
-      <p:ext uri="{BB962C8B-B14F-4D97-AF65-F5344CB8AC3E}">
-        <p14:creationId xmlns:p14="http://schemas.microsoft.com/office/powerpoint/2010/main" val="2189819428"/>
-      </p:ext>
-    </p:extLst>
-  </p:cSld>
-  <p:clrMapOvr>
-    <a:masterClrMapping/>
-  </p:clrMapOvr>
-</p:sld>
-</file>
-
-<file path=ppt/slides/slide31.xml><?xml version="1.0" encoding="utf-8"?>
-<p:sld xmlns:a="http://schemas.openxmlformats.org/drawingml/2006/main" xmlns:r="http://schemas.openxmlformats.org/officeDocument/2006/relationships" xmlns:p="http://schemas.openxmlformats.org/presentationml/2006/main" showMasterSp="0">
-  <p:cSld>
-    <p:bg>
-      <p:bgRef idx="1001">
-        <a:schemeClr val="bg1"/>
-      </p:bgRef>
-    </p:bg>
-    <p:spTree>
-      <p:nvGrpSpPr>
-        <p:cNvPr id="1" name=""/>
-        <p:cNvGrpSpPr/>
-        <p:nvPr/>
-      </p:nvGrpSpPr>
-      <p:grpSpPr>
-        <a:xfrm>
-          <a:off x="0" y="0"/>
-          <a:ext cx="0" cy="0"/>
-          <a:chOff x="0" y="0"/>
-          <a:chExt cx="0" cy="0"/>
-        </a:xfrm>
-      </p:grpSpPr>
-      <p:sp>
-        <p:nvSpPr>
-          <p:cNvPr id="15" name="Segnaposto testo 14">
-            <a:extLst>
-              <a:ext uri="{FF2B5EF4-FFF2-40B4-BE49-F238E27FC236}">
-                <a16:creationId xmlns:a16="http://schemas.microsoft.com/office/drawing/2014/main" id="{24E18385-8BEA-4522-ABAA-5AB38F0D4FC2}"/>
-              </a:ext>
-            </a:extLst>
-          </p:cNvPr>
-          <p:cNvSpPr>
-            <a:spLocks noGrp="1"/>
-          </p:cNvSpPr>
-          <p:nvPr>
-            <p:ph type="body" idx="1"/>
-          </p:nvPr>
-        </p:nvSpPr>
-        <p:spPr>
-          <a:xfrm>
-            <a:off x="518678" y="1714294"/>
-            <a:ext cx="5475290" cy="781188"/>
-          </a:xfrm>
-        </p:spPr>
-        <p:txBody>
-          <a:bodyPr rtlCol="0"/>
-          <a:lstStyle/>
-          <a:p>
-            <a:pPr rtl="0"/>
-            <a:r>
-              <a:rPr lang="it-IT" dirty="0"/>
-              <a:t>Vantaggi</a:t>
-            </a:r>
-          </a:p>
-        </p:txBody>
-      </p:sp>
-      <p:sp>
-        <p:nvSpPr>
-          <p:cNvPr id="16" name="Segnaposto contenuto 15">
-            <a:extLst>
-              <a:ext uri="{FF2B5EF4-FFF2-40B4-BE49-F238E27FC236}">
-                <a16:creationId xmlns:a16="http://schemas.microsoft.com/office/drawing/2014/main" id="{1DCFA8A2-3FB8-48CA-933D-0800A9D2A2A2}"/>
-              </a:ext>
-            </a:extLst>
-          </p:cNvPr>
-          <p:cNvSpPr>
-            <a:spLocks noGrp="1"/>
-          </p:cNvSpPr>
-          <p:nvPr>
-            <p:ph sz="half" idx="13"/>
-          </p:nvPr>
-        </p:nvSpPr>
-        <p:spPr>
-          <a:xfrm>
-            <a:off x="569694" y="2462567"/>
-            <a:ext cx="5475290" cy="3232149"/>
-          </a:xfrm>
-        </p:spPr>
-        <p:txBody>
-          <a:bodyPr rtlCol="0">
-            <a:normAutofit/>
-          </a:bodyPr>
-          <a:lstStyle/>
-          <a:p>
-            <a:pPr rtl="0">
-              <a:buClr>
-                <a:schemeClr val="accent2"/>
-              </a:buClr>
-            </a:pPr>
-            <a:r>
-              <a:rPr lang="it-IT" sz="2000" dirty="0">
-                <a:solidFill>
-                  <a:schemeClr val="tx1"/>
-                </a:solidFill>
-              </a:rPr>
-              <a:t>Codice più leggibile</a:t>
-            </a:r>
-          </a:p>
-          <a:p>
-            <a:pPr rtl="0">
-              <a:buClr>
-                <a:schemeClr val="accent2"/>
-              </a:buClr>
-            </a:pPr>
-            <a:r>
-              <a:rPr lang="it-IT" sz="2000" dirty="0">
-                <a:solidFill>
-                  <a:schemeClr val="tx1"/>
-                </a:solidFill>
-              </a:rPr>
-              <a:t>Meno codice duplicato</a:t>
-            </a:r>
-          </a:p>
-          <a:p>
-            <a:pPr rtl="0">
-              <a:buClr>
-                <a:schemeClr val="accent2"/>
-              </a:buClr>
-            </a:pPr>
-            <a:r>
-              <a:rPr lang="it-IT" sz="2000" dirty="0">
-                <a:solidFill>
-                  <a:schemeClr val="tx1"/>
-                </a:solidFill>
-              </a:rPr>
-              <a:t>Isola parti indipendenti del codice, riducendo la probabilità di errori</a:t>
-            </a:r>
-          </a:p>
-          <a:p>
-            <a:pPr rtl="0">
-              <a:buClr>
-                <a:schemeClr val="accent2"/>
-              </a:buClr>
-            </a:pPr>
-            <a:r>
-              <a:rPr lang="it-IT" sz="2000" dirty="0">
-                <a:solidFill>
-                  <a:schemeClr val="tx1"/>
-                </a:solidFill>
-              </a:rPr>
-              <a:t>Codice può essere riutilizzato in altre parti</a:t>
-            </a:r>
-          </a:p>
-        </p:txBody>
-      </p:sp>
-      <p:sp>
-        <p:nvSpPr>
-          <p:cNvPr id="17" name="Segnaposto testo 16">
-            <a:extLst>
-              <a:ext uri="{FF2B5EF4-FFF2-40B4-BE49-F238E27FC236}">
-                <a16:creationId xmlns:a16="http://schemas.microsoft.com/office/drawing/2014/main" id="{640A3223-3DA3-4CF2-82B6-1447667547BD}"/>
-              </a:ext>
-            </a:extLst>
-          </p:cNvPr>
-          <p:cNvSpPr>
-            <a:spLocks noGrp="1"/>
-          </p:cNvSpPr>
-          <p:nvPr>
-            <p:ph type="body" sz="quarter" idx="14"/>
-          </p:nvPr>
-        </p:nvSpPr>
-        <p:spPr>
-          <a:xfrm>
-            <a:off x="6096000" y="1681379"/>
-            <a:ext cx="5475600" cy="781188"/>
-          </a:xfrm>
-        </p:spPr>
-        <p:txBody>
-          <a:bodyPr rtlCol="0"/>
-          <a:lstStyle/>
-          <a:p>
-            <a:pPr rtl="0"/>
-            <a:r>
-              <a:rPr lang="it-IT" dirty="0"/>
-              <a:t>Svantaggi</a:t>
-            </a:r>
-          </a:p>
-        </p:txBody>
-      </p:sp>
-      <p:sp>
-        <p:nvSpPr>
-          <p:cNvPr id="18" name="Segnaposto contenuto 17">
-            <a:extLst>
-              <a:ext uri="{FF2B5EF4-FFF2-40B4-BE49-F238E27FC236}">
-                <a16:creationId xmlns:a16="http://schemas.microsoft.com/office/drawing/2014/main" id="{C955AFB3-173C-4848-B3E9-1375591B297E}"/>
-              </a:ext>
-            </a:extLst>
-          </p:cNvPr>
-          <p:cNvSpPr>
-            <a:spLocks noGrp="1"/>
-          </p:cNvSpPr>
-          <p:nvPr>
-            <p:ph sz="quarter" idx="15"/>
-          </p:nvPr>
-        </p:nvSpPr>
-        <p:spPr>
-          <a:xfrm>
-            <a:off x="6146706" y="2495482"/>
-            <a:ext cx="5475600" cy="3232149"/>
-          </a:xfrm>
-        </p:spPr>
-        <p:txBody>
-          <a:bodyPr rtlCol="0"/>
-          <a:lstStyle/>
-          <a:p>
-            <a:pPr>
-              <a:buClr>
-                <a:schemeClr val="accent2"/>
-              </a:buClr>
-            </a:pPr>
-            <a:r>
-              <a:rPr lang="it-IT" sz="2000" dirty="0">
-                <a:solidFill>
-                  <a:schemeClr val="tx1"/>
-                </a:solidFill>
-              </a:rPr>
-              <a:t>Nessuno</a:t>
-            </a:r>
-          </a:p>
-        </p:txBody>
-      </p:sp>
-      <p:sp>
-        <p:nvSpPr>
-          <p:cNvPr id="19" name="Segnaposto testo 18">
-            <a:extLst>
-              <a:ext uri="{FF2B5EF4-FFF2-40B4-BE49-F238E27FC236}">
-                <a16:creationId xmlns:a16="http://schemas.microsoft.com/office/drawing/2014/main" id="{DFE11F38-F66B-4F95-8224-6CCA69D57617}"/>
-              </a:ext>
-            </a:extLst>
-          </p:cNvPr>
-          <p:cNvSpPr>
-            <a:spLocks noGrp="1"/>
-          </p:cNvSpPr>
-          <p:nvPr>
-            <p:ph type="body" sz="quarter" idx="16"/>
-          </p:nvPr>
-        </p:nvSpPr>
-        <p:spPr/>
-        <p:txBody>
-          <a:bodyPr rtlCol="0">
-            <a:normAutofit/>
-          </a:bodyPr>
-          <a:lstStyle/>
-          <a:p>
-            <a:r>
-              <a:rPr lang="it-IT" dirty="0" err="1">
-                <a:solidFill>
-                  <a:schemeClr val="bg2">
-                    <a:lumMod val="50000"/>
-                  </a:schemeClr>
-                </a:solidFill>
-              </a:rPr>
-              <a:t>Refactoring</a:t>
-            </a:r>
-            <a:endParaRPr lang="it-IT" dirty="0">
-              <a:solidFill>
-                <a:schemeClr val="bg2">
-                  <a:lumMod val="50000"/>
-                </a:schemeClr>
-              </a:solidFill>
-            </a:endParaRPr>
-          </a:p>
-        </p:txBody>
-      </p:sp>
-      <p:sp>
-        <p:nvSpPr>
-          <p:cNvPr id="20" name="Segnaposto piè di pagina 4">
-            <a:extLst>
-              <a:ext uri="{FF2B5EF4-FFF2-40B4-BE49-F238E27FC236}">
-                <a16:creationId xmlns:a16="http://schemas.microsoft.com/office/drawing/2014/main" id="{391D3201-20F9-4DD7-B4EB-F41AF17CA428}"/>
-              </a:ext>
-            </a:extLst>
-          </p:cNvPr>
-          <p:cNvSpPr>
-            <a:spLocks noGrp="1"/>
-          </p:cNvSpPr>
-          <p:nvPr>
-            <p:ph type="ftr" sz="quarter" idx="17"/>
-          </p:nvPr>
-        </p:nvSpPr>
-        <p:spPr/>
-        <p:txBody>
-          <a:bodyPr rtlCol="0"/>
-          <a:lstStyle>
-            <a:lvl1pPr algn="r">
-              <a:defRPr sz="1200">
-                <a:solidFill>
-                  <a:schemeClr val="tx1">
-                    <a:lumMod val="50000"/>
-                    <a:lumOff val="50000"/>
-                  </a:schemeClr>
-                </a:solidFill>
-              </a:defRPr>
-            </a:lvl1pPr>
-          </a:lstStyle>
-          <a:p>
-            <a:pPr algn="l" rtl="0"/>
-            <a:r>
-              <a:rPr lang="it-IT" dirty="0"/>
-              <a:t>Aggiungere un piè di pagina</a:t>
-            </a:r>
-          </a:p>
-        </p:txBody>
-      </p:sp>
-      <p:sp>
-        <p:nvSpPr>
-          <p:cNvPr id="21" name="Segnaposto numero diapositiva 5">
-            <a:extLst>
-              <a:ext uri="{FF2B5EF4-FFF2-40B4-BE49-F238E27FC236}">
-                <a16:creationId xmlns:a16="http://schemas.microsoft.com/office/drawing/2014/main" id="{C7C65DDB-24F2-44CF-AE02-F3A6C8B1858B}"/>
-              </a:ext>
-            </a:extLst>
-          </p:cNvPr>
-          <p:cNvSpPr>
-            <a:spLocks noGrp="1"/>
-          </p:cNvSpPr>
-          <p:nvPr>
-            <p:ph type="sldNum" sz="quarter" idx="18"/>
-          </p:nvPr>
-        </p:nvSpPr>
-        <p:spPr/>
-        <p:txBody>
-          <a:bodyPr rtlCol="0"/>
-          <a:lstStyle>
-            <a:lvl1pPr algn="r">
-              <a:defRPr sz="1200">
-                <a:solidFill>
-                  <a:schemeClr val="tx1">
-                    <a:lumMod val="50000"/>
-                    <a:lumOff val="50000"/>
-                  </a:schemeClr>
-                </a:solidFill>
-              </a:defRPr>
-            </a:lvl1pPr>
-          </a:lstStyle>
-          <a:p>
-            <a:pPr rtl="0"/>
-            <a:fld id="{8699F50C-BE38-4BD0-BA84-9B090E1F2B9B}" type="slidenum">
-              <a:rPr lang="it-IT" smtClean="0"/>
-              <a:pPr rtl="0"/>
-              <a:t>31</a:t>
-            </a:fld>
-            <a:endParaRPr lang="it-IT" dirty="0"/>
-          </a:p>
-        </p:txBody>
-      </p:sp>
-      <p:sp>
-        <p:nvSpPr>
-          <p:cNvPr id="14" name="Titolo 13">
-            <a:extLst>
-              <a:ext uri="{FF2B5EF4-FFF2-40B4-BE49-F238E27FC236}">
-                <a16:creationId xmlns:a16="http://schemas.microsoft.com/office/drawing/2014/main" id="{E3E5EE03-FBF6-46F5-8085-716AC6CE1C8C}"/>
-              </a:ext>
-            </a:extLst>
-          </p:cNvPr>
-          <p:cNvSpPr>
-            <a:spLocks noGrp="1"/>
-          </p:cNvSpPr>
-          <p:nvPr>
-            <p:ph type="title"/>
-          </p:nvPr>
-        </p:nvSpPr>
-        <p:spPr/>
-        <p:txBody>
-          <a:bodyPr rtlCol="0"/>
-          <a:lstStyle/>
-          <a:p>
-            <a:pPr rtl="0"/>
-            <a:r>
-              <a:rPr lang="it-IT" dirty="0" err="1">
-                <a:solidFill>
-                  <a:schemeClr val="accent1"/>
-                </a:solidFill>
-              </a:rPr>
-              <a:t>Extract</a:t>
-            </a:r>
-            <a:r>
-              <a:rPr lang="it-IT" dirty="0">
-                <a:solidFill>
-                  <a:schemeClr val="accent1"/>
-                </a:solidFill>
-              </a:rPr>
-              <a:t> Method</a:t>
-            </a:r>
-          </a:p>
-        </p:txBody>
-      </p:sp>
-    </p:spTree>
-    <p:extLst>
-      <p:ext uri="{BB962C8B-B14F-4D97-AF65-F5344CB8AC3E}">
-        <p14:creationId xmlns:p14="http://schemas.microsoft.com/office/powerpoint/2010/main" val="1572065327"/>
-      </p:ext>
-    </p:extLst>
-  </p:cSld>
-  <p:clrMapOvr>
-    <a:overrideClrMapping bg1="lt1" tx1="dk1" bg2="lt2" tx2="dk2" accent1="accent1" accent2="accent2" accent3="accent3" accent4="accent4" accent5="accent5" accent6="accent6" hlink="hlink" folHlink="folHlink"/>
   </p:clrMapOvr>
 </p:sld>
 </file>
@@ -24525,7 +23400,7 @@
         </p:nvSpPr>
         <p:spPr>
           <a:xfrm>
-            <a:off x="531378" y="3104997"/>
+            <a:off x="531383" y="3040027"/>
             <a:ext cx="11512985" cy="2982818"/>
           </a:xfrm>
         </p:spPr>
@@ -24565,7 +23440,12 @@
             <p:ph type="body" sz="quarter" idx="13"/>
           </p:nvPr>
         </p:nvSpPr>
-        <p:spPr/>
+        <p:spPr>
+          <a:xfrm>
+            <a:off x="531383" y="1215566"/>
+            <a:ext cx="7342631" cy="608895"/>
+          </a:xfrm>
+        </p:spPr>
         <p:txBody>
           <a:bodyPr rtlCol="0"/>
           <a:lstStyle/>
@@ -24594,7 +23474,12 @@
             <p:ph type="title"/>
           </p:nvPr>
         </p:nvSpPr>
-        <p:spPr/>
+        <p:spPr>
+          <a:xfrm>
+            <a:off x="531388" y="0"/>
+            <a:ext cx="7342622" cy="1215566"/>
+          </a:xfrm>
+        </p:spPr>
         <p:txBody>
           <a:bodyPr rtlCol="0"/>
           <a:lstStyle/>
@@ -24720,7 +23605,7 @@
         </p:blipFill>
         <p:spPr>
           <a:xfrm>
-            <a:off x="2692645" y="2739314"/>
+            <a:off x="2633922" y="2076585"/>
             <a:ext cx="6545184" cy="3418747"/>
           </a:xfrm>
         </p:spPr>
@@ -24741,7 +23626,12 @@
             <p:ph type="body" sz="quarter" idx="13"/>
           </p:nvPr>
         </p:nvSpPr>
-        <p:spPr/>
+        <p:spPr>
+          <a:xfrm>
+            <a:off x="531388" y="1215566"/>
+            <a:ext cx="7342631" cy="608895"/>
+          </a:xfrm>
+        </p:spPr>
         <p:txBody>
           <a:bodyPr rtlCol="0"/>
           <a:lstStyle/>
@@ -24770,7 +23660,12 @@
             <p:ph type="title"/>
           </p:nvPr>
         </p:nvSpPr>
-        <p:spPr/>
+        <p:spPr>
+          <a:xfrm>
+            <a:off x="531388" y="0"/>
+            <a:ext cx="7342622" cy="1215566"/>
+          </a:xfrm>
+        </p:spPr>
         <p:txBody>
           <a:bodyPr rtlCol="0"/>
           <a:lstStyle/>
@@ -24889,7 +23784,12 @@
             <p:ph type="body" sz="quarter" idx="13"/>
           </p:nvPr>
         </p:nvSpPr>
-        <p:spPr/>
+        <p:spPr>
+          <a:xfrm>
+            <a:off x="531379" y="1215566"/>
+            <a:ext cx="7342631" cy="608895"/>
+          </a:xfrm>
+        </p:spPr>
         <p:txBody>
           <a:bodyPr rtlCol="0"/>
           <a:lstStyle/>
@@ -24918,7 +23818,12 @@
             <p:ph type="title"/>
           </p:nvPr>
         </p:nvSpPr>
-        <p:spPr/>
+        <p:spPr>
+          <a:xfrm>
+            <a:off x="522990" y="0"/>
+            <a:ext cx="7342622" cy="1215566"/>
+          </a:xfrm>
+        </p:spPr>
         <p:txBody>
           <a:bodyPr rtlCol="0"/>
           <a:lstStyle/>
@@ -25012,7 +23917,7 @@
         </p:blipFill>
         <p:spPr>
           <a:xfrm>
-            <a:off x="3266189" y="2652467"/>
+            <a:off x="3266189" y="2134343"/>
             <a:ext cx="5038892" cy="3508091"/>
           </a:xfrm>
           <a:prstGeom prst="rect">
@@ -25036,11 +23941,6 @@
 <file path=ppt/slides/slide7.xml><?xml version="1.0" encoding="utf-8"?>
 <p:sld xmlns:a="http://schemas.openxmlformats.org/drawingml/2006/main" xmlns:r="http://schemas.openxmlformats.org/officeDocument/2006/relationships" xmlns:p="http://schemas.openxmlformats.org/presentationml/2006/main" showMasterSp="0">
   <p:cSld>
-    <p:bg>
-      <p:bgRef idx="1001">
-        <a:schemeClr val="bg1"/>
-      </p:bgRef>
-    </p:bg>
     <p:spTree>
       <p:nvGrpSpPr>
         <p:cNvPr id="1" name=""/>
@@ -25286,7 +24186,12 @@
             <p:ph type="body" sz="quarter" idx="16"/>
           </p:nvPr>
         </p:nvSpPr>
-        <p:spPr/>
+        <p:spPr>
+          <a:xfrm>
+            <a:off x="527749" y="1210558"/>
+            <a:ext cx="7368596" cy="608895"/>
+          </a:xfrm>
+        </p:spPr>
         <p:txBody>
           <a:bodyPr rtlCol="0">
             <a:normAutofit/>
@@ -25390,39 +24295,6 @@
       </p:sp>
       <p:sp>
         <p:nvSpPr>
-          <p:cNvPr id="14" name="Titolo 13">
-            <a:extLst>
-              <a:ext uri="{FF2B5EF4-FFF2-40B4-BE49-F238E27FC236}">
-                <a16:creationId xmlns:a16="http://schemas.microsoft.com/office/drawing/2014/main" id="{E3E5EE03-FBF6-46F5-8085-716AC6CE1C8C}"/>
-              </a:ext>
-            </a:extLst>
-          </p:cNvPr>
-          <p:cNvSpPr>
-            <a:spLocks noGrp="1"/>
-          </p:cNvSpPr>
-          <p:nvPr>
-            <p:ph type="title"/>
-          </p:nvPr>
-        </p:nvSpPr>
-        <p:spPr/>
-        <p:txBody>
-          <a:bodyPr rtlCol="0"/>
-          <a:lstStyle/>
-          <a:p>
-            <a:pPr rtl="0"/>
-            <a:r>
-              <a:rPr lang="it-IT" dirty="0">
-                <a:solidFill>
-                  <a:schemeClr val="accent1"/>
-                </a:solidFill>
-              </a:rPr>
-              <a:t>Polimorfismo</a:t>
-            </a:r>
-          </a:p>
-        </p:txBody>
-      </p:sp>
-      <p:sp>
-        <p:nvSpPr>
           <p:cNvPr id="2" name="CasellaDiTesto 1">
             <a:extLst>
               <a:ext uri="{FF2B5EF4-FFF2-40B4-BE49-F238E27FC236}">
@@ -25477,15 +24349,52 @@
           </a:p>
         </p:txBody>
       </p:sp>
+      <p:sp>
+        <p:nvSpPr>
+          <p:cNvPr id="22" name="Titolo 3">
+            <a:extLst>
+              <a:ext uri="{FF2B5EF4-FFF2-40B4-BE49-F238E27FC236}">
+                <a16:creationId xmlns:a16="http://schemas.microsoft.com/office/drawing/2014/main" id="{F135D46A-9D65-456E-8E8B-6D25D3330A24}"/>
+              </a:ext>
+            </a:extLst>
+          </p:cNvPr>
+          <p:cNvSpPr>
+            <a:spLocks noGrp="1"/>
+          </p:cNvSpPr>
+          <p:nvPr>
+            <p:ph type="title"/>
+          </p:nvPr>
+        </p:nvSpPr>
+        <p:spPr>
+          <a:xfrm>
+            <a:off x="532800" y="0"/>
+            <a:ext cx="7342622" cy="1215566"/>
+          </a:xfrm>
+        </p:spPr>
+        <p:txBody>
+          <a:bodyPr bIns="46800" rtlCol="0"/>
+          <a:lstStyle/>
+          <a:p>
+            <a:r>
+              <a:rPr lang="it-IT" dirty="0">
+                <a:solidFill>
+                  <a:schemeClr val="accent1"/>
+                </a:solidFill>
+              </a:rPr>
+              <a:t>Polimorfismo</a:t>
+            </a:r>
+          </a:p>
+        </p:txBody>
+      </p:sp>
     </p:spTree>
     <p:extLst>
       <p:ext uri="{BB962C8B-B14F-4D97-AF65-F5344CB8AC3E}">
-        <p14:creationId xmlns:p14="http://schemas.microsoft.com/office/powerpoint/2010/main" val="3891516162"/>
+        <p14:creationId xmlns:p14="http://schemas.microsoft.com/office/powerpoint/2010/main" val="3562019483"/>
       </p:ext>
     </p:extLst>
   </p:cSld>
   <p:clrMapOvr>
-    <a:overrideClrMapping bg1="lt1" tx1="dk1" bg2="lt2" tx2="dk2" accent1="accent1" accent2="accent2" accent3="accent3" accent4="accent4" accent5="accent5" accent6="accent6" hlink="hlink" folHlink="folHlink"/>
+    <a:masterClrMapping/>
   </p:clrMapOvr>
 </p:sld>
 </file>
@@ -25613,7 +24522,12 @@
             <p:ph type="body" sz="quarter" idx="13"/>
           </p:nvPr>
         </p:nvSpPr>
-        <p:spPr/>
+        <p:spPr>
+          <a:xfrm>
+            <a:off x="531377" y="1215566"/>
+            <a:ext cx="7342631" cy="608895"/>
+          </a:xfrm>
+        </p:spPr>
         <p:txBody>
           <a:bodyPr rtlCol="0"/>
           <a:lstStyle/>
@@ -25642,7 +24556,12 @@
             <p:ph type="title"/>
           </p:nvPr>
         </p:nvSpPr>
-        <p:spPr/>
+        <p:spPr>
+          <a:xfrm>
+            <a:off x="531388" y="0"/>
+            <a:ext cx="7342622" cy="1215566"/>
+          </a:xfrm>
+        </p:spPr>
         <p:txBody>
           <a:bodyPr rtlCol="0"/>
           <a:lstStyle/>
@@ -25821,7 +24740,12 @@
             <p:ph type="body" sz="quarter" idx="13"/>
           </p:nvPr>
         </p:nvSpPr>
-        <p:spPr/>
+        <p:spPr>
+          <a:xfrm>
+            <a:off x="531383" y="1215566"/>
+            <a:ext cx="7342631" cy="608895"/>
+          </a:xfrm>
+        </p:spPr>
         <p:txBody>
           <a:bodyPr rtlCol="0"/>
           <a:lstStyle/>
@@ -25850,7 +24774,12 @@
             <p:ph type="title"/>
           </p:nvPr>
         </p:nvSpPr>
-        <p:spPr/>
+        <p:spPr>
+          <a:xfrm>
+            <a:off x="531388" y="0"/>
+            <a:ext cx="7342622" cy="1215566"/>
+          </a:xfrm>
+        </p:spPr>
         <p:txBody>
           <a:bodyPr rtlCol="0"/>
           <a:lstStyle/>
@@ -25937,9 +24866,9 @@
 </file>
 
 <file path=ppt/theme/theme1.xml><?xml version="1.0" encoding="utf-8"?>
-<a:theme xmlns:a="http://schemas.openxmlformats.org/drawingml/2006/main" name="Tema di Office">
+<a:theme xmlns:a="http://schemas.openxmlformats.org/drawingml/2006/main" name="Office Theme">
   <a:themeElements>
-    <a:clrScheme name="Office">
+    <a:clrScheme name="Tema di Office">
       <a:dk1>
         <a:sysClr val="windowText" lastClr="000000"/>
       </a:dk1>
@@ -25977,7 +24906,7 @@
         <a:srgbClr val="954F72"/>
       </a:folHlink>
     </a:clrScheme>
-    <a:fontScheme name="Office">
+    <a:fontScheme name="Tema di Office">
       <a:majorFont>
         <a:latin typeface="Calibri Light" panose="020F0302020204030204"/>
         <a:ea typeface=""/>
@@ -26012,23 +24941,6 @@
         <a:font script="Viet" typeface="Times New Roman"/>
         <a:font script="Uigh" typeface="Microsoft Uighur"/>
         <a:font script="Geor" typeface="Sylfaen"/>
-        <a:font script="Armn" typeface="Arial"/>
-        <a:font script="Bugi" typeface="Leelawadee UI"/>
-        <a:font script="Bopo" typeface="Microsoft JhengHei"/>
-        <a:font script="Java" typeface="Javanese Text"/>
-        <a:font script="Lisu" typeface="Segoe UI"/>
-        <a:font script="Mymr" typeface="Myanmar Text"/>
-        <a:font script="Nkoo" typeface="Ebrima"/>
-        <a:font script="Olck" typeface="Nirmala UI"/>
-        <a:font script="Osma" typeface="Ebrima"/>
-        <a:font script="Phag" typeface="Phagspa"/>
-        <a:font script="Syrn" typeface="Estrangelo Edessa"/>
-        <a:font script="Syrj" typeface="Estrangelo Edessa"/>
-        <a:font script="Syre" typeface="Estrangelo Edessa"/>
-        <a:font script="Sora" typeface="Nirmala UI"/>
-        <a:font script="Tale" typeface="Microsoft Tai Le"/>
-        <a:font script="Talu" typeface="Microsoft New Tai Lue"/>
-        <a:font script="Tfng" typeface="Ebrima"/>
       </a:majorFont>
       <a:minorFont>
         <a:latin typeface="Calibri" panose="020F0502020204030204"/>
@@ -26064,26 +24976,9 @@
         <a:font script="Viet" typeface="Arial"/>
         <a:font script="Uigh" typeface="Microsoft Uighur"/>
         <a:font script="Geor" typeface="Sylfaen"/>
-        <a:font script="Armn" typeface="Arial"/>
-        <a:font script="Bugi" typeface="Leelawadee UI"/>
-        <a:font script="Bopo" typeface="Microsoft JhengHei"/>
-        <a:font script="Java" typeface="Javanese Text"/>
-        <a:font script="Lisu" typeface="Segoe UI"/>
-        <a:font script="Mymr" typeface="Myanmar Text"/>
-        <a:font script="Nkoo" typeface="Ebrima"/>
-        <a:font script="Olck" typeface="Nirmala UI"/>
-        <a:font script="Osma" typeface="Ebrima"/>
-        <a:font script="Phag" typeface="Phagspa"/>
-        <a:font script="Syrn" typeface="Estrangelo Edessa"/>
-        <a:font script="Syrj" typeface="Estrangelo Edessa"/>
-        <a:font script="Syre" typeface="Estrangelo Edessa"/>
-        <a:font script="Sora" typeface="Nirmala UI"/>
-        <a:font script="Tale" typeface="Microsoft Tai Le"/>
-        <a:font script="Talu" typeface="Microsoft New Tai Lue"/>
-        <a:font script="Tfng" typeface="Ebrima"/>
       </a:minorFont>
     </a:fontScheme>
-    <a:fmtScheme name="Office">
+    <a:fmtScheme name="Tema di Office">
       <a:fillStyleLst>
         <a:solidFill>
           <a:schemeClr val="phClr"/>
@@ -26819,262 +25714,4 @@
     </a:ext>
   </a:extLst>
 </a:theme>
-</file>
-
-<file path=ppt/theme/themeOverride1.xml><?xml version="1.0" encoding="utf-8"?>
-<a:themeOverride xmlns:a="http://schemas.openxmlformats.org/drawingml/2006/main">
-  <a:clrScheme name="Office">
-    <a:dk1>
-      <a:sysClr val="windowText" lastClr="000000"/>
-    </a:dk1>
-    <a:lt1>
-      <a:sysClr val="window" lastClr="FFFFFF"/>
-    </a:lt1>
-    <a:dk2>
-      <a:srgbClr val="44546A"/>
-    </a:dk2>
-    <a:lt2>
-      <a:srgbClr val="E7E6E6"/>
-    </a:lt2>
-    <a:accent1>
-      <a:srgbClr val="4472C4"/>
-    </a:accent1>
-    <a:accent2>
-      <a:srgbClr val="ED7D31"/>
-    </a:accent2>
-    <a:accent3>
-      <a:srgbClr val="A5A5A5"/>
-    </a:accent3>
-    <a:accent4>
-      <a:srgbClr val="FFC000"/>
-    </a:accent4>
-    <a:accent5>
-      <a:srgbClr val="5B9BD5"/>
-    </a:accent5>
-    <a:accent6>
-      <a:srgbClr val="70AD47"/>
-    </a:accent6>
-    <a:hlink>
-      <a:srgbClr val="0563C1"/>
-    </a:hlink>
-    <a:folHlink>
-      <a:srgbClr val="954F72"/>
-    </a:folHlink>
-  </a:clrScheme>
-</a:themeOverride>
-</file>
-
-<file path=ppt/theme/themeOverride2.xml><?xml version="1.0" encoding="utf-8"?>
-<a:themeOverride xmlns:a="http://schemas.openxmlformats.org/drawingml/2006/main">
-  <a:clrScheme name="Office">
-    <a:dk1>
-      <a:sysClr val="windowText" lastClr="000000"/>
-    </a:dk1>
-    <a:lt1>
-      <a:sysClr val="window" lastClr="FFFFFF"/>
-    </a:lt1>
-    <a:dk2>
-      <a:srgbClr val="44546A"/>
-    </a:dk2>
-    <a:lt2>
-      <a:srgbClr val="E7E6E6"/>
-    </a:lt2>
-    <a:accent1>
-      <a:srgbClr val="4472C4"/>
-    </a:accent1>
-    <a:accent2>
-      <a:srgbClr val="ED7D31"/>
-    </a:accent2>
-    <a:accent3>
-      <a:srgbClr val="A5A5A5"/>
-    </a:accent3>
-    <a:accent4>
-      <a:srgbClr val="FFC000"/>
-    </a:accent4>
-    <a:accent5>
-      <a:srgbClr val="5B9BD5"/>
-    </a:accent5>
-    <a:accent6>
-      <a:srgbClr val="70AD47"/>
-    </a:accent6>
-    <a:hlink>
-      <a:srgbClr val="0563C1"/>
-    </a:hlink>
-    <a:folHlink>
-      <a:srgbClr val="954F72"/>
-    </a:folHlink>
-  </a:clrScheme>
-</a:themeOverride>
-</file>
-
-<file path=ppt/theme/themeOverride3.xml><?xml version="1.0" encoding="utf-8"?>
-<a:themeOverride xmlns:a="http://schemas.openxmlformats.org/drawingml/2006/main">
-  <a:clrScheme name="Office">
-    <a:dk1>
-      <a:sysClr val="windowText" lastClr="000000"/>
-    </a:dk1>
-    <a:lt1>
-      <a:sysClr val="window" lastClr="FFFFFF"/>
-    </a:lt1>
-    <a:dk2>
-      <a:srgbClr val="44546A"/>
-    </a:dk2>
-    <a:lt2>
-      <a:srgbClr val="E7E6E6"/>
-    </a:lt2>
-    <a:accent1>
-      <a:srgbClr val="4472C4"/>
-    </a:accent1>
-    <a:accent2>
-      <a:srgbClr val="ED7D31"/>
-    </a:accent2>
-    <a:accent3>
-      <a:srgbClr val="A5A5A5"/>
-    </a:accent3>
-    <a:accent4>
-      <a:srgbClr val="FFC000"/>
-    </a:accent4>
-    <a:accent5>
-      <a:srgbClr val="5B9BD5"/>
-    </a:accent5>
-    <a:accent6>
-      <a:srgbClr val="70AD47"/>
-    </a:accent6>
-    <a:hlink>
-      <a:srgbClr val="0563C1"/>
-    </a:hlink>
-    <a:folHlink>
-      <a:srgbClr val="954F72"/>
-    </a:folHlink>
-  </a:clrScheme>
-</a:themeOverride>
-</file>
-
-<file path=ppt/theme/themeOverride4.xml><?xml version="1.0" encoding="utf-8"?>
-<a:themeOverride xmlns:a="http://schemas.openxmlformats.org/drawingml/2006/main">
-  <a:clrScheme name="Office">
-    <a:dk1>
-      <a:sysClr val="windowText" lastClr="000000"/>
-    </a:dk1>
-    <a:lt1>
-      <a:sysClr val="window" lastClr="FFFFFF"/>
-    </a:lt1>
-    <a:dk2>
-      <a:srgbClr val="44546A"/>
-    </a:dk2>
-    <a:lt2>
-      <a:srgbClr val="E7E6E6"/>
-    </a:lt2>
-    <a:accent1>
-      <a:srgbClr val="4472C4"/>
-    </a:accent1>
-    <a:accent2>
-      <a:srgbClr val="ED7D31"/>
-    </a:accent2>
-    <a:accent3>
-      <a:srgbClr val="A5A5A5"/>
-    </a:accent3>
-    <a:accent4>
-      <a:srgbClr val="FFC000"/>
-    </a:accent4>
-    <a:accent5>
-      <a:srgbClr val="5B9BD5"/>
-    </a:accent5>
-    <a:accent6>
-      <a:srgbClr val="70AD47"/>
-    </a:accent6>
-    <a:hlink>
-      <a:srgbClr val="0563C1"/>
-    </a:hlink>
-    <a:folHlink>
-      <a:srgbClr val="954F72"/>
-    </a:folHlink>
-  </a:clrScheme>
-</a:themeOverride>
-</file>
-
-<file path=ppt/theme/themeOverride5.xml><?xml version="1.0" encoding="utf-8"?>
-<a:themeOverride xmlns:a="http://schemas.openxmlformats.org/drawingml/2006/main">
-  <a:clrScheme name="Office">
-    <a:dk1>
-      <a:sysClr val="windowText" lastClr="000000"/>
-    </a:dk1>
-    <a:lt1>
-      <a:sysClr val="window" lastClr="FFFFFF"/>
-    </a:lt1>
-    <a:dk2>
-      <a:srgbClr val="44546A"/>
-    </a:dk2>
-    <a:lt2>
-      <a:srgbClr val="E7E6E6"/>
-    </a:lt2>
-    <a:accent1>
-      <a:srgbClr val="4472C4"/>
-    </a:accent1>
-    <a:accent2>
-      <a:srgbClr val="ED7D31"/>
-    </a:accent2>
-    <a:accent3>
-      <a:srgbClr val="A5A5A5"/>
-    </a:accent3>
-    <a:accent4>
-      <a:srgbClr val="FFC000"/>
-    </a:accent4>
-    <a:accent5>
-      <a:srgbClr val="5B9BD5"/>
-    </a:accent5>
-    <a:accent6>
-      <a:srgbClr val="70AD47"/>
-    </a:accent6>
-    <a:hlink>
-      <a:srgbClr val="0563C1"/>
-    </a:hlink>
-    <a:folHlink>
-      <a:srgbClr val="954F72"/>
-    </a:folHlink>
-  </a:clrScheme>
-</a:themeOverride>
-</file>
-
-<file path=ppt/theme/themeOverride6.xml><?xml version="1.0" encoding="utf-8"?>
-<a:themeOverride xmlns:a="http://schemas.openxmlformats.org/drawingml/2006/main">
-  <a:clrScheme name="Office">
-    <a:dk1>
-      <a:sysClr val="windowText" lastClr="000000"/>
-    </a:dk1>
-    <a:lt1>
-      <a:sysClr val="window" lastClr="FFFFFF"/>
-    </a:lt1>
-    <a:dk2>
-      <a:srgbClr val="44546A"/>
-    </a:dk2>
-    <a:lt2>
-      <a:srgbClr val="E7E6E6"/>
-    </a:lt2>
-    <a:accent1>
-      <a:srgbClr val="4472C4"/>
-    </a:accent1>
-    <a:accent2>
-      <a:srgbClr val="ED7D31"/>
-    </a:accent2>
-    <a:accent3>
-      <a:srgbClr val="A5A5A5"/>
-    </a:accent3>
-    <a:accent4>
-      <a:srgbClr val="FFC000"/>
-    </a:accent4>
-    <a:accent5>
-      <a:srgbClr val="5B9BD5"/>
-    </a:accent5>
-    <a:accent6>
-      <a:srgbClr val="70AD47"/>
-    </a:accent6>
-    <a:hlink>
-      <a:srgbClr val="0563C1"/>
-    </a:hlink>
-    <a:folHlink>
-      <a:srgbClr val="954F72"/>
-    </a:folHlink>
-  </a:clrScheme>
-</a:themeOverride>
 </file>
--- a/Progetto Ingegneria SW.pptx
+++ b/Progetto Ingegneria SW.pptx
@@ -260,7 +260,7 @@
             <a:pPr rtl="0"/>
             <a:fld id="{BEFBFAFD-B367-4FDC-8BD6-0ED3AC1E8171}" type="datetime1">
               <a:rPr lang="it-IT" smtClean="0"/>
-              <a:t>24/06/2019</a:t>
+              <a:t>25/06/2019</a:t>
             </a:fld>
             <a:endParaRPr lang="it-IT" dirty="0"/>
           </a:p>
@@ -442,7 +442,7 @@
             <a:fld id="{358ABC55-7EA4-4B04-948D-8B6AA303BF20}" type="datetime1">
               <a:rPr lang="it-IT" noProof="0" smtClean="0"/>
               <a:pPr/>
-              <a:t>24/06/2019</a:t>
+              <a:t>25/06/2019</a:t>
             </a:fld>
             <a:endParaRPr lang="it-IT" noProof="0" dirty="0"/>
           </a:p>
@@ -3252,7 +3252,7 @@
           <a:p>
             <a:fld id="{D2C95273-7EA1-449B-9AF4-4A92A4F80372}" type="datetimeFigureOut">
               <a:rPr lang="it-IT" smtClean="0"/>
-              <a:t>24/06/2019</a:t>
+              <a:t>25/06/2019</a:t>
             </a:fld>
             <a:endParaRPr lang="it-IT"/>
           </a:p>
@@ -3662,7 +3662,7 @@
           <a:p>
             <a:fld id="{D2C95273-7EA1-449B-9AF4-4A92A4F80372}" type="datetimeFigureOut">
               <a:rPr lang="it-IT" smtClean="0"/>
-              <a:t>24/06/2019</a:t>
+              <a:t>25/06/2019</a:t>
             </a:fld>
             <a:endParaRPr lang="it-IT"/>
           </a:p>
@@ -3850,7 +3850,7 @@
           <a:p>
             <a:fld id="{D2C95273-7EA1-449B-9AF4-4A92A4F80372}" type="datetimeFigureOut">
               <a:rPr lang="it-IT" smtClean="0"/>
-              <a:t>24/06/2019</a:t>
+              <a:t>25/06/2019</a:t>
             </a:fld>
             <a:endParaRPr lang="it-IT"/>
           </a:p>
@@ -9544,7 +9544,7 @@
           <a:p>
             <a:fld id="{D2C95273-7EA1-449B-9AF4-4A92A4F80372}" type="datetimeFigureOut">
               <a:rPr lang="it-IT" smtClean="0"/>
-              <a:t>24/06/2019</a:t>
+              <a:t>25/06/2019</a:t>
             </a:fld>
             <a:endParaRPr lang="it-IT"/>
           </a:p>
@@ -13058,7 +13058,7 @@
           <a:p>
             <a:fld id="{D2C95273-7EA1-449B-9AF4-4A92A4F80372}" type="datetimeFigureOut">
               <a:rPr lang="it-IT" smtClean="0"/>
-              <a:t>24/06/2019</a:t>
+              <a:t>25/06/2019</a:t>
             </a:fld>
             <a:endParaRPr lang="it-IT"/>
           </a:p>
@@ -13742,7 +13742,7 @@
           <a:p>
             <a:fld id="{D2C95273-7EA1-449B-9AF4-4A92A4F80372}" type="datetimeFigureOut">
               <a:rPr lang="it-IT" smtClean="0"/>
-              <a:t>24/06/2019</a:t>
+              <a:t>25/06/2019</a:t>
             </a:fld>
             <a:endParaRPr lang="it-IT"/>
           </a:p>
@@ -14493,7 +14493,7 @@
           <a:p>
             <a:fld id="{D2C95273-7EA1-449B-9AF4-4A92A4F80372}" type="datetimeFigureOut">
               <a:rPr lang="it-IT" smtClean="0"/>
-              <a:t>24/06/2019</a:t>
+              <a:t>25/06/2019</a:t>
             </a:fld>
             <a:endParaRPr lang="it-IT"/>
           </a:p>
@@ -14995,7 +14995,7 @@
           <a:p>
             <a:fld id="{D2C95273-7EA1-449B-9AF4-4A92A4F80372}" type="datetimeFigureOut">
               <a:rPr lang="it-IT" smtClean="0"/>
-              <a:t>24/06/2019</a:t>
+              <a:t>25/06/2019</a:t>
             </a:fld>
             <a:endParaRPr lang="it-IT"/>
           </a:p>
@@ -15431,7 +15431,7 @@
           <a:p>
             <a:fld id="{D2C95273-7EA1-449B-9AF4-4A92A4F80372}" type="datetimeFigureOut">
               <a:rPr lang="it-IT" smtClean="0"/>
-              <a:t>24/06/2019</a:t>
+              <a:t>25/06/2019</a:t>
             </a:fld>
             <a:endParaRPr lang="it-IT"/>
           </a:p>
@@ -15716,7 +15716,7 @@
           <a:p>
             <a:fld id="{D2C95273-7EA1-449B-9AF4-4A92A4F80372}" type="datetimeFigureOut">
               <a:rPr lang="it-IT" smtClean="0"/>
-              <a:t>24/06/2019</a:t>
+              <a:t>25/06/2019</a:t>
             </a:fld>
             <a:endParaRPr lang="it-IT"/>
           </a:p>
@@ -16213,7 +16213,7 @@
           <a:p>
             <a:fld id="{D2C95273-7EA1-449B-9AF4-4A92A4F80372}" type="datetimeFigureOut">
               <a:rPr lang="it-IT" smtClean="0"/>
-              <a:t>24/06/2019</a:t>
+              <a:t>25/06/2019</a:t>
             </a:fld>
             <a:endParaRPr lang="it-IT"/>
           </a:p>
@@ -16666,7 +16666,7 @@
           <a:p>
             <a:fld id="{D2C95273-7EA1-449B-9AF4-4A92A4F80372}" type="datetimeFigureOut">
               <a:rPr lang="it-IT" smtClean="0"/>
-              <a:t>24/06/2019</a:t>
+              <a:t>25/06/2019</a:t>
             </a:fld>
             <a:endParaRPr lang="it-IT"/>
           </a:p>
@@ -20348,12 +20348,28 @@
               <a:buNone/>
             </a:pPr>
             <a:r>
+              <a:rPr lang="it-IT" dirty="0" err="1">
+                <a:solidFill>
+                  <a:srgbClr val="014B79"/>
+                </a:solidFill>
+              </a:rPr>
+              <a:t>Extract</a:t>
+            </a:r>
+            <a:r>
+              <a:rPr lang="it-IT">
+                <a:solidFill>
+                  <a:srgbClr val="014B79"/>
+                </a:solidFill>
+              </a:rPr>
+              <a:t> Method</a:t>
+            </a:r>
+            <a:r>
               <a:rPr lang="it-IT" dirty="0">
                 <a:solidFill>
                   <a:srgbClr val="014B79"/>
                 </a:solidFill>
               </a:rPr>
-              <a:t>Extract Method									26-28</a:t>
+              <a:t>									26-28</a:t>
             </a:r>
           </a:p>
           <a:p>
